--- a/docs/MLOps Final Project.pptx
+++ b/docs/MLOps Final Project.pptx
@@ -5,7 +5,7 @@
     <p:sldMasterId id="2147483648" r:id="rId1"/>
   </p:sldMasterIdLst>
   <p:notesMasterIdLst>
-    <p:notesMasterId r:id="rId11"/>
+    <p:notesMasterId r:id="rId14"/>
   </p:notesMasterIdLst>
   <p:sldIdLst>
     <p:sldId id="256" r:id="rId2"/>
@@ -17,6 +17,9 @@
     <p:sldId id="260" r:id="rId8"/>
     <p:sldId id="261" r:id="rId9"/>
     <p:sldId id="262" r:id="rId10"/>
+    <p:sldId id="266" r:id="rId11"/>
+    <p:sldId id="267" r:id="rId12"/>
+    <p:sldId id="265" r:id="rId13"/>
   </p:sldIdLst>
   <p:sldSz cx="12192000" cy="6858000"/>
   <p:notesSz cx="6858000" cy="9144000"/>
@@ -208,7 +211,7 @@
           <a:p>
             <a:fld id="{7C27A723-51FE-45AC-AC04-AE77775347B3}" type="datetimeFigureOut">
               <a:rPr lang="he-IL" smtClean="0"/>
-              <a:t>כ"ו/שבט/תשפ"ד</a:t>
+              <a:t>כ"ט.שבט.תשפ"ד</a:t>
             </a:fld>
             <a:endParaRPr lang="he-IL"/>
           </a:p>
@@ -646,7 +649,7 @@
           <a:p>
             <a:fld id="{48A87A34-81AB-432B-8DAE-1953F412C126}" type="datetimeFigureOut">
               <a:rPr lang="en-US" dirty="0"/>
-              <a:t>05-Feb-24</a:t>
+              <a:t>2/8/24</a:t>
             </a:fld>
             <a:endParaRPr lang="en-US" dirty="0"/>
           </a:p>
@@ -953,7 +956,7 @@
           <a:p>
             <a:fld id="{48A87A34-81AB-432B-8DAE-1953F412C126}" type="datetimeFigureOut">
               <a:rPr lang="en-US" dirty="0"/>
-              <a:t>05-Feb-24</a:t>
+              <a:t>2/8/24</a:t>
             </a:fld>
             <a:endParaRPr lang="en-US" dirty="0"/>
           </a:p>
@@ -1170,7 +1173,7 @@
           <a:p>
             <a:fld id="{48A87A34-81AB-432B-8DAE-1953F412C126}" type="datetimeFigureOut">
               <a:rPr lang="en-US" dirty="0"/>
-              <a:t>05-Feb-24</a:t>
+              <a:t>2/8/24</a:t>
             </a:fld>
             <a:endParaRPr lang="en-US" dirty="0"/>
           </a:p>
@@ -1456,7 +1459,7 @@
           <a:p>
             <a:fld id="{48A87A34-81AB-432B-8DAE-1953F412C126}" type="datetimeFigureOut">
               <a:rPr lang="en-US" dirty="0"/>
-              <a:t>05-Feb-24</a:t>
+              <a:t>2/8/24</a:t>
             </a:fld>
             <a:endParaRPr lang="en-US" dirty="0"/>
           </a:p>
@@ -1905,7 +1908,7 @@
           <a:p>
             <a:fld id="{48A87A34-81AB-432B-8DAE-1953F412C126}" type="datetimeFigureOut">
               <a:rPr lang="en-US" dirty="0"/>
-              <a:t>05-Feb-24</a:t>
+              <a:t>2/8/24</a:t>
             </a:fld>
             <a:endParaRPr lang="en-US" dirty="0"/>
           </a:p>
@@ -2476,7 +2479,7 @@
           <a:p>
             <a:fld id="{48A87A34-81AB-432B-8DAE-1953F412C126}" type="datetimeFigureOut">
               <a:rPr lang="en-US" dirty="0"/>
-              <a:t>05-Feb-24</a:t>
+              <a:t>2/8/24</a:t>
             </a:fld>
             <a:endParaRPr lang="en-US" dirty="0"/>
           </a:p>
@@ -3323,7 +3326,7 @@
           <a:p>
             <a:fld id="{48A87A34-81AB-432B-8DAE-1953F412C126}" type="datetimeFigureOut">
               <a:rPr lang="en-US" dirty="0"/>
-              <a:t>05-Feb-24</a:t>
+              <a:t>2/8/24</a:t>
             </a:fld>
             <a:endParaRPr lang="en-US" dirty="0"/>
           </a:p>
@@ -3523,7 +3526,7 @@
           <a:p>
             <a:fld id="{48A87A34-81AB-432B-8DAE-1953F412C126}" type="datetimeFigureOut">
               <a:rPr lang="en-US" dirty="0"/>
-              <a:t>05-Feb-24</a:t>
+              <a:t>2/8/24</a:t>
             </a:fld>
             <a:endParaRPr lang="en-US" dirty="0"/>
           </a:p>
@@ -3732,7 +3735,7 @@
           <a:p>
             <a:fld id="{48A87A34-81AB-432B-8DAE-1953F412C126}" type="datetimeFigureOut">
               <a:rPr lang="en-US" dirty="0"/>
-              <a:t>05-Feb-24</a:t>
+              <a:t>2/8/24</a:t>
             </a:fld>
             <a:endParaRPr lang="en-US" dirty="0"/>
           </a:p>
@@ -3932,7 +3935,7 @@
           <a:p>
             <a:fld id="{48A87A34-81AB-432B-8DAE-1953F412C126}" type="datetimeFigureOut">
               <a:rPr lang="en-US" dirty="0"/>
-              <a:t>05-Feb-24</a:t>
+              <a:t>2/8/24</a:t>
             </a:fld>
             <a:endParaRPr lang="en-US" dirty="0"/>
           </a:p>
@@ -4207,7 +4210,7 @@
           <a:p>
             <a:fld id="{48A87A34-81AB-432B-8DAE-1953F412C126}" type="datetimeFigureOut">
               <a:rPr lang="en-US" dirty="0"/>
-              <a:t>05-Feb-24</a:t>
+              <a:t>2/8/24</a:t>
             </a:fld>
             <a:endParaRPr lang="en-US" dirty="0"/>
           </a:p>
@@ -4469,7 +4472,7 @@
           <a:p>
             <a:fld id="{48A87A34-81AB-432B-8DAE-1953F412C126}" type="datetimeFigureOut">
               <a:rPr lang="en-US" dirty="0"/>
-              <a:t>05-Feb-24</a:t>
+              <a:t>2/8/24</a:t>
             </a:fld>
             <a:endParaRPr lang="en-US" dirty="0"/>
           </a:p>
@@ -4879,7 +4882,7 @@
           <a:p>
             <a:fld id="{48A87A34-81AB-432B-8DAE-1953F412C126}" type="datetimeFigureOut">
               <a:rPr lang="en-US" dirty="0"/>
-              <a:t>05-Feb-24</a:t>
+              <a:t>2/8/24</a:t>
             </a:fld>
             <a:endParaRPr lang="en-US" dirty="0"/>
           </a:p>
@@ -5022,7 +5025,7 @@
           <a:p>
             <a:fld id="{48A87A34-81AB-432B-8DAE-1953F412C126}" type="datetimeFigureOut">
               <a:rPr lang="en-US" dirty="0"/>
-              <a:t>05-Feb-24</a:t>
+              <a:t>2/8/24</a:t>
             </a:fld>
             <a:endParaRPr lang="en-US" dirty="0"/>
           </a:p>
@@ -5142,7 +5145,7 @@
           <a:p>
             <a:fld id="{48A87A34-81AB-432B-8DAE-1953F412C126}" type="datetimeFigureOut">
               <a:rPr lang="en-US" dirty="0"/>
-              <a:t>05-Feb-24</a:t>
+              <a:t>2/8/24</a:t>
             </a:fld>
             <a:endParaRPr lang="en-US" dirty="0"/>
           </a:p>
@@ -5416,7 +5419,7 @@
           <a:p>
             <a:fld id="{48A87A34-81AB-432B-8DAE-1953F412C126}" type="datetimeFigureOut">
               <a:rPr lang="en-US" dirty="0"/>
-              <a:t>05-Feb-24</a:t>
+              <a:t>2/8/24</a:t>
             </a:fld>
             <a:endParaRPr lang="en-US" dirty="0"/>
           </a:p>
@@ -5723,7 +5726,7 @@
           <a:p>
             <a:fld id="{48A87A34-81AB-432B-8DAE-1953F412C126}" type="datetimeFigureOut">
               <a:rPr lang="en-US" dirty="0"/>
-              <a:t>05-Feb-24</a:t>
+              <a:t>2/8/24</a:t>
             </a:fld>
             <a:endParaRPr lang="en-US" dirty="0"/>
           </a:p>
@@ -5970,7 +5973,7 @@
             <a:fld id="{48A87A34-81AB-432B-8DAE-1953F412C126}" type="datetimeFigureOut">
               <a:rPr lang="en-US" dirty="0"/>
               <a:pPr/>
-              <a:t>05-Feb-24</a:t>
+              <a:t>2/8/24</a:t>
             </a:fld>
             <a:endParaRPr lang="en-US" dirty="0"/>
           </a:p>
@@ -6485,6 +6488,566 @@
     <p:extLst>
       <p:ext uri="{BB962C8B-B14F-4D97-AF65-F5344CB8AC3E}">
         <p14:creationId xmlns:p14="http://schemas.microsoft.com/office/powerpoint/2010/main" val="2836371749"/>
+      </p:ext>
+    </p:extLst>
+  </p:cSld>
+  <p:clrMapOvr>
+    <a:masterClrMapping/>
+  </p:clrMapOvr>
+</p:sld>
+</file>
+
+<file path=ppt/slides/slide10.xml><?xml version="1.0" encoding="utf-8"?>
+<p:sld xmlns:a="http://schemas.openxmlformats.org/drawingml/2006/main" xmlns:r="http://schemas.openxmlformats.org/officeDocument/2006/relationships" xmlns:p="http://schemas.openxmlformats.org/presentationml/2006/main">
+  <p:cSld>
+    <p:spTree>
+      <p:nvGrpSpPr>
+        <p:cNvPr id="1" name=""/>
+        <p:cNvGrpSpPr/>
+        <p:nvPr/>
+      </p:nvGrpSpPr>
+      <p:grpSpPr>
+        <a:xfrm>
+          <a:off x="0" y="0"/>
+          <a:ext cx="0" cy="0"/>
+          <a:chOff x="0" y="0"/>
+          <a:chExt cx="0" cy="0"/>
+        </a:xfrm>
+      </p:grpSpPr>
+      <p:sp>
+        <p:nvSpPr>
+          <p:cNvPr id="2" name="Title 1">
+            <a:extLst>
+              <a:ext uri="{FF2B5EF4-FFF2-40B4-BE49-F238E27FC236}">
+                <a16:creationId xmlns:a16="http://schemas.microsoft.com/office/drawing/2014/main" id="{3E2365AF-46C2-3616-1532-D71DEC709133}"/>
+              </a:ext>
+            </a:extLst>
+          </p:cNvPr>
+          <p:cNvSpPr>
+            <a:spLocks noGrp="1"/>
+          </p:cNvSpPr>
+          <p:nvPr>
+            <p:ph type="title"/>
+          </p:nvPr>
+        </p:nvSpPr>
+        <p:spPr/>
+        <p:txBody>
+          <a:bodyPr/>
+          <a:lstStyle/>
+          <a:p>
+            <a:pPr algn="ctr" defTabSz="914400" rtl="0" eaLnBrk="1" latinLnBrk="0" hangingPunct="1">
+              <a:lnSpc>
+                <a:spcPct val="90000"/>
+              </a:lnSpc>
+              <a:spcBef>
+                <a:spcPct val="0"/>
+              </a:spcBef>
+              <a:buNone/>
+            </a:pPr>
+            <a:r>
+              <a:rPr lang="en-IL" dirty="0"/>
+              <a:t>Architecture - Overall</a:t>
+            </a:r>
+          </a:p>
+        </p:txBody>
+      </p:sp>
+      <p:sp>
+        <p:nvSpPr>
+          <p:cNvPr id="3" name="Content Placeholder 2">
+            <a:extLst>
+              <a:ext uri="{FF2B5EF4-FFF2-40B4-BE49-F238E27FC236}">
+                <a16:creationId xmlns:a16="http://schemas.microsoft.com/office/drawing/2014/main" id="{E6EF5898-C934-4F56-A10A-009A01A21DA2}"/>
+              </a:ext>
+            </a:extLst>
+          </p:cNvPr>
+          <p:cNvSpPr>
+            <a:spLocks noGrp="1"/>
+          </p:cNvSpPr>
+          <p:nvPr>
+            <p:ph sz="quarter" idx="13"/>
+          </p:nvPr>
+        </p:nvSpPr>
+        <p:spPr>
+          <a:xfrm>
+            <a:off x="913774" y="1828800"/>
+            <a:ext cx="10363826" cy="3962399"/>
+          </a:xfrm>
+        </p:spPr>
+        <p:txBody>
+          <a:bodyPr>
+            <a:normAutofit/>
+          </a:bodyPr>
+          <a:lstStyle/>
+          <a:p>
+            <a:pPr marL="228600" indent="-228600" algn="l" defTabSz="914400" rtl="0" eaLnBrk="1" latinLnBrk="0" hangingPunct="1">
+              <a:lnSpc>
+                <a:spcPct val="120000"/>
+              </a:lnSpc>
+              <a:spcBef>
+                <a:spcPts val="1000"/>
+              </a:spcBef>
+              <a:buClr>
+                <a:schemeClr val="tx1"/>
+              </a:buClr>
+              <a:buFont typeface="Arial" panose="020B0604020202020204" pitchFamily="34" charset="0"/>
+              <a:buChar char="•"/>
+            </a:pPr>
+            <a:r>
+              <a:rPr lang="en-IL" dirty="0"/>
+              <a:t>Runtime environment: We use our laptops as the runtime environment, with the following installed:</a:t>
+            </a:r>
+          </a:p>
+          <a:p>
+            <a:pPr lvl="1" algn="l" rtl="0">
+              <a:spcBef>
+                <a:spcPts val="1000"/>
+              </a:spcBef>
+            </a:pPr>
+            <a:r>
+              <a:rPr lang="en-IL" sz="2000" dirty="0"/>
+              <a:t>OS: MacOS M1 / M2 or Windows 10+ supported</a:t>
+            </a:r>
+          </a:p>
+          <a:p>
+            <a:pPr lvl="1" algn="l" rtl="0">
+              <a:spcBef>
+                <a:spcPts val="1000"/>
+              </a:spcBef>
+            </a:pPr>
+            <a:r>
+              <a:rPr lang="en-IL" sz="2000" dirty="0"/>
+              <a:t>Python 3.11 with Anaconda / Miniconda installed</a:t>
+            </a:r>
+          </a:p>
+          <a:p>
+            <a:pPr lvl="1" algn="l" rtl="0">
+              <a:spcBef>
+                <a:spcPts val="1000"/>
+              </a:spcBef>
+            </a:pPr>
+            <a:r>
+              <a:rPr lang="en-IL" sz="2000" dirty="0"/>
+              <a:t>The requirements Python packages specified in requirements.txt files installed using pip or conda</a:t>
+            </a:r>
+          </a:p>
+          <a:p>
+            <a:pPr lvl="1" algn="l" rtl="0">
+              <a:spcBef>
+                <a:spcPts val="1000"/>
+              </a:spcBef>
+            </a:pPr>
+            <a:r>
+              <a:rPr lang="en-IL" sz="2000" dirty="0"/>
+              <a:t>In a real scenario the runtime environment should be run on an Instance in the cloud</a:t>
+            </a:r>
+          </a:p>
+          <a:p>
+            <a:pPr algn="l" rtl="0"/>
+            <a:r>
+              <a:rPr lang="en-IL" dirty="0"/>
+              <a:t>Model registry: We use Databricks SaaS platform to register and store our trained models. The Databricks platform is hosted in AWS cloud</a:t>
+            </a:r>
+          </a:p>
+        </p:txBody>
+      </p:sp>
+    </p:spTree>
+    <p:extLst>
+      <p:ext uri="{BB962C8B-B14F-4D97-AF65-F5344CB8AC3E}">
+        <p14:creationId xmlns:p14="http://schemas.microsoft.com/office/powerpoint/2010/main" val="810456341"/>
+      </p:ext>
+    </p:extLst>
+  </p:cSld>
+  <p:clrMapOvr>
+    <a:masterClrMapping/>
+  </p:clrMapOvr>
+</p:sld>
+</file>
+
+<file path=ppt/slides/slide11.xml><?xml version="1.0" encoding="utf-8"?>
+<p:sld xmlns:a="http://schemas.openxmlformats.org/drawingml/2006/main" xmlns:r="http://schemas.openxmlformats.org/officeDocument/2006/relationships" xmlns:p="http://schemas.openxmlformats.org/presentationml/2006/main">
+  <p:cSld>
+    <p:spTree>
+      <p:nvGrpSpPr>
+        <p:cNvPr id="1" name=""/>
+        <p:cNvGrpSpPr/>
+        <p:nvPr/>
+      </p:nvGrpSpPr>
+      <p:grpSpPr>
+        <a:xfrm>
+          <a:off x="0" y="0"/>
+          <a:ext cx="0" cy="0"/>
+          <a:chOff x="0" y="0"/>
+          <a:chExt cx="0" cy="0"/>
+        </a:xfrm>
+      </p:grpSpPr>
+      <p:sp>
+        <p:nvSpPr>
+          <p:cNvPr id="2" name="Title 1">
+            <a:extLst>
+              <a:ext uri="{FF2B5EF4-FFF2-40B4-BE49-F238E27FC236}">
+                <a16:creationId xmlns:a16="http://schemas.microsoft.com/office/drawing/2014/main" id="{1992D947-AC74-53B5-5D6B-12BA87E6572D}"/>
+              </a:ext>
+            </a:extLst>
+          </p:cNvPr>
+          <p:cNvSpPr>
+            <a:spLocks noGrp="1"/>
+          </p:cNvSpPr>
+          <p:nvPr>
+            <p:ph type="title"/>
+          </p:nvPr>
+        </p:nvSpPr>
+        <p:spPr/>
+        <p:txBody>
+          <a:bodyPr/>
+          <a:lstStyle/>
+          <a:p>
+            <a:pPr algn="ctr" defTabSz="914400" rtl="0" eaLnBrk="1" latinLnBrk="0" hangingPunct="1">
+              <a:lnSpc>
+                <a:spcPct val="90000"/>
+              </a:lnSpc>
+              <a:spcBef>
+                <a:spcPct val="0"/>
+              </a:spcBef>
+              <a:buNone/>
+            </a:pPr>
+            <a:r>
+              <a:rPr lang="en-IL" dirty="0"/>
+              <a:t>Architecture - Process</a:t>
+            </a:r>
+          </a:p>
+        </p:txBody>
+      </p:sp>
+      <p:sp>
+        <p:nvSpPr>
+          <p:cNvPr id="3" name="Content Placeholder 2">
+            <a:extLst>
+              <a:ext uri="{FF2B5EF4-FFF2-40B4-BE49-F238E27FC236}">
+                <a16:creationId xmlns:a16="http://schemas.microsoft.com/office/drawing/2014/main" id="{16B8136E-200E-3148-DE13-5E3FEC8D9D65}"/>
+              </a:ext>
+            </a:extLst>
+          </p:cNvPr>
+          <p:cNvSpPr>
+            <a:spLocks noGrp="1"/>
+          </p:cNvSpPr>
+          <p:nvPr>
+            <p:ph sz="quarter" idx="13"/>
+          </p:nvPr>
+        </p:nvSpPr>
+        <p:spPr>
+          <a:xfrm>
+            <a:off x="659774" y="1794934"/>
+            <a:ext cx="10363826" cy="4614333"/>
+          </a:xfrm>
+        </p:spPr>
+        <p:txBody>
+          <a:bodyPr>
+            <a:normAutofit fontScale="92500" lnSpcReduction="10000"/>
+          </a:bodyPr>
+          <a:lstStyle/>
+          <a:p>
+            <a:pPr marL="457200" indent="-457200" algn="l" defTabSz="914400" rtl="0" eaLnBrk="1" latinLnBrk="0" hangingPunct="1">
+              <a:lnSpc>
+                <a:spcPct val="120000"/>
+              </a:lnSpc>
+              <a:spcBef>
+                <a:spcPts val="1000"/>
+              </a:spcBef>
+              <a:buClr>
+                <a:schemeClr val="tx1"/>
+              </a:buClr>
+              <a:buFont typeface="+mj-lt"/>
+              <a:buAutoNum type="arabicPeriod"/>
+            </a:pPr>
+            <a:r>
+              <a:rPr lang="en-IL" dirty="0"/>
+              <a:t>Load the dataset from a set of CSV files and concatinate them into a Dataframe object</a:t>
+            </a:r>
+          </a:p>
+          <a:p>
+            <a:pPr marL="457200" indent="-457200" algn="l" defTabSz="914400" rtl="0" eaLnBrk="1" latinLnBrk="0" hangingPunct="1">
+              <a:lnSpc>
+                <a:spcPct val="120000"/>
+              </a:lnSpc>
+              <a:spcBef>
+                <a:spcPts val="1000"/>
+              </a:spcBef>
+              <a:buClr>
+                <a:schemeClr val="tx1"/>
+              </a:buClr>
+              <a:buFont typeface="+mj-lt"/>
+              <a:buAutoNum type="arabicPeriod"/>
+            </a:pPr>
+            <a:r>
+              <a:rPr lang="en-IL" dirty="0"/>
+              <a:t>By the selected algorithm (LightGBM / ConvAE):</a:t>
+            </a:r>
+          </a:p>
+          <a:p>
+            <a:pPr marL="914400" lvl="1" indent="-457200" algn="l" rtl="0">
+              <a:spcBef>
+                <a:spcPts val="1000"/>
+              </a:spcBef>
+              <a:buFont typeface="+mj-lt"/>
+              <a:buAutoNum type="arabicPeriod"/>
+            </a:pPr>
+            <a:r>
+              <a:rPr lang="en-IL" dirty="0"/>
+              <a:t>Split the dataset into train / valid / test sets</a:t>
+            </a:r>
+          </a:p>
+          <a:p>
+            <a:pPr marL="914400" lvl="1" indent="-457200" algn="l" rtl="0">
+              <a:spcBef>
+                <a:spcPts val="1000"/>
+              </a:spcBef>
+              <a:buFont typeface="+mj-lt"/>
+              <a:buAutoNum type="arabicPeriod"/>
+            </a:pPr>
+            <a:r>
+              <a:rPr lang="en-IL" dirty="0"/>
+              <a:t>Run a training using the train set and validate it with the valid set</a:t>
+            </a:r>
+          </a:p>
+          <a:p>
+            <a:pPr marL="914400" lvl="1" indent="-457200" algn="l" rtl="0">
+              <a:spcBef>
+                <a:spcPts val="1000"/>
+              </a:spcBef>
+              <a:buFont typeface="+mj-lt"/>
+              <a:buAutoNum type="arabicPeriod"/>
+            </a:pPr>
+            <a:r>
+              <a:rPr lang="en-IL" dirty="0"/>
+              <a:t>Make a test using the test set in order to calculate our desired metrics</a:t>
+            </a:r>
+          </a:p>
+          <a:p>
+            <a:pPr marL="457200" indent="-457200" algn="l" rtl="0">
+              <a:buFont typeface="+mj-lt"/>
+              <a:buAutoNum type="arabicPeriod"/>
+            </a:pPr>
+            <a:r>
+              <a:rPr lang="en-IL" dirty="0"/>
+              <a:t>Run a </a:t>
+            </a:r>
+            <a:r>
+              <a:rPr lang="en-US" dirty="0" err="1"/>
+              <a:t>FraeAI</a:t>
+            </a:r>
+            <a:r>
+              <a:rPr lang="en-US" dirty="0"/>
+              <a:t> algorithm based on a single feature of the original dataset and compare between the predicted vs actual test results (In our use-case it’s anomaly)</a:t>
+            </a:r>
+          </a:p>
+          <a:p>
+            <a:pPr marL="457200" indent="-457200" algn="l" rtl="0">
+              <a:buFont typeface="+mj-lt"/>
+              <a:buAutoNum type="arabicPeriod"/>
+            </a:pPr>
+            <a:r>
+              <a:rPr lang="en-US" dirty="0"/>
+              <a:t>Calculate our desired metrics based on the </a:t>
+            </a:r>
+            <a:r>
+              <a:rPr lang="en-US" dirty="0" err="1"/>
+              <a:t>FraeAI</a:t>
+            </a:r>
+            <a:r>
+              <a:rPr lang="en-US" dirty="0"/>
+              <a:t> algorithm</a:t>
+            </a:r>
+          </a:p>
+          <a:p>
+            <a:pPr marL="457200" indent="-457200" algn="l" rtl="0">
+              <a:buFont typeface="+mj-lt"/>
+              <a:buAutoNum type="arabicPeriod"/>
+            </a:pPr>
+            <a:r>
+              <a:rPr lang="en-US" dirty="0"/>
+              <a:t>Register our model into Databricks platform</a:t>
+            </a:r>
+          </a:p>
+          <a:p>
+            <a:pPr marL="457200" indent="-457200" algn="l" rtl="0">
+              <a:buFont typeface="+mj-lt"/>
+              <a:buAutoNum type="arabicPeriod"/>
+            </a:pPr>
+            <a:r>
+              <a:rPr lang="en-IL" dirty="0"/>
+              <a:t>Load the model from Databricks and make a test using the test set in order to calculate our desired metrics</a:t>
+            </a:r>
+          </a:p>
+        </p:txBody>
+      </p:sp>
+    </p:spTree>
+    <p:extLst>
+      <p:ext uri="{BB962C8B-B14F-4D97-AF65-F5344CB8AC3E}">
+        <p14:creationId xmlns:p14="http://schemas.microsoft.com/office/powerpoint/2010/main" val="1757092679"/>
+      </p:ext>
+    </p:extLst>
+  </p:cSld>
+  <p:clrMapOvr>
+    <a:masterClrMapping/>
+  </p:clrMapOvr>
+</p:sld>
+</file>
+
+<file path=ppt/slides/slide12.xml><?xml version="1.0" encoding="utf-8"?>
+<p:sld xmlns:a="http://schemas.openxmlformats.org/drawingml/2006/main" xmlns:r="http://schemas.openxmlformats.org/officeDocument/2006/relationships" xmlns:p="http://schemas.openxmlformats.org/presentationml/2006/main">
+  <p:cSld>
+    <p:spTree>
+      <p:nvGrpSpPr>
+        <p:cNvPr id="1" name=""/>
+        <p:cNvGrpSpPr/>
+        <p:nvPr/>
+      </p:nvGrpSpPr>
+      <p:grpSpPr>
+        <a:xfrm>
+          <a:off x="0" y="0"/>
+          <a:ext cx="0" cy="0"/>
+          <a:chOff x="0" y="0"/>
+          <a:chExt cx="0" cy="0"/>
+        </a:xfrm>
+      </p:grpSpPr>
+      <p:sp>
+        <p:nvSpPr>
+          <p:cNvPr id="2" name="Title 1">
+            <a:extLst>
+              <a:ext uri="{FF2B5EF4-FFF2-40B4-BE49-F238E27FC236}">
+                <a16:creationId xmlns:a16="http://schemas.microsoft.com/office/drawing/2014/main" id="{0D2CA2B8-C3E4-9CCB-39B6-3632459C9DBE}"/>
+              </a:ext>
+            </a:extLst>
+          </p:cNvPr>
+          <p:cNvSpPr>
+            <a:spLocks noGrp="1"/>
+          </p:cNvSpPr>
+          <p:nvPr>
+            <p:ph type="title"/>
+          </p:nvPr>
+        </p:nvSpPr>
+        <p:spPr/>
+        <p:txBody>
+          <a:bodyPr/>
+          <a:lstStyle/>
+          <a:p>
+            <a:pPr algn="ctr" defTabSz="914400" rtl="0" eaLnBrk="1" latinLnBrk="0" hangingPunct="1">
+              <a:lnSpc>
+                <a:spcPct val="90000"/>
+              </a:lnSpc>
+              <a:spcBef>
+                <a:spcPct val="0"/>
+              </a:spcBef>
+              <a:buNone/>
+            </a:pPr>
+            <a:r>
+              <a:rPr lang="en-IL" dirty="0"/>
+              <a:t>Architecture – MLFlow</a:t>
+            </a:r>
+          </a:p>
+        </p:txBody>
+      </p:sp>
+      <p:sp>
+        <p:nvSpPr>
+          <p:cNvPr id="3" name="Content Placeholder 2">
+            <a:extLst>
+              <a:ext uri="{FF2B5EF4-FFF2-40B4-BE49-F238E27FC236}">
+                <a16:creationId xmlns:a16="http://schemas.microsoft.com/office/drawing/2014/main" id="{043E4208-15B2-8B64-720E-70C7E9DBB450}"/>
+              </a:ext>
+            </a:extLst>
+          </p:cNvPr>
+          <p:cNvSpPr>
+            <a:spLocks noGrp="1"/>
+          </p:cNvSpPr>
+          <p:nvPr>
+            <p:ph sz="quarter" idx="13"/>
+          </p:nvPr>
+        </p:nvSpPr>
+        <p:spPr/>
+        <p:txBody>
+          <a:bodyPr/>
+          <a:lstStyle/>
+          <a:p>
+            <a:pPr marL="228600" indent="-228600" algn="l" defTabSz="914400" rtl="0" eaLnBrk="1" latinLnBrk="0" hangingPunct="1">
+              <a:lnSpc>
+                <a:spcPct val="120000"/>
+              </a:lnSpc>
+              <a:spcBef>
+                <a:spcPts val="1000"/>
+              </a:spcBef>
+              <a:buClr>
+                <a:schemeClr val="tx1"/>
+              </a:buClr>
+              <a:buFont typeface="Arial" panose="020B0604020202020204" pitchFamily="34" charset="0"/>
+              <a:buChar char="•"/>
+            </a:pPr>
+            <a:r>
+              <a:rPr lang="en-IL" dirty="0"/>
+              <a:t>MLFlow is a MLOps library provider by Databricks, a MLOps software company</a:t>
+            </a:r>
+          </a:p>
+          <a:p>
+            <a:pPr marL="228600" indent="-228600" algn="l" defTabSz="914400" rtl="0" eaLnBrk="1" latinLnBrk="0" hangingPunct="1">
+              <a:lnSpc>
+                <a:spcPct val="120000"/>
+              </a:lnSpc>
+              <a:spcBef>
+                <a:spcPts val="1000"/>
+              </a:spcBef>
+              <a:buClr>
+                <a:schemeClr val="tx1"/>
+              </a:buClr>
+              <a:buFont typeface="Arial" panose="020B0604020202020204" pitchFamily="34" charset="0"/>
+              <a:buChar char="•"/>
+            </a:pPr>
+            <a:r>
+              <a:rPr lang="en-IL" dirty="0"/>
+              <a:t>We use MLFlow to register our trained model in the Databricks cloud SaaS platform</a:t>
+            </a:r>
+          </a:p>
+          <a:p>
+            <a:pPr marL="228600" indent="-228600" algn="l" defTabSz="914400" rtl="0" eaLnBrk="1" latinLnBrk="0" hangingPunct="1">
+              <a:lnSpc>
+                <a:spcPct val="120000"/>
+              </a:lnSpc>
+              <a:spcBef>
+                <a:spcPts val="1000"/>
+              </a:spcBef>
+              <a:buClr>
+                <a:schemeClr val="tx1"/>
+              </a:buClr>
+              <a:buFont typeface="Arial" panose="020B0604020202020204" pitchFamily="34" charset="0"/>
+              <a:buChar char="•"/>
+            </a:pPr>
+            <a:r>
+              <a:rPr lang="en-IL" dirty="0"/>
+              <a:t>Using MLFlow, we can handle versions of the trained model</a:t>
+            </a:r>
+          </a:p>
+          <a:p>
+            <a:pPr marL="228600" indent="-228600" algn="l" defTabSz="914400" rtl="0" eaLnBrk="1" latinLnBrk="0" hangingPunct="1">
+              <a:lnSpc>
+                <a:spcPct val="120000"/>
+              </a:lnSpc>
+              <a:spcBef>
+                <a:spcPts val="1000"/>
+              </a:spcBef>
+              <a:buClr>
+                <a:schemeClr val="tx1"/>
+              </a:buClr>
+              <a:buFont typeface="Arial" panose="020B0604020202020204" pitchFamily="34" charset="0"/>
+              <a:buChar char="•"/>
+            </a:pPr>
+            <a:r>
+              <a:rPr lang="en-IL" dirty="0"/>
+              <a:t>In production scenario, we can load the model from the platform and run a prediction against a test set in order to calculate our metrics </a:t>
+            </a:r>
+          </a:p>
+        </p:txBody>
+      </p:sp>
+    </p:spTree>
+    <p:extLst>
+      <p:ext uri="{BB962C8B-B14F-4D97-AF65-F5344CB8AC3E}">
+        <p14:creationId xmlns:p14="http://schemas.microsoft.com/office/powerpoint/2010/main" val="1722080921"/>
       </p:ext>
     </p:extLst>
   </p:cSld>

--- a/docs/MLOps Final Project.pptx
+++ b/docs/MLOps Final Project.pptx
@@ -5,7 +5,7 @@
     <p:sldMasterId id="2147483648" r:id="rId1"/>
   </p:sldMasterIdLst>
   <p:notesMasterIdLst>
-    <p:notesMasterId r:id="rId14"/>
+    <p:notesMasterId r:id="rId16"/>
   </p:notesMasterIdLst>
   <p:sldIdLst>
     <p:sldId id="256" r:id="rId2"/>
@@ -20,6 +20,8 @@
     <p:sldId id="266" r:id="rId11"/>
     <p:sldId id="267" r:id="rId12"/>
     <p:sldId id="265" r:id="rId13"/>
+    <p:sldId id="268" r:id="rId14"/>
+    <p:sldId id="269" r:id="rId15"/>
   </p:sldIdLst>
   <p:sldSz cx="12192000" cy="6858000"/>
   <p:notesSz cx="6858000" cy="9144000"/>
@@ -211,7 +213,7 @@
           <a:p>
             <a:fld id="{7C27A723-51FE-45AC-AC04-AE77775347B3}" type="datetimeFigureOut">
               <a:rPr lang="he-IL" smtClean="0"/>
-              <a:t>כ"ט.שבט.תשפ"ד</a:t>
+              <a:t>ל'.שבט.תשפ"ד</a:t>
             </a:fld>
             <a:endParaRPr lang="he-IL"/>
           </a:p>
@@ -649,7 +651,7 @@
           <a:p>
             <a:fld id="{48A87A34-81AB-432B-8DAE-1953F412C126}" type="datetimeFigureOut">
               <a:rPr lang="en-US" dirty="0"/>
-              <a:t>2/8/24</a:t>
+              <a:t>2/9/24</a:t>
             </a:fld>
             <a:endParaRPr lang="en-US" dirty="0"/>
           </a:p>
@@ -956,7 +958,7 @@
           <a:p>
             <a:fld id="{48A87A34-81AB-432B-8DAE-1953F412C126}" type="datetimeFigureOut">
               <a:rPr lang="en-US" dirty="0"/>
-              <a:t>2/8/24</a:t>
+              <a:t>2/9/24</a:t>
             </a:fld>
             <a:endParaRPr lang="en-US" dirty="0"/>
           </a:p>
@@ -1173,7 +1175,7 @@
           <a:p>
             <a:fld id="{48A87A34-81AB-432B-8DAE-1953F412C126}" type="datetimeFigureOut">
               <a:rPr lang="en-US" dirty="0"/>
-              <a:t>2/8/24</a:t>
+              <a:t>2/9/24</a:t>
             </a:fld>
             <a:endParaRPr lang="en-US" dirty="0"/>
           </a:p>
@@ -1459,7 +1461,7 @@
           <a:p>
             <a:fld id="{48A87A34-81AB-432B-8DAE-1953F412C126}" type="datetimeFigureOut">
               <a:rPr lang="en-US" dirty="0"/>
-              <a:t>2/8/24</a:t>
+              <a:t>2/9/24</a:t>
             </a:fld>
             <a:endParaRPr lang="en-US" dirty="0"/>
           </a:p>
@@ -1908,7 +1910,7 @@
           <a:p>
             <a:fld id="{48A87A34-81AB-432B-8DAE-1953F412C126}" type="datetimeFigureOut">
               <a:rPr lang="en-US" dirty="0"/>
-              <a:t>2/8/24</a:t>
+              <a:t>2/9/24</a:t>
             </a:fld>
             <a:endParaRPr lang="en-US" dirty="0"/>
           </a:p>
@@ -2479,7 +2481,7 @@
           <a:p>
             <a:fld id="{48A87A34-81AB-432B-8DAE-1953F412C126}" type="datetimeFigureOut">
               <a:rPr lang="en-US" dirty="0"/>
-              <a:t>2/8/24</a:t>
+              <a:t>2/9/24</a:t>
             </a:fld>
             <a:endParaRPr lang="en-US" dirty="0"/>
           </a:p>
@@ -3326,7 +3328,7 @@
           <a:p>
             <a:fld id="{48A87A34-81AB-432B-8DAE-1953F412C126}" type="datetimeFigureOut">
               <a:rPr lang="en-US" dirty="0"/>
-              <a:t>2/8/24</a:t>
+              <a:t>2/9/24</a:t>
             </a:fld>
             <a:endParaRPr lang="en-US" dirty="0"/>
           </a:p>
@@ -3526,7 +3528,7 @@
           <a:p>
             <a:fld id="{48A87A34-81AB-432B-8DAE-1953F412C126}" type="datetimeFigureOut">
               <a:rPr lang="en-US" dirty="0"/>
-              <a:t>2/8/24</a:t>
+              <a:t>2/9/24</a:t>
             </a:fld>
             <a:endParaRPr lang="en-US" dirty="0"/>
           </a:p>
@@ -3735,7 +3737,7 @@
           <a:p>
             <a:fld id="{48A87A34-81AB-432B-8DAE-1953F412C126}" type="datetimeFigureOut">
               <a:rPr lang="en-US" dirty="0"/>
-              <a:t>2/8/24</a:t>
+              <a:t>2/9/24</a:t>
             </a:fld>
             <a:endParaRPr lang="en-US" dirty="0"/>
           </a:p>
@@ -3935,7 +3937,7 @@
           <a:p>
             <a:fld id="{48A87A34-81AB-432B-8DAE-1953F412C126}" type="datetimeFigureOut">
               <a:rPr lang="en-US" dirty="0"/>
-              <a:t>2/8/24</a:t>
+              <a:t>2/9/24</a:t>
             </a:fld>
             <a:endParaRPr lang="en-US" dirty="0"/>
           </a:p>
@@ -4210,7 +4212,7 @@
           <a:p>
             <a:fld id="{48A87A34-81AB-432B-8DAE-1953F412C126}" type="datetimeFigureOut">
               <a:rPr lang="en-US" dirty="0"/>
-              <a:t>2/8/24</a:t>
+              <a:t>2/9/24</a:t>
             </a:fld>
             <a:endParaRPr lang="en-US" dirty="0"/>
           </a:p>
@@ -4472,7 +4474,7 @@
           <a:p>
             <a:fld id="{48A87A34-81AB-432B-8DAE-1953F412C126}" type="datetimeFigureOut">
               <a:rPr lang="en-US" dirty="0"/>
-              <a:t>2/8/24</a:t>
+              <a:t>2/9/24</a:t>
             </a:fld>
             <a:endParaRPr lang="en-US" dirty="0"/>
           </a:p>
@@ -4882,7 +4884,7 @@
           <a:p>
             <a:fld id="{48A87A34-81AB-432B-8DAE-1953F412C126}" type="datetimeFigureOut">
               <a:rPr lang="en-US" dirty="0"/>
-              <a:t>2/8/24</a:t>
+              <a:t>2/9/24</a:t>
             </a:fld>
             <a:endParaRPr lang="en-US" dirty="0"/>
           </a:p>
@@ -5025,7 +5027,7 @@
           <a:p>
             <a:fld id="{48A87A34-81AB-432B-8DAE-1953F412C126}" type="datetimeFigureOut">
               <a:rPr lang="en-US" dirty="0"/>
-              <a:t>2/8/24</a:t>
+              <a:t>2/9/24</a:t>
             </a:fld>
             <a:endParaRPr lang="en-US" dirty="0"/>
           </a:p>
@@ -5145,7 +5147,7 @@
           <a:p>
             <a:fld id="{48A87A34-81AB-432B-8DAE-1953F412C126}" type="datetimeFigureOut">
               <a:rPr lang="en-US" dirty="0"/>
-              <a:t>2/8/24</a:t>
+              <a:t>2/9/24</a:t>
             </a:fld>
             <a:endParaRPr lang="en-US" dirty="0"/>
           </a:p>
@@ -5419,7 +5421,7 @@
           <a:p>
             <a:fld id="{48A87A34-81AB-432B-8DAE-1953F412C126}" type="datetimeFigureOut">
               <a:rPr lang="en-US" dirty="0"/>
-              <a:t>2/8/24</a:t>
+              <a:t>2/9/24</a:t>
             </a:fld>
             <a:endParaRPr lang="en-US" dirty="0"/>
           </a:p>
@@ -5726,7 +5728,7 @@
           <a:p>
             <a:fld id="{48A87A34-81AB-432B-8DAE-1953F412C126}" type="datetimeFigureOut">
               <a:rPr lang="en-US" dirty="0"/>
-              <a:t>2/8/24</a:t>
+              <a:t>2/9/24</a:t>
             </a:fld>
             <a:endParaRPr lang="en-US" dirty="0"/>
           </a:p>
@@ -5973,7 +5975,7 @@
             <a:fld id="{48A87A34-81AB-432B-8DAE-1953F412C126}" type="datetimeFigureOut">
               <a:rPr lang="en-US" dirty="0"/>
               <a:pPr/>
-              <a:t>2/8/24</a:t>
+              <a:t>2/9/24</a:t>
             </a:fld>
             <a:endParaRPr lang="en-US" dirty="0"/>
           </a:p>
@@ -7048,6 +7050,200 @@
     <p:extLst>
       <p:ext uri="{BB962C8B-B14F-4D97-AF65-F5344CB8AC3E}">
         <p14:creationId xmlns:p14="http://schemas.microsoft.com/office/powerpoint/2010/main" val="1722080921"/>
+      </p:ext>
+    </p:extLst>
+  </p:cSld>
+  <p:clrMapOvr>
+    <a:masterClrMapping/>
+  </p:clrMapOvr>
+</p:sld>
+</file>
+
+<file path=ppt/slides/slide13.xml><?xml version="1.0" encoding="utf-8"?>
+<p:sld xmlns:a="http://schemas.openxmlformats.org/drawingml/2006/main" xmlns:r="http://schemas.openxmlformats.org/officeDocument/2006/relationships" xmlns:p="http://schemas.openxmlformats.org/presentationml/2006/main">
+  <p:cSld>
+    <p:spTree>
+      <p:nvGrpSpPr>
+        <p:cNvPr id="1" name=""/>
+        <p:cNvGrpSpPr/>
+        <p:nvPr/>
+      </p:nvGrpSpPr>
+      <p:grpSpPr>
+        <a:xfrm>
+          <a:off x="0" y="0"/>
+          <a:ext cx="0" cy="0"/>
+          <a:chOff x="0" y="0"/>
+          <a:chExt cx="0" cy="0"/>
+        </a:xfrm>
+      </p:grpSpPr>
+      <p:sp>
+        <p:nvSpPr>
+          <p:cNvPr id="2" name="Title 1">
+            <a:extLst>
+              <a:ext uri="{FF2B5EF4-FFF2-40B4-BE49-F238E27FC236}">
+                <a16:creationId xmlns:a16="http://schemas.microsoft.com/office/drawing/2014/main" id="{49EB1DF4-196C-8FE2-0E0C-8C7A927A91B2}"/>
+              </a:ext>
+            </a:extLst>
+          </p:cNvPr>
+          <p:cNvSpPr>
+            <a:spLocks noGrp="1"/>
+          </p:cNvSpPr>
+          <p:nvPr>
+            <p:ph type="title"/>
+          </p:nvPr>
+        </p:nvSpPr>
+        <p:spPr/>
+        <p:txBody>
+          <a:bodyPr/>
+          <a:lstStyle/>
+          <a:p>
+            <a:pPr algn="ctr" defTabSz="914400" rtl="0" eaLnBrk="1" latinLnBrk="0" hangingPunct="1">
+              <a:lnSpc>
+                <a:spcPct val="90000"/>
+              </a:lnSpc>
+              <a:spcBef>
+                <a:spcPct val="0"/>
+              </a:spcBef>
+              <a:buNone/>
+            </a:pPr>
+            <a:r>
+              <a:rPr lang="en-IL" dirty="0"/>
+              <a:t>Architecture – Visualize – Train phase</a:t>
+            </a:r>
+          </a:p>
+        </p:txBody>
+      </p:sp>
+      <p:pic>
+        <p:nvPicPr>
+          <p:cNvPr id="8" name="Picture 7">
+            <a:extLst>
+              <a:ext uri="{FF2B5EF4-FFF2-40B4-BE49-F238E27FC236}">
+                <a16:creationId xmlns:a16="http://schemas.microsoft.com/office/drawing/2014/main" id="{20164C20-7D7C-249A-9C83-EF2ECBD1C258}"/>
+              </a:ext>
+            </a:extLst>
+          </p:cNvPr>
+          <p:cNvPicPr>
+            <a:picLocks noChangeAspect="1"/>
+          </p:cNvPicPr>
+          <p:nvPr/>
+        </p:nvPicPr>
+        <p:blipFill>
+          <a:blip r:embed="rId2"/>
+          <a:stretch>
+            <a:fillRect/>
+          </a:stretch>
+        </p:blipFill>
+        <p:spPr>
+          <a:xfrm>
+            <a:off x="1261705" y="2214694"/>
+            <a:ext cx="9238029" cy="2860592"/>
+          </a:xfrm>
+          <a:prstGeom prst="rect">
+            <a:avLst/>
+          </a:prstGeom>
+        </p:spPr>
+      </p:pic>
+    </p:spTree>
+    <p:extLst>
+      <p:ext uri="{BB962C8B-B14F-4D97-AF65-F5344CB8AC3E}">
+        <p14:creationId xmlns:p14="http://schemas.microsoft.com/office/powerpoint/2010/main" val="2006312558"/>
+      </p:ext>
+    </p:extLst>
+  </p:cSld>
+  <p:clrMapOvr>
+    <a:masterClrMapping/>
+  </p:clrMapOvr>
+</p:sld>
+</file>
+
+<file path=ppt/slides/slide14.xml><?xml version="1.0" encoding="utf-8"?>
+<p:sld xmlns:a="http://schemas.openxmlformats.org/drawingml/2006/main" xmlns:r="http://schemas.openxmlformats.org/officeDocument/2006/relationships" xmlns:p="http://schemas.openxmlformats.org/presentationml/2006/main">
+  <p:cSld>
+    <p:spTree>
+      <p:nvGrpSpPr>
+        <p:cNvPr id="1" name=""/>
+        <p:cNvGrpSpPr/>
+        <p:nvPr/>
+      </p:nvGrpSpPr>
+      <p:grpSpPr>
+        <a:xfrm>
+          <a:off x="0" y="0"/>
+          <a:ext cx="0" cy="0"/>
+          <a:chOff x="0" y="0"/>
+          <a:chExt cx="0" cy="0"/>
+        </a:xfrm>
+      </p:grpSpPr>
+      <p:sp>
+        <p:nvSpPr>
+          <p:cNvPr id="5" name="Title 1">
+            <a:extLst>
+              <a:ext uri="{FF2B5EF4-FFF2-40B4-BE49-F238E27FC236}">
+                <a16:creationId xmlns:a16="http://schemas.microsoft.com/office/drawing/2014/main" id="{FC03FC51-B546-6F8D-4C97-AD5B416C6486}"/>
+              </a:ext>
+            </a:extLst>
+          </p:cNvPr>
+          <p:cNvSpPr>
+            <a:spLocks noGrp="1"/>
+          </p:cNvSpPr>
+          <p:nvPr>
+            <p:ph type="title"/>
+          </p:nvPr>
+        </p:nvSpPr>
+        <p:spPr/>
+        <p:txBody>
+          <a:bodyPr/>
+          <a:lstStyle/>
+          <a:p>
+            <a:pPr algn="ctr" defTabSz="914400" rtl="0" eaLnBrk="1" latinLnBrk="0" hangingPunct="1">
+              <a:lnSpc>
+                <a:spcPct val="90000"/>
+              </a:lnSpc>
+              <a:spcBef>
+                <a:spcPct val="0"/>
+              </a:spcBef>
+              <a:buNone/>
+            </a:pPr>
+            <a:r>
+              <a:rPr lang="en-IL" dirty="0"/>
+              <a:t>Architecture – Visualize – Test phase</a:t>
+            </a:r>
+          </a:p>
+        </p:txBody>
+      </p:sp>
+      <p:pic>
+        <p:nvPicPr>
+          <p:cNvPr id="6" name="Picture 5">
+            <a:extLst>
+              <a:ext uri="{FF2B5EF4-FFF2-40B4-BE49-F238E27FC236}">
+                <a16:creationId xmlns:a16="http://schemas.microsoft.com/office/drawing/2014/main" id="{AFE90F11-6647-757B-DC11-F1CD8F0EF937}"/>
+              </a:ext>
+            </a:extLst>
+          </p:cNvPr>
+          <p:cNvPicPr>
+            <a:picLocks noChangeAspect="1"/>
+          </p:cNvPicPr>
+          <p:nvPr/>
+        </p:nvPicPr>
+        <p:blipFill>
+          <a:blip r:embed="rId2"/>
+          <a:stretch>
+            <a:fillRect/>
+          </a:stretch>
+        </p:blipFill>
+        <p:spPr>
+          <a:xfrm>
+            <a:off x="1268475" y="2271481"/>
+            <a:ext cx="9823375" cy="3036316"/>
+          </a:xfrm>
+          <a:prstGeom prst="rect">
+            <a:avLst/>
+          </a:prstGeom>
+        </p:spPr>
+      </p:pic>
+    </p:spTree>
+    <p:extLst>
+      <p:ext uri="{BB962C8B-B14F-4D97-AF65-F5344CB8AC3E}">
+        <p14:creationId xmlns:p14="http://schemas.microsoft.com/office/powerpoint/2010/main" val="1067624612"/>
       </p:ext>
     </p:extLst>
   </p:cSld>

--- a/docs/MLOps Final Project.pptx
+++ b/docs/MLOps Final Project.pptx
@@ -5,23 +5,30 @@
     <p:sldMasterId id="2147483648" r:id="rId1"/>
   </p:sldMasterIdLst>
   <p:notesMasterIdLst>
-    <p:notesMasterId r:id="rId16"/>
+    <p:notesMasterId r:id="rId23"/>
   </p:notesMasterIdLst>
   <p:sldIdLst>
     <p:sldId id="256" r:id="rId2"/>
     <p:sldId id="263" r:id="rId3"/>
-    <p:sldId id="258" r:id="rId4"/>
-    <p:sldId id="264" r:id="rId5"/>
-    <p:sldId id="257" r:id="rId6"/>
-    <p:sldId id="259" r:id="rId7"/>
-    <p:sldId id="260" r:id="rId8"/>
-    <p:sldId id="261" r:id="rId9"/>
-    <p:sldId id="262" r:id="rId10"/>
-    <p:sldId id="266" r:id="rId11"/>
-    <p:sldId id="267" r:id="rId12"/>
-    <p:sldId id="265" r:id="rId13"/>
-    <p:sldId id="268" r:id="rId14"/>
-    <p:sldId id="269" r:id="rId15"/>
+    <p:sldId id="271" r:id="rId4"/>
+    <p:sldId id="273" r:id="rId5"/>
+    <p:sldId id="258" r:id="rId6"/>
+    <p:sldId id="264" r:id="rId7"/>
+    <p:sldId id="257" r:id="rId8"/>
+    <p:sldId id="259" r:id="rId9"/>
+    <p:sldId id="260" r:id="rId10"/>
+    <p:sldId id="261" r:id="rId11"/>
+    <p:sldId id="262" r:id="rId12"/>
+    <p:sldId id="270" r:id="rId13"/>
+    <p:sldId id="266" r:id="rId14"/>
+    <p:sldId id="267" r:id="rId15"/>
+    <p:sldId id="265" r:id="rId16"/>
+    <p:sldId id="268" r:id="rId17"/>
+    <p:sldId id="269" r:id="rId18"/>
+    <p:sldId id="274" r:id="rId19"/>
+    <p:sldId id="277" r:id="rId20"/>
+    <p:sldId id="276" r:id="rId21"/>
+    <p:sldId id="275" r:id="rId22"/>
   </p:sldIdLst>
   <p:sldSz cx="12192000" cy="6858000"/>
   <p:notesSz cx="6858000" cy="9144000"/>
@@ -213,7 +220,7 @@
           <a:p>
             <a:fld id="{7C27A723-51FE-45AC-AC04-AE77775347B3}" type="datetimeFigureOut">
               <a:rPr lang="he-IL" smtClean="0"/>
-              <a:t>ל'.שבט.תשפ"ד</a:t>
+              <a:t>א'/אדר א/תשפ"ד</a:t>
             </a:fld>
             <a:endParaRPr lang="he-IL"/>
           </a:p>
@@ -651,7 +658,7 @@
           <a:p>
             <a:fld id="{48A87A34-81AB-432B-8DAE-1953F412C126}" type="datetimeFigureOut">
               <a:rPr lang="en-US" dirty="0"/>
-              <a:t>2/9/24</a:t>
+              <a:t>10-Feb-24</a:t>
             </a:fld>
             <a:endParaRPr lang="en-US" dirty="0"/>
           </a:p>
@@ -958,7 +965,7 @@
           <a:p>
             <a:fld id="{48A87A34-81AB-432B-8DAE-1953F412C126}" type="datetimeFigureOut">
               <a:rPr lang="en-US" dirty="0"/>
-              <a:t>2/9/24</a:t>
+              <a:t>10-Feb-24</a:t>
             </a:fld>
             <a:endParaRPr lang="en-US" dirty="0"/>
           </a:p>
@@ -1175,7 +1182,7 @@
           <a:p>
             <a:fld id="{48A87A34-81AB-432B-8DAE-1953F412C126}" type="datetimeFigureOut">
               <a:rPr lang="en-US" dirty="0"/>
-              <a:t>2/9/24</a:t>
+              <a:t>10-Feb-24</a:t>
             </a:fld>
             <a:endParaRPr lang="en-US" dirty="0"/>
           </a:p>
@@ -1461,7 +1468,7 @@
           <a:p>
             <a:fld id="{48A87A34-81AB-432B-8DAE-1953F412C126}" type="datetimeFigureOut">
               <a:rPr lang="en-US" dirty="0"/>
-              <a:t>2/9/24</a:t>
+              <a:t>10-Feb-24</a:t>
             </a:fld>
             <a:endParaRPr lang="en-US" dirty="0"/>
           </a:p>
@@ -1910,7 +1917,7 @@
           <a:p>
             <a:fld id="{48A87A34-81AB-432B-8DAE-1953F412C126}" type="datetimeFigureOut">
               <a:rPr lang="en-US" dirty="0"/>
-              <a:t>2/9/24</a:t>
+              <a:t>10-Feb-24</a:t>
             </a:fld>
             <a:endParaRPr lang="en-US" dirty="0"/>
           </a:p>
@@ -2481,7 +2488,7 @@
           <a:p>
             <a:fld id="{48A87A34-81AB-432B-8DAE-1953F412C126}" type="datetimeFigureOut">
               <a:rPr lang="en-US" dirty="0"/>
-              <a:t>2/9/24</a:t>
+              <a:t>10-Feb-24</a:t>
             </a:fld>
             <a:endParaRPr lang="en-US" dirty="0"/>
           </a:p>
@@ -3328,7 +3335,7 @@
           <a:p>
             <a:fld id="{48A87A34-81AB-432B-8DAE-1953F412C126}" type="datetimeFigureOut">
               <a:rPr lang="en-US" dirty="0"/>
-              <a:t>2/9/24</a:t>
+              <a:t>10-Feb-24</a:t>
             </a:fld>
             <a:endParaRPr lang="en-US" dirty="0"/>
           </a:p>
@@ -3528,7 +3535,7 @@
           <a:p>
             <a:fld id="{48A87A34-81AB-432B-8DAE-1953F412C126}" type="datetimeFigureOut">
               <a:rPr lang="en-US" dirty="0"/>
-              <a:t>2/9/24</a:t>
+              <a:t>10-Feb-24</a:t>
             </a:fld>
             <a:endParaRPr lang="en-US" dirty="0"/>
           </a:p>
@@ -3737,7 +3744,7 @@
           <a:p>
             <a:fld id="{48A87A34-81AB-432B-8DAE-1953F412C126}" type="datetimeFigureOut">
               <a:rPr lang="en-US" dirty="0"/>
-              <a:t>2/9/24</a:t>
+              <a:t>10-Feb-24</a:t>
             </a:fld>
             <a:endParaRPr lang="en-US" dirty="0"/>
           </a:p>
@@ -3937,7 +3944,7 @@
           <a:p>
             <a:fld id="{48A87A34-81AB-432B-8DAE-1953F412C126}" type="datetimeFigureOut">
               <a:rPr lang="en-US" dirty="0"/>
-              <a:t>2/9/24</a:t>
+              <a:t>10-Feb-24</a:t>
             </a:fld>
             <a:endParaRPr lang="en-US" dirty="0"/>
           </a:p>
@@ -4212,7 +4219,7 @@
           <a:p>
             <a:fld id="{48A87A34-81AB-432B-8DAE-1953F412C126}" type="datetimeFigureOut">
               <a:rPr lang="en-US" dirty="0"/>
-              <a:t>2/9/24</a:t>
+              <a:t>10-Feb-24</a:t>
             </a:fld>
             <a:endParaRPr lang="en-US" dirty="0"/>
           </a:p>
@@ -4474,7 +4481,7 @@
           <a:p>
             <a:fld id="{48A87A34-81AB-432B-8DAE-1953F412C126}" type="datetimeFigureOut">
               <a:rPr lang="en-US" dirty="0"/>
-              <a:t>2/9/24</a:t>
+              <a:t>10-Feb-24</a:t>
             </a:fld>
             <a:endParaRPr lang="en-US" dirty="0"/>
           </a:p>
@@ -4884,7 +4891,7 @@
           <a:p>
             <a:fld id="{48A87A34-81AB-432B-8DAE-1953F412C126}" type="datetimeFigureOut">
               <a:rPr lang="en-US" dirty="0"/>
-              <a:t>2/9/24</a:t>
+              <a:t>10-Feb-24</a:t>
             </a:fld>
             <a:endParaRPr lang="en-US" dirty="0"/>
           </a:p>
@@ -5027,7 +5034,7 @@
           <a:p>
             <a:fld id="{48A87A34-81AB-432B-8DAE-1953F412C126}" type="datetimeFigureOut">
               <a:rPr lang="en-US" dirty="0"/>
-              <a:t>2/9/24</a:t>
+              <a:t>10-Feb-24</a:t>
             </a:fld>
             <a:endParaRPr lang="en-US" dirty="0"/>
           </a:p>
@@ -5147,7 +5154,7 @@
           <a:p>
             <a:fld id="{48A87A34-81AB-432B-8DAE-1953F412C126}" type="datetimeFigureOut">
               <a:rPr lang="en-US" dirty="0"/>
-              <a:t>2/9/24</a:t>
+              <a:t>10-Feb-24</a:t>
             </a:fld>
             <a:endParaRPr lang="en-US" dirty="0"/>
           </a:p>
@@ -5421,7 +5428,7 @@
           <a:p>
             <a:fld id="{48A87A34-81AB-432B-8DAE-1953F412C126}" type="datetimeFigureOut">
               <a:rPr lang="en-US" dirty="0"/>
-              <a:t>2/9/24</a:t>
+              <a:t>10-Feb-24</a:t>
             </a:fld>
             <a:endParaRPr lang="en-US" dirty="0"/>
           </a:p>
@@ -5728,7 +5735,7 @@
           <a:p>
             <a:fld id="{48A87A34-81AB-432B-8DAE-1953F412C126}" type="datetimeFigureOut">
               <a:rPr lang="en-US" dirty="0"/>
-              <a:t>2/9/24</a:t>
+              <a:t>10-Feb-24</a:t>
             </a:fld>
             <a:endParaRPr lang="en-US" dirty="0"/>
           </a:p>
@@ -5975,7 +5982,7 @@
             <a:fld id="{48A87A34-81AB-432B-8DAE-1953F412C126}" type="datetimeFigureOut">
               <a:rPr lang="en-US" dirty="0"/>
               <a:pPr/>
-              <a:t>2/9/24</a:t>
+              <a:t>10-Feb-24</a:t>
             </a:fld>
             <a:endParaRPr lang="en-US" dirty="0"/>
           </a:p>
@@ -6436,10 +6443,14 @@
           <a:bodyPr/>
           <a:lstStyle/>
           <a:p>
+            <a:pPr algn="l" rtl="0"/>
             <a:r>
               <a:rPr lang="en-US" dirty="0"/>
-              <a:t>MLOps Final Project</a:t>
-            </a:r>
+              <a:t>Discovering data slices for improvement </a:t>
+            </a:r>
+            <a:br>
+              <a:rPr lang="en-US" dirty="0"/>
+            </a:br>
             <a:endParaRPr lang="he-IL" dirty="0"/>
           </a:p>
         </p:txBody>
@@ -6465,22 +6476,17 @@
           <a:bodyPr/>
           <a:lstStyle/>
           <a:p>
-            <a:pPr rtl="0"/>
-            <a:r>
-              <a:rPr lang="en-US" dirty="0" err="1"/>
-              <a:t>Nitay</a:t>
-            </a:r>
+            <a:pPr algn="l" rtl="0"/>
             <a:r>
               <a:rPr lang="en-US" dirty="0"/>
-              <a:t> Cohen, Stav Cohen, </a:t>
-            </a:r>
-            <a:r>
-              <a:rPr lang="en-US" dirty="0" err="1"/>
-              <a:t>Kiliemah</a:t>
-            </a:r>
+              <a:t>MLOps course Final Project</a:t>
+            </a:r>
+          </a:p>
+          <a:p>
+            <a:pPr algn="l" rtl="0"/>
             <a:r>
               <a:rPr lang="en-US" dirty="0"/>
-              <a:t>, Natalia Meergus</a:t>
+              <a:t>Nitay Cohen, Stav Cohen, Kilièmah Ouattara, Natalia Meergus</a:t>
             </a:r>
             <a:endParaRPr lang="he-IL" dirty="0"/>
           </a:p>
@@ -6521,7 +6527,7 @@
           <p:cNvPr id="2" name="Title 1">
             <a:extLst>
               <a:ext uri="{FF2B5EF4-FFF2-40B4-BE49-F238E27FC236}">
-                <a16:creationId xmlns:a16="http://schemas.microsoft.com/office/drawing/2014/main" id="{3E2365AF-46C2-3616-1532-D71DEC709133}"/>
+                <a16:creationId xmlns:a16="http://schemas.microsoft.com/office/drawing/2014/main" id="{007DBD3D-6969-0A2D-4588-65BADF920EC4}"/>
               </a:ext>
             </a:extLst>
           </p:cNvPr>
@@ -6537,19 +6543,11 @@
           <a:bodyPr/>
           <a:lstStyle/>
           <a:p>
-            <a:pPr algn="ctr" defTabSz="914400" rtl="0" eaLnBrk="1" latinLnBrk="0" hangingPunct="1">
-              <a:lnSpc>
-                <a:spcPct val="90000"/>
-              </a:lnSpc>
-              <a:spcBef>
-                <a:spcPct val="0"/>
-              </a:spcBef>
-              <a:buNone/>
-            </a:pPr>
-            <a:r>
-              <a:rPr lang="en-IL" dirty="0"/>
-              <a:t>Architecture - Overall</a:t>
-            </a:r>
+            <a:r>
+              <a:rPr lang="en-US" dirty="0"/>
+              <a:t>Decision Trees as a feature analysis heuristic</a:t>
+            </a:r>
+            <a:endParaRPr lang="he-IL" dirty="0"/>
           </a:p>
         </p:txBody>
       </p:sp>
@@ -6558,7 +6556,7 @@
           <p:cNvPr id="3" name="Content Placeholder 2">
             <a:extLst>
               <a:ext uri="{FF2B5EF4-FFF2-40B4-BE49-F238E27FC236}">
-                <a16:creationId xmlns:a16="http://schemas.microsoft.com/office/drawing/2014/main" id="{E6EF5898-C934-4F56-A10A-009A01A21DA2}"/>
+                <a16:creationId xmlns:a16="http://schemas.microsoft.com/office/drawing/2014/main" id="{1617FA47-36B5-06F4-62F0-E63065DCFC86}"/>
               </a:ext>
             </a:extLst>
           </p:cNvPr>
@@ -6569,93 +6567,45 @@
             <p:ph sz="quarter" idx="13"/>
           </p:nvPr>
         </p:nvSpPr>
-        <p:spPr>
-          <a:xfrm>
-            <a:off x="913774" y="1828800"/>
-            <a:ext cx="10363826" cy="3962399"/>
-          </a:xfrm>
-        </p:spPr>
-        <p:txBody>
-          <a:bodyPr>
-            <a:normAutofit/>
-          </a:bodyPr>
-          <a:lstStyle/>
-          <a:p>
-            <a:pPr marL="228600" indent="-228600" algn="l" defTabSz="914400" rtl="0" eaLnBrk="1" latinLnBrk="0" hangingPunct="1">
-              <a:lnSpc>
-                <a:spcPct val="120000"/>
-              </a:lnSpc>
-              <a:spcBef>
-                <a:spcPts val="1000"/>
-              </a:spcBef>
-              <a:buClr>
-                <a:schemeClr val="tx1"/>
-              </a:buClr>
-              <a:buFont typeface="Arial" panose="020B0604020202020204" pitchFamily="34" charset="0"/>
-              <a:buChar char="•"/>
-            </a:pPr>
-            <a:r>
-              <a:rPr lang="en-IL" dirty="0"/>
-              <a:t>Runtime environment: We use our laptops as the runtime environment, with the following installed:</a:t>
-            </a:r>
-          </a:p>
-          <a:p>
-            <a:pPr lvl="1" algn="l" rtl="0">
-              <a:spcBef>
-                <a:spcPts val="1000"/>
-              </a:spcBef>
-            </a:pPr>
-            <a:r>
-              <a:rPr lang="en-IL" sz="2000" dirty="0"/>
-              <a:t>OS: MacOS M1 / M2 or Windows 10+ supported</a:t>
-            </a:r>
-          </a:p>
-          <a:p>
-            <a:pPr lvl="1" algn="l" rtl="0">
-              <a:spcBef>
-                <a:spcPts val="1000"/>
-              </a:spcBef>
-            </a:pPr>
-            <a:r>
-              <a:rPr lang="en-IL" sz="2000" dirty="0"/>
-              <a:t>Python 3.11 with Anaconda / Miniconda installed</a:t>
-            </a:r>
-          </a:p>
-          <a:p>
-            <a:pPr lvl="1" algn="l" rtl="0">
-              <a:spcBef>
-                <a:spcPts val="1000"/>
-              </a:spcBef>
-            </a:pPr>
-            <a:r>
-              <a:rPr lang="en-IL" sz="2000" dirty="0"/>
-              <a:t>The requirements Python packages specified in requirements.txt files installed using pip or conda</a:t>
-            </a:r>
-          </a:p>
-          <a:p>
-            <a:pPr lvl="1" algn="l" rtl="0">
-              <a:spcBef>
-                <a:spcPts val="1000"/>
-              </a:spcBef>
-            </a:pPr>
-            <a:r>
-              <a:rPr lang="en-IL" sz="2000" dirty="0"/>
-              <a:t>In a real scenario the runtime environment should be run on an Instance in the cloud</a:t>
-            </a:r>
-          </a:p>
+        <p:spPr/>
+        <p:txBody>
+          <a:bodyPr/>
+          <a:lstStyle/>
           <a:p>
             <a:pPr algn="l" rtl="0"/>
             <a:r>
-              <a:rPr lang="en-IL" dirty="0"/>
-              <a:t>Model registry: We use Databricks SaaS platform to register and store our trained models. The Databricks platform is hosted in AWS cloud</a:t>
-            </a:r>
+              <a:rPr lang="en-US" dirty="0"/>
+              <a:t>X: single feature or subset of features of the original dataset</a:t>
+            </a:r>
+          </a:p>
+          <a:p>
+            <a:pPr algn="l" rtl="0"/>
+            <a:r>
+              <a:rPr lang="en-US" dirty="0"/>
+              <a:t>Y:</a:t>
+            </a:r>
+          </a:p>
+          <a:p>
+            <a:pPr lvl="1" algn="l" rtl="0"/>
+            <a:r>
+              <a:rPr lang="en-US" dirty="0"/>
+              <a:t>‘True’ = original model predicted the original output successfully</a:t>
+            </a:r>
+          </a:p>
+          <a:p>
+            <a:pPr lvl="1" algn="l" rtl="0"/>
+            <a:r>
+              <a:rPr lang="en-US" dirty="0"/>
+              <a:t>‘False’ = original model failed in its prediction</a:t>
+            </a:r>
+            <a:endParaRPr lang="he-IL" dirty="0"/>
           </a:p>
         </p:txBody>
       </p:sp>
     </p:spTree>
     <p:extLst>
       <p:ext uri="{BB962C8B-B14F-4D97-AF65-F5344CB8AC3E}">
-        <p14:creationId xmlns:p14="http://schemas.microsoft.com/office/powerpoint/2010/main" val="810456341"/>
+        <p14:creationId xmlns:p14="http://schemas.microsoft.com/office/powerpoint/2010/main" val="1503145248"/>
       </p:ext>
     </p:extLst>
   </p:cSld>
@@ -6666,7 +6616,7 @@
 </file>
 
 <file path=ppt/slides/slide11.xml><?xml version="1.0" encoding="utf-8"?>
-<p:sld xmlns:a="http://schemas.openxmlformats.org/drawingml/2006/main" xmlns:r="http://schemas.openxmlformats.org/officeDocument/2006/relationships" xmlns:p="http://schemas.openxmlformats.org/presentationml/2006/main">
+<p:sld xmlns:a="http://schemas.openxmlformats.org/drawingml/2006/main" xmlns:r="http://schemas.openxmlformats.org/officeDocument/2006/relationships" xmlns:p="http://schemas.openxmlformats.org/presentationml/2006/main" show="0">
   <p:cSld>
     <p:spTree>
       <p:nvGrpSpPr>
@@ -6687,7 +6637,7 @@
           <p:cNvPr id="2" name="Title 1">
             <a:extLst>
               <a:ext uri="{FF2B5EF4-FFF2-40B4-BE49-F238E27FC236}">
-                <a16:creationId xmlns:a16="http://schemas.microsoft.com/office/drawing/2014/main" id="{1992D947-AC74-53B5-5D6B-12BA87E6572D}"/>
+                <a16:creationId xmlns:a16="http://schemas.microsoft.com/office/drawing/2014/main" id="{007DBD3D-6969-0A2D-4588-65BADF920EC4}"/>
               </a:ext>
             </a:extLst>
           </p:cNvPr>
@@ -6703,19 +6653,12 @@
           <a:bodyPr/>
           <a:lstStyle/>
           <a:p>
-            <a:pPr algn="ctr" defTabSz="914400" rtl="0" eaLnBrk="1" latinLnBrk="0" hangingPunct="1">
-              <a:lnSpc>
-                <a:spcPct val="90000"/>
-              </a:lnSpc>
-              <a:spcBef>
-                <a:spcPct val="0"/>
-              </a:spcBef>
-              <a:buNone/>
-            </a:pPr>
-            <a:r>
-              <a:rPr lang="en-IL" dirty="0"/>
-              <a:t>Architecture - Process</a:t>
-            </a:r>
+            <a:pPr rtl="0"/>
+            <a:r>
+              <a:rPr lang="en-US" dirty="0"/>
+              <a:t>Our FreaAI modification</a:t>
+            </a:r>
+            <a:endParaRPr lang="he-IL" dirty="0"/>
           </a:p>
         </p:txBody>
       </p:sp>
@@ -6724,7 +6667,7 @@
           <p:cNvPr id="3" name="Content Placeholder 2">
             <a:extLst>
               <a:ext uri="{FF2B5EF4-FFF2-40B4-BE49-F238E27FC236}">
-                <a16:creationId xmlns:a16="http://schemas.microsoft.com/office/drawing/2014/main" id="{16B8136E-200E-3148-DE13-5E3FEC8D9D65}"/>
+                <a16:creationId xmlns:a16="http://schemas.microsoft.com/office/drawing/2014/main" id="{1617FA47-36B5-06F4-62F0-E63065DCFC86}"/>
               </a:ext>
             </a:extLst>
           </p:cNvPr>
@@ -6735,156 +6678,53 @@
             <p:ph sz="quarter" idx="13"/>
           </p:nvPr>
         </p:nvSpPr>
-        <p:spPr>
-          <a:xfrm>
-            <a:off x="659774" y="1794934"/>
-            <a:ext cx="10363826" cy="4614333"/>
-          </a:xfrm>
-        </p:spPr>
-        <p:txBody>
-          <a:bodyPr>
-            <a:normAutofit fontScale="92500" lnSpcReduction="10000"/>
-          </a:bodyPr>
-          <a:lstStyle/>
-          <a:p>
-            <a:pPr marL="457200" indent="-457200" algn="l" defTabSz="914400" rtl="0" eaLnBrk="1" latinLnBrk="0" hangingPunct="1">
-              <a:lnSpc>
-                <a:spcPct val="120000"/>
-              </a:lnSpc>
-              <a:spcBef>
-                <a:spcPts val="1000"/>
-              </a:spcBef>
-              <a:buClr>
-                <a:schemeClr val="tx1"/>
-              </a:buClr>
-              <a:buFont typeface="+mj-lt"/>
-              <a:buAutoNum type="arabicPeriod"/>
-            </a:pPr>
-            <a:r>
-              <a:rPr lang="en-IL" dirty="0"/>
-              <a:t>Load the dataset from a set of CSV files and concatinate them into a Dataframe object</a:t>
-            </a:r>
-          </a:p>
-          <a:p>
-            <a:pPr marL="457200" indent="-457200" algn="l" defTabSz="914400" rtl="0" eaLnBrk="1" latinLnBrk="0" hangingPunct="1">
-              <a:lnSpc>
-                <a:spcPct val="120000"/>
-              </a:lnSpc>
-              <a:spcBef>
-                <a:spcPts val="1000"/>
-              </a:spcBef>
-              <a:buClr>
-                <a:schemeClr val="tx1"/>
-              </a:buClr>
-              <a:buFont typeface="+mj-lt"/>
-              <a:buAutoNum type="arabicPeriod"/>
-            </a:pPr>
-            <a:r>
-              <a:rPr lang="en-IL" dirty="0"/>
-              <a:t>By the selected algorithm (LightGBM / ConvAE):</a:t>
-            </a:r>
-          </a:p>
-          <a:p>
-            <a:pPr marL="914400" lvl="1" indent="-457200" algn="l" rtl="0">
-              <a:spcBef>
-                <a:spcPts val="1000"/>
-              </a:spcBef>
-              <a:buFont typeface="+mj-lt"/>
-              <a:buAutoNum type="arabicPeriod"/>
-            </a:pPr>
-            <a:r>
-              <a:rPr lang="en-IL" dirty="0"/>
-              <a:t>Split the dataset into train / valid / test sets</a:t>
-            </a:r>
-          </a:p>
-          <a:p>
-            <a:pPr marL="914400" lvl="1" indent="-457200" algn="l" rtl="0">
-              <a:spcBef>
-                <a:spcPts val="1000"/>
-              </a:spcBef>
-              <a:buFont typeface="+mj-lt"/>
-              <a:buAutoNum type="arabicPeriod"/>
-            </a:pPr>
-            <a:r>
-              <a:rPr lang="en-IL" dirty="0"/>
-              <a:t>Run a training using the train set and validate it with the valid set</a:t>
-            </a:r>
-          </a:p>
-          <a:p>
-            <a:pPr marL="914400" lvl="1" indent="-457200" algn="l" rtl="0">
-              <a:spcBef>
-                <a:spcPts val="1000"/>
-              </a:spcBef>
-              <a:buFont typeface="+mj-lt"/>
-              <a:buAutoNum type="arabicPeriod"/>
-            </a:pPr>
-            <a:r>
-              <a:rPr lang="en-IL" dirty="0"/>
-              <a:t>Make a test using the test set in order to calculate our desired metrics</a:t>
-            </a:r>
-          </a:p>
-          <a:p>
-            <a:pPr marL="457200" indent="-457200" algn="l" rtl="0">
-              <a:buFont typeface="+mj-lt"/>
-              <a:buAutoNum type="arabicPeriod"/>
-            </a:pPr>
-            <a:r>
-              <a:rPr lang="en-IL" dirty="0"/>
-              <a:t>Run a </a:t>
-            </a:r>
-            <a:r>
-              <a:rPr lang="en-US" dirty="0" err="1"/>
-              <a:t>FraeAI</a:t>
-            </a:r>
+        <p:spPr/>
+        <p:txBody>
+          <a:bodyPr/>
+          <a:lstStyle/>
+          <a:p>
+            <a:pPr algn="l" rtl="0"/>
             <a:r>
               <a:rPr lang="en-US" dirty="0"/>
-              <a:t> algorithm based on a single feature of the original dataset and compare between the predicted vs actual test results (In our use-case it’s anomaly)</a:t>
-            </a:r>
-          </a:p>
-          <a:p>
-            <a:pPr marL="457200" indent="-457200" algn="l" rtl="0">
-              <a:buFont typeface="+mj-lt"/>
-              <a:buAutoNum type="arabicPeriod"/>
-            </a:pPr>
+              <a:t>X: single feature or subset of features of </a:t>
+            </a:r>
+            <a:r>
+              <a:rPr lang="en-US" b="1" u="sng" dirty="0"/>
+              <a:t>anomalies</a:t>
+            </a:r>
             <a:r>
               <a:rPr lang="en-US" dirty="0"/>
-              <a:t>Calculate our desired metrics based on the </a:t>
-            </a:r>
-            <a:r>
-              <a:rPr lang="en-US" dirty="0" err="1"/>
-              <a:t>FraeAI</a:t>
-            </a:r>
+              <a:t> in the original dataset</a:t>
+            </a:r>
+          </a:p>
+          <a:p>
+            <a:pPr algn="l" rtl="0"/>
             <a:r>
               <a:rPr lang="en-US" dirty="0"/>
-              <a:t> algorithm</a:t>
-            </a:r>
-          </a:p>
-          <a:p>
-            <a:pPr marL="457200" indent="-457200" algn="l" rtl="0">
-              <a:buFont typeface="+mj-lt"/>
-              <a:buAutoNum type="arabicPeriod"/>
-            </a:pPr>
+              <a:t>Y:</a:t>
+            </a:r>
+          </a:p>
+          <a:p>
+            <a:pPr lvl="1" algn="l" rtl="0"/>
             <a:r>
               <a:rPr lang="en-US" dirty="0"/>
-              <a:t>Register our model into Databricks platform</a:t>
-            </a:r>
-          </a:p>
-          <a:p>
-            <a:pPr marL="457200" indent="-457200" algn="l" rtl="0">
-              <a:buFont typeface="+mj-lt"/>
-              <a:buAutoNum type="arabicPeriod"/>
-            </a:pPr>
-            <a:r>
-              <a:rPr lang="en-IL" dirty="0"/>
-              <a:t>Load the model from Databricks and make a test using the test set in order to calculate our desired metrics</a:t>
-            </a:r>
+              <a:t>‘True’ =  original model predicted the original output successfully = True Positive</a:t>
+            </a:r>
+          </a:p>
+          <a:p>
+            <a:pPr lvl="1" algn="l" rtl="0"/>
+            <a:r>
+              <a:rPr lang="en-US" dirty="0"/>
+              <a:t>‘False’ = original model failed in its prediction = False Negative</a:t>
+            </a:r>
+            <a:endParaRPr lang="he-IL" dirty="0"/>
           </a:p>
         </p:txBody>
       </p:sp>
     </p:spTree>
     <p:extLst>
       <p:ext uri="{BB962C8B-B14F-4D97-AF65-F5344CB8AC3E}">
-        <p14:creationId xmlns:p14="http://schemas.microsoft.com/office/powerpoint/2010/main" val="1757092679"/>
+        <p14:creationId xmlns:p14="http://schemas.microsoft.com/office/powerpoint/2010/main" val="230825914"/>
       </p:ext>
     </p:extLst>
   </p:cSld>
@@ -6913,10 +6753,96 @@
       </p:grpSpPr>
       <p:sp>
         <p:nvSpPr>
+          <p:cNvPr id="4" name="Title 3">
+            <a:extLst>
+              <a:ext uri="{FF2B5EF4-FFF2-40B4-BE49-F238E27FC236}">
+                <a16:creationId xmlns:a16="http://schemas.microsoft.com/office/drawing/2014/main" id="{0164B796-02E6-2CF2-AD58-6BA0FF61E8C3}"/>
+              </a:ext>
+            </a:extLst>
+          </p:cNvPr>
+          <p:cNvSpPr>
+            <a:spLocks noGrp="1"/>
+          </p:cNvSpPr>
+          <p:nvPr>
+            <p:ph type="title"/>
+          </p:nvPr>
+        </p:nvSpPr>
+        <p:spPr/>
+        <p:txBody>
+          <a:bodyPr/>
+          <a:lstStyle/>
+          <a:p>
+            <a:pPr rtl="0"/>
+            <a:r>
+              <a:rPr lang="en-US" cap="all" dirty="0"/>
+              <a:t>The architecture</a:t>
+            </a:r>
+            <a:endParaRPr lang="he-IL" cap="all" dirty="0"/>
+          </a:p>
+        </p:txBody>
+      </p:sp>
+      <p:sp>
+        <p:nvSpPr>
+          <p:cNvPr id="5" name="Text Placeholder 4">
+            <a:extLst>
+              <a:ext uri="{FF2B5EF4-FFF2-40B4-BE49-F238E27FC236}">
+                <a16:creationId xmlns:a16="http://schemas.microsoft.com/office/drawing/2014/main" id="{49087E06-C5E1-41C3-1F28-1C6A2EEE3E22}"/>
+              </a:ext>
+            </a:extLst>
+          </p:cNvPr>
+          <p:cNvSpPr>
+            <a:spLocks noGrp="1"/>
+          </p:cNvSpPr>
+          <p:nvPr>
+            <p:ph type="body" idx="1"/>
+          </p:nvPr>
+        </p:nvSpPr>
+        <p:spPr/>
+        <p:txBody>
+          <a:bodyPr/>
+          <a:lstStyle/>
+          <a:p>
+            <a:pPr rtl="0"/>
+            <a:endParaRPr lang="he-IL" dirty="0"/>
+          </a:p>
+        </p:txBody>
+      </p:sp>
+    </p:spTree>
+    <p:extLst>
+      <p:ext uri="{BB962C8B-B14F-4D97-AF65-F5344CB8AC3E}">
+        <p14:creationId xmlns:p14="http://schemas.microsoft.com/office/powerpoint/2010/main" val="2039371253"/>
+      </p:ext>
+    </p:extLst>
+  </p:cSld>
+  <p:clrMapOvr>
+    <a:masterClrMapping/>
+  </p:clrMapOvr>
+</p:sld>
+</file>
+
+<file path=ppt/slides/slide13.xml><?xml version="1.0" encoding="utf-8"?>
+<p:sld xmlns:a="http://schemas.openxmlformats.org/drawingml/2006/main" xmlns:r="http://schemas.openxmlformats.org/officeDocument/2006/relationships" xmlns:p="http://schemas.openxmlformats.org/presentationml/2006/main">
+  <p:cSld>
+    <p:spTree>
+      <p:nvGrpSpPr>
+        <p:cNvPr id="1" name=""/>
+        <p:cNvGrpSpPr/>
+        <p:nvPr/>
+      </p:nvGrpSpPr>
+      <p:grpSpPr>
+        <a:xfrm>
+          <a:off x="0" y="0"/>
+          <a:ext cx="0" cy="0"/>
+          <a:chOff x="0" y="0"/>
+          <a:chExt cx="0" cy="0"/>
+        </a:xfrm>
+      </p:grpSpPr>
+      <p:sp>
+        <p:nvSpPr>
           <p:cNvPr id="2" name="Title 1">
             <a:extLst>
               <a:ext uri="{FF2B5EF4-FFF2-40B4-BE49-F238E27FC236}">
-                <a16:creationId xmlns:a16="http://schemas.microsoft.com/office/drawing/2014/main" id="{0D2CA2B8-C3E4-9CCB-39B6-3632459C9DBE}"/>
+                <a16:creationId xmlns:a16="http://schemas.microsoft.com/office/drawing/2014/main" id="{3E2365AF-46C2-3616-1532-D71DEC709133}"/>
               </a:ext>
             </a:extLst>
           </p:cNvPr>
@@ -6943,7 +6869,7 @@
             </a:pPr>
             <a:r>
               <a:rPr lang="en-IL" dirty="0"/>
-              <a:t>Architecture – MLFlow</a:t>
+              <a:t>Architecture - Overall</a:t>
             </a:r>
           </a:p>
         </p:txBody>
@@ -6953,7 +6879,7 @@
           <p:cNvPr id="3" name="Content Placeholder 2">
             <a:extLst>
               <a:ext uri="{FF2B5EF4-FFF2-40B4-BE49-F238E27FC236}">
-                <a16:creationId xmlns:a16="http://schemas.microsoft.com/office/drawing/2014/main" id="{043E4208-15B2-8B64-720E-70C7E9DBB450}"/>
+                <a16:creationId xmlns:a16="http://schemas.microsoft.com/office/drawing/2014/main" id="{E6EF5898-C934-4F56-A10A-009A01A21DA2}"/>
               </a:ext>
             </a:extLst>
           </p:cNvPr>
@@ -6964,9 +6890,16 @@
             <p:ph sz="quarter" idx="13"/>
           </p:nvPr>
         </p:nvSpPr>
-        <p:spPr/>
-        <p:txBody>
-          <a:bodyPr/>
+        <p:spPr>
+          <a:xfrm>
+            <a:off x="913774" y="1828800"/>
+            <a:ext cx="10363826" cy="3962399"/>
+          </a:xfrm>
+        </p:spPr>
+        <p:txBody>
+          <a:bodyPr>
+            <a:normAutofit/>
+          </a:bodyPr>
           <a:lstStyle/>
           <a:p>
             <a:pPr marL="228600" indent="-228600" algn="l" defTabSz="914400" rtl="0" eaLnBrk="1" latinLnBrk="0" hangingPunct="1">
@@ -6984,9 +6917,374 @@
             </a:pPr>
             <a:r>
               <a:rPr lang="en-IL" dirty="0"/>
-              <a:t>MLFlow is a MLOps library provider by Databricks, a MLOps software company</a:t>
-            </a:r>
-          </a:p>
+              <a:t>Runtime environment: We use our laptops as the runtime environment, with the following installed:</a:t>
+            </a:r>
+          </a:p>
+          <a:p>
+            <a:pPr lvl="1" algn="l" rtl="0">
+              <a:spcBef>
+                <a:spcPts val="1000"/>
+              </a:spcBef>
+            </a:pPr>
+            <a:r>
+              <a:rPr lang="en-IL" sz="2000" dirty="0"/>
+              <a:t>OS: MacOS M1 / M2 or Windows 10+ supported</a:t>
+            </a:r>
+          </a:p>
+          <a:p>
+            <a:pPr lvl="1" algn="l" rtl="0">
+              <a:spcBef>
+                <a:spcPts val="1000"/>
+              </a:spcBef>
+            </a:pPr>
+            <a:r>
+              <a:rPr lang="en-IL" sz="2000" dirty="0"/>
+              <a:t>Python 3.11 with Anaconda / Miniconda installed</a:t>
+            </a:r>
+          </a:p>
+          <a:p>
+            <a:pPr lvl="1" algn="l" rtl="0">
+              <a:spcBef>
+                <a:spcPts val="1000"/>
+              </a:spcBef>
+            </a:pPr>
+            <a:r>
+              <a:rPr lang="en-IL" sz="2000" dirty="0"/>
+              <a:t>The requirements Python packages specified in requirements.txt files installed using pip or conda</a:t>
+            </a:r>
+          </a:p>
+          <a:p>
+            <a:pPr lvl="1" algn="l" rtl="0">
+              <a:spcBef>
+                <a:spcPts val="1000"/>
+              </a:spcBef>
+            </a:pPr>
+            <a:r>
+              <a:rPr lang="en-IL" sz="2000" dirty="0"/>
+              <a:t>In a real scenario the runtime environment should be run on an Instance in the cloud</a:t>
+            </a:r>
+          </a:p>
+          <a:p>
+            <a:pPr algn="l" rtl="0"/>
+            <a:r>
+              <a:rPr lang="en-IL" dirty="0"/>
+              <a:t>Model registry: We use Databricks SaaS platform to register and store our trained models. The Databricks platform is hosted in AWS cloud</a:t>
+            </a:r>
+          </a:p>
+        </p:txBody>
+      </p:sp>
+    </p:spTree>
+    <p:extLst>
+      <p:ext uri="{BB962C8B-B14F-4D97-AF65-F5344CB8AC3E}">
+        <p14:creationId xmlns:p14="http://schemas.microsoft.com/office/powerpoint/2010/main" val="810456341"/>
+      </p:ext>
+    </p:extLst>
+  </p:cSld>
+  <p:clrMapOvr>
+    <a:masterClrMapping/>
+  </p:clrMapOvr>
+</p:sld>
+</file>
+
+<file path=ppt/slides/slide14.xml><?xml version="1.0" encoding="utf-8"?>
+<p:sld xmlns:a="http://schemas.openxmlformats.org/drawingml/2006/main" xmlns:r="http://schemas.openxmlformats.org/officeDocument/2006/relationships" xmlns:p="http://schemas.openxmlformats.org/presentationml/2006/main">
+  <p:cSld>
+    <p:spTree>
+      <p:nvGrpSpPr>
+        <p:cNvPr id="1" name=""/>
+        <p:cNvGrpSpPr/>
+        <p:nvPr/>
+      </p:nvGrpSpPr>
+      <p:grpSpPr>
+        <a:xfrm>
+          <a:off x="0" y="0"/>
+          <a:ext cx="0" cy="0"/>
+          <a:chOff x="0" y="0"/>
+          <a:chExt cx="0" cy="0"/>
+        </a:xfrm>
+      </p:grpSpPr>
+      <p:sp>
+        <p:nvSpPr>
+          <p:cNvPr id="2" name="Title 1">
+            <a:extLst>
+              <a:ext uri="{FF2B5EF4-FFF2-40B4-BE49-F238E27FC236}">
+                <a16:creationId xmlns:a16="http://schemas.microsoft.com/office/drawing/2014/main" id="{1992D947-AC74-53B5-5D6B-12BA87E6572D}"/>
+              </a:ext>
+            </a:extLst>
+          </p:cNvPr>
+          <p:cNvSpPr>
+            <a:spLocks noGrp="1"/>
+          </p:cNvSpPr>
+          <p:nvPr>
+            <p:ph type="title"/>
+          </p:nvPr>
+        </p:nvSpPr>
+        <p:spPr/>
+        <p:txBody>
+          <a:bodyPr/>
+          <a:lstStyle/>
+          <a:p>
+            <a:pPr algn="ctr" defTabSz="914400" rtl="0" eaLnBrk="1" latinLnBrk="0" hangingPunct="1">
+              <a:lnSpc>
+                <a:spcPct val="90000"/>
+              </a:lnSpc>
+              <a:spcBef>
+                <a:spcPct val="0"/>
+              </a:spcBef>
+              <a:buNone/>
+            </a:pPr>
+            <a:r>
+              <a:rPr lang="en-IL" dirty="0"/>
+              <a:t>Architecture - Process</a:t>
+            </a:r>
+          </a:p>
+        </p:txBody>
+      </p:sp>
+      <p:sp>
+        <p:nvSpPr>
+          <p:cNvPr id="3" name="Content Placeholder 2">
+            <a:extLst>
+              <a:ext uri="{FF2B5EF4-FFF2-40B4-BE49-F238E27FC236}">
+                <a16:creationId xmlns:a16="http://schemas.microsoft.com/office/drawing/2014/main" id="{16B8136E-200E-3148-DE13-5E3FEC8D9D65}"/>
+              </a:ext>
+            </a:extLst>
+          </p:cNvPr>
+          <p:cNvSpPr>
+            <a:spLocks noGrp="1"/>
+          </p:cNvSpPr>
+          <p:nvPr>
+            <p:ph sz="quarter" idx="13"/>
+          </p:nvPr>
+        </p:nvSpPr>
+        <p:spPr>
+          <a:xfrm>
+            <a:off x="659774" y="1794934"/>
+            <a:ext cx="10363826" cy="4614333"/>
+          </a:xfrm>
+        </p:spPr>
+        <p:txBody>
+          <a:bodyPr>
+            <a:normAutofit fontScale="92500" lnSpcReduction="10000"/>
+          </a:bodyPr>
+          <a:lstStyle/>
+          <a:p>
+            <a:pPr marL="457200" indent="-457200" algn="l" defTabSz="914400" rtl="0" eaLnBrk="1" latinLnBrk="0" hangingPunct="1">
+              <a:lnSpc>
+                <a:spcPct val="120000"/>
+              </a:lnSpc>
+              <a:spcBef>
+                <a:spcPts val="1000"/>
+              </a:spcBef>
+              <a:buClr>
+                <a:schemeClr val="tx1"/>
+              </a:buClr>
+              <a:buFont typeface="+mj-lt"/>
+              <a:buAutoNum type="arabicPeriod"/>
+            </a:pPr>
+            <a:r>
+              <a:rPr lang="en-IL" dirty="0"/>
+              <a:t>Load the dataset from a set of CSV files and concatinate them into a Dataframe object</a:t>
+            </a:r>
+          </a:p>
+          <a:p>
+            <a:pPr marL="457200" indent="-457200" algn="l" defTabSz="914400" rtl="0" eaLnBrk="1" latinLnBrk="0" hangingPunct="1">
+              <a:lnSpc>
+                <a:spcPct val="120000"/>
+              </a:lnSpc>
+              <a:spcBef>
+                <a:spcPts val="1000"/>
+              </a:spcBef>
+              <a:buClr>
+                <a:schemeClr val="tx1"/>
+              </a:buClr>
+              <a:buFont typeface="+mj-lt"/>
+              <a:buAutoNum type="arabicPeriod"/>
+            </a:pPr>
+            <a:r>
+              <a:rPr lang="en-IL" dirty="0"/>
+              <a:t>By the selected algorithm (LightGBM / ConvAE):</a:t>
+            </a:r>
+          </a:p>
+          <a:p>
+            <a:pPr marL="914400" lvl="1" indent="-457200" algn="l" rtl="0">
+              <a:spcBef>
+                <a:spcPts val="1000"/>
+              </a:spcBef>
+              <a:buFont typeface="+mj-lt"/>
+              <a:buAutoNum type="arabicPeriod"/>
+            </a:pPr>
+            <a:r>
+              <a:rPr lang="en-IL" dirty="0"/>
+              <a:t>Split the dataset into train / valid</a:t>
+            </a:r>
+            <a:r>
+              <a:rPr lang="en-US" dirty="0" err="1"/>
+              <a:t>ation</a:t>
+            </a:r>
+            <a:r>
+              <a:rPr lang="en-IL" dirty="0"/>
+              <a:t> / test sets</a:t>
+            </a:r>
+          </a:p>
+          <a:p>
+            <a:pPr marL="914400" lvl="1" indent="-457200" algn="l" rtl="0">
+              <a:spcBef>
+                <a:spcPts val="1000"/>
+              </a:spcBef>
+              <a:buFont typeface="+mj-lt"/>
+              <a:buAutoNum type="arabicPeriod"/>
+            </a:pPr>
+            <a:r>
+              <a:rPr lang="en-IL" dirty="0"/>
+              <a:t>Run a training using the train set and validate it with the valid set</a:t>
+            </a:r>
+          </a:p>
+          <a:p>
+            <a:pPr marL="914400" lvl="1" indent="-457200" algn="l" rtl="0">
+              <a:spcBef>
+                <a:spcPts val="1000"/>
+              </a:spcBef>
+              <a:buFont typeface="+mj-lt"/>
+              <a:buAutoNum type="arabicPeriod"/>
+            </a:pPr>
+            <a:r>
+              <a:rPr lang="en-IL" dirty="0"/>
+              <a:t>Make a test using the test set in order to calculate our desired metrics</a:t>
+            </a:r>
+          </a:p>
+          <a:p>
+            <a:pPr marL="457200" indent="-457200" algn="l" rtl="0">
+              <a:buFont typeface="+mj-lt"/>
+              <a:buAutoNum type="arabicPeriod"/>
+            </a:pPr>
+            <a:r>
+              <a:rPr lang="en-IL" dirty="0"/>
+              <a:t>Run a </a:t>
+            </a:r>
+            <a:r>
+              <a:rPr lang="en-US" dirty="0"/>
+              <a:t>FreaAI algorithm based on a single feature of the original dataset and compare between the predicted vs actual test results (In our use-case it’s anomaly)</a:t>
+            </a:r>
+          </a:p>
+          <a:p>
+            <a:pPr marL="457200" indent="-457200" algn="l" rtl="0">
+              <a:buFont typeface="+mj-lt"/>
+              <a:buAutoNum type="arabicPeriod"/>
+            </a:pPr>
+            <a:r>
+              <a:rPr lang="en-US" dirty="0"/>
+              <a:t>Calculate our desired metrics based on the FreaAI algorithm</a:t>
+            </a:r>
+          </a:p>
+          <a:p>
+            <a:pPr marL="457200" indent="-457200" algn="l" rtl="0">
+              <a:buFont typeface="+mj-lt"/>
+              <a:buAutoNum type="arabicPeriod"/>
+            </a:pPr>
+            <a:r>
+              <a:rPr lang="en-US" dirty="0"/>
+              <a:t>Register our model into Databricks platform</a:t>
+            </a:r>
+          </a:p>
+          <a:p>
+            <a:pPr marL="457200" indent="-457200" algn="l" rtl="0">
+              <a:buFont typeface="+mj-lt"/>
+              <a:buAutoNum type="arabicPeriod"/>
+            </a:pPr>
+            <a:r>
+              <a:rPr lang="en-IL" dirty="0"/>
+              <a:t>Load the model from Databricks and make a test using the test set in order to calculate our desired metrics</a:t>
+            </a:r>
+          </a:p>
+        </p:txBody>
+      </p:sp>
+    </p:spTree>
+    <p:extLst>
+      <p:ext uri="{BB962C8B-B14F-4D97-AF65-F5344CB8AC3E}">
+        <p14:creationId xmlns:p14="http://schemas.microsoft.com/office/powerpoint/2010/main" val="1757092679"/>
+      </p:ext>
+    </p:extLst>
+  </p:cSld>
+  <p:clrMapOvr>
+    <a:masterClrMapping/>
+  </p:clrMapOvr>
+</p:sld>
+</file>
+
+<file path=ppt/slides/slide15.xml><?xml version="1.0" encoding="utf-8"?>
+<p:sld xmlns:a="http://schemas.openxmlformats.org/drawingml/2006/main" xmlns:r="http://schemas.openxmlformats.org/officeDocument/2006/relationships" xmlns:p="http://schemas.openxmlformats.org/presentationml/2006/main">
+  <p:cSld>
+    <p:spTree>
+      <p:nvGrpSpPr>
+        <p:cNvPr id="1" name=""/>
+        <p:cNvGrpSpPr/>
+        <p:nvPr/>
+      </p:nvGrpSpPr>
+      <p:grpSpPr>
+        <a:xfrm>
+          <a:off x="0" y="0"/>
+          <a:ext cx="0" cy="0"/>
+          <a:chOff x="0" y="0"/>
+          <a:chExt cx="0" cy="0"/>
+        </a:xfrm>
+      </p:grpSpPr>
+      <p:sp>
+        <p:nvSpPr>
+          <p:cNvPr id="2" name="Title 1">
+            <a:extLst>
+              <a:ext uri="{FF2B5EF4-FFF2-40B4-BE49-F238E27FC236}">
+                <a16:creationId xmlns:a16="http://schemas.microsoft.com/office/drawing/2014/main" id="{0D2CA2B8-C3E4-9CCB-39B6-3632459C9DBE}"/>
+              </a:ext>
+            </a:extLst>
+          </p:cNvPr>
+          <p:cNvSpPr>
+            <a:spLocks noGrp="1"/>
+          </p:cNvSpPr>
+          <p:nvPr>
+            <p:ph type="title"/>
+          </p:nvPr>
+        </p:nvSpPr>
+        <p:spPr/>
+        <p:txBody>
+          <a:bodyPr/>
+          <a:lstStyle/>
+          <a:p>
+            <a:pPr algn="ctr" defTabSz="914400" rtl="0" eaLnBrk="1" latinLnBrk="0" hangingPunct="1">
+              <a:lnSpc>
+                <a:spcPct val="90000"/>
+              </a:lnSpc>
+              <a:spcBef>
+                <a:spcPct val="0"/>
+              </a:spcBef>
+              <a:buNone/>
+            </a:pPr>
+            <a:r>
+              <a:rPr lang="en-IL" dirty="0"/>
+              <a:t>Architecture – MLFlow</a:t>
+            </a:r>
+          </a:p>
+        </p:txBody>
+      </p:sp>
+      <p:sp>
+        <p:nvSpPr>
+          <p:cNvPr id="3" name="Content Placeholder 2">
+            <a:extLst>
+              <a:ext uri="{FF2B5EF4-FFF2-40B4-BE49-F238E27FC236}">
+                <a16:creationId xmlns:a16="http://schemas.microsoft.com/office/drawing/2014/main" id="{043E4208-15B2-8B64-720E-70C7E9DBB450}"/>
+              </a:ext>
+            </a:extLst>
+          </p:cNvPr>
+          <p:cNvSpPr>
+            <a:spLocks noGrp="1"/>
+          </p:cNvSpPr>
+          <p:nvPr>
+            <p:ph sz="quarter" idx="13"/>
+          </p:nvPr>
+        </p:nvSpPr>
+        <p:spPr/>
+        <p:txBody>
+          <a:bodyPr/>
+          <a:lstStyle/>
           <a:p>
             <a:pPr marL="228600" indent="-228600" algn="l" defTabSz="914400" rtl="0" eaLnBrk="1" latinLnBrk="0" hangingPunct="1">
               <a:lnSpc>
@@ -7003,7 +7301,7 @@
             </a:pPr>
             <a:r>
               <a:rPr lang="en-IL" dirty="0"/>
-              <a:t>We use MLFlow to register our trained model in the Databricks cloud SaaS platform</a:t>
+              <a:t>MLFlow is a MLOps library provider by Databricks, a MLOps software company</a:t>
             </a:r>
           </a:p>
           <a:p>
@@ -7022,7 +7320,7 @@
             </a:pPr>
             <a:r>
               <a:rPr lang="en-IL" dirty="0"/>
-              <a:t>Using MLFlow, we can handle versions of the trained model</a:t>
+              <a:t>We use MLFlow to register our trained model in the Databricks cloud SaaS platform</a:t>
             </a:r>
           </a:p>
           <a:p>
@@ -7041,6 +7339,25 @@
             </a:pPr>
             <a:r>
               <a:rPr lang="en-IL" dirty="0"/>
+              <a:t>Using MLFlow, we can handle versions of the trained model</a:t>
+            </a:r>
+          </a:p>
+          <a:p>
+            <a:pPr marL="228600" indent="-228600" algn="l" defTabSz="914400" rtl="0" eaLnBrk="1" latinLnBrk="0" hangingPunct="1">
+              <a:lnSpc>
+                <a:spcPct val="120000"/>
+              </a:lnSpc>
+              <a:spcBef>
+                <a:spcPts val="1000"/>
+              </a:spcBef>
+              <a:buClr>
+                <a:schemeClr val="tx1"/>
+              </a:buClr>
+              <a:buFont typeface="Arial" panose="020B0604020202020204" pitchFamily="34" charset="0"/>
+              <a:buChar char="•"/>
+            </a:pPr>
+            <a:r>
+              <a:rPr lang="en-IL" dirty="0"/>
               <a:t>In production scenario, we can load the model from the platform and run a prediction against a test set in order to calculate our metrics </a:t>
             </a:r>
           </a:p>
@@ -7059,7 +7376,7 @@
 </p:sld>
 </file>
 
-<file path=ppt/slides/slide13.xml><?xml version="1.0" encoding="utf-8"?>
+<file path=ppt/slides/slide16.xml><?xml version="1.0" encoding="utf-8"?>
 <p:sld xmlns:a="http://schemas.openxmlformats.org/drawingml/2006/main" xmlns:r="http://schemas.openxmlformats.org/officeDocument/2006/relationships" xmlns:p="http://schemas.openxmlformats.org/presentationml/2006/main">
   <p:cSld>
     <p:spTree>
@@ -7156,7 +7473,7 @@
 </p:sld>
 </file>
 
-<file path=ppt/slides/slide14.xml><?xml version="1.0" encoding="utf-8"?>
+<file path=ppt/slides/slide17.xml><?xml version="1.0" encoding="utf-8"?>
 <p:sld xmlns:a="http://schemas.openxmlformats.org/drawingml/2006/main" xmlns:r="http://schemas.openxmlformats.org/officeDocument/2006/relationships" xmlns:p="http://schemas.openxmlformats.org/presentationml/2006/main">
   <p:cSld>
     <p:spTree>
@@ -7253,6 +7570,178 @@
 </p:sld>
 </file>
 
+<file path=ppt/slides/slide18.xml><?xml version="1.0" encoding="utf-8"?>
+<p:sld xmlns:a="http://schemas.openxmlformats.org/drawingml/2006/main" xmlns:r="http://schemas.openxmlformats.org/officeDocument/2006/relationships" xmlns:p="http://schemas.openxmlformats.org/presentationml/2006/main">
+  <p:cSld>
+    <p:spTree>
+      <p:nvGrpSpPr>
+        <p:cNvPr id="1" name=""/>
+        <p:cNvGrpSpPr/>
+        <p:nvPr/>
+      </p:nvGrpSpPr>
+      <p:grpSpPr>
+        <a:xfrm>
+          <a:off x="0" y="0"/>
+          <a:ext cx="0" cy="0"/>
+          <a:chOff x="0" y="0"/>
+          <a:chExt cx="0" cy="0"/>
+        </a:xfrm>
+      </p:grpSpPr>
+      <p:sp>
+        <p:nvSpPr>
+          <p:cNvPr id="4" name="Title 3">
+            <a:extLst>
+              <a:ext uri="{FF2B5EF4-FFF2-40B4-BE49-F238E27FC236}">
+                <a16:creationId xmlns:a16="http://schemas.microsoft.com/office/drawing/2014/main" id="{0164B796-02E6-2CF2-AD58-6BA0FF61E8C3}"/>
+              </a:ext>
+            </a:extLst>
+          </p:cNvPr>
+          <p:cNvSpPr>
+            <a:spLocks noGrp="1"/>
+          </p:cNvSpPr>
+          <p:nvPr>
+            <p:ph type="title"/>
+          </p:nvPr>
+        </p:nvSpPr>
+        <p:spPr/>
+        <p:txBody>
+          <a:bodyPr/>
+          <a:lstStyle/>
+          <a:p>
+            <a:pPr rtl="0"/>
+            <a:r>
+              <a:rPr lang="en-US" cap="all" dirty="0"/>
+              <a:t>DEMO</a:t>
+            </a:r>
+            <a:endParaRPr lang="he-IL" cap="all" dirty="0"/>
+          </a:p>
+        </p:txBody>
+      </p:sp>
+      <p:sp>
+        <p:nvSpPr>
+          <p:cNvPr id="5" name="Text Placeholder 4">
+            <a:extLst>
+              <a:ext uri="{FF2B5EF4-FFF2-40B4-BE49-F238E27FC236}">
+                <a16:creationId xmlns:a16="http://schemas.microsoft.com/office/drawing/2014/main" id="{49087E06-C5E1-41C3-1F28-1C6A2EEE3E22}"/>
+              </a:ext>
+            </a:extLst>
+          </p:cNvPr>
+          <p:cNvSpPr>
+            <a:spLocks noGrp="1"/>
+          </p:cNvSpPr>
+          <p:nvPr>
+            <p:ph type="body" idx="1"/>
+          </p:nvPr>
+        </p:nvSpPr>
+        <p:spPr/>
+        <p:txBody>
+          <a:bodyPr/>
+          <a:lstStyle/>
+          <a:p>
+            <a:pPr rtl="0"/>
+            <a:endParaRPr lang="he-IL" dirty="0"/>
+          </a:p>
+        </p:txBody>
+      </p:sp>
+    </p:spTree>
+    <p:extLst>
+      <p:ext uri="{BB962C8B-B14F-4D97-AF65-F5344CB8AC3E}">
+        <p14:creationId xmlns:p14="http://schemas.microsoft.com/office/powerpoint/2010/main" val="3522007243"/>
+      </p:ext>
+    </p:extLst>
+  </p:cSld>
+  <p:clrMapOvr>
+    <a:masterClrMapping/>
+  </p:clrMapOvr>
+</p:sld>
+</file>
+
+<file path=ppt/slides/slide19.xml><?xml version="1.0" encoding="utf-8"?>
+<p:sld xmlns:a="http://schemas.openxmlformats.org/drawingml/2006/main" xmlns:r="http://schemas.openxmlformats.org/officeDocument/2006/relationships" xmlns:p="http://schemas.openxmlformats.org/presentationml/2006/main">
+  <p:cSld>
+    <p:spTree>
+      <p:nvGrpSpPr>
+        <p:cNvPr id="1" name=""/>
+        <p:cNvGrpSpPr/>
+        <p:nvPr/>
+      </p:nvGrpSpPr>
+      <p:grpSpPr>
+        <a:xfrm>
+          <a:off x="0" y="0"/>
+          <a:ext cx="0" cy="0"/>
+          <a:chOff x="0" y="0"/>
+          <a:chExt cx="0" cy="0"/>
+        </a:xfrm>
+      </p:grpSpPr>
+      <p:sp>
+        <p:nvSpPr>
+          <p:cNvPr id="4" name="Title 3">
+            <a:extLst>
+              <a:ext uri="{FF2B5EF4-FFF2-40B4-BE49-F238E27FC236}">
+                <a16:creationId xmlns:a16="http://schemas.microsoft.com/office/drawing/2014/main" id="{0164B796-02E6-2CF2-AD58-6BA0FF61E8C3}"/>
+              </a:ext>
+            </a:extLst>
+          </p:cNvPr>
+          <p:cNvSpPr>
+            <a:spLocks noGrp="1"/>
+          </p:cNvSpPr>
+          <p:nvPr>
+            <p:ph type="title"/>
+          </p:nvPr>
+        </p:nvSpPr>
+        <p:spPr/>
+        <p:txBody>
+          <a:bodyPr/>
+          <a:lstStyle/>
+          <a:p>
+            <a:pPr rtl="0"/>
+            <a:r>
+              <a:rPr lang="en-US" cap="all" dirty="0"/>
+              <a:t>THE report</a:t>
+            </a:r>
+            <a:endParaRPr lang="he-IL" cap="all" dirty="0"/>
+          </a:p>
+        </p:txBody>
+      </p:sp>
+      <p:sp>
+        <p:nvSpPr>
+          <p:cNvPr id="5" name="Text Placeholder 4">
+            <a:extLst>
+              <a:ext uri="{FF2B5EF4-FFF2-40B4-BE49-F238E27FC236}">
+                <a16:creationId xmlns:a16="http://schemas.microsoft.com/office/drawing/2014/main" id="{49087E06-C5E1-41C3-1F28-1C6A2EEE3E22}"/>
+              </a:ext>
+            </a:extLst>
+          </p:cNvPr>
+          <p:cNvSpPr>
+            <a:spLocks noGrp="1"/>
+          </p:cNvSpPr>
+          <p:nvPr>
+            <p:ph type="body" idx="1"/>
+          </p:nvPr>
+        </p:nvSpPr>
+        <p:spPr/>
+        <p:txBody>
+          <a:bodyPr/>
+          <a:lstStyle/>
+          <a:p>
+            <a:pPr rtl="0"/>
+            <a:endParaRPr lang="he-IL" dirty="0"/>
+          </a:p>
+        </p:txBody>
+      </p:sp>
+    </p:spTree>
+    <p:extLst>
+      <p:ext uri="{BB962C8B-B14F-4D97-AF65-F5344CB8AC3E}">
+        <p14:creationId xmlns:p14="http://schemas.microsoft.com/office/powerpoint/2010/main" val="3978710713"/>
+      </p:ext>
+    </p:extLst>
+  </p:cSld>
+  <p:clrMapOvr>
+    <a:masterClrMapping/>
+  </p:clrMapOvr>
+</p:sld>
+</file>
+
 <file path=ppt/slides/slide2.xml><?xml version="1.0" encoding="utf-8"?>
 <p:sld xmlns:a="http://schemas.openxmlformats.org/drawingml/2006/main" xmlns:r="http://schemas.openxmlformats.org/officeDocument/2006/relationships" xmlns:p="http://schemas.openxmlformats.org/presentationml/2006/main" show="0">
   <p:cSld>
@@ -7295,14 +7784,7 @@
               <a:rPr lang="en-US" dirty="0">
                 <a:cs typeface="Calibri" panose="020F0502020204030204" pitchFamily="34" charset="0"/>
               </a:rPr>
-              <a:t>Internal: Required p</a:t>
-            </a:r>
-            <a:r>
-              <a:rPr lang="en-US" sz="3600" dirty="0">
-                <a:effectLst/>
-                <a:cs typeface="Calibri" panose="020F0502020204030204" pitchFamily="34" charset="0"/>
-              </a:rPr>
-              <a:t>resentation content</a:t>
+              <a:t>Agenda</a:t>
             </a:r>
             <a:endParaRPr lang="he-IL" dirty="0"/>
           </a:p>
@@ -7326,217 +7808,161 @@
         </p:nvSpPr>
         <p:spPr/>
         <p:txBody>
-          <a:bodyPr/>
-          <a:lstStyle/>
-          <a:p>
-            <a:pPr algn="l" rtl="0" fontAlgn="ctr">
+          <a:bodyPr>
+            <a:normAutofit fontScale="92500" lnSpcReduction="20000"/>
+          </a:bodyPr>
+          <a:lstStyle/>
+          <a:p>
+            <a:pPr marL="514350" indent="-514350" algn="l" rtl="0" fontAlgn="ctr">
+              <a:lnSpc>
+                <a:spcPct val="160000"/>
+              </a:lnSpc>
               <a:spcBef>
                 <a:spcPts val="0"/>
               </a:spcBef>
               <a:spcAft>
                 <a:spcPts val="0"/>
               </a:spcAft>
-              <a:buFont typeface="Arial" panose="020B0604020202020204" pitchFamily="34" charset="0"/>
-              <a:buChar char="•"/>
+              <a:buFont typeface="+mj-lt"/>
+              <a:buAutoNum type="arabicPeriod"/>
             </a:pPr>
             <a:r>
-              <a:rPr lang="en-US" sz="1800" dirty="0">
+              <a:rPr lang="en-US" sz="2800" dirty="0">
                 <a:effectLst/>
                 <a:latin typeface="Calibri" panose="020F0502020204030204" pitchFamily="34" charset="0"/>
                 <a:cs typeface="Calibri" panose="020F0502020204030204" pitchFamily="34" charset="0"/>
               </a:rPr>
-              <a:t>target metric,</a:t>
-            </a:r>
-            <a:endParaRPr lang="en-US" sz="1800" dirty="0">
+              <a:t>Business objectives &amp; target metric</a:t>
+            </a:r>
+            <a:endParaRPr lang="en-US" sz="2800" dirty="0">
               <a:effectLst/>
               <a:cs typeface="Calibri" panose="020F0502020204030204" pitchFamily="34" charset="0"/>
             </a:endParaRPr>
           </a:p>
           <a:p>
-            <a:pPr algn="l" rtl="0" fontAlgn="ctr">
+            <a:pPr marL="514350" indent="-514350" algn="l" rtl="0" fontAlgn="ctr">
+              <a:lnSpc>
+                <a:spcPct val="160000"/>
+              </a:lnSpc>
               <a:spcBef>
                 <a:spcPts val="0"/>
               </a:spcBef>
+              <a:buFont typeface="+mj-lt"/>
+              <a:buAutoNum type="arabicPeriod"/>
             </a:pPr>
             <a:r>
-              <a:rPr lang="en-US" sz="1800" dirty="0">
+              <a:rPr lang="en-US" sz="2800" dirty="0">
                 <a:effectLst/>
                 <a:latin typeface="Calibri" panose="020F0502020204030204" pitchFamily="34" charset="0"/>
                 <a:cs typeface="Calibri" panose="020F0502020204030204" pitchFamily="34" charset="0"/>
               </a:rPr>
-              <a:t>theory behind the step </a:t>
-            </a:r>
-            <a:r>
-              <a:rPr lang="en-US" sz="1800" dirty="0" err="1">
-                <a:effectLst/>
-                <a:latin typeface="Calibri" panose="020F0502020204030204" pitchFamily="34" charset="0"/>
-                <a:cs typeface="Calibri" panose="020F0502020204030204" pitchFamily="34" charset="0"/>
-              </a:rPr>
-              <a:t>FreaAI</a:t>
-            </a:r>
-            <a:r>
-              <a:rPr lang="en-US" sz="1800" dirty="0">
-                <a:effectLst/>
-                <a:latin typeface="Calibri" panose="020F0502020204030204" pitchFamily="34" charset="0"/>
-                <a:cs typeface="Calibri" panose="020F0502020204030204" pitchFamily="34" charset="0"/>
-              </a:rPr>
-              <a:t>,</a:t>
-            </a:r>
-            <a:endParaRPr lang="en-US" sz="1800" dirty="0">
+              <a:t>FreaAI - the theory behind the step</a:t>
+            </a:r>
+            <a:endParaRPr lang="en-US" sz="2800" dirty="0">
               <a:effectLst/>
               <a:cs typeface="Calibri" panose="020F0502020204030204" pitchFamily="34" charset="0"/>
             </a:endParaRPr>
           </a:p>
           <a:p>
-            <a:pPr algn="l" rtl="0" fontAlgn="ctr">
+            <a:pPr marL="514350" indent="-514350" algn="l" rtl="0" fontAlgn="ctr">
+              <a:lnSpc>
+                <a:spcPct val="160000"/>
+              </a:lnSpc>
               <a:spcBef>
                 <a:spcPts val="0"/>
               </a:spcBef>
               <a:spcAft>
                 <a:spcPts val="0"/>
               </a:spcAft>
-              <a:buFont typeface="Arial" panose="020B0604020202020204" pitchFamily="34" charset="0"/>
-              <a:buChar char="•"/>
+              <a:buFont typeface="+mj-lt"/>
+              <a:buAutoNum type="arabicPeriod"/>
             </a:pPr>
             <a:r>
-              <a:rPr lang="en-US" sz="1800" dirty="0">
+              <a:rPr lang="en-US" sz="2800" dirty="0">
                 <a:effectLst/>
                 <a:latin typeface="Calibri" panose="020F0502020204030204" pitchFamily="34" charset="0"/>
                 <a:cs typeface="Calibri" panose="020F0502020204030204" pitchFamily="34" charset="0"/>
               </a:rPr>
-              <a:t>Architecture – </a:t>
-            </a:r>
-            <a:r>
-              <a:rPr lang="en-US" sz="1800" dirty="0" err="1">
+              <a:t>Architecture</a:t>
+            </a:r>
+            <a:endParaRPr lang="en-US" sz="2800" dirty="0">
+              <a:effectLst/>
+              <a:cs typeface="Calibri" panose="020F0502020204030204" pitchFamily="34" charset="0"/>
+            </a:endParaRPr>
+          </a:p>
+          <a:p>
+            <a:pPr marL="514350" indent="-514350" algn="l" rtl="0" fontAlgn="ctr">
+              <a:lnSpc>
+                <a:spcPct val="160000"/>
+              </a:lnSpc>
+              <a:spcBef>
+                <a:spcPts val="0"/>
+              </a:spcBef>
+              <a:buFont typeface="+mj-lt"/>
+              <a:buAutoNum type="arabicPeriod"/>
+            </a:pPr>
+            <a:r>
+              <a:rPr lang="en-US" sz="2800" dirty="0">
                 <a:effectLst/>
                 <a:latin typeface="Calibri" panose="020F0502020204030204" pitchFamily="34" charset="0"/>
                 <a:cs typeface="Calibri" panose="020F0502020204030204" pitchFamily="34" charset="0"/>
               </a:rPr>
-              <a:t>MLFlow</a:t>
-            </a:r>
-            <a:r>
-              <a:rPr lang="en-US" sz="1800" dirty="0">
-                <a:effectLst/>
-                <a:latin typeface="Calibri" panose="020F0502020204030204" pitchFamily="34" charset="0"/>
-                <a:cs typeface="Calibri" panose="020F0502020204030204" pitchFamily="34" charset="0"/>
-              </a:rPr>
-              <a:t> ++ the flow,</a:t>
-            </a:r>
-            <a:endParaRPr lang="en-US" sz="1800" dirty="0">
+              <a:t>Demo</a:t>
+            </a:r>
+            <a:endParaRPr lang="en-US" sz="2800" dirty="0">
               <a:effectLst/>
               <a:cs typeface="Calibri" panose="020F0502020204030204" pitchFamily="34" charset="0"/>
             </a:endParaRPr>
           </a:p>
           <a:p>
-            <a:pPr algn="l" rtl="0" fontAlgn="ctr">
+            <a:pPr marL="514350" indent="-514350" algn="l" rtl="0" fontAlgn="ctr">
+              <a:lnSpc>
+                <a:spcPct val="160000"/>
+              </a:lnSpc>
               <a:spcBef>
                 <a:spcPts val="0"/>
               </a:spcBef>
               <a:spcAft>
                 <a:spcPts val="0"/>
               </a:spcAft>
-              <a:buFont typeface="Arial" panose="020B0604020202020204" pitchFamily="34" charset="0"/>
-              <a:buChar char="•"/>
+              <a:buFont typeface="+mj-lt"/>
+              <a:buAutoNum type="arabicPeriod"/>
             </a:pPr>
             <a:r>
-              <a:rPr lang="en-US" sz="1800" dirty="0">
+              <a:rPr lang="en-US" sz="2800" dirty="0">
                 <a:effectLst/>
                 <a:latin typeface="Calibri" panose="020F0502020204030204" pitchFamily="34" charset="0"/>
                 <a:cs typeface="Calibri" panose="020F0502020204030204" pitchFamily="34" charset="0"/>
               </a:rPr>
-              <a:t>comparison of both datasets with the baseline models,</a:t>
-            </a:r>
-            <a:endParaRPr lang="en-US" sz="1800" dirty="0">
+              <a:t>The report</a:t>
+            </a:r>
+            <a:endParaRPr lang="en-US" sz="2800" dirty="0">
               <a:effectLst/>
               <a:cs typeface="Calibri" panose="020F0502020204030204" pitchFamily="34" charset="0"/>
             </a:endParaRPr>
           </a:p>
           <a:p>
-            <a:pPr algn="l" rtl="0" fontAlgn="ctr">
+            <a:pPr marL="514350" indent="-514350" algn="l" rtl="0" fontAlgn="ctr">
+              <a:lnSpc>
+                <a:spcPct val="160000"/>
+              </a:lnSpc>
               <a:spcBef>
                 <a:spcPts val="0"/>
               </a:spcBef>
               <a:spcAft>
                 <a:spcPts val="0"/>
               </a:spcAft>
-              <a:buFont typeface="Arial" panose="020B0604020202020204" pitchFamily="34" charset="0"/>
-              <a:buChar char="•"/>
+              <a:buFont typeface="+mj-lt"/>
+              <a:buAutoNum type="arabicPeriod"/>
             </a:pPr>
             <a:r>
-              <a:rPr lang="en-US" sz="1800" dirty="0">
+              <a:rPr lang="en-US" sz="2800" dirty="0">
                 <a:effectLst/>
                 <a:latin typeface="Calibri" panose="020F0502020204030204" pitchFamily="34" charset="0"/>
                 <a:cs typeface="Calibri" panose="020F0502020204030204" pitchFamily="34" charset="0"/>
               </a:rPr>
-              <a:t>live/recorder run of automatic step,</a:t>
-            </a:r>
-            <a:endParaRPr lang="en-US" sz="1800" dirty="0">
-              <a:effectLst/>
-              <a:cs typeface="Calibri" panose="020F0502020204030204" pitchFamily="34" charset="0"/>
-            </a:endParaRPr>
-          </a:p>
-          <a:p>
-            <a:pPr algn="l" rtl="0" fontAlgn="ctr">
-              <a:spcBef>
-                <a:spcPts val="0"/>
-              </a:spcBef>
-              <a:spcAft>
-                <a:spcPts val="0"/>
-              </a:spcAft>
-              <a:buFont typeface="Arial" panose="020B0604020202020204" pitchFamily="34" charset="0"/>
-              <a:buChar char="•"/>
-            </a:pPr>
-            <a:r>
-              <a:rPr lang="en-US" sz="1800" dirty="0">
-                <a:effectLst/>
-                <a:latin typeface="Calibri" panose="020F0502020204030204" pitchFamily="34" charset="0"/>
-                <a:cs typeface="Calibri" panose="020F0502020204030204" pitchFamily="34" charset="0"/>
-              </a:rPr>
-              <a:t>suggested future steps for further improvement based on the current results.</a:t>
-            </a:r>
-          </a:p>
-          <a:p>
-            <a:pPr lvl="1" algn="l" rtl="0" fontAlgn="ctr">
-              <a:spcBef>
-                <a:spcPts val="0"/>
-              </a:spcBef>
-            </a:pPr>
-            <a:r>
-              <a:rPr lang="en-US" sz="1600" dirty="0">
-                <a:latin typeface="Calibri" panose="020F0502020204030204" pitchFamily="34" charset="0"/>
-                <a:cs typeface="Calibri" panose="020F0502020204030204" pitchFamily="34" charset="0"/>
-              </a:rPr>
-              <a:t>Phase 2: </a:t>
-            </a:r>
-            <a:r>
-              <a:rPr lang="en-US" sz="1600" dirty="0" err="1">
-                <a:latin typeface="Calibri" panose="020F0502020204030204" pitchFamily="34" charset="0"/>
-                <a:cs typeface="Calibri" panose="020F0502020204030204" pitchFamily="34" charset="0"/>
-              </a:rPr>
-              <a:t>generain</a:t>
-            </a:r>
-            <a:r>
-              <a:rPr lang="en-US" sz="1600" dirty="0">
-                <a:latin typeface="Calibri" panose="020F0502020204030204" pitchFamily="34" charset="0"/>
-                <a:cs typeface="Calibri" panose="020F0502020204030204" pitchFamily="34" charset="0"/>
-              </a:rPr>
-              <a:t> more samples for </a:t>
-            </a:r>
-            <a:r>
-              <a:rPr lang="en-US" sz="1600">
-                <a:latin typeface="Calibri" panose="020F0502020204030204" pitchFamily="34" charset="0"/>
-                <a:cs typeface="Calibri" panose="020F0502020204030204" pitchFamily="34" charset="0"/>
-              </a:rPr>
-              <a:t>underperforming slices - simulating</a:t>
-            </a:r>
-            <a:endParaRPr lang="en-US" sz="1600" dirty="0">
-              <a:effectLst/>
-              <a:cs typeface="Calibri" panose="020F0502020204030204" pitchFamily="34" charset="0"/>
-            </a:endParaRPr>
-          </a:p>
-          <a:p>
-            <a:pPr algn="l" rtl="0"/>
-            <a:endParaRPr lang="he-IL" dirty="0"/>
+              <a:t>Suggested future steps</a:t>
+            </a:r>
           </a:p>
         </p:txBody>
       </p:sp>
@@ -7544,6 +7970,227 @@
     <p:extLst>
       <p:ext uri="{BB962C8B-B14F-4D97-AF65-F5344CB8AC3E}">
         <p14:creationId xmlns:p14="http://schemas.microsoft.com/office/powerpoint/2010/main" val="3576737281"/>
+      </p:ext>
+    </p:extLst>
+  </p:cSld>
+  <p:clrMapOvr>
+    <a:masterClrMapping/>
+  </p:clrMapOvr>
+</p:sld>
+</file>
+
+<file path=ppt/slides/slide20.xml><?xml version="1.0" encoding="utf-8"?>
+<p:sld xmlns:a="http://schemas.openxmlformats.org/drawingml/2006/main" xmlns:r="http://schemas.openxmlformats.org/officeDocument/2006/relationships" xmlns:p="http://schemas.openxmlformats.org/presentationml/2006/main">
+  <p:cSld>
+    <p:spTree>
+      <p:nvGrpSpPr>
+        <p:cNvPr id="1" name=""/>
+        <p:cNvGrpSpPr/>
+        <p:nvPr/>
+      </p:nvGrpSpPr>
+      <p:grpSpPr>
+        <a:xfrm>
+          <a:off x="0" y="0"/>
+          <a:ext cx="0" cy="0"/>
+          <a:chOff x="0" y="0"/>
+          <a:chExt cx="0" cy="0"/>
+        </a:xfrm>
+      </p:grpSpPr>
+      <p:sp>
+        <p:nvSpPr>
+          <p:cNvPr id="4" name="Title 3">
+            <a:extLst>
+              <a:ext uri="{FF2B5EF4-FFF2-40B4-BE49-F238E27FC236}">
+                <a16:creationId xmlns:a16="http://schemas.microsoft.com/office/drawing/2014/main" id="{0164B796-02E6-2CF2-AD58-6BA0FF61E8C3}"/>
+              </a:ext>
+            </a:extLst>
+          </p:cNvPr>
+          <p:cNvSpPr>
+            <a:spLocks noGrp="1"/>
+          </p:cNvSpPr>
+          <p:nvPr>
+            <p:ph type="title"/>
+          </p:nvPr>
+        </p:nvSpPr>
+        <p:spPr/>
+        <p:txBody>
+          <a:bodyPr/>
+          <a:lstStyle/>
+          <a:p>
+            <a:pPr rtl="0"/>
+            <a:r>
+              <a:rPr lang="en-US" cap="all" dirty="0"/>
+              <a:t>SUGGESTED Phase 2</a:t>
+            </a:r>
+            <a:endParaRPr lang="he-IL" cap="all" dirty="0"/>
+          </a:p>
+        </p:txBody>
+      </p:sp>
+      <p:sp>
+        <p:nvSpPr>
+          <p:cNvPr id="5" name="Text Placeholder 4">
+            <a:extLst>
+              <a:ext uri="{FF2B5EF4-FFF2-40B4-BE49-F238E27FC236}">
+                <a16:creationId xmlns:a16="http://schemas.microsoft.com/office/drawing/2014/main" id="{49087E06-C5E1-41C3-1F28-1C6A2EEE3E22}"/>
+              </a:ext>
+            </a:extLst>
+          </p:cNvPr>
+          <p:cNvSpPr>
+            <a:spLocks noGrp="1"/>
+          </p:cNvSpPr>
+          <p:nvPr>
+            <p:ph type="body" idx="1"/>
+          </p:nvPr>
+        </p:nvSpPr>
+        <p:spPr/>
+        <p:txBody>
+          <a:bodyPr/>
+          <a:lstStyle/>
+          <a:p>
+            <a:pPr rtl="0"/>
+            <a:endParaRPr lang="he-IL" dirty="0"/>
+          </a:p>
+        </p:txBody>
+      </p:sp>
+    </p:spTree>
+    <p:extLst>
+      <p:ext uri="{BB962C8B-B14F-4D97-AF65-F5344CB8AC3E}">
+        <p14:creationId xmlns:p14="http://schemas.microsoft.com/office/powerpoint/2010/main" val="1172642734"/>
+      </p:ext>
+    </p:extLst>
+  </p:cSld>
+  <p:clrMapOvr>
+    <a:masterClrMapping/>
+  </p:clrMapOvr>
+</p:sld>
+</file>
+
+<file path=ppt/slides/slide21.xml><?xml version="1.0" encoding="utf-8"?>
+<p:sld xmlns:a="http://schemas.openxmlformats.org/drawingml/2006/main" xmlns:r="http://schemas.openxmlformats.org/officeDocument/2006/relationships" xmlns:p="http://schemas.openxmlformats.org/presentationml/2006/main">
+  <p:cSld>
+    <p:spTree>
+      <p:nvGrpSpPr>
+        <p:cNvPr id="1" name=""/>
+        <p:cNvGrpSpPr/>
+        <p:nvPr/>
+      </p:nvGrpSpPr>
+      <p:grpSpPr>
+        <a:xfrm>
+          <a:off x="0" y="0"/>
+          <a:ext cx="0" cy="0"/>
+          <a:chOff x="0" y="0"/>
+          <a:chExt cx="0" cy="0"/>
+        </a:xfrm>
+      </p:grpSpPr>
+      <p:sp>
+        <p:nvSpPr>
+          <p:cNvPr id="4" name="Title 3">
+            <a:extLst>
+              <a:ext uri="{FF2B5EF4-FFF2-40B4-BE49-F238E27FC236}">
+                <a16:creationId xmlns:a16="http://schemas.microsoft.com/office/drawing/2014/main" id="{3841DBFF-E78A-5E15-AE30-ADBCC1AA634C}"/>
+              </a:ext>
+            </a:extLst>
+          </p:cNvPr>
+          <p:cNvSpPr>
+            <a:spLocks noGrp="1"/>
+          </p:cNvSpPr>
+          <p:nvPr>
+            <p:ph type="title"/>
+          </p:nvPr>
+        </p:nvSpPr>
+        <p:spPr/>
+        <p:txBody>
+          <a:bodyPr/>
+          <a:lstStyle/>
+          <a:p>
+            <a:pPr rtl="0"/>
+            <a:r>
+              <a:rPr lang="en-US" dirty="0"/>
+              <a:t>Suggested future steps</a:t>
+            </a:r>
+            <a:endParaRPr lang="he-IL" dirty="0"/>
+          </a:p>
+        </p:txBody>
+      </p:sp>
+      <p:sp>
+        <p:nvSpPr>
+          <p:cNvPr id="5" name="Content Placeholder 4">
+            <a:extLst>
+              <a:ext uri="{FF2B5EF4-FFF2-40B4-BE49-F238E27FC236}">
+                <a16:creationId xmlns:a16="http://schemas.microsoft.com/office/drawing/2014/main" id="{63919A5D-9E9E-6F41-14A2-DB1A1BAECC5B}"/>
+              </a:ext>
+            </a:extLst>
+          </p:cNvPr>
+          <p:cNvSpPr>
+            <a:spLocks noGrp="1"/>
+          </p:cNvSpPr>
+          <p:nvPr>
+            <p:ph sz="quarter" idx="13"/>
+          </p:nvPr>
+        </p:nvSpPr>
+        <p:spPr/>
+        <p:txBody>
+          <a:bodyPr/>
+          <a:lstStyle/>
+          <a:p>
+            <a:pPr marL="0" indent="0" algn="l" rtl="0">
+              <a:buNone/>
+            </a:pPr>
+            <a:r>
+              <a:rPr lang="en-US" dirty="0"/>
+              <a:t>Improve models’ F2, addressing data slices recommended by Phase 1 report.</a:t>
+            </a:r>
+          </a:p>
+          <a:p>
+            <a:pPr marL="0" indent="0" algn="l" rtl="0">
+              <a:buNone/>
+            </a:pPr>
+            <a:r>
+              <a:rPr lang="en-US" dirty="0"/>
+              <a:t>For each data slice:</a:t>
+            </a:r>
+          </a:p>
+          <a:p>
+            <a:pPr marL="457200" indent="-457200" algn="l" rtl="0">
+              <a:buFont typeface="+mj-lt"/>
+              <a:buAutoNum type="arabicPeriod"/>
+            </a:pPr>
+            <a:r>
+              <a:rPr lang="en-US" dirty="0"/>
+              <a:t>Additionally train the model on a subset of original train set, specified by a data slice.</a:t>
+            </a:r>
+          </a:p>
+          <a:p>
+            <a:pPr marL="457200" indent="-457200" algn="l" rtl="0">
+              <a:buFont typeface="+mj-lt"/>
+              <a:buAutoNum type="arabicPeriod"/>
+            </a:pPr>
+            <a:r>
+              <a:rPr lang="en-US" dirty="0"/>
+              <a:t>For even more F2 improvement:</a:t>
+            </a:r>
+          </a:p>
+          <a:p>
+            <a:pPr marL="0" indent="0" algn="l" rtl="0">
+              <a:buNone/>
+            </a:pPr>
+            <a:r>
+              <a:rPr lang="en-US" dirty="0"/>
+              <a:t>       Augment train data by generation of additional synthetic data, specified by a data slice.</a:t>
+            </a:r>
+          </a:p>
+          <a:p>
+            <a:pPr marL="0" indent="0" algn="l" rtl="0">
+              <a:buNone/>
+            </a:pPr>
+            <a:endParaRPr lang="he-IL" dirty="0"/>
+          </a:p>
+        </p:txBody>
+      </p:sp>
+    </p:spTree>
+    <p:extLst>
+      <p:ext uri="{BB962C8B-B14F-4D97-AF65-F5344CB8AC3E}">
+        <p14:creationId xmlns:p14="http://schemas.microsoft.com/office/powerpoint/2010/main" val="4161401877"/>
       </p:ext>
     </p:extLst>
   </p:cSld>
@@ -7572,10 +8219,10 @@
       </p:grpSpPr>
       <p:sp>
         <p:nvSpPr>
-          <p:cNvPr id="2" name="Title 1">
+          <p:cNvPr id="4" name="Title 3">
             <a:extLst>
               <a:ext uri="{FF2B5EF4-FFF2-40B4-BE49-F238E27FC236}">
-                <a16:creationId xmlns:a16="http://schemas.microsoft.com/office/drawing/2014/main" id="{058B8347-6A32-E5FD-1763-9750102DD497}"/>
+                <a16:creationId xmlns:a16="http://schemas.microsoft.com/office/drawing/2014/main" id="{0164B796-02E6-2CF2-AD58-6BA0FF61E8C3}"/>
               </a:ext>
             </a:extLst>
           </p:cNvPr>
@@ -7593,19 +8240,26 @@
           <a:p>
             <a:pPr rtl="0"/>
             <a:r>
-              <a:rPr lang="en-US" dirty="0"/>
-              <a:t>Client’s business objective</a:t>
-            </a:r>
-            <a:endParaRPr lang="he-IL" dirty="0"/>
-          </a:p>
-        </p:txBody>
-      </p:sp>
-      <p:sp>
-        <p:nvSpPr>
-          <p:cNvPr id="3" name="Content Placeholder 2">
+              <a:rPr lang="en-US" cap="all" dirty="0"/>
+              <a:t>From business OBJECTIVE –</a:t>
+            </a:r>
+            <a:br>
+              <a:rPr lang="en-US" cap="all" dirty="0"/>
+            </a:br>
+            <a:r>
+              <a:rPr lang="en-US" cap="all" dirty="0"/>
+              <a:t>to TECHNICAL metric</a:t>
+            </a:r>
+            <a:endParaRPr lang="he-IL" cap="all" dirty="0"/>
+          </a:p>
+        </p:txBody>
+      </p:sp>
+      <p:sp>
+        <p:nvSpPr>
+          <p:cNvPr id="5" name="Text Placeholder 4">
             <a:extLst>
               <a:ext uri="{FF2B5EF4-FFF2-40B4-BE49-F238E27FC236}">
-                <a16:creationId xmlns:a16="http://schemas.microsoft.com/office/drawing/2014/main" id="{8721A247-8606-0AD0-8F8D-677EF8C43DDA}"/>
+                <a16:creationId xmlns:a16="http://schemas.microsoft.com/office/drawing/2014/main" id="{49087E06-C5E1-41C3-1F28-1C6A2EEE3E22}"/>
               </a:ext>
             </a:extLst>
           </p:cNvPr>
@@ -7613,69 +8267,23 @@
             <a:spLocks noGrp="1"/>
           </p:cNvSpPr>
           <p:nvPr>
-            <p:ph sz="quarter" idx="13"/>
+            <p:ph type="body" idx="1"/>
           </p:nvPr>
         </p:nvSpPr>
         <p:spPr/>
         <p:txBody>
-          <a:bodyPr>
-            <a:normAutofit/>
-          </a:bodyPr>
-          <a:lstStyle/>
-          <a:p>
-            <a:pPr marL="0" indent="0" algn="l" rtl="0">
-              <a:buNone/>
-            </a:pPr>
-            <a:r>
-              <a:rPr lang="en-US" sz="2400" dirty="0"/>
-              <a:t>Ensure uninterrupted and cost-effective water supply to consumers</a:t>
-            </a:r>
-          </a:p>
-          <a:p>
-            <a:pPr marL="0" indent="0" algn="l" rtl="0">
-              <a:buNone/>
-            </a:pPr>
-            <a:r>
-              <a:rPr lang="en-US" sz="2400" dirty="0"/>
-              <a:t>=&gt; Develop high level of sensitivity to </a:t>
-            </a:r>
-            <a:r>
-              <a:rPr lang="en-US" sz="2400" b="1" u="sng" dirty="0"/>
-              <a:t>all</a:t>
-            </a:r>
-            <a:r>
-              <a:rPr lang="en-US" sz="2400" dirty="0"/>
-              <a:t> variety of anomalies</a:t>
-            </a:r>
-          </a:p>
-          <a:p>
-            <a:pPr marL="0" indent="0" algn="l" rtl="0">
-              <a:buNone/>
-            </a:pPr>
-            <a:endParaRPr lang="en-US" sz="2400" dirty="0"/>
-          </a:p>
-          <a:p>
-            <a:pPr marL="0" indent="0" algn="l" rtl="0">
-              <a:buNone/>
-            </a:pPr>
-            <a:endParaRPr lang="en-US" sz="2400" dirty="0"/>
-          </a:p>
-          <a:p>
-            <a:pPr marL="0" indent="0" algn="l" rtl="0">
-              <a:buNone/>
-            </a:pPr>
-            <a:r>
-              <a:rPr lang="en-US" sz="2400" dirty="0"/>
-              <a:t>&lt;Add reasoning and story here&gt;</a:t>
-            </a:r>
-            <a:endParaRPr lang="he-IL" sz="2400" dirty="0"/>
+          <a:bodyPr/>
+          <a:lstStyle/>
+          <a:p>
+            <a:pPr rtl="0"/>
+            <a:endParaRPr lang="he-IL" dirty="0"/>
           </a:p>
         </p:txBody>
       </p:sp>
     </p:spTree>
     <p:extLst>
       <p:ext uri="{BB962C8B-B14F-4D97-AF65-F5344CB8AC3E}">
-        <p14:creationId xmlns:p14="http://schemas.microsoft.com/office/powerpoint/2010/main" val="106282545"/>
+        <p14:creationId xmlns:p14="http://schemas.microsoft.com/office/powerpoint/2010/main" val="3030595227"/>
       </p:ext>
     </p:extLst>
   </p:cSld>
@@ -7707,7 +8315,7 @@
           <p:cNvPr id="2" name="Title 1">
             <a:extLst>
               <a:ext uri="{FF2B5EF4-FFF2-40B4-BE49-F238E27FC236}">
-                <a16:creationId xmlns:a16="http://schemas.microsoft.com/office/drawing/2014/main" id="{AE1667FC-3734-7C4D-1E5A-67D379A349A8}"/>
+                <a16:creationId xmlns:a16="http://schemas.microsoft.com/office/drawing/2014/main" id="{058B8347-6A32-E5FD-1763-9750102DD497}"/>
               </a:ext>
             </a:extLst>
           </p:cNvPr>
@@ -7723,9 +8331,10 @@
           <a:bodyPr/>
           <a:lstStyle/>
           <a:p>
+            <a:pPr rtl="0"/>
             <a:r>
               <a:rPr lang="en-US" dirty="0"/>
-              <a:t>The phase of the project</a:t>
+              <a:t>Client background</a:t>
             </a:r>
             <a:endParaRPr lang="he-IL" dirty="0"/>
           </a:p>
@@ -7736,7 +8345,7 @@
           <p:cNvPr id="3" name="Content Placeholder 2">
             <a:extLst>
               <a:ext uri="{FF2B5EF4-FFF2-40B4-BE49-F238E27FC236}">
-                <a16:creationId xmlns:a16="http://schemas.microsoft.com/office/drawing/2014/main" id="{785BC5C6-4076-19BE-A933-C1043D0D544A}"/>
+                <a16:creationId xmlns:a16="http://schemas.microsoft.com/office/drawing/2014/main" id="{8721A247-8606-0AD0-8F8D-677EF8C43DDA}"/>
               </a:ext>
             </a:extLst>
           </p:cNvPr>
@@ -7749,26 +8358,127 @@
         </p:nvSpPr>
         <p:spPr/>
         <p:txBody>
-          <a:bodyPr/>
-          <a:lstStyle/>
-          <a:p>
-            <a:pPr algn="l" rtl="0"/>
-            <a:r>
-              <a:rPr lang="en-US" dirty="0"/>
-              <a:t>&lt;Model analysis&gt; and </a:t>
-            </a:r>
-            <a:r>
-              <a:rPr lang="en-US" dirty="0" err="1"/>
-              <a:t>insignts</a:t>
-            </a:r>
-            <a:endParaRPr lang="he-IL" dirty="0"/>
+          <a:bodyPr>
+            <a:normAutofit lnSpcReduction="10000"/>
+          </a:bodyPr>
+          <a:lstStyle/>
+          <a:p>
+            <a:pPr algn="l" rtl="0">
+              <a:lnSpc>
+                <a:spcPct val="150000"/>
+              </a:lnSpc>
+              <a:buBlip>
+                <a:blip r:embed="rId2">
+                  <a:extLst>
+                    <a:ext uri="{96DAC541-7B7A-43D3-8B79-37D633B846F1}">
+                      <asvg:svgBlip xmlns:asvg="http://schemas.microsoft.com/office/drawing/2016/SVG/main" r:embed="rId3"/>
+                    </a:ext>
+                  </a:extLst>
+                </a:blip>
+              </a:buBlip>
+            </a:pPr>
+            <a:r>
+              <a:rPr lang="en-US" sz="2400" dirty="0"/>
+              <a:t>Client: A water utility company</a:t>
+            </a:r>
+          </a:p>
+          <a:p>
+            <a:pPr algn="l" rtl="0">
+              <a:lnSpc>
+                <a:spcPct val="150000"/>
+              </a:lnSpc>
+              <a:buBlip>
+                <a:blip r:embed="rId2">
+                  <a:extLst>
+                    <a:ext uri="{96DAC541-7B7A-43D3-8B79-37D633B846F1}">
+                      <asvg:svgBlip xmlns:asvg="http://schemas.microsoft.com/office/drawing/2016/SVG/main" r:embed="rId3"/>
+                    </a:ext>
+                  </a:extLst>
+                </a:blip>
+              </a:buBlip>
+            </a:pPr>
+            <a:r>
+              <a:rPr lang="en-US" sz="2400" dirty="0"/>
+              <a:t>Business purpose: ensure uninterrupted supply of clean water to consumers</a:t>
+            </a:r>
+          </a:p>
+          <a:p>
+            <a:pPr algn="l" rtl="0">
+              <a:lnSpc>
+                <a:spcPct val="150000"/>
+              </a:lnSpc>
+              <a:buBlip>
+                <a:blip r:embed="rId2">
+                  <a:extLst>
+                    <a:ext uri="{96DAC541-7B7A-43D3-8B79-37D633B846F1}">
+                      <asvg:svgBlip xmlns:asvg="http://schemas.microsoft.com/office/drawing/2016/SVG/main" r:embed="rId3"/>
+                    </a:ext>
+                  </a:extLst>
+                </a:blip>
+              </a:buBlip>
+            </a:pPr>
+            <a:r>
+              <a:rPr lang="en-US" sz="2400" dirty="0"/>
+              <a:t>Major costs:</a:t>
+            </a:r>
+          </a:p>
+          <a:p>
+            <a:pPr lvl="1" algn="l" rtl="0">
+              <a:buBlip>
+                <a:blip r:embed="rId2">
+                  <a:extLst>
+                    <a:ext uri="{96DAC541-7B7A-43D3-8B79-37D633B846F1}">
+                      <asvg:svgBlip xmlns:asvg="http://schemas.microsoft.com/office/drawing/2016/SVG/main" r:embed="rId3"/>
+                    </a:ext>
+                  </a:extLst>
+                </a:blip>
+              </a:buBlip>
+            </a:pPr>
+            <a:r>
+              <a:rPr lang="en-US" sz="2200" dirty="0"/>
+              <a:t>developing and maintaining infrastructure of water pipes network</a:t>
+            </a:r>
+          </a:p>
+          <a:p>
+            <a:pPr lvl="1" algn="l" rtl="0">
+              <a:buBlip>
+                <a:blip r:embed="rId2">
+                  <a:extLst>
+                    <a:ext uri="{96DAC541-7B7A-43D3-8B79-37D633B846F1}">
+                      <asvg:svgBlip xmlns:asvg="http://schemas.microsoft.com/office/drawing/2016/SVG/main" r:embed="rId3"/>
+                    </a:ext>
+                  </a:extLst>
+                </a:blip>
+              </a:buBlip>
+            </a:pPr>
+            <a:r>
+              <a:rPr lang="en-US" sz="2200" dirty="0"/>
+              <a:t>fixing of infrastructure failures and repair of associated damage</a:t>
+            </a:r>
+          </a:p>
+          <a:p>
+            <a:pPr algn="l" rtl="0">
+              <a:buBlip>
+                <a:blip r:embed="rId2">
+                  <a:extLst>
+                    <a:ext uri="{96DAC541-7B7A-43D3-8B79-37D633B846F1}">
+                      <asvg:svgBlip xmlns:asvg="http://schemas.microsoft.com/office/drawing/2016/SVG/main" r:embed="rId3"/>
+                    </a:ext>
+                  </a:extLst>
+                </a:blip>
+              </a:buBlip>
+            </a:pPr>
+            <a:r>
+              <a:rPr lang="en-US" sz="2400" dirty="0"/>
+              <a:t>Preventive measures and servicing false alarms are considerably less expensive</a:t>
+            </a:r>
           </a:p>
         </p:txBody>
       </p:sp>
     </p:spTree>
     <p:extLst>
       <p:ext uri="{BB962C8B-B14F-4D97-AF65-F5344CB8AC3E}">
-        <p14:creationId xmlns:p14="http://schemas.microsoft.com/office/powerpoint/2010/main" val="3485616824"/>
+        <p14:creationId xmlns:p14="http://schemas.microsoft.com/office/powerpoint/2010/main" val="2507757791"/>
       </p:ext>
     </p:extLst>
   </p:cSld>
@@ -7800,7 +8510,7 @@
           <p:cNvPr id="2" name="Title 1">
             <a:extLst>
               <a:ext uri="{FF2B5EF4-FFF2-40B4-BE49-F238E27FC236}">
-                <a16:creationId xmlns:a16="http://schemas.microsoft.com/office/drawing/2014/main" id="{B25312DF-F229-EF9F-D7F0-A6C57FCC9B97}"/>
+                <a16:creationId xmlns:a16="http://schemas.microsoft.com/office/drawing/2014/main" id="{058B8347-6A32-E5FD-1763-9750102DD497}"/>
               </a:ext>
             </a:extLst>
           </p:cNvPr>
@@ -7816,9 +8526,10 @@
           <a:bodyPr/>
           <a:lstStyle/>
           <a:p>
+            <a:pPr rtl="0"/>
             <a:r>
               <a:rPr lang="en-US" dirty="0"/>
-              <a:t>Target technical metrics</a:t>
+              <a:t>Client’s challenge</a:t>
             </a:r>
             <a:endParaRPr lang="he-IL" dirty="0"/>
           </a:p>
@@ -7829,7 +8540,7 @@
           <p:cNvPr id="3" name="Content Placeholder 2">
             <a:extLst>
               <a:ext uri="{FF2B5EF4-FFF2-40B4-BE49-F238E27FC236}">
-                <a16:creationId xmlns:a16="http://schemas.microsoft.com/office/drawing/2014/main" id="{AE1648DB-5759-AF17-B6A3-738D1BC34328}"/>
+                <a16:creationId xmlns:a16="http://schemas.microsoft.com/office/drawing/2014/main" id="{8721A247-8606-0AD0-8F8D-677EF8C43DDA}"/>
               </a:ext>
             </a:extLst>
           </p:cNvPr>
@@ -7842,48 +8553,91 @@
         </p:nvSpPr>
         <p:spPr/>
         <p:txBody>
-          <a:bodyPr/>
+          <a:bodyPr>
+            <a:normAutofit/>
+          </a:bodyPr>
           <a:lstStyle/>
           <a:p>
             <a:pPr marL="457200" indent="-457200" algn="l" rtl="0">
+              <a:lnSpc>
+                <a:spcPct val="150000"/>
+              </a:lnSpc>
               <a:buFont typeface="+mj-lt"/>
               <a:buAutoNum type="arabicPeriod"/>
             </a:pPr>
             <a:r>
-              <a:rPr lang="en-US" dirty="0"/>
-              <a:t>True Positive Rate (</a:t>
-            </a:r>
-            <a:r>
-              <a:rPr lang="en-US" dirty="0" err="1"/>
-              <a:t>sensivity</a:t>
-            </a:r>
-            <a:r>
-              <a:rPr lang="en-US" dirty="0"/>
-              <a:t>)</a:t>
+              <a:rPr lang="en-US" sz="2400" dirty="0"/>
+              <a:t>Prevent failures as much as possible =&gt;</a:t>
+            </a:r>
+          </a:p>
+          <a:p>
+            <a:pPr lvl="1" algn="l" rtl="0">
+              <a:lnSpc>
+                <a:spcPct val="150000"/>
+              </a:lnSpc>
+              <a:buBlip>
+                <a:blip r:embed="rId2">
+                  <a:extLst>
+                    <a:ext uri="{96DAC541-7B7A-43D3-8B79-37D633B846F1}">
+                      <asvg:svgBlip xmlns:asvg="http://schemas.microsoft.com/office/drawing/2016/SVG/main" r:embed="rId3"/>
+                    </a:ext>
+                  </a:extLst>
+                </a:blip>
+              </a:buBlip>
+            </a:pPr>
+            <a:r>
+              <a:rPr lang="en-US" sz="2200" dirty="0"/>
+              <a:t>Proactively detect as much anomalies as possible</a:t>
+            </a:r>
+          </a:p>
+          <a:p>
+            <a:pPr lvl="1" algn="l" rtl="0">
+              <a:lnSpc>
+                <a:spcPct val="150000"/>
+              </a:lnSpc>
+              <a:buBlip>
+                <a:blip r:embed="rId2">
+                  <a:extLst>
+                    <a:ext uri="{96DAC541-7B7A-43D3-8B79-37D633B846F1}">
+                      <asvg:svgBlip xmlns:asvg="http://schemas.microsoft.com/office/drawing/2016/SVG/main" r:embed="rId3"/>
+                    </a:ext>
+                  </a:extLst>
+                </a:blip>
+              </a:buBlip>
+            </a:pPr>
+            <a:r>
+              <a:rPr lang="en-US" sz="2200" dirty="0"/>
+              <a:t>&lt;prioritize&gt; Missed anomalies costs more than false anomalies</a:t>
             </a:r>
           </a:p>
           <a:p>
             <a:pPr marL="457200" indent="-457200" algn="l" rtl="0">
+              <a:lnSpc>
+                <a:spcPct val="150000"/>
+              </a:lnSpc>
               <a:buFont typeface="+mj-lt"/>
               <a:buAutoNum type="arabicPeriod"/>
             </a:pPr>
             <a:r>
-              <a:rPr lang="en-US" dirty="0"/>
-              <a:t>“Grade-2 metric ?</a:t>
-            </a:r>
-          </a:p>
-          <a:p>
-            <a:pPr marL="0" indent="0" algn="l" rtl="0">
+              <a:rPr lang="en-US" sz="2400" dirty="0"/>
+              <a:t>Ensure balanced ability to detect to anomalies in all variety of situations</a:t>
+            </a:r>
+          </a:p>
+          <a:p>
+            <a:pPr marL="457200" lvl="1" indent="0" algn="l" rtl="0">
+              <a:lnSpc>
+                <a:spcPct val="150000"/>
+              </a:lnSpc>
               <a:buNone/>
             </a:pPr>
-            <a:endParaRPr lang="he-IL" dirty="0"/>
+            <a:endParaRPr lang="en-US" sz="2200" dirty="0"/>
           </a:p>
         </p:txBody>
       </p:sp>
     </p:spTree>
     <p:extLst>
       <p:ext uri="{BB962C8B-B14F-4D97-AF65-F5344CB8AC3E}">
-        <p14:creationId xmlns:p14="http://schemas.microsoft.com/office/powerpoint/2010/main" val="1647464561"/>
+        <p14:creationId xmlns:p14="http://schemas.microsoft.com/office/powerpoint/2010/main" val="106282545"/>
       </p:ext>
     </p:extLst>
   </p:cSld>
@@ -7912,10 +8666,10 @@
       </p:grpSpPr>
       <p:sp>
         <p:nvSpPr>
-          <p:cNvPr id="4" name="Title 3">
+          <p:cNvPr id="2" name="Title 1">
             <a:extLst>
               <a:ext uri="{FF2B5EF4-FFF2-40B4-BE49-F238E27FC236}">
-                <a16:creationId xmlns:a16="http://schemas.microsoft.com/office/drawing/2014/main" id="{0164B796-02E6-2CF2-AD58-6BA0FF61E8C3}"/>
+                <a16:creationId xmlns:a16="http://schemas.microsoft.com/office/drawing/2014/main" id="{AE1667FC-3734-7C4D-1E5A-67D379A349A8}"/>
               </a:ext>
             </a:extLst>
           </p:cNvPr>
@@ -7934,11 +8688,7 @@
             <a:pPr rtl="0"/>
             <a:r>
               <a:rPr lang="en-US" dirty="0"/>
-              <a:t>IBM </a:t>
-            </a:r>
-            <a:r>
-              <a:rPr lang="en-US" dirty="0" err="1"/>
-              <a:t>FreaAI</a:t>
+              <a:t>Phase 1 of the project</a:t>
             </a:r>
             <a:endParaRPr lang="he-IL" dirty="0"/>
           </a:p>
@@ -7946,10 +8696,10 @@
       </p:sp>
       <p:sp>
         <p:nvSpPr>
-          <p:cNvPr id="5" name="Text Placeholder 4">
+          <p:cNvPr id="3" name="Content Placeholder 2">
             <a:extLst>
               <a:ext uri="{FF2B5EF4-FFF2-40B4-BE49-F238E27FC236}">
-                <a16:creationId xmlns:a16="http://schemas.microsoft.com/office/drawing/2014/main" id="{49087E06-C5E1-41C3-1F28-1C6A2EEE3E22}"/>
+                <a16:creationId xmlns:a16="http://schemas.microsoft.com/office/drawing/2014/main" id="{785BC5C6-4076-19BE-A933-C1043D0D544A}"/>
               </a:ext>
             </a:extLst>
           </p:cNvPr>
@@ -7957,7 +8707,7 @@
             <a:spLocks noGrp="1"/>
           </p:cNvSpPr>
           <p:nvPr>
-            <p:ph type="body" idx="1"/>
+            <p:ph sz="quarter" idx="13"/>
           </p:nvPr>
         </p:nvSpPr>
         <p:spPr/>
@@ -7965,11 +8715,45 @@
           <a:bodyPr/>
           <a:lstStyle/>
           <a:p>
-            <a:pPr rtl="0"/>
+            <a:pPr marL="0" indent="0" algn="l" rtl="0">
+              <a:buNone/>
+            </a:pPr>
             <a:r>
               <a:rPr lang="en-US" dirty="0"/>
-              <a:t>“Automated extraction of data slices to test machine learning models”</a:t>
-            </a:r>
+              <a:t>Technical goals:</a:t>
+            </a:r>
+          </a:p>
+          <a:p>
+            <a:pPr algn="l" rtl="0"/>
+            <a:r>
+              <a:rPr lang="en-US" dirty="0"/>
+              <a:t>Discover F2 over variety of data slices</a:t>
+            </a:r>
+          </a:p>
+          <a:p>
+            <a:pPr algn="l" rtl="0"/>
+            <a:r>
+              <a:rPr lang="en-US" dirty="0"/>
+              <a:t>Detect data slices in which discovered F2 is worse</a:t>
+            </a:r>
+          </a:p>
+          <a:p>
+            <a:pPr algn="l" rtl="0"/>
+            <a:r>
+              <a:rPr lang="en-US" dirty="0"/>
+              <a:t>Provide values of possible improvement of F2</a:t>
+            </a:r>
+          </a:p>
+          <a:p>
+            <a:pPr algn="l" rtl="0"/>
+            <a:endParaRPr lang="en-US" dirty="0"/>
+          </a:p>
+          <a:p>
+            <a:pPr algn="l" rtl="0"/>
+            <a:endParaRPr lang="en-US" dirty="0"/>
+          </a:p>
+          <a:p>
+            <a:pPr algn="l" rtl="0"/>
             <a:endParaRPr lang="he-IL" dirty="0"/>
           </a:p>
         </p:txBody>
@@ -7977,7 +8761,7 @@
     </p:spTree>
     <p:extLst>
       <p:ext uri="{BB962C8B-B14F-4D97-AF65-F5344CB8AC3E}">
-        <p14:creationId xmlns:p14="http://schemas.microsoft.com/office/powerpoint/2010/main" val="2358774201"/>
+        <p14:creationId xmlns:p14="http://schemas.microsoft.com/office/powerpoint/2010/main" val="3485616824"/>
       </p:ext>
     </p:extLst>
   </p:cSld>
@@ -8006,10 +8790,10 @@
       </p:grpSpPr>
       <p:sp>
         <p:nvSpPr>
-          <p:cNvPr id="4" name="Title 3">
+          <p:cNvPr id="2" name="Title 1">
             <a:extLst>
               <a:ext uri="{FF2B5EF4-FFF2-40B4-BE49-F238E27FC236}">
-                <a16:creationId xmlns:a16="http://schemas.microsoft.com/office/drawing/2014/main" id="{307389B7-3B50-5AF5-789C-04E529B65851}"/>
+                <a16:creationId xmlns:a16="http://schemas.microsoft.com/office/drawing/2014/main" id="{B25312DF-F229-EF9F-D7F0-A6C57FCC9B97}"/>
               </a:ext>
             </a:extLst>
           </p:cNvPr>
@@ -8027,7 +8811,7 @@
           <a:p>
             <a:r>
               <a:rPr lang="en-US" dirty="0"/>
-              <a:t>Method’s purpose</a:t>
+              <a:t>Target technical metrics</a:t>
             </a:r>
             <a:endParaRPr lang="he-IL" dirty="0"/>
           </a:p>
@@ -8035,10 +8819,10 @@
       </p:sp>
       <p:sp>
         <p:nvSpPr>
-          <p:cNvPr id="5" name="Content Placeholder 4">
+          <p:cNvPr id="3" name="Content Placeholder 2">
             <a:extLst>
               <a:ext uri="{FF2B5EF4-FFF2-40B4-BE49-F238E27FC236}">
-                <a16:creationId xmlns:a16="http://schemas.microsoft.com/office/drawing/2014/main" id="{4014B7C8-595F-3C26-415A-30842CDAF552}"/>
+                <a16:creationId xmlns:a16="http://schemas.microsoft.com/office/drawing/2014/main" id="{AE1648DB-5759-AF17-B6A3-738D1BC34328}"/>
               </a:ext>
             </a:extLst>
           </p:cNvPr>
@@ -8054,18 +8838,84 @@
           <a:bodyPr/>
           <a:lstStyle/>
           <a:p>
-            <a:pPr algn="l" rtl="0"/>
+            <a:pPr marL="457200" indent="-457200" algn="l" rtl="0">
+              <a:buFont typeface="+mj-lt"/>
+              <a:buAutoNum type="arabicPeriod"/>
+            </a:pPr>
             <a:r>
               <a:rPr lang="en-US" dirty="0"/>
-              <a:t>Identify data slices with low accuracy</a:t>
-            </a:r>
-          </a:p>
-          <a:p>
-            <a:pPr algn="l" rtl="0"/>
+              <a:t>F2 &lt;add formula&gt;</a:t>
+            </a:r>
+          </a:p>
+          <a:p>
+            <a:pPr lvl="1" algn="l" rtl="0">
+              <a:buFont typeface="Courier New" panose="02070309020205020404" pitchFamily="49" charset="0"/>
+              <a:buChar char="o"/>
+            </a:pPr>
             <a:r>
               <a:rPr lang="en-US" dirty="0"/>
-              <a:t>Not talking about how to improve them</a:t>
-            </a:r>
+              <a:t>weighted mean of precision and recall</a:t>
+            </a:r>
+          </a:p>
+          <a:p>
+            <a:pPr lvl="1" algn="l" rtl="0">
+              <a:buFont typeface="Courier New" panose="02070309020205020404" pitchFamily="49" charset="0"/>
+              <a:buChar char="o"/>
+            </a:pPr>
+            <a:r>
+              <a:rPr lang="en-US" dirty="0"/>
+              <a:t>giving more weight to recall than to precision</a:t>
+            </a:r>
+          </a:p>
+          <a:p>
+            <a:pPr marL="457200" indent="-457200" algn="l" rtl="0">
+              <a:buFont typeface="+mj-lt"/>
+              <a:buAutoNum type="arabicPeriod"/>
+            </a:pPr>
+            <a:r>
+              <a:rPr lang="en-US" dirty="0"/>
+              <a:t>Possible F2 improvement</a:t>
+            </a:r>
+          </a:p>
+          <a:p>
+            <a:pPr lvl="1" algn="l" rtl="0">
+              <a:buFont typeface="Courier New" panose="02070309020205020404" pitchFamily="49" charset="0"/>
+              <a:buChar char="o"/>
+            </a:pPr>
+            <a:r>
+              <a:rPr lang="en-US" dirty="0"/>
+              <a:t>focus on data slices which improvement with maximize overall F2 improvement</a:t>
+            </a:r>
+          </a:p>
+          <a:p>
+            <a:pPr lvl="1" algn="l" rtl="0">
+              <a:buFont typeface="Courier New" panose="02070309020205020404" pitchFamily="49" charset="0"/>
+              <a:buChar char="o"/>
+            </a:pPr>
+            <a:r>
+              <a:rPr lang="en-US" dirty="0"/>
+              <a:t>&lt;formula&gt;</a:t>
+            </a:r>
+          </a:p>
+          <a:p>
+            <a:pPr marL="457200" lvl="1" indent="0" algn="l" rtl="0">
+              <a:buNone/>
+            </a:pPr>
+            <a:r>
+              <a:rPr lang="en-US" dirty="0"/>
+              <a:t>&lt;F2 of other slices&gt; - &lt;F2 of overall&gt;</a:t>
+            </a:r>
+          </a:p>
+          <a:p>
+            <a:pPr marL="0" indent="0" algn="l" rtl="0">
+              <a:buNone/>
+            </a:pPr>
+            <a:endParaRPr lang="en-US" dirty="0"/>
+          </a:p>
+          <a:p>
+            <a:pPr marL="0" indent="0" algn="l" rtl="0">
+              <a:buNone/>
+            </a:pPr>
             <a:endParaRPr lang="he-IL" dirty="0"/>
           </a:p>
         </p:txBody>
@@ -8073,7 +8923,7 @@
     </p:spTree>
     <p:extLst>
       <p:ext uri="{BB962C8B-B14F-4D97-AF65-F5344CB8AC3E}">
-        <p14:creationId xmlns:p14="http://schemas.microsoft.com/office/powerpoint/2010/main" val="2804087652"/>
+        <p14:creationId xmlns:p14="http://schemas.microsoft.com/office/powerpoint/2010/main" val="1647464561"/>
       </p:ext>
     </p:extLst>
   </p:cSld>
@@ -8102,10 +8952,10 @@
       </p:grpSpPr>
       <p:sp>
         <p:nvSpPr>
-          <p:cNvPr id="2" name="Title 1">
+          <p:cNvPr id="4" name="Title 3">
             <a:extLst>
               <a:ext uri="{FF2B5EF4-FFF2-40B4-BE49-F238E27FC236}">
-                <a16:creationId xmlns:a16="http://schemas.microsoft.com/office/drawing/2014/main" id="{007DBD3D-6969-0A2D-4588-65BADF920EC4}"/>
+                <a16:creationId xmlns:a16="http://schemas.microsoft.com/office/drawing/2014/main" id="{0164B796-02E6-2CF2-AD58-6BA0FF61E8C3}"/>
               </a:ext>
             </a:extLst>
           </p:cNvPr>
@@ -8121,9 +8971,10 @@
           <a:bodyPr/>
           <a:lstStyle/>
           <a:p>
+            <a:pPr rtl="0"/>
             <a:r>
               <a:rPr lang="en-US" dirty="0"/>
-              <a:t>Decision Trees as a feature analysis heuristic</a:t>
+              <a:t>IBM FreaAI</a:t>
             </a:r>
             <a:endParaRPr lang="he-IL" dirty="0"/>
           </a:p>
@@ -8131,10 +8982,10 @@
       </p:sp>
       <p:sp>
         <p:nvSpPr>
-          <p:cNvPr id="3" name="Content Placeholder 2">
+          <p:cNvPr id="5" name="Text Placeholder 4">
             <a:extLst>
               <a:ext uri="{FF2B5EF4-FFF2-40B4-BE49-F238E27FC236}">
-                <a16:creationId xmlns:a16="http://schemas.microsoft.com/office/drawing/2014/main" id="{1617FA47-36B5-06F4-62F0-E63065DCFC86}"/>
+                <a16:creationId xmlns:a16="http://schemas.microsoft.com/office/drawing/2014/main" id="{49087E06-C5E1-41C3-1F28-1C6A2EEE3E22}"/>
               </a:ext>
             </a:extLst>
           </p:cNvPr>
@@ -8142,7 +8993,7 @@
             <a:spLocks noGrp="1"/>
           </p:cNvSpPr>
           <p:nvPr>
-            <p:ph sz="quarter" idx="13"/>
+            <p:ph type="body" idx="1"/>
           </p:nvPr>
         </p:nvSpPr>
         <p:spPr/>
@@ -8150,31 +9001,10 @@
           <a:bodyPr/>
           <a:lstStyle/>
           <a:p>
-            <a:pPr algn="l" rtl="0"/>
+            <a:pPr rtl="0"/>
             <a:r>
               <a:rPr lang="en-US" dirty="0"/>
-              <a:t>X: single feature or subset of features of the original dataset</a:t>
-            </a:r>
-          </a:p>
-          <a:p>
-            <a:pPr algn="l" rtl="0"/>
-            <a:r>
-              <a:rPr lang="en-US" dirty="0"/>
-              <a:t>Y:</a:t>
-            </a:r>
-          </a:p>
-          <a:p>
-            <a:pPr lvl="1" algn="l" rtl="0"/>
-            <a:r>
-              <a:rPr lang="en-US" dirty="0"/>
-              <a:t>‘True’ = original model predicted the original output successfully</a:t>
-            </a:r>
-          </a:p>
-          <a:p>
-            <a:pPr lvl="1" algn="l" rtl="0"/>
-            <a:r>
-              <a:rPr lang="en-US" dirty="0"/>
-              <a:t>‘False’ = original model failed in its prediction</a:t>
+              <a:t>“Automated extraction of data slices to test machine learning models”</a:t>
             </a:r>
             <a:endParaRPr lang="he-IL" dirty="0"/>
           </a:p>
@@ -8183,7 +9013,7 @@
     </p:spTree>
     <p:extLst>
       <p:ext uri="{BB962C8B-B14F-4D97-AF65-F5344CB8AC3E}">
-        <p14:creationId xmlns:p14="http://schemas.microsoft.com/office/powerpoint/2010/main" val="1503145248"/>
+        <p14:creationId xmlns:p14="http://schemas.microsoft.com/office/powerpoint/2010/main" val="2358774201"/>
       </p:ext>
     </p:extLst>
   </p:cSld>
@@ -8212,10 +9042,10 @@
       </p:grpSpPr>
       <p:sp>
         <p:nvSpPr>
-          <p:cNvPr id="2" name="Title 1">
+          <p:cNvPr id="4" name="Title 3">
             <a:extLst>
               <a:ext uri="{FF2B5EF4-FFF2-40B4-BE49-F238E27FC236}">
-                <a16:creationId xmlns:a16="http://schemas.microsoft.com/office/drawing/2014/main" id="{007DBD3D-6969-0A2D-4588-65BADF920EC4}"/>
+                <a16:creationId xmlns:a16="http://schemas.microsoft.com/office/drawing/2014/main" id="{307389B7-3B50-5AF5-789C-04E529B65851}"/>
               </a:ext>
             </a:extLst>
           </p:cNvPr>
@@ -8231,18 +9061,9 @@
           <a:bodyPr/>
           <a:lstStyle/>
           <a:p>
-            <a:pPr rtl="0"/>
             <a:r>
               <a:rPr lang="en-US" dirty="0"/>
-              <a:t>Our </a:t>
-            </a:r>
-            <a:r>
-              <a:rPr lang="en-US" dirty="0" err="1"/>
-              <a:t>FreaAI</a:t>
-            </a:r>
-            <a:r>
-              <a:rPr lang="en-US" dirty="0"/>
-              <a:t> modification</a:t>
+              <a:t>Method’s purpose</a:t>
             </a:r>
             <a:endParaRPr lang="he-IL" dirty="0"/>
           </a:p>
@@ -8250,10 +9071,10 @@
       </p:sp>
       <p:sp>
         <p:nvSpPr>
-          <p:cNvPr id="3" name="Content Placeholder 2">
+          <p:cNvPr id="5" name="Content Placeholder 4">
             <a:extLst>
               <a:ext uri="{FF2B5EF4-FFF2-40B4-BE49-F238E27FC236}">
-                <a16:creationId xmlns:a16="http://schemas.microsoft.com/office/drawing/2014/main" id="{1617FA47-36B5-06F4-62F0-E63065DCFC86}"/>
+                <a16:creationId xmlns:a16="http://schemas.microsoft.com/office/drawing/2014/main" id="{4014B7C8-595F-3C26-415A-30842CDAF552}"/>
               </a:ext>
             </a:extLst>
           </p:cNvPr>
@@ -8272,36 +9093,14 @@
             <a:pPr algn="l" rtl="0"/>
             <a:r>
               <a:rPr lang="en-US" dirty="0"/>
-              <a:t>X: single feature or subset of features of </a:t>
-            </a:r>
-            <a:r>
-              <a:rPr lang="en-US" b="1" u="sng" dirty="0"/>
-              <a:t>anomalies</a:t>
-            </a:r>
+              <a:t>Identify data slices with low accuracy</a:t>
+            </a:r>
+          </a:p>
+          <a:p>
+            <a:pPr algn="l" rtl="0"/>
             <a:r>
               <a:rPr lang="en-US" dirty="0"/>
-              <a:t> in the original dataset</a:t>
-            </a:r>
-          </a:p>
-          <a:p>
-            <a:pPr algn="l" rtl="0"/>
-            <a:r>
-              <a:rPr lang="en-US" dirty="0"/>
-              <a:t>Y:</a:t>
-            </a:r>
-          </a:p>
-          <a:p>
-            <a:pPr lvl="1" algn="l" rtl="0"/>
-            <a:r>
-              <a:rPr lang="en-US" dirty="0"/>
-              <a:t>‘True’ =  original model predicted the original output successfully = True Positive</a:t>
-            </a:r>
-          </a:p>
-          <a:p>
-            <a:pPr lvl="1" algn="l" rtl="0"/>
-            <a:r>
-              <a:rPr lang="en-US" dirty="0"/>
-              <a:t>‘False’ = original model failed in its prediction = False Negative</a:t>
+              <a:t>Not talking about how to improve them</a:t>
             </a:r>
             <a:endParaRPr lang="he-IL" dirty="0"/>
           </a:p>
@@ -8310,7 +9109,7 @@
     </p:spTree>
     <p:extLst>
       <p:ext uri="{BB962C8B-B14F-4D97-AF65-F5344CB8AC3E}">
-        <p14:creationId xmlns:p14="http://schemas.microsoft.com/office/powerpoint/2010/main" val="230825914"/>
+        <p14:creationId xmlns:p14="http://schemas.microsoft.com/office/powerpoint/2010/main" val="2804087652"/>
       </p:ext>
     </p:extLst>
   </p:cSld>

--- a/docs/MLOps Final Project.pptx
+++ b/docs/MLOps Final Project.pptx
@@ -5,7 +5,7 @@
     <p:sldMasterId id="2147483648" r:id="rId1"/>
   </p:sldMasterIdLst>
   <p:notesMasterIdLst>
-    <p:notesMasterId r:id="rId23"/>
+    <p:notesMasterId r:id="rId29"/>
   </p:notesMasterIdLst>
   <p:sldIdLst>
     <p:sldId id="256" r:id="rId2"/>
@@ -13,22 +13,28 @@
     <p:sldId id="271" r:id="rId4"/>
     <p:sldId id="273" r:id="rId5"/>
     <p:sldId id="258" r:id="rId6"/>
-    <p:sldId id="264" r:id="rId7"/>
-    <p:sldId id="257" r:id="rId8"/>
-    <p:sldId id="259" r:id="rId9"/>
-    <p:sldId id="260" r:id="rId10"/>
-    <p:sldId id="261" r:id="rId11"/>
-    <p:sldId id="262" r:id="rId12"/>
-    <p:sldId id="270" r:id="rId13"/>
-    <p:sldId id="266" r:id="rId14"/>
-    <p:sldId id="267" r:id="rId15"/>
-    <p:sldId id="265" r:id="rId16"/>
-    <p:sldId id="268" r:id="rId17"/>
-    <p:sldId id="269" r:id="rId18"/>
-    <p:sldId id="274" r:id="rId19"/>
-    <p:sldId id="277" r:id="rId20"/>
-    <p:sldId id="276" r:id="rId21"/>
-    <p:sldId id="275" r:id="rId22"/>
+    <p:sldId id="280" r:id="rId7"/>
+    <p:sldId id="264" r:id="rId8"/>
+    <p:sldId id="257" r:id="rId9"/>
+    <p:sldId id="259" r:id="rId10"/>
+    <p:sldId id="260" r:id="rId11"/>
+    <p:sldId id="261" r:id="rId12"/>
+    <p:sldId id="283" r:id="rId13"/>
+    <p:sldId id="281" r:id="rId14"/>
+    <p:sldId id="262" r:id="rId15"/>
+    <p:sldId id="284" r:id="rId16"/>
+    <p:sldId id="270" r:id="rId17"/>
+    <p:sldId id="266" r:id="rId18"/>
+    <p:sldId id="267" r:id="rId19"/>
+    <p:sldId id="265" r:id="rId20"/>
+    <p:sldId id="268" r:id="rId21"/>
+    <p:sldId id="269" r:id="rId22"/>
+    <p:sldId id="274" r:id="rId23"/>
+    <p:sldId id="277" r:id="rId24"/>
+    <p:sldId id="282" r:id="rId25"/>
+    <p:sldId id="276" r:id="rId26"/>
+    <p:sldId id="275" r:id="rId27"/>
+    <p:sldId id="279" r:id="rId28"/>
   </p:sldIdLst>
   <p:sldSz cx="12192000" cy="6858000"/>
   <p:notesSz cx="6858000" cy="9144000"/>
@@ -220,7 +226,7 @@
           <a:p>
             <a:fld id="{7C27A723-51FE-45AC-AC04-AE77775347B3}" type="datetimeFigureOut">
               <a:rPr lang="he-IL" smtClean="0"/>
-              <a:t>א'/אדר א/תשפ"ד</a:t>
+              <a:t>ב'/אדר א/תשפ"ד</a:t>
             </a:fld>
             <a:endParaRPr lang="he-IL"/>
           </a:p>
@@ -488,6 +494,302 @@
 </p:notesMaster>
 </file>
 
+<file path=ppt/notesSlides/notesSlide1.xml><?xml version="1.0" encoding="utf-8"?>
+<p:notes xmlns:a="http://schemas.openxmlformats.org/drawingml/2006/main" xmlns:r="http://schemas.openxmlformats.org/officeDocument/2006/relationships" xmlns:p="http://schemas.openxmlformats.org/presentationml/2006/main">
+  <p:cSld>
+    <p:spTree>
+      <p:nvGrpSpPr>
+        <p:cNvPr id="1" name=""/>
+        <p:cNvGrpSpPr/>
+        <p:nvPr/>
+      </p:nvGrpSpPr>
+      <p:grpSpPr>
+        <a:xfrm>
+          <a:off x="0" y="0"/>
+          <a:ext cx="0" cy="0"/>
+          <a:chOff x="0" y="0"/>
+          <a:chExt cx="0" cy="0"/>
+        </a:xfrm>
+      </p:grpSpPr>
+      <p:sp>
+        <p:nvSpPr>
+          <p:cNvPr id="2" name="Slide Image Placeholder 1"/>
+          <p:cNvSpPr>
+            <a:spLocks noGrp="1" noRot="1" noChangeAspect="1"/>
+          </p:cNvSpPr>
+          <p:nvPr>
+            <p:ph type="sldImg"/>
+          </p:nvPr>
+        </p:nvSpPr>
+        <p:spPr/>
+      </p:sp>
+      <p:sp>
+        <p:nvSpPr>
+          <p:cNvPr id="3" name="Notes Placeholder 2"/>
+          <p:cNvSpPr>
+            <a:spLocks noGrp="1"/>
+          </p:cNvSpPr>
+          <p:nvPr>
+            <p:ph type="body" idx="1"/>
+          </p:nvPr>
+        </p:nvSpPr>
+        <p:spPr/>
+        <p:txBody>
+          <a:bodyPr/>
+          <a:lstStyle/>
+          <a:p>
+            <a:r>
+              <a:rPr lang="en-US" dirty="0"/>
+              <a:t>Preserving </a:t>
+            </a:r>
+            <a:r>
+              <a:rPr lang="en-US" dirty="0" err="1"/>
+              <a:t>intuitivity</a:t>
+            </a:r>
+            <a:endParaRPr lang="he-IL" dirty="0"/>
+          </a:p>
+        </p:txBody>
+      </p:sp>
+      <p:sp>
+        <p:nvSpPr>
+          <p:cNvPr id="4" name="Slide Number Placeholder 3"/>
+          <p:cNvSpPr>
+            <a:spLocks noGrp="1"/>
+          </p:cNvSpPr>
+          <p:nvPr>
+            <p:ph type="sldNum" sz="quarter" idx="5"/>
+          </p:nvPr>
+        </p:nvSpPr>
+        <p:spPr/>
+        <p:txBody>
+          <a:bodyPr/>
+          <a:lstStyle/>
+          <a:p>
+            <a:fld id="{894B87DD-015A-4410-BE23-4EE1FA92658F}" type="slidenum">
+              <a:rPr lang="he-IL" smtClean="0"/>
+              <a:t>9</a:t>
+            </a:fld>
+            <a:endParaRPr lang="he-IL"/>
+          </a:p>
+        </p:txBody>
+      </p:sp>
+    </p:spTree>
+    <p:extLst>
+      <p:ext uri="{BB962C8B-B14F-4D97-AF65-F5344CB8AC3E}">
+        <p14:creationId xmlns:p14="http://schemas.microsoft.com/office/powerpoint/2010/main" val="4057013412"/>
+      </p:ext>
+    </p:extLst>
+  </p:cSld>
+  <p:clrMapOvr>
+    <a:masterClrMapping/>
+  </p:clrMapOvr>
+</p:notes>
+</file>
+
+<file path=ppt/notesSlides/notesSlide2.xml><?xml version="1.0" encoding="utf-8"?>
+<p:notes xmlns:a="http://schemas.openxmlformats.org/drawingml/2006/main" xmlns:r="http://schemas.openxmlformats.org/officeDocument/2006/relationships" xmlns:p="http://schemas.openxmlformats.org/presentationml/2006/main">
+  <p:cSld>
+    <p:spTree>
+      <p:nvGrpSpPr>
+        <p:cNvPr id="1" name="">
+          <a:extLst>
+            <a:ext uri="{FF2B5EF4-FFF2-40B4-BE49-F238E27FC236}">
+              <a16:creationId xmlns:a16="http://schemas.microsoft.com/office/drawing/2014/main" id="{89A55569-74E7-1017-F665-0497C8A51622}"/>
+            </a:ext>
+          </a:extLst>
+        </p:cNvPr>
+        <p:cNvGrpSpPr/>
+        <p:nvPr/>
+      </p:nvGrpSpPr>
+      <p:grpSpPr>
+        <a:xfrm>
+          <a:off x="0" y="0"/>
+          <a:ext cx="0" cy="0"/>
+          <a:chOff x="0" y="0"/>
+          <a:chExt cx="0" cy="0"/>
+        </a:xfrm>
+      </p:grpSpPr>
+      <p:sp>
+        <p:nvSpPr>
+          <p:cNvPr id="2" name="Slide Image Placeholder 1">
+            <a:extLst>
+              <a:ext uri="{FF2B5EF4-FFF2-40B4-BE49-F238E27FC236}">
+                <a16:creationId xmlns:a16="http://schemas.microsoft.com/office/drawing/2014/main" id="{5E5AD8AF-3AC1-43CC-0B91-4057C771FC0A}"/>
+              </a:ext>
+            </a:extLst>
+          </p:cNvPr>
+          <p:cNvSpPr>
+            <a:spLocks noGrp="1" noRot="1" noChangeAspect="1"/>
+          </p:cNvSpPr>
+          <p:nvPr>
+            <p:ph type="sldImg"/>
+          </p:nvPr>
+        </p:nvSpPr>
+        <p:spPr/>
+      </p:sp>
+      <p:sp>
+        <p:nvSpPr>
+          <p:cNvPr id="3" name="Notes Placeholder 2">
+            <a:extLst>
+              <a:ext uri="{FF2B5EF4-FFF2-40B4-BE49-F238E27FC236}">
+                <a16:creationId xmlns:a16="http://schemas.microsoft.com/office/drawing/2014/main" id="{3A278318-D388-579E-399F-C0FA8FE5771E}"/>
+              </a:ext>
+            </a:extLst>
+          </p:cNvPr>
+          <p:cNvSpPr>
+            <a:spLocks noGrp="1"/>
+          </p:cNvSpPr>
+          <p:nvPr>
+            <p:ph type="body" idx="1"/>
+          </p:nvPr>
+        </p:nvSpPr>
+        <p:spPr/>
+        <p:txBody>
+          <a:bodyPr/>
+          <a:lstStyle/>
+          <a:p>
+            <a:r>
+              <a:rPr lang="en-US" dirty="0"/>
+              <a:t>Preserving </a:t>
+            </a:r>
+            <a:r>
+              <a:rPr lang="en-US" dirty="0" err="1"/>
+              <a:t>intuitivity</a:t>
+            </a:r>
+            <a:endParaRPr lang="he-IL" dirty="0"/>
+          </a:p>
+        </p:txBody>
+      </p:sp>
+      <p:sp>
+        <p:nvSpPr>
+          <p:cNvPr id="4" name="Slide Number Placeholder 3">
+            <a:extLst>
+              <a:ext uri="{FF2B5EF4-FFF2-40B4-BE49-F238E27FC236}">
+                <a16:creationId xmlns:a16="http://schemas.microsoft.com/office/drawing/2014/main" id="{5BB832C8-DECE-F8DC-9A79-26D0A1A335BD}"/>
+              </a:ext>
+            </a:extLst>
+          </p:cNvPr>
+          <p:cNvSpPr>
+            <a:spLocks noGrp="1"/>
+          </p:cNvSpPr>
+          <p:nvPr>
+            <p:ph type="sldNum" sz="quarter" idx="5"/>
+          </p:nvPr>
+        </p:nvSpPr>
+        <p:spPr/>
+        <p:txBody>
+          <a:bodyPr/>
+          <a:lstStyle/>
+          <a:p>
+            <a:fld id="{894B87DD-015A-4410-BE23-4EE1FA92658F}" type="slidenum">
+              <a:rPr lang="he-IL" smtClean="0"/>
+              <a:t>13</a:t>
+            </a:fld>
+            <a:endParaRPr lang="he-IL"/>
+          </a:p>
+        </p:txBody>
+      </p:sp>
+    </p:spTree>
+    <p:extLst>
+      <p:ext uri="{BB962C8B-B14F-4D97-AF65-F5344CB8AC3E}">
+        <p14:creationId xmlns:p14="http://schemas.microsoft.com/office/powerpoint/2010/main" val="983423531"/>
+      </p:ext>
+    </p:extLst>
+  </p:cSld>
+  <p:clrMapOvr>
+    <a:masterClrMapping/>
+  </p:clrMapOvr>
+</p:notes>
+</file>
+
+<file path=ppt/notesSlides/notesSlide3.xml><?xml version="1.0" encoding="utf-8"?>
+<p:notes xmlns:a="http://schemas.openxmlformats.org/drawingml/2006/main" xmlns:r="http://schemas.openxmlformats.org/officeDocument/2006/relationships" xmlns:p="http://schemas.openxmlformats.org/presentationml/2006/main">
+  <p:cSld>
+    <p:spTree>
+      <p:nvGrpSpPr>
+        <p:cNvPr id="1" name=""/>
+        <p:cNvGrpSpPr/>
+        <p:nvPr/>
+      </p:nvGrpSpPr>
+      <p:grpSpPr>
+        <a:xfrm>
+          <a:off x="0" y="0"/>
+          <a:ext cx="0" cy="0"/>
+          <a:chOff x="0" y="0"/>
+          <a:chExt cx="0" cy="0"/>
+        </a:xfrm>
+      </p:grpSpPr>
+      <p:sp>
+        <p:nvSpPr>
+          <p:cNvPr id="2" name="Slide Image Placeholder 1"/>
+          <p:cNvSpPr>
+            <a:spLocks noGrp="1" noRot="1" noChangeAspect="1"/>
+          </p:cNvSpPr>
+          <p:nvPr>
+            <p:ph type="sldImg"/>
+          </p:nvPr>
+        </p:nvSpPr>
+        <p:spPr/>
+      </p:sp>
+      <p:sp>
+        <p:nvSpPr>
+          <p:cNvPr id="3" name="Notes Placeholder 2"/>
+          <p:cNvSpPr>
+            <a:spLocks noGrp="1"/>
+          </p:cNvSpPr>
+          <p:nvPr>
+            <p:ph type="body" idx="1"/>
+          </p:nvPr>
+        </p:nvSpPr>
+        <p:spPr/>
+        <p:txBody>
+          <a:bodyPr/>
+          <a:lstStyle/>
+          <a:p>
+            <a:r>
+              <a:rPr lang="en-US" dirty="0"/>
+              <a:t>Use correlation matrix</a:t>
+            </a:r>
+            <a:endParaRPr lang="he-IL" dirty="0"/>
+          </a:p>
+        </p:txBody>
+      </p:sp>
+      <p:sp>
+        <p:nvSpPr>
+          <p:cNvPr id="4" name="Slide Number Placeholder 3"/>
+          <p:cNvSpPr>
+            <a:spLocks noGrp="1"/>
+          </p:cNvSpPr>
+          <p:nvPr>
+            <p:ph type="sldNum" sz="quarter" idx="5"/>
+          </p:nvPr>
+        </p:nvSpPr>
+        <p:spPr/>
+        <p:txBody>
+          <a:bodyPr/>
+          <a:lstStyle/>
+          <a:p>
+            <a:fld id="{894B87DD-015A-4410-BE23-4EE1FA92658F}" type="slidenum">
+              <a:rPr lang="he-IL" smtClean="0"/>
+              <a:t>26</a:t>
+            </a:fld>
+            <a:endParaRPr lang="he-IL"/>
+          </a:p>
+        </p:txBody>
+      </p:sp>
+    </p:spTree>
+    <p:extLst>
+      <p:ext uri="{BB962C8B-B14F-4D97-AF65-F5344CB8AC3E}">
+        <p14:creationId xmlns:p14="http://schemas.microsoft.com/office/powerpoint/2010/main" val="3090093483"/>
+      </p:ext>
+    </p:extLst>
+  </p:cSld>
+  <p:clrMapOvr>
+    <a:masterClrMapping/>
+  </p:clrMapOvr>
+</p:notes>
+</file>
+
 <file path=ppt/slideLayouts/slideLayout1.xml><?xml version="1.0" encoding="utf-8"?>
 <p:sldLayout xmlns:a="http://schemas.openxmlformats.org/drawingml/2006/main" xmlns:r="http://schemas.openxmlformats.org/officeDocument/2006/relationships" xmlns:p="http://schemas.openxmlformats.org/presentationml/2006/main" type="title" preserve="1">
   <p:cSld name="Title Slide">
@@ -557,15 +859,20 @@
           </a:bodyPr>
           <a:lstStyle>
             <a:lvl1pPr algn="ctr">
-              <a:defRPr sz="4800"/>
+              <a:defRPr sz="4800" baseline="0">
+                <a:solidFill>
+                  <a:schemeClr val="bg2">
+                    <a:lumMod val="50000"/>
+                  </a:schemeClr>
+                </a:solidFill>
+              </a:defRPr>
             </a:lvl1pPr>
           </a:lstStyle>
           <a:p>
             <a:r>
-              <a:rPr lang="en-US"/>
+              <a:rPr lang="en-US" dirty="0"/>
               <a:t>Click to edit Master title style</a:t>
             </a:r>
-            <a:endParaRPr lang="en-US" dirty="0"/>
           </a:p>
         </p:txBody>
       </p:sp>
@@ -658,7 +965,7 @@
           <a:p>
             <a:fld id="{48A87A34-81AB-432B-8DAE-1953F412C126}" type="datetimeFigureOut">
               <a:rPr lang="en-US" dirty="0"/>
-              <a:t>10-Feb-24</a:t>
+              <a:t>11-Feb-24</a:t>
             </a:fld>
             <a:endParaRPr lang="en-US" dirty="0"/>
           </a:p>
@@ -965,7 +1272,7 @@
           <a:p>
             <a:fld id="{48A87A34-81AB-432B-8DAE-1953F412C126}" type="datetimeFigureOut">
               <a:rPr lang="en-US" dirty="0"/>
-              <a:t>10-Feb-24</a:t>
+              <a:t>11-Feb-24</a:t>
             </a:fld>
             <a:endParaRPr lang="en-US" dirty="0"/>
           </a:p>
@@ -1182,7 +1489,7 @@
           <a:p>
             <a:fld id="{48A87A34-81AB-432B-8DAE-1953F412C126}" type="datetimeFigureOut">
               <a:rPr lang="en-US" dirty="0"/>
-              <a:t>10-Feb-24</a:t>
+              <a:t>11-Feb-24</a:t>
             </a:fld>
             <a:endParaRPr lang="en-US" dirty="0"/>
           </a:p>
@@ -1468,7 +1775,7 @@
           <a:p>
             <a:fld id="{48A87A34-81AB-432B-8DAE-1953F412C126}" type="datetimeFigureOut">
               <a:rPr lang="en-US" dirty="0"/>
-              <a:t>10-Feb-24</a:t>
+              <a:t>11-Feb-24</a:t>
             </a:fld>
             <a:endParaRPr lang="en-US" dirty="0"/>
           </a:p>
@@ -1917,7 +2224,7 @@
           <a:p>
             <a:fld id="{48A87A34-81AB-432B-8DAE-1953F412C126}" type="datetimeFigureOut">
               <a:rPr lang="en-US" dirty="0"/>
-              <a:t>10-Feb-24</a:t>
+              <a:t>11-Feb-24</a:t>
             </a:fld>
             <a:endParaRPr lang="en-US" dirty="0"/>
           </a:p>
@@ -2488,7 +2795,7 @@
           <a:p>
             <a:fld id="{48A87A34-81AB-432B-8DAE-1953F412C126}" type="datetimeFigureOut">
               <a:rPr lang="en-US" dirty="0"/>
-              <a:t>10-Feb-24</a:t>
+              <a:t>11-Feb-24</a:t>
             </a:fld>
             <a:endParaRPr lang="en-US" dirty="0"/>
           </a:p>
@@ -3335,7 +3642,7 @@
           <a:p>
             <a:fld id="{48A87A34-81AB-432B-8DAE-1953F412C126}" type="datetimeFigureOut">
               <a:rPr lang="en-US" dirty="0"/>
-              <a:t>10-Feb-24</a:t>
+              <a:t>11-Feb-24</a:t>
             </a:fld>
             <a:endParaRPr lang="en-US" dirty="0"/>
           </a:p>
@@ -3535,7 +3842,7 @@
           <a:p>
             <a:fld id="{48A87A34-81AB-432B-8DAE-1953F412C126}" type="datetimeFigureOut">
               <a:rPr lang="en-US" dirty="0"/>
-              <a:t>10-Feb-24</a:t>
+              <a:t>11-Feb-24</a:t>
             </a:fld>
             <a:endParaRPr lang="en-US" dirty="0"/>
           </a:p>
@@ -3744,7 +4051,7 @@
           <a:p>
             <a:fld id="{48A87A34-81AB-432B-8DAE-1953F412C126}" type="datetimeFigureOut">
               <a:rPr lang="en-US" dirty="0"/>
-              <a:t>10-Feb-24</a:t>
+              <a:t>11-Feb-24</a:t>
             </a:fld>
             <a:endParaRPr lang="en-US" dirty="0"/>
           </a:p>
@@ -3860,13 +4167,22 @@
         <p:spPr/>
         <p:txBody>
           <a:bodyPr/>
-          <a:lstStyle/>
-          <a:p>
-            <a:r>
-              <a:rPr lang="en-US"/>
+          <a:lstStyle>
+            <a:lvl1pPr>
+              <a:defRPr baseline="0">
+                <a:solidFill>
+                  <a:schemeClr val="bg2">
+                    <a:lumMod val="50000"/>
+                  </a:schemeClr>
+                </a:solidFill>
+              </a:defRPr>
+            </a:lvl1pPr>
+          </a:lstStyle>
+          <a:p>
+            <a:r>
+              <a:rPr lang="en-US" dirty="0"/>
               <a:t>Click to edit Master title style</a:t>
             </a:r>
-            <a:endParaRPr lang="en-US" dirty="0"/>
           </a:p>
         </p:txBody>
       </p:sp>
@@ -3944,7 +4260,7 @@
           <a:p>
             <a:fld id="{48A87A34-81AB-432B-8DAE-1953F412C126}" type="datetimeFigureOut">
               <a:rPr lang="en-US" dirty="0"/>
-              <a:t>10-Feb-24</a:t>
+              <a:t>11-Feb-24</a:t>
             </a:fld>
             <a:endParaRPr lang="en-US" dirty="0"/>
           </a:p>
@@ -4069,15 +4385,20 @@
           </a:bodyPr>
           <a:lstStyle>
             <a:lvl1pPr>
-              <a:defRPr sz="4000"/>
+              <a:defRPr sz="4000" baseline="0">
+                <a:solidFill>
+                  <a:schemeClr val="bg2">
+                    <a:lumMod val="50000"/>
+                  </a:schemeClr>
+                </a:solidFill>
+              </a:defRPr>
             </a:lvl1pPr>
           </a:lstStyle>
           <a:p>
             <a:r>
-              <a:rPr lang="en-US"/>
+              <a:rPr lang="en-US" dirty="0"/>
               <a:t>Click to edit Master title style</a:t>
             </a:r>
-            <a:endParaRPr lang="en-US" dirty="0"/>
           </a:p>
         </p:txBody>
       </p:sp>
@@ -4219,7 +4540,7 @@
           <a:p>
             <a:fld id="{48A87A34-81AB-432B-8DAE-1953F412C126}" type="datetimeFigureOut">
               <a:rPr lang="en-US" dirty="0"/>
-              <a:t>10-Feb-24</a:t>
+              <a:t>11-Feb-24</a:t>
             </a:fld>
             <a:endParaRPr lang="en-US" dirty="0"/>
           </a:p>
@@ -4481,7 +4802,7 @@
           <a:p>
             <a:fld id="{48A87A34-81AB-432B-8DAE-1953F412C126}" type="datetimeFigureOut">
               <a:rPr lang="en-US" dirty="0"/>
-              <a:t>10-Feb-24</a:t>
+              <a:t>11-Feb-24</a:t>
             </a:fld>
             <a:endParaRPr lang="en-US" dirty="0"/>
           </a:p>
@@ -4891,7 +5212,7 @@
           <a:p>
             <a:fld id="{48A87A34-81AB-432B-8DAE-1953F412C126}" type="datetimeFigureOut">
               <a:rPr lang="en-US" dirty="0"/>
-              <a:t>10-Feb-24</a:t>
+              <a:t>11-Feb-24</a:t>
             </a:fld>
             <a:endParaRPr lang="en-US" dirty="0"/>
           </a:p>
@@ -5034,7 +5355,7 @@
           <a:p>
             <a:fld id="{48A87A34-81AB-432B-8DAE-1953F412C126}" type="datetimeFigureOut">
               <a:rPr lang="en-US" dirty="0"/>
-              <a:t>10-Feb-24</a:t>
+              <a:t>11-Feb-24</a:t>
             </a:fld>
             <a:endParaRPr lang="en-US" dirty="0"/>
           </a:p>
@@ -5154,7 +5475,7 @@
           <a:p>
             <a:fld id="{48A87A34-81AB-432B-8DAE-1953F412C126}" type="datetimeFigureOut">
               <a:rPr lang="en-US" dirty="0"/>
-              <a:t>10-Feb-24</a:t>
+              <a:t>11-Feb-24</a:t>
             </a:fld>
             <a:endParaRPr lang="en-US" dirty="0"/>
           </a:p>
@@ -5428,7 +5749,7 @@
           <a:p>
             <a:fld id="{48A87A34-81AB-432B-8DAE-1953F412C126}" type="datetimeFigureOut">
               <a:rPr lang="en-US" dirty="0"/>
-              <a:t>10-Feb-24</a:t>
+              <a:t>11-Feb-24</a:t>
             </a:fld>
             <a:endParaRPr lang="en-US" dirty="0"/>
           </a:p>
@@ -5735,7 +6056,7 @@
           <a:p>
             <a:fld id="{48A87A34-81AB-432B-8DAE-1953F412C126}" type="datetimeFigureOut">
               <a:rPr lang="en-US" dirty="0"/>
-              <a:t>10-Feb-24</a:t>
+              <a:t>11-Feb-24</a:t>
             </a:fld>
             <a:endParaRPr lang="en-US" dirty="0"/>
           </a:p>
@@ -5982,7 +6303,7 @@
             <a:fld id="{48A87A34-81AB-432B-8DAE-1953F412C126}" type="datetimeFigureOut">
               <a:rPr lang="en-US" dirty="0"/>
               <a:pPr/>
-              <a:t>10-Feb-24</a:t>
+              <a:t>11-Feb-24</a:t>
             </a:fld>
             <a:endParaRPr lang="en-US" dirty="0"/>
           </a:p>
@@ -6440,17 +6761,30 @@
         </p:nvSpPr>
         <p:spPr/>
         <p:txBody>
-          <a:bodyPr/>
+          <a:bodyPr>
+            <a:normAutofit/>
+          </a:bodyPr>
           <a:lstStyle/>
           <a:p>
             <a:pPr algn="l" rtl="0"/>
             <a:r>
               <a:rPr lang="en-US" dirty="0"/>
-              <a:t>Discovering data slices for improvement </a:t>
+              <a:t>Automatic discovery of </a:t>
             </a:r>
             <a:br>
               <a:rPr lang="en-US" dirty="0"/>
             </a:br>
+            <a:r>
+              <a:rPr lang="en-US" dirty="0"/>
+              <a:t>under-performing data slices</a:t>
+            </a:r>
+            <a:br>
+              <a:rPr lang="en-US" dirty="0"/>
+            </a:br>
+            <a:r>
+              <a:rPr lang="en-US" dirty="0"/>
+              <a:t>in anomaly detection models</a:t>
+            </a:r>
             <a:endParaRPr lang="he-IL" dirty="0"/>
           </a:p>
         </p:txBody>
@@ -6524,10 +6858,10 @@
       </p:grpSpPr>
       <p:sp>
         <p:nvSpPr>
-          <p:cNvPr id="2" name="Title 1">
+          <p:cNvPr id="4" name="Title 3">
             <a:extLst>
               <a:ext uri="{FF2B5EF4-FFF2-40B4-BE49-F238E27FC236}">
-                <a16:creationId xmlns:a16="http://schemas.microsoft.com/office/drawing/2014/main" id="{007DBD3D-6969-0A2D-4588-65BADF920EC4}"/>
+                <a16:creationId xmlns:a16="http://schemas.microsoft.com/office/drawing/2014/main" id="{307389B7-3B50-5AF5-789C-04E529B65851}"/>
               </a:ext>
             </a:extLst>
           </p:cNvPr>
@@ -6545,7 +6879,7 @@
           <a:p>
             <a:r>
               <a:rPr lang="en-US" dirty="0"/>
-              <a:t>Decision Trees as a feature analysis heuristic</a:t>
+              <a:t>Method’s purpose</a:t>
             </a:r>
             <a:endParaRPr lang="he-IL" dirty="0"/>
           </a:p>
@@ -6553,10 +6887,10 @@
       </p:sp>
       <p:sp>
         <p:nvSpPr>
-          <p:cNvPr id="3" name="Content Placeholder 2">
+          <p:cNvPr id="5" name="Content Placeholder 4">
             <a:extLst>
               <a:ext uri="{FF2B5EF4-FFF2-40B4-BE49-F238E27FC236}">
-                <a16:creationId xmlns:a16="http://schemas.microsoft.com/office/drawing/2014/main" id="{1617FA47-36B5-06F4-62F0-E63065DCFC86}"/>
+                <a16:creationId xmlns:a16="http://schemas.microsoft.com/office/drawing/2014/main" id="{4014B7C8-595F-3C26-415A-30842CDAF552}"/>
               </a:ext>
             </a:extLst>
           </p:cNvPr>
@@ -6569,43 +6903,31 @@
         </p:nvSpPr>
         <p:spPr/>
         <p:txBody>
-          <a:bodyPr/>
+          <a:bodyPr>
+            <a:normAutofit/>
+          </a:bodyPr>
           <a:lstStyle/>
           <a:p>
             <a:pPr algn="l" rtl="0"/>
             <a:r>
-              <a:rPr lang="en-US" dirty="0"/>
-              <a:t>X: single feature or subset of features of the original dataset</a:t>
+              <a:rPr lang="en-US" sz="2800" dirty="0"/>
+              <a:t>Identify data slices with low accuracy</a:t>
             </a:r>
           </a:p>
           <a:p>
             <a:pPr algn="l" rtl="0"/>
             <a:r>
-              <a:rPr lang="en-US" dirty="0"/>
-              <a:t>Y:</a:t>
-            </a:r>
-          </a:p>
-          <a:p>
-            <a:pPr lvl="1" algn="l" rtl="0"/>
-            <a:r>
-              <a:rPr lang="en-US" dirty="0"/>
-              <a:t>‘True’ = original model predicted the original output successfully</a:t>
-            </a:r>
-          </a:p>
-          <a:p>
-            <a:pPr lvl="1" algn="l" rtl="0"/>
-            <a:r>
-              <a:rPr lang="en-US" dirty="0"/>
-              <a:t>‘False’ = original model failed in its prediction</a:t>
-            </a:r>
-            <a:endParaRPr lang="he-IL" dirty="0"/>
+              <a:rPr lang="en-US" sz="2800" dirty="0"/>
+              <a:t>Not talking about how to improve them</a:t>
+            </a:r>
+            <a:endParaRPr lang="he-IL" sz="2800" dirty="0"/>
           </a:p>
         </p:txBody>
       </p:sp>
     </p:spTree>
     <p:extLst>
       <p:ext uri="{BB962C8B-B14F-4D97-AF65-F5344CB8AC3E}">
-        <p14:creationId xmlns:p14="http://schemas.microsoft.com/office/powerpoint/2010/main" val="1503145248"/>
+        <p14:creationId xmlns:p14="http://schemas.microsoft.com/office/powerpoint/2010/main" val="2804087652"/>
       </p:ext>
     </p:extLst>
   </p:cSld>
@@ -6616,7 +6938,7 @@
 </file>
 
 <file path=ppt/slides/slide11.xml><?xml version="1.0" encoding="utf-8"?>
-<p:sld xmlns:a="http://schemas.openxmlformats.org/drawingml/2006/main" xmlns:r="http://schemas.openxmlformats.org/officeDocument/2006/relationships" xmlns:p="http://schemas.openxmlformats.org/presentationml/2006/main" show="0">
+<p:sld xmlns:a="http://schemas.openxmlformats.org/drawingml/2006/main" xmlns:r="http://schemas.openxmlformats.org/officeDocument/2006/relationships" xmlns:p="http://schemas.openxmlformats.org/presentationml/2006/main">
   <p:cSld>
     <p:spTree>
       <p:nvGrpSpPr>
@@ -6653,10 +6975,9 @@
           <a:bodyPr/>
           <a:lstStyle/>
           <a:p>
-            <a:pPr rtl="0"/>
             <a:r>
               <a:rPr lang="en-US" dirty="0"/>
-              <a:t>Our FreaAI modification</a:t>
+              <a:t>Decision Trees as a feature analysis heuristic</a:t>
             </a:r>
             <a:endParaRPr lang="he-IL" dirty="0"/>
           </a:p>
@@ -6686,15 +7007,7 @@
             <a:pPr algn="l" rtl="0"/>
             <a:r>
               <a:rPr lang="en-US" dirty="0"/>
-              <a:t>X: single feature or subset of features of </a:t>
-            </a:r>
-            <a:r>
-              <a:rPr lang="en-US" b="1" u="sng" dirty="0"/>
-              <a:t>anomalies</a:t>
-            </a:r>
-            <a:r>
-              <a:rPr lang="en-US" dirty="0"/>
-              <a:t> in the original dataset</a:t>
+              <a:t>X: single feature or subset of features of the original dataset</a:t>
             </a:r>
           </a:p>
           <a:p>
@@ -6708,14 +7021,14 @@
             <a:pPr lvl="1" algn="l" rtl="0"/>
             <a:r>
               <a:rPr lang="en-US" dirty="0"/>
-              <a:t>‘True’ =  original model predicted the original output successfully = True Positive</a:t>
+              <a:t>‘True’ = original model predicted the original output successfully</a:t>
             </a:r>
           </a:p>
           <a:p>
             <a:pPr lvl="1" algn="l" rtl="0"/>
             <a:r>
               <a:rPr lang="en-US" dirty="0"/>
-              <a:t>‘False’ = original model failed in its prediction = False Negative</a:t>
+              <a:t>‘False’ = original model failed in its prediction</a:t>
             </a:r>
             <a:endParaRPr lang="he-IL" dirty="0"/>
           </a:p>
@@ -6724,7 +7037,7 @@
     </p:spTree>
     <p:extLst>
       <p:ext uri="{BB962C8B-B14F-4D97-AF65-F5344CB8AC3E}">
-        <p14:creationId xmlns:p14="http://schemas.microsoft.com/office/powerpoint/2010/main" val="230825914"/>
+        <p14:creationId xmlns:p14="http://schemas.microsoft.com/office/powerpoint/2010/main" val="1503145248"/>
       </p:ext>
     </p:extLst>
   </p:cSld>
@@ -6753,10 +7066,10 @@
       </p:grpSpPr>
       <p:sp>
         <p:nvSpPr>
-          <p:cNvPr id="4" name="Title 3">
+          <p:cNvPr id="2" name="Title 1">
             <a:extLst>
               <a:ext uri="{FF2B5EF4-FFF2-40B4-BE49-F238E27FC236}">
-                <a16:creationId xmlns:a16="http://schemas.microsoft.com/office/drawing/2014/main" id="{0164B796-02E6-2CF2-AD58-6BA0FF61E8C3}"/>
+                <a16:creationId xmlns:a16="http://schemas.microsoft.com/office/drawing/2014/main" id="{D6AA9C8C-1D97-C7C3-FF49-2B4E5DF8937B}"/>
               </a:ext>
             </a:extLst>
           </p:cNvPr>
@@ -6772,21 +7085,16 @@
           <a:bodyPr/>
           <a:lstStyle/>
           <a:p>
-            <a:pPr rtl="0"/>
-            <a:r>
-              <a:rPr lang="en-US" cap="all" dirty="0"/>
-              <a:t>The architecture</a:t>
-            </a:r>
-            <a:endParaRPr lang="he-IL" cap="all" dirty="0"/>
-          </a:p>
-        </p:txBody>
-      </p:sp>
-      <p:sp>
-        <p:nvSpPr>
-          <p:cNvPr id="5" name="Text Placeholder 4">
+            <a:endParaRPr lang="he-IL" dirty="0"/>
+          </a:p>
+        </p:txBody>
+      </p:sp>
+      <p:sp>
+        <p:nvSpPr>
+          <p:cNvPr id="3" name="Content Placeholder 2">
             <a:extLst>
               <a:ext uri="{FF2B5EF4-FFF2-40B4-BE49-F238E27FC236}">
-                <a16:creationId xmlns:a16="http://schemas.microsoft.com/office/drawing/2014/main" id="{49087E06-C5E1-41C3-1F28-1C6A2EEE3E22}"/>
+                <a16:creationId xmlns:a16="http://schemas.microsoft.com/office/drawing/2014/main" id="{C254E5DA-2825-C02D-2507-0FC6317331AE}"/>
               </a:ext>
             </a:extLst>
           </p:cNvPr>
@@ -6794,7 +7102,7 @@
             <a:spLocks noGrp="1"/>
           </p:cNvSpPr>
           <p:nvPr>
-            <p:ph type="body" idx="1"/>
+            <p:ph sz="quarter" idx="13"/>
           </p:nvPr>
         </p:nvSpPr>
         <p:spPr/>
@@ -6802,7 +7110,11 @@
           <a:bodyPr/>
           <a:lstStyle/>
           <a:p>
-            <a:pPr rtl="0"/>
+            <a:pPr algn="l" rtl="0"/>
+            <a:r>
+              <a:rPr lang="en-US" dirty="0"/>
+              <a:t>&lt;insert example of accuracy decision tree here (ours)&gt;</a:t>
+            </a:r>
             <a:endParaRPr lang="he-IL" dirty="0"/>
           </a:p>
         </p:txBody>
@@ -6810,7 +7122,7 @@
     </p:spTree>
     <p:extLst>
       <p:ext uri="{BB962C8B-B14F-4D97-AF65-F5344CB8AC3E}">
-        <p14:creationId xmlns:p14="http://schemas.microsoft.com/office/powerpoint/2010/main" val="2039371253"/>
+        <p14:creationId xmlns:p14="http://schemas.microsoft.com/office/powerpoint/2010/main" val="4147549176"/>
       </p:ext>
     </p:extLst>
   </p:cSld>
@@ -6822,6 +7134,381 @@
 
 <file path=ppt/slides/slide13.xml><?xml version="1.0" encoding="utf-8"?>
 <p:sld xmlns:a="http://schemas.openxmlformats.org/drawingml/2006/main" xmlns:r="http://schemas.openxmlformats.org/officeDocument/2006/relationships" xmlns:p="http://schemas.openxmlformats.org/presentationml/2006/main">
+  <p:cSld>
+    <p:bg>
+      <p:bgPr>
+        <a:gradFill rotWithShape="1">
+          <a:gsLst>
+            <a:gs pos="0">
+              <a:schemeClr val="bg1">
+                <a:tint val="90000"/>
+                <a:lumMod val="110000"/>
+              </a:schemeClr>
+            </a:gs>
+            <a:gs pos="100000">
+              <a:schemeClr val="bg1">
+                <a:shade val="64000"/>
+                <a:lumMod val="88000"/>
+              </a:schemeClr>
+            </a:gs>
+          </a:gsLst>
+          <a:lin ang="5400000" scaled="0"/>
+        </a:gradFill>
+        <a:effectLst/>
+      </p:bgPr>
+    </p:bg>
+    <p:spTree>
+      <p:nvGrpSpPr>
+        <p:cNvPr id="1" name="">
+          <a:extLst>
+            <a:ext uri="{FF2B5EF4-FFF2-40B4-BE49-F238E27FC236}">
+              <a16:creationId xmlns:a16="http://schemas.microsoft.com/office/drawing/2014/main" id="{A323C7B2-A1F9-E6EE-8039-6BF200CBFBD2}"/>
+            </a:ext>
+          </a:extLst>
+        </p:cNvPr>
+        <p:cNvGrpSpPr/>
+        <p:nvPr/>
+      </p:nvGrpSpPr>
+      <p:grpSpPr>
+        <a:xfrm>
+          <a:off x="0" y="0"/>
+          <a:ext cx="0" cy="0"/>
+          <a:chOff x="0" y="0"/>
+          <a:chExt cx="0" cy="0"/>
+        </a:xfrm>
+      </p:grpSpPr>
+      <p:pic>
+        <p:nvPicPr>
+          <p:cNvPr id="4107" name="Picture 2">
+            <a:extLst>
+              <a:ext uri="{FF2B5EF4-FFF2-40B4-BE49-F238E27FC236}">
+                <a16:creationId xmlns:a16="http://schemas.microsoft.com/office/drawing/2014/main" id="{25496B42-CC46-4183-B481-887CD3E8C725}"/>
+              </a:ext>
+              <a:ext uri="{C183D7F6-B498-43B3-948B-1728B52AA6E4}">
+                <adec:decorative xmlns:adec="http://schemas.microsoft.com/office/drawing/2017/decorative" val="1"/>
+              </a:ext>
+            </a:extLst>
+          </p:cNvPr>
+          <p:cNvPicPr>
+            <a:picLocks noGrp="1" noRot="1" noChangeAspect="1" noMove="1" noResize="1" noEditPoints="1" noAdjustHandles="1" noChangeArrowheads="1" noChangeShapeType="1" noCrop="1"/>
+          </p:cNvPicPr>
+          <p:nvPr>
+            <p:extLst>
+              <p:ext uri="{386F3935-93C4-4BCD-93E2-E3B085C9AB24}">
+                <p16:designElem xmlns:p16="http://schemas.microsoft.com/office/powerpoint/2015/main" val="1"/>
+              </p:ext>
+            </p:extLst>
+          </p:nvPr>
+        </p:nvPicPr>
+        <p:blipFill>
+          <a:blip r:embed="rId3">
+            <a:alphaModFix/>
+            <a:extLst>
+              <a:ext uri="{28A0092B-C50C-407E-A947-70E740481C1C}">
+                <a14:useLocalDpi xmlns:a14="http://schemas.microsoft.com/office/drawing/2010/main" val="0"/>
+              </a:ext>
+            </a:extLst>
+          </a:blip>
+          <a:srcRect/>
+          <a:stretch>
+            <a:fillRect/>
+          </a:stretch>
+        </p:blipFill>
+        <p:spPr bwMode="auto">
+          <a:xfrm>
+            <a:off x="0" y="-1"/>
+            <a:ext cx="12192003" cy="6858001"/>
+          </a:xfrm>
+          <a:prstGeom prst="rect">
+            <a:avLst/>
+          </a:prstGeom>
+          <a:noFill/>
+          <a:extLst>
+            <a:ext uri="{909E8E84-426E-40DD-AFC4-6F175D3DCCD1}">
+              <a14:hiddenFill xmlns:a14="http://schemas.microsoft.com/office/drawing/2010/main">
+                <a:solidFill>
+                  <a:srgbClr val="FFFFFF"/>
+                </a:solidFill>
+              </a14:hiddenFill>
+            </a:ext>
+          </a:extLst>
+        </p:spPr>
+      </p:pic>
+      <p:pic>
+        <p:nvPicPr>
+          <p:cNvPr id="4109" name="Picture 4108">
+            <a:extLst>
+              <a:ext uri="{FF2B5EF4-FFF2-40B4-BE49-F238E27FC236}">
+                <a16:creationId xmlns:a16="http://schemas.microsoft.com/office/drawing/2014/main" id="{E2758CE0-F916-4DCE-88D1-71430BE441B2}"/>
+              </a:ext>
+              <a:ext uri="{C183D7F6-B498-43B3-948B-1728B52AA6E4}">
+                <adec:decorative xmlns:adec="http://schemas.microsoft.com/office/drawing/2017/decorative" val="1"/>
+              </a:ext>
+            </a:extLst>
+          </p:cNvPr>
+          <p:cNvPicPr>
+            <a:picLocks noGrp="1" noRot="1" noChangeAspect="1" noMove="1" noResize="1" noEditPoints="1" noAdjustHandles="1" noChangeArrowheads="1" noChangeShapeType="1" noCrop="1"/>
+          </p:cNvPicPr>
+          <p:nvPr>
+            <p:extLst>
+              <p:ext uri="{386F3935-93C4-4BCD-93E2-E3B085C9AB24}">
+                <p16:designElem xmlns:p16="http://schemas.microsoft.com/office/powerpoint/2015/main" val="1"/>
+              </p:ext>
+            </p:extLst>
+          </p:nvPr>
+        </p:nvPicPr>
+        <p:blipFill>
+          <a:blip r:embed="rId4">
+            <a:extLst>
+              <a:ext uri="{28A0092B-C50C-407E-A947-70E740481C1C}">
+                <a14:useLocalDpi xmlns:a14="http://schemas.microsoft.com/office/drawing/2010/main" val="0"/>
+              </a:ext>
+            </a:extLst>
+          </a:blip>
+          <a:stretch>
+            <a:fillRect/>
+          </a:stretch>
+        </p:blipFill>
+        <p:spPr>
+          <a:xfrm>
+            <a:off x="0" y="0"/>
+            <a:ext cx="12192000" cy="6858000"/>
+          </a:xfrm>
+          <a:prstGeom prst="rect">
+            <a:avLst/>
+          </a:prstGeom>
+        </p:spPr>
+      </p:pic>
+      <p:sp useBgFill="1">
+        <p:nvSpPr>
+          <p:cNvPr id="4111" name="Rectangle 4110">
+            <a:extLst>
+              <a:ext uri="{FF2B5EF4-FFF2-40B4-BE49-F238E27FC236}">
+                <a16:creationId xmlns:a16="http://schemas.microsoft.com/office/drawing/2014/main" id="{EB31A706-2873-4971-8BF0-CBBBD9ABDED7}"/>
+              </a:ext>
+              <a:ext uri="{C183D7F6-B498-43B3-948B-1728B52AA6E4}">
+                <adec:decorative xmlns:adec="http://schemas.microsoft.com/office/drawing/2017/decorative" val="1"/>
+              </a:ext>
+            </a:extLst>
+          </p:cNvPr>
+          <p:cNvSpPr>
+            <a:spLocks noGrp="1" noRot="1" noChangeAspect="1" noMove="1" noResize="1" noEditPoints="1" noAdjustHandles="1" noChangeArrowheads="1" noChangeShapeType="1" noTextEdit="1"/>
+          </p:cNvSpPr>
+          <p:nvPr>
+            <p:extLst>
+              <p:ext uri="{386F3935-93C4-4BCD-93E2-E3B085C9AB24}">
+                <p16:designElem xmlns:p16="http://schemas.microsoft.com/office/powerpoint/2015/main" val="1"/>
+              </p:ext>
+            </p:extLst>
+          </p:nvPr>
+        </p:nvSpPr>
+        <p:spPr>
+          <a:xfrm>
+            <a:off x="0" y="0"/>
+            <a:ext cx="12192000" cy="6858000"/>
+          </a:xfrm>
+          <a:prstGeom prst="rect">
+            <a:avLst/>
+          </a:prstGeom>
+          <a:ln>
+            <a:noFill/>
+          </a:ln>
+        </p:spPr>
+        <p:style>
+          <a:lnRef idx="2">
+            <a:schemeClr val="accent1">
+              <a:shade val="50000"/>
+            </a:schemeClr>
+          </a:lnRef>
+          <a:fillRef idx="1">
+            <a:schemeClr val="accent1"/>
+          </a:fillRef>
+          <a:effectRef idx="0">
+            <a:schemeClr val="accent1"/>
+          </a:effectRef>
+          <a:fontRef idx="minor">
+            <a:schemeClr val="lt1"/>
+          </a:fontRef>
+        </p:style>
+        <p:txBody>
+          <a:bodyPr rtlCol="0" anchor="ctr"/>
+          <a:lstStyle/>
+          <a:p>
+            <a:pPr algn="ctr"/>
+            <a:endParaRPr lang="en-US"/>
+          </a:p>
+        </p:txBody>
+      </p:sp>
+      <p:pic>
+        <p:nvPicPr>
+          <p:cNvPr id="4102" name="Picture 6" descr="Reichman University on LinkedIn: #university | 23 comments">
+            <a:extLst>
+              <a:ext uri="{FF2B5EF4-FFF2-40B4-BE49-F238E27FC236}">
+                <a16:creationId xmlns:a16="http://schemas.microsoft.com/office/drawing/2014/main" id="{8BF6D8A0-28F6-D13D-AB8D-D18D847B55F3}"/>
+              </a:ext>
+            </a:extLst>
+          </p:cNvPr>
+          <p:cNvPicPr>
+            <a:picLocks noChangeAspect="1" noChangeArrowheads="1"/>
+          </p:cNvPicPr>
+          <p:nvPr/>
+        </p:nvPicPr>
+        <p:blipFill>
+          <a:blip r:embed="rId5">
+            <a:extLst>
+              <a:ext uri="{28A0092B-C50C-407E-A947-70E740481C1C}">
+                <a14:useLocalDpi xmlns:a14="http://schemas.microsoft.com/office/drawing/2010/main" val="0"/>
+              </a:ext>
+            </a:extLst>
+          </a:blip>
+          <a:stretch>
+            <a:fillRect/>
+          </a:stretch>
+        </p:blipFill>
+        <p:spPr bwMode="auto">
+          <a:xfrm>
+            <a:off x="8608026" y="2357436"/>
+            <a:ext cx="2143125" cy="2143125"/>
+          </a:xfrm>
+          <a:prstGeom prst="roundRect">
+            <a:avLst>
+              <a:gd name="adj" fmla="val 5301"/>
+            </a:avLst>
+          </a:prstGeom>
+          <a:noFill/>
+          <a:ln w="82550" cap="sq">
+            <a:solidFill>
+              <a:srgbClr val="EAEAEA"/>
+            </a:solidFill>
+            <a:miter lim="800000"/>
+          </a:ln>
+          <a:effectLst/>
+          <a:scene3d>
+            <a:camera prst="orthographicFront"/>
+            <a:lightRig rig="threePt" dir="t">
+              <a:rot lat="0" lon="0" rev="2700000"/>
+            </a:lightRig>
+          </a:scene3d>
+          <a:sp3d contourW="6350">
+            <a:bevelT h="38100"/>
+            <a:contourClr>
+              <a:srgbClr val="C0C0C0"/>
+            </a:contourClr>
+          </a:sp3d>
+          <a:extLst>
+            <a:ext uri="{909E8E84-426E-40DD-AFC4-6F175D3DCCD1}">
+              <a14:hiddenFill xmlns:a14="http://schemas.microsoft.com/office/drawing/2010/main">
+                <a:solidFill>
+                  <a:srgbClr val="FFFFFF"/>
+                </a:solidFill>
+              </a14:hiddenFill>
+            </a:ext>
+          </a:extLst>
+        </p:spPr>
+      </p:pic>
+      <p:pic>
+        <p:nvPicPr>
+          <p:cNvPr id="4113" name="Picture 4112">
+            <a:extLst>
+              <a:ext uri="{FF2B5EF4-FFF2-40B4-BE49-F238E27FC236}">
+                <a16:creationId xmlns:a16="http://schemas.microsoft.com/office/drawing/2014/main" id="{CF39D056-257D-44E2-9374-900B94D4F2B9}"/>
+              </a:ext>
+              <a:ext uri="{C183D7F6-B498-43B3-948B-1728B52AA6E4}">
+                <adec:decorative xmlns:adec="http://schemas.microsoft.com/office/drawing/2017/decorative" val="1"/>
+              </a:ext>
+            </a:extLst>
+          </p:cNvPr>
+          <p:cNvPicPr>
+            <a:picLocks noGrp="1" noRot="1" noChangeAspect="1" noMove="1" noResize="1" noEditPoints="1" noAdjustHandles="1" noChangeArrowheads="1" noChangeShapeType="1" noCrop="1"/>
+          </p:cNvPicPr>
+          <p:nvPr>
+            <p:extLst>
+              <p:ext uri="{386F3935-93C4-4BCD-93E2-E3B085C9AB24}">
+                <p16:designElem xmlns:p16="http://schemas.microsoft.com/office/powerpoint/2015/main" val="1"/>
+              </p:ext>
+            </p:extLst>
+          </p:nvPr>
+        </p:nvPicPr>
+        <p:blipFill>
+          <a:blip r:embed="rId6">
+            <a:extLst>
+              <a:ext uri="{28A0092B-C50C-407E-A947-70E740481C1C}">
+                <a14:useLocalDpi xmlns:a14="http://schemas.microsoft.com/office/drawing/2010/main" val="0"/>
+              </a:ext>
+            </a:extLst>
+          </a:blip>
+          <a:stretch>
+            <a:fillRect/>
+          </a:stretch>
+        </p:blipFill>
+        <p:spPr>
+          <a:xfrm>
+            <a:off x="0" y="0"/>
+            <a:ext cx="12192000" cy="6858000"/>
+          </a:xfrm>
+          <a:prstGeom prst="rect">
+            <a:avLst/>
+          </a:prstGeom>
+        </p:spPr>
+      </p:pic>
+      <p:sp>
+        <p:nvSpPr>
+          <p:cNvPr id="4" name="Title 3">
+            <a:extLst>
+              <a:ext uri="{FF2B5EF4-FFF2-40B4-BE49-F238E27FC236}">
+                <a16:creationId xmlns:a16="http://schemas.microsoft.com/office/drawing/2014/main" id="{1BA0ED86-B4D3-702B-13B0-852D20456B12}"/>
+              </a:ext>
+            </a:extLst>
+          </p:cNvPr>
+          <p:cNvSpPr>
+            <a:spLocks noGrp="1"/>
+          </p:cNvSpPr>
+          <p:nvPr>
+            <p:ph type="title"/>
+          </p:nvPr>
+        </p:nvSpPr>
+        <p:spPr>
+          <a:xfrm>
+            <a:off x="1041700" y="2678905"/>
+            <a:ext cx="6524626" cy="1500186"/>
+          </a:xfrm>
+        </p:spPr>
+        <p:txBody>
+          <a:bodyPr vert="horz" lIns="91440" tIns="45720" rIns="91440" bIns="45720" rtlCol="0" anchor="b">
+            <a:normAutofit/>
+          </a:bodyPr>
+          <a:lstStyle/>
+          <a:p>
+            <a:pPr rtl="0"/>
+            <a:r>
+              <a:rPr lang="en-US" sz="4800" dirty="0"/>
+              <a:t>Our adaptation of FreaAI</a:t>
+            </a:r>
+            <a:br>
+              <a:rPr lang="en-US" sz="4800" dirty="0"/>
+            </a:br>
+            <a:r>
+              <a:rPr lang="en-US" sz="4800" dirty="0"/>
+              <a:t>for anomalies detection</a:t>
+            </a:r>
+          </a:p>
+        </p:txBody>
+      </p:sp>
+    </p:spTree>
+    <p:extLst>
+      <p:ext uri="{BB962C8B-B14F-4D97-AF65-F5344CB8AC3E}">
+        <p14:creationId xmlns:p14="http://schemas.microsoft.com/office/powerpoint/2010/main" val="4207168723"/>
+      </p:ext>
+    </p:extLst>
+  </p:cSld>
+  <p:clrMapOvr>
+    <a:masterClrMapping/>
+  </p:clrMapOvr>
+</p:sld>
+</file>
+
+<file path=ppt/slides/slide14.xml><?xml version="1.0" encoding="utf-8"?>
+<p:sld xmlns:a="http://schemas.openxmlformats.org/drawingml/2006/main" xmlns:r="http://schemas.openxmlformats.org/officeDocument/2006/relationships" xmlns:p="http://schemas.openxmlformats.org/presentationml/2006/main" show="0">
   <p:cSld>
     <p:spTree>
       <p:nvGrpSpPr>
@@ -6842,7 +7529,7 @@
           <p:cNvPr id="2" name="Title 1">
             <a:extLst>
               <a:ext uri="{FF2B5EF4-FFF2-40B4-BE49-F238E27FC236}">
-                <a16:creationId xmlns:a16="http://schemas.microsoft.com/office/drawing/2014/main" id="{3E2365AF-46C2-3616-1532-D71DEC709133}"/>
+                <a16:creationId xmlns:a16="http://schemas.microsoft.com/office/drawing/2014/main" id="{007DBD3D-6969-0A2D-4588-65BADF920EC4}"/>
               </a:ext>
             </a:extLst>
           </p:cNvPr>
@@ -6858,19 +7545,12 @@
           <a:bodyPr/>
           <a:lstStyle/>
           <a:p>
-            <a:pPr algn="ctr" defTabSz="914400" rtl="0" eaLnBrk="1" latinLnBrk="0" hangingPunct="1">
-              <a:lnSpc>
-                <a:spcPct val="90000"/>
-              </a:lnSpc>
-              <a:spcBef>
-                <a:spcPct val="0"/>
-              </a:spcBef>
-              <a:buNone/>
-            </a:pPr>
-            <a:r>
-              <a:rPr lang="en-IL" dirty="0"/>
-              <a:t>Architecture - Overall</a:t>
-            </a:r>
+            <a:pPr rtl="0"/>
+            <a:r>
+              <a:rPr lang="en-US" dirty="0"/>
+              <a:t>FreaAI adaptation for F2 metric</a:t>
+            </a:r>
+            <a:endParaRPr lang="he-IL" dirty="0"/>
           </a:p>
         </p:txBody>
       </p:sp>
@@ -6879,7 +7559,7 @@
           <p:cNvPr id="3" name="Content Placeholder 2">
             <a:extLst>
               <a:ext uri="{FF2B5EF4-FFF2-40B4-BE49-F238E27FC236}">
-                <a16:creationId xmlns:a16="http://schemas.microsoft.com/office/drawing/2014/main" id="{E6EF5898-C934-4F56-A10A-009A01A21DA2}"/>
+                <a16:creationId xmlns:a16="http://schemas.microsoft.com/office/drawing/2014/main" id="{1617FA47-36B5-06F4-62F0-E63065DCFC86}"/>
               </a:ext>
             </a:extLst>
           </p:cNvPr>
@@ -6890,318 +7570,63 @@
             <p:ph sz="quarter" idx="13"/>
           </p:nvPr>
         </p:nvSpPr>
-        <p:spPr>
-          <a:xfrm>
-            <a:off x="913774" y="1828800"/>
-            <a:ext cx="10363826" cy="3962399"/>
-          </a:xfrm>
-        </p:spPr>
+        <p:spPr/>
         <p:txBody>
           <a:bodyPr>
             <a:normAutofit/>
           </a:bodyPr>
           <a:lstStyle/>
           <a:p>
-            <a:pPr marL="228600" indent="-228600" algn="l" defTabSz="914400" rtl="0" eaLnBrk="1" latinLnBrk="0" hangingPunct="1">
-              <a:lnSpc>
-                <a:spcPct val="120000"/>
-              </a:lnSpc>
-              <a:spcBef>
-                <a:spcPts val="1000"/>
-              </a:spcBef>
-              <a:buClr>
-                <a:schemeClr val="tx1"/>
-              </a:buClr>
-              <a:buFont typeface="Arial" panose="020B0604020202020204" pitchFamily="34" charset="0"/>
-              <a:buChar char="•"/>
+            <a:pPr marL="0" indent="0" algn="l" rtl="0">
+              <a:buNone/>
             </a:pPr>
-            <a:r>
-              <a:rPr lang="en-IL" dirty="0"/>
-              <a:t>Runtime environment: We use our laptops as the runtime environment, with the following installed:</a:t>
-            </a:r>
-          </a:p>
-          <a:p>
-            <a:pPr lvl="1" algn="l" rtl="0">
-              <a:spcBef>
-                <a:spcPts val="1000"/>
-              </a:spcBef>
+            <a:endParaRPr lang="en-US" sz="1000" dirty="0"/>
+          </a:p>
+          <a:p>
+            <a:pPr marL="0" indent="0" algn="l" rtl="0">
+              <a:buNone/>
             </a:pPr>
             <a:r>
-              <a:rPr lang="en-IL" sz="2000" dirty="0"/>
-              <a:t>OS: MacOS M1 / M2 or Windows 10+ supported</a:t>
-            </a:r>
-          </a:p>
-          <a:p>
-            <a:pPr lvl="1" algn="l" rtl="0">
-              <a:spcBef>
-                <a:spcPts val="1000"/>
-              </a:spcBef>
+              <a:rPr lang="en-US" sz="2400" dirty="0"/>
+              <a:t>X: single feature or subset of features in the original dataset, without TNs</a:t>
+            </a:r>
+          </a:p>
+          <a:p>
+            <a:pPr marL="0" indent="0" algn="l" rtl="0">
+              <a:buNone/>
             </a:pPr>
-            <a:r>
-              <a:rPr lang="en-IL" sz="2000" dirty="0"/>
-              <a:t>Python 3.11 with Anaconda / Miniconda installed</a:t>
-            </a:r>
-          </a:p>
-          <a:p>
-            <a:pPr lvl="1" algn="l" rtl="0">
-              <a:spcBef>
-                <a:spcPts val="1000"/>
-              </a:spcBef>
+            <a:endParaRPr lang="en-US" sz="1000" dirty="0"/>
+          </a:p>
+          <a:p>
+            <a:pPr marL="0" indent="0" algn="l" rtl="0">
+              <a:buNone/>
             </a:pPr>
             <a:r>
-              <a:rPr lang="en-IL" sz="2000" dirty="0"/>
-              <a:t>The requirements Python packages specified in requirements.txt files installed using pip or conda</a:t>
-            </a:r>
-          </a:p>
-          <a:p>
-            <a:pPr lvl="1" algn="l" rtl="0">
-              <a:spcBef>
-                <a:spcPts val="1000"/>
-              </a:spcBef>
-            </a:pPr>
-            <a:r>
-              <a:rPr lang="en-IL" sz="2000" dirty="0"/>
-              <a:t>In a real scenario the runtime environment should be run on an Instance in the cloud</a:t>
-            </a:r>
-          </a:p>
-          <a:p>
-            <a:pPr algn="l" rtl="0"/>
-            <a:r>
-              <a:rPr lang="en-IL" dirty="0"/>
-              <a:t>Model registry: We use Databricks SaaS platform to register and store our trained models. The Databricks platform is hosted in AWS cloud</a:t>
-            </a:r>
+              <a:rPr lang="en-US" sz="2400" dirty="0"/>
+              <a:t>Y:</a:t>
+            </a:r>
+          </a:p>
+          <a:p>
+            <a:pPr lvl="1" algn="l" rtl="0"/>
+            <a:r>
+              <a:rPr lang="en-US" sz="2000" dirty="0"/>
+              <a:t>‘True’ =  original model predicted the original output successfully = TP</a:t>
+            </a:r>
+          </a:p>
+          <a:p>
+            <a:pPr lvl="1" algn="l" rtl="0"/>
+            <a:r>
+              <a:rPr lang="en-US" sz="2000" dirty="0"/>
+              <a:t>‘False’ = original model failed in its prediction = FP + FN</a:t>
+            </a:r>
+            <a:endParaRPr lang="he-IL" sz="2000" dirty="0"/>
           </a:p>
         </p:txBody>
       </p:sp>
     </p:spTree>
     <p:extLst>
       <p:ext uri="{BB962C8B-B14F-4D97-AF65-F5344CB8AC3E}">
-        <p14:creationId xmlns:p14="http://schemas.microsoft.com/office/powerpoint/2010/main" val="810456341"/>
-      </p:ext>
-    </p:extLst>
-  </p:cSld>
-  <p:clrMapOvr>
-    <a:masterClrMapping/>
-  </p:clrMapOvr>
-</p:sld>
-</file>
-
-<file path=ppt/slides/slide14.xml><?xml version="1.0" encoding="utf-8"?>
-<p:sld xmlns:a="http://schemas.openxmlformats.org/drawingml/2006/main" xmlns:r="http://schemas.openxmlformats.org/officeDocument/2006/relationships" xmlns:p="http://schemas.openxmlformats.org/presentationml/2006/main">
-  <p:cSld>
-    <p:spTree>
-      <p:nvGrpSpPr>
-        <p:cNvPr id="1" name=""/>
-        <p:cNvGrpSpPr/>
-        <p:nvPr/>
-      </p:nvGrpSpPr>
-      <p:grpSpPr>
-        <a:xfrm>
-          <a:off x="0" y="0"/>
-          <a:ext cx="0" cy="0"/>
-          <a:chOff x="0" y="0"/>
-          <a:chExt cx="0" cy="0"/>
-        </a:xfrm>
-      </p:grpSpPr>
-      <p:sp>
-        <p:nvSpPr>
-          <p:cNvPr id="2" name="Title 1">
-            <a:extLst>
-              <a:ext uri="{FF2B5EF4-FFF2-40B4-BE49-F238E27FC236}">
-                <a16:creationId xmlns:a16="http://schemas.microsoft.com/office/drawing/2014/main" id="{1992D947-AC74-53B5-5D6B-12BA87E6572D}"/>
-              </a:ext>
-            </a:extLst>
-          </p:cNvPr>
-          <p:cNvSpPr>
-            <a:spLocks noGrp="1"/>
-          </p:cNvSpPr>
-          <p:nvPr>
-            <p:ph type="title"/>
-          </p:nvPr>
-        </p:nvSpPr>
-        <p:spPr/>
-        <p:txBody>
-          <a:bodyPr/>
-          <a:lstStyle/>
-          <a:p>
-            <a:pPr algn="ctr" defTabSz="914400" rtl="0" eaLnBrk="1" latinLnBrk="0" hangingPunct="1">
-              <a:lnSpc>
-                <a:spcPct val="90000"/>
-              </a:lnSpc>
-              <a:spcBef>
-                <a:spcPct val="0"/>
-              </a:spcBef>
-              <a:buNone/>
-            </a:pPr>
-            <a:r>
-              <a:rPr lang="en-IL" dirty="0"/>
-              <a:t>Architecture - Process</a:t>
-            </a:r>
-          </a:p>
-        </p:txBody>
-      </p:sp>
-      <p:sp>
-        <p:nvSpPr>
-          <p:cNvPr id="3" name="Content Placeholder 2">
-            <a:extLst>
-              <a:ext uri="{FF2B5EF4-FFF2-40B4-BE49-F238E27FC236}">
-                <a16:creationId xmlns:a16="http://schemas.microsoft.com/office/drawing/2014/main" id="{16B8136E-200E-3148-DE13-5E3FEC8D9D65}"/>
-              </a:ext>
-            </a:extLst>
-          </p:cNvPr>
-          <p:cNvSpPr>
-            <a:spLocks noGrp="1"/>
-          </p:cNvSpPr>
-          <p:nvPr>
-            <p:ph sz="quarter" idx="13"/>
-          </p:nvPr>
-        </p:nvSpPr>
-        <p:spPr>
-          <a:xfrm>
-            <a:off x="659774" y="1794934"/>
-            <a:ext cx="10363826" cy="4614333"/>
-          </a:xfrm>
-        </p:spPr>
-        <p:txBody>
-          <a:bodyPr>
-            <a:normAutofit fontScale="92500" lnSpcReduction="10000"/>
-          </a:bodyPr>
-          <a:lstStyle/>
-          <a:p>
-            <a:pPr marL="457200" indent="-457200" algn="l" defTabSz="914400" rtl="0" eaLnBrk="1" latinLnBrk="0" hangingPunct="1">
-              <a:lnSpc>
-                <a:spcPct val="120000"/>
-              </a:lnSpc>
-              <a:spcBef>
-                <a:spcPts val="1000"/>
-              </a:spcBef>
-              <a:buClr>
-                <a:schemeClr val="tx1"/>
-              </a:buClr>
-              <a:buFont typeface="+mj-lt"/>
-              <a:buAutoNum type="arabicPeriod"/>
-            </a:pPr>
-            <a:r>
-              <a:rPr lang="en-IL" dirty="0"/>
-              <a:t>Load the dataset from a set of CSV files and concatinate them into a Dataframe object</a:t>
-            </a:r>
-          </a:p>
-          <a:p>
-            <a:pPr marL="457200" indent="-457200" algn="l" defTabSz="914400" rtl="0" eaLnBrk="1" latinLnBrk="0" hangingPunct="1">
-              <a:lnSpc>
-                <a:spcPct val="120000"/>
-              </a:lnSpc>
-              <a:spcBef>
-                <a:spcPts val="1000"/>
-              </a:spcBef>
-              <a:buClr>
-                <a:schemeClr val="tx1"/>
-              </a:buClr>
-              <a:buFont typeface="+mj-lt"/>
-              <a:buAutoNum type="arabicPeriod"/>
-            </a:pPr>
-            <a:r>
-              <a:rPr lang="en-IL" dirty="0"/>
-              <a:t>By the selected algorithm (LightGBM / ConvAE):</a:t>
-            </a:r>
-          </a:p>
-          <a:p>
-            <a:pPr marL="914400" lvl="1" indent="-457200" algn="l" rtl="0">
-              <a:spcBef>
-                <a:spcPts val="1000"/>
-              </a:spcBef>
-              <a:buFont typeface="+mj-lt"/>
-              <a:buAutoNum type="arabicPeriod"/>
-            </a:pPr>
-            <a:r>
-              <a:rPr lang="en-IL" dirty="0"/>
-              <a:t>Split the dataset into train / valid</a:t>
-            </a:r>
-            <a:r>
-              <a:rPr lang="en-US" dirty="0" err="1"/>
-              <a:t>ation</a:t>
-            </a:r>
-            <a:r>
-              <a:rPr lang="en-IL" dirty="0"/>
-              <a:t> / test sets</a:t>
-            </a:r>
-          </a:p>
-          <a:p>
-            <a:pPr marL="914400" lvl="1" indent="-457200" algn="l" rtl="0">
-              <a:spcBef>
-                <a:spcPts val="1000"/>
-              </a:spcBef>
-              <a:buFont typeface="+mj-lt"/>
-              <a:buAutoNum type="arabicPeriod"/>
-            </a:pPr>
-            <a:r>
-              <a:rPr lang="en-IL" dirty="0"/>
-              <a:t>Run a training using the train set and validate it with the valid set</a:t>
-            </a:r>
-          </a:p>
-          <a:p>
-            <a:pPr marL="914400" lvl="1" indent="-457200" algn="l" rtl="0">
-              <a:spcBef>
-                <a:spcPts val="1000"/>
-              </a:spcBef>
-              <a:buFont typeface="+mj-lt"/>
-              <a:buAutoNum type="arabicPeriod"/>
-            </a:pPr>
-            <a:r>
-              <a:rPr lang="en-IL" dirty="0"/>
-              <a:t>Make a test using the test set in order to calculate our desired metrics</a:t>
-            </a:r>
-          </a:p>
-          <a:p>
-            <a:pPr marL="457200" indent="-457200" algn="l" rtl="0">
-              <a:buFont typeface="+mj-lt"/>
-              <a:buAutoNum type="arabicPeriod"/>
-            </a:pPr>
-            <a:r>
-              <a:rPr lang="en-IL" dirty="0"/>
-              <a:t>Run a </a:t>
-            </a:r>
-            <a:r>
-              <a:rPr lang="en-US" dirty="0"/>
-              <a:t>FreaAI algorithm based on a single feature of the original dataset and compare between the predicted vs actual test results (In our use-case it’s anomaly)</a:t>
-            </a:r>
-          </a:p>
-          <a:p>
-            <a:pPr marL="457200" indent="-457200" algn="l" rtl="0">
-              <a:buFont typeface="+mj-lt"/>
-              <a:buAutoNum type="arabicPeriod"/>
-            </a:pPr>
-            <a:r>
-              <a:rPr lang="en-US" dirty="0"/>
-              <a:t>Calculate our desired metrics based on the FreaAI algorithm</a:t>
-            </a:r>
-          </a:p>
-          <a:p>
-            <a:pPr marL="457200" indent="-457200" algn="l" rtl="0">
-              <a:buFont typeface="+mj-lt"/>
-              <a:buAutoNum type="arabicPeriod"/>
-            </a:pPr>
-            <a:r>
-              <a:rPr lang="en-US" dirty="0"/>
-              <a:t>Register our model into Databricks platform</a:t>
-            </a:r>
-          </a:p>
-          <a:p>
-            <a:pPr marL="457200" indent="-457200" algn="l" rtl="0">
-              <a:buFont typeface="+mj-lt"/>
-              <a:buAutoNum type="arabicPeriod"/>
-            </a:pPr>
-            <a:r>
-              <a:rPr lang="en-IL" dirty="0"/>
-              <a:t>Load the model from Databricks and make a test using the test set in order to calculate our desired metrics</a:t>
-            </a:r>
-          </a:p>
-        </p:txBody>
-      </p:sp>
-    </p:spTree>
-    <p:extLst>
-      <p:ext uri="{BB962C8B-B14F-4D97-AF65-F5344CB8AC3E}">
-        <p14:creationId xmlns:p14="http://schemas.microsoft.com/office/powerpoint/2010/main" val="1757092679"/>
+        <p14:creationId xmlns:p14="http://schemas.microsoft.com/office/powerpoint/2010/main" val="230825914"/>
       </p:ext>
     </p:extLst>
   </p:cSld>
@@ -7230,10 +7655,253 @@
       </p:grpSpPr>
       <p:sp>
         <p:nvSpPr>
+          <p:cNvPr id="4" name="Title 3">
+            <a:extLst>
+              <a:ext uri="{FF2B5EF4-FFF2-40B4-BE49-F238E27FC236}">
+                <a16:creationId xmlns:a16="http://schemas.microsoft.com/office/drawing/2014/main" id="{9B3EC792-68A3-4BAB-85F3-B639063A1690}"/>
+              </a:ext>
+            </a:extLst>
+          </p:cNvPr>
+          <p:cNvSpPr>
+            <a:spLocks noGrp="1"/>
+          </p:cNvSpPr>
+          <p:nvPr>
+            <p:ph type="title"/>
+          </p:nvPr>
+        </p:nvSpPr>
+        <p:spPr/>
+        <p:txBody>
+          <a:bodyPr/>
+          <a:lstStyle/>
+          <a:p>
+            <a:pPr rtl="0"/>
+            <a:r>
+              <a:rPr lang="en-US" dirty="0"/>
+              <a:t>Comparison </a:t>
+            </a:r>
+            <a:r>
+              <a:rPr lang="en-US"/>
+              <a:t>of approaches</a:t>
+            </a:r>
+            <a:br>
+              <a:rPr lang="en-US"/>
+            </a:br>
+            <a:r>
+              <a:rPr lang="en-US"/>
+              <a:t>(decision-tree guiding </a:t>
+            </a:r>
+            <a:r>
+              <a:rPr lang="en-US" dirty="0"/>
+              <a:t>metrics)</a:t>
+            </a:r>
+            <a:endParaRPr lang="he-IL" dirty="0"/>
+          </a:p>
+        </p:txBody>
+      </p:sp>
+      <p:sp>
+        <p:nvSpPr>
+          <p:cNvPr id="3" name="Content Placeholder 2">
+            <a:extLst>
+              <a:ext uri="{FF2B5EF4-FFF2-40B4-BE49-F238E27FC236}">
+                <a16:creationId xmlns:a16="http://schemas.microsoft.com/office/drawing/2014/main" id="{483694C7-2D22-1276-11D6-C8CA4A373058}"/>
+              </a:ext>
+            </a:extLst>
+          </p:cNvPr>
+          <p:cNvSpPr>
+            <a:spLocks noGrp="1"/>
+          </p:cNvSpPr>
+          <p:nvPr>
+            <p:ph sz="quarter" idx="13"/>
+          </p:nvPr>
+        </p:nvSpPr>
+        <p:spPr/>
+        <p:txBody>
+          <a:bodyPr/>
+          <a:lstStyle/>
+          <a:p>
+            <a:pPr marL="0" indent="0" algn="l" rtl="0">
+              <a:buNone/>
+            </a:pPr>
+            <a:r>
+              <a:rPr lang="en-US" dirty="0"/>
+              <a:t>&lt;insert example of accuracy decision tree by accuracy&gt;</a:t>
+            </a:r>
+            <a:endParaRPr lang="he-IL" dirty="0"/>
+          </a:p>
+          <a:p>
+            <a:pPr marL="0" indent="0" algn="l" rtl="0">
+              <a:buNone/>
+            </a:pPr>
+            <a:endParaRPr lang="he-IL" dirty="0"/>
+          </a:p>
+        </p:txBody>
+      </p:sp>
+      <p:sp>
+        <p:nvSpPr>
+          <p:cNvPr id="5" name="Content Placeholder 4">
+            <a:extLst>
+              <a:ext uri="{FF2B5EF4-FFF2-40B4-BE49-F238E27FC236}">
+                <a16:creationId xmlns:a16="http://schemas.microsoft.com/office/drawing/2014/main" id="{D5F7A0AC-20B4-EA15-65A9-81B24AC54929}"/>
+              </a:ext>
+            </a:extLst>
+          </p:cNvPr>
+          <p:cNvSpPr>
+            <a:spLocks noGrp="1"/>
+          </p:cNvSpPr>
+          <p:nvPr>
+            <p:ph sz="quarter" idx="14"/>
+          </p:nvPr>
+        </p:nvSpPr>
+        <p:spPr/>
+        <p:txBody>
+          <a:bodyPr/>
+          <a:lstStyle/>
+          <a:p>
+            <a:pPr marL="0" indent="0" algn="l" rtl="0">
+              <a:buNone/>
+            </a:pPr>
+            <a:r>
+              <a:rPr lang="en-US" dirty="0"/>
+              <a:t>&lt;insert example of decision tree by F2&gt;</a:t>
+            </a:r>
+            <a:endParaRPr lang="he-IL" dirty="0"/>
+          </a:p>
+          <a:p>
+            <a:pPr marL="0" indent="0" algn="l" rtl="0">
+              <a:buNone/>
+            </a:pPr>
+            <a:endParaRPr lang="he-IL" dirty="0"/>
+          </a:p>
+          <a:p>
+            <a:pPr marL="0" indent="0" algn="l" rtl="0">
+              <a:buNone/>
+            </a:pPr>
+            <a:endParaRPr lang="he-IL" dirty="0"/>
+          </a:p>
+        </p:txBody>
+      </p:sp>
+    </p:spTree>
+    <p:extLst>
+      <p:ext uri="{BB962C8B-B14F-4D97-AF65-F5344CB8AC3E}">
+        <p14:creationId xmlns:p14="http://schemas.microsoft.com/office/powerpoint/2010/main" val="2901413425"/>
+      </p:ext>
+    </p:extLst>
+  </p:cSld>
+  <p:clrMapOvr>
+    <a:masterClrMapping/>
+  </p:clrMapOvr>
+</p:sld>
+</file>
+
+<file path=ppt/slides/slide16.xml><?xml version="1.0" encoding="utf-8"?>
+<p:sld xmlns:a="http://schemas.openxmlformats.org/drawingml/2006/main" xmlns:r="http://schemas.openxmlformats.org/officeDocument/2006/relationships" xmlns:p="http://schemas.openxmlformats.org/presentationml/2006/main">
+  <p:cSld>
+    <p:spTree>
+      <p:nvGrpSpPr>
+        <p:cNvPr id="1" name=""/>
+        <p:cNvGrpSpPr/>
+        <p:nvPr/>
+      </p:nvGrpSpPr>
+      <p:grpSpPr>
+        <a:xfrm>
+          <a:off x="0" y="0"/>
+          <a:ext cx="0" cy="0"/>
+          <a:chOff x="0" y="0"/>
+          <a:chExt cx="0" cy="0"/>
+        </a:xfrm>
+      </p:grpSpPr>
+      <p:sp>
+        <p:nvSpPr>
+          <p:cNvPr id="4" name="Title 3">
+            <a:extLst>
+              <a:ext uri="{FF2B5EF4-FFF2-40B4-BE49-F238E27FC236}">
+                <a16:creationId xmlns:a16="http://schemas.microsoft.com/office/drawing/2014/main" id="{0164B796-02E6-2CF2-AD58-6BA0FF61E8C3}"/>
+              </a:ext>
+            </a:extLst>
+          </p:cNvPr>
+          <p:cNvSpPr>
+            <a:spLocks noGrp="1"/>
+          </p:cNvSpPr>
+          <p:nvPr>
+            <p:ph type="title"/>
+          </p:nvPr>
+        </p:nvSpPr>
+        <p:spPr/>
+        <p:txBody>
+          <a:bodyPr/>
+          <a:lstStyle/>
+          <a:p>
+            <a:pPr rtl="0"/>
+            <a:r>
+              <a:rPr lang="en-US" cap="all" dirty="0"/>
+              <a:t>The architecture</a:t>
+            </a:r>
+            <a:endParaRPr lang="he-IL" cap="all" dirty="0"/>
+          </a:p>
+        </p:txBody>
+      </p:sp>
+      <p:sp>
+        <p:nvSpPr>
+          <p:cNvPr id="5" name="Text Placeholder 4">
+            <a:extLst>
+              <a:ext uri="{FF2B5EF4-FFF2-40B4-BE49-F238E27FC236}">
+                <a16:creationId xmlns:a16="http://schemas.microsoft.com/office/drawing/2014/main" id="{49087E06-C5E1-41C3-1F28-1C6A2EEE3E22}"/>
+              </a:ext>
+            </a:extLst>
+          </p:cNvPr>
+          <p:cNvSpPr>
+            <a:spLocks noGrp="1"/>
+          </p:cNvSpPr>
+          <p:nvPr>
+            <p:ph type="body" idx="1"/>
+          </p:nvPr>
+        </p:nvSpPr>
+        <p:spPr/>
+        <p:txBody>
+          <a:bodyPr/>
+          <a:lstStyle/>
+          <a:p>
+            <a:pPr rtl="0"/>
+            <a:endParaRPr lang="he-IL" dirty="0"/>
+          </a:p>
+        </p:txBody>
+      </p:sp>
+    </p:spTree>
+    <p:extLst>
+      <p:ext uri="{BB962C8B-B14F-4D97-AF65-F5344CB8AC3E}">
+        <p14:creationId xmlns:p14="http://schemas.microsoft.com/office/powerpoint/2010/main" val="2039371253"/>
+      </p:ext>
+    </p:extLst>
+  </p:cSld>
+  <p:clrMapOvr>
+    <a:masterClrMapping/>
+  </p:clrMapOvr>
+</p:sld>
+</file>
+
+<file path=ppt/slides/slide17.xml><?xml version="1.0" encoding="utf-8"?>
+<p:sld xmlns:a="http://schemas.openxmlformats.org/drawingml/2006/main" xmlns:r="http://schemas.openxmlformats.org/officeDocument/2006/relationships" xmlns:p="http://schemas.openxmlformats.org/presentationml/2006/main">
+  <p:cSld>
+    <p:spTree>
+      <p:nvGrpSpPr>
+        <p:cNvPr id="1" name=""/>
+        <p:cNvGrpSpPr/>
+        <p:nvPr/>
+      </p:nvGrpSpPr>
+      <p:grpSpPr>
+        <a:xfrm>
+          <a:off x="0" y="0"/>
+          <a:ext cx="0" cy="0"/>
+          <a:chOff x="0" y="0"/>
+          <a:chExt cx="0" cy="0"/>
+        </a:xfrm>
+      </p:grpSpPr>
+      <p:sp>
+        <p:nvSpPr>
           <p:cNvPr id="2" name="Title 1">
             <a:extLst>
               <a:ext uri="{FF2B5EF4-FFF2-40B4-BE49-F238E27FC236}">
-                <a16:creationId xmlns:a16="http://schemas.microsoft.com/office/drawing/2014/main" id="{0D2CA2B8-C3E4-9CCB-39B6-3632459C9DBE}"/>
+                <a16:creationId xmlns:a16="http://schemas.microsoft.com/office/drawing/2014/main" id="{3E2365AF-46C2-3616-1532-D71DEC709133}"/>
               </a:ext>
             </a:extLst>
           </p:cNvPr>
@@ -7260,7 +7928,7 @@
             </a:pPr>
             <a:r>
               <a:rPr lang="en-IL" dirty="0"/>
-              <a:t>Architecture – MLFlow</a:t>
+              <a:t>Architecture - Overall</a:t>
             </a:r>
           </a:p>
         </p:txBody>
@@ -7270,7 +7938,7 @@
           <p:cNvPr id="3" name="Content Placeholder 2">
             <a:extLst>
               <a:ext uri="{FF2B5EF4-FFF2-40B4-BE49-F238E27FC236}">
-                <a16:creationId xmlns:a16="http://schemas.microsoft.com/office/drawing/2014/main" id="{043E4208-15B2-8B64-720E-70C7E9DBB450}"/>
+                <a16:creationId xmlns:a16="http://schemas.microsoft.com/office/drawing/2014/main" id="{E6EF5898-C934-4F56-A10A-009A01A21DA2}"/>
               </a:ext>
             </a:extLst>
           </p:cNvPr>
@@ -7281,9 +7949,16 @@
             <p:ph sz="quarter" idx="13"/>
           </p:nvPr>
         </p:nvSpPr>
-        <p:spPr/>
-        <p:txBody>
-          <a:bodyPr/>
+        <p:spPr>
+          <a:xfrm>
+            <a:off x="913774" y="1828800"/>
+            <a:ext cx="10363826" cy="3962399"/>
+          </a:xfrm>
+        </p:spPr>
+        <p:txBody>
+          <a:bodyPr>
+            <a:normAutofit/>
+          </a:bodyPr>
           <a:lstStyle/>
           <a:p>
             <a:pPr marL="228600" indent="-228600" algn="l" defTabSz="914400" rtl="0" eaLnBrk="1" latinLnBrk="0" hangingPunct="1">
@@ -7301,9 +7976,374 @@
             </a:pPr>
             <a:r>
               <a:rPr lang="en-IL" dirty="0"/>
-              <a:t>MLFlow is a MLOps library provider by Databricks, a MLOps software company</a:t>
-            </a:r>
-          </a:p>
+              <a:t>Runtime environment: We use our laptops as the runtime environment, with the following installed:</a:t>
+            </a:r>
+          </a:p>
+          <a:p>
+            <a:pPr lvl="1" algn="l" rtl="0">
+              <a:spcBef>
+                <a:spcPts val="1000"/>
+              </a:spcBef>
+            </a:pPr>
+            <a:r>
+              <a:rPr lang="en-IL" sz="2000" dirty="0"/>
+              <a:t>OS: MacOS M1 / M2 or Windows 10+ supported</a:t>
+            </a:r>
+          </a:p>
+          <a:p>
+            <a:pPr lvl="1" algn="l" rtl="0">
+              <a:spcBef>
+                <a:spcPts val="1000"/>
+              </a:spcBef>
+            </a:pPr>
+            <a:r>
+              <a:rPr lang="en-IL" sz="2000" dirty="0"/>
+              <a:t>Python 3.11 with Anaconda / Miniconda installed</a:t>
+            </a:r>
+          </a:p>
+          <a:p>
+            <a:pPr lvl="1" algn="l" rtl="0">
+              <a:spcBef>
+                <a:spcPts val="1000"/>
+              </a:spcBef>
+            </a:pPr>
+            <a:r>
+              <a:rPr lang="en-IL" sz="2000" dirty="0"/>
+              <a:t>The requirements Python packages specified in requirements.txt files installed using pip or conda</a:t>
+            </a:r>
+          </a:p>
+          <a:p>
+            <a:pPr lvl="1" algn="l" rtl="0">
+              <a:spcBef>
+                <a:spcPts val="1000"/>
+              </a:spcBef>
+            </a:pPr>
+            <a:r>
+              <a:rPr lang="en-IL" sz="2000" dirty="0"/>
+              <a:t>In a real scenario the runtime environment should be run on an Instance in the cloud</a:t>
+            </a:r>
+          </a:p>
+          <a:p>
+            <a:pPr algn="l" rtl="0"/>
+            <a:r>
+              <a:rPr lang="en-IL" dirty="0"/>
+              <a:t>Model registry: We use Databricks SaaS platform to register and store our trained models. The Databricks platform is hosted in AWS cloud</a:t>
+            </a:r>
+          </a:p>
+        </p:txBody>
+      </p:sp>
+    </p:spTree>
+    <p:extLst>
+      <p:ext uri="{BB962C8B-B14F-4D97-AF65-F5344CB8AC3E}">
+        <p14:creationId xmlns:p14="http://schemas.microsoft.com/office/powerpoint/2010/main" val="810456341"/>
+      </p:ext>
+    </p:extLst>
+  </p:cSld>
+  <p:clrMapOvr>
+    <a:masterClrMapping/>
+  </p:clrMapOvr>
+</p:sld>
+</file>
+
+<file path=ppt/slides/slide18.xml><?xml version="1.0" encoding="utf-8"?>
+<p:sld xmlns:a="http://schemas.openxmlformats.org/drawingml/2006/main" xmlns:r="http://schemas.openxmlformats.org/officeDocument/2006/relationships" xmlns:p="http://schemas.openxmlformats.org/presentationml/2006/main">
+  <p:cSld>
+    <p:spTree>
+      <p:nvGrpSpPr>
+        <p:cNvPr id="1" name=""/>
+        <p:cNvGrpSpPr/>
+        <p:nvPr/>
+      </p:nvGrpSpPr>
+      <p:grpSpPr>
+        <a:xfrm>
+          <a:off x="0" y="0"/>
+          <a:ext cx="0" cy="0"/>
+          <a:chOff x="0" y="0"/>
+          <a:chExt cx="0" cy="0"/>
+        </a:xfrm>
+      </p:grpSpPr>
+      <p:sp>
+        <p:nvSpPr>
+          <p:cNvPr id="2" name="Title 1">
+            <a:extLst>
+              <a:ext uri="{FF2B5EF4-FFF2-40B4-BE49-F238E27FC236}">
+                <a16:creationId xmlns:a16="http://schemas.microsoft.com/office/drawing/2014/main" id="{1992D947-AC74-53B5-5D6B-12BA87E6572D}"/>
+              </a:ext>
+            </a:extLst>
+          </p:cNvPr>
+          <p:cNvSpPr>
+            <a:spLocks noGrp="1"/>
+          </p:cNvSpPr>
+          <p:nvPr>
+            <p:ph type="title"/>
+          </p:nvPr>
+        </p:nvSpPr>
+        <p:spPr/>
+        <p:txBody>
+          <a:bodyPr/>
+          <a:lstStyle/>
+          <a:p>
+            <a:pPr algn="ctr" defTabSz="914400" rtl="0" eaLnBrk="1" latinLnBrk="0" hangingPunct="1">
+              <a:lnSpc>
+                <a:spcPct val="90000"/>
+              </a:lnSpc>
+              <a:spcBef>
+                <a:spcPct val="0"/>
+              </a:spcBef>
+              <a:buNone/>
+            </a:pPr>
+            <a:r>
+              <a:rPr lang="en-IL" dirty="0"/>
+              <a:t>Architecture - Process</a:t>
+            </a:r>
+          </a:p>
+        </p:txBody>
+      </p:sp>
+      <p:sp>
+        <p:nvSpPr>
+          <p:cNvPr id="3" name="Content Placeholder 2">
+            <a:extLst>
+              <a:ext uri="{FF2B5EF4-FFF2-40B4-BE49-F238E27FC236}">
+                <a16:creationId xmlns:a16="http://schemas.microsoft.com/office/drawing/2014/main" id="{16B8136E-200E-3148-DE13-5E3FEC8D9D65}"/>
+              </a:ext>
+            </a:extLst>
+          </p:cNvPr>
+          <p:cNvSpPr>
+            <a:spLocks noGrp="1"/>
+          </p:cNvSpPr>
+          <p:nvPr>
+            <p:ph sz="quarter" idx="13"/>
+          </p:nvPr>
+        </p:nvSpPr>
+        <p:spPr>
+          <a:xfrm>
+            <a:off x="659774" y="1794934"/>
+            <a:ext cx="10363826" cy="4614333"/>
+          </a:xfrm>
+        </p:spPr>
+        <p:txBody>
+          <a:bodyPr>
+            <a:normAutofit fontScale="92500" lnSpcReduction="10000"/>
+          </a:bodyPr>
+          <a:lstStyle/>
+          <a:p>
+            <a:pPr marL="457200" indent="-457200" algn="l" defTabSz="914400" rtl="0" eaLnBrk="1" latinLnBrk="0" hangingPunct="1">
+              <a:lnSpc>
+                <a:spcPct val="120000"/>
+              </a:lnSpc>
+              <a:spcBef>
+                <a:spcPts val="1000"/>
+              </a:spcBef>
+              <a:buClr>
+                <a:schemeClr val="tx1"/>
+              </a:buClr>
+              <a:buFont typeface="+mj-lt"/>
+              <a:buAutoNum type="arabicPeriod"/>
+            </a:pPr>
+            <a:r>
+              <a:rPr lang="en-IL" dirty="0"/>
+              <a:t>Load the dataset from a set of CSV files and concatinate them into a Dataframe object</a:t>
+            </a:r>
+          </a:p>
+          <a:p>
+            <a:pPr marL="457200" indent="-457200" algn="l" defTabSz="914400" rtl="0" eaLnBrk="1" latinLnBrk="0" hangingPunct="1">
+              <a:lnSpc>
+                <a:spcPct val="120000"/>
+              </a:lnSpc>
+              <a:spcBef>
+                <a:spcPts val="1000"/>
+              </a:spcBef>
+              <a:buClr>
+                <a:schemeClr val="tx1"/>
+              </a:buClr>
+              <a:buFont typeface="+mj-lt"/>
+              <a:buAutoNum type="arabicPeriod"/>
+            </a:pPr>
+            <a:r>
+              <a:rPr lang="en-IL" dirty="0"/>
+              <a:t>By the selected algorithm (LightGBM / ConvAE):</a:t>
+            </a:r>
+          </a:p>
+          <a:p>
+            <a:pPr marL="914400" lvl="1" indent="-457200" algn="l" rtl="0">
+              <a:spcBef>
+                <a:spcPts val="1000"/>
+              </a:spcBef>
+              <a:buFont typeface="+mj-lt"/>
+              <a:buAutoNum type="arabicPeriod"/>
+            </a:pPr>
+            <a:r>
+              <a:rPr lang="en-IL" dirty="0"/>
+              <a:t>Split the dataset into train / valid</a:t>
+            </a:r>
+            <a:r>
+              <a:rPr lang="en-US" dirty="0" err="1"/>
+              <a:t>ation</a:t>
+            </a:r>
+            <a:r>
+              <a:rPr lang="en-IL" dirty="0"/>
+              <a:t> / test sets</a:t>
+            </a:r>
+          </a:p>
+          <a:p>
+            <a:pPr marL="914400" lvl="1" indent="-457200" algn="l" rtl="0">
+              <a:spcBef>
+                <a:spcPts val="1000"/>
+              </a:spcBef>
+              <a:buFont typeface="+mj-lt"/>
+              <a:buAutoNum type="arabicPeriod"/>
+            </a:pPr>
+            <a:r>
+              <a:rPr lang="en-IL" dirty="0"/>
+              <a:t>Run a training using the train set and validate it with the valid set</a:t>
+            </a:r>
+          </a:p>
+          <a:p>
+            <a:pPr marL="914400" lvl="1" indent="-457200" algn="l" rtl="0">
+              <a:spcBef>
+                <a:spcPts val="1000"/>
+              </a:spcBef>
+              <a:buFont typeface="+mj-lt"/>
+              <a:buAutoNum type="arabicPeriod"/>
+            </a:pPr>
+            <a:r>
+              <a:rPr lang="en-IL" dirty="0"/>
+              <a:t>Make a test using the test set in order to calculate our desired metrics</a:t>
+            </a:r>
+          </a:p>
+          <a:p>
+            <a:pPr marL="457200" indent="-457200" algn="l" rtl="0">
+              <a:buFont typeface="+mj-lt"/>
+              <a:buAutoNum type="arabicPeriod"/>
+            </a:pPr>
+            <a:r>
+              <a:rPr lang="en-IL" dirty="0"/>
+              <a:t>Run a </a:t>
+            </a:r>
+            <a:r>
+              <a:rPr lang="en-US" dirty="0"/>
+              <a:t>FreaAI algorithm based on a single feature of the original dataset and compare between the predicted vs actual test results (In our use-case it’s anomaly)</a:t>
+            </a:r>
+          </a:p>
+          <a:p>
+            <a:pPr marL="457200" indent="-457200" algn="l" rtl="0">
+              <a:buFont typeface="+mj-lt"/>
+              <a:buAutoNum type="arabicPeriod"/>
+            </a:pPr>
+            <a:r>
+              <a:rPr lang="en-US" dirty="0"/>
+              <a:t>Calculate our desired metrics based on the FreaAI algorithm</a:t>
+            </a:r>
+          </a:p>
+          <a:p>
+            <a:pPr marL="457200" indent="-457200" algn="l" rtl="0">
+              <a:buFont typeface="+mj-lt"/>
+              <a:buAutoNum type="arabicPeriod"/>
+            </a:pPr>
+            <a:r>
+              <a:rPr lang="en-US" dirty="0"/>
+              <a:t>Register our model into Databricks platform</a:t>
+            </a:r>
+          </a:p>
+          <a:p>
+            <a:pPr marL="457200" indent="-457200" algn="l" rtl="0">
+              <a:buFont typeface="+mj-lt"/>
+              <a:buAutoNum type="arabicPeriod"/>
+            </a:pPr>
+            <a:r>
+              <a:rPr lang="en-IL" dirty="0"/>
+              <a:t>Load the model from Databricks and make a test using the test set in order to calculate our desired metrics</a:t>
+            </a:r>
+          </a:p>
+        </p:txBody>
+      </p:sp>
+    </p:spTree>
+    <p:extLst>
+      <p:ext uri="{BB962C8B-B14F-4D97-AF65-F5344CB8AC3E}">
+        <p14:creationId xmlns:p14="http://schemas.microsoft.com/office/powerpoint/2010/main" val="1757092679"/>
+      </p:ext>
+    </p:extLst>
+  </p:cSld>
+  <p:clrMapOvr>
+    <a:masterClrMapping/>
+  </p:clrMapOvr>
+</p:sld>
+</file>
+
+<file path=ppt/slides/slide19.xml><?xml version="1.0" encoding="utf-8"?>
+<p:sld xmlns:a="http://schemas.openxmlformats.org/drawingml/2006/main" xmlns:r="http://schemas.openxmlformats.org/officeDocument/2006/relationships" xmlns:p="http://schemas.openxmlformats.org/presentationml/2006/main">
+  <p:cSld>
+    <p:spTree>
+      <p:nvGrpSpPr>
+        <p:cNvPr id="1" name=""/>
+        <p:cNvGrpSpPr/>
+        <p:nvPr/>
+      </p:nvGrpSpPr>
+      <p:grpSpPr>
+        <a:xfrm>
+          <a:off x="0" y="0"/>
+          <a:ext cx="0" cy="0"/>
+          <a:chOff x="0" y="0"/>
+          <a:chExt cx="0" cy="0"/>
+        </a:xfrm>
+      </p:grpSpPr>
+      <p:sp>
+        <p:nvSpPr>
+          <p:cNvPr id="2" name="Title 1">
+            <a:extLst>
+              <a:ext uri="{FF2B5EF4-FFF2-40B4-BE49-F238E27FC236}">
+                <a16:creationId xmlns:a16="http://schemas.microsoft.com/office/drawing/2014/main" id="{0D2CA2B8-C3E4-9CCB-39B6-3632459C9DBE}"/>
+              </a:ext>
+            </a:extLst>
+          </p:cNvPr>
+          <p:cNvSpPr>
+            <a:spLocks noGrp="1"/>
+          </p:cNvSpPr>
+          <p:nvPr>
+            <p:ph type="title"/>
+          </p:nvPr>
+        </p:nvSpPr>
+        <p:spPr/>
+        <p:txBody>
+          <a:bodyPr/>
+          <a:lstStyle/>
+          <a:p>
+            <a:pPr algn="ctr" defTabSz="914400" rtl="0" eaLnBrk="1" latinLnBrk="0" hangingPunct="1">
+              <a:lnSpc>
+                <a:spcPct val="90000"/>
+              </a:lnSpc>
+              <a:spcBef>
+                <a:spcPct val="0"/>
+              </a:spcBef>
+              <a:buNone/>
+            </a:pPr>
+            <a:r>
+              <a:rPr lang="en-IL" dirty="0"/>
+              <a:t>Architecture – MLFlow</a:t>
+            </a:r>
+          </a:p>
+        </p:txBody>
+      </p:sp>
+      <p:sp>
+        <p:nvSpPr>
+          <p:cNvPr id="3" name="Content Placeholder 2">
+            <a:extLst>
+              <a:ext uri="{FF2B5EF4-FFF2-40B4-BE49-F238E27FC236}">
+                <a16:creationId xmlns:a16="http://schemas.microsoft.com/office/drawing/2014/main" id="{043E4208-15B2-8B64-720E-70C7E9DBB450}"/>
+              </a:ext>
+            </a:extLst>
+          </p:cNvPr>
+          <p:cNvSpPr>
+            <a:spLocks noGrp="1"/>
+          </p:cNvSpPr>
+          <p:nvPr>
+            <p:ph sz="quarter" idx="13"/>
+          </p:nvPr>
+        </p:nvSpPr>
+        <p:spPr/>
+        <p:txBody>
+          <a:bodyPr/>
+          <a:lstStyle/>
           <a:p>
             <a:pPr marL="228600" indent="-228600" algn="l" defTabSz="914400" rtl="0" eaLnBrk="1" latinLnBrk="0" hangingPunct="1">
               <a:lnSpc>
@@ -7320,7 +8360,7 @@
             </a:pPr>
             <a:r>
               <a:rPr lang="en-IL" dirty="0"/>
-              <a:t>We use MLFlow to register our trained model in the Databricks cloud SaaS platform</a:t>
+              <a:t>MLFlow is a MLOps library provider by Databricks, a MLOps software company</a:t>
             </a:r>
           </a:p>
           <a:p>
@@ -7339,7 +8379,7 @@
             </a:pPr>
             <a:r>
               <a:rPr lang="en-IL" dirty="0"/>
-              <a:t>Using MLFlow, we can handle versions of the trained model</a:t>
+              <a:t>We use MLFlow to register our trained model in the Databricks cloud SaaS platform</a:t>
             </a:r>
           </a:p>
           <a:p>
@@ -7358,6 +8398,25 @@
             </a:pPr>
             <a:r>
               <a:rPr lang="en-IL" dirty="0"/>
+              <a:t>Using MLFlow, we can handle versions of the trained model</a:t>
+            </a:r>
+          </a:p>
+          <a:p>
+            <a:pPr marL="228600" indent="-228600" algn="l" defTabSz="914400" rtl="0" eaLnBrk="1" latinLnBrk="0" hangingPunct="1">
+              <a:lnSpc>
+                <a:spcPct val="120000"/>
+              </a:lnSpc>
+              <a:spcBef>
+                <a:spcPts val="1000"/>
+              </a:spcBef>
+              <a:buClr>
+                <a:schemeClr val="tx1"/>
+              </a:buClr>
+              <a:buFont typeface="Arial" panose="020B0604020202020204" pitchFamily="34" charset="0"/>
+              <a:buChar char="•"/>
+            </a:pPr>
+            <a:r>
+              <a:rPr lang="en-IL" dirty="0"/>
               <a:t>In production scenario, we can load the model from the platform and run a prediction against a test set in order to calculate our metrics </a:t>
             </a:r>
           </a:p>
@@ -7376,7 +8435,275 @@
 </p:sld>
 </file>
 
-<file path=ppt/slides/slide16.xml><?xml version="1.0" encoding="utf-8"?>
+<file path=ppt/slides/slide2.xml><?xml version="1.0" encoding="utf-8"?>
+<p:sld xmlns:a="http://schemas.openxmlformats.org/drawingml/2006/main" xmlns:r="http://schemas.openxmlformats.org/officeDocument/2006/relationships" xmlns:p="http://schemas.openxmlformats.org/presentationml/2006/main" show="0">
+  <p:cSld>
+    <p:spTree>
+      <p:nvGrpSpPr>
+        <p:cNvPr id="1" name=""/>
+        <p:cNvGrpSpPr/>
+        <p:nvPr/>
+      </p:nvGrpSpPr>
+      <p:grpSpPr>
+        <a:xfrm>
+          <a:off x="0" y="0"/>
+          <a:ext cx="0" cy="0"/>
+          <a:chOff x="0" y="0"/>
+          <a:chExt cx="0" cy="0"/>
+        </a:xfrm>
+      </p:grpSpPr>
+      <p:sp>
+        <p:nvSpPr>
+          <p:cNvPr id="2" name="Title 1">
+            <a:extLst>
+              <a:ext uri="{FF2B5EF4-FFF2-40B4-BE49-F238E27FC236}">
+                <a16:creationId xmlns:a16="http://schemas.microsoft.com/office/drawing/2014/main" id="{D4B244FA-F083-30E0-A5AC-29F054B70933}"/>
+              </a:ext>
+            </a:extLst>
+          </p:cNvPr>
+          <p:cNvSpPr>
+            <a:spLocks noGrp="1"/>
+          </p:cNvSpPr>
+          <p:nvPr>
+            <p:ph type="title"/>
+          </p:nvPr>
+        </p:nvSpPr>
+        <p:spPr/>
+        <p:txBody>
+          <a:bodyPr/>
+          <a:lstStyle/>
+          <a:p>
+            <a:pPr rtl="0"/>
+            <a:r>
+              <a:rPr lang="en-US" dirty="0">
+                <a:cs typeface="Calibri" panose="020F0502020204030204" pitchFamily="34" charset="0"/>
+              </a:rPr>
+              <a:t>Contents</a:t>
+            </a:r>
+            <a:endParaRPr lang="he-IL" dirty="0"/>
+          </a:p>
+        </p:txBody>
+      </p:sp>
+      <p:sp>
+        <p:nvSpPr>
+          <p:cNvPr id="3" name="Content Placeholder 2">
+            <a:extLst>
+              <a:ext uri="{FF2B5EF4-FFF2-40B4-BE49-F238E27FC236}">
+                <a16:creationId xmlns:a16="http://schemas.microsoft.com/office/drawing/2014/main" id="{5E7EFC3E-263B-69C0-08B7-35900E4D0886}"/>
+              </a:ext>
+            </a:extLst>
+          </p:cNvPr>
+          <p:cNvSpPr>
+            <a:spLocks noGrp="1"/>
+          </p:cNvSpPr>
+          <p:nvPr>
+            <p:ph sz="quarter" idx="13"/>
+          </p:nvPr>
+        </p:nvSpPr>
+        <p:spPr/>
+        <p:txBody>
+          <a:bodyPr>
+            <a:normAutofit fontScale="92500" lnSpcReduction="20000"/>
+          </a:bodyPr>
+          <a:lstStyle/>
+          <a:p>
+            <a:pPr marL="514350" indent="-514350" algn="l" rtl="0" fontAlgn="ctr">
+              <a:lnSpc>
+                <a:spcPct val="160000"/>
+              </a:lnSpc>
+              <a:spcBef>
+                <a:spcPts val="0"/>
+              </a:spcBef>
+              <a:spcAft>
+                <a:spcPts val="0"/>
+              </a:spcAft>
+              <a:buClr>
+                <a:schemeClr val="bg2">
+                  <a:lumMod val="50000"/>
+                </a:schemeClr>
+              </a:buClr>
+              <a:buFont typeface="+mj-lt"/>
+              <a:buAutoNum type="arabicPeriod"/>
+            </a:pPr>
+            <a:r>
+              <a:rPr lang="en-US" sz="2800" dirty="0">
+                <a:effectLst/>
+                <a:latin typeface="Calibri" panose="020F0502020204030204" pitchFamily="34" charset="0"/>
+                <a:cs typeface="Calibri" panose="020F0502020204030204" pitchFamily="34" charset="0"/>
+              </a:rPr>
+              <a:t>Business objective &amp; target metrics</a:t>
+            </a:r>
+            <a:endParaRPr lang="en-US" sz="2800" dirty="0">
+              <a:effectLst/>
+              <a:cs typeface="Calibri" panose="020F0502020204030204" pitchFamily="34" charset="0"/>
+            </a:endParaRPr>
+          </a:p>
+          <a:p>
+            <a:pPr marL="514350" indent="-514350" algn="l" rtl="0" fontAlgn="ctr">
+              <a:lnSpc>
+                <a:spcPct val="160000"/>
+              </a:lnSpc>
+              <a:spcBef>
+                <a:spcPts val="0"/>
+              </a:spcBef>
+              <a:buClr>
+                <a:schemeClr val="bg2">
+                  <a:lumMod val="50000"/>
+                </a:schemeClr>
+              </a:buClr>
+              <a:buFont typeface="+mj-lt"/>
+              <a:buAutoNum type="arabicPeriod"/>
+            </a:pPr>
+            <a:r>
+              <a:rPr lang="en-US" sz="2800" dirty="0">
+                <a:effectLst/>
+                <a:latin typeface="Calibri" panose="020F0502020204030204" pitchFamily="34" charset="0"/>
+                <a:cs typeface="Calibri" panose="020F0502020204030204" pitchFamily="34" charset="0"/>
+              </a:rPr>
+              <a:t>FreaAI - the theory behind the step</a:t>
+            </a:r>
+            <a:endParaRPr lang="en-US" sz="2800" dirty="0">
+              <a:effectLst/>
+              <a:cs typeface="Calibri" panose="020F0502020204030204" pitchFamily="34" charset="0"/>
+            </a:endParaRPr>
+          </a:p>
+          <a:p>
+            <a:pPr marL="514350" indent="-514350" algn="l" rtl="0" fontAlgn="ctr">
+              <a:lnSpc>
+                <a:spcPct val="160000"/>
+              </a:lnSpc>
+              <a:spcBef>
+                <a:spcPts val="0"/>
+              </a:spcBef>
+              <a:spcAft>
+                <a:spcPts val="0"/>
+              </a:spcAft>
+              <a:buClr>
+                <a:schemeClr val="bg2">
+                  <a:lumMod val="50000"/>
+                </a:schemeClr>
+              </a:buClr>
+              <a:buFont typeface="+mj-lt"/>
+              <a:buAutoNum type="arabicPeriod"/>
+            </a:pPr>
+            <a:r>
+              <a:rPr lang="en-US" sz="2800" dirty="0">
+                <a:effectLst/>
+                <a:latin typeface="Calibri" panose="020F0502020204030204" pitchFamily="34" charset="0"/>
+                <a:cs typeface="Calibri" panose="020F0502020204030204" pitchFamily="34" charset="0"/>
+              </a:rPr>
+              <a:t>Architecture</a:t>
+            </a:r>
+            <a:endParaRPr lang="en-US" sz="2800" dirty="0">
+              <a:effectLst/>
+              <a:cs typeface="Calibri" panose="020F0502020204030204" pitchFamily="34" charset="0"/>
+            </a:endParaRPr>
+          </a:p>
+          <a:p>
+            <a:pPr marL="514350" indent="-514350" algn="l" rtl="0" fontAlgn="ctr">
+              <a:lnSpc>
+                <a:spcPct val="160000"/>
+              </a:lnSpc>
+              <a:spcBef>
+                <a:spcPts val="0"/>
+              </a:spcBef>
+              <a:buClr>
+                <a:schemeClr val="bg2">
+                  <a:lumMod val="50000"/>
+                </a:schemeClr>
+              </a:buClr>
+              <a:buFont typeface="+mj-lt"/>
+              <a:buAutoNum type="arabicPeriod"/>
+            </a:pPr>
+            <a:r>
+              <a:rPr lang="en-US" sz="2800" dirty="0">
+                <a:effectLst/>
+                <a:latin typeface="Calibri" panose="020F0502020204030204" pitchFamily="34" charset="0"/>
+                <a:cs typeface="Calibri" panose="020F0502020204030204" pitchFamily="34" charset="0"/>
+              </a:rPr>
+              <a:t>Demo</a:t>
+            </a:r>
+            <a:endParaRPr lang="en-US" sz="2800" dirty="0">
+              <a:effectLst/>
+              <a:cs typeface="Calibri" panose="020F0502020204030204" pitchFamily="34" charset="0"/>
+            </a:endParaRPr>
+          </a:p>
+          <a:p>
+            <a:pPr marL="514350" indent="-514350" algn="l" rtl="0" fontAlgn="ctr">
+              <a:lnSpc>
+                <a:spcPct val="160000"/>
+              </a:lnSpc>
+              <a:spcBef>
+                <a:spcPts val="0"/>
+              </a:spcBef>
+              <a:spcAft>
+                <a:spcPts val="0"/>
+              </a:spcAft>
+              <a:buClr>
+                <a:schemeClr val="bg2">
+                  <a:lumMod val="50000"/>
+                </a:schemeClr>
+              </a:buClr>
+              <a:buFont typeface="+mj-lt"/>
+              <a:buAutoNum type="arabicPeriod"/>
+            </a:pPr>
+            <a:r>
+              <a:rPr lang="en-US" sz="2800" dirty="0">
+                <a:effectLst/>
+                <a:latin typeface="Calibri" panose="020F0502020204030204" pitchFamily="34" charset="0"/>
+                <a:cs typeface="Calibri" panose="020F0502020204030204" pitchFamily="34" charset="0"/>
+              </a:rPr>
+              <a:t>The report</a:t>
+            </a:r>
+            <a:endParaRPr lang="en-US" sz="2800" dirty="0">
+              <a:effectLst/>
+              <a:cs typeface="Calibri" panose="020F0502020204030204" pitchFamily="34" charset="0"/>
+            </a:endParaRPr>
+          </a:p>
+          <a:p>
+            <a:pPr marL="514350" indent="-514350" algn="l" rtl="0" fontAlgn="ctr">
+              <a:lnSpc>
+                <a:spcPct val="160000"/>
+              </a:lnSpc>
+              <a:spcBef>
+                <a:spcPts val="0"/>
+              </a:spcBef>
+              <a:spcAft>
+                <a:spcPts val="0"/>
+              </a:spcAft>
+              <a:buClr>
+                <a:schemeClr val="bg2">
+                  <a:lumMod val="50000"/>
+                </a:schemeClr>
+              </a:buClr>
+              <a:buFont typeface="+mj-lt"/>
+              <a:buAutoNum type="arabicPeriod"/>
+            </a:pPr>
+            <a:r>
+              <a:rPr lang="en-US" sz="2800" dirty="0">
+                <a:effectLst/>
+                <a:latin typeface="Calibri" panose="020F0502020204030204" pitchFamily="34" charset="0"/>
+                <a:cs typeface="Calibri" panose="020F0502020204030204" pitchFamily="34" charset="0"/>
+              </a:rPr>
+              <a:t>Suggested next steps</a:t>
+            </a:r>
+          </a:p>
+        </p:txBody>
+      </p:sp>
+    </p:spTree>
+    <p:extLst>
+      <p:ext uri="{BB962C8B-B14F-4D97-AF65-F5344CB8AC3E}">
+        <p14:creationId xmlns:p14="http://schemas.microsoft.com/office/powerpoint/2010/main" val="3576737281"/>
+      </p:ext>
+    </p:extLst>
+  </p:cSld>
+  <p:clrMapOvr>
+    <a:masterClrMapping/>
+  </p:clrMapOvr>
+</p:sld>
+</file>
+
+<file path=ppt/slides/slide20.xml><?xml version="1.0" encoding="utf-8"?>
 <p:sld xmlns:a="http://schemas.openxmlformats.org/drawingml/2006/main" xmlns:r="http://schemas.openxmlformats.org/officeDocument/2006/relationships" xmlns:p="http://schemas.openxmlformats.org/presentationml/2006/main">
   <p:cSld>
     <p:spTree>
@@ -7473,7 +8800,7 @@
 </p:sld>
 </file>
 
-<file path=ppt/slides/slide17.xml><?xml version="1.0" encoding="utf-8"?>
+<file path=ppt/slides/slide21.xml><?xml version="1.0" encoding="utf-8"?>
 <p:sld xmlns:a="http://schemas.openxmlformats.org/drawingml/2006/main" xmlns:r="http://schemas.openxmlformats.org/officeDocument/2006/relationships" xmlns:p="http://schemas.openxmlformats.org/presentationml/2006/main">
   <p:cSld>
     <p:spTree>
@@ -7570,7 +8897,7 @@
 </p:sld>
 </file>
 
-<file path=ppt/slides/slide18.xml><?xml version="1.0" encoding="utf-8"?>
+<file path=ppt/slides/slide22.xml><?xml version="1.0" encoding="utf-8"?>
 <p:sld xmlns:a="http://schemas.openxmlformats.org/drawingml/2006/main" xmlns:r="http://schemas.openxmlformats.org/officeDocument/2006/relationships" xmlns:p="http://schemas.openxmlformats.org/presentationml/2006/main">
   <p:cSld>
     <p:spTree>
@@ -7656,7 +8983,7 @@
 </p:sld>
 </file>
 
-<file path=ppt/slides/slide19.xml><?xml version="1.0" encoding="utf-8"?>
+<file path=ppt/slides/slide23.xml><?xml version="1.0" encoding="utf-8"?>
 <p:sld xmlns:a="http://schemas.openxmlformats.org/drawingml/2006/main" xmlns:r="http://schemas.openxmlformats.org/officeDocument/2006/relationships" xmlns:p="http://schemas.openxmlformats.org/presentationml/2006/main">
   <p:cSld>
     <p:spTree>
@@ -7742,244 +9069,7 @@
 </p:sld>
 </file>
 
-<file path=ppt/slides/slide2.xml><?xml version="1.0" encoding="utf-8"?>
-<p:sld xmlns:a="http://schemas.openxmlformats.org/drawingml/2006/main" xmlns:r="http://schemas.openxmlformats.org/officeDocument/2006/relationships" xmlns:p="http://schemas.openxmlformats.org/presentationml/2006/main" show="0">
-  <p:cSld>
-    <p:spTree>
-      <p:nvGrpSpPr>
-        <p:cNvPr id="1" name=""/>
-        <p:cNvGrpSpPr/>
-        <p:nvPr/>
-      </p:nvGrpSpPr>
-      <p:grpSpPr>
-        <a:xfrm>
-          <a:off x="0" y="0"/>
-          <a:ext cx="0" cy="0"/>
-          <a:chOff x="0" y="0"/>
-          <a:chExt cx="0" cy="0"/>
-        </a:xfrm>
-      </p:grpSpPr>
-      <p:sp>
-        <p:nvSpPr>
-          <p:cNvPr id="2" name="Title 1">
-            <a:extLst>
-              <a:ext uri="{FF2B5EF4-FFF2-40B4-BE49-F238E27FC236}">
-                <a16:creationId xmlns:a16="http://schemas.microsoft.com/office/drawing/2014/main" id="{D4B244FA-F083-30E0-A5AC-29F054B70933}"/>
-              </a:ext>
-            </a:extLst>
-          </p:cNvPr>
-          <p:cNvSpPr>
-            <a:spLocks noGrp="1"/>
-          </p:cNvSpPr>
-          <p:nvPr>
-            <p:ph type="title"/>
-          </p:nvPr>
-        </p:nvSpPr>
-        <p:spPr/>
-        <p:txBody>
-          <a:bodyPr/>
-          <a:lstStyle/>
-          <a:p>
-            <a:r>
-              <a:rPr lang="en-US" dirty="0">
-                <a:cs typeface="Calibri" panose="020F0502020204030204" pitchFamily="34" charset="0"/>
-              </a:rPr>
-              <a:t>Agenda</a:t>
-            </a:r>
-            <a:endParaRPr lang="he-IL" dirty="0"/>
-          </a:p>
-        </p:txBody>
-      </p:sp>
-      <p:sp>
-        <p:nvSpPr>
-          <p:cNvPr id="3" name="Content Placeholder 2">
-            <a:extLst>
-              <a:ext uri="{FF2B5EF4-FFF2-40B4-BE49-F238E27FC236}">
-                <a16:creationId xmlns:a16="http://schemas.microsoft.com/office/drawing/2014/main" id="{5E7EFC3E-263B-69C0-08B7-35900E4D0886}"/>
-              </a:ext>
-            </a:extLst>
-          </p:cNvPr>
-          <p:cNvSpPr>
-            <a:spLocks noGrp="1"/>
-          </p:cNvSpPr>
-          <p:nvPr>
-            <p:ph sz="quarter" idx="13"/>
-          </p:nvPr>
-        </p:nvSpPr>
-        <p:spPr/>
-        <p:txBody>
-          <a:bodyPr>
-            <a:normAutofit fontScale="92500" lnSpcReduction="20000"/>
-          </a:bodyPr>
-          <a:lstStyle/>
-          <a:p>
-            <a:pPr marL="514350" indent="-514350" algn="l" rtl="0" fontAlgn="ctr">
-              <a:lnSpc>
-                <a:spcPct val="160000"/>
-              </a:lnSpc>
-              <a:spcBef>
-                <a:spcPts val="0"/>
-              </a:spcBef>
-              <a:spcAft>
-                <a:spcPts val="0"/>
-              </a:spcAft>
-              <a:buFont typeface="+mj-lt"/>
-              <a:buAutoNum type="arabicPeriod"/>
-            </a:pPr>
-            <a:r>
-              <a:rPr lang="en-US" sz="2800" dirty="0">
-                <a:effectLst/>
-                <a:latin typeface="Calibri" panose="020F0502020204030204" pitchFamily="34" charset="0"/>
-                <a:cs typeface="Calibri" panose="020F0502020204030204" pitchFamily="34" charset="0"/>
-              </a:rPr>
-              <a:t>Business objectives &amp; target metric</a:t>
-            </a:r>
-            <a:endParaRPr lang="en-US" sz="2800" dirty="0">
-              <a:effectLst/>
-              <a:cs typeface="Calibri" panose="020F0502020204030204" pitchFamily="34" charset="0"/>
-            </a:endParaRPr>
-          </a:p>
-          <a:p>
-            <a:pPr marL="514350" indent="-514350" algn="l" rtl="0" fontAlgn="ctr">
-              <a:lnSpc>
-                <a:spcPct val="160000"/>
-              </a:lnSpc>
-              <a:spcBef>
-                <a:spcPts val="0"/>
-              </a:spcBef>
-              <a:buFont typeface="+mj-lt"/>
-              <a:buAutoNum type="arabicPeriod"/>
-            </a:pPr>
-            <a:r>
-              <a:rPr lang="en-US" sz="2800" dirty="0">
-                <a:effectLst/>
-                <a:latin typeface="Calibri" panose="020F0502020204030204" pitchFamily="34" charset="0"/>
-                <a:cs typeface="Calibri" panose="020F0502020204030204" pitchFamily="34" charset="0"/>
-              </a:rPr>
-              <a:t>FreaAI - the theory behind the step</a:t>
-            </a:r>
-            <a:endParaRPr lang="en-US" sz="2800" dirty="0">
-              <a:effectLst/>
-              <a:cs typeface="Calibri" panose="020F0502020204030204" pitchFamily="34" charset="0"/>
-            </a:endParaRPr>
-          </a:p>
-          <a:p>
-            <a:pPr marL="514350" indent="-514350" algn="l" rtl="0" fontAlgn="ctr">
-              <a:lnSpc>
-                <a:spcPct val="160000"/>
-              </a:lnSpc>
-              <a:spcBef>
-                <a:spcPts val="0"/>
-              </a:spcBef>
-              <a:spcAft>
-                <a:spcPts val="0"/>
-              </a:spcAft>
-              <a:buFont typeface="+mj-lt"/>
-              <a:buAutoNum type="arabicPeriod"/>
-            </a:pPr>
-            <a:r>
-              <a:rPr lang="en-US" sz="2800" dirty="0">
-                <a:effectLst/>
-                <a:latin typeface="Calibri" panose="020F0502020204030204" pitchFamily="34" charset="0"/>
-                <a:cs typeface="Calibri" panose="020F0502020204030204" pitchFamily="34" charset="0"/>
-              </a:rPr>
-              <a:t>Architecture</a:t>
-            </a:r>
-            <a:endParaRPr lang="en-US" sz="2800" dirty="0">
-              <a:effectLst/>
-              <a:cs typeface="Calibri" panose="020F0502020204030204" pitchFamily="34" charset="0"/>
-            </a:endParaRPr>
-          </a:p>
-          <a:p>
-            <a:pPr marL="514350" indent="-514350" algn="l" rtl="0" fontAlgn="ctr">
-              <a:lnSpc>
-                <a:spcPct val="160000"/>
-              </a:lnSpc>
-              <a:spcBef>
-                <a:spcPts val="0"/>
-              </a:spcBef>
-              <a:buFont typeface="+mj-lt"/>
-              <a:buAutoNum type="arabicPeriod"/>
-            </a:pPr>
-            <a:r>
-              <a:rPr lang="en-US" sz="2800" dirty="0">
-                <a:effectLst/>
-                <a:latin typeface="Calibri" panose="020F0502020204030204" pitchFamily="34" charset="0"/>
-                <a:cs typeface="Calibri" panose="020F0502020204030204" pitchFamily="34" charset="0"/>
-              </a:rPr>
-              <a:t>Demo</a:t>
-            </a:r>
-            <a:endParaRPr lang="en-US" sz="2800" dirty="0">
-              <a:effectLst/>
-              <a:cs typeface="Calibri" panose="020F0502020204030204" pitchFamily="34" charset="0"/>
-            </a:endParaRPr>
-          </a:p>
-          <a:p>
-            <a:pPr marL="514350" indent="-514350" algn="l" rtl="0" fontAlgn="ctr">
-              <a:lnSpc>
-                <a:spcPct val="160000"/>
-              </a:lnSpc>
-              <a:spcBef>
-                <a:spcPts val="0"/>
-              </a:spcBef>
-              <a:spcAft>
-                <a:spcPts val="0"/>
-              </a:spcAft>
-              <a:buFont typeface="+mj-lt"/>
-              <a:buAutoNum type="arabicPeriod"/>
-            </a:pPr>
-            <a:r>
-              <a:rPr lang="en-US" sz="2800" dirty="0">
-                <a:effectLst/>
-                <a:latin typeface="Calibri" panose="020F0502020204030204" pitchFamily="34" charset="0"/>
-                <a:cs typeface="Calibri" panose="020F0502020204030204" pitchFamily="34" charset="0"/>
-              </a:rPr>
-              <a:t>The report</a:t>
-            </a:r>
-            <a:endParaRPr lang="en-US" sz="2800" dirty="0">
-              <a:effectLst/>
-              <a:cs typeface="Calibri" panose="020F0502020204030204" pitchFamily="34" charset="0"/>
-            </a:endParaRPr>
-          </a:p>
-          <a:p>
-            <a:pPr marL="514350" indent="-514350" algn="l" rtl="0" fontAlgn="ctr">
-              <a:lnSpc>
-                <a:spcPct val="160000"/>
-              </a:lnSpc>
-              <a:spcBef>
-                <a:spcPts val="0"/>
-              </a:spcBef>
-              <a:spcAft>
-                <a:spcPts val="0"/>
-              </a:spcAft>
-              <a:buFont typeface="+mj-lt"/>
-              <a:buAutoNum type="arabicPeriod"/>
-            </a:pPr>
-            <a:r>
-              <a:rPr lang="en-US" sz="2800" dirty="0">
-                <a:effectLst/>
-                <a:latin typeface="Calibri" panose="020F0502020204030204" pitchFamily="34" charset="0"/>
-                <a:cs typeface="Calibri" panose="020F0502020204030204" pitchFamily="34" charset="0"/>
-              </a:rPr>
-              <a:t>Suggested future steps</a:t>
-            </a:r>
-          </a:p>
-        </p:txBody>
-      </p:sp>
-    </p:spTree>
-    <p:extLst>
-      <p:ext uri="{BB962C8B-B14F-4D97-AF65-F5344CB8AC3E}">
-        <p14:creationId xmlns:p14="http://schemas.microsoft.com/office/powerpoint/2010/main" val="3576737281"/>
-      </p:ext>
-    </p:extLst>
-  </p:cSld>
-  <p:clrMapOvr>
-    <a:masterClrMapping/>
-  </p:clrMapOvr>
-</p:sld>
-</file>
-
-<file path=ppt/slides/slide20.xml><?xml version="1.0" encoding="utf-8"?>
+<file path=ppt/slides/slide24.xml><?xml version="1.0" encoding="utf-8"?>
 <p:sld xmlns:a="http://schemas.openxmlformats.org/drawingml/2006/main" xmlns:r="http://schemas.openxmlformats.org/officeDocument/2006/relationships" xmlns:p="http://schemas.openxmlformats.org/presentationml/2006/main">
   <p:cSld>
     <p:spTree>
@@ -8001,7 +9091,7 @@
           <p:cNvPr id="4" name="Title 3">
             <a:extLst>
               <a:ext uri="{FF2B5EF4-FFF2-40B4-BE49-F238E27FC236}">
-                <a16:creationId xmlns:a16="http://schemas.microsoft.com/office/drawing/2014/main" id="{0164B796-02E6-2CF2-AD58-6BA0FF61E8C3}"/>
+                <a16:creationId xmlns:a16="http://schemas.microsoft.com/office/drawing/2014/main" id="{6D5488FF-F6DF-42CF-C78C-A0BBBAECD472}"/>
               </a:ext>
             </a:extLst>
           </p:cNvPr>
@@ -8017,21 +9107,16 @@
           <a:bodyPr/>
           <a:lstStyle/>
           <a:p>
-            <a:pPr rtl="0"/>
-            <a:r>
-              <a:rPr lang="en-US" cap="all" dirty="0"/>
-              <a:t>SUGGESTED Phase 2</a:t>
-            </a:r>
-            <a:endParaRPr lang="he-IL" cap="all" dirty="0"/>
-          </a:p>
-        </p:txBody>
-      </p:sp>
-      <p:sp>
-        <p:nvSpPr>
-          <p:cNvPr id="5" name="Text Placeholder 4">
+            <a:endParaRPr lang="he-IL"/>
+          </a:p>
+        </p:txBody>
+      </p:sp>
+      <p:sp>
+        <p:nvSpPr>
+          <p:cNvPr id="5" name="Content Placeholder 4">
             <a:extLst>
               <a:ext uri="{FF2B5EF4-FFF2-40B4-BE49-F238E27FC236}">
-                <a16:creationId xmlns:a16="http://schemas.microsoft.com/office/drawing/2014/main" id="{49087E06-C5E1-41C3-1F28-1C6A2EEE3E22}"/>
+                <a16:creationId xmlns:a16="http://schemas.microsoft.com/office/drawing/2014/main" id="{EAE03400-D284-9C48-FF87-998796FA8467}"/>
               </a:ext>
             </a:extLst>
           </p:cNvPr>
@@ -8039,16 +9124,428 @@
             <a:spLocks noGrp="1"/>
           </p:cNvSpPr>
           <p:nvPr>
+            <p:ph sz="quarter" idx="13"/>
+          </p:nvPr>
+        </p:nvSpPr>
+        <p:spPr/>
+        <p:txBody>
+          <a:bodyPr/>
+          <a:lstStyle/>
+          <a:p>
+            <a:pPr algn="l" rtl="0"/>
+            <a:r>
+              <a:rPr lang="en-US" dirty="0"/>
+              <a:t>&lt;Insert reports for each model – 2 slides?&gt;</a:t>
+            </a:r>
+            <a:endParaRPr lang="he-IL" dirty="0"/>
+          </a:p>
+        </p:txBody>
+      </p:sp>
+    </p:spTree>
+    <p:extLst>
+      <p:ext uri="{BB962C8B-B14F-4D97-AF65-F5344CB8AC3E}">
+        <p14:creationId xmlns:p14="http://schemas.microsoft.com/office/powerpoint/2010/main" val="40456904"/>
+      </p:ext>
+    </p:extLst>
+  </p:cSld>
+  <p:clrMapOvr>
+    <a:masterClrMapping/>
+  </p:clrMapOvr>
+</p:sld>
+</file>
+
+<file path=ppt/slides/slide25.xml><?xml version="1.0" encoding="utf-8"?>
+<p:sld xmlns:a="http://schemas.openxmlformats.org/drawingml/2006/main" xmlns:r="http://schemas.openxmlformats.org/officeDocument/2006/relationships" xmlns:p="http://schemas.openxmlformats.org/presentationml/2006/main">
+  <p:cSld>
+    <p:bg>
+      <p:bgPr>
+        <a:gradFill rotWithShape="1">
+          <a:gsLst>
+            <a:gs pos="0">
+              <a:schemeClr val="bg1">
+                <a:tint val="90000"/>
+                <a:lumMod val="110000"/>
+              </a:schemeClr>
+            </a:gs>
+            <a:gs pos="100000">
+              <a:schemeClr val="bg1">
+                <a:shade val="64000"/>
+                <a:lumMod val="88000"/>
+              </a:schemeClr>
+            </a:gs>
+          </a:gsLst>
+          <a:lin ang="5400000" scaled="0"/>
+        </a:gradFill>
+        <a:effectLst/>
+      </p:bgPr>
+    </p:bg>
+    <p:spTree>
+      <p:nvGrpSpPr>
+        <p:cNvPr id="1" name=""/>
+        <p:cNvGrpSpPr/>
+        <p:nvPr/>
+      </p:nvGrpSpPr>
+      <p:grpSpPr>
+        <a:xfrm>
+          <a:off x="0" y="0"/>
+          <a:ext cx="0" cy="0"/>
+          <a:chOff x="0" y="0"/>
+          <a:chExt cx="0" cy="0"/>
+        </a:xfrm>
+      </p:grpSpPr>
+      <p:pic>
+        <p:nvPicPr>
+          <p:cNvPr id="2079" name="Picture 2">
+            <a:extLst>
+              <a:ext uri="{FF2B5EF4-FFF2-40B4-BE49-F238E27FC236}">
+                <a16:creationId xmlns:a16="http://schemas.microsoft.com/office/drawing/2014/main" id="{25496B42-CC46-4183-B481-887CD3E8C725}"/>
+              </a:ext>
+              <a:ext uri="{C183D7F6-B498-43B3-948B-1728B52AA6E4}">
+                <adec:decorative xmlns:adec="http://schemas.microsoft.com/office/drawing/2017/decorative" val="1"/>
+              </a:ext>
+            </a:extLst>
+          </p:cNvPr>
+          <p:cNvPicPr>
+            <a:picLocks noGrp="1" noRot="1" noChangeAspect="1" noMove="1" noResize="1" noEditPoints="1" noAdjustHandles="1" noChangeArrowheads="1" noChangeShapeType="1" noCrop="1"/>
+          </p:cNvPicPr>
+          <p:nvPr>
+            <p:extLst>
+              <p:ext uri="{386F3935-93C4-4BCD-93E2-E3B085C9AB24}">
+                <p16:designElem xmlns:p16="http://schemas.microsoft.com/office/powerpoint/2015/main" val="1"/>
+              </p:ext>
+            </p:extLst>
+          </p:nvPr>
+        </p:nvPicPr>
+        <p:blipFill>
+          <a:blip r:embed="rId2">
+            <a:alphaModFix/>
+            <a:extLst>
+              <a:ext uri="{28A0092B-C50C-407E-A947-70E740481C1C}">
+                <a14:useLocalDpi xmlns:a14="http://schemas.microsoft.com/office/drawing/2010/main" val="0"/>
+              </a:ext>
+            </a:extLst>
+          </a:blip>
+          <a:srcRect/>
+          <a:stretch>
+            <a:fillRect/>
+          </a:stretch>
+        </p:blipFill>
+        <p:spPr bwMode="auto">
+          <a:xfrm>
+            <a:off x="0" y="-1"/>
+            <a:ext cx="12192003" cy="6858001"/>
+          </a:xfrm>
+          <a:prstGeom prst="rect">
+            <a:avLst/>
+          </a:prstGeom>
+          <a:noFill/>
+          <a:extLst>
+            <a:ext uri="{909E8E84-426E-40DD-AFC4-6F175D3DCCD1}">
+              <a14:hiddenFill xmlns:a14="http://schemas.microsoft.com/office/drawing/2010/main">
+                <a:solidFill>
+                  <a:srgbClr val="FFFFFF"/>
+                </a:solidFill>
+              </a14:hiddenFill>
+            </a:ext>
+          </a:extLst>
+        </p:spPr>
+      </p:pic>
+      <p:pic>
+        <p:nvPicPr>
+          <p:cNvPr id="2080" name="Picture 2079">
+            <a:extLst>
+              <a:ext uri="{FF2B5EF4-FFF2-40B4-BE49-F238E27FC236}">
+                <a16:creationId xmlns:a16="http://schemas.microsoft.com/office/drawing/2014/main" id="{E2758CE0-F916-4DCE-88D1-71430BE441B2}"/>
+              </a:ext>
+              <a:ext uri="{C183D7F6-B498-43B3-948B-1728B52AA6E4}">
+                <adec:decorative xmlns:adec="http://schemas.microsoft.com/office/drawing/2017/decorative" val="1"/>
+              </a:ext>
+            </a:extLst>
+          </p:cNvPr>
+          <p:cNvPicPr>
+            <a:picLocks noGrp="1" noRot="1" noChangeAspect="1" noMove="1" noResize="1" noEditPoints="1" noAdjustHandles="1" noChangeArrowheads="1" noChangeShapeType="1" noCrop="1"/>
+          </p:cNvPicPr>
+          <p:nvPr>
+            <p:extLst>
+              <p:ext uri="{386F3935-93C4-4BCD-93E2-E3B085C9AB24}">
+                <p16:designElem xmlns:p16="http://schemas.microsoft.com/office/powerpoint/2015/main" val="1"/>
+              </p:ext>
+            </p:extLst>
+          </p:nvPr>
+        </p:nvPicPr>
+        <p:blipFill>
+          <a:blip r:embed="rId3">
+            <a:extLst>
+              <a:ext uri="{28A0092B-C50C-407E-A947-70E740481C1C}">
+                <a14:useLocalDpi xmlns:a14="http://schemas.microsoft.com/office/drawing/2010/main" val="0"/>
+              </a:ext>
+            </a:extLst>
+          </a:blip>
+          <a:stretch>
+            <a:fillRect/>
+          </a:stretch>
+        </p:blipFill>
+        <p:spPr>
+          <a:xfrm>
+            <a:off x="0" y="0"/>
+            <a:ext cx="12192000" cy="6858000"/>
+          </a:xfrm>
+          <a:prstGeom prst="rect">
+            <a:avLst/>
+          </a:prstGeom>
+        </p:spPr>
+      </p:pic>
+      <p:sp useBgFill="1">
+        <p:nvSpPr>
+          <p:cNvPr id="2061" name="Rectangle 2060">
+            <a:extLst>
+              <a:ext uri="{FF2B5EF4-FFF2-40B4-BE49-F238E27FC236}">
+                <a16:creationId xmlns:a16="http://schemas.microsoft.com/office/drawing/2014/main" id="{53E559B7-FFF0-4CD8-9260-633468131126}"/>
+              </a:ext>
+              <a:ext uri="{C183D7F6-B498-43B3-948B-1728B52AA6E4}">
+                <adec:decorative xmlns:adec="http://schemas.microsoft.com/office/drawing/2017/decorative" val="1"/>
+              </a:ext>
+            </a:extLst>
+          </p:cNvPr>
+          <p:cNvSpPr>
+            <a:spLocks noGrp="1" noRot="1" noChangeAspect="1" noMove="1" noResize="1" noEditPoints="1" noAdjustHandles="1" noChangeArrowheads="1" noChangeShapeType="1" noTextEdit="1"/>
+          </p:cNvSpPr>
+          <p:nvPr>
+            <p:extLst>
+              <p:ext uri="{386F3935-93C4-4BCD-93E2-E3B085C9AB24}">
+                <p16:designElem xmlns:p16="http://schemas.microsoft.com/office/powerpoint/2015/main" val="1"/>
+              </p:ext>
+            </p:extLst>
+          </p:nvPr>
+        </p:nvSpPr>
+        <p:spPr>
+          <a:xfrm>
+            <a:off x="0" y="0"/>
+            <a:ext cx="12192000" cy="6858000"/>
+          </a:xfrm>
+          <a:prstGeom prst="rect">
+            <a:avLst/>
+          </a:prstGeom>
+          <a:ln>
+            <a:noFill/>
+          </a:ln>
+        </p:spPr>
+        <p:style>
+          <a:lnRef idx="2">
+            <a:schemeClr val="accent1">
+              <a:shade val="50000"/>
+            </a:schemeClr>
+          </a:lnRef>
+          <a:fillRef idx="1">
+            <a:schemeClr val="accent1"/>
+          </a:fillRef>
+          <a:effectRef idx="0">
+            <a:schemeClr val="accent1"/>
+          </a:effectRef>
+          <a:fontRef idx="minor">
+            <a:schemeClr val="lt1"/>
+          </a:fontRef>
+        </p:style>
+        <p:txBody>
+          <a:bodyPr rtlCol="0" anchor="ctr"/>
+          <a:lstStyle/>
+          <a:p>
+            <a:pPr algn="ctr"/>
+            <a:endParaRPr lang="en-US"/>
+          </a:p>
+        </p:txBody>
+      </p:sp>
+      <p:pic>
+        <p:nvPicPr>
+          <p:cNvPr id="2052" name="Picture 4" descr="Free Next phase Photos, Pictures and Images - PikWizard">
+            <a:extLst>
+              <a:ext uri="{FF2B5EF4-FFF2-40B4-BE49-F238E27FC236}">
+                <a16:creationId xmlns:a16="http://schemas.microsoft.com/office/drawing/2014/main" id="{6126533D-EFCE-050A-53AA-B525E91F5DE1}"/>
+              </a:ext>
+            </a:extLst>
+          </p:cNvPr>
+          <p:cNvPicPr>
+            <a:picLocks noChangeAspect="1" noChangeArrowheads="1"/>
+          </p:cNvPicPr>
+          <p:nvPr/>
+        </p:nvPicPr>
+        <p:blipFill rotWithShape="1">
+          <a:blip r:embed="rId4">
+            <a:extLst>
+              <a:ext uri="{28A0092B-C50C-407E-A947-70E740481C1C}">
+                <a14:useLocalDpi xmlns:a14="http://schemas.microsoft.com/office/drawing/2010/main" val="0"/>
+              </a:ext>
+            </a:extLst>
+          </a:blip>
+          <a:srcRect b="29902"/>
+          <a:stretch/>
+        </p:blipFill>
+        <p:spPr bwMode="auto">
+          <a:xfrm>
+            <a:off x="6095903" y="2543031"/>
+            <a:ext cx="5135784" cy="1764039"/>
+          </a:xfrm>
+          <a:prstGeom prst="roundRect">
+            <a:avLst>
+              <a:gd name="adj" fmla="val 5301"/>
+            </a:avLst>
+          </a:prstGeom>
+          <a:noFill/>
+          <a:ln w="82550" cap="sq">
+            <a:solidFill>
+              <a:srgbClr val="EAEAEA"/>
+            </a:solidFill>
+            <a:miter lim="800000"/>
+          </a:ln>
+          <a:effectLst/>
+          <a:scene3d>
+            <a:camera prst="orthographicFront"/>
+            <a:lightRig rig="threePt" dir="t">
+              <a:rot lat="0" lon="0" rev="2700000"/>
+            </a:lightRig>
+          </a:scene3d>
+          <a:sp3d contourW="6350">
+            <a:bevelT h="38100"/>
+            <a:contourClr>
+              <a:srgbClr val="C0C0C0"/>
+            </a:contourClr>
+          </a:sp3d>
+          <a:extLst>
+            <a:ext uri="{909E8E84-426E-40DD-AFC4-6F175D3DCCD1}">
+              <a14:hiddenFill xmlns:a14="http://schemas.microsoft.com/office/drawing/2010/main">
+                <a:solidFill>
+                  <a:srgbClr val="FFFFFF"/>
+                </a:solidFill>
+              </a14:hiddenFill>
+            </a:ext>
+          </a:extLst>
+        </p:spPr>
+      </p:pic>
+      <p:pic>
+        <p:nvPicPr>
+          <p:cNvPr id="2063" name="Picture 2062">
+            <a:extLst>
+              <a:ext uri="{FF2B5EF4-FFF2-40B4-BE49-F238E27FC236}">
+                <a16:creationId xmlns:a16="http://schemas.microsoft.com/office/drawing/2014/main" id="{180BC9E0-1901-4FD9-90B5-82D9EE5137E1}"/>
+              </a:ext>
+              <a:ext uri="{C183D7F6-B498-43B3-948B-1728B52AA6E4}">
+                <adec:decorative xmlns:adec="http://schemas.microsoft.com/office/drawing/2017/decorative" val="1"/>
+              </a:ext>
+            </a:extLst>
+          </p:cNvPr>
+          <p:cNvPicPr>
+            <a:picLocks noGrp="1" noRot="1" noChangeAspect="1" noMove="1" noResize="1" noEditPoints="1" noAdjustHandles="1" noChangeArrowheads="1" noChangeShapeType="1" noCrop="1"/>
+          </p:cNvPicPr>
+          <p:nvPr>
+            <p:extLst>
+              <p:ext uri="{386F3935-93C4-4BCD-93E2-E3B085C9AB24}">
+                <p16:designElem xmlns:p16="http://schemas.microsoft.com/office/powerpoint/2015/main" val="1"/>
+              </p:ext>
+            </p:extLst>
+          </p:nvPr>
+        </p:nvPicPr>
+        <p:blipFill>
+          <a:blip r:embed="rId5">
+            <a:extLst>
+              <a:ext uri="{28A0092B-C50C-407E-A947-70E740481C1C}">
+                <a14:useLocalDpi xmlns:a14="http://schemas.microsoft.com/office/drawing/2010/main" val="0"/>
+              </a:ext>
+            </a:extLst>
+          </a:blip>
+          <a:stretch>
+            <a:fillRect/>
+          </a:stretch>
+        </p:blipFill>
+        <p:spPr>
+          <a:xfrm>
+            <a:off x="0" y="0"/>
+            <a:ext cx="12192000" cy="6858000"/>
+          </a:xfrm>
+          <a:prstGeom prst="rect">
+            <a:avLst/>
+          </a:prstGeom>
+        </p:spPr>
+      </p:pic>
+      <p:sp>
+        <p:nvSpPr>
+          <p:cNvPr id="2" name="Title 1">
+            <a:extLst>
+              <a:ext uri="{FF2B5EF4-FFF2-40B4-BE49-F238E27FC236}">
+                <a16:creationId xmlns:a16="http://schemas.microsoft.com/office/drawing/2014/main" id="{0FBA040D-3A8D-0632-5A5B-D725137ADCD8}"/>
+              </a:ext>
+            </a:extLst>
+          </p:cNvPr>
+          <p:cNvSpPr>
+            <a:spLocks noGrp="1"/>
+          </p:cNvSpPr>
+          <p:nvPr>
+            <p:ph type="title"/>
+          </p:nvPr>
+        </p:nvSpPr>
+        <p:spPr>
+          <a:xfrm>
+            <a:off x="960120" y="957486"/>
+            <a:ext cx="4175471" cy="3131913"/>
+          </a:xfrm>
+        </p:spPr>
+        <p:txBody>
+          <a:bodyPr vert="horz" lIns="91440" tIns="45720" rIns="91440" bIns="45720" rtlCol="0" anchor="b">
+            <a:normAutofit/>
+          </a:bodyPr>
+          <a:lstStyle/>
+          <a:p>
+            <a:pPr rtl="0"/>
+            <a:r>
+              <a:rPr lang="en-US" sz="4800" cap="all" dirty="0"/>
+              <a:t>SUGGESTED</a:t>
+            </a:r>
+            <a:br>
+              <a:rPr lang="en-US" sz="4800" cap="all" dirty="0"/>
+            </a:br>
+            <a:r>
+              <a:rPr lang="en-US" sz="4800" cap="all" dirty="0"/>
+              <a:t>PHASE 2</a:t>
+            </a:r>
+          </a:p>
+        </p:txBody>
+      </p:sp>
+      <p:sp>
+        <p:nvSpPr>
+          <p:cNvPr id="3" name="Text Placeholder 2">
+            <a:extLst>
+              <a:ext uri="{FF2B5EF4-FFF2-40B4-BE49-F238E27FC236}">
+                <a16:creationId xmlns:a16="http://schemas.microsoft.com/office/drawing/2014/main" id="{DB1C12DE-F16A-9A64-9372-282A581F4796}"/>
+              </a:ext>
+            </a:extLst>
+          </p:cNvPr>
+          <p:cNvSpPr>
+            <a:spLocks noGrp="1"/>
+          </p:cNvSpPr>
+          <p:nvPr>
             <p:ph type="body" idx="1"/>
           </p:nvPr>
         </p:nvSpPr>
-        <p:spPr/>
-        <p:txBody>
-          <a:bodyPr/>
+        <p:spPr>
+          <a:xfrm>
+            <a:off x="960120" y="4165600"/>
+            <a:ext cx="4192557" cy="1727016"/>
+          </a:xfrm>
+        </p:spPr>
+        <p:txBody>
+          <a:bodyPr vert="horz" lIns="91440" tIns="45720" rIns="91440" bIns="45720" rtlCol="0">
+            <a:normAutofit/>
+          </a:bodyPr>
           <a:lstStyle/>
           <a:p>
             <a:pPr rtl="0"/>
-            <a:endParaRPr lang="he-IL" dirty="0"/>
+            <a:endParaRPr lang="en-US" sz="2200" cap="all">
+              <a:solidFill>
+                <a:schemeClr val="tx1">
+                  <a:lumMod val="50000"/>
+                  <a:lumOff val="50000"/>
+                </a:schemeClr>
+              </a:solidFill>
+            </a:endParaRPr>
           </a:p>
         </p:txBody>
       </p:sp>
@@ -8065,7 +9562,7 @@
 </p:sld>
 </file>
 
-<file path=ppt/slides/slide21.xml><?xml version="1.0" encoding="utf-8"?>
+<file path=ppt/slides/slide26.xml><?xml version="1.0" encoding="utf-8"?>
 <p:sld xmlns:a="http://schemas.openxmlformats.org/drawingml/2006/main" xmlns:r="http://schemas.openxmlformats.org/officeDocument/2006/relationships" xmlns:p="http://schemas.openxmlformats.org/presentationml/2006/main">
   <p:cSld>
     <p:spTree>
@@ -8106,7 +9603,7 @@
             <a:pPr rtl="0"/>
             <a:r>
               <a:rPr lang="en-US" dirty="0"/>
-              <a:t>Suggested future steps</a:t>
+              <a:t>Suggested next steps</a:t>
             </a:r>
             <a:endParaRPr lang="he-IL" dirty="0"/>
           </a:p>
@@ -8130,15 +9627,17 @@
         </p:nvSpPr>
         <p:spPr/>
         <p:txBody>
-          <a:bodyPr/>
+          <a:bodyPr>
+            <a:normAutofit/>
+          </a:bodyPr>
           <a:lstStyle/>
           <a:p>
             <a:pPr marL="0" indent="0" algn="l" rtl="0">
               <a:buNone/>
             </a:pPr>
             <a:r>
-              <a:rPr lang="en-US" dirty="0"/>
-              <a:t>Improve models’ F2, addressing data slices recommended by Phase 1 report.</a:t>
+              <a:rPr lang="en-US" sz="2400" dirty="0"/>
+              <a:t>Improve models’ F2, addressing top data slices recommended by Phase 1 report.</a:t>
             </a:r>
           </a:p>
           <a:p>
@@ -8146,7 +9645,7 @@
               <a:buNone/>
             </a:pPr>
             <a:r>
-              <a:rPr lang="en-US" dirty="0"/>
+              <a:rPr lang="en-US" sz="2400" dirty="0"/>
               <a:t>For each data slice:</a:t>
             </a:r>
           </a:p>
@@ -8156,7 +9655,7 @@
               <a:buAutoNum type="arabicPeriod"/>
             </a:pPr>
             <a:r>
-              <a:rPr lang="en-US" dirty="0"/>
+              <a:rPr lang="en-US" sz="2400" dirty="0"/>
               <a:t>Additionally train the model on a subset of original train set, specified by a data slice.</a:t>
             </a:r>
           </a:p>
@@ -8166,24 +9665,15 @@
               <a:buAutoNum type="arabicPeriod"/>
             </a:pPr>
             <a:r>
-              <a:rPr lang="en-US" dirty="0"/>
-              <a:t>For even more F2 improvement:</a:t>
+              <a:rPr lang="en-US" sz="2400" dirty="0"/>
+              <a:t>For even more F2 improvement: Augment train data by generation of additional synthetic data, specified by a data slice.</a:t>
             </a:r>
           </a:p>
           <a:p>
             <a:pPr marL="0" indent="0" algn="l" rtl="0">
               <a:buNone/>
             </a:pPr>
-            <a:r>
-              <a:rPr lang="en-US" dirty="0"/>
-              <a:t>       Augment train data by generation of additional synthetic data, specified by a data slice.</a:t>
-            </a:r>
-          </a:p>
-          <a:p>
-            <a:pPr marL="0" indent="0" algn="l" rtl="0">
-              <a:buNone/>
-            </a:pPr>
-            <a:endParaRPr lang="he-IL" dirty="0"/>
+            <a:endParaRPr lang="he-IL" sz="2400" dirty="0"/>
           </a:p>
         </p:txBody>
       </p:sp>
@@ -8191,6 +9681,374 @@
     <p:extLst>
       <p:ext uri="{BB962C8B-B14F-4D97-AF65-F5344CB8AC3E}">
         <p14:creationId xmlns:p14="http://schemas.microsoft.com/office/powerpoint/2010/main" val="4161401877"/>
+      </p:ext>
+    </p:extLst>
+  </p:cSld>
+  <p:clrMapOvr>
+    <a:masterClrMapping/>
+  </p:clrMapOvr>
+</p:sld>
+</file>
+
+<file path=ppt/slides/slide27.xml><?xml version="1.0" encoding="utf-8"?>
+<p:sld xmlns:a="http://schemas.openxmlformats.org/drawingml/2006/main" xmlns:r="http://schemas.openxmlformats.org/officeDocument/2006/relationships" xmlns:p="http://schemas.openxmlformats.org/presentationml/2006/main">
+  <p:cSld>
+    <p:bg>
+      <p:bgPr>
+        <a:gradFill rotWithShape="1">
+          <a:gsLst>
+            <a:gs pos="0">
+              <a:schemeClr val="bg1">
+                <a:tint val="90000"/>
+                <a:lumMod val="110000"/>
+              </a:schemeClr>
+            </a:gs>
+            <a:gs pos="100000">
+              <a:schemeClr val="bg1">
+                <a:shade val="64000"/>
+                <a:lumMod val="88000"/>
+              </a:schemeClr>
+            </a:gs>
+          </a:gsLst>
+          <a:lin ang="5400000" scaled="0"/>
+        </a:gradFill>
+        <a:effectLst/>
+      </p:bgPr>
+    </p:bg>
+    <p:spTree>
+      <p:nvGrpSpPr>
+        <p:cNvPr id="1" name="">
+          <a:extLst>
+            <a:ext uri="{FF2B5EF4-FFF2-40B4-BE49-F238E27FC236}">
+              <a16:creationId xmlns:a16="http://schemas.microsoft.com/office/drawing/2014/main" id="{27F3DE69-1344-3EF8-02BA-1EF744333DED}"/>
+            </a:ext>
+          </a:extLst>
+        </p:cNvPr>
+        <p:cNvGrpSpPr/>
+        <p:nvPr/>
+      </p:nvGrpSpPr>
+      <p:grpSpPr>
+        <a:xfrm>
+          <a:off x="0" y="0"/>
+          <a:ext cx="0" cy="0"/>
+          <a:chOff x="0" y="0"/>
+          <a:chExt cx="0" cy="0"/>
+        </a:xfrm>
+      </p:grpSpPr>
+      <p:pic>
+        <p:nvPicPr>
+          <p:cNvPr id="3079" name="Picture 2">
+            <a:extLst>
+              <a:ext uri="{FF2B5EF4-FFF2-40B4-BE49-F238E27FC236}">
+                <a16:creationId xmlns:a16="http://schemas.microsoft.com/office/drawing/2014/main" id="{25496B42-CC46-4183-B481-887CD3E8C725}"/>
+              </a:ext>
+              <a:ext uri="{C183D7F6-B498-43B3-948B-1728B52AA6E4}">
+                <adec:decorative xmlns:adec="http://schemas.microsoft.com/office/drawing/2017/decorative" val="1"/>
+              </a:ext>
+            </a:extLst>
+          </p:cNvPr>
+          <p:cNvPicPr>
+            <a:picLocks noGrp="1" noRot="1" noChangeAspect="1" noMove="1" noResize="1" noEditPoints="1" noAdjustHandles="1" noChangeArrowheads="1" noChangeShapeType="1" noCrop="1"/>
+          </p:cNvPicPr>
+          <p:nvPr>
+            <p:extLst>
+              <p:ext uri="{386F3935-93C4-4BCD-93E2-E3B085C9AB24}">
+                <p16:designElem xmlns:p16="http://schemas.microsoft.com/office/powerpoint/2015/main" val="1"/>
+              </p:ext>
+            </p:extLst>
+          </p:nvPr>
+        </p:nvPicPr>
+        <p:blipFill>
+          <a:blip r:embed="rId2">
+            <a:alphaModFix/>
+            <a:extLst>
+              <a:ext uri="{28A0092B-C50C-407E-A947-70E740481C1C}">
+                <a14:useLocalDpi xmlns:a14="http://schemas.microsoft.com/office/drawing/2010/main" val="0"/>
+              </a:ext>
+            </a:extLst>
+          </a:blip>
+          <a:srcRect/>
+          <a:stretch>
+            <a:fillRect/>
+          </a:stretch>
+        </p:blipFill>
+        <p:spPr bwMode="auto">
+          <a:xfrm>
+            <a:off x="0" y="-1"/>
+            <a:ext cx="12192003" cy="6858001"/>
+          </a:xfrm>
+          <a:prstGeom prst="rect">
+            <a:avLst/>
+          </a:prstGeom>
+          <a:noFill/>
+          <a:extLst>
+            <a:ext uri="{909E8E84-426E-40DD-AFC4-6F175D3DCCD1}">
+              <a14:hiddenFill xmlns:a14="http://schemas.microsoft.com/office/drawing/2010/main">
+                <a:solidFill>
+                  <a:srgbClr val="FFFFFF"/>
+                </a:solidFill>
+              </a14:hiddenFill>
+            </a:ext>
+          </a:extLst>
+        </p:spPr>
+      </p:pic>
+      <p:pic>
+        <p:nvPicPr>
+          <p:cNvPr id="3081" name="Picture 3080">
+            <a:extLst>
+              <a:ext uri="{FF2B5EF4-FFF2-40B4-BE49-F238E27FC236}">
+                <a16:creationId xmlns:a16="http://schemas.microsoft.com/office/drawing/2014/main" id="{E2758CE0-F916-4DCE-88D1-71430BE441B2}"/>
+              </a:ext>
+              <a:ext uri="{C183D7F6-B498-43B3-948B-1728B52AA6E4}">
+                <adec:decorative xmlns:adec="http://schemas.microsoft.com/office/drawing/2017/decorative" val="1"/>
+              </a:ext>
+            </a:extLst>
+          </p:cNvPr>
+          <p:cNvPicPr>
+            <a:picLocks noGrp="1" noRot="1" noChangeAspect="1" noMove="1" noResize="1" noEditPoints="1" noAdjustHandles="1" noChangeArrowheads="1" noChangeShapeType="1" noCrop="1"/>
+          </p:cNvPicPr>
+          <p:nvPr>
+            <p:extLst>
+              <p:ext uri="{386F3935-93C4-4BCD-93E2-E3B085C9AB24}">
+                <p16:designElem xmlns:p16="http://schemas.microsoft.com/office/powerpoint/2015/main" val="1"/>
+              </p:ext>
+            </p:extLst>
+          </p:nvPr>
+        </p:nvPicPr>
+        <p:blipFill>
+          <a:blip r:embed="rId3">
+            <a:extLst>
+              <a:ext uri="{28A0092B-C50C-407E-A947-70E740481C1C}">
+                <a14:useLocalDpi xmlns:a14="http://schemas.microsoft.com/office/drawing/2010/main" val="0"/>
+              </a:ext>
+            </a:extLst>
+          </a:blip>
+          <a:stretch>
+            <a:fillRect/>
+          </a:stretch>
+        </p:blipFill>
+        <p:spPr>
+          <a:xfrm>
+            <a:off x="0" y="0"/>
+            <a:ext cx="12192000" cy="6858000"/>
+          </a:xfrm>
+          <a:prstGeom prst="rect">
+            <a:avLst/>
+          </a:prstGeom>
+        </p:spPr>
+      </p:pic>
+      <p:sp useBgFill="1">
+        <p:nvSpPr>
+          <p:cNvPr id="3083" name="Rectangle 3082">
+            <a:extLst>
+              <a:ext uri="{FF2B5EF4-FFF2-40B4-BE49-F238E27FC236}">
+                <a16:creationId xmlns:a16="http://schemas.microsoft.com/office/drawing/2014/main" id="{53E559B7-FFF0-4CD8-9260-633468131126}"/>
+              </a:ext>
+              <a:ext uri="{C183D7F6-B498-43B3-948B-1728B52AA6E4}">
+                <adec:decorative xmlns:adec="http://schemas.microsoft.com/office/drawing/2017/decorative" val="1"/>
+              </a:ext>
+            </a:extLst>
+          </p:cNvPr>
+          <p:cNvSpPr>
+            <a:spLocks noGrp="1" noRot="1" noChangeAspect="1" noMove="1" noResize="1" noEditPoints="1" noAdjustHandles="1" noChangeArrowheads="1" noChangeShapeType="1" noTextEdit="1"/>
+          </p:cNvSpPr>
+          <p:nvPr>
+            <p:extLst>
+              <p:ext uri="{386F3935-93C4-4BCD-93E2-E3B085C9AB24}">
+                <p16:designElem xmlns:p16="http://schemas.microsoft.com/office/powerpoint/2015/main" val="1"/>
+              </p:ext>
+            </p:extLst>
+          </p:nvPr>
+        </p:nvSpPr>
+        <p:spPr>
+          <a:xfrm>
+            <a:off x="0" y="0"/>
+            <a:ext cx="12192000" cy="6858000"/>
+          </a:xfrm>
+          <a:prstGeom prst="rect">
+            <a:avLst/>
+          </a:prstGeom>
+          <a:ln>
+            <a:noFill/>
+          </a:ln>
+        </p:spPr>
+        <p:style>
+          <a:lnRef idx="2">
+            <a:schemeClr val="accent1">
+              <a:shade val="50000"/>
+            </a:schemeClr>
+          </a:lnRef>
+          <a:fillRef idx="1">
+            <a:schemeClr val="accent1"/>
+          </a:fillRef>
+          <a:effectRef idx="0">
+            <a:schemeClr val="accent1"/>
+          </a:effectRef>
+          <a:fontRef idx="minor">
+            <a:schemeClr val="lt1"/>
+          </a:fontRef>
+        </p:style>
+        <p:txBody>
+          <a:bodyPr rtlCol="0" anchor="ctr"/>
+          <a:lstStyle/>
+          <a:p>
+            <a:pPr algn="ctr"/>
+            <a:endParaRPr lang="en-US"/>
+          </a:p>
+        </p:txBody>
+      </p:sp>
+      <p:pic>
+        <p:nvPicPr>
+          <p:cNvPr id="3074" name="Picture 2" descr="CCWSA">
+            <a:extLst>
+              <a:ext uri="{FF2B5EF4-FFF2-40B4-BE49-F238E27FC236}">
+                <a16:creationId xmlns:a16="http://schemas.microsoft.com/office/drawing/2014/main" id="{4B97DA6B-D8DB-6D4E-4973-AF28FC4ABBFF}"/>
+              </a:ext>
+            </a:extLst>
+          </p:cNvPr>
+          <p:cNvPicPr>
+            <a:picLocks noChangeAspect="1" noChangeArrowheads="1"/>
+          </p:cNvPicPr>
+          <p:nvPr/>
+        </p:nvPicPr>
+        <p:blipFill>
+          <a:blip r:embed="rId4">
+            <a:extLst>
+              <a:ext uri="{28A0092B-C50C-407E-A947-70E740481C1C}">
+                <a14:useLocalDpi xmlns:a14="http://schemas.microsoft.com/office/drawing/2010/main" val="0"/>
+              </a:ext>
+            </a:extLst>
+          </a:blip>
+          <a:stretch>
+            <a:fillRect/>
+          </a:stretch>
+        </p:blipFill>
+        <p:spPr bwMode="auto">
+          <a:xfrm>
+            <a:off x="6196230" y="957486"/>
+            <a:ext cx="4286250" cy="4286250"/>
+          </a:xfrm>
+          <a:prstGeom prst="roundRect">
+            <a:avLst>
+              <a:gd name="adj" fmla="val 5301"/>
+            </a:avLst>
+          </a:prstGeom>
+          <a:noFill/>
+          <a:ln w="82550" cap="sq">
+            <a:solidFill>
+              <a:srgbClr val="EAEAEA"/>
+            </a:solidFill>
+            <a:miter lim="800000"/>
+          </a:ln>
+          <a:effectLst/>
+          <a:scene3d>
+            <a:camera prst="orthographicFront"/>
+            <a:lightRig rig="threePt" dir="t">
+              <a:rot lat="0" lon="0" rev="2700000"/>
+            </a:lightRig>
+          </a:scene3d>
+          <a:sp3d contourW="6350">
+            <a:bevelT h="38100"/>
+            <a:contourClr>
+              <a:srgbClr val="C0C0C0"/>
+            </a:contourClr>
+          </a:sp3d>
+          <a:extLst>
+            <a:ext uri="{909E8E84-426E-40DD-AFC4-6F175D3DCCD1}">
+              <a14:hiddenFill xmlns:a14="http://schemas.microsoft.com/office/drawing/2010/main">
+                <a:solidFill>
+                  <a:srgbClr val="FFFFFF"/>
+                </a:solidFill>
+              </a14:hiddenFill>
+            </a:ext>
+          </a:extLst>
+        </p:spPr>
+      </p:pic>
+      <p:pic>
+        <p:nvPicPr>
+          <p:cNvPr id="3085" name="Picture 3084">
+            <a:extLst>
+              <a:ext uri="{FF2B5EF4-FFF2-40B4-BE49-F238E27FC236}">
+                <a16:creationId xmlns:a16="http://schemas.microsoft.com/office/drawing/2014/main" id="{180BC9E0-1901-4FD9-90B5-82D9EE5137E1}"/>
+              </a:ext>
+              <a:ext uri="{C183D7F6-B498-43B3-948B-1728B52AA6E4}">
+                <adec:decorative xmlns:adec="http://schemas.microsoft.com/office/drawing/2017/decorative" val="1"/>
+              </a:ext>
+            </a:extLst>
+          </p:cNvPr>
+          <p:cNvPicPr>
+            <a:picLocks noGrp="1" noRot="1" noChangeAspect="1" noMove="1" noResize="1" noEditPoints="1" noAdjustHandles="1" noChangeArrowheads="1" noChangeShapeType="1" noCrop="1"/>
+          </p:cNvPicPr>
+          <p:nvPr>
+            <p:extLst>
+              <p:ext uri="{386F3935-93C4-4BCD-93E2-E3B085C9AB24}">
+                <p16:designElem xmlns:p16="http://schemas.microsoft.com/office/powerpoint/2015/main" val="1"/>
+              </p:ext>
+            </p:extLst>
+          </p:nvPr>
+        </p:nvPicPr>
+        <p:blipFill>
+          <a:blip r:embed="rId5">
+            <a:extLst>
+              <a:ext uri="{28A0092B-C50C-407E-A947-70E740481C1C}">
+                <a14:useLocalDpi xmlns:a14="http://schemas.microsoft.com/office/drawing/2010/main" val="0"/>
+              </a:ext>
+            </a:extLst>
+          </a:blip>
+          <a:stretch>
+            <a:fillRect/>
+          </a:stretch>
+        </p:blipFill>
+        <p:spPr>
+          <a:xfrm>
+            <a:off x="0" y="0"/>
+            <a:ext cx="12192000" cy="6858000"/>
+          </a:xfrm>
+          <a:prstGeom prst="rect">
+            <a:avLst/>
+          </a:prstGeom>
+        </p:spPr>
+      </p:pic>
+      <p:sp>
+        <p:nvSpPr>
+          <p:cNvPr id="4" name="Title 3">
+            <a:extLst>
+              <a:ext uri="{FF2B5EF4-FFF2-40B4-BE49-F238E27FC236}">
+                <a16:creationId xmlns:a16="http://schemas.microsoft.com/office/drawing/2014/main" id="{1F15D2FF-5B40-ADEC-1E20-4BCD82920FE5}"/>
+              </a:ext>
+            </a:extLst>
+          </p:cNvPr>
+          <p:cNvSpPr>
+            <a:spLocks noGrp="1"/>
+          </p:cNvSpPr>
+          <p:nvPr>
+            <p:ph type="title"/>
+          </p:nvPr>
+        </p:nvSpPr>
+        <p:spPr>
+          <a:xfrm>
+            <a:off x="960120" y="957486"/>
+            <a:ext cx="4175471" cy="3131913"/>
+          </a:xfrm>
+        </p:spPr>
+        <p:txBody>
+          <a:bodyPr vert="horz" lIns="91440" tIns="45720" rIns="91440" bIns="45720" rtlCol="0" anchor="b">
+            <a:normAutofit/>
+          </a:bodyPr>
+          <a:lstStyle/>
+          <a:p>
+            <a:pPr rtl="0"/>
+            <a:r>
+              <a:rPr lang="en-US" sz="4800" cap="all"/>
+              <a:t>Q&amp;A</a:t>
+            </a:r>
+          </a:p>
+        </p:txBody>
+      </p:sp>
+    </p:spTree>
+    <p:extLst>
+      <p:ext uri="{BB962C8B-B14F-4D97-AF65-F5344CB8AC3E}">
+        <p14:creationId xmlns:p14="http://schemas.microsoft.com/office/powerpoint/2010/main" val="3784723351"/>
       </p:ext>
     </p:extLst>
   </p:cSld>
@@ -8248,7 +10106,7 @@
             </a:br>
             <a:r>
               <a:rPr lang="en-US" cap="all" dirty="0"/>
-              <a:t>to TECHNICAL metric</a:t>
+              <a:t>to TECHNICAL metrics</a:t>
             </a:r>
             <a:endParaRPr lang="he-IL" cap="all" dirty="0"/>
           </a:p>
@@ -8436,7 +10294,7 @@
             </a:pPr>
             <a:r>
               <a:rPr lang="en-US" sz="2200" dirty="0"/>
-              <a:t>developing and maintaining infrastructure of water pipes network</a:t>
+              <a:t>development and maintenance of water pipes infrastructure</a:t>
             </a:r>
           </a:p>
           <a:p>
@@ -8453,7 +10311,7 @@
             </a:pPr>
             <a:r>
               <a:rPr lang="en-US" sz="2200" dirty="0"/>
-              <a:t>fixing of infrastructure failures and repair of associated damage</a:t>
+              <a:t>fixes of infrastructure failures and repair of associated damage</a:t>
             </a:r>
           </a:p>
           <a:p>
@@ -8470,7 +10328,7 @@
             </a:pPr>
             <a:r>
               <a:rPr lang="en-US" sz="2400" dirty="0"/>
-              <a:t>Preventive measures and servicing false alarms are considerably less expensive</a:t>
+              <a:t>Costs reduction: by preventive measures and excessive checks</a:t>
             </a:r>
           </a:p>
         </p:txBody>
@@ -8562,12 +10420,17 @@
               <a:lnSpc>
                 <a:spcPct val="150000"/>
               </a:lnSpc>
+              <a:buClr>
+                <a:schemeClr val="bg2">
+                  <a:lumMod val="50000"/>
+                </a:schemeClr>
+              </a:buClr>
               <a:buFont typeface="+mj-lt"/>
               <a:buAutoNum type="arabicPeriod"/>
             </a:pPr>
             <a:r>
-              <a:rPr lang="en-US" sz="2400" dirty="0"/>
-              <a:t>Prevent failures as much as possible =&gt;</a:t>
+              <a:rPr lang="en-US" sz="2800" dirty="0"/>
+              <a:t>Strive to prevent all failures</a:t>
             </a:r>
           </a:p>
           <a:p>
@@ -8575,19 +10438,15 @@
               <a:lnSpc>
                 <a:spcPct val="150000"/>
               </a:lnSpc>
-              <a:buBlip>
-                <a:blip r:embed="rId2">
-                  <a:extLst>
-                    <a:ext uri="{96DAC541-7B7A-43D3-8B79-37D633B846F1}">
-                      <asvg:svgBlip xmlns:asvg="http://schemas.microsoft.com/office/drawing/2016/SVG/main" r:embed="rId3"/>
-                    </a:ext>
-                  </a:extLst>
-                </a:blip>
-              </a:buBlip>
+              <a:buClr>
+                <a:schemeClr val="bg2">
+                  <a:lumMod val="50000"/>
+                </a:schemeClr>
+              </a:buClr>
             </a:pPr>
             <a:r>
-              <a:rPr lang="en-US" sz="2200" dirty="0"/>
-              <a:t>Proactively detect as much anomalies as possible</a:t>
+              <a:rPr lang="en-US" sz="2400" dirty="0"/>
+              <a:t>proactively detect as much of the anomalies as possible</a:t>
             </a:r>
           </a:p>
           <a:p>
@@ -8595,19 +10454,15 @@
               <a:lnSpc>
                 <a:spcPct val="150000"/>
               </a:lnSpc>
-              <a:buBlip>
-                <a:blip r:embed="rId2">
-                  <a:extLst>
-                    <a:ext uri="{96DAC541-7B7A-43D3-8B79-37D633B846F1}">
-                      <asvg:svgBlip xmlns:asvg="http://schemas.microsoft.com/office/drawing/2016/SVG/main" r:embed="rId3"/>
-                    </a:ext>
-                  </a:extLst>
-                </a:blip>
-              </a:buBlip>
+              <a:buClr>
+                <a:schemeClr val="bg2">
+                  <a:lumMod val="50000"/>
+                </a:schemeClr>
+              </a:buClr>
             </a:pPr>
             <a:r>
-              <a:rPr lang="en-US" sz="2200" dirty="0"/>
-              <a:t>&lt;prioritize&gt; Missed anomalies costs more than false anomalies</a:t>
+              <a:rPr lang="en-US" sz="2400" dirty="0"/>
+              <a:t>prioritize missed anomalies over false alarms</a:t>
             </a:r>
           </a:p>
           <a:p>
@@ -8615,22 +10470,18 @@
               <a:lnSpc>
                 <a:spcPct val="150000"/>
               </a:lnSpc>
+              <a:buClr>
+                <a:schemeClr val="bg2">
+                  <a:lumMod val="50000"/>
+                </a:schemeClr>
+              </a:buClr>
               <a:buFont typeface="+mj-lt"/>
               <a:buAutoNum type="arabicPeriod"/>
             </a:pPr>
             <a:r>
-              <a:rPr lang="en-US" sz="2400" dirty="0"/>
-              <a:t>Ensure balanced ability to detect to anomalies in all variety of situations</a:t>
-            </a:r>
-          </a:p>
-          <a:p>
-            <a:pPr marL="457200" lvl="1" indent="0" algn="l" rtl="0">
-              <a:lnSpc>
-                <a:spcPct val="150000"/>
-              </a:lnSpc>
-              <a:buNone/>
-            </a:pPr>
-            <a:endParaRPr lang="en-US" sz="2200" dirty="0"/>
+              <a:rPr lang="en-US" sz="2800" dirty="0"/>
+              <a:t>Achieve balanced anomalies detection independent of anomaly parameters</a:t>
+            </a:r>
           </a:p>
         </p:txBody>
       </p:sp>
@@ -8652,7 +10503,13 @@
   <p:cSld>
     <p:spTree>
       <p:nvGrpSpPr>
-        <p:cNvPr id="1" name=""/>
+        <p:cNvPr id="1" name="">
+          <a:extLst>
+            <a:ext uri="{FF2B5EF4-FFF2-40B4-BE49-F238E27FC236}">
+              <a16:creationId xmlns:a16="http://schemas.microsoft.com/office/drawing/2014/main" id="{5AB4B985-AF2D-FB48-CC3D-8CA38F91AAA2}"/>
+            </a:ext>
+          </a:extLst>
+        </p:cNvPr>
         <p:cNvGrpSpPr/>
         <p:nvPr/>
       </p:nvGrpSpPr>
@@ -8669,7 +10526,7 @@
           <p:cNvPr id="2" name="Title 1">
             <a:extLst>
               <a:ext uri="{FF2B5EF4-FFF2-40B4-BE49-F238E27FC236}">
-                <a16:creationId xmlns:a16="http://schemas.microsoft.com/office/drawing/2014/main" id="{AE1667FC-3734-7C4D-1E5A-67D379A349A8}"/>
+                <a16:creationId xmlns:a16="http://schemas.microsoft.com/office/drawing/2014/main" id="{4EE8EAB8-E380-049C-77C6-F272C36E50C2}"/>
               </a:ext>
             </a:extLst>
           </p:cNvPr>
@@ -8688,7 +10545,7 @@
             <a:pPr rtl="0"/>
             <a:r>
               <a:rPr lang="en-US" dirty="0"/>
-              <a:t>Phase 1 of the project</a:t>
+              <a:t>Project’s technical metric</a:t>
             </a:r>
             <a:endParaRPr lang="he-IL" dirty="0"/>
           </a:p>
@@ -8699,7 +10556,7 @@
           <p:cNvPr id="3" name="Content Placeholder 2">
             <a:extLst>
               <a:ext uri="{FF2B5EF4-FFF2-40B4-BE49-F238E27FC236}">
-                <a16:creationId xmlns:a16="http://schemas.microsoft.com/office/drawing/2014/main" id="{785BC5C6-4076-19BE-A933-C1043D0D544A}"/>
+                <a16:creationId xmlns:a16="http://schemas.microsoft.com/office/drawing/2014/main" id="{E1EC3DE7-9048-76B1-2C3C-623C1ACA4E4B}"/>
               </a:ext>
             </a:extLst>
           </p:cNvPr>
@@ -8720,48 +10577,42 @@
             </a:pPr>
             <a:r>
               <a:rPr lang="en-US" dirty="0"/>
-              <a:t>Technical goals:</a:t>
-            </a:r>
-          </a:p>
-          <a:p>
-            <a:pPr algn="l" rtl="0"/>
+              <a:t>F2 &lt;add formula&gt;</a:t>
+            </a:r>
+          </a:p>
+          <a:p>
+            <a:pPr lvl="1" algn="l" rtl="0">
+              <a:buFont typeface="Courier New" panose="02070309020205020404" pitchFamily="49" charset="0"/>
+              <a:buChar char="o"/>
+            </a:pPr>
+            <a:endParaRPr lang="en-US" dirty="0"/>
+          </a:p>
+          <a:p>
+            <a:pPr lvl="1" algn="l" rtl="0">
+              <a:buFont typeface="Courier New" panose="02070309020205020404" pitchFamily="49" charset="0"/>
+              <a:buChar char="o"/>
+            </a:pPr>
             <a:r>
               <a:rPr lang="en-US" dirty="0"/>
-              <a:t>Discover F2 over variety of data slices</a:t>
-            </a:r>
-          </a:p>
-          <a:p>
-            <a:pPr algn="l" rtl="0"/>
+              <a:t>weighted mean of precision and recall</a:t>
+            </a:r>
+          </a:p>
+          <a:p>
+            <a:pPr lvl="1" algn="l" rtl="0">
+              <a:buFont typeface="Courier New" panose="02070309020205020404" pitchFamily="49" charset="0"/>
+              <a:buChar char="o"/>
+            </a:pPr>
             <a:r>
               <a:rPr lang="en-US" dirty="0"/>
-              <a:t>Detect data slices in which discovered F2 is worse</a:t>
-            </a:r>
-          </a:p>
-          <a:p>
-            <a:pPr algn="l" rtl="0"/>
-            <a:r>
-              <a:rPr lang="en-US" dirty="0"/>
-              <a:t>Provide values of possible improvement of F2</a:t>
-            </a:r>
-          </a:p>
-          <a:p>
-            <a:pPr algn="l" rtl="0"/>
-            <a:endParaRPr lang="en-US" dirty="0"/>
-          </a:p>
-          <a:p>
-            <a:pPr algn="l" rtl="0"/>
-            <a:endParaRPr lang="en-US" dirty="0"/>
-          </a:p>
-          <a:p>
-            <a:pPr algn="l" rtl="0"/>
-            <a:endParaRPr lang="he-IL" dirty="0"/>
+              <a:t>giving more weight to recall than to precision</a:t>
+            </a:r>
           </a:p>
         </p:txBody>
       </p:sp>
     </p:spTree>
     <p:extLst>
       <p:ext uri="{BB962C8B-B14F-4D97-AF65-F5344CB8AC3E}">
-        <p14:creationId xmlns:p14="http://schemas.microsoft.com/office/powerpoint/2010/main" val="3485616824"/>
+        <p14:creationId xmlns:p14="http://schemas.microsoft.com/office/powerpoint/2010/main" val="2441465409"/>
       </p:ext>
     </p:extLst>
   </p:cSld>
@@ -8793,7 +10644,7 @@
           <p:cNvPr id="2" name="Title 1">
             <a:extLst>
               <a:ext uri="{FF2B5EF4-FFF2-40B4-BE49-F238E27FC236}">
-                <a16:creationId xmlns:a16="http://schemas.microsoft.com/office/drawing/2014/main" id="{B25312DF-F229-EF9F-D7F0-A6C57FCC9B97}"/>
+                <a16:creationId xmlns:a16="http://schemas.microsoft.com/office/drawing/2014/main" id="{AE1667FC-3734-7C4D-1E5A-67D379A349A8}"/>
               </a:ext>
             </a:extLst>
           </p:cNvPr>
@@ -8809,9 +10660,10 @@
           <a:bodyPr/>
           <a:lstStyle/>
           <a:p>
+            <a:pPr rtl="0"/>
             <a:r>
               <a:rPr lang="en-US" dirty="0"/>
-              <a:t>Target technical metrics</a:t>
+              <a:t>Phase 1 of the project – technical goals</a:t>
             </a:r>
             <a:endParaRPr lang="he-IL" dirty="0"/>
           </a:p>
@@ -8822,7 +10674,7 @@
           <p:cNvPr id="3" name="Content Placeholder 2">
             <a:extLst>
               <a:ext uri="{FF2B5EF4-FFF2-40B4-BE49-F238E27FC236}">
-                <a16:creationId xmlns:a16="http://schemas.microsoft.com/office/drawing/2014/main" id="{AE1648DB-5759-AF17-B6A3-738D1BC34328}"/>
+                <a16:creationId xmlns:a16="http://schemas.microsoft.com/office/drawing/2014/main" id="{785BC5C6-4076-19BE-A933-C1043D0D544A}"/>
               </a:ext>
             </a:extLst>
           </p:cNvPr>
@@ -8835,95 +10687,85 @@
         </p:nvSpPr>
         <p:spPr/>
         <p:txBody>
-          <a:bodyPr/>
-          <a:lstStyle/>
-          <a:p>
-            <a:pPr marL="457200" indent="-457200" algn="l" rtl="0">
+          <a:bodyPr>
+            <a:normAutofit/>
+          </a:bodyPr>
+          <a:lstStyle/>
+          <a:p>
+            <a:pPr marL="514350" indent="-514350" algn="l" rtl="0">
+              <a:lnSpc>
+                <a:spcPct val="150000"/>
+              </a:lnSpc>
+              <a:buClr>
+                <a:schemeClr val="bg2">
+                  <a:lumMod val="50000"/>
+                </a:schemeClr>
+              </a:buClr>
               <a:buFont typeface="+mj-lt"/>
               <a:buAutoNum type="arabicPeriod"/>
             </a:pPr>
-            <a:r>
-              <a:rPr lang="en-US" dirty="0"/>
-              <a:t>F2 &lt;add formula&gt;</a:t>
-            </a:r>
-          </a:p>
-          <a:p>
-            <a:pPr lvl="1" algn="l" rtl="0">
-              <a:buFont typeface="Courier New" panose="02070309020205020404" pitchFamily="49" charset="0"/>
-              <a:buChar char="o"/>
-            </a:pPr>
-            <a:r>
-              <a:rPr lang="en-US" dirty="0"/>
-              <a:t>weighted mean of precision and recall</a:t>
-            </a:r>
-          </a:p>
-          <a:p>
-            <a:pPr lvl="1" algn="l" rtl="0">
-              <a:buFont typeface="Courier New" panose="02070309020205020404" pitchFamily="49" charset="0"/>
-              <a:buChar char="o"/>
-            </a:pPr>
-            <a:r>
-              <a:rPr lang="en-US" dirty="0"/>
-              <a:t>giving more weight to recall than to precision</a:t>
-            </a:r>
-          </a:p>
-          <a:p>
-            <a:pPr marL="457200" indent="-457200" algn="l" rtl="0">
+            <a:endParaRPr lang="en-US" sz="1000" dirty="0"/>
+          </a:p>
+          <a:p>
+            <a:pPr marL="514350" indent="-514350" algn="l" rtl="0">
+              <a:lnSpc>
+                <a:spcPct val="150000"/>
+              </a:lnSpc>
+              <a:buClr>
+                <a:schemeClr val="bg2">
+                  <a:lumMod val="50000"/>
+                </a:schemeClr>
+              </a:buClr>
               <a:buFont typeface="+mj-lt"/>
               <a:buAutoNum type="arabicPeriod"/>
             </a:pPr>
             <a:r>
-              <a:rPr lang="en-US" dirty="0"/>
-              <a:t>Possible F2 improvement</a:t>
-            </a:r>
-          </a:p>
-          <a:p>
-            <a:pPr lvl="1" algn="l" rtl="0">
-              <a:buFont typeface="Courier New" panose="02070309020205020404" pitchFamily="49" charset="0"/>
-              <a:buChar char="o"/>
+              <a:rPr lang="en-US" sz="3200" dirty="0"/>
+              <a:t>Measure F2 for variety of data slices.</a:t>
+            </a:r>
+          </a:p>
+          <a:p>
+            <a:pPr marL="514350" indent="-514350" algn="l" rtl="0">
+              <a:lnSpc>
+                <a:spcPct val="150000"/>
+              </a:lnSpc>
+              <a:buClr>
+                <a:schemeClr val="bg2">
+                  <a:lumMod val="50000"/>
+                </a:schemeClr>
+              </a:buClr>
+              <a:buFont typeface="+mj-lt"/>
+              <a:buAutoNum type="arabicPeriod"/>
             </a:pPr>
             <a:r>
-              <a:rPr lang="en-US" dirty="0"/>
-              <a:t>focus on data slices which improvement with maximize overall F2 improvement</a:t>
-            </a:r>
-          </a:p>
-          <a:p>
-            <a:pPr lvl="1" algn="l" rtl="0">
-              <a:buFont typeface="Courier New" panose="02070309020205020404" pitchFamily="49" charset="0"/>
-              <a:buChar char="o"/>
+              <a:rPr lang="en-US" sz="3200" dirty="0"/>
+              <a:t>Identify most under-performing data slices (in terms of F2).</a:t>
+            </a:r>
+          </a:p>
+          <a:p>
+            <a:pPr marL="514350" indent="-514350" algn="l" rtl="0">
+              <a:lnSpc>
+                <a:spcPct val="150000"/>
+              </a:lnSpc>
+              <a:buClr>
+                <a:schemeClr val="bg2">
+                  <a:lumMod val="50000"/>
+                </a:schemeClr>
+              </a:buClr>
+              <a:buFont typeface="+mj-lt"/>
+              <a:buAutoNum type="arabicPeriod"/>
             </a:pPr>
             <a:r>
-              <a:rPr lang="en-US" dirty="0"/>
-              <a:t>&lt;formula&gt;</a:t>
-            </a:r>
-          </a:p>
-          <a:p>
-            <a:pPr marL="457200" lvl="1" indent="0" algn="l" rtl="0">
-              <a:buNone/>
-            </a:pPr>
-            <a:r>
-              <a:rPr lang="en-US" dirty="0"/>
-              <a:t>&lt;F2 of other slices&gt; - &lt;F2 of overall&gt;</a:t>
-            </a:r>
-          </a:p>
-          <a:p>
-            <a:pPr marL="0" indent="0" algn="l" rtl="0">
-              <a:buNone/>
-            </a:pPr>
-            <a:endParaRPr lang="en-US" dirty="0"/>
-          </a:p>
-          <a:p>
-            <a:pPr marL="0" indent="0" algn="l" rtl="0">
-              <a:buNone/>
-            </a:pPr>
-            <a:endParaRPr lang="he-IL" dirty="0"/>
+              <a:rPr lang="en-US" sz="3200" dirty="0"/>
+              <a:t>Estimate potential F2 improvement for those slices.</a:t>
+            </a:r>
           </a:p>
         </p:txBody>
       </p:sp>
     </p:spTree>
     <p:extLst>
       <p:ext uri="{BB962C8B-B14F-4D97-AF65-F5344CB8AC3E}">
-        <p14:creationId xmlns:p14="http://schemas.microsoft.com/office/powerpoint/2010/main" val="1647464561"/>
+        <p14:creationId xmlns:p14="http://schemas.microsoft.com/office/powerpoint/2010/main" val="3485616824"/>
       </p:ext>
     </p:extLst>
   </p:cSld>
@@ -8952,10 +10794,10 @@
       </p:grpSpPr>
       <p:sp>
         <p:nvSpPr>
-          <p:cNvPr id="4" name="Title 3">
+          <p:cNvPr id="2" name="Title 1">
             <a:extLst>
               <a:ext uri="{FF2B5EF4-FFF2-40B4-BE49-F238E27FC236}">
-                <a16:creationId xmlns:a16="http://schemas.microsoft.com/office/drawing/2014/main" id="{0164B796-02E6-2CF2-AD58-6BA0FF61E8C3}"/>
+                <a16:creationId xmlns:a16="http://schemas.microsoft.com/office/drawing/2014/main" id="{B25312DF-F229-EF9F-D7F0-A6C57FCC9B97}"/>
               </a:ext>
             </a:extLst>
           </p:cNvPr>
@@ -8971,10 +10813,9 @@
           <a:bodyPr/>
           <a:lstStyle/>
           <a:p>
-            <a:pPr rtl="0"/>
             <a:r>
               <a:rPr lang="en-US" dirty="0"/>
-              <a:t>IBM FreaAI</a:t>
+              <a:t>Phase 1 technical metric</a:t>
             </a:r>
             <a:endParaRPr lang="he-IL" dirty="0"/>
           </a:p>
@@ -8982,10 +10823,10 @@
       </p:sp>
       <p:sp>
         <p:nvSpPr>
-          <p:cNvPr id="5" name="Text Placeholder 4">
+          <p:cNvPr id="3" name="Content Placeholder 2">
             <a:extLst>
               <a:ext uri="{FF2B5EF4-FFF2-40B4-BE49-F238E27FC236}">
-                <a16:creationId xmlns:a16="http://schemas.microsoft.com/office/drawing/2014/main" id="{49087E06-C5E1-41C3-1F28-1C6A2EEE3E22}"/>
+                <a16:creationId xmlns:a16="http://schemas.microsoft.com/office/drawing/2014/main" id="{AE1648DB-5759-AF17-B6A3-738D1BC34328}"/>
               </a:ext>
             </a:extLst>
           </p:cNvPr>
@@ -8993,7 +10834,7 @@
             <a:spLocks noGrp="1"/>
           </p:cNvSpPr>
           <p:nvPr>
-            <p:ph type="body" idx="1"/>
+            <p:ph sz="quarter" idx="13"/>
           </p:nvPr>
         </p:nvSpPr>
         <p:spPr/>
@@ -9001,11 +10842,53 @@
           <a:bodyPr/>
           <a:lstStyle/>
           <a:p>
-            <a:pPr rtl="0"/>
+            <a:pPr marL="0" indent="0" algn="l" rtl="0">
+              <a:buNone/>
+            </a:pPr>
             <a:r>
               <a:rPr lang="en-US" dirty="0"/>
-              <a:t>“Automated extraction of data slices to test machine learning models”</a:t>
-            </a:r>
+              <a:t>Potential F2 improvement</a:t>
+            </a:r>
+          </a:p>
+          <a:p>
+            <a:pPr lvl="1" algn="l" rtl="0">
+              <a:buFont typeface="Courier New" panose="02070309020205020404" pitchFamily="49" charset="0"/>
+              <a:buChar char="o"/>
+            </a:pPr>
+            <a:r>
+              <a:rPr lang="en-US" dirty="0"/>
+              <a:t>focus on data slices which improvement with maximize overall F2 improvement</a:t>
+            </a:r>
+          </a:p>
+          <a:p>
+            <a:pPr lvl="1" algn="l" rtl="0">
+              <a:buFont typeface="Courier New" panose="02070309020205020404" pitchFamily="49" charset="0"/>
+              <a:buChar char="o"/>
+            </a:pPr>
+            <a:r>
+              <a:rPr lang="en-US" dirty="0"/>
+              <a:t>&lt;formula&gt;</a:t>
+            </a:r>
+          </a:p>
+          <a:p>
+            <a:pPr marL="457200" lvl="1" indent="0" algn="l" rtl="0">
+              <a:buNone/>
+            </a:pPr>
+            <a:r>
+              <a:rPr lang="en-US" dirty="0"/>
+              <a:t>&lt;F2 of other slices&gt; - &lt;F2 of overall&gt;</a:t>
+            </a:r>
+          </a:p>
+          <a:p>
+            <a:pPr marL="0" indent="0" algn="l" rtl="0">
+              <a:buNone/>
+            </a:pPr>
+            <a:endParaRPr lang="en-US" dirty="0"/>
+          </a:p>
+          <a:p>
+            <a:pPr marL="0" indent="0" algn="l" rtl="0">
+              <a:buNone/>
+            </a:pPr>
             <a:endParaRPr lang="he-IL" dirty="0"/>
           </a:p>
         </p:txBody>
@@ -9013,7 +10896,7 @@
     </p:spTree>
     <p:extLst>
       <p:ext uri="{BB962C8B-B14F-4D97-AF65-F5344CB8AC3E}">
-        <p14:creationId xmlns:p14="http://schemas.microsoft.com/office/powerpoint/2010/main" val="2358774201"/>
+        <p14:creationId xmlns:p14="http://schemas.microsoft.com/office/powerpoint/2010/main" val="1647464561"/>
       </p:ext>
     </p:extLst>
   </p:cSld>
@@ -9026,6 +10909,28 @@
 <file path=ppt/slides/slide9.xml><?xml version="1.0" encoding="utf-8"?>
 <p:sld xmlns:a="http://schemas.openxmlformats.org/drawingml/2006/main" xmlns:r="http://schemas.openxmlformats.org/officeDocument/2006/relationships" xmlns:p="http://schemas.openxmlformats.org/presentationml/2006/main">
   <p:cSld>
+    <p:bg>
+      <p:bgPr>
+        <a:gradFill rotWithShape="1">
+          <a:gsLst>
+            <a:gs pos="0">
+              <a:schemeClr val="bg1">
+                <a:tint val="90000"/>
+                <a:lumMod val="110000"/>
+              </a:schemeClr>
+            </a:gs>
+            <a:gs pos="100000">
+              <a:schemeClr val="bg1">
+                <a:shade val="64000"/>
+                <a:lumMod val="88000"/>
+              </a:schemeClr>
+            </a:gs>
+          </a:gsLst>
+          <a:lin ang="5400000" scaled="0"/>
+        </a:gradFill>
+        <a:effectLst/>
+      </p:bgPr>
+    </p:bg>
     <p:spTree>
       <p:nvGrpSpPr>
         <p:cNvPr id="1" name=""/>
@@ -9040,12 +10945,285 @@
           <a:chExt cx="0" cy="0"/>
         </a:xfrm>
       </p:grpSpPr>
+      <p:pic>
+        <p:nvPicPr>
+          <p:cNvPr id="1042" name="Picture 2">
+            <a:extLst>
+              <a:ext uri="{FF2B5EF4-FFF2-40B4-BE49-F238E27FC236}">
+                <a16:creationId xmlns:a16="http://schemas.microsoft.com/office/drawing/2014/main" id="{25496B42-CC46-4183-B481-887CD3E8C725}"/>
+              </a:ext>
+              <a:ext uri="{C183D7F6-B498-43B3-948B-1728B52AA6E4}">
+                <adec:decorative xmlns:adec="http://schemas.microsoft.com/office/drawing/2017/decorative" val="1"/>
+              </a:ext>
+            </a:extLst>
+          </p:cNvPr>
+          <p:cNvPicPr>
+            <a:picLocks noGrp="1" noRot="1" noChangeAspect="1" noMove="1" noResize="1" noEditPoints="1" noAdjustHandles="1" noChangeArrowheads="1" noChangeShapeType="1" noCrop="1"/>
+          </p:cNvPicPr>
+          <p:nvPr>
+            <p:extLst>
+              <p:ext uri="{386F3935-93C4-4BCD-93E2-E3B085C9AB24}">
+                <p16:designElem xmlns:p16="http://schemas.microsoft.com/office/powerpoint/2015/main" val="1"/>
+              </p:ext>
+            </p:extLst>
+          </p:nvPr>
+        </p:nvPicPr>
+        <p:blipFill>
+          <a:blip r:embed="rId3">
+            <a:alphaModFix/>
+            <a:extLst>
+              <a:ext uri="{28A0092B-C50C-407E-A947-70E740481C1C}">
+                <a14:useLocalDpi xmlns:a14="http://schemas.microsoft.com/office/drawing/2010/main" val="0"/>
+              </a:ext>
+            </a:extLst>
+          </a:blip>
+          <a:srcRect/>
+          <a:stretch>
+            <a:fillRect/>
+          </a:stretch>
+        </p:blipFill>
+        <p:spPr bwMode="auto">
+          <a:xfrm>
+            <a:off x="0" y="-1"/>
+            <a:ext cx="12192003" cy="6858001"/>
+          </a:xfrm>
+          <a:prstGeom prst="rect">
+            <a:avLst/>
+          </a:prstGeom>
+          <a:noFill/>
+          <a:extLst>
+            <a:ext uri="{909E8E84-426E-40DD-AFC4-6F175D3DCCD1}">
+              <a14:hiddenFill xmlns:a14="http://schemas.microsoft.com/office/drawing/2010/main">
+                <a:solidFill>
+                  <a:srgbClr val="FFFFFF"/>
+                </a:solidFill>
+              </a14:hiddenFill>
+            </a:ext>
+          </a:extLst>
+        </p:spPr>
+      </p:pic>
+      <p:pic>
+        <p:nvPicPr>
+          <p:cNvPr id="1044" name="Picture 1043">
+            <a:extLst>
+              <a:ext uri="{FF2B5EF4-FFF2-40B4-BE49-F238E27FC236}">
+                <a16:creationId xmlns:a16="http://schemas.microsoft.com/office/drawing/2014/main" id="{E2758CE0-F916-4DCE-88D1-71430BE441B2}"/>
+              </a:ext>
+              <a:ext uri="{C183D7F6-B498-43B3-948B-1728B52AA6E4}">
+                <adec:decorative xmlns:adec="http://schemas.microsoft.com/office/drawing/2017/decorative" val="1"/>
+              </a:ext>
+            </a:extLst>
+          </p:cNvPr>
+          <p:cNvPicPr>
+            <a:picLocks noGrp="1" noRot="1" noChangeAspect="1" noMove="1" noResize="1" noEditPoints="1" noAdjustHandles="1" noChangeArrowheads="1" noChangeShapeType="1" noCrop="1"/>
+          </p:cNvPicPr>
+          <p:nvPr>
+            <p:extLst>
+              <p:ext uri="{386F3935-93C4-4BCD-93E2-E3B085C9AB24}">
+                <p16:designElem xmlns:p16="http://schemas.microsoft.com/office/powerpoint/2015/main" val="1"/>
+              </p:ext>
+            </p:extLst>
+          </p:nvPr>
+        </p:nvPicPr>
+        <p:blipFill>
+          <a:blip r:embed="rId4">
+            <a:extLst>
+              <a:ext uri="{28A0092B-C50C-407E-A947-70E740481C1C}">
+                <a14:useLocalDpi xmlns:a14="http://schemas.microsoft.com/office/drawing/2010/main" val="0"/>
+              </a:ext>
+            </a:extLst>
+          </a:blip>
+          <a:stretch>
+            <a:fillRect/>
+          </a:stretch>
+        </p:blipFill>
+        <p:spPr>
+          <a:xfrm>
+            <a:off x="0" y="0"/>
+            <a:ext cx="12192000" cy="6858000"/>
+          </a:xfrm>
+          <a:prstGeom prst="rect">
+            <a:avLst/>
+          </a:prstGeom>
+        </p:spPr>
+      </p:pic>
+      <p:sp useBgFill="1">
+        <p:nvSpPr>
+          <p:cNvPr id="1105" name="Rectangle 1104">
+            <a:extLst>
+              <a:ext uri="{FF2B5EF4-FFF2-40B4-BE49-F238E27FC236}">
+                <a16:creationId xmlns:a16="http://schemas.microsoft.com/office/drawing/2014/main" id="{EB31A706-2873-4971-8BF0-CBBBD9ABDED7}"/>
+              </a:ext>
+              <a:ext uri="{C183D7F6-B498-43B3-948B-1728B52AA6E4}">
+                <adec:decorative xmlns:adec="http://schemas.microsoft.com/office/drawing/2017/decorative" val="1"/>
+              </a:ext>
+            </a:extLst>
+          </p:cNvPr>
+          <p:cNvSpPr>
+            <a:spLocks noGrp="1" noRot="1" noChangeAspect="1" noMove="1" noResize="1" noEditPoints="1" noAdjustHandles="1" noChangeArrowheads="1" noChangeShapeType="1" noTextEdit="1"/>
+          </p:cNvSpPr>
+          <p:nvPr>
+            <p:extLst>
+              <p:ext uri="{386F3935-93C4-4BCD-93E2-E3B085C9AB24}">
+                <p16:designElem xmlns:p16="http://schemas.microsoft.com/office/powerpoint/2015/main" val="1"/>
+              </p:ext>
+            </p:extLst>
+          </p:nvPr>
+        </p:nvSpPr>
+        <p:spPr>
+          <a:xfrm>
+            <a:off x="0" y="0"/>
+            <a:ext cx="12192000" cy="6858000"/>
+          </a:xfrm>
+          <a:prstGeom prst="rect">
+            <a:avLst/>
+          </a:prstGeom>
+          <a:ln>
+            <a:noFill/>
+          </a:ln>
+        </p:spPr>
+        <p:style>
+          <a:lnRef idx="2">
+            <a:schemeClr val="accent1">
+              <a:shade val="50000"/>
+            </a:schemeClr>
+          </a:lnRef>
+          <a:fillRef idx="1">
+            <a:schemeClr val="accent1"/>
+          </a:fillRef>
+          <a:effectRef idx="0">
+            <a:schemeClr val="accent1"/>
+          </a:effectRef>
+          <a:fontRef idx="minor">
+            <a:schemeClr val="lt1"/>
+          </a:fontRef>
+        </p:style>
+        <p:txBody>
+          <a:bodyPr rtlCol="0" anchor="ctr"/>
+          <a:lstStyle/>
+          <a:p>
+            <a:pPr algn="ctr"/>
+            <a:endParaRPr lang="en-US"/>
+          </a:p>
+        </p:txBody>
+      </p:sp>
+      <p:pic>
+        <p:nvPicPr>
+          <p:cNvPr id="1026" name="Picture 2" descr="A high angle view of a city&#10;&#10;Description automatically generated">
+            <a:extLst>
+              <a:ext uri="{FF2B5EF4-FFF2-40B4-BE49-F238E27FC236}">
+                <a16:creationId xmlns:a16="http://schemas.microsoft.com/office/drawing/2014/main" id="{F97EECA8-358E-8049-34D4-A5D9CD88756F}"/>
+              </a:ext>
+            </a:extLst>
+          </p:cNvPr>
+          <p:cNvPicPr>
+            <a:picLocks noChangeAspect="1" noChangeArrowheads="1"/>
+          </p:cNvPicPr>
+          <p:nvPr/>
+        </p:nvPicPr>
+        <p:blipFill rotWithShape="1">
+          <a:blip r:embed="rId5">
+            <a:extLst>
+              <a:ext uri="{28A0092B-C50C-407E-A947-70E740481C1C}">
+                <a14:useLocalDpi xmlns:a14="http://schemas.microsoft.com/office/drawing/2010/main" val="0"/>
+              </a:ext>
+            </a:extLst>
+          </a:blip>
+          <a:srcRect t="21613" b="3388"/>
+          <a:stretch/>
+        </p:blipFill>
+        <p:spPr bwMode="auto">
+          <a:xfrm>
+            <a:off x="7298338" y="2422559"/>
+            <a:ext cx="4191000" cy="2357406"/>
+          </a:xfrm>
+          <a:prstGeom prst="roundRect">
+            <a:avLst>
+              <a:gd name="adj" fmla="val 5301"/>
+            </a:avLst>
+          </a:prstGeom>
+          <a:noFill/>
+          <a:ln w="82550" cap="sq">
+            <a:solidFill>
+              <a:srgbClr val="EAEAEA"/>
+            </a:solidFill>
+            <a:miter lim="800000"/>
+          </a:ln>
+          <a:effectLst/>
+          <a:scene3d>
+            <a:camera prst="orthographicFront"/>
+            <a:lightRig rig="threePt" dir="t">
+              <a:rot lat="0" lon="0" rev="2700000"/>
+            </a:lightRig>
+          </a:scene3d>
+          <a:sp3d contourW="6350">
+            <a:bevelT h="38100"/>
+            <a:contourClr>
+              <a:srgbClr val="C0C0C0"/>
+            </a:contourClr>
+          </a:sp3d>
+          <a:extLst>
+            <a:ext uri="{909E8E84-426E-40DD-AFC4-6F175D3DCCD1}">
+              <a14:hiddenFill xmlns:a14="http://schemas.microsoft.com/office/drawing/2010/main">
+                <a:solidFill>
+                  <a:srgbClr val="FFFFFF"/>
+                </a:solidFill>
+              </a14:hiddenFill>
+            </a:ext>
+          </a:extLst>
+        </p:spPr>
+      </p:pic>
+      <p:pic>
+        <p:nvPicPr>
+          <p:cNvPr id="1106" name="Picture 1105">
+            <a:extLst>
+              <a:ext uri="{FF2B5EF4-FFF2-40B4-BE49-F238E27FC236}">
+                <a16:creationId xmlns:a16="http://schemas.microsoft.com/office/drawing/2014/main" id="{CF39D056-257D-44E2-9374-900B94D4F2B9}"/>
+              </a:ext>
+              <a:ext uri="{C183D7F6-B498-43B3-948B-1728B52AA6E4}">
+                <adec:decorative xmlns:adec="http://schemas.microsoft.com/office/drawing/2017/decorative" val="1"/>
+              </a:ext>
+            </a:extLst>
+          </p:cNvPr>
+          <p:cNvPicPr>
+            <a:picLocks noGrp="1" noRot="1" noChangeAspect="1" noMove="1" noResize="1" noEditPoints="1" noAdjustHandles="1" noChangeArrowheads="1" noChangeShapeType="1" noCrop="1"/>
+          </p:cNvPicPr>
+          <p:nvPr>
+            <p:extLst>
+              <p:ext uri="{386F3935-93C4-4BCD-93E2-E3B085C9AB24}">
+                <p16:designElem xmlns:p16="http://schemas.microsoft.com/office/powerpoint/2015/main" val="1"/>
+              </p:ext>
+            </p:extLst>
+          </p:nvPr>
+        </p:nvPicPr>
+        <p:blipFill>
+          <a:blip r:embed="rId6">
+            <a:extLst>
+              <a:ext uri="{28A0092B-C50C-407E-A947-70E740481C1C}">
+                <a14:useLocalDpi xmlns:a14="http://schemas.microsoft.com/office/drawing/2010/main" val="0"/>
+              </a:ext>
+            </a:extLst>
+          </a:blip>
+          <a:stretch>
+            <a:fillRect/>
+          </a:stretch>
+        </p:blipFill>
+        <p:spPr>
+          <a:xfrm>
+            <a:off x="0" y="0"/>
+            <a:ext cx="12192000" cy="6858000"/>
+          </a:xfrm>
+          <a:prstGeom prst="rect">
+            <a:avLst/>
+          </a:prstGeom>
+        </p:spPr>
+      </p:pic>
       <p:sp>
         <p:nvSpPr>
           <p:cNvPr id="4" name="Title 3">
             <a:extLst>
               <a:ext uri="{FF2B5EF4-FFF2-40B4-BE49-F238E27FC236}">
-                <a16:creationId xmlns:a16="http://schemas.microsoft.com/office/drawing/2014/main" id="{307389B7-3B50-5AF5-789C-04E529B65851}"/>
+                <a16:creationId xmlns:a16="http://schemas.microsoft.com/office/drawing/2014/main" id="{0164B796-02E6-2CF2-AD58-6BA0FF61E8C3}"/>
               </a:ext>
             </a:extLst>
           </p:cNvPr>
@@ -9056,25 +11234,32 @@
             <p:ph type="title"/>
           </p:nvPr>
         </p:nvSpPr>
-        <p:spPr/>
-        <p:txBody>
-          <a:bodyPr/>
-          <a:lstStyle/>
-          <a:p>
-            <a:r>
-              <a:rPr lang="en-US" dirty="0"/>
-              <a:t>Method’s purpose</a:t>
-            </a:r>
-            <a:endParaRPr lang="he-IL" dirty="0"/>
-          </a:p>
-        </p:txBody>
-      </p:sp>
-      <p:sp>
-        <p:nvSpPr>
-          <p:cNvPr id="5" name="Content Placeholder 4">
+        <p:spPr>
+          <a:xfrm>
+            <a:off x="981074" y="957486"/>
+            <a:ext cx="5614603" cy="3131913"/>
+          </a:xfrm>
+        </p:spPr>
+        <p:txBody>
+          <a:bodyPr vert="horz" lIns="91440" tIns="45720" rIns="91440" bIns="45720" rtlCol="0" anchor="b">
+            <a:normAutofit/>
+          </a:bodyPr>
+          <a:lstStyle/>
+          <a:p>
+            <a:pPr rtl="0"/>
+            <a:r>
+              <a:rPr lang="en-US" sz="4800" dirty="0"/>
+              <a:t>IBM    FreaAI</a:t>
+            </a:r>
+          </a:p>
+        </p:txBody>
+      </p:sp>
+      <p:sp>
+        <p:nvSpPr>
+          <p:cNvPr id="5" name="Text Placeholder 4">
             <a:extLst>
               <a:ext uri="{FF2B5EF4-FFF2-40B4-BE49-F238E27FC236}">
-                <a16:creationId xmlns:a16="http://schemas.microsoft.com/office/drawing/2014/main" id="{4014B7C8-595F-3C26-415A-30842CDAF552}"/>
+                <a16:creationId xmlns:a16="http://schemas.microsoft.com/office/drawing/2014/main" id="{49087E06-C5E1-41C3-1F28-1C6A2EEE3E22}"/>
               </a:ext>
             </a:extLst>
           </p:cNvPr>
@@ -9082,34 +11267,95 @@
             <a:spLocks noGrp="1"/>
           </p:cNvSpPr>
           <p:nvPr>
-            <p:ph sz="quarter" idx="13"/>
-          </p:nvPr>
-        </p:nvSpPr>
-        <p:spPr/>
-        <p:txBody>
-          <a:bodyPr/>
-          <a:lstStyle/>
-          <a:p>
-            <a:pPr algn="l" rtl="0"/>
-            <a:r>
-              <a:rPr lang="en-US" dirty="0"/>
-              <a:t>Identify data slices with low accuracy</a:t>
-            </a:r>
-          </a:p>
-          <a:p>
-            <a:pPr algn="l" rtl="0"/>
-            <a:r>
-              <a:rPr lang="en-US" dirty="0"/>
-              <a:t>Not talking about how to improve them</a:t>
-            </a:r>
-            <a:endParaRPr lang="he-IL" dirty="0"/>
-          </a:p>
-        </p:txBody>
-      </p:sp>
+            <p:ph type="body" idx="1"/>
+          </p:nvPr>
+        </p:nvSpPr>
+        <p:spPr>
+          <a:xfrm>
+            <a:off x="981075" y="4165600"/>
+            <a:ext cx="5614602" cy="1715043"/>
+          </a:xfrm>
+        </p:spPr>
+        <p:txBody>
+          <a:bodyPr vert="horz" lIns="91440" tIns="45720" rIns="91440" bIns="45720" rtlCol="0">
+            <a:normAutofit lnSpcReduction="10000"/>
+          </a:bodyPr>
+          <a:lstStyle/>
+          <a:p>
+            <a:pPr rtl="0"/>
+            <a:r>
+              <a:rPr lang="en-US" sz="2800" dirty="0">
+                <a:solidFill>
+                  <a:srgbClr val="2E502E"/>
+                </a:solidFill>
+              </a:rPr>
+              <a:t>“Automated extraction of data slices to test machine learning models”,</a:t>
+            </a:r>
+          </a:p>
+          <a:p>
+            <a:pPr rtl="0"/>
+            <a:r>
+              <a:rPr lang="en-US" sz="2800" dirty="0">
+                <a:solidFill>
+                  <a:srgbClr val="2E502E"/>
+                </a:solidFill>
+              </a:rPr>
+              <a:t>Aug 2021</a:t>
+            </a:r>
+          </a:p>
+        </p:txBody>
+      </p:sp>
+      <p:pic>
+        <p:nvPicPr>
+          <p:cNvPr id="1030" name="Picture 6" descr="Israel Flag Icon Photos and Images &amp; Pictures | Shutterstock">
+            <a:extLst>
+              <a:ext uri="{FF2B5EF4-FFF2-40B4-BE49-F238E27FC236}">
+                <a16:creationId xmlns:a16="http://schemas.microsoft.com/office/drawing/2014/main" id="{284C373A-F5C3-4E12-EE63-69D9AB5F835A}"/>
+              </a:ext>
+            </a:extLst>
+          </p:cNvPr>
+          <p:cNvPicPr>
+            <a:picLocks noChangeAspect="1" noChangeArrowheads="1"/>
+          </p:cNvPicPr>
+          <p:nvPr/>
+        </p:nvPicPr>
+        <p:blipFill>
+          <a:blip r:embed="rId7">
+            <a:extLst>
+              <a:ext uri="{28A0092B-C50C-407E-A947-70E740481C1C}">
+                <a14:useLocalDpi xmlns:a14="http://schemas.microsoft.com/office/drawing/2010/main" val="0"/>
+              </a:ext>
+            </a:extLst>
+          </a:blip>
+          <a:srcRect/>
+          <a:stretch>
+            <a:fillRect/>
+          </a:stretch>
+        </p:blipFill>
+        <p:spPr bwMode="auto">
+          <a:xfrm>
+            <a:off x="3077907" y="3425050"/>
+            <a:ext cx="538163" cy="352425"/>
+          </a:xfrm>
+          <a:prstGeom prst="rect">
+            <a:avLst/>
+          </a:prstGeom>
+          <a:noFill/>
+          <a:extLst>
+            <a:ext uri="{909E8E84-426E-40DD-AFC4-6F175D3DCCD1}">
+              <a14:hiddenFill xmlns:a14="http://schemas.microsoft.com/office/drawing/2010/main">
+                <a:solidFill>
+                  <a:srgbClr val="FFFFFF"/>
+                </a:solidFill>
+              </a14:hiddenFill>
+            </a:ext>
+          </a:extLst>
+        </p:spPr>
+      </p:pic>
     </p:spTree>
     <p:extLst>
       <p:ext uri="{BB962C8B-B14F-4D97-AF65-F5344CB8AC3E}">
-        <p14:creationId xmlns:p14="http://schemas.microsoft.com/office/powerpoint/2010/main" val="2804087652"/>
+        <p14:creationId xmlns:p14="http://schemas.microsoft.com/office/powerpoint/2010/main" val="2358774201"/>
       </p:ext>
     </p:extLst>
   </p:cSld>
@@ -9122,7 +11368,7 @@
 <file path=ppt/theme/theme1.xml><?xml version="1.0" encoding="utf-8"?>
 <a:theme xmlns:a="http://schemas.openxmlformats.org/drawingml/2006/main" name="Droplet">
   <a:themeElements>
-    <a:clrScheme name="Droplet">
+    <a:clrScheme name="Blue Warm">
       <a:dk1>
         <a:sysClr val="windowText" lastClr="000000"/>
       </a:dk1>
@@ -9130,34 +11376,34 @@
         <a:sysClr val="window" lastClr="FFFFFF"/>
       </a:lt1>
       <a:dk2>
-        <a:srgbClr val="355071"/>
+        <a:srgbClr val="242852"/>
       </a:dk2>
       <a:lt2>
-        <a:srgbClr val="AABED7"/>
+        <a:srgbClr val="ACCBF9"/>
       </a:lt2>
       <a:accent1>
-        <a:srgbClr val="2FA3EE"/>
+        <a:srgbClr val="4A66AC"/>
       </a:accent1>
       <a:accent2>
-        <a:srgbClr val="4BCAAD"/>
+        <a:srgbClr val="629DD1"/>
       </a:accent2>
       <a:accent3>
-        <a:srgbClr val="86C157"/>
+        <a:srgbClr val="297FD5"/>
       </a:accent3>
       <a:accent4>
-        <a:srgbClr val="D99C3F"/>
+        <a:srgbClr val="7F8FA9"/>
       </a:accent4>
       <a:accent5>
-        <a:srgbClr val="CE6633"/>
+        <a:srgbClr val="5AA2AE"/>
       </a:accent5>
       <a:accent6>
-        <a:srgbClr val="A35DD1"/>
+        <a:srgbClr val="9D90A0"/>
       </a:accent6>
       <a:hlink>
-        <a:srgbClr val="56BCFE"/>
+        <a:srgbClr val="9454C3"/>
       </a:hlink>
       <a:folHlink>
-        <a:srgbClr val="97C5E3"/>
+        <a:srgbClr val="3EBBF0"/>
       </a:folHlink>
     </a:clrScheme>
     <a:fontScheme name="Droplet">

--- a/docs/MLOps Final Project.pptx
+++ b/docs/MLOps Final Project.pptx
@@ -5,7 +5,7 @@
     <p:sldMasterId id="2147483648" r:id="rId1"/>
   </p:sldMasterIdLst>
   <p:notesMasterIdLst>
-    <p:notesMasterId r:id="rId29"/>
+    <p:notesMasterId r:id="rId32"/>
   </p:notesMasterIdLst>
   <p:sldIdLst>
     <p:sldId id="256" r:id="rId2"/>
@@ -20,21 +20,24 @@
     <p:sldId id="260" r:id="rId11"/>
     <p:sldId id="261" r:id="rId12"/>
     <p:sldId id="283" r:id="rId13"/>
-    <p:sldId id="281" r:id="rId14"/>
-    <p:sldId id="262" r:id="rId15"/>
-    <p:sldId id="284" r:id="rId16"/>
-    <p:sldId id="270" r:id="rId17"/>
-    <p:sldId id="266" r:id="rId18"/>
-    <p:sldId id="267" r:id="rId19"/>
-    <p:sldId id="265" r:id="rId20"/>
-    <p:sldId id="268" r:id="rId21"/>
-    <p:sldId id="269" r:id="rId22"/>
-    <p:sldId id="274" r:id="rId23"/>
-    <p:sldId id="277" r:id="rId24"/>
-    <p:sldId id="282" r:id="rId25"/>
-    <p:sldId id="276" r:id="rId26"/>
-    <p:sldId id="275" r:id="rId27"/>
-    <p:sldId id="279" r:id="rId28"/>
+    <p:sldId id="285" r:id="rId14"/>
+    <p:sldId id="281" r:id="rId15"/>
+    <p:sldId id="262" r:id="rId16"/>
+    <p:sldId id="284" r:id="rId17"/>
+    <p:sldId id="270" r:id="rId18"/>
+    <p:sldId id="266" r:id="rId19"/>
+    <p:sldId id="267" r:id="rId20"/>
+    <p:sldId id="265" r:id="rId21"/>
+    <p:sldId id="268" r:id="rId22"/>
+    <p:sldId id="269" r:id="rId23"/>
+    <p:sldId id="274" r:id="rId24"/>
+    <p:sldId id="277" r:id="rId25"/>
+    <p:sldId id="282" r:id="rId26"/>
+    <p:sldId id="286" r:id="rId27"/>
+    <p:sldId id="287" r:id="rId28"/>
+    <p:sldId id="276" r:id="rId29"/>
+    <p:sldId id="275" r:id="rId30"/>
+    <p:sldId id="279" r:id="rId31"/>
   </p:sldIdLst>
   <p:sldSz cx="12192000" cy="6858000"/>
   <p:notesSz cx="6858000" cy="9144000"/>
@@ -226,7 +229,7 @@
           <a:p>
             <a:fld id="{7C27A723-51FE-45AC-AC04-AE77775347B3}" type="datetimeFigureOut">
               <a:rPr lang="he-IL" smtClean="0"/>
-              <a:t>ב'/אדר א/תשפ"ד</a:t>
+              <a:t>ג'/אדר א/תשפ"ד</a:t>
             </a:fld>
             <a:endParaRPr lang="he-IL"/>
           </a:p>
@@ -683,7 +686,7 @@
           <a:p>
             <a:fld id="{894B87DD-015A-4410-BE23-4EE1FA92658F}" type="slidenum">
               <a:rPr lang="he-IL" smtClean="0"/>
-              <a:t>13</a:t>
+              <a:t>14</a:t>
             </a:fld>
             <a:endParaRPr lang="he-IL"/>
           </a:p>
@@ -771,7 +774,7 @@
           <a:p>
             <a:fld id="{894B87DD-015A-4410-BE23-4EE1FA92658F}" type="slidenum">
               <a:rPr lang="he-IL" smtClean="0"/>
-              <a:t>26</a:t>
+              <a:t>29</a:t>
             </a:fld>
             <a:endParaRPr lang="he-IL"/>
           </a:p>
@@ -965,7 +968,7 @@
           <a:p>
             <a:fld id="{48A87A34-81AB-432B-8DAE-1953F412C126}" type="datetimeFigureOut">
               <a:rPr lang="en-US" dirty="0"/>
-              <a:t>11-Feb-24</a:t>
+              <a:t>12-Feb-24</a:t>
             </a:fld>
             <a:endParaRPr lang="en-US" dirty="0"/>
           </a:p>
@@ -1272,7 +1275,7 @@
           <a:p>
             <a:fld id="{48A87A34-81AB-432B-8DAE-1953F412C126}" type="datetimeFigureOut">
               <a:rPr lang="en-US" dirty="0"/>
-              <a:t>11-Feb-24</a:t>
+              <a:t>12-Feb-24</a:t>
             </a:fld>
             <a:endParaRPr lang="en-US" dirty="0"/>
           </a:p>
@@ -1489,7 +1492,7 @@
           <a:p>
             <a:fld id="{48A87A34-81AB-432B-8DAE-1953F412C126}" type="datetimeFigureOut">
               <a:rPr lang="en-US" dirty="0"/>
-              <a:t>11-Feb-24</a:t>
+              <a:t>12-Feb-24</a:t>
             </a:fld>
             <a:endParaRPr lang="en-US" dirty="0"/>
           </a:p>
@@ -1775,7 +1778,7 @@
           <a:p>
             <a:fld id="{48A87A34-81AB-432B-8DAE-1953F412C126}" type="datetimeFigureOut">
               <a:rPr lang="en-US" dirty="0"/>
-              <a:t>11-Feb-24</a:t>
+              <a:t>12-Feb-24</a:t>
             </a:fld>
             <a:endParaRPr lang="en-US" dirty="0"/>
           </a:p>
@@ -2224,7 +2227,7 @@
           <a:p>
             <a:fld id="{48A87A34-81AB-432B-8DAE-1953F412C126}" type="datetimeFigureOut">
               <a:rPr lang="en-US" dirty="0"/>
-              <a:t>11-Feb-24</a:t>
+              <a:t>12-Feb-24</a:t>
             </a:fld>
             <a:endParaRPr lang="en-US" dirty="0"/>
           </a:p>
@@ -2795,7 +2798,7 @@
           <a:p>
             <a:fld id="{48A87A34-81AB-432B-8DAE-1953F412C126}" type="datetimeFigureOut">
               <a:rPr lang="en-US" dirty="0"/>
-              <a:t>11-Feb-24</a:t>
+              <a:t>12-Feb-24</a:t>
             </a:fld>
             <a:endParaRPr lang="en-US" dirty="0"/>
           </a:p>
@@ -3642,7 +3645,7 @@
           <a:p>
             <a:fld id="{48A87A34-81AB-432B-8DAE-1953F412C126}" type="datetimeFigureOut">
               <a:rPr lang="en-US" dirty="0"/>
-              <a:t>11-Feb-24</a:t>
+              <a:t>12-Feb-24</a:t>
             </a:fld>
             <a:endParaRPr lang="en-US" dirty="0"/>
           </a:p>
@@ -3842,7 +3845,7 @@
           <a:p>
             <a:fld id="{48A87A34-81AB-432B-8DAE-1953F412C126}" type="datetimeFigureOut">
               <a:rPr lang="en-US" dirty="0"/>
-              <a:t>11-Feb-24</a:t>
+              <a:t>12-Feb-24</a:t>
             </a:fld>
             <a:endParaRPr lang="en-US" dirty="0"/>
           </a:p>
@@ -4051,7 +4054,7 @@
           <a:p>
             <a:fld id="{48A87A34-81AB-432B-8DAE-1953F412C126}" type="datetimeFigureOut">
               <a:rPr lang="en-US" dirty="0"/>
-              <a:t>11-Feb-24</a:t>
+              <a:t>12-Feb-24</a:t>
             </a:fld>
             <a:endParaRPr lang="en-US" dirty="0"/>
           </a:p>
@@ -4260,7 +4263,7 @@
           <a:p>
             <a:fld id="{48A87A34-81AB-432B-8DAE-1953F412C126}" type="datetimeFigureOut">
               <a:rPr lang="en-US" dirty="0"/>
-              <a:t>11-Feb-24</a:t>
+              <a:t>12-Feb-24</a:t>
             </a:fld>
             <a:endParaRPr lang="en-US" dirty="0"/>
           </a:p>
@@ -4540,7 +4543,7 @@
           <a:p>
             <a:fld id="{48A87A34-81AB-432B-8DAE-1953F412C126}" type="datetimeFigureOut">
               <a:rPr lang="en-US" dirty="0"/>
-              <a:t>11-Feb-24</a:t>
+              <a:t>12-Feb-24</a:t>
             </a:fld>
             <a:endParaRPr lang="en-US" dirty="0"/>
           </a:p>
@@ -4802,7 +4805,7 @@
           <a:p>
             <a:fld id="{48A87A34-81AB-432B-8DAE-1953F412C126}" type="datetimeFigureOut">
               <a:rPr lang="en-US" dirty="0"/>
-              <a:t>11-Feb-24</a:t>
+              <a:t>12-Feb-24</a:t>
             </a:fld>
             <a:endParaRPr lang="en-US" dirty="0"/>
           </a:p>
@@ -5212,7 +5215,7 @@
           <a:p>
             <a:fld id="{48A87A34-81AB-432B-8DAE-1953F412C126}" type="datetimeFigureOut">
               <a:rPr lang="en-US" dirty="0"/>
-              <a:t>11-Feb-24</a:t>
+              <a:t>12-Feb-24</a:t>
             </a:fld>
             <a:endParaRPr lang="en-US" dirty="0"/>
           </a:p>
@@ -5355,7 +5358,7 @@
           <a:p>
             <a:fld id="{48A87A34-81AB-432B-8DAE-1953F412C126}" type="datetimeFigureOut">
               <a:rPr lang="en-US" dirty="0"/>
-              <a:t>11-Feb-24</a:t>
+              <a:t>12-Feb-24</a:t>
             </a:fld>
             <a:endParaRPr lang="en-US" dirty="0"/>
           </a:p>
@@ -5475,7 +5478,7 @@
           <a:p>
             <a:fld id="{48A87A34-81AB-432B-8DAE-1953F412C126}" type="datetimeFigureOut">
               <a:rPr lang="en-US" dirty="0"/>
-              <a:t>11-Feb-24</a:t>
+              <a:t>12-Feb-24</a:t>
             </a:fld>
             <a:endParaRPr lang="en-US" dirty="0"/>
           </a:p>
@@ -5749,7 +5752,7 @@
           <a:p>
             <a:fld id="{48A87A34-81AB-432B-8DAE-1953F412C126}" type="datetimeFigureOut">
               <a:rPr lang="en-US" dirty="0"/>
-              <a:t>11-Feb-24</a:t>
+              <a:t>12-Feb-24</a:t>
             </a:fld>
             <a:endParaRPr lang="en-US" dirty="0"/>
           </a:p>
@@ -6056,7 +6059,7 @@
           <a:p>
             <a:fld id="{48A87A34-81AB-432B-8DAE-1953F412C126}" type="datetimeFigureOut">
               <a:rPr lang="en-US" dirty="0"/>
-              <a:t>11-Feb-24</a:t>
+              <a:t>12-Feb-24</a:t>
             </a:fld>
             <a:endParaRPr lang="en-US" dirty="0"/>
           </a:p>
@@ -6303,7 +6306,7 @@
             <a:fld id="{48A87A34-81AB-432B-8DAE-1953F412C126}" type="datetimeFigureOut">
               <a:rPr lang="en-US" dirty="0"/>
               <a:pPr/>
-              <a:t>11-Feb-24</a:t>
+              <a:t>12-Feb-24</a:t>
             </a:fld>
             <a:endParaRPr lang="en-US" dirty="0"/>
           </a:p>
@@ -7001,35 +7004,80 @@
         </p:nvSpPr>
         <p:spPr/>
         <p:txBody>
-          <a:bodyPr/>
+          <a:bodyPr>
+            <a:normAutofit/>
+          </a:bodyPr>
           <a:lstStyle/>
           <a:p>
             <a:pPr algn="l" rtl="0"/>
+            <a:r>
+              <a:rPr lang="en-US" dirty="0"/>
+              <a:t>Input</a:t>
+            </a:r>
+          </a:p>
+          <a:p>
+            <a:pPr marL="457200" lvl="1" indent="0" algn="l" rtl="0">
+              <a:buNone/>
+            </a:pPr>
             <a:r>
               <a:rPr lang="en-US" dirty="0"/>
               <a:t>X: single feature or subset of features of the original dataset</a:t>
             </a:r>
           </a:p>
           <a:p>
+            <a:pPr marL="457200" lvl="1" indent="0" algn="l" rtl="0">
+              <a:buNone/>
+            </a:pPr>
+            <a:r>
+              <a:rPr lang="en-US" dirty="0"/>
+              <a:t>Y:	  ‘True’ = original model correctly predicted the original output</a:t>
+            </a:r>
+          </a:p>
+          <a:p>
+            <a:pPr marL="457200" lvl="1" indent="0" algn="l" rtl="0">
+              <a:buNone/>
+            </a:pPr>
+            <a:r>
+              <a:rPr lang="en-US" dirty="0"/>
+              <a:t>	  ‘False’ = original model failed in its prediction</a:t>
+            </a:r>
+          </a:p>
+          <a:p>
             <a:pPr algn="l" rtl="0"/>
             <a:r>
               <a:rPr lang="en-US" dirty="0"/>
-              <a:t>Y:</a:t>
+              <a:t>Build the tree</a:t>
+            </a:r>
+          </a:p>
+          <a:p>
+            <a:pPr algn="l" rtl="0"/>
+            <a:r>
+              <a:rPr lang="en-US" dirty="0"/>
+              <a:t>Filter the leaves with:</a:t>
             </a:r>
           </a:p>
           <a:p>
             <a:pPr lvl="1" algn="l" rtl="0"/>
             <a:r>
               <a:rPr lang="en-US" dirty="0"/>
-              <a:t>‘True’ = original model predicted the original output successfully</a:t>
+              <a:t>minimal support (above 5% of total misclassification)</a:t>
             </a:r>
           </a:p>
           <a:p>
             <a:pPr lvl="1" algn="l" rtl="0"/>
             <a:r>
               <a:rPr lang="en-US" dirty="0"/>
-              <a:t>‘False’ = original model failed in its prediction</a:t>
-            </a:r>
+              <a:t>statistically significant drop in accuracy (above 4%)</a:t>
+            </a:r>
+          </a:p>
+          <a:p>
+            <a:pPr algn="l" rtl="0"/>
+            <a:endParaRPr lang="en-US" dirty="0"/>
+          </a:p>
+          <a:p>
+            <a:pPr marL="0" indent="0" algn="l" rtl="0">
+              <a:buNone/>
+            </a:pPr>
             <a:endParaRPr lang="he-IL" dirty="0"/>
           </a:p>
         </p:txBody>
@@ -7085,40 +7133,56 @@
           <a:bodyPr/>
           <a:lstStyle/>
           <a:p>
+            <a:pPr rtl="0"/>
+            <a:r>
+              <a:rPr lang="en-US" dirty="0"/>
+              <a:t>Decision tree – ideal case </a:t>
+            </a:r>
             <a:endParaRPr lang="he-IL" dirty="0"/>
           </a:p>
         </p:txBody>
       </p:sp>
-      <p:sp>
-        <p:nvSpPr>
-          <p:cNvPr id="3" name="Content Placeholder 2">
+      <p:pic>
+        <p:nvPicPr>
+          <p:cNvPr id="7" name="Content Placeholder 6">
             <a:extLst>
               <a:ext uri="{FF2B5EF4-FFF2-40B4-BE49-F238E27FC236}">
-                <a16:creationId xmlns:a16="http://schemas.microsoft.com/office/drawing/2014/main" id="{C254E5DA-2825-C02D-2507-0FC6317331AE}"/>
+                <a16:creationId xmlns:a16="http://schemas.microsoft.com/office/drawing/2014/main" id="{7D7C1335-76D2-67D7-5A04-99841E6B3243}"/>
               </a:ext>
             </a:extLst>
           </p:cNvPr>
-          <p:cNvSpPr>
-            <a:spLocks noGrp="1"/>
-          </p:cNvSpPr>
+          <p:cNvPicPr>
+            <a:picLocks noGrp="1" noChangeAspect="1"/>
+          </p:cNvPicPr>
           <p:nvPr>
             <p:ph sz="quarter" idx="13"/>
           </p:nvPr>
-        </p:nvSpPr>
-        <p:spPr/>
-        <p:txBody>
-          <a:bodyPr/>
-          <a:lstStyle/>
-          <a:p>
-            <a:pPr algn="l" rtl="0"/>
-            <a:r>
-              <a:rPr lang="en-US" dirty="0"/>
-              <a:t>&lt;insert example of accuracy decision tree here (ours)&gt;</a:t>
-            </a:r>
-            <a:endParaRPr lang="he-IL" dirty="0"/>
-          </a:p>
-        </p:txBody>
-      </p:sp>
+        </p:nvPicPr>
+        <p:blipFill>
+          <a:blip r:embed="rId2"/>
+          <a:srcRect/>
+          <a:stretch/>
+        </p:blipFill>
+        <p:spPr bwMode="auto">
+          <a:xfrm>
+            <a:off x="2286000" y="2214694"/>
+            <a:ext cx="7620000" cy="3810000"/>
+          </a:xfrm>
+          <a:prstGeom prst="rect">
+            <a:avLst/>
+          </a:prstGeom>
+          <a:noFill/>
+          <a:extLst>
+            <a:ext uri="{909E8E84-426E-40DD-AFC4-6F175D3DCCD1}">
+              <a14:hiddenFill xmlns:a14="http://schemas.microsoft.com/office/drawing/2010/main">
+                <a:solidFill>
+                  <a:srgbClr val="FFFFFF"/>
+                </a:solidFill>
+              </a14:hiddenFill>
+            </a:ext>
+          </a:extLst>
+        </p:spPr>
+      </p:pic>
     </p:spTree>
     <p:extLst>
       <p:ext uri="{BB962C8B-B14F-4D97-AF65-F5344CB8AC3E}">
@@ -7133,6 +7197,114 @@
 </file>
 
 <file path=ppt/slides/slide13.xml><?xml version="1.0" encoding="utf-8"?>
+<p:sld xmlns:a="http://schemas.openxmlformats.org/drawingml/2006/main" xmlns:r="http://schemas.openxmlformats.org/officeDocument/2006/relationships" xmlns:p="http://schemas.openxmlformats.org/presentationml/2006/main">
+  <p:cSld>
+    <p:spTree>
+      <p:nvGrpSpPr>
+        <p:cNvPr id="1" name="">
+          <a:extLst>
+            <a:ext uri="{FF2B5EF4-FFF2-40B4-BE49-F238E27FC236}">
+              <a16:creationId xmlns:a16="http://schemas.microsoft.com/office/drawing/2014/main" id="{56C162D3-4660-713A-5E88-829DA7D7D2DC}"/>
+            </a:ext>
+          </a:extLst>
+        </p:cNvPr>
+        <p:cNvGrpSpPr/>
+        <p:nvPr/>
+      </p:nvGrpSpPr>
+      <p:grpSpPr>
+        <a:xfrm>
+          <a:off x="0" y="0"/>
+          <a:ext cx="0" cy="0"/>
+          <a:chOff x="0" y="0"/>
+          <a:chExt cx="0" cy="0"/>
+        </a:xfrm>
+      </p:grpSpPr>
+      <p:sp>
+        <p:nvSpPr>
+          <p:cNvPr id="2" name="Title 1">
+            <a:extLst>
+              <a:ext uri="{FF2B5EF4-FFF2-40B4-BE49-F238E27FC236}">
+                <a16:creationId xmlns:a16="http://schemas.microsoft.com/office/drawing/2014/main" id="{FE483768-4C8E-C7A6-5C15-127EB02EAD56}"/>
+              </a:ext>
+            </a:extLst>
+          </p:cNvPr>
+          <p:cNvSpPr>
+            <a:spLocks noGrp="1"/>
+          </p:cNvSpPr>
+          <p:nvPr>
+            <p:ph type="title"/>
+          </p:nvPr>
+        </p:nvSpPr>
+        <p:spPr/>
+        <p:txBody>
+          <a:bodyPr/>
+          <a:lstStyle/>
+          <a:p>
+            <a:pPr rtl="0"/>
+            <a:r>
+              <a:rPr lang="en-US" dirty="0"/>
+              <a:t>Decision tree – usual case</a:t>
+            </a:r>
+            <a:endParaRPr lang="he-IL" dirty="0"/>
+          </a:p>
+        </p:txBody>
+      </p:sp>
+      <p:pic>
+        <p:nvPicPr>
+          <p:cNvPr id="7" name="Content Placeholder 6" descr="A diagram of a algorithm&#10;&#10;Description automatically generated">
+            <a:extLst>
+              <a:ext uri="{FF2B5EF4-FFF2-40B4-BE49-F238E27FC236}">
+                <a16:creationId xmlns:a16="http://schemas.microsoft.com/office/drawing/2014/main" id="{17055945-7A9F-6BCE-9B80-930610912C7D}"/>
+              </a:ext>
+            </a:extLst>
+          </p:cNvPr>
+          <p:cNvPicPr>
+            <a:picLocks noGrp="1" noChangeAspect="1"/>
+          </p:cNvPicPr>
+          <p:nvPr>
+            <p:ph sz="quarter" idx="13"/>
+          </p:nvPr>
+        </p:nvPicPr>
+        <p:blipFill>
+          <a:blip r:embed="rId2"/>
+          <a:stretch>
+            <a:fillRect/>
+          </a:stretch>
+        </p:blipFill>
+        <p:spPr bwMode="auto">
+          <a:xfrm>
+            <a:off x="3467100" y="2214694"/>
+            <a:ext cx="5257800" cy="4593431"/>
+          </a:xfrm>
+          <a:prstGeom prst="rect">
+            <a:avLst/>
+          </a:prstGeom>
+          <a:noFill/>
+          <a:extLst>
+            <a:ext uri="{909E8E84-426E-40DD-AFC4-6F175D3DCCD1}">
+              <a14:hiddenFill xmlns:a14="http://schemas.microsoft.com/office/drawing/2010/main">
+                <a:solidFill>
+                  <a:srgbClr val="FFFFFF"/>
+                </a:solidFill>
+              </a14:hiddenFill>
+            </a:ext>
+          </a:extLst>
+        </p:spPr>
+      </p:pic>
+    </p:spTree>
+    <p:extLst>
+      <p:ext uri="{BB962C8B-B14F-4D97-AF65-F5344CB8AC3E}">
+        <p14:creationId xmlns:p14="http://schemas.microsoft.com/office/powerpoint/2010/main" val="3191360359"/>
+      </p:ext>
+    </p:extLst>
+  </p:cSld>
+  <p:clrMapOvr>
+    <a:masterClrMapping/>
+  </p:clrMapOvr>
+</p:sld>
+</file>
+
+<file path=ppt/slides/slide14.xml><?xml version="1.0" encoding="utf-8"?>
 <p:sld xmlns:a="http://schemas.openxmlformats.org/drawingml/2006/main" xmlns:r="http://schemas.openxmlformats.org/officeDocument/2006/relationships" xmlns:p="http://schemas.openxmlformats.org/presentationml/2006/main">
   <p:cSld>
     <p:bg>
@@ -7507,7 +7679,7 @@
 </p:sld>
 </file>
 
-<file path=ppt/slides/slide14.xml><?xml version="1.0" encoding="utf-8"?>
+<file path=ppt/slides/slide15.xml><?xml version="1.0" encoding="utf-8"?>
 <p:sld xmlns:a="http://schemas.openxmlformats.org/drawingml/2006/main" xmlns:r="http://schemas.openxmlformats.org/officeDocument/2006/relationships" xmlns:p="http://schemas.openxmlformats.org/presentationml/2006/main" show="0">
   <p:cSld>
     <p:spTree>
@@ -7573,53 +7745,78 @@
         <p:spPr/>
         <p:txBody>
           <a:bodyPr>
-            <a:normAutofit/>
+            <a:normAutofit fontScale="92500" lnSpcReduction="10000"/>
           </a:bodyPr>
           <a:lstStyle/>
           <a:p>
-            <a:pPr marL="0" indent="0" algn="l" rtl="0">
+            <a:pPr algn="l" rtl="0"/>
+            <a:r>
+              <a:rPr lang="en-US" sz="2400" dirty="0"/>
+              <a:t>Input:</a:t>
+            </a:r>
+          </a:p>
+          <a:p>
+            <a:pPr marL="457200" lvl="1" indent="0" algn="l" rtl="0">
               <a:buNone/>
             </a:pPr>
-            <a:endParaRPr lang="en-US" sz="1000" dirty="0"/>
-          </a:p>
-          <a:p>
-            <a:pPr marL="0" indent="0" algn="l" rtl="0">
+            <a:r>
+              <a:rPr lang="en-US" sz="2200" dirty="0"/>
+              <a:t>X: single feature or subset of features in the original dataset, without TNs</a:t>
+            </a:r>
+          </a:p>
+          <a:p>
+            <a:pPr marL="457200" lvl="1" indent="0" algn="l" rtl="0">
               <a:buNone/>
             </a:pPr>
             <a:r>
-              <a:rPr lang="en-US" sz="2400" dirty="0"/>
-              <a:t>X: single feature or subset of features in the original dataset, without TNs</a:t>
-            </a:r>
-          </a:p>
-          <a:p>
-            <a:pPr marL="0" indent="0" algn="l" rtl="0">
+              <a:rPr lang="en-US" sz="2200" dirty="0"/>
+              <a:t>Y:	</a:t>
+            </a:r>
+            <a:r>
+              <a:rPr lang="en-US" sz="2000" dirty="0"/>
+              <a:t>True’ =  original model predicted the original output successfully = TP</a:t>
+            </a:r>
+          </a:p>
+          <a:p>
+            <a:pPr marL="457200" lvl="1" indent="0" algn="l" rtl="0">
               <a:buNone/>
             </a:pPr>
-            <a:endParaRPr lang="en-US" sz="1000" dirty="0"/>
-          </a:p>
-          <a:p>
-            <a:pPr marL="0" indent="0" algn="l" rtl="0">
-              <a:buNone/>
-            </a:pPr>
-            <a:r>
-              <a:rPr lang="en-US" sz="2400" dirty="0"/>
-              <a:t>Y:</a:t>
+            <a:r>
+              <a:rPr lang="en-US" sz="2000" dirty="0"/>
+              <a:t>	‘False’ = original model failed in its prediction = FP + FN</a:t>
+            </a:r>
+          </a:p>
+          <a:p>
+            <a:pPr algn="l" rtl="0"/>
+            <a:r>
+              <a:rPr lang="en-US" sz="2200" dirty="0"/>
+              <a:t>Build the tree</a:t>
+            </a:r>
+          </a:p>
+          <a:p>
+            <a:pPr algn="l" rtl="0"/>
+            <a:r>
+              <a:rPr lang="en-US" sz="2200" dirty="0"/>
+              <a:t>Filter the nodes:</a:t>
             </a:r>
           </a:p>
           <a:p>
             <a:pPr lvl="1" algn="l" rtl="0"/>
             <a:r>
               <a:rPr lang="en-US" sz="2000" dirty="0"/>
-              <a:t>‘True’ =  original model predicted the original output successfully = TP</a:t>
-            </a:r>
-          </a:p>
-          <a:p>
-            <a:pPr lvl="1" algn="l" rtl="0"/>
-            <a:r>
-              <a:rPr lang="en-US" sz="2000" dirty="0"/>
-              <a:t>‘False’ = original model failed in its prediction = FP + FN</a:t>
-            </a:r>
-            <a:endParaRPr lang="he-IL" sz="2000" dirty="0"/>
+              <a:t>Number of samples below 20% of total</a:t>
+            </a:r>
+          </a:p>
+          <a:p>
+            <a:pPr algn="l" rtl="0"/>
+            <a:r>
+              <a:rPr lang="en-US" sz="2200" dirty="0"/>
+              <a:t>Sort the nodes by potential overall F2 improvement</a:t>
+            </a:r>
+          </a:p>
+          <a:p>
+            <a:pPr algn="l" rtl="0"/>
+            <a:endParaRPr lang="he-IL" sz="2200" dirty="0"/>
           </a:p>
         </p:txBody>
       </p:sp>
@@ -7627,163 +7824,6 @@
     <p:extLst>
       <p:ext uri="{BB962C8B-B14F-4D97-AF65-F5344CB8AC3E}">
         <p14:creationId xmlns:p14="http://schemas.microsoft.com/office/powerpoint/2010/main" val="230825914"/>
-      </p:ext>
-    </p:extLst>
-  </p:cSld>
-  <p:clrMapOvr>
-    <a:masterClrMapping/>
-  </p:clrMapOvr>
-</p:sld>
-</file>
-
-<file path=ppt/slides/slide15.xml><?xml version="1.0" encoding="utf-8"?>
-<p:sld xmlns:a="http://schemas.openxmlformats.org/drawingml/2006/main" xmlns:r="http://schemas.openxmlformats.org/officeDocument/2006/relationships" xmlns:p="http://schemas.openxmlformats.org/presentationml/2006/main">
-  <p:cSld>
-    <p:spTree>
-      <p:nvGrpSpPr>
-        <p:cNvPr id="1" name=""/>
-        <p:cNvGrpSpPr/>
-        <p:nvPr/>
-      </p:nvGrpSpPr>
-      <p:grpSpPr>
-        <a:xfrm>
-          <a:off x="0" y="0"/>
-          <a:ext cx="0" cy="0"/>
-          <a:chOff x="0" y="0"/>
-          <a:chExt cx="0" cy="0"/>
-        </a:xfrm>
-      </p:grpSpPr>
-      <p:sp>
-        <p:nvSpPr>
-          <p:cNvPr id="4" name="Title 3">
-            <a:extLst>
-              <a:ext uri="{FF2B5EF4-FFF2-40B4-BE49-F238E27FC236}">
-                <a16:creationId xmlns:a16="http://schemas.microsoft.com/office/drawing/2014/main" id="{9B3EC792-68A3-4BAB-85F3-B639063A1690}"/>
-              </a:ext>
-            </a:extLst>
-          </p:cNvPr>
-          <p:cNvSpPr>
-            <a:spLocks noGrp="1"/>
-          </p:cNvSpPr>
-          <p:nvPr>
-            <p:ph type="title"/>
-          </p:nvPr>
-        </p:nvSpPr>
-        <p:spPr/>
-        <p:txBody>
-          <a:bodyPr/>
-          <a:lstStyle/>
-          <a:p>
-            <a:pPr rtl="0"/>
-            <a:r>
-              <a:rPr lang="en-US" dirty="0"/>
-              <a:t>Comparison </a:t>
-            </a:r>
-            <a:r>
-              <a:rPr lang="en-US"/>
-              <a:t>of approaches</a:t>
-            </a:r>
-            <a:br>
-              <a:rPr lang="en-US"/>
-            </a:br>
-            <a:r>
-              <a:rPr lang="en-US"/>
-              <a:t>(decision-tree guiding </a:t>
-            </a:r>
-            <a:r>
-              <a:rPr lang="en-US" dirty="0"/>
-              <a:t>metrics)</a:t>
-            </a:r>
-            <a:endParaRPr lang="he-IL" dirty="0"/>
-          </a:p>
-        </p:txBody>
-      </p:sp>
-      <p:sp>
-        <p:nvSpPr>
-          <p:cNvPr id="3" name="Content Placeholder 2">
-            <a:extLst>
-              <a:ext uri="{FF2B5EF4-FFF2-40B4-BE49-F238E27FC236}">
-                <a16:creationId xmlns:a16="http://schemas.microsoft.com/office/drawing/2014/main" id="{483694C7-2D22-1276-11D6-C8CA4A373058}"/>
-              </a:ext>
-            </a:extLst>
-          </p:cNvPr>
-          <p:cNvSpPr>
-            <a:spLocks noGrp="1"/>
-          </p:cNvSpPr>
-          <p:nvPr>
-            <p:ph sz="quarter" idx="13"/>
-          </p:nvPr>
-        </p:nvSpPr>
-        <p:spPr/>
-        <p:txBody>
-          <a:bodyPr/>
-          <a:lstStyle/>
-          <a:p>
-            <a:pPr marL="0" indent="0" algn="l" rtl="0">
-              <a:buNone/>
-            </a:pPr>
-            <a:r>
-              <a:rPr lang="en-US" dirty="0"/>
-              <a:t>&lt;insert example of accuracy decision tree by accuracy&gt;</a:t>
-            </a:r>
-            <a:endParaRPr lang="he-IL" dirty="0"/>
-          </a:p>
-          <a:p>
-            <a:pPr marL="0" indent="0" algn="l" rtl="0">
-              <a:buNone/>
-            </a:pPr>
-            <a:endParaRPr lang="he-IL" dirty="0"/>
-          </a:p>
-        </p:txBody>
-      </p:sp>
-      <p:sp>
-        <p:nvSpPr>
-          <p:cNvPr id="5" name="Content Placeholder 4">
-            <a:extLst>
-              <a:ext uri="{FF2B5EF4-FFF2-40B4-BE49-F238E27FC236}">
-                <a16:creationId xmlns:a16="http://schemas.microsoft.com/office/drawing/2014/main" id="{D5F7A0AC-20B4-EA15-65A9-81B24AC54929}"/>
-              </a:ext>
-            </a:extLst>
-          </p:cNvPr>
-          <p:cNvSpPr>
-            <a:spLocks noGrp="1"/>
-          </p:cNvSpPr>
-          <p:nvPr>
-            <p:ph sz="quarter" idx="14"/>
-          </p:nvPr>
-        </p:nvSpPr>
-        <p:spPr/>
-        <p:txBody>
-          <a:bodyPr/>
-          <a:lstStyle/>
-          <a:p>
-            <a:pPr marL="0" indent="0" algn="l" rtl="0">
-              <a:buNone/>
-            </a:pPr>
-            <a:r>
-              <a:rPr lang="en-US" dirty="0"/>
-              <a:t>&lt;insert example of decision tree by F2&gt;</a:t>
-            </a:r>
-            <a:endParaRPr lang="he-IL" dirty="0"/>
-          </a:p>
-          <a:p>
-            <a:pPr marL="0" indent="0" algn="l" rtl="0">
-              <a:buNone/>
-            </a:pPr>
-            <a:endParaRPr lang="he-IL" dirty="0"/>
-          </a:p>
-          <a:p>
-            <a:pPr marL="0" indent="0" algn="l" rtl="0">
-              <a:buNone/>
-            </a:pPr>
-            <a:endParaRPr lang="he-IL" dirty="0"/>
-          </a:p>
-        </p:txBody>
-      </p:sp>
-    </p:spTree>
-    <p:extLst>
-      <p:ext uri="{BB962C8B-B14F-4D97-AF65-F5344CB8AC3E}">
-        <p14:creationId xmlns:p14="http://schemas.microsoft.com/office/powerpoint/2010/main" val="2901413425"/>
       </p:ext>
     </p:extLst>
   </p:cSld>
@@ -7815,7 +7855,7 @@
           <p:cNvPr id="4" name="Title 3">
             <a:extLst>
               <a:ext uri="{FF2B5EF4-FFF2-40B4-BE49-F238E27FC236}">
-                <a16:creationId xmlns:a16="http://schemas.microsoft.com/office/drawing/2014/main" id="{0164B796-02E6-2CF2-AD58-6BA0FF61E8C3}"/>
+                <a16:creationId xmlns:a16="http://schemas.microsoft.com/office/drawing/2014/main" id="{9B3EC792-68A3-4BAB-85F3-B639063A1690}"/>
               </a:ext>
             </a:extLst>
           </p:cNvPr>
@@ -7833,19 +7873,34 @@
           <a:p>
             <a:pPr rtl="0"/>
             <a:r>
-              <a:rPr lang="en-US" cap="all" dirty="0"/>
-              <a:t>The architecture</a:t>
-            </a:r>
-            <a:endParaRPr lang="he-IL" cap="all" dirty="0"/>
-          </a:p>
-        </p:txBody>
-      </p:sp>
-      <p:sp>
-        <p:nvSpPr>
-          <p:cNvPr id="5" name="Text Placeholder 4">
+              <a:rPr lang="en-US" dirty="0"/>
+              <a:t>Comparison </a:t>
+            </a:r>
+            <a:r>
+              <a:rPr lang="en-US"/>
+              <a:t>of approaches</a:t>
+            </a:r>
+            <a:br>
+              <a:rPr lang="en-US"/>
+            </a:br>
+            <a:r>
+              <a:rPr lang="en-US"/>
+              <a:t>(decision-tree guiding </a:t>
+            </a:r>
+            <a:r>
+              <a:rPr lang="en-US" dirty="0"/>
+              <a:t>metrics)</a:t>
+            </a:r>
+            <a:endParaRPr lang="he-IL" dirty="0"/>
+          </a:p>
+        </p:txBody>
+      </p:sp>
+      <p:sp>
+        <p:nvSpPr>
+          <p:cNvPr id="3" name="Content Placeholder 2">
             <a:extLst>
               <a:ext uri="{FF2B5EF4-FFF2-40B4-BE49-F238E27FC236}">
-                <a16:creationId xmlns:a16="http://schemas.microsoft.com/office/drawing/2014/main" id="{49087E06-C5E1-41C3-1F28-1C6A2EEE3E22}"/>
+                <a16:creationId xmlns:a16="http://schemas.microsoft.com/office/drawing/2014/main" id="{483694C7-2D22-1276-11D6-C8CA4A373058}"/>
               </a:ext>
             </a:extLst>
           </p:cNvPr>
@@ -7853,7 +7908,7 @@
             <a:spLocks noGrp="1"/>
           </p:cNvSpPr>
           <p:nvPr>
-            <p:ph type="body" idx="1"/>
+            <p:ph sz="quarter" idx="13"/>
           </p:nvPr>
         </p:nvSpPr>
         <p:spPr/>
@@ -7861,7 +7916,63 @@
           <a:bodyPr/>
           <a:lstStyle/>
           <a:p>
-            <a:pPr rtl="0"/>
+            <a:pPr marL="0" indent="0" algn="l" rtl="0">
+              <a:buNone/>
+            </a:pPr>
+            <a:r>
+              <a:rPr lang="en-US" dirty="0"/>
+              <a:t>&lt;insert example of accuracy decision tree by accuracy&gt;</a:t>
+            </a:r>
+            <a:endParaRPr lang="he-IL" dirty="0"/>
+          </a:p>
+          <a:p>
+            <a:pPr marL="0" indent="0" algn="l" rtl="0">
+              <a:buNone/>
+            </a:pPr>
+            <a:endParaRPr lang="he-IL" dirty="0"/>
+          </a:p>
+        </p:txBody>
+      </p:sp>
+      <p:sp>
+        <p:nvSpPr>
+          <p:cNvPr id="5" name="Content Placeholder 4">
+            <a:extLst>
+              <a:ext uri="{FF2B5EF4-FFF2-40B4-BE49-F238E27FC236}">
+                <a16:creationId xmlns:a16="http://schemas.microsoft.com/office/drawing/2014/main" id="{D5F7A0AC-20B4-EA15-65A9-81B24AC54929}"/>
+              </a:ext>
+            </a:extLst>
+          </p:cNvPr>
+          <p:cNvSpPr>
+            <a:spLocks noGrp="1"/>
+          </p:cNvSpPr>
+          <p:nvPr>
+            <p:ph sz="quarter" idx="14"/>
+          </p:nvPr>
+        </p:nvSpPr>
+        <p:spPr/>
+        <p:txBody>
+          <a:bodyPr/>
+          <a:lstStyle/>
+          <a:p>
+            <a:pPr marL="0" indent="0" algn="l" rtl="0">
+              <a:buNone/>
+            </a:pPr>
+            <a:r>
+              <a:rPr lang="en-US" dirty="0"/>
+              <a:t>&lt;insert example of decision tree by F2&gt;</a:t>
+            </a:r>
+            <a:endParaRPr lang="he-IL" dirty="0"/>
+          </a:p>
+          <a:p>
+            <a:pPr marL="0" indent="0" algn="l" rtl="0">
+              <a:buNone/>
+            </a:pPr>
+            <a:endParaRPr lang="he-IL" dirty="0"/>
+          </a:p>
+          <a:p>
+            <a:pPr marL="0" indent="0" algn="l" rtl="0">
+              <a:buNone/>
+            </a:pPr>
             <a:endParaRPr lang="he-IL" dirty="0"/>
           </a:p>
         </p:txBody>
@@ -7869,7 +7980,7 @@
     </p:spTree>
     <p:extLst>
       <p:ext uri="{BB962C8B-B14F-4D97-AF65-F5344CB8AC3E}">
-        <p14:creationId xmlns:p14="http://schemas.microsoft.com/office/powerpoint/2010/main" val="2039371253"/>
+        <p14:creationId xmlns:p14="http://schemas.microsoft.com/office/powerpoint/2010/main" val="2901413425"/>
       </p:ext>
     </p:extLst>
   </p:cSld>
@@ -7898,10 +8009,10 @@
       </p:grpSpPr>
       <p:sp>
         <p:nvSpPr>
-          <p:cNvPr id="2" name="Title 1">
+          <p:cNvPr id="4" name="Title 3">
             <a:extLst>
               <a:ext uri="{FF2B5EF4-FFF2-40B4-BE49-F238E27FC236}">
-                <a16:creationId xmlns:a16="http://schemas.microsoft.com/office/drawing/2014/main" id="{3E2365AF-46C2-3616-1532-D71DEC709133}"/>
+                <a16:creationId xmlns:a16="http://schemas.microsoft.com/office/drawing/2014/main" id="{0164B796-02E6-2CF2-AD58-6BA0FF61E8C3}"/>
               </a:ext>
             </a:extLst>
           </p:cNvPr>
@@ -7917,28 +8028,21 @@
           <a:bodyPr/>
           <a:lstStyle/>
           <a:p>
-            <a:pPr algn="ctr" defTabSz="914400" rtl="0" eaLnBrk="1" latinLnBrk="0" hangingPunct="1">
-              <a:lnSpc>
-                <a:spcPct val="90000"/>
-              </a:lnSpc>
-              <a:spcBef>
-                <a:spcPct val="0"/>
-              </a:spcBef>
-              <a:buNone/>
-            </a:pPr>
-            <a:r>
-              <a:rPr lang="en-IL" dirty="0"/>
-              <a:t>Architecture - Overall</a:t>
-            </a:r>
-          </a:p>
-        </p:txBody>
-      </p:sp>
-      <p:sp>
-        <p:nvSpPr>
-          <p:cNvPr id="3" name="Content Placeholder 2">
+            <a:pPr rtl="0"/>
+            <a:r>
+              <a:rPr lang="en-US" cap="all" dirty="0"/>
+              <a:t>The architecture</a:t>
+            </a:r>
+            <a:endParaRPr lang="he-IL" cap="all" dirty="0"/>
+          </a:p>
+        </p:txBody>
+      </p:sp>
+      <p:sp>
+        <p:nvSpPr>
+          <p:cNvPr id="5" name="Text Placeholder 4">
             <a:extLst>
               <a:ext uri="{FF2B5EF4-FFF2-40B4-BE49-F238E27FC236}">
-                <a16:creationId xmlns:a16="http://schemas.microsoft.com/office/drawing/2014/main" id="{E6EF5898-C934-4F56-A10A-009A01A21DA2}"/>
+                <a16:creationId xmlns:a16="http://schemas.microsoft.com/office/drawing/2014/main" id="{49087E06-C5E1-41C3-1F28-1C6A2EEE3E22}"/>
               </a:ext>
             </a:extLst>
           </p:cNvPr>
@@ -7946,96 +8050,23 @@
             <a:spLocks noGrp="1"/>
           </p:cNvSpPr>
           <p:nvPr>
-            <p:ph sz="quarter" idx="13"/>
-          </p:nvPr>
-        </p:nvSpPr>
-        <p:spPr>
-          <a:xfrm>
-            <a:off x="913774" y="1828800"/>
-            <a:ext cx="10363826" cy="3962399"/>
-          </a:xfrm>
-        </p:spPr>
-        <p:txBody>
-          <a:bodyPr>
-            <a:normAutofit/>
-          </a:bodyPr>
-          <a:lstStyle/>
-          <a:p>
-            <a:pPr marL="228600" indent="-228600" algn="l" defTabSz="914400" rtl="0" eaLnBrk="1" latinLnBrk="0" hangingPunct="1">
-              <a:lnSpc>
-                <a:spcPct val="120000"/>
-              </a:lnSpc>
-              <a:spcBef>
-                <a:spcPts val="1000"/>
-              </a:spcBef>
-              <a:buClr>
-                <a:schemeClr val="tx1"/>
-              </a:buClr>
-              <a:buFont typeface="Arial" panose="020B0604020202020204" pitchFamily="34" charset="0"/>
-              <a:buChar char="•"/>
-            </a:pPr>
-            <a:r>
-              <a:rPr lang="en-IL" dirty="0"/>
-              <a:t>Runtime environment: We use our laptops as the runtime environment, with the following installed:</a:t>
-            </a:r>
-          </a:p>
-          <a:p>
-            <a:pPr lvl="1" algn="l" rtl="0">
-              <a:spcBef>
-                <a:spcPts val="1000"/>
-              </a:spcBef>
-            </a:pPr>
-            <a:r>
-              <a:rPr lang="en-IL" sz="2000" dirty="0"/>
-              <a:t>OS: MacOS M1 / M2 or Windows 10+ supported</a:t>
-            </a:r>
-          </a:p>
-          <a:p>
-            <a:pPr lvl="1" algn="l" rtl="0">
-              <a:spcBef>
-                <a:spcPts val="1000"/>
-              </a:spcBef>
-            </a:pPr>
-            <a:r>
-              <a:rPr lang="en-IL" sz="2000" dirty="0"/>
-              <a:t>Python 3.11 with Anaconda / Miniconda installed</a:t>
-            </a:r>
-          </a:p>
-          <a:p>
-            <a:pPr lvl="1" algn="l" rtl="0">
-              <a:spcBef>
-                <a:spcPts val="1000"/>
-              </a:spcBef>
-            </a:pPr>
-            <a:r>
-              <a:rPr lang="en-IL" sz="2000" dirty="0"/>
-              <a:t>The requirements Python packages specified in requirements.txt files installed using pip or conda</a:t>
-            </a:r>
-          </a:p>
-          <a:p>
-            <a:pPr lvl="1" algn="l" rtl="0">
-              <a:spcBef>
-                <a:spcPts val="1000"/>
-              </a:spcBef>
-            </a:pPr>
-            <a:r>
-              <a:rPr lang="en-IL" sz="2000" dirty="0"/>
-              <a:t>In a real scenario the runtime environment should be run on an Instance in the cloud</a:t>
-            </a:r>
-          </a:p>
-          <a:p>
-            <a:pPr algn="l" rtl="0"/>
-            <a:r>
-              <a:rPr lang="en-IL" dirty="0"/>
-              <a:t>Model registry: We use Databricks SaaS platform to register and store our trained models. The Databricks platform is hosted in AWS cloud</a:t>
-            </a:r>
+            <p:ph type="body" idx="1"/>
+          </p:nvPr>
+        </p:nvSpPr>
+        <p:spPr/>
+        <p:txBody>
+          <a:bodyPr/>
+          <a:lstStyle/>
+          <a:p>
+            <a:pPr rtl="0"/>
+            <a:endParaRPr lang="he-IL" dirty="0"/>
           </a:p>
         </p:txBody>
       </p:sp>
     </p:spTree>
     <p:extLst>
       <p:ext uri="{BB962C8B-B14F-4D97-AF65-F5344CB8AC3E}">
-        <p14:creationId xmlns:p14="http://schemas.microsoft.com/office/powerpoint/2010/main" val="810456341"/>
+        <p14:creationId xmlns:p14="http://schemas.microsoft.com/office/powerpoint/2010/main" val="2039371253"/>
       </p:ext>
     </p:extLst>
   </p:cSld>
@@ -8067,7 +8098,7 @@
           <p:cNvPr id="2" name="Title 1">
             <a:extLst>
               <a:ext uri="{FF2B5EF4-FFF2-40B4-BE49-F238E27FC236}">
-                <a16:creationId xmlns:a16="http://schemas.microsoft.com/office/drawing/2014/main" id="{1992D947-AC74-53B5-5D6B-12BA87E6572D}"/>
+                <a16:creationId xmlns:a16="http://schemas.microsoft.com/office/drawing/2014/main" id="{3E2365AF-46C2-3616-1532-D71DEC709133}"/>
               </a:ext>
             </a:extLst>
           </p:cNvPr>
@@ -8094,7 +8125,7 @@
             </a:pPr>
             <a:r>
               <a:rPr lang="en-IL" dirty="0"/>
-              <a:t>Architecture - Process</a:t>
+              <a:t>Architecture - Overall</a:t>
             </a:r>
           </a:p>
         </p:txBody>
@@ -8104,7 +8135,7 @@
           <p:cNvPr id="3" name="Content Placeholder 2">
             <a:extLst>
               <a:ext uri="{FF2B5EF4-FFF2-40B4-BE49-F238E27FC236}">
-                <a16:creationId xmlns:a16="http://schemas.microsoft.com/office/drawing/2014/main" id="{16B8136E-200E-3148-DE13-5E3FEC8D9D65}"/>
+                <a16:creationId xmlns:a16="http://schemas.microsoft.com/office/drawing/2014/main" id="{E6EF5898-C934-4F56-A10A-009A01A21DA2}"/>
               </a:ext>
             </a:extLst>
           </p:cNvPr>
@@ -8117,17 +8148,17 @@
         </p:nvSpPr>
         <p:spPr>
           <a:xfrm>
-            <a:off x="659774" y="1794934"/>
-            <a:ext cx="10363826" cy="4614333"/>
+            <a:off x="913774" y="1828800"/>
+            <a:ext cx="10363826" cy="3962399"/>
           </a:xfrm>
         </p:spPr>
         <p:txBody>
           <a:bodyPr>
-            <a:normAutofit fontScale="92500" lnSpcReduction="10000"/>
+            <a:normAutofit/>
           </a:bodyPr>
           <a:lstStyle/>
           <a:p>
-            <a:pPr marL="457200" indent="-457200" algn="l" defTabSz="914400" rtl="0" eaLnBrk="1" latinLnBrk="0" hangingPunct="1">
+            <a:pPr marL="228600" indent="-228600" algn="l" defTabSz="914400" rtl="0" eaLnBrk="1" latinLnBrk="0" hangingPunct="1">
               <a:lnSpc>
                 <a:spcPct val="120000"/>
               </a:lnSpc>
@@ -8137,122 +8168,63 @@
               <a:buClr>
                 <a:schemeClr val="tx1"/>
               </a:buClr>
-              <a:buFont typeface="+mj-lt"/>
-              <a:buAutoNum type="arabicPeriod"/>
+              <a:buFont typeface="Arial" panose="020B0604020202020204" pitchFamily="34" charset="0"/>
+              <a:buChar char="•"/>
             </a:pPr>
             <a:r>
               <a:rPr lang="en-IL" dirty="0"/>
-              <a:t>Load the dataset from a set of CSV files and concatinate them into a Dataframe object</a:t>
-            </a:r>
-          </a:p>
-          <a:p>
-            <a:pPr marL="457200" indent="-457200" algn="l" defTabSz="914400" rtl="0" eaLnBrk="1" latinLnBrk="0" hangingPunct="1">
-              <a:lnSpc>
-                <a:spcPct val="120000"/>
-              </a:lnSpc>
+              <a:t>Runtime environment: We use our laptops as the runtime environment, with the following installed:</a:t>
+            </a:r>
+          </a:p>
+          <a:p>
+            <a:pPr lvl="1" algn="l" rtl="0">
               <a:spcBef>
                 <a:spcPts val="1000"/>
               </a:spcBef>
-              <a:buClr>
-                <a:schemeClr val="tx1"/>
-              </a:buClr>
-              <a:buFont typeface="+mj-lt"/>
-              <a:buAutoNum type="arabicPeriod"/>
             </a:pPr>
             <a:r>
-              <a:rPr lang="en-IL" dirty="0"/>
-              <a:t>By the selected algorithm (LightGBM / ConvAE):</a:t>
-            </a:r>
-          </a:p>
-          <a:p>
-            <a:pPr marL="914400" lvl="1" indent="-457200" algn="l" rtl="0">
+              <a:rPr lang="en-IL" sz="2000" dirty="0"/>
+              <a:t>OS: MacOS M1 / M2 or Windows 10+ supported</a:t>
+            </a:r>
+          </a:p>
+          <a:p>
+            <a:pPr lvl="1" algn="l" rtl="0">
               <a:spcBef>
                 <a:spcPts val="1000"/>
               </a:spcBef>
-              <a:buFont typeface="+mj-lt"/>
-              <a:buAutoNum type="arabicPeriod"/>
             </a:pPr>
             <a:r>
-              <a:rPr lang="en-IL" dirty="0"/>
-              <a:t>Split the dataset into train / valid</a:t>
-            </a:r>
-            <a:r>
-              <a:rPr lang="en-US" dirty="0" err="1"/>
-              <a:t>ation</a:t>
-            </a:r>
-            <a:r>
-              <a:rPr lang="en-IL" dirty="0"/>
-              <a:t> / test sets</a:t>
-            </a:r>
-          </a:p>
-          <a:p>
-            <a:pPr marL="914400" lvl="1" indent="-457200" algn="l" rtl="0">
+              <a:rPr lang="en-IL" sz="2000" dirty="0"/>
+              <a:t>Python 3.11 with Anaconda / Miniconda installed</a:t>
+            </a:r>
+          </a:p>
+          <a:p>
+            <a:pPr lvl="1" algn="l" rtl="0">
               <a:spcBef>
                 <a:spcPts val="1000"/>
               </a:spcBef>
-              <a:buFont typeface="+mj-lt"/>
-              <a:buAutoNum type="arabicPeriod"/>
             </a:pPr>
             <a:r>
-              <a:rPr lang="en-IL" dirty="0"/>
-              <a:t>Run a training using the train set and validate it with the valid set</a:t>
-            </a:r>
-          </a:p>
-          <a:p>
-            <a:pPr marL="914400" lvl="1" indent="-457200" algn="l" rtl="0">
+              <a:rPr lang="en-IL" sz="2000" dirty="0"/>
+              <a:t>The requirements Python packages specified in requirements.txt files installed using pip or conda</a:t>
+            </a:r>
+          </a:p>
+          <a:p>
+            <a:pPr lvl="1" algn="l" rtl="0">
               <a:spcBef>
                 <a:spcPts val="1000"/>
               </a:spcBef>
-              <a:buFont typeface="+mj-lt"/>
-              <a:buAutoNum type="arabicPeriod"/>
             </a:pPr>
             <a:r>
+              <a:rPr lang="en-IL" sz="2000" dirty="0"/>
+              <a:t>In a real scenario the runtime environment should be run on an Instance in the cloud</a:t>
+            </a:r>
+          </a:p>
+          <a:p>
+            <a:pPr algn="l" rtl="0"/>
+            <a:r>
               <a:rPr lang="en-IL" dirty="0"/>
-              <a:t>Make a test using the test set in order to calculate our desired metrics</a:t>
-            </a:r>
-          </a:p>
-          <a:p>
-            <a:pPr marL="457200" indent="-457200" algn="l" rtl="0">
-              <a:buFont typeface="+mj-lt"/>
-              <a:buAutoNum type="arabicPeriod"/>
-            </a:pPr>
-            <a:r>
-              <a:rPr lang="en-IL" dirty="0"/>
-              <a:t>Run a </a:t>
-            </a:r>
-            <a:r>
-              <a:rPr lang="en-US" dirty="0"/>
-              <a:t>FreaAI algorithm based on a single feature of the original dataset and compare between the predicted vs actual test results (In our use-case it’s anomaly)</a:t>
-            </a:r>
-          </a:p>
-          <a:p>
-            <a:pPr marL="457200" indent="-457200" algn="l" rtl="0">
-              <a:buFont typeface="+mj-lt"/>
-              <a:buAutoNum type="arabicPeriod"/>
-            </a:pPr>
-            <a:r>
-              <a:rPr lang="en-US" dirty="0"/>
-              <a:t>Calculate our desired metrics based on the FreaAI algorithm</a:t>
-            </a:r>
-          </a:p>
-          <a:p>
-            <a:pPr marL="457200" indent="-457200" algn="l" rtl="0">
-              <a:buFont typeface="+mj-lt"/>
-              <a:buAutoNum type="arabicPeriod"/>
-            </a:pPr>
-            <a:r>
-              <a:rPr lang="en-US" dirty="0"/>
-              <a:t>Register our model into Databricks platform</a:t>
-            </a:r>
-          </a:p>
-          <a:p>
-            <a:pPr marL="457200" indent="-457200" algn="l" rtl="0">
-              <a:buFont typeface="+mj-lt"/>
-              <a:buAutoNum type="arabicPeriod"/>
-            </a:pPr>
-            <a:r>
-              <a:rPr lang="en-IL" dirty="0"/>
-              <a:t>Load the model from Databricks and make a test using the test set in order to calculate our desired metrics</a:t>
+              <a:t>Model registry: We use Databricks SaaS platform to register and store our trained models. The Databricks platform is hosted in AWS cloud</a:t>
             </a:r>
           </a:p>
         </p:txBody>
@@ -8260,7 +8232,7 @@
     </p:spTree>
     <p:extLst>
       <p:ext uri="{BB962C8B-B14F-4D97-AF65-F5344CB8AC3E}">
-        <p14:creationId xmlns:p14="http://schemas.microsoft.com/office/powerpoint/2010/main" val="1757092679"/>
+        <p14:creationId xmlns:p14="http://schemas.microsoft.com/office/powerpoint/2010/main" val="810456341"/>
       </p:ext>
     </p:extLst>
   </p:cSld>
@@ -8292,7 +8264,7 @@
           <p:cNvPr id="2" name="Title 1">
             <a:extLst>
               <a:ext uri="{FF2B5EF4-FFF2-40B4-BE49-F238E27FC236}">
-                <a16:creationId xmlns:a16="http://schemas.microsoft.com/office/drawing/2014/main" id="{0D2CA2B8-C3E4-9CCB-39B6-3632459C9DBE}"/>
+                <a16:creationId xmlns:a16="http://schemas.microsoft.com/office/drawing/2014/main" id="{1992D947-AC74-53B5-5D6B-12BA87E6572D}"/>
               </a:ext>
             </a:extLst>
           </p:cNvPr>
@@ -8319,7 +8291,7 @@
             </a:pPr>
             <a:r>
               <a:rPr lang="en-IL" dirty="0"/>
-              <a:t>Architecture – MLFlow</a:t>
+              <a:t>Architecture - Process</a:t>
             </a:r>
           </a:p>
         </p:txBody>
@@ -8329,7 +8301,7 @@
           <p:cNvPr id="3" name="Content Placeholder 2">
             <a:extLst>
               <a:ext uri="{FF2B5EF4-FFF2-40B4-BE49-F238E27FC236}">
-                <a16:creationId xmlns:a16="http://schemas.microsoft.com/office/drawing/2014/main" id="{043E4208-15B2-8B64-720E-70C7E9DBB450}"/>
+                <a16:creationId xmlns:a16="http://schemas.microsoft.com/office/drawing/2014/main" id="{16B8136E-200E-3148-DE13-5E3FEC8D9D65}"/>
               </a:ext>
             </a:extLst>
           </p:cNvPr>
@@ -8340,12 +8312,19 @@
             <p:ph sz="quarter" idx="13"/>
           </p:nvPr>
         </p:nvSpPr>
-        <p:spPr/>
-        <p:txBody>
-          <a:bodyPr/>
-          <a:lstStyle/>
-          <a:p>
-            <a:pPr marL="228600" indent="-228600" algn="l" defTabSz="914400" rtl="0" eaLnBrk="1" latinLnBrk="0" hangingPunct="1">
+        <p:spPr>
+          <a:xfrm>
+            <a:off x="659774" y="1794934"/>
+            <a:ext cx="10363826" cy="4614333"/>
+          </a:xfrm>
+        </p:spPr>
+        <p:txBody>
+          <a:bodyPr>
+            <a:normAutofit fontScale="92500" lnSpcReduction="10000"/>
+          </a:bodyPr>
+          <a:lstStyle/>
+          <a:p>
+            <a:pPr marL="457200" indent="-457200" algn="l" defTabSz="914400" rtl="0" eaLnBrk="1" latinLnBrk="0" hangingPunct="1">
               <a:lnSpc>
                 <a:spcPct val="120000"/>
               </a:lnSpc>
@@ -8355,16 +8334,16 @@
               <a:buClr>
                 <a:schemeClr val="tx1"/>
               </a:buClr>
-              <a:buFont typeface="Arial" panose="020B0604020202020204" pitchFamily="34" charset="0"/>
-              <a:buChar char="•"/>
+              <a:buFont typeface="+mj-lt"/>
+              <a:buAutoNum type="arabicPeriod"/>
             </a:pPr>
             <a:r>
               <a:rPr lang="en-IL" dirty="0"/>
-              <a:t>MLFlow is a MLOps library provider by Databricks, a MLOps software company</a:t>
-            </a:r>
-          </a:p>
-          <a:p>
-            <a:pPr marL="228600" indent="-228600" algn="l" defTabSz="914400" rtl="0" eaLnBrk="1" latinLnBrk="0" hangingPunct="1">
+              <a:t>Load the dataset from a set of CSV files and concatinate them into a Dataframe object</a:t>
+            </a:r>
+          </a:p>
+          <a:p>
+            <a:pPr marL="457200" indent="-457200" algn="l" defTabSz="914400" rtl="0" eaLnBrk="1" latinLnBrk="0" hangingPunct="1">
               <a:lnSpc>
                 <a:spcPct val="120000"/>
               </a:lnSpc>
@@ -8374,50 +8353,103 @@
               <a:buClr>
                 <a:schemeClr val="tx1"/>
               </a:buClr>
-              <a:buFont typeface="Arial" panose="020B0604020202020204" pitchFamily="34" charset="0"/>
-              <a:buChar char="•"/>
+              <a:buFont typeface="+mj-lt"/>
+              <a:buAutoNum type="arabicPeriod"/>
             </a:pPr>
             <a:r>
               <a:rPr lang="en-IL" dirty="0"/>
-              <a:t>We use MLFlow to register our trained model in the Databricks cloud SaaS platform</a:t>
-            </a:r>
-          </a:p>
-          <a:p>
-            <a:pPr marL="228600" indent="-228600" algn="l" defTabSz="914400" rtl="0" eaLnBrk="1" latinLnBrk="0" hangingPunct="1">
-              <a:lnSpc>
-                <a:spcPct val="120000"/>
-              </a:lnSpc>
+              <a:t>By the selected algorithm (LightGBM / ConvAE):</a:t>
+            </a:r>
+          </a:p>
+          <a:p>
+            <a:pPr marL="914400" lvl="1" indent="-457200" algn="l" rtl="0">
               <a:spcBef>
                 <a:spcPts val="1000"/>
               </a:spcBef>
-              <a:buClr>
-                <a:schemeClr val="tx1"/>
-              </a:buClr>
-              <a:buFont typeface="Arial" panose="020B0604020202020204" pitchFamily="34" charset="0"/>
-              <a:buChar char="•"/>
+              <a:buFont typeface="+mj-lt"/>
+              <a:buAutoNum type="arabicPeriod"/>
             </a:pPr>
             <a:r>
               <a:rPr lang="en-IL" dirty="0"/>
-              <a:t>Using MLFlow, we can handle versions of the trained model</a:t>
-            </a:r>
-          </a:p>
-          <a:p>
-            <a:pPr marL="228600" indent="-228600" algn="l" defTabSz="914400" rtl="0" eaLnBrk="1" latinLnBrk="0" hangingPunct="1">
-              <a:lnSpc>
-                <a:spcPct val="120000"/>
-              </a:lnSpc>
+              <a:t>Split the dataset into train / valid</a:t>
+            </a:r>
+            <a:r>
+              <a:rPr lang="en-US" dirty="0" err="1"/>
+              <a:t>ation</a:t>
+            </a:r>
+            <a:r>
+              <a:rPr lang="en-IL" dirty="0"/>
+              <a:t> / test sets</a:t>
+            </a:r>
+          </a:p>
+          <a:p>
+            <a:pPr marL="914400" lvl="1" indent="-457200" algn="l" rtl="0">
               <a:spcBef>
                 <a:spcPts val="1000"/>
               </a:spcBef>
-              <a:buClr>
-                <a:schemeClr val="tx1"/>
-              </a:buClr>
-              <a:buFont typeface="Arial" panose="020B0604020202020204" pitchFamily="34" charset="0"/>
-              <a:buChar char="•"/>
+              <a:buFont typeface="+mj-lt"/>
+              <a:buAutoNum type="arabicPeriod"/>
             </a:pPr>
             <a:r>
               <a:rPr lang="en-IL" dirty="0"/>
-              <a:t>In production scenario, we can load the model from the platform and run a prediction against a test set in order to calculate our metrics </a:t>
+              <a:t>Run a training using the train set and validate it with the valid set</a:t>
+            </a:r>
+          </a:p>
+          <a:p>
+            <a:pPr marL="914400" lvl="1" indent="-457200" algn="l" rtl="0">
+              <a:spcBef>
+                <a:spcPts val="1000"/>
+              </a:spcBef>
+              <a:buFont typeface="+mj-lt"/>
+              <a:buAutoNum type="arabicPeriod"/>
+            </a:pPr>
+            <a:r>
+              <a:rPr lang="en-IL" dirty="0"/>
+              <a:t>Make a test using the test set in order to calculate our desired metrics</a:t>
+            </a:r>
+          </a:p>
+          <a:p>
+            <a:pPr marL="457200" indent="-457200" algn="l" rtl="0">
+              <a:buFont typeface="+mj-lt"/>
+              <a:buAutoNum type="arabicPeriod"/>
+            </a:pPr>
+            <a:r>
+              <a:rPr lang="en-IL" dirty="0"/>
+              <a:t>Run a </a:t>
+            </a:r>
+            <a:r>
+              <a:rPr lang="en-US" dirty="0"/>
+              <a:t>FreaAI algorithm based on a single feature of the original dataset and compare between the predicted vs actual test results (In our use-case it’s anomaly)</a:t>
+            </a:r>
+          </a:p>
+          <a:p>
+            <a:pPr marL="457200" indent="-457200" algn="l" rtl="0">
+              <a:buFont typeface="+mj-lt"/>
+              <a:buAutoNum type="arabicPeriod"/>
+            </a:pPr>
+            <a:r>
+              <a:rPr lang="en-US" dirty="0"/>
+              <a:t>Calculate our desired metrics based on the FreaAI algorithm</a:t>
+            </a:r>
+          </a:p>
+          <a:p>
+            <a:pPr marL="457200" indent="-457200" algn="l" rtl="0">
+              <a:buFont typeface="+mj-lt"/>
+              <a:buAutoNum type="arabicPeriod"/>
+            </a:pPr>
+            <a:r>
+              <a:rPr lang="en-US" dirty="0"/>
+              <a:t>Register our model into Databricks platform</a:t>
+            </a:r>
+          </a:p>
+          <a:p>
+            <a:pPr marL="457200" indent="-457200" algn="l" rtl="0">
+              <a:buFont typeface="+mj-lt"/>
+              <a:buAutoNum type="arabicPeriod"/>
+            </a:pPr>
+            <a:r>
+              <a:rPr lang="en-IL" dirty="0"/>
+              <a:t>Load the model from Databricks and make a test using the test set in order to calculate our desired metrics</a:t>
             </a:r>
           </a:p>
         </p:txBody>
@@ -8425,7 +8457,7 @@
     </p:spTree>
     <p:extLst>
       <p:ext uri="{BB962C8B-B14F-4D97-AF65-F5344CB8AC3E}">
-        <p14:creationId xmlns:p14="http://schemas.microsoft.com/office/powerpoint/2010/main" val="1722080921"/>
+        <p14:creationId xmlns:p14="http://schemas.microsoft.com/office/powerpoint/2010/main" val="1757092679"/>
       </p:ext>
     </p:extLst>
   </p:cSld>
@@ -8704,6 +8736,171 @@
 </file>
 
 <file path=ppt/slides/slide20.xml><?xml version="1.0" encoding="utf-8"?>
+<p:sld xmlns:a="http://schemas.openxmlformats.org/drawingml/2006/main" xmlns:r="http://schemas.openxmlformats.org/officeDocument/2006/relationships" xmlns:p="http://schemas.openxmlformats.org/presentationml/2006/main">
+  <p:cSld>
+    <p:spTree>
+      <p:nvGrpSpPr>
+        <p:cNvPr id="1" name=""/>
+        <p:cNvGrpSpPr/>
+        <p:nvPr/>
+      </p:nvGrpSpPr>
+      <p:grpSpPr>
+        <a:xfrm>
+          <a:off x="0" y="0"/>
+          <a:ext cx="0" cy="0"/>
+          <a:chOff x="0" y="0"/>
+          <a:chExt cx="0" cy="0"/>
+        </a:xfrm>
+      </p:grpSpPr>
+      <p:sp>
+        <p:nvSpPr>
+          <p:cNvPr id="2" name="Title 1">
+            <a:extLst>
+              <a:ext uri="{FF2B5EF4-FFF2-40B4-BE49-F238E27FC236}">
+                <a16:creationId xmlns:a16="http://schemas.microsoft.com/office/drawing/2014/main" id="{0D2CA2B8-C3E4-9CCB-39B6-3632459C9DBE}"/>
+              </a:ext>
+            </a:extLst>
+          </p:cNvPr>
+          <p:cNvSpPr>
+            <a:spLocks noGrp="1"/>
+          </p:cNvSpPr>
+          <p:nvPr>
+            <p:ph type="title"/>
+          </p:nvPr>
+        </p:nvSpPr>
+        <p:spPr/>
+        <p:txBody>
+          <a:bodyPr/>
+          <a:lstStyle/>
+          <a:p>
+            <a:pPr algn="ctr" defTabSz="914400" rtl="0" eaLnBrk="1" latinLnBrk="0" hangingPunct="1">
+              <a:lnSpc>
+                <a:spcPct val="90000"/>
+              </a:lnSpc>
+              <a:spcBef>
+                <a:spcPct val="0"/>
+              </a:spcBef>
+              <a:buNone/>
+            </a:pPr>
+            <a:r>
+              <a:rPr lang="en-IL" dirty="0"/>
+              <a:t>Architecture – MLFlow</a:t>
+            </a:r>
+          </a:p>
+        </p:txBody>
+      </p:sp>
+      <p:sp>
+        <p:nvSpPr>
+          <p:cNvPr id="3" name="Content Placeholder 2">
+            <a:extLst>
+              <a:ext uri="{FF2B5EF4-FFF2-40B4-BE49-F238E27FC236}">
+                <a16:creationId xmlns:a16="http://schemas.microsoft.com/office/drawing/2014/main" id="{043E4208-15B2-8B64-720E-70C7E9DBB450}"/>
+              </a:ext>
+            </a:extLst>
+          </p:cNvPr>
+          <p:cNvSpPr>
+            <a:spLocks noGrp="1"/>
+          </p:cNvSpPr>
+          <p:nvPr>
+            <p:ph sz="quarter" idx="13"/>
+          </p:nvPr>
+        </p:nvSpPr>
+        <p:spPr/>
+        <p:txBody>
+          <a:bodyPr/>
+          <a:lstStyle/>
+          <a:p>
+            <a:pPr marL="228600" indent="-228600" algn="l" defTabSz="914400" rtl="0" eaLnBrk="1" latinLnBrk="0" hangingPunct="1">
+              <a:lnSpc>
+                <a:spcPct val="120000"/>
+              </a:lnSpc>
+              <a:spcBef>
+                <a:spcPts val="1000"/>
+              </a:spcBef>
+              <a:buClr>
+                <a:schemeClr val="tx1"/>
+              </a:buClr>
+              <a:buFont typeface="Arial" panose="020B0604020202020204" pitchFamily="34" charset="0"/>
+              <a:buChar char="•"/>
+            </a:pPr>
+            <a:r>
+              <a:rPr lang="en-IL" dirty="0"/>
+              <a:t>MLFlow is a MLOps library provider by Databricks, a MLOps software company</a:t>
+            </a:r>
+          </a:p>
+          <a:p>
+            <a:pPr marL="228600" indent="-228600" algn="l" defTabSz="914400" rtl="0" eaLnBrk="1" latinLnBrk="0" hangingPunct="1">
+              <a:lnSpc>
+                <a:spcPct val="120000"/>
+              </a:lnSpc>
+              <a:spcBef>
+                <a:spcPts val="1000"/>
+              </a:spcBef>
+              <a:buClr>
+                <a:schemeClr val="tx1"/>
+              </a:buClr>
+              <a:buFont typeface="Arial" panose="020B0604020202020204" pitchFamily="34" charset="0"/>
+              <a:buChar char="•"/>
+            </a:pPr>
+            <a:r>
+              <a:rPr lang="en-IL" dirty="0"/>
+              <a:t>We use MLFlow to register our trained model in the Databricks cloud SaaS platform</a:t>
+            </a:r>
+          </a:p>
+          <a:p>
+            <a:pPr marL="228600" indent="-228600" algn="l" defTabSz="914400" rtl="0" eaLnBrk="1" latinLnBrk="0" hangingPunct="1">
+              <a:lnSpc>
+                <a:spcPct val="120000"/>
+              </a:lnSpc>
+              <a:spcBef>
+                <a:spcPts val="1000"/>
+              </a:spcBef>
+              <a:buClr>
+                <a:schemeClr val="tx1"/>
+              </a:buClr>
+              <a:buFont typeface="Arial" panose="020B0604020202020204" pitchFamily="34" charset="0"/>
+              <a:buChar char="•"/>
+            </a:pPr>
+            <a:r>
+              <a:rPr lang="en-IL" dirty="0"/>
+              <a:t>Using MLFlow, we can handle versions of the trained model</a:t>
+            </a:r>
+          </a:p>
+          <a:p>
+            <a:pPr marL="228600" indent="-228600" algn="l" defTabSz="914400" rtl="0" eaLnBrk="1" latinLnBrk="0" hangingPunct="1">
+              <a:lnSpc>
+                <a:spcPct val="120000"/>
+              </a:lnSpc>
+              <a:spcBef>
+                <a:spcPts val="1000"/>
+              </a:spcBef>
+              <a:buClr>
+                <a:schemeClr val="tx1"/>
+              </a:buClr>
+              <a:buFont typeface="Arial" panose="020B0604020202020204" pitchFamily="34" charset="0"/>
+              <a:buChar char="•"/>
+            </a:pPr>
+            <a:r>
+              <a:rPr lang="en-IL" dirty="0"/>
+              <a:t>In production scenario, we can load the model from the platform and run a prediction against a test set in order to calculate our metrics </a:t>
+            </a:r>
+          </a:p>
+        </p:txBody>
+      </p:sp>
+    </p:spTree>
+    <p:extLst>
+      <p:ext uri="{BB962C8B-B14F-4D97-AF65-F5344CB8AC3E}">
+        <p14:creationId xmlns:p14="http://schemas.microsoft.com/office/powerpoint/2010/main" val="1722080921"/>
+      </p:ext>
+    </p:extLst>
+  </p:cSld>
+  <p:clrMapOvr>
+    <a:masterClrMapping/>
+  </p:clrMapOvr>
+</p:sld>
+</file>
+
+<file path=ppt/slides/slide21.xml><?xml version="1.0" encoding="utf-8"?>
 <p:sld xmlns:a="http://schemas.openxmlformats.org/drawingml/2006/main" xmlns:r="http://schemas.openxmlformats.org/officeDocument/2006/relationships" xmlns:p="http://schemas.openxmlformats.org/presentationml/2006/main">
   <p:cSld>
     <p:spTree>
@@ -8800,7 +8997,7 @@
 </p:sld>
 </file>
 
-<file path=ppt/slides/slide21.xml><?xml version="1.0" encoding="utf-8"?>
+<file path=ppt/slides/slide22.xml><?xml version="1.0" encoding="utf-8"?>
 <p:sld xmlns:a="http://schemas.openxmlformats.org/drawingml/2006/main" xmlns:r="http://schemas.openxmlformats.org/officeDocument/2006/relationships" xmlns:p="http://schemas.openxmlformats.org/presentationml/2006/main">
   <p:cSld>
     <p:spTree>
@@ -8897,92 +9094,6 @@
 </p:sld>
 </file>
 
-<file path=ppt/slides/slide22.xml><?xml version="1.0" encoding="utf-8"?>
-<p:sld xmlns:a="http://schemas.openxmlformats.org/drawingml/2006/main" xmlns:r="http://schemas.openxmlformats.org/officeDocument/2006/relationships" xmlns:p="http://schemas.openxmlformats.org/presentationml/2006/main">
-  <p:cSld>
-    <p:spTree>
-      <p:nvGrpSpPr>
-        <p:cNvPr id="1" name=""/>
-        <p:cNvGrpSpPr/>
-        <p:nvPr/>
-      </p:nvGrpSpPr>
-      <p:grpSpPr>
-        <a:xfrm>
-          <a:off x="0" y="0"/>
-          <a:ext cx="0" cy="0"/>
-          <a:chOff x="0" y="0"/>
-          <a:chExt cx="0" cy="0"/>
-        </a:xfrm>
-      </p:grpSpPr>
-      <p:sp>
-        <p:nvSpPr>
-          <p:cNvPr id="4" name="Title 3">
-            <a:extLst>
-              <a:ext uri="{FF2B5EF4-FFF2-40B4-BE49-F238E27FC236}">
-                <a16:creationId xmlns:a16="http://schemas.microsoft.com/office/drawing/2014/main" id="{0164B796-02E6-2CF2-AD58-6BA0FF61E8C3}"/>
-              </a:ext>
-            </a:extLst>
-          </p:cNvPr>
-          <p:cNvSpPr>
-            <a:spLocks noGrp="1"/>
-          </p:cNvSpPr>
-          <p:nvPr>
-            <p:ph type="title"/>
-          </p:nvPr>
-        </p:nvSpPr>
-        <p:spPr/>
-        <p:txBody>
-          <a:bodyPr/>
-          <a:lstStyle/>
-          <a:p>
-            <a:pPr rtl="0"/>
-            <a:r>
-              <a:rPr lang="en-US" cap="all" dirty="0"/>
-              <a:t>DEMO</a:t>
-            </a:r>
-            <a:endParaRPr lang="he-IL" cap="all" dirty="0"/>
-          </a:p>
-        </p:txBody>
-      </p:sp>
-      <p:sp>
-        <p:nvSpPr>
-          <p:cNvPr id="5" name="Text Placeholder 4">
-            <a:extLst>
-              <a:ext uri="{FF2B5EF4-FFF2-40B4-BE49-F238E27FC236}">
-                <a16:creationId xmlns:a16="http://schemas.microsoft.com/office/drawing/2014/main" id="{49087E06-C5E1-41C3-1F28-1C6A2EEE3E22}"/>
-              </a:ext>
-            </a:extLst>
-          </p:cNvPr>
-          <p:cNvSpPr>
-            <a:spLocks noGrp="1"/>
-          </p:cNvSpPr>
-          <p:nvPr>
-            <p:ph type="body" idx="1"/>
-          </p:nvPr>
-        </p:nvSpPr>
-        <p:spPr/>
-        <p:txBody>
-          <a:bodyPr/>
-          <a:lstStyle/>
-          <a:p>
-            <a:pPr rtl="0"/>
-            <a:endParaRPr lang="he-IL" dirty="0"/>
-          </a:p>
-        </p:txBody>
-      </p:sp>
-    </p:spTree>
-    <p:extLst>
-      <p:ext uri="{BB962C8B-B14F-4D97-AF65-F5344CB8AC3E}">
-        <p14:creationId xmlns:p14="http://schemas.microsoft.com/office/powerpoint/2010/main" val="3522007243"/>
-      </p:ext>
-    </p:extLst>
-  </p:cSld>
-  <p:clrMapOvr>
-    <a:masterClrMapping/>
-  </p:clrMapOvr>
-</p:sld>
-</file>
-
 <file path=ppt/slides/slide23.xml><?xml version="1.0" encoding="utf-8"?>
 <p:sld xmlns:a="http://schemas.openxmlformats.org/drawingml/2006/main" xmlns:r="http://schemas.openxmlformats.org/officeDocument/2006/relationships" xmlns:p="http://schemas.openxmlformats.org/presentationml/2006/main">
   <p:cSld>
@@ -9024,7 +9135,7 @@
             <a:pPr rtl="0"/>
             <a:r>
               <a:rPr lang="en-US" cap="all" dirty="0"/>
-              <a:t>THE report</a:t>
+              <a:t>DEMO</a:t>
             </a:r>
             <a:endParaRPr lang="he-IL" cap="all" dirty="0"/>
           </a:p>
@@ -9059,7 +9170,7 @@
     </p:spTree>
     <p:extLst>
       <p:ext uri="{BB962C8B-B14F-4D97-AF65-F5344CB8AC3E}">
-        <p14:creationId xmlns:p14="http://schemas.microsoft.com/office/powerpoint/2010/main" val="3978710713"/>
+        <p14:creationId xmlns:p14="http://schemas.microsoft.com/office/powerpoint/2010/main" val="3522007243"/>
       </p:ext>
     </p:extLst>
   </p:cSld>
@@ -9091,7 +9202,7 @@
           <p:cNvPr id="4" name="Title 3">
             <a:extLst>
               <a:ext uri="{FF2B5EF4-FFF2-40B4-BE49-F238E27FC236}">
-                <a16:creationId xmlns:a16="http://schemas.microsoft.com/office/drawing/2014/main" id="{6D5488FF-F6DF-42CF-C78C-A0BBBAECD472}"/>
+                <a16:creationId xmlns:a16="http://schemas.microsoft.com/office/drawing/2014/main" id="{0164B796-02E6-2CF2-AD58-6BA0FF61E8C3}"/>
               </a:ext>
             </a:extLst>
           </p:cNvPr>
@@ -9107,7 +9218,98 @@
           <a:bodyPr/>
           <a:lstStyle/>
           <a:p>
-            <a:endParaRPr lang="he-IL"/>
+            <a:pPr rtl="0"/>
+            <a:r>
+              <a:rPr lang="en-US" cap="all" dirty="0"/>
+              <a:t>THE report</a:t>
+            </a:r>
+            <a:endParaRPr lang="he-IL" cap="all" dirty="0"/>
+          </a:p>
+        </p:txBody>
+      </p:sp>
+      <p:sp>
+        <p:nvSpPr>
+          <p:cNvPr id="5" name="Text Placeholder 4">
+            <a:extLst>
+              <a:ext uri="{FF2B5EF4-FFF2-40B4-BE49-F238E27FC236}">
+                <a16:creationId xmlns:a16="http://schemas.microsoft.com/office/drawing/2014/main" id="{49087E06-C5E1-41C3-1F28-1C6A2EEE3E22}"/>
+              </a:ext>
+            </a:extLst>
+          </p:cNvPr>
+          <p:cNvSpPr>
+            <a:spLocks noGrp="1"/>
+          </p:cNvSpPr>
+          <p:nvPr>
+            <p:ph type="body" idx="1"/>
+          </p:nvPr>
+        </p:nvSpPr>
+        <p:spPr/>
+        <p:txBody>
+          <a:bodyPr/>
+          <a:lstStyle/>
+          <a:p>
+            <a:pPr rtl="0"/>
+            <a:endParaRPr lang="he-IL" dirty="0"/>
+          </a:p>
+        </p:txBody>
+      </p:sp>
+    </p:spTree>
+    <p:extLst>
+      <p:ext uri="{BB962C8B-B14F-4D97-AF65-F5344CB8AC3E}">
+        <p14:creationId xmlns:p14="http://schemas.microsoft.com/office/powerpoint/2010/main" val="3978710713"/>
+      </p:ext>
+    </p:extLst>
+  </p:cSld>
+  <p:clrMapOvr>
+    <a:masterClrMapping/>
+  </p:clrMapOvr>
+</p:sld>
+</file>
+
+<file path=ppt/slides/slide25.xml><?xml version="1.0" encoding="utf-8"?>
+<p:sld xmlns:a="http://schemas.openxmlformats.org/drawingml/2006/main" xmlns:r="http://schemas.openxmlformats.org/officeDocument/2006/relationships" xmlns:p="http://schemas.openxmlformats.org/presentationml/2006/main">
+  <p:cSld>
+    <p:spTree>
+      <p:nvGrpSpPr>
+        <p:cNvPr id="1" name=""/>
+        <p:cNvGrpSpPr/>
+        <p:nvPr/>
+      </p:nvGrpSpPr>
+      <p:grpSpPr>
+        <a:xfrm>
+          <a:off x="0" y="0"/>
+          <a:ext cx="0" cy="0"/>
+          <a:chOff x="0" y="0"/>
+          <a:chExt cx="0" cy="0"/>
+        </a:xfrm>
+      </p:grpSpPr>
+      <p:sp>
+        <p:nvSpPr>
+          <p:cNvPr id="4" name="Title 3">
+            <a:extLst>
+              <a:ext uri="{FF2B5EF4-FFF2-40B4-BE49-F238E27FC236}">
+                <a16:creationId xmlns:a16="http://schemas.microsoft.com/office/drawing/2014/main" id="{6D5488FF-F6DF-42CF-C78C-A0BBBAECD472}"/>
+              </a:ext>
+            </a:extLst>
+          </p:cNvPr>
+          <p:cNvSpPr>
+            <a:spLocks noGrp="1"/>
+          </p:cNvSpPr>
+          <p:nvPr>
+            <p:ph type="title"/>
+          </p:nvPr>
+        </p:nvSpPr>
+        <p:spPr/>
+        <p:txBody>
+          <a:bodyPr/>
+          <a:lstStyle/>
+          <a:p>
+            <a:pPr rtl="0"/>
+            <a:r>
+              <a:rPr lang="en-US" dirty="0"/>
+              <a:t>Summary and notes</a:t>
+            </a:r>
+            <a:endParaRPr lang="he-IL" dirty="0"/>
           </a:p>
         </p:txBody>
       </p:sp>
@@ -9135,7 +9337,7 @@
             <a:pPr algn="l" rtl="0"/>
             <a:r>
               <a:rPr lang="en-US" dirty="0"/>
-              <a:t>&lt;Insert reports for each model – 2 slides?&gt;</a:t>
+              <a:t>3 graphs</a:t>
             </a:r>
             <a:endParaRPr lang="he-IL" dirty="0"/>
           </a:p>
@@ -9154,7 +9356,211 @@
 </p:sld>
 </file>
 
-<file path=ppt/slides/slide25.xml><?xml version="1.0" encoding="utf-8"?>
+<file path=ppt/slides/slide26.xml><?xml version="1.0" encoding="utf-8"?>
+<p:sld xmlns:a="http://schemas.openxmlformats.org/drawingml/2006/main" xmlns:r="http://schemas.openxmlformats.org/officeDocument/2006/relationships" xmlns:p="http://schemas.openxmlformats.org/presentationml/2006/main">
+  <p:cSld>
+    <p:spTree>
+      <p:nvGrpSpPr>
+        <p:cNvPr id="1" name="">
+          <a:extLst>
+            <a:ext uri="{FF2B5EF4-FFF2-40B4-BE49-F238E27FC236}">
+              <a16:creationId xmlns:a16="http://schemas.microsoft.com/office/drawing/2014/main" id="{BA8B3184-D034-C81C-72FF-EB3F29328628}"/>
+            </a:ext>
+          </a:extLst>
+        </p:cNvPr>
+        <p:cNvGrpSpPr/>
+        <p:nvPr/>
+      </p:nvGrpSpPr>
+      <p:grpSpPr>
+        <a:xfrm>
+          <a:off x="0" y="0"/>
+          <a:ext cx="0" cy="0"/>
+          <a:chOff x="0" y="0"/>
+          <a:chExt cx="0" cy="0"/>
+        </a:xfrm>
+      </p:grpSpPr>
+      <p:sp>
+        <p:nvSpPr>
+          <p:cNvPr id="4" name="Title 3">
+            <a:extLst>
+              <a:ext uri="{FF2B5EF4-FFF2-40B4-BE49-F238E27FC236}">
+                <a16:creationId xmlns:a16="http://schemas.microsoft.com/office/drawing/2014/main" id="{B9796361-33EB-EEDC-7251-C77943B87D2B}"/>
+              </a:ext>
+            </a:extLst>
+          </p:cNvPr>
+          <p:cNvSpPr>
+            <a:spLocks noGrp="1"/>
+          </p:cNvSpPr>
+          <p:nvPr>
+            <p:ph type="title"/>
+          </p:nvPr>
+        </p:nvSpPr>
+        <p:spPr/>
+        <p:txBody>
+          <a:bodyPr/>
+          <a:lstStyle/>
+          <a:p>
+            <a:pPr rtl="0"/>
+            <a:endParaRPr lang="he-IL" dirty="0"/>
+          </a:p>
+        </p:txBody>
+      </p:sp>
+      <p:sp>
+        <p:nvSpPr>
+          <p:cNvPr id="5" name="Content Placeholder 4">
+            <a:extLst>
+              <a:ext uri="{FF2B5EF4-FFF2-40B4-BE49-F238E27FC236}">
+                <a16:creationId xmlns:a16="http://schemas.microsoft.com/office/drawing/2014/main" id="{208A68BF-ECEA-6C77-B7B0-557477171E7F}"/>
+              </a:ext>
+            </a:extLst>
+          </p:cNvPr>
+          <p:cNvSpPr>
+            <a:spLocks noGrp="1"/>
+          </p:cNvSpPr>
+          <p:nvPr>
+            <p:ph sz="quarter" idx="13"/>
+          </p:nvPr>
+        </p:nvSpPr>
+        <p:spPr/>
+        <p:txBody>
+          <a:bodyPr/>
+          <a:lstStyle/>
+          <a:p>
+            <a:pPr algn="l" rtl="0"/>
+            <a:r>
+              <a:rPr lang="en-US" dirty="0"/>
+              <a:t>The potential improvement we got using our modification is less than original FreaAI</a:t>
+            </a:r>
+          </a:p>
+          <a:p>
+            <a:pPr marL="0" indent="0" algn="l" rtl="0">
+              <a:buNone/>
+            </a:pPr>
+            <a:r>
+              <a:rPr lang="en-US" dirty="0"/>
+              <a:t>&lt;add 2</a:t>
+            </a:r>
+            <a:r>
+              <a:rPr lang="en-US" baseline="30000" dirty="0"/>
+              <a:t>nd</a:t>
+            </a:r>
+            <a:r>
+              <a:rPr lang="en-US" dirty="0"/>
+              <a:t> couple of trees&gt;</a:t>
+            </a:r>
+          </a:p>
+          <a:p>
+            <a:pPr algn="l" rtl="0"/>
+            <a:r>
+              <a:rPr lang="en-US" dirty="0"/>
+              <a:t>The modified decision tree splits better </a:t>
+            </a:r>
+          </a:p>
+          <a:p>
+            <a:pPr algn="l" rtl="0"/>
+            <a:r>
+              <a:rPr lang="en-US" dirty="0"/>
+              <a:t>Number of samples per node is large and therefore many nodes were dropped</a:t>
+            </a:r>
+            <a:endParaRPr lang="he-IL" dirty="0"/>
+          </a:p>
+        </p:txBody>
+      </p:sp>
+    </p:spTree>
+    <p:extLst>
+      <p:ext uri="{BB962C8B-B14F-4D97-AF65-F5344CB8AC3E}">
+        <p14:creationId xmlns:p14="http://schemas.microsoft.com/office/powerpoint/2010/main" val="2258968697"/>
+      </p:ext>
+    </p:extLst>
+  </p:cSld>
+  <p:clrMapOvr>
+    <a:masterClrMapping/>
+  </p:clrMapOvr>
+</p:sld>
+</file>
+
+<file path=ppt/slides/slide27.xml><?xml version="1.0" encoding="utf-8"?>
+<p:sld xmlns:a="http://schemas.openxmlformats.org/drawingml/2006/main" xmlns:r="http://schemas.openxmlformats.org/officeDocument/2006/relationships" xmlns:p="http://schemas.openxmlformats.org/presentationml/2006/main">
+  <p:cSld>
+    <p:spTree>
+      <p:nvGrpSpPr>
+        <p:cNvPr id="1" name=""/>
+        <p:cNvGrpSpPr/>
+        <p:nvPr/>
+      </p:nvGrpSpPr>
+      <p:grpSpPr>
+        <a:xfrm>
+          <a:off x="0" y="0"/>
+          <a:ext cx="0" cy="0"/>
+          <a:chOff x="0" y="0"/>
+          <a:chExt cx="0" cy="0"/>
+        </a:xfrm>
+      </p:grpSpPr>
+      <p:sp>
+        <p:nvSpPr>
+          <p:cNvPr id="2" name="Title 1">
+            <a:extLst>
+              <a:ext uri="{FF2B5EF4-FFF2-40B4-BE49-F238E27FC236}">
+                <a16:creationId xmlns:a16="http://schemas.microsoft.com/office/drawing/2014/main" id="{A3801608-5897-3518-0AA7-31219D68B2E2}"/>
+              </a:ext>
+            </a:extLst>
+          </p:cNvPr>
+          <p:cNvSpPr>
+            <a:spLocks noGrp="1"/>
+          </p:cNvSpPr>
+          <p:nvPr>
+            <p:ph type="title"/>
+          </p:nvPr>
+        </p:nvSpPr>
+        <p:spPr/>
+        <p:txBody>
+          <a:bodyPr/>
+          <a:lstStyle/>
+          <a:p>
+            <a:endParaRPr lang="he-IL"/>
+          </a:p>
+        </p:txBody>
+      </p:sp>
+      <p:sp>
+        <p:nvSpPr>
+          <p:cNvPr id="3" name="Content Placeholder 2">
+            <a:extLst>
+              <a:ext uri="{FF2B5EF4-FFF2-40B4-BE49-F238E27FC236}">
+                <a16:creationId xmlns:a16="http://schemas.microsoft.com/office/drawing/2014/main" id="{05B2259C-E6D9-7174-2A6C-F29C9E807E58}"/>
+              </a:ext>
+            </a:extLst>
+          </p:cNvPr>
+          <p:cNvSpPr>
+            <a:spLocks noGrp="1"/>
+          </p:cNvSpPr>
+          <p:nvPr>
+            <p:ph sz="quarter" idx="13"/>
+          </p:nvPr>
+        </p:nvSpPr>
+        <p:spPr/>
+        <p:txBody>
+          <a:bodyPr/>
+          <a:lstStyle/>
+          <a:p>
+            <a:pPr algn="l" rtl="0"/>
+            <a:endParaRPr lang="he-IL" dirty="0"/>
+          </a:p>
+        </p:txBody>
+      </p:sp>
+    </p:spTree>
+    <p:extLst>
+      <p:ext uri="{BB962C8B-B14F-4D97-AF65-F5344CB8AC3E}">
+        <p14:creationId xmlns:p14="http://schemas.microsoft.com/office/powerpoint/2010/main" val="3373937242"/>
+      </p:ext>
+    </p:extLst>
+  </p:cSld>
+  <p:clrMapOvr>
+    <a:masterClrMapping/>
+  </p:clrMapOvr>
+</p:sld>
+</file>
+
+<file path=ppt/slides/slide28.xml><?xml version="1.0" encoding="utf-8"?>
 <p:sld xmlns:a="http://schemas.openxmlformats.org/drawingml/2006/main" xmlns:r="http://schemas.openxmlformats.org/officeDocument/2006/relationships" xmlns:p="http://schemas.openxmlformats.org/presentationml/2006/main">
   <p:cSld>
     <p:bg>
@@ -9562,7 +9968,7 @@
 </p:sld>
 </file>
 
-<file path=ppt/slides/slide26.xml><?xml version="1.0" encoding="utf-8"?>
+<file path=ppt/slides/slide29.xml><?xml version="1.0" encoding="utf-8"?>
 <p:sld xmlns:a="http://schemas.openxmlformats.org/drawingml/2006/main" xmlns:r="http://schemas.openxmlformats.org/officeDocument/2006/relationships" xmlns:p="http://schemas.openxmlformats.org/presentationml/2006/main">
   <p:cSld>
     <p:spTree>
@@ -9690,7 +10096,100 @@
 </p:sld>
 </file>
 
-<file path=ppt/slides/slide27.xml><?xml version="1.0" encoding="utf-8"?>
+<file path=ppt/slides/slide3.xml><?xml version="1.0" encoding="utf-8"?>
+<p:sld xmlns:a="http://schemas.openxmlformats.org/drawingml/2006/main" xmlns:r="http://schemas.openxmlformats.org/officeDocument/2006/relationships" xmlns:p="http://schemas.openxmlformats.org/presentationml/2006/main">
+  <p:cSld>
+    <p:spTree>
+      <p:nvGrpSpPr>
+        <p:cNvPr id="1" name=""/>
+        <p:cNvGrpSpPr/>
+        <p:nvPr/>
+      </p:nvGrpSpPr>
+      <p:grpSpPr>
+        <a:xfrm>
+          <a:off x="0" y="0"/>
+          <a:ext cx="0" cy="0"/>
+          <a:chOff x="0" y="0"/>
+          <a:chExt cx="0" cy="0"/>
+        </a:xfrm>
+      </p:grpSpPr>
+      <p:sp>
+        <p:nvSpPr>
+          <p:cNvPr id="4" name="Title 3">
+            <a:extLst>
+              <a:ext uri="{FF2B5EF4-FFF2-40B4-BE49-F238E27FC236}">
+                <a16:creationId xmlns:a16="http://schemas.microsoft.com/office/drawing/2014/main" id="{0164B796-02E6-2CF2-AD58-6BA0FF61E8C3}"/>
+              </a:ext>
+            </a:extLst>
+          </p:cNvPr>
+          <p:cNvSpPr>
+            <a:spLocks noGrp="1"/>
+          </p:cNvSpPr>
+          <p:nvPr>
+            <p:ph type="title"/>
+          </p:nvPr>
+        </p:nvSpPr>
+        <p:spPr/>
+        <p:txBody>
+          <a:bodyPr/>
+          <a:lstStyle/>
+          <a:p>
+            <a:pPr rtl="0"/>
+            <a:r>
+              <a:rPr lang="en-US" cap="all" dirty="0"/>
+              <a:t>From business OBJECTIVE –</a:t>
+            </a:r>
+            <a:br>
+              <a:rPr lang="en-US" cap="all" dirty="0"/>
+            </a:br>
+            <a:r>
+              <a:rPr lang="en-US" cap="all" dirty="0"/>
+              <a:t>to TECHNICAL metrics</a:t>
+            </a:r>
+            <a:endParaRPr lang="he-IL" cap="all" dirty="0"/>
+          </a:p>
+        </p:txBody>
+      </p:sp>
+      <p:sp>
+        <p:nvSpPr>
+          <p:cNvPr id="5" name="Text Placeholder 4">
+            <a:extLst>
+              <a:ext uri="{FF2B5EF4-FFF2-40B4-BE49-F238E27FC236}">
+                <a16:creationId xmlns:a16="http://schemas.microsoft.com/office/drawing/2014/main" id="{49087E06-C5E1-41C3-1F28-1C6A2EEE3E22}"/>
+              </a:ext>
+            </a:extLst>
+          </p:cNvPr>
+          <p:cNvSpPr>
+            <a:spLocks noGrp="1"/>
+          </p:cNvSpPr>
+          <p:nvPr>
+            <p:ph type="body" idx="1"/>
+          </p:nvPr>
+        </p:nvSpPr>
+        <p:spPr/>
+        <p:txBody>
+          <a:bodyPr/>
+          <a:lstStyle/>
+          <a:p>
+            <a:pPr rtl="0"/>
+            <a:endParaRPr lang="he-IL" dirty="0"/>
+          </a:p>
+        </p:txBody>
+      </p:sp>
+    </p:spTree>
+    <p:extLst>
+      <p:ext uri="{BB962C8B-B14F-4D97-AF65-F5344CB8AC3E}">
+        <p14:creationId xmlns:p14="http://schemas.microsoft.com/office/powerpoint/2010/main" val="3030595227"/>
+      </p:ext>
+    </p:extLst>
+  </p:cSld>
+  <p:clrMapOvr>
+    <a:masterClrMapping/>
+  </p:clrMapOvr>
+</p:sld>
+</file>
+
+<file path=ppt/slides/slide30.xml><?xml version="1.0" encoding="utf-8"?>
 <p:sld xmlns:a="http://schemas.openxmlformats.org/drawingml/2006/main" xmlns:r="http://schemas.openxmlformats.org/officeDocument/2006/relationships" xmlns:p="http://schemas.openxmlformats.org/presentationml/2006/main">
   <p:cSld>
     <p:bg>
@@ -10058,99 +10557,6 @@
 </p:sld>
 </file>
 
-<file path=ppt/slides/slide3.xml><?xml version="1.0" encoding="utf-8"?>
-<p:sld xmlns:a="http://schemas.openxmlformats.org/drawingml/2006/main" xmlns:r="http://schemas.openxmlformats.org/officeDocument/2006/relationships" xmlns:p="http://schemas.openxmlformats.org/presentationml/2006/main">
-  <p:cSld>
-    <p:spTree>
-      <p:nvGrpSpPr>
-        <p:cNvPr id="1" name=""/>
-        <p:cNvGrpSpPr/>
-        <p:nvPr/>
-      </p:nvGrpSpPr>
-      <p:grpSpPr>
-        <a:xfrm>
-          <a:off x="0" y="0"/>
-          <a:ext cx="0" cy="0"/>
-          <a:chOff x="0" y="0"/>
-          <a:chExt cx="0" cy="0"/>
-        </a:xfrm>
-      </p:grpSpPr>
-      <p:sp>
-        <p:nvSpPr>
-          <p:cNvPr id="4" name="Title 3">
-            <a:extLst>
-              <a:ext uri="{FF2B5EF4-FFF2-40B4-BE49-F238E27FC236}">
-                <a16:creationId xmlns:a16="http://schemas.microsoft.com/office/drawing/2014/main" id="{0164B796-02E6-2CF2-AD58-6BA0FF61E8C3}"/>
-              </a:ext>
-            </a:extLst>
-          </p:cNvPr>
-          <p:cNvSpPr>
-            <a:spLocks noGrp="1"/>
-          </p:cNvSpPr>
-          <p:nvPr>
-            <p:ph type="title"/>
-          </p:nvPr>
-        </p:nvSpPr>
-        <p:spPr/>
-        <p:txBody>
-          <a:bodyPr/>
-          <a:lstStyle/>
-          <a:p>
-            <a:pPr rtl="0"/>
-            <a:r>
-              <a:rPr lang="en-US" cap="all" dirty="0"/>
-              <a:t>From business OBJECTIVE –</a:t>
-            </a:r>
-            <a:br>
-              <a:rPr lang="en-US" cap="all" dirty="0"/>
-            </a:br>
-            <a:r>
-              <a:rPr lang="en-US" cap="all" dirty="0"/>
-              <a:t>to TECHNICAL metrics</a:t>
-            </a:r>
-            <a:endParaRPr lang="he-IL" cap="all" dirty="0"/>
-          </a:p>
-        </p:txBody>
-      </p:sp>
-      <p:sp>
-        <p:nvSpPr>
-          <p:cNvPr id="5" name="Text Placeholder 4">
-            <a:extLst>
-              <a:ext uri="{FF2B5EF4-FFF2-40B4-BE49-F238E27FC236}">
-                <a16:creationId xmlns:a16="http://schemas.microsoft.com/office/drawing/2014/main" id="{49087E06-C5E1-41C3-1F28-1C6A2EEE3E22}"/>
-              </a:ext>
-            </a:extLst>
-          </p:cNvPr>
-          <p:cNvSpPr>
-            <a:spLocks noGrp="1"/>
-          </p:cNvSpPr>
-          <p:nvPr>
-            <p:ph type="body" idx="1"/>
-          </p:nvPr>
-        </p:nvSpPr>
-        <p:spPr/>
-        <p:txBody>
-          <a:bodyPr/>
-          <a:lstStyle/>
-          <a:p>
-            <a:pPr rtl="0"/>
-            <a:endParaRPr lang="he-IL" dirty="0"/>
-          </a:p>
-        </p:txBody>
-      </p:sp>
-    </p:spTree>
-    <p:extLst>
-      <p:ext uri="{BB962C8B-B14F-4D97-AF65-F5344CB8AC3E}">
-        <p14:creationId xmlns:p14="http://schemas.microsoft.com/office/powerpoint/2010/main" val="3030595227"/>
-      </p:ext>
-    </p:extLst>
-  </p:cSld>
-  <p:clrMapOvr>
-    <a:masterClrMapping/>
-  </p:clrMapOvr>
-</p:sld>
-</file>
-
 <file path=ppt/slides/slide4.xml><?xml version="1.0" encoding="utf-8"?>
 <p:sld xmlns:a="http://schemas.openxmlformats.org/drawingml/2006/main" xmlns:r="http://schemas.openxmlformats.org/officeDocument/2006/relationships" xmlns:p="http://schemas.openxmlformats.org/presentationml/2006/main">
   <p:cSld>
@@ -10217,7 +10623,7 @@
         <p:spPr/>
         <p:txBody>
           <a:bodyPr>
-            <a:normAutofit lnSpcReduction="10000"/>
+            <a:normAutofit fontScale="85000" lnSpcReduction="20000"/>
           </a:bodyPr>
           <a:lstStyle/>
           <a:p>
@@ -10328,7 +10734,41 @@
             </a:pPr>
             <a:r>
               <a:rPr lang="en-US" sz="2400" dirty="0"/>
-              <a:t>Costs reduction: by preventive measures and excessive checks</a:t>
+              <a:t>Costs reduction:</a:t>
+            </a:r>
+          </a:p>
+          <a:p>
+            <a:pPr lvl="1" algn="l" rtl="0">
+              <a:buBlip>
+                <a:blip r:embed="rId2">
+                  <a:extLst>
+                    <a:ext uri="{96DAC541-7B7A-43D3-8B79-37D633B846F1}">
+                      <asvg:svgBlip xmlns:asvg="http://schemas.microsoft.com/office/drawing/2016/SVG/main" r:embed="rId3"/>
+                    </a:ext>
+                  </a:extLst>
+                </a:blip>
+              </a:buBlip>
+            </a:pPr>
+            <a:r>
+              <a:rPr lang="en-US" sz="2200" dirty="0"/>
+              <a:t>by early failure detection</a:t>
+            </a:r>
+          </a:p>
+          <a:p>
+            <a:pPr lvl="1" algn="l" rtl="0">
+              <a:buBlip>
+                <a:blip r:embed="rId2">
+                  <a:extLst>
+                    <a:ext uri="{96DAC541-7B7A-43D3-8B79-37D633B846F1}">
+                      <asvg:svgBlip xmlns:asvg="http://schemas.microsoft.com/office/drawing/2016/SVG/main" r:embed="rId3"/>
+                    </a:ext>
+                  </a:extLst>
+                </a:blip>
+              </a:buBlip>
+            </a:pPr>
+            <a:r>
+              <a:rPr lang="en-US" sz="2200" dirty="0"/>
+              <a:t>preventive measures and excessive checks</a:t>
             </a:r>
           </a:p>
         </p:txBody>
@@ -10567,9 +11007,16 @@
             <p:ph sz="quarter" idx="13"/>
           </p:nvPr>
         </p:nvSpPr>
-        <p:spPr/>
-        <p:txBody>
-          <a:bodyPr/>
+        <p:spPr>
+          <a:xfrm>
+            <a:off x="913774" y="2214694"/>
+            <a:ext cx="5110691" cy="3424107"/>
+          </a:xfrm>
+        </p:spPr>
+        <p:txBody>
+          <a:bodyPr>
+            <a:normAutofit/>
+          </a:bodyPr>
           <a:lstStyle/>
           <a:p>
             <a:pPr marL="0" indent="0" algn="l" rtl="0">
@@ -10577,38 +11024,777 @@
             </a:pPr>
             <a:r>
               <a:rPr lang="en-US" dirty="0"/>
-              <a:t>F2 &lt;add formula&gt;</a:t>
-            </a:r>
-          </a:p>
-          <a:p>
-            <a:pPr lvl="1" algn="l" rtl="0">
+              <a:t>F2:</a:t>
+            </a:r>
+          </a:p>
+          <a:p>
+            <a:pPr algn="l" rtl="0">
               <a:buFont typeface="Courier New" panose="02070309020205020404" pitchFamily="49" charset="0"/>
               <a:buChar char="o"/>
             </a:pPr>
-            <a:endParaRPr lang="en-US" dirty="0"/>
-          </a:p>
-          <a:p>
-            <a:pPr lvl="1" algn="l" rtl="0">
+            <a:r>
+              <a:rPr lang="en-US" dirty="0"/>
+              <a:t>weighted mean of precision and recall</a:t>
+            </a:r>
+          </a:p>
+          <a:p>
+            <a:pPr algn="l" rtl="0">
               <a:buFont typeface="Courier New" panose="02070309020205020404" pitchFamily="49" charset="0"/>
               <a:buChar char="o"/>
             </a:pPr>
             <a:r>
               <a:rPr lang="en-US" dirty="0"/>
-              <a:t>weighted mean of precision and recall</a:t>
-            </a:r>
-          </a:p>
-          <a:p>
-            <a:pPr lvl="1" algn="l" rtl="0">
-              <a:buFont typeface="Courier New" panose="02070309020205020404" pitchFamily="49" charset="0"/>
-              <a:buChar char="o"/>
+              <a:t>giving more weight to recall than to precision</a:t>
+            </a:r>
+          </a:p>
+          <a:p>
+            <a:pPr marL="0" indent="0" algn="l" rtl="0">
+              <a:buNone/>
             </a:pPr>
-            <a:r>
-              <a:rPr lang="en-US" dirty="0"/>
-              <a:t>giving more weight to recall than to precision</a:t>
-            </a:r>
-          </a:p>
-        </p:txBody>
-      </p:sp>
+            <a:endParaRPr lang="en-US" dirty="0"/>
+          </a:p>
+        </p:txBody>
+      </p:sp>
+      <mc:AlternateContent xmlns:mc="http://schemas.openxmlformats.org/markup-compatibility/2006">
+        <mc:Choice xmlns:a14="http://schemas.microsoft.com/office/drawing/2010/main" Requires="a14">
+          <p:sp>
+            <p:nvSpPr>
+              <p:cNvPr id="4" name="Content Placeholder 2">
+                <a:extLst>
+                  <a:ext uri="{FF2B5EF4-FFF2-40B4-BE49-F238E27FC236}">
+                    <a16:creationId xmlns:a16="http://schemas.microsoft.com/office/drawing/2014/main" id="{8AD734C4-AC68-FDCB-96FF-4F565ACCE750}"/>
+                  </a:ext>
+                </a:extLst>
+              </p:cNvPr>
+              <p:cNvSpPr txBox="1">
+                <a:spLocks/>
+              </p:cNvSpPr>
+              <p:nvPr/>
+            </p:nvSpPr>
+            <p:spPr>
+              <a:xfrm>
+                <a:off x="6671388" y="2214694"/>
+                <a:ext cx="4697034" cy="3424107"/>
+              </a:xfrm>
+              <a:prstGeom prst="rect">
+                <a:avLst/>
+              </a:prstGeom>
+            </p:spPr>
+            <p:txBody>
+              <a:bodyPr vert="horz" lIns="91440" tIns="45720" rIns="91440" bIns="45720" rtlCol="0">
+                <a:normAutofit/>
+              </a:bodyPr>
+              <a:lstStyle>
+                <a:lvl1pPr marL="228600" indent="-228600" algn="r" defTabSz="914400" rtl="1" eaLnBrk="1" latinLnBrk="0" hangingPunct="1">
+                  <a:lnSpc>
+                    <a:spcPct val="120000"/>
+                  </a:lnSpc>
+                  <a:spcBef>
+                    <a:spcPts val="1000"/>
+                  </a:spcBef>
+                  <a:buClr>
+                    <a:schemeClr val="tx1"/>
+                  </a:buClr>
+                  <a:buFont typeface="Arial" panose="020B0604020202020204" pitchFamily="34" charset="0"/>
+                  <a:buChar char="•"/>
+                  <a:defRPr sz="2000" kern="1200" cap="none" baseline="0">
+                    <a:solidFill>
+                      <a:schemeClr val="tx1"/>
+                    </a:solidFill>
+                    <a:effectLst/>
+                    <a:latin typeface="+mn-lt"/>
+                    <a:ea typeface="+mn-ea"/>
+                    <a:cs typeface="+mn-cs"/>
+                  </a:defRPr>
+                </a:lvl1pPr>
+                <a:lvl2pPr marL="685800" indent="-228600" algn="r" defTabSz="914400" rtl="1" eaLnBrk="1" latinLnBrk="0" hangingPunct="1">
+                  <a:lnSpc>
+                    <a:spcPct val="120000"/>
+                  </a:lnSpc>
+                  <a:spcBef>
+                    <a:spcPts val="500"/>
+                  </a:spcBef>
+                  <a:buClr>
+                    <a:schemeClr val="tx1"/>
+                  </a:buClr>
+                  <a:buFont typeface="Arial" panose="020B0604020202020204" pitchFamily="34" charset="0"/>
+                  <a:buChar char="•"/>
+                  <a:defRPr sz="1800" kern="1200" cap="none" baseline="0">
+                    <a:solidFill>
+                      <a:schemeClr val="tx1"/>
+                    </a:solidFill>
+                    <a:effectLst/>
+                    <a:latin typeface="+mn-lt"/>
+                    <a:ea typeface="+mn-ea"/>
+                    <a:cs typeface="+mn-cs"/>
+                  </a:defRPr>
+                </a:lvl2pPr>
+                <a:lvl3pPr marL="1143000" indent="-228600" algn="r" defTabSz="914400" rtl="1" eaLnBrk="1" latinLnBrk="0" hangingPunct="1">
+                  <a:lnSpc>
+                    <a:spcPct val="120000"/>
+                  </a:lnSpc>
+                  <a:spcBef>
+                    <a:spcPts val="500"/>
+                  </a:spcBef>
+                  <a:buClr>
+                    <a:schemeClr val="tx1"/>
+                  </a:buClr>
+                  <a:buFont typeface="Arial" panose="020B0604020202020204" pitchFamily="34" charset="0"/>
+                  <a:buChar char="•"/>
+                  <a:defRPr sz="1600" kern="1200" cap="none" baseline="0">
+                    <a:solidFill>
+                      <a:schemeClr val="tx1"/>
+                    </a:solidFill>
+                    <a:effectLst/>
+                    <a:latin typeface="+mn-lt"/>
+                    <a:ea typeface="+mn-ea"/>
+                    <a:cs typeface="+mn-cs"/>
+                  </a:defRPr>
+                </a:lvl3pPr>
+                <a:lvl4pPr marL="1600200" indent="-228600" algn="r" defTabSz="914400" rtl="1" eaLnBrk="1" latinLnBrk="0" hangingPunct="1">
+                  <a:lnSpc>
+                    <a:spcPct val="120000"/>
+                  </a:lnSpc>
+                  <a:spcBef>
+                    <a:spcPts val="500"/>
+                  </a:spcBef>
+                  <a:buClr>
+                    <a:schemeClr val="tx1"/>
+                  </a:buClr>
+                  <a:buFont typeface="Arial" panose="020B0604020202020204" pitchFamily="34" charset="0"/>
+                  <a:buChar char="•"/>
+                  <a:defRPr sz="1400" kern="1200" cap="none" baseline="0">
+                    <a:solidFill>
+                      <a:schemeClr val="tx1"/>
+                    </a:solidFill>
+                    <a:effectLst/>
+                    <a:latin typeface="+mn-lt"/>
+                    <a:ea typeface="+mn-ea"/>
+                    <a:cs typeface="+mn-cs"/>
+                  </a:defRPr>
+                </a:lvl4pPr>
+                <a:lvl5pPr marL="2057400" indent="-228600" algn="r" defTabSz="914400" rtl="1" eaLnBrk="1" latinLnBrk="0" hangingPunct="1">
+                  <a:lnSpc>
+                    <a:spcPct val="120000"/>
+                  </a:lnSpc>
+                  <a:spcBef>
+                    <a:spcPts val="500"/>
+                  </a:spcBef>
+                  <a:buClr>
+                    <a:schemeClr val="tx1"/>
+                  </a:buClr>
+                  <a:buFont typeface="Arial" panose="020B0604020202020204" pitchFamily="34" charset="0"/>
+                  <a:buChar char="•"/>
+                  <a:defRPr sz="1400" kern="1200" cap="none" baseline="0">
+                    <a:solidFill>
+                      <a:schemeClr val="tx1"/>
+                    </a:solidFill>
+                    <a:effectLst/>
+                    <a:latin typeface="+mn-lt"/>
+                    <a:ea typeface="+mn-ea"/>
+                    <a:cs typeface="+mn-cs"/>
+                  </a:defRPr>
+                </a:lvl5pPr>
+                <a:lvl6pPr marL="2514600" indent="-228600" algn="r" defTabSz="914400" rtl="1" eaLnBrk="1" latinLnBrk="0" hangingPunct="1">
+                  <a:lnSpc>
+                    <a:spcPct val="120000"/>
+                  </a:lnSpc>
+                  <a:spcBef>
+                    <a:spcPts val="500"/>
+                  </a:spcBef>
+                  <a:buClr>
+                    <a:schemeClr val="tx1"/>
+                  </a:buClr>
+                  <a:buFont typeface="Arial" panose="020B0604020202020204" pitchFamily="34" charset="0"/>
+                  <a:buChar char="•"/>
+                  <a:defRPr sz="1400" kern="1200" cap="all" baseline="0">
+                    <a:solidFill>
+                      <a:schemeClr val="tx1"/>
+                    </a:solidFill>
+                    <a:effectLst/>
+                    <a:latin typeface="+mn-lt"/>
+                    <a:ea typeface="+mn-ea"/>
+                    <a:cs typeface="+mn-cs"/>
+                  </a:defRPr>
+                </a:lvl6pPr>
+                <a:lvl7pPr marL="2971800" indent="-228600" algn="r" defTabSz="914400" rtl="1" eaLnBrk="1" latinLnBrk="0" hangingPunct="1">
+                  <a:lnSpc>
+                    <a:spcPct val="120000"/>
+                  </a:lnSpc>
+                  <a:spcBef>
+                    <a:spcPts val="500"/>
+                  </a:spcBef>
+                  <a:buClr>
+                    <a:schemeClr val="tx1"/>
+                  </a:buClr>
+                  <a:buFont typeface="Arial" panose="020B0604020202020204" pitchFamily="34" charset="0"/>
+                  <a:buChar char="•"/>
+                  <a:defRPr sz="1400" kern="1200" cap="all" baseline="0">
+                    <a:solidFill>
+                      <a:schemeClr val="tx1"/>
+                    </a:solidFill>
+                    <a:effectLst/>
+                    <a:latin typeface="+mn-lt"/>
+                    <a:ea typeface="+mn-ea"/>
+                    <a:cs typeface="+mn-cs"/>
+                  </a:defRPr>
+                </a:lvl7pPr>
+                <a:lvl8pPr marL="3429000" indent="-228600" algn="r" defTabSz="914400" rtl="1" eaLnBrk="1" latinLnBrk="0" hangingPunct="1">
+                  <a:lnSpc>
+                    <a:spcPct val="120000"/>
+                  </a:lnSpc>
+                  <a:spcBef>
+                    <a:spcPts val="500"/>
+                  </a:spcBef>
+                  <a:buClr>
+                    <a:schemeClr val="tx1"/>
+                  </a:buClr>
+                  <a:buFont typeface="Arial" panose="020B0604020202020204" pitchFamily="34" charset="0"/>
+                  <a:buChar char="•"/>
+                  <a:defRPr sz="1400" kern="1200" cap="all" baseline="0">
+                    <a:solidFill>
+                      <a:schemeClr val="tx1"/>
+                    </a:solidFill>
+                    <a:effectLst/>
+                    <a:latin typeface="+mn-lt"/>
+                    <a:ea typeface="+mn-ea"/>
+                    <a:cs typeface="+mn-cs"/>
+                  </a:defRPr>
+                </a:lvl8pPr>
+                <a:lvl9pPr marL="3886200" indent="-228600" algn="r" defTabSz="914400" rtl="1" eaLnBrk="1" latinLnBrk="0" hangingPunct="1">
+                  <a:lnSpc>
+                    <a:spcPct val="120000"/>
+                  </a:lnSpc>
+                  <a:spcBef>
+                    <a:spcPts val="500"/>
+                  </a:spcBef>
+                  <a:buClr>
+                    <a:schemeClr val="tx1"/>
+                  </a:buClr>
+                  <a:buFont typeface="Arial" panose="020B0604020202020204" pitchFamily="34" charset="0"/>
+                  <a:buChar char="•"/>
+                  <a:defRPr sz="1400" kern="1200" cap="all" baseline="0">
+                    <a:solidFill>
+                      <a:schemeClr val="tx1"/>
+                    </a:solidFill>
+                    <a:effectLst/>
+                    <a:latin typeface="+mn-lt"/>
+                    <a:ea typeface="+mn-ea"/>
+                    <a:cs typeface="+mn-cs"/>
+                  </a:defRPr>
+                </a:lvl9pPr>
+              </a:lstStyle>
+              <a:p>
+                <a:pPr marL="0" indent="0" algn="l" rtl="0">
+                  <a:buFont typeface="Arial" panose="020B0604020202020204" pitchFamily="34" charset="0"/>
+                  <a:buNone/>
+                </a:pPr>
+                <a14:m>
+                  <m:oMathPara xmlns:m="http://schemas.openxmlformats.org/officeDocument/2006/math">
+                    <m:oMathParaPr>
+                      <m:jc m:val="left"/>
+                    </m:oMathParaPr>
+                    <m:oMath xmlns:m="http://schemas.openxmlformats.org/officeDocument/2006/math">
+                      <m:r>
+                        <a:rPr lang="en-US" i="1" smtClean="0">
+                          <a:latin typeface="Cambria Math" panose="02040503050406030204" pitchFamily="18" charset="0"/>
+                        </a:rPr>
+                        <m:t>𝐹</m:t>
+                      </m:r>
+                      <m:r>
+                        <a:rPr lang="en-US" i="1" smtClean="0">
+                          <a:latin typeface="Cambria Math" panose="02040503050406030204" pitchFamily="18" charset="0"/>
+                        </a:rPr>
+                        <m:t>2</m:t>
+                      </m:r>
+                      <m:r>
+                        <a:rPr lang="en-US" i="1" smtClean="0">
+                          <a:latin typeface="Cambria Math" panose="02040503050406030204" pitchFamily="18" charset="0"/>
+                        </a:rPr>
+                        <m:t>=</m:t>
+                      </m:r>
+                      <m:r>
+                        <a:rPr lang="en-US" i="1" smtClean="0">
+                          <a:latin typeface="Cambria Math" panose="02040503050406030204" pitchFamily="18" charset="0"/>
+                        </a:rPr>
+                        <m:t>5</m:t>
+                      </m:r>
+                      <m:r>
+                        <a:rPr lang="en-US" i="1" smtClean="0">
+                          <a:latin typeface="Cambria Math" panose="02040503050406030204" pitchFamily="18" charset="0"/>
+                        </a:rPr>
+                        <m:t> ∗</m:t>
+                      </m:r>
+                      <m:f>
+                        <m:fPr>
+                          <m:ctrlPr>
+                            <a:rPr lang="en-US" i="1" smtClean="0">
+                              <a:latin typeface="Cambria Math" panose="02040503050406030204" pitchFamily="18" charset="0"/>
+                            </a:rPr>
+                          </m:ctrlPr>
+                        </m:fPr>
+                        <m:num>
+                          <m:r>
+                            <a:rPr lang="en-US" i="1" smtClean="0">
+                              <a:latin typeface="Cambria Math" panose="02040503050406030204" pitchFamily="18" charset="0"/>
+                            </a:rPr>
+                            <m:t>𝑝𝑟𝑒𝑐𝑖𝑠𝑖𝑜𝑛</m:t>
+                          </m:r>
+                          <m:r>
+                            <a:rPr lang="en-US" i="1" smtClean="0">
+                              <a:latin typeface="Cambria Math" panose="02040503050406030204" pitchFamily="18" charset="0"/>
+                            </a:rPr>
+                            <m:t> ∗</m:t>
+                          </m:r>
+                          <m:r>
+                            <a:rPr lang="en-US" i="1" smtClean="0">
+                              <a:latin typeface="Cambria Math" panose="02040503050406030204" pitchFamily="18" charset="0"/>
+                            </a:rPr>
+                            <m:t>𝑟𝑒𝑐𝑎𝑙𝑙</m:t>
+                          </m:r>
+                        </m:num>
+                        <m:den>
+                          <m:r>
+                            <a:rPr lang="en-US" i="1" smtClean="0">
+                              <a:latin typeface="Cambria Math" panose="02040503050406030204" pitchFamily="18" charset="0"/>
+                            </a:rPr>
+                            <m:t>  </m:t>
+                          </m:r>
+                          <m:r>
+                            <a:rPr lang="en-US" i="1" smtClean="0">
+                              <a:latin typeface="Cambria Math" panose="02040503050406030204" pitchFamily="18" charset="0"/>
+                            </a:rPr>
+                            <m:t>4</m:t>
+                          </m:r>
+                          <m:r>
+                            <a:rPr lang="en-US" i="1" smtClean="0">
+                              <a:latin typeface="Cambria Math" panose="02040503050406030204" pitchFamily="18" charset="0"/>
+                            </a:rPr>
+                            <m:t> ∗</m:t>
+                          </m:r>
+                          <m:r>
+                            <a:rPr lang="en-US" i="1" smtClean="0">
+                              <a:latin typeface="Cambria Math" panose="02040503050406030204" pitchFamily="18" charset="0"/>
+                            </a:rPr>
+                            <m:t>𝑝𝑟𝑒𝑐𝑖𝑠𝑖𝑜𝑛</m:t>
+                          </m:r>
+                          <m:r>
+                            <a:rPr lang="en-US" i="1" smtClean="0">
+                              <a:latin typeface="Cambria Math" panose="02040503050406030204" pitchFamily="18" charset="0"/>
+                            </a:rPr>
+                            <m:t>+</m:t>
+                          </m:r>
+                          <m:r>
+                            <a:rPr lang="en-US" i="1" smtClean="0">
+                              <a:latin typeface="Cambria Math" panose="02040503050406030204" pitchFamily="18" charset="0"/>
+                            </a:rPr>
+                            <m:t>𝑟𝑒𝑐𝑎𝑙𝑙</m:t>
+                          </m:r>
+                          <m:r>
+                            <a:rPr lang="en-US" i="1" smtClean="0">
+                              <a:latin typeface="Cambria Math" panose="02040503050406030204" pitchFamily="18" charset="0"/>
+                            </a:rPr>
+                            <m:t>  </m:t>
+                          </m:r>
+                        </m:den>
+                      </m:f>
+                      <m:r>
+                        <a:rPr lang="en-US" i="1" smtClean="0">
+                          <a:latin typeface="Cambria Math" panose="02040503050406030204" pitchFamily="18" charset="0"/>
+                        </a:rPr>
+                        <m:t>.</m:t>
+                      </m:r>
+                    </m:oMath>
+                  </m:oMathPara>
+                </a14:m>
+                <a:endParaRPr lang="en-US" i="1" dirty="0">
+                  <a:latin typeface="Cambria Math" panose="02040503050406030204" pitchFamily="18" charset="0"/>
+                </a:endParaRPr>
+              </a:p>
+              <a:p>
+                <a:pPr marL="457200" lvl="1" indent="0" algn="l" rtl="0">
+                  <a:buFont typeface="Arial" panose="020B0604020202020204" pitchFamily="34" charset="0"/>
+                  <a:buNone/>
+                </a:pPr>
+                <a14:m>
+                  <m:oMathPara xmlns:m="http://schemas.openxmlformats.org/officeDocument/2006/math">
+                    <m:oMathParaPr>
+                      <m:jc m:val="left"/>
+                    </m:oMathParaPr>
+                    <m:oMath xmlns:m="http://schemas.openxmlformats.org/officeDocument/2006/math">
+                      <m:r>
+                        <a:rPr lang="en-US" i="1" smtClean="0">
+                          <a:latin typeface="Cambria Math" panose="02040503050406030204" pitchFamily="18" charset="0"/>
+                        </a:rPr>
+                        <m:t>𝑃𝑟𝑒𝑐𝑖𝑠𝑖𝑜𝑛</m:t>
+                      </m:r>
+                      <m:r>
+                        <a:rPr lang="en-US" i="1">
+                          <a:latin typeface="Cambria Math" panose="02040503050406030204" pitchFamily="18" charset="0"/>
+                        </a:rPr>
+                        <m:t>=</m:t>
+                      </m:r>
+                      <m:f>
+                        <m:fPr>
+                          <m:ctrlPr>
+                            <a:rPr lang="en-US" i="1">
+                              <a:latin typeface="Cambria Math" panose="02040503050406030204" pitchFamily="18" charset="0"/>
+                            </a:rPr>
+                          </m:ctrlPr>
+                        </m:fPr>
+                        <m:num>
+                          <m:r>
+                            <a:rPr lang="en-US" i="1" smtClean="0">
+                              <a:latin typeface="Cambria Math" panose="02040503050406030204" pitchFamily="18" charset="0"/>
+                            </a:rPr>
+                            <m:t>𝑇𝑃</m:t>
+                          </m:r>
+                        </m:num>
+                        <m:den>
+                          <m:r>
+                            <a:rPr lang="en-US" i="1">
+                              <a:latin typeface="Cambria Math" panose="02040503050406030204" pitchFamily="18" charset="0"/>
+                            </a:rPr>
+                            <m:t>  </m:t>
+                          </m:r>
+                          <m:r>
+                            <a:rPr lang="en-US" i="1" smtClean="0">
+                              <a:latin typeface="Cambria Math" panose="02040503050406030204" pitchFamily="18" charset="0"/>
+                            </a:rPr>
+                            <m:t>𝑇𝑃</m:t>
+                          </m:r>
+                          <m:r>
+                            <a:rPr lang="en-US" i="1" smtClean="0">
+                              <a:latin typeface="Cambria Math" panose="02040503050406030204" pitchFamily="18" charset="0"/>
+                            </a:rPr>
+                            <m:t>+</m:t>
+                          </m:r>
+                          <m:r>
+                            <a:rPr lang="en-US" i="1" smtClean="0">
+                              <a:latin typeface="Cambria Math" panose="02040503050406030204" pitchFamily="18" charset="0"/>
+                            </a:rPr>
+                            <m:t>𝐹𝑃</m:t>
+                          </m:r>
+                          <m:r>
+                            <a:rPr lang="en-US" i="1">
+                              <a:latin typeface="Cambria Math" panose="02040503050406030204" pitchFamily="18" charset="0"/>
+                            </a:rPr>
+                            <m:t>  </m:t>
+                          </m:r>
+                        </m:den>
+                      </m:f>
+                    </m:oMath>
+                  </m:oMathPara>
+                </a14:m>
+                <a:endParaRPr lang="en-US" i="1" dirty="0">
+                  <a:latin typeface="Cambria Math" panose="02040503050406030204" pitchFamily="18" charset="0"/>
+                </a:endParaRPr>
+              </a:p>
+              <a:p>
+                <a:pPr marL="457200" lvl="1" indent="0" algn="l" rtl="0">
+                  <a:buFont typeface="Arial" panose="020B0604020202020204" pitchFamily="34" charset="0"/>
+                  <a:buNone/>
+                </a:pPr>
+                <a14:m>
+                  <m:oMathPara xmlns:m="http://schemas.openxmlformats.org/officeDocument/2006/math">
+                    <m:oMathParaPr>
+                      <m:jc m:val="left"/>
+                    </m:oMathParaPr>
+                    <m:oMath xmlns:m="http://schemas.openxmlformats.org/officeDocument/2006/math">
+                      <m:r>
+                        <a:rPr lang="en-US" i="1" smtClean="0">
+                          <a:latin typeface="Cambria Math" panose="02040503050406030204" pitchFamily="18" charset="0"/>
+                        </a:rPr>
+                        <m:t>𝑅𝑒𝑐𝑎𝑙𝑙</m:t>
+                      </m:r>
+                      <m:r>
+                        <a:rPr lang="en-US" i="1">
+                          <a:latin typeface="Cambria Math" panose="02040503050406030204" pitchFamily="18" charset="0"/>
+                        </a:rPr>
+                        <m:t>=</m:t>
+                      </m:r>
+                      <m:f>
+                        <m:fPr>
+                          <m:ctrlPr>
+                            <a:rPr lang="en-US" i="1">
+                              <a:latin typeface="Cambria Math" panose="02040503050406030204" pitchFamily="18" charset="0"/>
+                            </a:rPr>
+                          </m:ctrlPr>
+                        </m:fPr>
+                        <m:num>
+                          <m:r>
+                            <a:rPr lang="en-US" i="1">
+                              <a:latin typeface="Cambria Math" panose="02040503050406030204" pitchFamily="18" charset="0"/>
+                            </a:rPr>
+                            <m:t>𝑇𝑃</m:t>
+                          </m:r>
+                        </m:num>
+                        <m:den>
+                          <m:r>
+                            <a:rPr lang="en-US" i="1">
+                              <a:latin typeface="Cambria Math" panose="02040503050406030204" pitchFamily="18" charset="0"/>
+                            </a:rPr>
+                            <m:t>  </m:t>
+                          </m:r>
+                          <m:r>
+                            <a:rPr lang="en-US" i="1">
+                              <a:latin typeface="Cambria Math" panose="02040503050406030204" pitchFamily="18" charset="0"/>
+                            </a:rPr>
+                            <m:t>𝑇𝑃</m:t>
+                          </m:r>
+                          <m:r>
+                            <a:rPr lang="en-US" i="1">
+                              <a:latin typeface="Cambria Math" panose="02040503050406030204" pitchFamily="18" charset="0"/>
+                            </a:rPr>
+                            <m:t>+</m:t>
+                          </m:r>
+                          <m:r>
+                            <a:rPr lang="en-US" i="1">
+                              <a:latin typeface="Cambria Math" panose="02040503050406030204" pitchFamily="18" charset="0"/>
+                            </a:rPr>
+                            <m:t>𝐹𝑁</m:t>
+                          </m:r>
+                          <m:r>
+                            <a:rPr lang="en-US" i="1">
+                              <a:latin typeface="Cambria Math" panose="02040503050406030204" pitchFamily="18" charset="0"/>
+                            </a:rPr>
+                            <m:t>  </m:t>
+                          </m:r>
+                        </m:den>
+                      </m:f>
+                      <m:r>
+                        <a:rPr lang="en-US" i="1" smtClean="0">
+                          <a:latin typeface="Cambria Math" panose="02040503050406030204" pitchFamily="18" charset="0"/>
+                        </a:rPr>
+                        <m:t>.</m:t>
+                      </m:r>
+                      <m:r>
+                        <a:rPr lang="en-US" i="1">
+                          <a:latin typeface="Cambria Math" panose="02040503050406030204" pitchFamily="18" charset="0"/>
+                        </a:rPr>
+                        <m:t> </m:t>
+                      </m:r>
+                    </m:oMath>
+                  </m:oMathPara>
+                </a14:m>
+                <a:endParaRPr lang="en-US" dirty="0"/>
+              </a:p>
+              <a:p>
+                <a:pPr marL="0" indent="0" algn="l" rtl="0">
+                  <a:buFont typeface="Arial" panose="020B0604020202020204" pitchFamily="34" charset="0"/>
+                  <a:buNone/>
+                </a:pPr>
+                <a:endParaRPr lang="en-US" i="1" dirty="0">
+                  <a:latin typeface="Cambria Math" panose="02040503050406030204" pitchFamily="18" charset="0"/>
+                </a:endParaRPr>
+              </a:p>
+              <a:p>
+                <a:pPr marL="0" indent="0" algn="l" rtl="0">
+                  <a:buFont typeface="Arial" panose="020B0604020202020204" pitchFamily="34" charset="0"/>
+                  <a:buNone/>
+                </a:pPr>
+                <a14:m>
+                  <m:oMathPara xmlns:m="http://schemas.openxmlformats.org/officeDocument/2006/math">
+                    <m:oMathParaPr>
+                      <m:jc m:val="left"/>
+                    </m:oMathParaPr>
+                    <m:oMath xmlns:m="http://schemas.openxmlformats.org/officeDocument/2006/math">
+                      <m:r>
+                        <a:rPr lang="en-US" i="1" smtClean="0">
+                          <a:latin typeface="Cambria Math" panose="02040503050406030204" pitchFamily="18" charset="0"/>
+                        </a:rPr>
+                        <m:t>⇒ </m:t>
+                      </m:r>
+                      <m:r>
+                        <a:rPr lang="en-US" i="1" smtClean="0">
+                          <a:latin typeface="Cambria Math" panose="02040503050406030204" pitchFamily="18" charset="0"/>
+                        </a:rPr>
+                        <m:t>𝐹</m:t>
+                      </m:r>
+                      <m:r>
+                        <a:rPr lang="en-US" i="1" smtClean="0">
+                          <a:latin typeface="Cambria Math" panose="02040503050406030204" pitchFamily="18" charset="0"/>
+                        </a:rPr>
+                        <m:t>2</m:t>
+                      </m:r>
+                      <m:r>
+                        <a:rPr lang="en-US" i="1" smtClean="0">
+                          <a:latin typeface="Cambria Math" panose="02040503050406030204" pitchFamily="18" charset="0"/>
+                        </a:rPr>
+                        <m:t>=</m:t>
+                      </m:r>
+                      <m:f>
+                        <m:fPr>
+                          <m:ctrlPr>
+                            <a:rPr lang="en-US" i="1" smtClean="0">
+                              <a:latin typeface="Cambria Math" panose="02040503050406030204" pitchFamily="18" charset="0"/>
+                            </a:rPr>
+                          </m:ctrlPr>
+                        </m:fPr>
+                        <m:num>
+                          <m:r>
+                            <a:rPr lang="en-US" i="1" smtClean="0">
+                              <a:latin typeface="Cambria Math" panose="02040503050406030204" pitchFamily="18" charset="0"/>
+                            </a:rPr>
+                            <m:t>5</m:t>
+                          </m:r>
+                          <m:r>
+                            <a:rPr lang="en-US" i="1" smtClean="0">
+                              <a:latin typeface="Cambria Math" panose="02040503050406030204" pitchFamily="18" charset="0"/>
+                            </a:rPr>
+                            <m:t> </m:t>
+                          </m:r>
+                          <m:r>
+                            <a:rPr lang="en-US" i="1" smtClean="0">
+                              <a:latin typeface="Cambria Math" panose="02040503050406030204" pitchFamily="18" charset="0"/>
+                            </a:rPr>
+                            <m:t>𝑇𝑃</m:t>
+                          </m:r>
+                        </m:num>
+                        <m:den>
+                          <m:r>
+                            <a:rPr lang="en-US" i="1" smtClean="0">
+                              <a:latin typeface="Cambria Math" panose="02040503050406030204" pitchFamily="18" charset="0"/>
+                            </a:rPr>
+                            <m:t>  </m:t>
+                          </m:r>
+                          <m:r>
+                            <a:rPr lang="en-US" i="1" smtClean="0">
+                              <a:latin typeface="Cambria Math" panose="02040503050406030204" pitchFamily="18" charset="0"/>
+                            </a:rPr>
+                            <m:t>5</m:t>
+                          </m:r>
+                          <m:r>
+                            <a:rPr lang="en-US" i="1" smtClean="0">
+                              <a:latin typeface="Cambria Math" panose="02040503050406030204" pitchFamily="18" charset="0"/>
+                            </a:rPr>
+                            <m:t> </m:t>
+                          </m:r>
+                          <m:r>
+                            <a:rPr lang="en-US" i="1" smtClean="0">
+                              <a:latin typeface="Cambria Math" panose="02040503050406030204" pitchFamily="18" charset="0"/>
+                            </a:rPr>
+                            <m:t>𝑇𝑃</m:t>
+                          </m:r>
+                          <m:r>
+                            <a:rPr lang="en-US" i="1" smtClean="0">
+                              <a:latin typeface="Cambria Math" panose="02040503050406030204" pitchFamily="18" charset="0"/>
+                            </a:rPr>
+                            <m:t>+(</m:t>
+                          </m:r>
+                          <m:r>
+                            <a:rPr lang="en-US" i="1" smtClean="0">
+                              <a:latin typeface="Cambria Math" panose="02040503050406030204" pitchFamily="18" charset="0"/>
+                            </a:rPr>
+                            <m:t>4</m:t>
+                          </m:r>
+                          <m:r>
+                            <a:rPr lang="en-US" i="1" smtClean="0">
+                              <a:latin typeface="Cambria Math" panose="02040503050406030204" pitchFamily="18" charset="0"/>
+                            </a:rPr>
+                            <m:t> </m:t>
+                          </m:r>
+                          <m:r>
+                            <a:rPr lang="en-US" i="1" smtClean="0">
+                              <a:latin typeface="Cambria Math" panose="02040503050406030204" pitchFamily="18" charset="0"/>
+                            </a:rPr>
+                            <m:t>𝐹𝑁</m:t>
+                          </m:r>
+                          <m:r>
+                            <a:rPr lang="en-US" i="1" smtClean="0">
+                              <a:latin typeface="Cambria Math" panose="02040503050406030204" pitchFamily="18" charset="0"/>
+                            </a:rPr>
+                            <m:t>+</m:t>
+                          </m:r>
+                          <m:r>
+                            <a:rPr lang="en-US" i="1" smtClean="0">
+                              <a:latin typeface="Cambria Math" panose="02040503050406030204" pitchFamily="18" charset="0"/>
+                            </a:rPr>
+                            <m:t>𝐹𝑃</m:t>
+                          </m:r>
+                          <m:r>
+                            <a:rPr lang="en-US" i="1" smtClean="0">
+                              <a:latin typeface="Cambria Math" panose="02040503050406030204" pitchFamily="18" charset="0"/>
+                            </a:rPr>
+                            <m:t>)  </m:t>
+                          </m:r>
+                        </m:den>
+                      </m:f>
+                      <m:r>
+                        <a:rPr lang="en-US" i="1" smtClean="0">
+                          <a:latin typeface="Cambria Math" panose="02040503050406030204" pitchFamily="18" charset="0"/>
+                        </a:rPr>
+                        <m:t>.</m:t>
+                      </m:r>
+                    </m:oMath>
+                  </m:oMathPara>
+                </a14:m>
+                <a:endParaRPr lang="en-US" i="1" dirty="0">
+                  <a:latin typeface="Cambria Math" panose="02040503050406030204" pitchFamily="18" charset="0"/>
+                </a:endParaRPr>
+              </a:p>
+              <a:p>
+                <a:pPr marL="0" indent="0" algn="l" rtl="0">
+                  <a:buFont typeface="Arial" panose="020B0604020202020204" pitchFamily="34" charset="0"/>
+                  <a:buNone/>
+                </a:pPr>
+                <a:endParaRPr lang="en-US" dirty="0"/>
+              </a:p>
+              <a:p>
+                <a:pPr marL="0" indent="0" algn="l" rtl="0">
+                  <a:buFont typeface="Arial" panose="020B0604020202020204" pitchFamily="34" charset="0"/>
+                  <a:buNone/>
+                </a:pPr>
+                <a:endParaRPr lang="en-US" dirty="0"/>
+              </a:p>
+            </p:txBody>
+          </p:sp>
+        </mc:Choice>
+        <mc:Fallback>
+          <p:sp>
+            <p:nvSpPr>
+              <p:cNvPr id="4" name="Content Placeholder 2">
+                <a:extLst>
+                  <a:ext uri="{FF2B5EF4-FFF2-40B4-BE49-F238E27FC236}">
+                    <a16:creationId xmlns:a16="http://schemas.microsoft.com/office/drawing/2014/main" id="{8AD734C4-AC68-FDCB-96FF-4F565ACCE750}"/>
+                  </a:ext>
+                </a:extLst>
+              </p:cNvPr>
+              <p:cNvSpPr txBox="1">
+                <a:spLocks noRot="1" noChangeAspect="1" noMove="1" noResize="1" noEditPoints="1" noAdjustHandles="1" noChangeArrowheads="1" noChangeShapeType="1" noTextEdit="1"/>
+              </p:cNvSpPr>
+              <p:nvPr/>
+            </p:nvSpPr>
+            <p:spPr>
+              <a:xfrm>
+                <a:off x="6671388" y="2214694"/>
+                <a:ext cx="4697034" cy="3424107"/>
+              </a:xfrm>
+              <a:prstGeom prst="rect">
+                <a:avLst/>
+              </a:prstGeom>
+              <a:blipFill>
+                <a:blip r:embed="rId2"/>
+                <a:stretch>
+                  <a:fillRect/>
+                </a:stretch>
+              </a:blipFill>
+            </p:spPr>
+            <p:txBody>
+              <a:bodyPr/>
+              <a:lstStyle/>
+              <a:p>
+                <a:r>
+                  <a:rPr lang="he-IL">
+                    <a:noFill/>
+                  </a:rPr>
+                  <a:t> </a:t>
+                </a:r>
+              </a:p>
+            </p:txBody>
+          </p:sp>
+        </mc:Fallback>
+      </mc:AlternateContent>
     </p:spTree>
     <p:extLst>
       <p:ext uri="{BB962C8B-B14F-4D97-AF65-F5344CB8AC3E}">
@@ -10688,7 +11874,7 @@
         <p:spPr/>
         <p:txBody>
           <a:bodyPr>
-            <a:normAutofit/>
+            <a:normAutofit fontScale="92500"/>
           </a:bodyPr>
           <a:lstStyle/>
           <a:p>
@@ -10757,7 +11943,7 @@
             </a:pPr>
             <a:r>
               <a:rPr lang="en-US" sz="3200" dirty="0"/>
-              <a:t>Estimate potential F2 improvement for those slices.</a:t>
+              <a:t>Estimate overall F2 improvement expected as a result of performance improvement of a under-performing data slice.</a:t>
             </a:r>
           </a:p>
         </p:txBody>
@@ -10847,36 +12033,43 @@
             </a:pPr>
             <a:r>
               <a:rPr lang="en-US" dirty="0"/>
-              <a:t>Potential F2 improvement</a:t>
-            </a:r>
-          </a:p>
-          <a:p>
-            <a:pPr lvl="1" algn="l" rtl="0">
-              <a:buFont typeface="Courier New" panose="02070309020205020404" pitchFamily="49" charset="0"/>
-              <a:buChar char="o"/>
+              <a:t>Potential F2 improvement of a data slice:</a:t>
+            </a:r>
+          </a:p>
+          <a:p>
+            <a:pPr marL="0" indent="0" algn="l" rtl="0">
+              <a:buNone/>
             </a:pPr>
             <a:r>
               <a:rPr lang="en-US" dirty="0"/>
-              <a:t>focus on data slices which improvement with maximize overall F2 improvement</a:t>
-            </a:r>
-          </a:p>
-          <a:p>
-            <a:pPr lvl="1" algn="l" rtl="0">
-              <a:buFont typeface="Courier New" panose="02070309020205020404" pitchFamily="49" charset="0"/>
-              <a:buChar char="o"/>
+              <a:t>	</a:t>
+            </a:r>
+            <a:r>
+              <a:rPr lang="en-US" i="1" dirty="0"/>
+              <a:t>&lt;F2 of rest of data slices&gt;</a:t>
+            </a:r>
+            <a:r>
+              <a:rPr lang="en-US" dirty="0"/>
+              <a:t> - </a:t>
+            </a:r>
+            <a:r>
+              <a:rPr lang="en-US" i="1" dirty="0"/>
+              <a:t>&lt;overall F2&gt;</a:t>
+            </a:r>
+          </a:p>
+          <a:p>
+            <a:pPr marL="0" indent="0" algn="l" rtl="0">
+              <a:buNone/>
             </a:pPr>
+            <a:endParaRPr lang="en-US" dirty="0"/>
+          </a:p>
+          <a:p>
+            <a:pPr marL="0" indent="0" algn="l" rtl="0">
+              <a:buNone/>
+            </a:pPr>
             <a:r>
               <a:rPr lang="en-US" dirty="0"/>
-              <a:t>&lt;formula&gt;</a:t>
-            </a:r>
-          </a:p>
-          <a:p>
-            <a:pPr marL="457200" lvl="1" indent="0" algn="l" rtl="0">
-              <a:buNone/>
-            </a:pPr>
-            <a:r>
-              <a:rPr lang="en-US" dirty="0"/>
-              <a:t>&lt;F2 of other slices&gt; - &lt;F2 of overall&gt;</a:t>
+              <a:t>Focus on data slices which improvement with maximal overall F2 improvement</a:t>
             </a:r>
           </a:p>
           <a:p>

--- a/docs/MLOps Final Project.pptx
+++ b/docs/MLOps Final Project.pptx
@@ -33,8 +33,8 @@
     <p:sldId id="274" r:id="rId24"/>
     <p:sldId id="277" r:id="rId25"/>
     <p:sldId id="282" r:id="rId26"/>
-    <p:sldId id="286" r:id="rId27"/>
-    <p:sldId id="287" r:id="rId28"/>
+    <p:sldId id="288" r:id="rId27"/>
+    <p:sldId id="289" r:id="rId28"/>
     <p:sldId id="276" r:id="rId29"/>
     <p:sldId id="275" r:id="rId30"/>
     <p:sldId id="279" r:id="rId31"/>
@@ -749,6 +749,90 @@
           <a:bodyPr/>
           <a:lstStyle/>
           <a:p>
+            <a:endParaRPr lang="en-US" dirty="0"/>
+          </a:p>
+        </p:txBody>
+      </p:sp>
+      <p:sp>
+        <p:nvSpPr>
+          <p:cNvPr id="4" name="Slide Number Placeholder 3"/>
+          <p:cNvSpPr>
+            <a:spLocks noGrp="1"/>
+          </p:cNvSpPr>
+          <p:nvPr>
+            <p:ph type="sldNum" sz="quarter" idx="5"/>
+          </p:nvPr>
+        </p:nvSpPr>
+        <p:spPr/>
+        <p:txBody>
+          <a:bodyPr/>
+          <a:lstStyle/>
+          <a:p>
+            <a:fld id="{894B87DD-015A-4410-BE23-4EE1FA92658F}" type="slidenum">
+              <a:rPr lang="he-IL" smtClean="0"/>
+              <a:t>27</a:t>
+            </a:fld>
+            <a:endParaRPr lang="he-IL"/>
+          </a:p>
+        </p:txBody>
+      </p:sp>
+    </p:spTree>
+    <p:extLst>
+      <p:ext uri="{BB962C8B-B14F-4D97-AF65-F5344CB8AC3E}">
+        <p14:creationId xmlns:p14="http://schemas.microsoft.com/office/powerpoint/2010/main" val="2991689101"/>
+      </p:ext>
+    </p:extLst>
+  </p:cSld>
+  <p:clrMapOvr>
+    <a:masterClrMapping/>
+  </p:clrMapOvr>
+</p:notes>
+</file>
+
+<file path=ppt/notesSlides/notesSlide4.xml><?xml version="1.0" encoding="utf-8"?>
+<p:notes xmlns:a="http://schemas.openxmlformats.org/drawingml/2006/main" xmlns:r="http://schemas.openxmlformats.org/officeDocument/2006/relationships" xmlns:p="http://schemas.openxmlformats.org/presentationml/2006/main">
+  <p:cSld>
+    <p:spTree>
+      <p:nvGrpSpPr>
+        <p:cNvPr id="1" name=""/>
+        <p:cNvGrpSpPr/>
+        <p:nvPr/>
+      </p:nvGrpSpPr>
+      <p:grpSpPr>
+        <a:xfrm>
+          <a:off x="0" y="0"/>
+          <a:ext cx="0" cy="0"/>
+          <a:chOff x="0" y="0"/>
+          <a:chExt cx="0" cy="0"/>
+        </a:xfrm>
+      </p:grpSpPr>
+      <p:sp>
+        <p:nvSpPr>
+          <p:cNvPr id="2" name="Slide Image Placeholder 1"/>
+          <p:cNvSpPr>
+            <a:spLocks noGrp="1" noRot="1" noChangeAspect="1"/>
+          </p:cNvSpPr>
+          <p:nvPr>
+            <p:ph type="sldImg"/>
+          </p:nvPr>
+        </p:nvSpPr>
+        <p:spPr/>
+      </p:sp>
+      <p:sp>
+        <p:nvSpPr>
+          <p:cNvPr id="3" name="Notes Placeholder 2"/>
+          <p:cNvSpPr>
+            <a:spLocks noGrp="1"/>
+          </p:cNvSpPr>
+          <p:nvPr>
+            <p:ph type="body" idx="1"/>
+          </p:nvPr>
+        </p:nvSpPr>
+        <p:spPr/>
+        <p:txBody>
+          <a:bodyPr/>
+          <a:lstStyle/>
+          <a:p>
             <a:r>
               <a:rPr lang="en-US" dirty="0"/>
               <a:t>Use correlation matrix</a:t>
@@ -968,7 +1052,7 @@
           <a:p>
             <a:fld id="{48A87A34-81AB-432B-8DAE-1953F412C126}" type="datetimeFigureOut">
               <a:rPr lang="en-US" dirty="0"/>
-              <a:t>12-Feb-24</a:t>
+              <a:t>2/12/2024</a:t>
             </a:fld>
             <a:endParaRPr lang="en-US" dirty="0"/>
           </a:p>
@@ -1275,7 +1359,7 @@
           <a:p>
             <a:fld id="{48A87A34-81AB-432B-8DAE-1953F412C126}" type="datetimeFigureOut">
               <a:rPr lang="en-US" dirty="0"/>
-              <a:t>12-Feb-24</a:t>
+              <a:t>2/12/2024</a:t>
             </a:fld>
             <a:endParaRPr lang="en-US" dirty="0"/>
           </a:p>
@@ -1492,7 +1576,7 @@
           <a:p>
             <a:fld id="{48A87A34-81AB-432B-8DAE-1953F412C126}" type="datetimeFigureOut">
               <a:rPr lang="en-US" dirty="0"/>
-              <a:t>12-Feb-24</a:t>
+              <a:t>2/12/2024</a:t>
             </a:fld>
             <a:endParaRPr lang="en-US" dirty="0"/>
           </a:p>
@@ -1778,7 +1862,7 @@
           <a:p>
             <a:fld id="{48A87A34-81AB-432B-8DAE-1953F412C126}" type="datetimeFigureOut">
               <a:rPr lang="en-US" dirty="0"/>
-              <a:t>12-Feb-24</a:t>
+              <a:t>2/12/2024</a:t>
             </a:fld>
             <a:endParaRPr lang="en-US" dirty="0"/>
           </a:p>
@@ -2227,7 +2311,7 @@
           <a:p>
             <a:fld id="{48A87A34-81AB-432B-8DAE-1953F412C126}" type="datetimeFigureOut">
               <a:rPr lang="en-US" dirty="0"/>
-              <a:t>12-Feb-24</a:t>
+              <a:t>2/12/2024</a:t>
             </a:fld>
             <a:endParaRPr lang="en-US" dirty="0"/>
           </a:p>
@@ -2798,7 +2882,7 @@
           <a:p>
             <a:fld id="{48A87A34-81AB-432B-8DAE-1953F412C126}" type="datetimeFigureOut">
               <a:rPr lang="en-US" dirty="0"/>
-              <a:t>12-Feb-24</a:t>
+              <a:t>2/12/2024</a:t>
             </a:fld>
             <a:endParaRPr lang="en-US" dirty="0"/>
           </a:p>
@@ -3645,7 +3729,7 @@
           <a:p>
             <a:fld id="{48A87A34-81AB-432B-8DAE-1953F412C126}" type="datetimeFigureOut">
               <a:rPr lang="en-US" dirty="0"/>
-              <a:t>12-Feb-24</a:t>
+              <a:t>2/12/2024</a:t>
             </a:fld>
             <a:endParaRPr lang="en-US" dirty="0"/>
           </a:p>
@@ -3845,7 +3929,7 @@
           <a:p>
             <a:fld id="{48A87A34-81AB-432B-8DAE-1953F412C126}" type="datetimeFigureOut">
               <a:rPr lang="en-US" dirty="0"/>
-              <a:t>12-Feb-24</a:t>
+              <a:t>2/12/2024</a:t>
             </a:fld>
             <a:endParaRPr lang="en-US" dirty="0"/>
           </a:p>
@@ -4054,7 +4138,7 @@
           <a:p>
             <a:fld id="{48A87A34-81AB-432B-8DAE-1953F412C126}" type="datetimeFigureOut">
               <a:rPr lang="en-US" dirty="0"/>
-              <a:t>12-Feb-24</a:t>
+              <a:t>2/12/2024</a:t>
             </a:fld>
             <a:endParaRPr lang="en-US" dirty="0"/>
           </a:p>
@@ -4263,7 +4347,7 @@
           <a:p>
             <a:fld id="{48A87A34-81AB-432B-8DAE-1953F412C126}" type="datetimeFigureOut">
               <a:rPr lang="en-US" dirty="0"/>
-              <a:t>12-Feb-24</a:t>
+              <a:t>2/12/2024</a:t>
             </a:fld>
             <a:endParaRPr lang="en-US" dirty="0"/>
           </a:p>
@@ -4543,7 +4627,7 @@
           <a:p>
             <a:fld id="{48A87A34-81AB-432B-8DAE-1953F412C126}" type="datetimeFigureOut">
               <a:rPr lang="en-US" dirty="0"/>
-              <a:t>12-Feb-24</a:t>
+              <a:t>2/12/2024</a:t>
             </a:fld>
             <a:endParaRPr lang="en-US" dirty="0"/>
           </a:p>
@@ -4805,7 +4889,7 @@
           <a:p>
             <a:fld id="{48A87A34-81AB-432B-8DAE-1953F412C126}" type="datetimeFigureOut">
               <a:rPr lang="en-US" dirty="0"/>
-              <a:t>12-Feb-24</a:t>
+              <a:t>2/12/2024</a:t>
             </a:fld>
             <a:endParaRPr lang="en-US" dirty="0"/>
           </a:p>
@@ -5215,7 +5299,7 @@
           <a:p>
             <a:fld id="{48A87A34-81AB-432B-8DAE-1953F412C126}" type="datetimeFigureOut">
               <a:rPr lang="en-US" dirty="0"/>
-              <a:t>12-Feb-24</a:t>
+              <a:t>2/12/2024</a:t>
             </a:fld>
             <a:endParaRPr lang="en-US" dirty="0"/>
           </a:p>
@@ -5358,7 +5442,7 @@
           <a:p>
             <a:fld id="{48A87A34-81AB-432B-8DAE-1953F412C126}" type="datetimeFigureOut">
               <a:rPr lang="en-US" dirty="0"/>
-              <a:t>12-Feb-24</a:t>
+              <a:t>2/12/2024</a:t>
             </a:fld>
             <a:endParaRPr lang="en-US" dirty="0"/>
           </a:p>
@@ -5478,7 +5562,7 @@
           <a:p>
             <a:fld id="{48A87A34-81AB-432B-8DAE-1953F412C126}" type="datetimeFigureOut">
               <a:rPr lang="en-US" dirty="0"/>
-              <a:t>12-Feb-24</a:t>
+              <a:t>2/12/2024</a:t>
             </a:fld>
             <a:endParaRPr lang="en-US" dirty="0"/>
           </a:p>
@@ -5752,7 +5836,7 @@
           <a:p>
             <a:fld id="{48A87A34-81AB-432B-8DAE-1953F412C126}" type="datetimeFigureOut">
               <a:rPr lang="en-US" dirty="0"/>
-              <a:t>12-Feb-24</a:t>
+              <a:t>2/12/2024</a:t>
             </a:fld>
             <a:endParaRPr lang="en-US" dirty="0"/>
           </a:p>
@@ -6059,7 +6143,7 @@
           <a:p>
             <a:fld id="{48A87A34-81AB-432B-8DAE-1953F412C126}" type="datetimeFigureOut">
               <a:rPr lang="en-US" dirty="0"/>
-              <a:t>12-Feb-24</a:t>
+              <a:t>2/12/2024</a:t>
             </a:fld>
             <a:endParaRPr lang="en-US" dirty="0"/>
           </a:p>
@@ -6306,7 +6390,7 @@
             <a:fld id="{48A87A34-81AB-432B-8DAE-1953F412C126}" type="datetimeFigureOut">
               <a:rPr lang="en-US" dirty="0"/>
               <a:pPr/>
-              <a:t>12-Feb-24</a:t>
+              <a:t>2/12/2024</a:t>
             </a:fld>
             <a:endParaRPr lang="en-US" dirty="0"/>
           </a:p>
@@ -9313,36 +9397,96 @@
           </a:p>
         </p:txBody>
       </p:sp>
-      <p:sp>
-        <p:nvSpPr>
-          <p:cNvPr id="5" name="Content Placeholder 4">
+      <p:pic>
+        <p:nvPicPr>
+          <p:cNvPr id="3" name="Picture 2" descr="A graph of a slice&#10;&#10;Description automatically generated with medium confidence">
             <a:extLst>
               <a:ext uri="{FF2B5EF4-FFF2-40B4-BE49-F238E27FC236}">
-                <a16:creationId xmlns:a16="http://schemas.microsoft.com/office/drawing/2014/main" id="{EAE03400-D284-9C48-FF87-998796FA8467}"/>
+                <a16:creationId xmlns:a16="http://schemas.microsoft.com/office/drawing/2014/main" id="{BB11AFF7-F58E-CDC5-34C5-96958D0DD309}"/>
               </a:ext>
             </a:extLst>
           </p:cNvPr>
-          <p:cNvSpPr>
-            <a:spLocks noGrp="1"/>
-          </p:cNvSpPr>
-          <p:nvPr>
-            <p:ph sz="quarter" idx="13"/>
-          </p:nvPr>
-        </p:nvSpPr>
-        <p:spPr/>
-        <p:txBody>
-          <a:bodyPr/>
-          <a:lstStyle/>
-          <a:p>
-            <a:pPr algn="l" rtl="0"/>
-            <a:r>
-              <a:rPr lang="en-US" dirty="0"/>
-              <a:t>3 graphs</a:t>
-            </a:r>
-            <a:endParaRPr lang="he-IL" dirty="0"/>
-          </a:p>
-        </p:txBody>
-      </p:sp>
+          <p:cNvPicPr>
+            <a:picLocks noChangeAspect="1"/>
+          </p:cNvPicPr>
+          <p:nvPr/>
+        </p:nvPicPr>
+        <p:blipFill>
+          <a:blip r:embed="rId2"/>
+          <a:stretch>
+            <a:fillRect/>
+          </a:stretch>
+        </p:blipFill>
+        <p:spPr>
+          <a:xfrm>
+            <a:off x="6684264" y="1628960"/>
+            <a:ext cx="5142075" cy="3085245"/>
+          </a:xfrm>
+          <a:prstGeom prst="rect">
+            <a:avLst/>
+          </a:prstGeom>
+        </p:spPr>
+      </p:pic>
+      <p:pic>
+        <p:nvPicPr>
+          <p:cNvPr id="7" name="Picture 6" descr="A graph of blue rectangular bars&#10;&#10;Description automatically generated with medium confidence">
+            <a:extLst>
+              <a:ext uri="{FF2B5EF4-FFF2-40B4-BE49-F238E27FC236}">
+                <a16:creationId xmlns:a16="http://schemas.microsoft.com/office/drawing/2014/main" id="{44C0AF68-9EEB-562D-2CF1-F6F6A36A21D4}"/>
+              </a:ext>
+            </a:extLst>
+          </p:cNvPr>
+          <p:cNvPicPr>
+            <a:picLocks noChangeAspect="1"/>
+          </p:cNvPicPr>
+          <p:nvPr/>
+        </p:nvPicPr>
+        <p:blipFill>
+          <a:blip r:embed="rId3"/>
+          <a:stretch>
+            <a:fillRect/>
+          </a:stretch>
+        </p:blipFill>
+        <p:spPr>
+          <a:xfrm>
+            <a:off x="231050" y="1628961"/>
+            <a:ext cx="5023910" cy="3014346"/>
+          </a:xfrm>
+          <a:prstGeom prst="rect">
+            <a:avLst/>
+          </a:prstGeom>
+        </p:spPr>
+      </p:pic>
+      <p:pic>
+        <p:nvPicPr>
+          <p:cNvPr id="9" name="Picture 8" descr="A graph of blue squares&#10;&#10;Description automatically generated with medium confidence">
+            <a:extLst>
+              <a:ext uri="{FF2B5EF4-FFF2-40B4-BE49-F238E27FC236}">
+                <a16:creationId xmlns:a16="http://schemas.microsoft.com/office/drawing/2014/main" id="{62719826-F876-30FE-8CF0-B333E6B344D8}"/>
+              </a:ext>
+            </a:extLst>
+          </p:cNvPr>
+          <p:cNvPicPr>
+            <a:picLocks noChangeAspect="1"/>
+          </p:cNvPicPr>
+          <p:nvPr/>
+        </p:nvPicPr>
+        <p:blipFill>
+          <a:blip r:embed="rId4"/>
+          <a:stretch>
+            <a:fillRect/>
+          </a:stretch>
+        </p:blipFill>
+        <p:spPr>
+          <a:xfrm>
+            <a:off x="3568757" y="4777284"/>
+            <a:ext cx="5224408" cy="1957305"/>
+          </a:xfrm>
+          <a:prstGeom prst="rect">
+            <a:avLst/>
+          </a:prstGeom>
+        </p:spPr>
+      </p:pic>
     </p:spTree>
     <p:extLst>
       <p:ext uri="{BB962C8B-B14F-4D97-AF65-F5344CB8AC3E}">
@@ -9364,7 +9508,7 @@
         <p:cNvPr id="1" name="">
           <a:extLst>
             <a:ext uri="{FF2B5EF4-FFF2-40B4-BE49-F238E27FC236}">
-              <a16:creationId xmlns:a16="http://schemas.microsoft.com/office/drawing/2014/main" id="{BA8B3184-D034-C81C-72FF-EB3F29328628}"/>
+              <a16:creationId xmlns:a16="http://schemas.microsoft.com/office/drawing/2014/main" id="{99EE38F9-D638-D9F7-E253-2E22EF69D1EF}"/>
             </a:ext>
           </a:extLst>
         </p:cNvPr>
@@ -9384,7 +9528,7 @@
           <p:cNvPr id="4" name="Title 3">
             <a:extLst>
               <a:ext uri="{FF2B5EF4-FFF2-40B4-BE49-F238E27FC236}">
-                <a16:creationId xmlns:a16="http://schemas.microsoft.com/office/drawing/2014/main" id="{B9796361-33EB-EEDC-7251-C77943B87D2B}"/>
+                <a16:creationId xmlns:a16="http://schemas.microsoft.com/office/drawing/2014/main" id="{64AA09A9-EDDF-7F45-DCE1-57F31BA512BA}"/>
               </a:ext>
             </a:extLst>
           </p:cNvPr>
@@ -9401,16 +9545,20 @@
           <a:lstStyle/>
           <a:p>
             <a:pPr rtl="0"/>
+            <a:r>
+              <a:rPr lang="en-US" dirty="0"/>
+              <a:t>Summary and notes</a:t>
+            </a:r>
             <a:endParaRPr lang="he-IL" dirty="0"/>
           </a:p>
         </p:txBody>
       </p:sp>
       <p:sp>
         <p:nvSpPr>
-          <p:cNvPr id="5" name="Content Placeholder 4">
+          <p:cNvPr id="2" name="Content Placeholder 4">
             <a:extLst>
               <a:ext uri="{FF2B5EF4-FFF2-40B4-BE49-F238E27FC236}">
-                <a16:creationId xmlns:a16="http://schemas.microsoft.com/office/drawing/2014/main" id="{208A68BF-ECEA-6C77-B7B0-557477171E7F}"/>
+                <a16:creationId xmlns:a16="http://schemas.microsoft.com/office/drawing/2014/main" id="{DBE07DDF-F6B8-381C-964D-B1B99FD9F1E3}"/>
               </a:ext>
             </a:extLst>
           </p:cNvPr>
@@ -9421,33 +9569,66 @@
             <p:ph sz="quarter" idx="13"/>
           </p:nvPr>
         </p:nvSpPr>
-        <p:spPr/>
-        <p:txBody>
-          <a:bodyPr/>
+        <p:spPr>
+          <a:xfrm>
+            <a:off x="913774" y="1764792"/>
+            <a:ext cx="10363826" cy="4937760"/>
+          </a:xfrm>
+        </p:spPr>
+        <p:txBody>
+          <a:bodyPr>
+            <a:normAutofit/>
+          </a:bodyPr>
           <a:lstStyle/>
           <a:p>
             <a:pPr algn="l" rtl="0"/>
             <a:r>
               <a:rPr lang="en-US" dirty="0"/>
-              <a:t>The potential improvement we got using our modification is less than original FreaAI</a:t>
-            </a:r>
+              <a:t>Does our modification helps? </a:t>
+            </a:r>
+            <a:endParaRPr lang="he-IL" dirty="0"/>
+          </a:p>
+          <a:p>
+            <a:pPr algn="l" rtl="0"/>
+            <a:r>
+              <a:rPr lang="en-US" dirty="0"/>
+              <a:t>The potential improvement we got using our modification is less than original </a:t>
+            </a:r>
+            <a:r>
+              <a:rPr lang="en-US" dirty="0" err="1"/>
+              <a:t>FreaAI</a:t>
+            </a:r>
+            <a:endParaRPr lang="en-US" dirty="0"/>
+          </a:p>
+          <a:p>
+            <a:pPr algn="l" rtl="0"/>
+            <a:endParaRPr lang="he-IL" dirty="0"/>
+          </a:p>
+          <a:p>
+            <a:pPr algn="l" rtl="0"/>
+            <a:endParaRPr lang="he-IL" dirty="0"/>
           </a:p>
           <a:p>
             <a:pPr marL="0" indent="0" algn="l" rtl="0">
               <a:buNone/>
             </a:pPr>
-            <a:r>
-              <a:rPr lang="en-US" dirty="0"/>
-              <a:t>&lt;add 2</a:t>
-            </a:r>
-            <a:r>
-              <a:rPr lang="en-US" baseline="30000" dirty="0"/>
-              <a:t>nd</a:t>
-            </a:r>
-            <a:r>
-              <a:rPr lang="en-US" dirty="0"/>
-              <a:t> couple of trees&gt;</a:t>
-            </a:r>
+            <a:endParaRPr lang="he-IL" dirty="0"/>
+          </a:p>
+          <a:p>
+            <a:pPr algn="l" rtl="0"/>
+            <a:endParaRPr lang="he-IL" dirty="0"/>
+          </a:p>
+          <a:p>
+            <a:pPr marL="0" indent="0" algn="l" rtl="0">
+              <a:buNone/>
+            </a:pPr>
+            <a:endParaRPr lang="en-US" dirty="0"/>
+          </a:p>
+          <a:p>
+            <a:pPr marL="0" indent="0" algn="l" rtl="0">
+              <a:buNone/>
+            </a:pPr>
+            <a:endParaRPr lang="he-IL" dirty="0"/>
           </a:p>
           <a:p>
             <a:pPr algn="l" rtl="0"/>
@@ -9463,13 +9644,143 @@
               <a:t>Number of samples per node is large and therefore many nodes were dropped</a:t>
             </a:r>
             <a:endParaRPr lang="he-IL" dirty="0"/>
+          </a:p>
+        </p:txBody>
+      </p:sp>
+      <p:pic>
+        <p:nvPicPr>
+          <p:cNvPr id="6" name="Picture 5" descr="A diagram of a diagram&#10;&#10;Description automatically generated with medium confidence">
+            <a:extLst>
+              <a:ext uri="{FF2B5EF4-FFF2-40B4-BE49-F238E27FC236}">
+                <a16:creationId xmlns:a16="http://schemas.microsoft.com/office/drawing/2014/main" id="{6245B1A3-2F64-AB80-3E02-8CADD209A822}"/>
+              </a:ext>
+            </a:extLst>
+          </p:cNvPr>
+          <p:cNvPicPr>
+            <a:picLocks noChangeAspect="1"/>
+          </p:cNvPicPr>
+          <p:nvPr/>
+        </p:nvPicPr>
+        <p:blipFill>
+          <a:blip r:embed="rId2"/>
+          <a:stretch>
+            <a:fillRect/>
+          </a:stretch>
+        </p:blipFill>
+        <p:spPr>
+          <a:xfrm>
+            <a:off x="5462016" y="2828990"/>
+            <a:ext cx="6729984" cy="3499104"/>
+          </a:xfrm>
+          <a:prstGeom prst="rect">
+            <a:avLst/>
+          </a:prstGeom>
+        </p:spPr>
+      </p:pic>
+      <p:pic>
+        <p:nvPicPr>
+          <p:cNvPr id="10" name="Picture 9" descr="A diagram of a number of numbers&#10;&#10;Description automatically generated with medium confidence">
+            <a:extLst>
+              <a:ext uri="{FF2B5EF4-FFF2-40B4-BE49-F238E27FC236}">
+                <a16:creationId xmlns:a16="http://schemas.microsoft.com/office/drawing/2014/main" id="{779D5F16-D3B1-58CE-4B80-C5B78D5043B8}"/>
+              </a:ext>
+            </a:extLst>
+          </p:cNvPr>
+          <p:cNvPicPr>
+            <a:picLocks noChangeAspect="1"/>
+          </p:cNvPicPr>
+          <p:nvPr/>
+        </p:nvPicPr>
+        <p:blipFill>
+          <a:blip r:embed="rId3"/>
+          <a:stretch>
+            <a:fillRect/>
+          </a:stretch>
+        </p:blipFill>
+        <p:spPr>
+          <a:xfrm>
+            <a:off x="1077696" y="3161746"/>
+            <a:ext cx="3469920" cy="1734960"/>
+          </a:xfrm>
+          <a:prstGeom prst="rect">
+            <a:avLst/>
+          </a:prstGeom>
+        </p:spPr>
+      </p:pic>
+      <p:sp>
+        <p:nvSpPr>
+          <p:cNvPr id="12" name="TextBox 11">
+            <a:extLst>
+              <a:ext uri="{FF2B5EF4-FFF2-40B4-BE49-F238E27FC236}">
+                <a16:creationId xmlns:a16="http://schemas.microsoft.com/office/drawing/2014/main" id="{4113DB39-F343-9765-534B-94884D1BB13C}"/>
+              </a:ext>
+            </a:extLst>
+          </p:cNvPr>
+          <p:cNvSpPr txBox="1"/>
+          <p:nvPr/>
+        </p:nvSpPr>
+        <p:spPr>
+          <a:xfrm>
+            <a:off x="1281599" y="3317915"/>
+            <a:ext cx="6094476" cy="369332"/>
+          </a:xfrm>
+          <a:prstGeom prst="rect">
+            <a:avLst/>
+          </a:prstGeom>
+          <a:noFill/>
+        </p:spPr>
+        <p:txBody>
+          <a:bodyPr wrap="square">
+            <a:spAutoFit/>
+          </a:bodyPr>
+          <a:lstStyle/>
+          <a:p>
+            <a:r>
+              <a:rPr lang="en-US" dirty="0"/>
+              <a:t>Modified tree</a:t>
+            </a:r>
+          </a:p>
+        </p:txBody>
+      </p:sp>
+      <p:sp>
+        <p:nvSpPr>
+          <p:cNvPr id="13" name="TextBox 12">
+            <a:extLst>
+              <a:ext uri="{FF2B5EF4-FFF2-40B4-BE49-F238E27FC236}">
+                <a16:creationId xmlns:a16="http://schemas.microsoft.com/office/drawing/2014/main" id="{A1A37EFF-193C-2192-217F-B6F1CC2604E1}"/>
+              </a:ext>
+            </a:extLst>
+          </p:cNvPr>
+          <p:cNvSpPr txBox="1"/>
+          <p:nvPr/>
+        </p:nvSpPr>
+        <p:spPr>
+          <a:xfrm>
+            <a:off x="5593080" y="2644324"/>
+            <a:ext cx="6094476" cy="369332"/>
+          </a:xfrm>
+          <a:prstGeom prst="rect">
+            <a:avLst/>
+          </a:prstGeom>
+          <a:noFill/>
+        </p:spPr>
+        <p:txBody>
+          <a:bodyPr wrap="square">
+            <a:spAutoFit/>
+          </a:bodyPr>
+          <a:lstStyle/>
+          <a:p>
+            <a:r>
+              <a:rPr lang="en-US" dirty="0"/>
+              <a:t>Original tree</a:t>
+            </a:r>
           </a:p>
         </p:txBody>
       </p:sp>
     </p:spTree>
     <p:extLst>
       <p:ext uri="{BB962C8B-B14F-4D97-AF65-F5344CB8AC3E}">
-        <p14:creationId xmlns:p14="http://schemas.microsoft.com/office/powerpoint/2010/main" val="2258968697"/>
+        <p14:creationId xmlns:p14="http://schemas.microsoft.com/office/powerpoint/2010/main" val="2407745157"/>
       </p:ext>
     </p:extLst>
   </p:cSld>
@@ -9484,7 +9795,13 @@
   <p:cSld>
     <p:spTree>
       <p:nvGrpSpPr>
-        <p:cNvPr id="1" name=""/>
+        <p:cNvPr id="1" name="">
+          <a:extLst>
+            <a:ext uri="{FF2B5EF4-FFF2-40B4-BE49-F238E27FC236}">
+              <a16:creationId xmlns:a16="http://schemas.microsoft.com/office/drawing/2014/main" id="{CF58B648-FF61-CF63-927A-EB27845786DA}"/>
+            </a:ext>
+          </a:extLst>
+        </p:cNvPr>
         <p:cNvGrpSpPr/>
         <p:nvPr/>
       </p:nvGrpSpPr>
@@ -9498,10 +9815,10 @@
       </p:grpSpPr>
       <p:sp>
         <p:nvSpPr>
-          <p:cNvPr id="2" name="Title 1">
+          <p:cNvPr id="4" name="Title 3">
             <a:extLst>
               <a:ext uri="{FF2B5EF4-FFF2-40B4-BE49-F238E27FC236}">
-                <a16:creationId xmlns:a16="http://schemas.microsoft.com/office/drawing/2014/main" id="{A3801608-5897-3518-0AA7-31219D68B2E2}"/>
+                <a16:creationId xmlns:a16="http://schemas.microsoft.com/office/drawing/2014/main" id="{FFF7B0AF-4BEB-E341-FC20-76B0F9A9DC86}"/>
               </a:ext>
             </a:extLst>
           </p:cNvPr>
@@ -9517,16 +9834,21 @@
           <a:bodyPr/>
           <a:lstStyle/>
           <a:p>
-            <a:endParaRPr lang="he-IL"/>
-          </a:p>
-        </p:txBody>
-      </p:sp>
-      <p:sp>
-        <p:nvSpPr>
-          <p:cNvPr id="3" name="Content Placeholder 2">
+            <a:pPr rtl="0"/>
+            <a:r>
+              <a:rPr lang="en-US" dirty="0"/>
+              <a:t>Summary and notes</a:t>
+            </a:r>
+            <a:endParaRPr lang="he-IL" dirty="0"/>
+          </a:p>
+        </p:txBody>
+      </p:sp>
+      <p:sp>
+        <p:nvSpPr>
+          <p:cNvPr id="2" name="Content Placeholder 4">
             <a:extLst>
               <a:ext uri="{FF2B5EF4-FFF2-40B4-BE49-F238E27FC236}">
-                <a16:creationId xmlns:a16="http://schemas.microsoft.com/office/drawing/2014/main" id="{05B2259C-E6D9-7174-2A6C-F29C9E807E58}"/>
+                <a16:creationId xmlns:a16="http://schemas.microsoft.com/office/drawing/2014/main" id="{076B6187-0F34-EFCF-54DB-005B257D0F97}"/>
               </a:ext>
             </a:extLst>
           </p:cNvPr>
@@ -9537,20 +9859,71 @@
             <p:ph sz="quarter" idx="13"/>
           </p:nvPr>
         </p:nvSpPr>
-        <p:spPr/>
-        <p:txBody>
-          <a:bodyPr/>
+        <p:spPr>
+          <a:xfrm>
+            <a:off x="913774" y="1764792"/>
+            <a:ext cx="10363826" cy="4937760"/>
+          </a:xfrm>
+        </p:spPr>
+        <p:txBody>
+          <a:bodyPr>
+            <a:normAutofit/>
+          </a:bodyPr>
           <a:lstStyle/>
           <a:p>
             <a:pPr algn="l" rtl="0"/>
+            <a:r>
+              <a:rPr lang="en-US" dirty="0"/>
+              <a:t>Consider again nodes’ filtering heuristic.</a:t>
+            </a:r>
+          </a:p>
+          <a:p>
+            <a:pPr algn="l" rtl="0"/>
+            <a:r>
+              <a:rPr lang="en-US" dirty="0"/>
+              <a:t>Is a large data slice for improvement is as good input to phase 2?</a:t>
+            </a:r>
+          </a:p>
+          <a:p>
+            <a:pPr algn="l" rtl="0"/>
+            <a:r>
+              <a:rPr lang="en-US" dirty="0"/>
+              <a:t>Features combination finds slices which their improvement can contributes more to the overall F2.</a:t>
+            </a:r>
+          </a:p>
+          <a:p>
+            <a:pPr algn="l" rtl="0"/>
+            <a:r>
+              <a:rPr lang="en-US" dirty="0"/>
+              <a:t>Does improving multiple feature slice in possible?</a:t>
+            </a:r>
             <a:endParaRPr lang="he-IL" dirty="0"/>
+          </a:p>
+          <a:p>
+            <a:pPr algn="l" rtl="0"/>
+            <a:r>
+              <a:rPr lang="en-US" dirty="0"/>
+              <a:t>Identifying bad slices in anomaly detection problem is difficult.</a:t>
+            </a:r>
+            <a:endParaRPr lang="he-IL" dirty="0"/>
+          </a:p>
+          <a:p>
+            <a:pPr algn="l" rtl="0"/>
+            <a:r>
+              <a:rPr lang="en-US" dirty="0" err="1"/>
+              <a:t>MLOps</a:t>
+            </a:r>
+            <a:r>
+              <a:rPr lang="en-US" dirty="0"/>
+              <a:t> is a cycle. We tried to implement specific phase in the cycle without knowing how it will affect the next phases. Feedbacks from phase 2 can help us improve the recommendations we give in phase 1.</a:t>
+            </a:r>
           </a:p>
         </p:txBody>
       </p:sp>
     </p:spTree>
     <p:extLst>
       <p:ext uri="{BB962C8B-B14F-4D97-AF65-F5344CB8AC3E}">
-        <p14:creationId xmlns:p14="http://schemas.microsoft.com/office/powerpoint/2010/main" val="3373937242"/>
+        <p14:creationId xmlns:p14="http://schemas.microsoft.com/office/powerpoint/2010/main" val="3181993107"/>
       </p:ext>
     </p:extLst>
   </p:cSld>
@@ -11055,8 +11428,8 @@
           </a:p>
         </p:txBody>
       </p:sp>
-      <mc:AlternateContent xmlns:mc="http://schemas.openxmlformats.org/markup-compatibility/2006">
-        <mc:Choice xmlns:a14="http://schemas.microsoft.com/office/drawing/2010/main" Requires="a14">
+      <mc:AlternateContent xmlns:mc="http://schemas.openxmlformats.org/markup-compatibility/2006" xmlns:a14="http://schemas.microsoft.com/office/drawing/2010/main">
+        <mc:Choice Requires="a14">
           <p:sp>
             <p:nvSpPr>
               <p:cNvPr id="4" name="Content Placeholder 2">
@@ -11750,7 +12123,7 @@
             </p:txBody>
           </p:sp>
         </mc:Choice>
-        <mc:Fallback>
+        <mc:Fallback xmlns="">
           <p:sp>
             <p:nvSpPr>
               <p:cNvPr id="4" name="Content Placeholder 2">

--- a/docs/MLOps Final Project.pptx
+++ b/docs/MLOps Final Project.pptx
@@ -5,7 +5,7 @@
     <p:sldMasterId id="2147483648" r:id="rId1"/>
   </p:sldMasterIdLst>
   <p:notesMasterIdLst>
-    <p:notesMasterId r:id="rId32"/>
+    <p:notesMasterId r:id="rId36"/>
   </p:notesMasterIdLst>
   <p:sldIdLst>
     <p:sldId id="256" r:id="rId2"/>
@@ -32,12 +32,16 @@
     <p:sldId id="269" r:id="rId23"/>
     <p:sldId id="274" r:id="rId24"/>
     <p:sldId id="277" r:id="rId25"/>
-    <p:sldId id="282" r:id="rId26"/>
-    <p:sldId id="288" r:id="rId27"/>
-    <p:sldId id="289" r:id="rId28"/>
-    <p:sldId id="276" r:id="rId29"/>
-    <p:sldId id="275" r:id="rId30"/>
-    <p:sldId id="279" r:id="rId31"/>
+    <p:sldId id="290" r:id="rId26"/>
+    <p:sldId id="292" r:id="rId27"/>
+    <p:sldId id="291" r:id="rId28"/>
+    <p:sldId id="293" r:id="rId29"/>
+    <p:sldId id="282" r:id="rId30"/>
+    <p:sldId id="288" r:id="rId31"/>
+    <p:sldId id="289" r:id="rId32"/>
+    <p:sldId id="276" r:id="rId33"/>
+    <p:sldId id="275" r:id="rId34"/>
+    <p:sldId id="279" r:id="rId35"/>
   </p:sldIdLst>
   <p:sldSz cx="12192000" cy="6858000"/>
   <p:notesSz cx="6858000" cy="9144000"/>
@@ -770,7 +774,7 @@
           <a:p>
             <a:fld id="{894B87DD-015A-4410-BE23-4EE1FA92658F}" type="slidenum">
               <a:rPr lang="he-IL" smtClean="0"/>
-              <a:t>27</a:t>
+              <a:t>31</a:t>
             </a:fld>
             <a:endParaRPr lang="he-IL"/>
           </a:p>
@@ -858,7 +862,7 @@
           <a:p>
             <a:fld id="{894B87DD-015A-4410-BE23-4EE1FA92658F}" type="slidenum">
               <a:rPr lang="he-IL" smtClean="0"/>
-              <a:t>29</a:t>
+              <a:t>33</a:t>
             </a:fld>
             <a:endParaRPr lang="he-IL"/>
           </a:p>
@@ -1052,7 +1056,7 @@
           <a:p>
             <a:fld id="{48A87A34-81AB-432B-8DAE-1953F412C126}" type="datetimeFigureOut">
               <a:rPr lang="en-US" dirty="0"/>
-              <a:t>2/12/2024</a:t>
+              <a:t>12-Feb-24</a:t>
             </a:fld>
             <a:endParaRPr lang="en-US" dirty="0"/>
           </a:p>
@@ -1359,7 +1363,7 @@
           <a:p>
             <a:fld id="{48A87A34-81AB-432B-8DAE-1953F412C126}" type="datetimeFigureOut">
               <a:rPr lang="en-US" dirty="0"/>
-              <a:t>2/12/2024</a:t>
+              <a:t>12-Feb-24</a:t>
             </a:fld>
             <a:endParaRPr lang="en-US" dirty="0"/>
           </a:p>
@@ -1576,7 +1580,7 @@
           <a:p>
             <a:fld id="{48A87A34-81AB-432B-8DAE-1953F412C126}" type="datetimeFigureOut">
               <a:rPr lang="en-US" dirty="0"/>
-              <a:t>2/12/2024</a:t>
+              <a:t>12-Feb-24</a:t>
             </a:fld>
             <a:endParaRPr lang="en-US" dirty="0"/>
           </a:p>
@@ -1862,7 +1866,7 @@
           <a:p>
             <a:fld id="{48A87A34-81AB-432B-8DAE-1953F412C126}" type="datetimeFigureOut">
               <a:rPr lang="en-US" dirty="0"/>
-              <a:t>2/12/2024</a:t>
+              <a:t>12-Feb-24</a:t>
             </a:fld>
             <a:endParaRPr lang="en-US" dirty="0"/>
           </a:p>
@@ -2311,7 +2315,7 @@
           <a:p>
             <a:fld id="{48A87A34-81AB-432B-8DAE-1953F412C126}" type="datetimeFigureOut">
               <a:rPr lang="en-US" dirty="0"/>
-              <a:t>2/12/2024</a:t>
+              <a:t>12-Feb-24</a:t>
             </a:fld>
             <a:endParaRPr lang="en-US" dirty="0"/>
           </a:p>
@@ -2882,7 +2886,7 @@
           <a:p>
             <a:fld id="{48A87A34-81AB-432B-8DAE-1953F412C126}" type="datetimeFigureOut">
               <a:rPr lang="en-US" dirty="0"/>
-              <a:t>2/12/2024</a:t>
+              <a:t>12-Feb-24</a:t>
             </a:fld>
             <a:endParaRPr lang="en-US" dirty="0"/>
           </a:p>
@@ -3729,7 +3733,7 @@
           <a:p>
             <a:fld id="{48A87A34-81AB-432B-8DAE-1953F412C126}" type="datetimeFigureOut">
               <a:rPr lang="en-US" dirty="0"/>
-              <a:t>2/12/2024</a:t>
+              <a:t>12-Feb-24</a:t>
             </a:fld>
             <a:endParaRPr lang="en-US" dirty="0"/>
           </a:p>
@@ -3929,7 +3933,7 @@
           <a:p>
             <a:fld id="{48A87A34-81AB-432B-8DAE-1953F412C126}" type="datetimeFigureOut">
               <a:rPr lang="en-US" dirty="0"/>
-              <a:t>2/12/2024</a:t>
+              <a:t>12-Feb-24</a:t>
             </a:fld>
             <a:endParaRPr lang="en-US" dirty="0"/>
           </a:p>
@@ -4138,7 +4142,7 @@
           <a:p>
             <a:fld id="{48A87A34-81AB-432B-8DAE-1953F412C126}" type="datetimeFigureOut">
               <a:rPr lang="en-US" dirty="0"/>
-              <a:t>2/12/2024</a:t>
+              <a:t>12-Feb-24</a:t>
             </a:fld>
             <a:endParaRPr lang="en-US" dirty="0"/>
           </a:p>
@@ -4347,7 +4351,7 @@
           <a:p>
             <a:fld id="{48A87A34-81AB-432B-8DAE-1953F412C126}" type="datetimeFigureOut">
               <a:rPr lang="en-US" dirty="0"/>
-              <a:t>2/12/2024</a:t>
+              <a:t>12-Feb-24</a:t>
             </a:fld>
             <a:endParaRPr lang="en-US" dirty="0"/>
           </a:p>
@@ -4627,7 +4631,7 @@
           <a:p>
             <a:fld id="{48A87A34-81AB-432B-8DAE-1953F412C126}" type="datetimeFigureOut">
               <a:rPr lang="en-US" dirty="0"/>
-              <a:t>2/12/2024</a:t>
+              <a:t>12-Feb-24</a:t>
             </a:fld>
             <a:endParaRPr lang="en-US" dirty="0"/>
           </a:p>
@@ -4889,7 +4893,7 @@
           <a:p>
             <a:fld id="{48A87A34-81AB-432B-8DAE-1953F412C126}" type="datetimeFigureOut">
               <a:rPr lang="en-US" dirty="0"/>
-              <a:t>2/12/2024</a:t>
+              <a:t>12-Feb-24</a:t>
             </a:fld>
             <a:endParaRPr lang="en-US" dirty="0"/>
           </a:p>
@@ -5299,7 +5303,7 @@
           <a:p>
             <a:fld id="{48A87A34-81AB-432B-8DAE-1953F412C126}" type="datetimeFigureOut">
               <a:rPr lang="en-US" dirty="0"/>
-              <a:t>2/12/2024</a:t>
+              <a:t>12-Feb-24</a:t>
             </a:fld>
             <a:endParaRPr lang="en-US" dirty="0"/>
           </a:p>
@@ -5442,7 +5446,7 @@
           <a:p>
             <a:fld id="{48A87A34-81AB-432B-8DAE-1953F412C126}" type="datetimeFigureOut">
               <a:rPr lang="en-US" dirty="0"/>
-              <a:t>2/12/2024</a:t>
+              <a:t>12-Feb-24</a:t>
             </a:fld>
             <a:endParaRPr lang="en-US" dirty="0"/>
           </a:p>
@@ -5562,7 +5566,7 @@
           <a:p>
             <a:fld id="{48A87A34-81AB-432B-8DAE-1953F412C126}" type="datetimeFigureOut">
               <a:rPr lang="en-US" dirty="0"/>
-              <a:t>2/12/2024</a:t>
+              <a:t>12-Feb-24</a:t>
             </a:fld>
             <a:endParaRPr lang="en-US" dirty="0"/>
           </a:p>
@@ -5836,7 +5840,7 @@
           <a:p>
             <a:fld id="{48A87A34-81AB-432B-8DAE-1953F412C126}" type="datetimeFigureOut">
               <a:rPr lang="en-US" dirty="0"/>
-              <a:t>2/12/2024</a:t>
+              <a:t>12-Feb-24</a:t>
             </a:fld>
             <a:endParaRPr lang="en-US" dirty="0"/>
           </a:p>
@@ -6143,7 +6147,7 @@
           <a:p>
             <a:fld id="{48A87A34-81AB-432B-8DAE-1953F412C126}" type="datetimeFigureOut">
               <a:rPr lang="en-US" dirty="0"/>
-              <a:t>2/12/2024</a:t>
+              <a:t>12-Feb-24</a:t>
             </a:fld>
             <a:endParaRPr lang="en-US" dirty="0"/>
           </a:p>
@@ -6390,7 +6394,7 @@
             <a:fld id="{48A87A34-81AB-432B-8DAE-1953F412C126}" type="datetimeFigureOut">
               <a:rPr lang="en-US" dirty="0"/>
               <a:pPr/>
-              <a:t>2/12/2024</a:t>
+              <a:t>12-Feb-24</a:t>
             </a:fld>
             <a:endParaRPr lang="en-US" dirty="0"/>
           </a:p>
@@ -7093,7 +7097,15 @@
           </a:bodyPr>
           <a:lstStyle/>
           <a:p>
-            <a:pPr algn="l" rtl="0"/>
+            <a:pPr marL="457200" indent="-457200" algn="l" rtl="0">
+              <a:buClr>
+                <a:schemeClr val="bg2">
+                  <a:lumMod val="50000"/>
+                </a:schemeClr>
+              </a:buClr>
+              <a:buFont typeface="+mj-lt"/>
+              <a:buAutoNum type="arabicPeriod"/>
+            </a:pPr>
             <a:r>
               <a:rPr lang="en-US" dirty="0"/>
               <a:t>Input</a:t>
@@ -7127,14 +7139,30 @@
             </a:r>
           </a:p>
           <a:p>
-            <a:pPr algn="l" rtl="0"/>
+            <a:pPr marL="457200" indent="-457200" algn="l" rtl="0">
+              <a:buClr>
+                <a:schemeClr val="bg2">
+                  <a:lumMod val="50000"/>
+                </a:schemeClr>
+              </a:buClr>
+              <a:buFont typeface="+mj-lt"/>
+              <a:buAutoNum type="arabicPeriod"/>
+            </a:pPr>
             <a:r>
               <a:rPr lang="en-US" dirty="0"/>
               <a:t>Build the tree</a:t>
             </a:r>
           </a:p>
           <a:p>
-            <a:pPr algn="l" rtl="0"/>
+            <a:pPr marL="457200" indent="-457200" algn="l" rtl="0">
+              <a:buClr>
+                <a:schemeClr val="bg2">
+                  <a:lumMod val="50000"/>
+                </a:schemeClr>
+              </a:buClr>
+              <a:buFont typeface="+mj-lt"/>
+              <a:buAutoNum type="arabicPeriod"/>
+            </a:pPr>
             <a:r>
               <a:rPr lang="en-US" dirty="0"/>
               <a:t>Filter the leaves with:</a:t>
@@ -7243,7 +7271,18 @@
           </p:nvPr>
         </p:nvPicPr>
         <p:blipFill>
-          <a:blip r:embed="rId2"/>
+          <a:blip r:embed="rId2">
+            <a:clrChange>
+              <a:clrFrom>
+                <a:srgbClr val="FFFFFF"/>
+              </a:clrFrom>
+              <a:clrTo>
+                <a:srgbClr val="FFFFFF">
+                  <a:alpha val="0"/>
+                </a:srgbClr>
+              </a:clrTo>
+            </a:clrChange>
+          </a:blip>
           <a:srcRect/>
           <a:stretch/>
         </p:blipFill>
@@ -7267,6 +7306,78 @@
           </a:extLst>
         </p:spPr>
       </p:pic>
+      <p:sp>
+        <p:nvSpPr>
+          <p:cNvPr id="3" name="TextBox 2">
+            <a:extLst>
+              <a:ext uri="{FF2B5EF4-FFF2-40B4-BE49-F238E27FC236}">
+                <a16:creationId xmlns:a16="http://schemas.microsoft.com/office/drawing/2014/main" id="{B245F7A1-B981-CEFD-A21A-3CBE07BF60EC}"/>
+              </a:ext>
+            </a:extLst>
+          </p:cNvPr>
+          <p:cNvSpPr txBox="1"/>
+          <p:nvPr/>
+        </p:nvSpPr>
+        <p:spPr>
+          <a:xfrm>
+            <a:off x="4833263" y="4012163"/>
+            <a:ext cx="572144" cy="369332"/>
+          </a:xfrm>
+          <a:prstGeom prst="rect">
+            <a:avLst/>
+          </a:prstGeom>
+          <a:noFill/>
+        </p:spPr>
+        <p:txBody>
+          <a:bodyPr wrap="none" rtlCol="1">
+            <a:spAutoFit/>
+          </a:bodyPr>
+          <a:lstStyle/>
+          <a:p>
+            <a:r>
+              <a:rPr lang="en-US" dirty="0"/>
+              <a:t>True</a:t>
+            </a:r>
+            <a:endParaRPr lang="he-IL" dirty="0"/>
+          </a:p>
+        </p:txBody>
+      </p:sp>
+      <p:sp>
+        <p:nvSpPr>
+          <p:cNvPr id="4" name="TextBox 3">
+            <a:extLst>
+              <a:ext uri="{FF2B5EF4-FFF2-40B4-BE49-F238E27FC236}">
+                <a16:creationId xmlns:a16="http://schemas.microsoft.com/office/drawing/2014/main" id="{3E60302B-E56D-A227-7DAA-3DC3AF830AB1}"/>
+              </a:ext>
+            </a:extLst>
+          </p:cNvPr>
+          <p:cNvSpPr txBox="1"/>
+          <p:nvPr/>
+        </p:nvSpPr>
+        <p:spPr>
+          <a:xfrm>
+            <a:off x="7018242" y="4012163"/>
+            <a:ext cx="653705" cy="369332"/>
+          </a:xfrm>
+          <a:prstGeom prst="rect">
+            <a:avLst/>
+          </a:prstGeom>
+          <a:noFill/>
+        </p:spPr>
+        <p:txBody>
+          <a:bodyPr wrap="none" rtlCol="1">
+            <a:spAutoFit/>
+          </a:bodyPr>
+          <a:lstStyle/>
+          <a:p>
+            <a:r>
+              <a:rPr lang="en-US" dirty="0"/>
+              <a:t>False</a:t>
+            </a:r>
+            <a:endParaRPr lang="he-IL" dirty="0"/>
+          </a:p>
+        </p:txBody>
+      </p:sp>
     </p:spTree>
     <p:extLst>
       <p:ext uri="{BB962C8B-B14F-4D97-AF65-F5344CB8AC3E}">
@@ -7350,14 +7461,25 @@
           </p:nvPr>
         </p:nvPicPr>
         <p:blipFill>
-          <a:blip r:embed="rId2"/>
+          <a:blip r:embed="rId2">
+            <a:clrChange>
+              <a:clrFrom>
+                <a:srgbClr val="FFFFFF"/>
+              </a:clrFrom>
+              <a:clrTo>
+                <a:srgbClr val="FFFFFF">
+                  <a:alpha val="0"/>
+                </a:srgbClr>
+              </a:clrTo>
+            </a:clrChange>
+          </a:blip>
           <a:stretch>
             <a:fillRect/>
           </a:stretch>
         </p:blipFill>
         <p:spPr bwMode="auto">
           <a:xfrm>
-            <a:off x="3467100" y="2214694"/>
+            <a:off x="3467100" y="1646052"/>
             <a:ext cx="5257800" cy="4593431"/>
           </a:xfrm>
           <a:prstGeom prst="rect">
@@ -7833,7 +7955,15 @@
           </a:bodyPr>
           <a:lstStyle/>
           <a:p>
-            <a:pPr algn="l" rtl="0"/>
+            <a:pPr marL="457200" indent="-457200" algn="l" rtl="0">
+              <a:buClr>
+                <a:schemeClr val="bg2">
+                  <a:lumMod val="50000"/>
+                </a:schemeClr>
+              </a:buClr>
+              <a:buFont typeface="+mj-lt"/>
+              <a:buAutoNum type="arabicPeriod"/>
+            </a:pPr>
             <a:r>
               <a:rPr lang="en-US" sz="2400" dirty="0"/>
               <a:t>Input:</a:t>
@@ -7871,28 +8001,55 @@
             </a:r>
           </a:p>
           <a:p>
-            <a:pPr algn="l" rtl="0"/>
+            <a:pPr marL="457200" indent="-457200" algn="l" rtl="0">
+              <a:buClr>
+                <a:schemeClr val="bg2">
+                  <a:lumMod val="50000"/>
+                </a:schemeClr>
+              </a:buClr>
+              <a:buFont typeface="+mj-lt"/>
+              <a:buAutoNum type="arabicPeriod"/>
+            </a:pPr>
             <a:r>
               <a:rPr lang="en-US" sz="2200" dirty="0"/>
               <a:t>Build the tree</a:t>
             </a:r>
           </a:p>
           <a:p>
-            <a:pPr algn="l" rtl="0"/>
+            <a:pPr marL="457200" indent="-457200" algn="l" rtl="0">
+              <a:buClr>
+                <a:schemeClr val="bg2">
+                  <a:lumMod val="50000"/>
+                </a:schemeClr>
+              </a:buClr>
+              <a:buFont typeface="+mj-lt"/>
+              <a:buAutoNum type="arabicPeriod"/>
+            </a:pPr>
             <a:r>
               <a:rPr lang="en-US" sz="2200" dirty="0"/>
               <a:t>Filter the nodes:</a:t>
             </a:r>
           </a:p>
           <a:p>
-            <a:pPr lvl="1" algn="l" rtl="0"/>
+            <a:pPr lvl="1" algn="l" rtl="0">
+              <a:buFont typeface="Courier New" panose="02070309020205020404" pitchFamily="49" charset="0"/>
+              <a:buChar char="o"/>
+            </a:pPr>
             <a:r>
               <a:rPr lang="en-US" sz="2000" dirty="0"/>
               <a:t>Number of samples below 20% of total</a:t>
             </a:r>
           </a:p>
           <a:p>
-            <a:pPr algn="l" rtl="0"/>
+            <a:pPr marL="457200" indent="-457200" algn="l" rtl="0">
+              <a:buClr>
+                <a:schemeClr val="bg2">
+                  <a:lumMod val="50000"/>
+                </a:schemeClr>
+              </a:buClr>
+              <a:buFont typeface="+mj-lt"/>
+              <a:buAutoNum type="arabicPeriod"/>
+            </a:pPr>
             <a:r>
               <a:rPr lang="en-US" sz="2200" dirty="0"/>
               <a:t>Sort the nodes by potential overall F2 improvement</a:t>
@@ -7934,6 +8091,125 @@
           <a:chExt cx="0" cy="0"/>
         </a:xfrm>
       </p:grpSpPr>
+      <p:pic>
+        <p:nvPicPr>
+          <p:cNvPr id="8" name="Picture 7" descr="A diagram of a diagram&#10;&#10;Description automatically generated with medium confidence">
+            <a:extLst>
+              <a:ext uri="{FF2B5EF4-FFF2-40B4-BE49-F238E27FC236}">
+                <a16:creationId xmlns:a16="http://schemas.microsoft.com/office/drawing/2014/main" id="{943499CB-3A50-2F7C-7750-2F435E919554}"/>
+              </a:ext>
+            </a:extLst>
+          </p:cNvPr>
+          <p:cNvPicPr>
+            <a:picLocks noChangeAspect="1"/>
+          </p:cNvPicPr>
+          <p:nvPr/>
+        </p:nvPicPr>
+        <p:blipFill>
+          <a:blip r:embed="rId2">
+            <a:clrChange>
+              <a:clrFrom>
+                <a:srgbClr val="FFFFFF"/>
+              </a:clrFrom>
+              <a:clrTo>
+                <a:srgbClr val="FFFFFF">
+                  <a:alpha val="0"/>
+                </a:srgbClr>
+              </a:clrTo>
+            </a:clrChange>
+          </a:blip>
+          <a:stretch>
+            <a:fillRect/>
+          </a:stretch>
+        </p:blipFill>
+        <p:spPr>
+          <a:xfrm>
+            <a:off x="5300869" y="2429483"/>
+            <a:ext cx="7620000" cy="3810000"/>
+          </a:xfrm>
+          <a:prstGeom prst="rect">
+            <a:avLst/>
+          </a:prstGeom>
+        </p:spPr>
+      </p:pic>
+      <p:sp>
+        <p:nvSpPr>
+          <p:cNvPr id="5" name="Content Placeholder 4">
+            <a:extLst>
+              <a:ext uri="{FF2B5EF4-FFF2-40B4-BE49-F238E27FC236}">
+                <a16:creationId xmlns:a16="http://schemas.microsoft.com/office/drawing/2014/main" id="{D5F7A0AC-20B4-EA15-65A9-81B24AC54929}"/>
+              </a:ext>
+            </a:extLst>
+          </p:cNvPr>
+          <p:cNvSpPr>
+            <a:spLocks noGrp="1"/>
+          </p:cNvSpPr>
+          <p:nvPr>
+            <p:ph sz="quarter" idx="14"/>
+          </p:nvPr>
+        </p:nvSpPr>
+        <p:spPr>
+          <a:xfrm>
+            <a:off x="6200775" y="2392112"/>
+            <a:ext cx="5572539" cy="674282"/>
+          </a:xfrm>
+        </p:spPr>
+        <p:txBody>
+          <a:bodyPr/>
+          <a:lstStyle/>
+          <a:p>
+            <a:pPr marL="0" indent="0" algn="ctr" rtl="0">
+              <a:buNone/>
+            </a:pPr>
+            <a:r>
+              <a:rPr lang="en-US" dirty="0"/>
+              <a:t>By F2:</a:t>
+            </a:r>
+            <a:endParaRPr lang="he-IL" dirty="0"/>
+          </a:p>
+        </p:txBody>
+      </p:sp>
+      <p:pic>
+        <p:nvPicPr>
+          <p:cNvPr id="6" name="Picture 5" descr="A diagram of a company structure&#10;&#10;Description automatically generated">
+            <a:extLst>
+              <a:ext uri="{FF2B5EF4-FFF2-40B4-BE49-F238E27FC236}">
+                <a16:creationId xmlns:a16="http://schemas.microsoft.com/office/drawing/2014/main" id="{075D71A1-36E1-20B7-93E1-7F8362F1E5F1}"/>
+              </a:ext>
+            </a:extLst>
+          </p:cNvPr>
+          <p:cNvPicPr>
+            <a:picLocks noChangeAspect="1"/>
+          </p:cNvPicPr>
+          <p:nvPr/>
+        </p:nvPicPr>
+        <p:blipFill>
+          <a:blip r:embed="rId3">
+            <a:clrChange>
+              <a:clrFrom>
+                <a:srgbClr val="FFFFFF"/>
+              </a:clrFrom>
+              <a:clrTo>
+                <a:srgbClr val="FFFFFF">
+                  <a:alpha val="0"/>
+                </a:srgbClr>
+              </a:clrTo>
+            </a:clrChange>
+          </a:blip>
+          <a:stretch>
+            <a:fillRect/>
+          </a:stretch>
+        </p:blipFill>
+        <p:spPr>
+          <a:xfrm>
+            <a:off x="-671921" y="2536550"/>
+            <a:ext cx="7620000" cy="3810000"/>
+          </a:xfrm>
+          <a:prstGeom prst="rect">
+            <a:avLst/>
+          </a:prstGeom>
+        </p:spPr>
+      </p:pic>
       <p:sp>
         <p:nvSpPr>
           <p:cNvPr id="4" name="Title 3">
@@ -7995,62 +8271,23 @@
             <p:ph sz="quarter" idx="13"/>
           </p:nvPr>
         </p:nvSpPr>
-        <p:spPr/>
+        <p:spPr>
+          <a:xfrm>
+            <a:off x="913774" y="2387413"/>
+            <a:ext cx="4953628" cy="674282"/>
+          </a:xfrm>
+        </p:spPr>
         <p:txBody>
           <a:bodyPr/>
           <a:lstStyle/>
           <a:p>
-            <a:pPr marL="0" indent="0" algn="l" rtl="0">
+            <a:pPr marL="0" indent="0" algn="ctr" rtl="0">
               <a:buNone/>
             </a:pPr>
             <a:r>
               <a:rPr lang="en-US" dirty="0"/>
-              <a:t>&lt;insert example of accuracy decision tree by accuracy&gt;</a:t>
-            </a:r>
-            <a:endParaRPr lang="he-IL" dirty="0"/>
-          </a:p>
-          <a:p>
-            <a:pPr marL="0" indent="0" algn="l" rtl="0">
-              <a:buNone/>
-            </a:pPr>
-            <a:endParaRPr lang="he-IL" dirty="0"/>
-          </a:p>
-        </p:txBody>
-      </p:sp>
-      <p:sp>
-        <p:nvSpPr>
-          <p:cNvPr id="5" name="Content Placeholder 4">
-            <a:extLst>
-              <a:ext uri="{FF2B5EF4-FFF2-40B4-BE49-F238E27FC236}">
-                <a16:creationId xmlns:a16="http://schemas.microsoft.com/office/drawing/2014/main" id="{D5F7A0AC-20B4-EA15-65A9-81B24AC54929}"/>
-              </a:ext>
-            </a:extLst>
-          </p:cNvPr>
-          <p:cNvSpPr>
-            <a:spLocks noGrp="1"/>
-          </p:cNvSpPr>
-          <p:nvPr>
-            <p:ph sz="quarter" idx="14"/>
-          </p:nvPr>
-        </p:nvSpPr>
-        <p:spPr/>
-        <p:txBody>
-          <a:bodyPr/>
-          <a:lstStyle/>
-          <a:p>
-            <a:pPr marL="0" indent="0" algn="l" rtl="0">
-              <a:buNone/>
-            </a:pPr>
-            <a:r>
-              <a:rPr lang="en-US" dirty="0"/>
-              <a:t>&lt;insert example of decision tree by F2&gt;</a:t>
-            </a:r>
-            <a:endParaRPr lang="he-IL" dirty="0"/>
-          </a:p>
-          <a:p>
-            <a:pPr marL="0" indent="0" algn="l" rtl="0">
-              <a:buNone/>
-            </a:pPr>
+              <a:t>By accuracy:</a:t>
+            </a:r>
             <a:endParaRPr lang="he-IL" dirty="0"/>
           </a:p>
           <a:p>
@@ -9351,6 +9588,8956 @@
 </file>
 
 <file path=ppt/slides/slide25.xml><?xml version="1.0" encoding="utf-8"?>
+<p:sld xmlns:a="http://schemas.openxmlformats.org/drawingml/2006/main" xmlns:r="http://schemas.openxmlformats.org/officeDocument/2006/relationships" xmlns:p="http://schemas.openxmlformats.org/presentationml/2006/main">
+  <p:cSld>
+    <p:spTree>
+      <p:nvGrpSpPr>
+        <p:cNvPr id="1" name=""/>
+        <p:cNvGrpSpPr/>
+        <p:nvPr/>
+      </p:nvGrpSpPr>
+      <p:grpSpPr>
+        <a:xfrm>
+          <a:off x="0" y="0"/>
+          <a:ext cx="0" cy="0"/>
+          <a:chOff x="0" y="0"/>
+          <a:chExt cx="0" cy="0"/>
+        </a:xfrm>
+      </p:grpSpPr>
+      <p:sp>
+        <p:nvSpPr>
+          <p:cNvPr id="5" name="Content Placeholder 4">
+            <a:extLst>
+              <a:ext uri="{FF2B5EF4-FFF2-40B4-BE49-F238E27FC236}">
+                <a16:creationId xmlns:a16="http://schemas.microsoft.com/office/drawing/2014/main" id="{024DF131-2AA4-818C-3F7D-2ED8713A13FF}"/>
+              </a:ext>
+            </a:extLst>
+          </p:cNvPr>
+          <p:cNvSpPr>
+            <a:spLocks noGrp="1"/>
+          </p:cNvSpPr>
+          <p:nvPr>
+            <p:ph sz="quarter" idx="13"/>
+          </p:nvPr>
+        </p:nvSpPr>
+        <p:spPr>
+          <a:xfrm>
+            <a:off x="913774" y="2367092"/>
+            <a:ext cx="10363826" cy="3424107"/>
+          </a:xfrm>
+        </p:spPr>
+        <p:txBody>
+          <a:bodyPr>
+            <a:normAutofit/>
+          </a:bodyPr>
+          <a:lstStyle/>
+          <a:p>
+            <a:pPr marL="0" indent="0" algn="l" rtl="0">
+              <a:buNone/>
+            </a:pPr>
+            <a:r>
+              <a:rPr lang="en-US" sz="2800" dirty="0"/>
+              <a:t>By accuracy:</a:t>
+            </a:r>
+          </a:p>
+          <a:p>
+            <a:pPr marL="0" indent="0" algn="l" rtl="0">
+              <a:buNone/>
+            </a:pPr>
+            <a:endParaRPr lang="en-US" sz="2800" dirty="0"/>
+          </a:p>
+          <a:p>
+            <a:pPr marL="0" indent="0" algn="l" rtl="0">
+              <a:buNone/>
+            </a:pPr>
+            <a:r>
+              <a:rPr lang="en-US" sz="2800" dirty="0"/>
+              <a:t>By F2:</a:t>
+            </a:r>
+            <a:endParaRPr lang="he-IL" sz="2800" dirty="0"/>
+          </a:p>
+        </p:txBody>
+      </p:sp>
+      <p:sp>
+        <p:nvSpPr>
+          <p:cNvPr id="4" name="Title 3">
+            <a:extLst>
+              <a:ext uri="{FF2B5EF4-FFF2-40B4-BE49-F238E27FC236}">
+                <a16:creationId xmlns:a16="http://schemas.microsoft.com/office/drawing/2014/main" id="{90092D4D-B110-5B0E-570E-76A5B93FBF5D}"/>
+              </a:ext>
+            </a:extLst>
+          </p:cNvPr>
+          <p:cNvSpPr>
+            <a:spLocks noGrp="1"/>
+          </p:cNvSpPr>
+          <p:nvPr>
+            <p:ph type="title"/>
+          </p:nvPr>
+        </p:nvSpPr>
+        <p:spPr/>
+        <p:txBody>
+          <a:bodyPr/>
+          <a:lstStyle/>
+          <a:p>
+            <a:pPr rtl="0"/>
+            <a:r>
+              <a:rPr lang="en-US" dirty="0" err="1"/>
+              <a:t>LightGBM</a:t>
+            </a:r>
+            <a:r>
+              <a:rPr lang="en-US" dirty="0"/>
+              <a:t> model</a:t>
+            </a:r>
+            <a:br>
+              <a:rPr lang="en-US" dirty="0"/>
+            </a:br>
+            <a:r>
+              <a:rPr lang="en-US" dirty="0"/>
+              <a:t>Top under-performing single features</a:t>
+            </a:r>
+            <a:endParaRPr lang="he-IL" dirty="0"/>
+          </a:p>
+        </p:txBody>
+      </p:sp>
+      <p:graphicFrame>
+        <p:nvGraphicFramePr>
+          <p:cNvPr id="2" name="Table 1">
+            <a:extLst>
+              <a:ext uri="{FF2B5EF4-FFF2-40B4-BE49-F238E27FC236}">
+                <a16:creationId xmlns:a16="http://schemas.microsoft.com/office/drawing/2014/main" id="{0FE7FC67-0E6A-42BF-B4BC-1905BC4A38BC}"/>
+              </a:ext>
+            </a:extLst>
+          </p:cNvPr>
+          <p:cNvGraphicFramePr>
+            <a:graphicFrameLocks noGrp="1"/>
+          </p:cNvGraphicFramePr>
+          <p:nvPr>
+            <p:extLst>
+              <p:ext uri="{D42A27DB-BD31-4B8C-83A1-F6EECF244321}">
+                <p14:modId xmlns:p14="http://schemas.microsoft.com/office/powerpoint/2010/main" val="2766352872"/>
+              </p:ext>
+            </p:extLst>
+          </p:nvPr>
+        </p:nvGraphicFramePr>
+        <p:xfrm>
+          <a:off x="2158687" y="2938527"/>
+          <a:ext cx="7874000" cy="733425"/>
+        </p:xfrm>
+        <a:graphic>
+          <a:graphicData uri="http://schemas.openxmlformats.org/drawingml/2006/table">
+            <a:tbl>
+              <a:tblPr>
+                <a:tableStyleId>{5C22544A-7EE6-4342-B048-85BDC9FD1C3A}</a:tableStyleId>
+              </a:tblPr>
+              <a:tblGrid>
+                <a:gridCol w="862209">
+                  <a:extLst>
+                    <a:ext uri="{9D8B030D-6E8A-4147-A177-3AD203B41FA5}">
+                      <a16:colId xmlns:a16="http://schemas.microsoft.com/office/drawing/2014/main" val="2754320989"/>
+                    </a:ext>
+                  </a:extLst>
+                </a:gridCol>
+                <a:gridCol w="523031">
+                  <a:extLst>
+                    <a:ext uri="{9D8B030D-6E8A-4147-A177-3AD203B41FA5}">
+                      <a16:colId xmlns:a16="http://schemas.microsoft.com/office/drawing/2014/main" val="483831662"/>
+                    </a:ext>
+                  </a:extLst>
+                </a:gridCol>
+                <a:gridCol w="903418">
+                  <a:extLst>
+                    <a:ext uri="{9D8B030D-6E8A-4147-A177-3AD203B41FA5}">
+                      <a16:colId xmlns:a16="http://schemas.microsoft.com/office/drawing/2014/main" val="476530001"/>
+                    </a:ext>
+                  </a:extLst>
+                </a:gridCol>
+                <a:gridCol w="1166519">
+                  <a:extLst>
+                    <a:ext uri="{9D8B030D-6E8A-4147-A177-3AD203B41FA5}">
+                      <a16:colId xmlns:a16="http://schemas.microsoft.com/office/drawing/2014/main" val="2745154616"/>
+                    </a:ext>
+                  </a:extLst>
+                </a:gridCol>
+                <a:gridCol w="710055">
+                  <a:extLst>
+                    <a:ext uri="{9D8B030D-6E8A-4147-A177-3AD203B41FA5}">
+                      <a16:colId xmlns:a16="http://schemas.microsoft.com/office/drawing/2014/main" val="740235767"/>
+                    </a:ext>
+                  </a:extLst>
+                </a:gridCol>
+                <a:gridCol w="903418">
+                  <a:extLst>
+                    <a:ext uri="{9D8B030D-6E8A-4147-A177-3AD203B41FA5}">
+                      <a16:colId xmlns:a16="http://schemas.microsoft.com/office/drawing/2014/main" val="593267708"/>
+                    </a:ext>
+                  </a:extLst>
+                </a:gridCol>
+                <a:gridCol w="903418">
+                  <a:extLst>
+                    <a:ext uri="{9D8B030D-6E8A-4147-A177-3AD203B41FA5}">
+                      <a16:colId xmlns:a16="http://schemas.microsoft.com/office/drawing/2014/main" val="3535882070"/>
+                    </a:ext>
+                  </a:extLst>
+                </a:gridCol>
+                <a:gridCol w="950966">
+                  <a:extLst>
+                    <a:ext uri="{9D8B030D-6E8A-4147-A177-3AD203B41FA5}">
+                      <a16:colId xmlns:a16="http://schemas.microsoft.com/office/drawing/2014/main" val="3809395613"/>
+                    </a:ext>
+                  </a:extLst>
+                </a:gridCol>
+                <a:gridCol w="950966">
+                  <a:extLst>
+                    <a:ext uri="{9D8B030D-6E8A-4147-A177-3AD203B41FA5}">
+                      <a16:colId xmlns:a16="http://schemas.microsoft.com/office/drawing/2014/main" val="3499893231"/>
+                    </a:ext>
+                  </a:extLst>
+                </a:gridCol>
+              </a:tblGrid>
+              <a:tr h="190500">
+                <a:tc>
+                  <a:txBody>
+                    <a:bodyPr/>
+                    <a:lstStyle/>
+                    <a:p>
+                      <a:pPr algn="ctr" fontAlgn="b"/>
+                      <a:r>
+                        <a:rPr lang="en-US" sz="1100" u="none" strike="noStrike">
+                          <a:effectLst/>
+                        </a:rPr>
+                        <a:t>Feature</a:t>
+                      </a:r>
+                      <a:endParaRPr lang="en-US" sz="1100" b="1" i="0" u="none" strike="noStrike">
+                        <a:solidFill>
+                          <a:srgbClr val="000000"/>
+                        </a:solidFill>
+                        <a:effectLst/>
+                        <a:latin typeface="Arial" panose="020B0604020202020204" pitchFamily="34" charset="0"/>
+                      </a:endParaRPr>
+                    </a:p>
+                  </a:txBody>
+                  <a:tcPr marL="9525" marR="9525" marT="9525" marB="0" anchor="b"/>
+                </a:tc>
+                <a:tc>
+                  <a:txBody>
+                    <a:bodyPr/>
+                    <a:lstStyle/>
+                    <a:p>
+                      <a:pPr algn="ctr" fontAlgn="b"/>
+                      <a:r>
+                        <a:rPr lang="en-US" sz="1100" u="none" strike="noStrike">
+                          <a:effectLst/>
+                        </a:rPr>
+                        <a:t>Leaf id</a:t>
+                      </a:r>
+                      <a:endParaRPr lang="en-US" sz="1100" b="1" i="0" u="none" strike="noStrike">
+                        <a:solidFill>
+                          <a:srgbClr val="000000"/>
+                        </a:solidFill>
+                        <a:effectLst/>
+                        <a:latin typeface="Arial" panose="020B0604020202020204" pitchFamily="34" charset="0"/>
+                      </a:endParaRPr>
+                    </a:p>
+                  </a:txBody>
+                  <a:tcPr marL="9525" marR="9525" marT="9525" marB="0" anchor="b"/>
+                </a:tc>
+                <a:tc>
+                  <a:txBody>
+                    <a:bodyPr/>
+                    <a:lstStyle/>
+                    <a:p>
+                      <a:pPr algn="ctr" fontAlgn="b"/>
+                      <a:r>
+                        <a:rPr lang="en-US" sz="1100" u="none" strike="noStrike">
+                          <a:effectLst/>
+                        </a:rPr>
+                        <a:t>F2</a:t>
+                      </a:r>
+                      <a:endParaRPr lang="en-US" sz="1100" b="1" i="0" u="none" strike="noStrike">
+                        <a:solidFill>
+                          <a:srgbClr val="000000"/>
+                        </a:solidFill>
+                        <a:effectLst/>
+                        <a:latin typeface="Arial" panose="020B0604020202020204" pitchFamily="34" charset="0"/>
+                      </a:endParaRPr>
+                    </a:p>
+                  </a:txBody>
+                  <a:tcPr marL="9525" marR="9525" marT="9525" marB="0" anchor="b"/>
+                </a:tc>
+                <a:tc>
+                  <a:txBody>
+                    <a:bodyPr/>
+                    <a:lstStyle/>
+                    <a:p>
+                      <a:pPr algn="ctr" fontAlgn="b"/>
+                      <a:r>
+                        <a:rPr lang="en-US" sz="1100" u="none" strike="noStrike">
+                          <a:effectLst/>
+                        </a:rPr>
+                        <a:t>F2 improvement</a:t>
+                      </a:r>
+                      <a:endParaRPr lang="en-US" sz="1100" b="1" i="0" u="none" strike="noStrike">
+                        <a:solidFill>
+                          <a:srgbClr val="000000"/>
+                        </a:solidFill>
+                        <a:effectLst/>
+                        <a:latin typeface="Arial" panose="020B0604020202020204" pitchFamily="34" charset="0"/>
+                      </a:endParaRPr>
+                    </a:p>
+                  </a:txBody>
+                  <a:tcPr marL="9525" marR="9525" marT="9525" marB="0" anchor="b"/>
+                </a:tc>
+                <a:tc>
+                  <a:txBody>
+                    <a:bodyPr/>
+                    <a:lstStyle/>
+                    <a:p>
+                      <a:pPr algn="ctr" fontAlgn="b"/>
+                      <a:r>
+                        <a:rPr lang="en-US" sz="1100" u="none" strike="noStrike">
+                          <a:effectLst/>
+                        </a:rPr>
+                        <a:t>Precision</a:t>
+                      </a:r>
+                      <a:endParaRPr lang="en-US" sz="1100" b="1" i="0" u="none" strike="noStrike">
+                        <a:solidFill>
+                          <a:srgbClr val="000000"/>
+                        </a:solidFill>
+                        <a:effectLst/>
+                        <a:latin typeface="Arial" panose="020B0604020202020204" pitchFamily="34" charset="0"/>
+                      </a:endParaRPr>
+                    </a:p>
+                  </a:txBody>
+                  <a:tcPr marL="9525" marR="9525" marT="9525" marB="0" anchor="b"/>
+                </a:tc>
+                <a:tc>
+                  <a:txBody>
+                    <a:bodyPr/>
+                    <a:lstStyle/>
+                    <a:p>
+                      <a:pPr algn="ctr" fontAlgn="b"/>
+                      <a:r>
+                        <a:rPr lang="en-US" sz="1100" u="none" strike="noStrike">
+                          <a:effectLst/>
+                        </a:rPr>
+                        <a:t>Recall</a:t>
+                      </a:r>
+                      <a:endParaRPr lang="en-US" sz="1100" b="1" i="0" u="none" strike="noStrike">
+                        <a:solidFill>
+                          <a:srgbClr val="000000"/>
+                        </a:solidFill>
+                        <a:effectLst/>
+                        <a:latin typeface="Arial" panose="020B0604020202020204" pitchFamily="34" charset="0"/>
+                      </a:endParaRPr>
+                    </a:p>
+                  </a:txBody>
+                  <a:tcPr marL="9525" marR="9525" marT="9525" marB="0" anchor="b"/>
+                </a:tc>
+                <a:tc>
+                  <a:txBody>
+                    <a:bodyPr/>
+                    <a:lstStyle/>
+                    <a:p>
+                      <a:pPr algn="ctr" fontAlgn="b"/>
+                      <a:r>
+                        <a:rPr lang="en-US" sz="1100" u="none" strike="noStrike" dirty="0">
+                          <a:effectLst/>
+                        </a:rPr>
+                        <a:t>Size</a:t>
+                      </a:r>
+                      <a:endParaRPr lang="en-US" sz="1100" b="1" i="0" u="none" strike="noStrike" dirty="0">
+                        <a:solidFill>
+                          <a:srgbClr val="000000"/>
+                        </a:solidFill>
+                        <a:effectLst/>
+                        <a:latin typeface="Arial" panose="020B0604020202020204" pitchFamily="34" charset="0"/>
+                      </a:endParaRPr>
+                    </a:p>
+                  </a:txBody>
+                  <a:tcPr marL="9525" marR="9525" marT="9525" marB="0" anchor="b"/>
+                </a:tc>
+                <a:tc>
+                  <a:txBody>
+                    <a:bodyPr/>
+                    <a:lstStyle/>
+                    <a:p>
+                      <a:pPr algn="ctr" fontAlgn="b"/>
+                      <a:r>
+                        <a:rPr lang="en-US" sz="1100" u="none" strike="noStrike">
+                          <a:effectLst/>
+                        </a:rPr>
+                        <a:t>Feature Min</a:t>
+                      </a:r>
+                      <a:endParaRPr lang="en-US" sz="1100" b="1" i="0" u="none" strike="noStrike">
+                        <a:solidFill>
+                          <a:srgbClr val="000000"/>
+                        </a:solidFill>
+                        <a:effectLst/>
+                        <a:latin typeface="Arial" panose="020B0604020202020204" pitchFamily="34" charset="0"/>
+                      </a:endParaRPr>
+                    </a:p>
+                  </a:txBody>
+                  <a:tcPr marL="9525" marR="9525" marT="9525" marB="0" anchor="b"/>
+                </a:tc>
+                <a:tc>
+                  <a:txBody>
+                    <a:bodyPr/>
+                    <a:lstStyle/>
+                    <a:p>
+                      <a:pPr algn="ctr" fontAlgn="b"/>
+                      <a:r>
+                        <a:rPr lang="en-US" sz="1100" u="none" strike="noStrike">
+                          <a:effectLst/>
+                        </a:rPr>
+                        <a:t>Feature Max</a:t>
+                      </a:r>
+                      <a:endParaRPr lang="en-US" sz="1100" b="1" i="0" u="none" strike="noStrike">
+                        <a:solidFill>
+                          <a:srgbClr val="000000"/>
+                        </a:solidFill>
+                        <a:effectLst/>
+                        <a:latin typeface="Arial" panose="020B0604020202020204" pitchFamily="34" charset="0"/>
+                      </a:endParaRPr>
+                    </a:p>
+                  </a:txBody>
+                  <a:tcPr marL="9525" marR="9525" marT="9525" marB="0" anchor="b"/>
+                </a:tc>
+                <a:extLst>
+                  <a:ext uri="{0D108BD9-81ED-4DB2-BD59-A6C34878D82A}">
+                    <a16:rowId xmlns:a16="http://schemas.microsoft.com/office/drawing/2014/main" val="3713562081"/>
+                  </a:ext>
+                </a:extLst>
+              </a:tr>
+              <a:tr h="180975">
+                <a:tc>
+                  <a:txBody>
+                    <a:bodyPr/>
+                    <a:lstStyle/>
+                    <a:p>
+                      <a:pPr algn="l" fontAlgn="b"/>
+                      <a:r>
+                        <a:rPr lang="en-US" sz="1100" u="none" strike="noStrike">
+                          <a:effectLst/>
+                        </a:rPr>
+                        <a:t>Flow_max</a:t>
+                      </a:r>
+                      <a:endParaRPr lang="en-US" sz="1100" b="0" i="0" u="none" strike="noStrike">
+                        <a:solidFill>
+                          <a:srgbClr val="000000"/>
+                        </a:solidFill>
+                        <a:effectLst/>
+                        <a:latin typeface="Arial" panose="020B0604020202020204" pitchFamily="34" charset="0"/>
+                      </a:endParaRPr>
+                    </a:p>
+                  </a:txBody>
+                  <a:tcPr marL="9525" marR="9525" marT="9525" marB="0" anchor="b"/>
+                </a:tc>
+                <a:tc>
+                  <a:txBody>
+                    <a:bodyPr/>
+                    <a:lstStyle/>
+                    <a:p>
+                      <a:pPr algn="r" fontAlgn="b"/>
+                      <a:r>
+                        <a:rPr lang="he-IL" sz="1100" u="none" strike="noStrike">
+                          <a:effectLst/>
+                        </a:rPr>
+                        <a:t>3</a:t>
+                      </a:r>
+                      <a:endParaRPr lang="he-IL" sz="1100" b="0" i="0" u="none" strike="noStrike">
+                        <a:solidFill>
+                          <a:srgbClr val="000000"/>
+                        </a:solidFill>
+                        <a:effectLst/>
+                        <a:latin typeface="Arial" panose="020B0604020202020204" pitchFamily="34" charset="0"/>
+                      </a:endParaRPr>
+                    </a:p>
+                  </a:txBody>
+                  <a:tcPr marL="9525" marR="9525" marT="9525" marB="0" anchor="b"/>
+                </a:tc>
+                <a:tc>
+                  <a:txBody>
+                    <a:bodyPr/>
+                    <a:lstStyle/>
+                    <a:p>
+                      <a:pPr algn="r" fontAlgn="b"/>
+                      <a:r>
+                        <a:rPr lang="he-IL" sz="1100" u="none" strike="noStrike">
+                          <a:effectLst/>
+                        </a:rPr>
+                        <a:t>0.21023766</a:t>
+                      </a:r>
+                      <a:endParaRPr lang="he-IL" sz="1100" b="0" i="0" u="none" strike="noStrike">
+                        <a:solidFill>
+                          <a:srgbClr val="000000"/>
+                        </a:solidFill>
+                        <a:effectLst/>
+                        <a:latin typeface="Arial" panose="020B0604020202020204" pitchFamily="34" charset="0"/>
+                      </a:endParaRPr>
+                    </a:p>
+                  </a:txBody>
+                  <a:tcPr marL="9525" marR="9525" marT="9525" marB="0" anchor="b"/>
+                </a:tc>
+                <a:tc>
+                  <a:txBody>
+                    <a:bodyPr/>
+                    <a:lstStyle/>
+                    <a:p>
+                      <a:pPr algn="r" fontAlgn="b"/>
+                      <a:r>
+                        <a:rPr lang="he-IL" sz="1100" u="none" strike="noStrike">
+                          <a:effectLst/>
+                        </a:rPr>
+                        <a:t>0.106485577</a:t>
+                      </a:r>
+                      <a:endParaRPr lang="he-IL" sz="1100" b="0" i="0" u="none" strike="noStrike">
+                        <a:solidFill>
+                          <a:srgbClr val="000000"/>
+                        </a:solidFill>
+                        <a:effectLst/>
+                        <a:latin typeface="Arial" panose="020B0604020202020204" pitchFamily="34" charset="0"/>
+                      </a:endParaRPr>
+                    </a:p>
+                  </a:txBody>
+                  <a:tcPr marL="9525" marR="9525" marT="9525" marB="0" anchor="b"/>
+                </a:tc>
+                <a:tc>
+                  <a:txBody>
+                    <a:bodyPr/>
+                    <a:lstStyle/>
+                    <a:p>
+                      <a:pPr algn="r" fontAlgn="b"/>
+                      <a:r>
+                        <a:rPr lang="he-IL" sz="1100" u="none" strike="noStrike">
+                          <a:effectLst/>
+                        </a:rPr>
+                        <a:t>1</a:t>
+                      </a:r>
+                      <a:endParaRPr lang="he-IL" sz="1100" b="0" i="0" u="none" strike="noStrike">
+                        <a:solidFill>
+                          <a:srgbClr val="000000"/>
+                        </a:solidFill>
+                        <a:effectLst/>
+                        <a:latin typeface="Arial" panose="020B0604020202020204" pitchFamily="34" charset="0"/>
+                      </a:endParaRPr>
+                    </a:p>
+                  </a:txBody>
+                  <a:tcPr marL="9525" marR="9525" marT="9525" marB="0" anchor="b"/>
+                </a:tc>
+                <a:tc>
+                  <a:txBody>
+                    <a:bodyPr/>
+                    <a:lstStyle/>
+                    <a:p>
+                      <a:pPr algn="r" fontAlgn="b"/>
+                      <a:r>
+                        <a:rPr lang="he-IL" sz="1100" u="none" strike="noStrike">
+                          <a:effectLst/>
+                        </a:rPr>
+                        <a:t>0.175572519</a:t>
+                      </a:r>
+                      <a:endParaRPr lang="he-IL" sz="1100" b="0" i="0" u="none" strike="noStrike">
+                        <a:solidFill>
+                          <a:srgbClr val="000000"/>
+                        </a:solidFill>
+                        <a:effectLst/>
+                        <a:latin typeface="Arial" panose="020B0604020202020204" pitchFamily="34" charset="0"/>
+                      </a:endParaRPr>
+                    </a:p>
+                  </a:txBody>
+                  <a:tcPr marL="9525" marR="9525" marT="9525" marB="0" anchor="b"/>
+                </a:tc>
+                <a:tc>
+                  <a:txBody>
+                    <a:bodyPr/>
+                    <a:lstStyle/>
+                    <a:p>
+                      <a:pPr algn="r" fontAlgn="b"/>
+                      <a:r>
+                        <a:rPr lang="he-IL" sz="1100" u="none" strike="noStrike">
+                          <a:effectLst/>
+                        </a:rPr>
+                        <a:t>19.36008677</a:t>
+                      </a:r>
+                      <a:endParaRPr lang="he-IL" sz="1100" b="0" i="0" u="none" strike="noStrike">
+                        <a:solidFill>
+                          <a:srgbClr val="000000"/>
+                        </a:solidFill>
+                        <a:effectLst/>
+                        <a:latin typeface="Arial" panose="020B0604020202020204" pitchFamily="34" charset="0"/>
+                      </a:endParaRPr>
+                    </a:p>
+                  </a:txBody>
+                  <a:tcPr marL="9525" marR="9525" marT="9525" marB="0" anchor="b"/>
+                </a:tc>
+                <a:tc>
+                  <a:txBody>
+                    <a:bodyPr/>
+                    <a:lstStyle/>
+                    <a:p>
+                      <a:pPr algn="r" fontAlgn="b"/>
+                      <a:r>
+                        <a:rPr lang="he-IL" sz="1100" u="none" strike="noStrike">
+                          <a:effectLst/>
+                        </a:rPr>
+                        <a:t>0.485899448</a:t>
+                      </a:r>
+                      <a:endParaRPr lang="he-IL" sz="1100" b="0" i="0" u="none" strike="noStrike">
+                        <a:solidFill>
+                          <a:srgbClr val="000000"/>
+                        </a:solidFill>
+                        <a:effectLst/>
+                        <a:latin typeface="Arial" panose="020B0604020202020204" pitchFamily="34" charset="0"/>
+                      </a:endParaRPr>
+                    </a:p>
+                  </a:txBody>
+                  <a:tcPr marL="9525" marR="9525" marT="9525" marB="0" anchor="b"/>
+                </a:tc>
+                <a:tc>
+                  <a:txBody>
+                    <a:bodyPr/>
+                    <a:lstStyle/>
+                    <a:p>
+                      <a:pPr algn="r" fontAlgn="b"/>
+                      <a:r>
+                        <a:rPr lang="he-IL" sz="1100" u="none" strike="noStrike">
+                          <a:effectLst/>
+                        </a:rPr>
+                        <a:t>0.771553427</a:t>
+                      </a:r>
+                      <a:endParaRPr lang="he-IL" sz="1100" b="0" i="0" u="none" strike="noStrike">
+                        <a:solidFill>
+                          <a:srgbClr val="000000"/>
+                        </a:solidFill>
+                        <a:effectLst/>
+                        <a:latin typeface="Arial" panose="020B0604020202020204" pitchFamily="34" charset="0"/>
+                      </a:endParaRPr>
+                    </a:p>
+                  </a:txBody>
+                  <a:tcPr marL="9525" marR="9525" marT="9525" marB="0" anchor="b"/>
+                </a:tc>
+                <a:extLst>
+                  <a:ext uri="{0D108BD9-81ED-4DB2-BD59-A6C34878D82A}">
+                    <a16:rowId xmlns:a16="http://schemas.microsoft.com/office/drawing/2014/main" val="388182808"/>
+                  </a:ext>
+                </a:extLst>
+              </a:tr>
+              <a:tr h="180975">
+                <a:tc>
+                  <a:txBody>
+                    <a:bodyPr/>
+                    <a:lstStyle/>
+                    <a:p>
+                      <a:pPr algn="l" fontAlgn="b"/>
+                      <a:r>
+                        <a:rPr lang="en-US" sz="1100" u="none" strike="noStrike">
+                          <a:effectLst/>
+                        </a:rPr>
+                        <a:t>Flow_mean</a:t>
+                      </a:r>
+                      <a:endParaRPr lang="en-US" sz="1100" b="0" i="0" u="none" strike="noStrike">
+                        <a:solidFill>
+                          <a:srgbClr val="000000"/>
+                        </a:solidFill>
+                        <a:effectLst/>
+                        <a:latin typeface="Arial" panose="020B0604020202020204" pitchFamily="34" charset="0"/>
+                      </a:endParaRPr>
+                    </a:p>
+                  </a:txBody>
+                  <a:tcPr marL="9525" marR="9525" marT="9525" marB="0" anchor="b"/>
+                </a:tc>
+                <a:tc>
+                  <a:txBody>
+                    <a:bodyPr/>
+                    <a:lstStyle/>
+                    <a:p>
+                      <a:pPr algn="r" fontAlgn="b"/>
+                      <a:r>
+                        <a:rPr lang="he-IL" sz="1100" u="none" strike="noStrike">
+                          <a:effectLst/>
+                        </a:rPr>
+                        <a:t>11</a:t>
+                      </a:r>
+                      <a:endParaRPr lang="he-IL" sz="1100" b="0" i="0" u="none" strike="noStrike">
+                        <a:solidFill>
+                          <a:srgbClr val="000000"/>
+                        </a:solidFill>
+                        <a:effectLst/>
+                        <a:latin typeface="Arial" panose="020B0604020202020204" pitchFamily="34" charset="0"/>
+                      </a:endParaRPr>
+                    </a:p>
+                  </a:txBody>
+                  <a:tcPr marL="9525" marR="9525" marT="9525" marB="0" anchor="b"/>
+                </a:tc>
+                <a:tc>
+                  <a:txBody>
+                    <a:bodyPr/>
+                    <a:lstStyle/>
+                    <a:p>
+                      <a:pPr algn="r" fontAlgn="b"/>
+                      <a:r>
+                        <a:rPr lang="he-IL" sz="1100" u="none" strike="noStrike">
+                          <a:effectLst/>
+                        </a:rPr>
+                        <a:t>0</a:t>
+                      </a:r>
+                      <a:endParaRPr lang="he-IL" sz="1100" b="0" i="0" u="none" strike="noStrike">
+                        <a:solidFill>
+                          <a:srgbClr val="000000"/>
+                        </a:solidFill>
+                        <a:effectLst/>
+                        <a:latin typeface="Arial" panose="020B0604020202020204" pitchFamily="34" charset="0"/>
+                      </a:endParaRPr>
+                    </a:p>
+                  </a:txBody>
+                  <a:tcPr marL="9525" marR="9525" marT="9525" marB="0" anchor="b"/>
+                </a:tc>
+                <a:tc>
+                  <a:txBody>
+                    <a:bodyPr/>
+                    <a:lstStyle/>
+                    <a:p>
+                      <a:pPr algn="r" fontAlgn="b"/>
+                      <a:r>
+                        <a:rPr lang="he-IL" sz="1100" u="none" strike="noStrike">
+                          <a:effectLst/>
+                        </a:rPr>
+                        <a:t>0.067854194</a:t>
+                      </a:r>
+                      <a:endParaRPr lang="he-IL" sz="1100" b="0" i="0" u="none" strike="noStrike">
+                        <a:solidFill>
+                          <a:srgbClr val="000000"/>
+                        </a:solidFill>
+                        <a:effectLst/>
+                        <a:latin typeface="Arial" panose="020B0604020202020204" pitchFamily="34" charset="0"/>
+                      </a:endParaRPr>
+                    </a:p>
+                  </a:txBody>
+                  <a:tcPr marL="9525" marR="9525" marT="9525" marB="0" anchor="b"/>
+                </a:tc>
+                <a:tc>
+                  <a:txBody>
+                    <a:bodyPr/>
+                    <a:lstStyle/>
+                    <a:p>
+                      <a:pPr algn="r" fontAlgn="b"/>
+                      <a:r>
+                        <a:rPr lang="he-IL" sz="1100" u="none" strike="noStrike">
+                          <a:effectLst/>
+                        </a:rPr>
+                        <a:t>0</a:t>
+                      </a:r>
+                      <a:endParaRPr lang="he-IL" sz="1100" b="0" i="0" u="none" strike="noStrike">
+                        <a:solidFill>
+                          <a:srgbClr val="000000"/>
+                        </a:solidFill>
+                        <a:effectLst/>
+                        <a:latin typeface="Arial" panose="020B0604020202020204" pitchFamily="34" charset="0"/>
+                      </a:endParaRPr>
+                    </a:p>
+                  </a:txBody>
+                  <a:tcPr marL="9525" marR="9525" marT="9525" marB="0" anchor="b"/>
+                </a:tc>
+                <a:tc>
+                  <a:txBody>
+                    <a:bodyPr/>
+                    <a:lstStyle/>
+                    <a:p>
+                      <a:pPr algn="r" fontAlgn="b"/>
+                      <a:r>
+                        <a:rPr lang="he-IL" sz="1100" u="none" strike="noStrike">
+                          <a:effectLst/>
+                        </a:rPr>
+                        <a:t>0</a:t>
+                      </a:r>
+                      <a:endParaRPr lang="he-IL" sz="1100" b="0" i="0" u="none" strike="noStrike">
+                        <a:solidFill>
+                          <a:srgbClr val="000000"/>
+                        </a:solidFill>
+                        <a:effectLst/>
+                        <a:latin typeface="Arial" panose="020B0604020202020204" pitchFamily="34" charset="0"/>
+                      </a:endParaRPr>
+                    </a:p>
+                  </a:txBody>
+                  <a:tcPr marL="9525" marR="9525" marT="9525" marB="0" anchor="b"/>
+                </a:tc>
+                <a:tc>
+                  <a:txBody>
+                    <a:bodyPr/>
+                    <a:lstStyle/>
+                    <a:p>
+                      <a:pPr algn="r" fontAlgn="b"/>
+                      <a:r>
+                        <a:rPr lang="he-IL" sz="1100" u="none" strike="noStrike">
+                          <a:effectLst/>
+                        </a:rPr>
+                        <a:t>17.78741866</a:t>
+                      </a:r>
+                      <a:endParaRPr lang="he-IL" sz="1100" b="0" i="0" u="none" strike="noStrike">
+                        <a:solidFill>
+                          <a:srgbClr val="000000"/>
+                        </a:solidFill>
+                        <a:effectLst/>
+                        <a:latin typeface="Arial" panose="020B0604020202020204" pitchFamily="34" charset="0"/>
+                      </a:endParaRPr>
+                    </a:p>
+                  </a:txBody>
+                  <a:tcPr marL="9525" marR="9525" marT="9525" marB="0" anchor="b"/>
+                </a:tc>
+                <a:tc>
+                  <a:txBody>
+                    <a:bodyPr/>
+                    <a:lstStyle/>
+                    <a:p>
+                      <a:pPr algn="r" fontAlgn="b"/>
+                      <a:r>
+                        <a:rPr lang="he-IL" sz="1100" u="none" strike="noStrike">
+                          <a:effectLst/>
+                        </a:rPr>
+                        <a:t>0.587693065</a:t>
+                      </a:r>
+                      <a:endParaRPr lang="he-IL" sz="1100" b="0" i="0" u="none" strike="noStrike">
+                        <a:solidFill>
+                          <a:srgbClr val="000000"/>
+                        </a:solidFill>
+                        <a:effectLst/>
+                        <a:latin typeface="Arial" panose="020B0604020202020204" pitchFamily="34" charset="0"/>
+                      </a:endParaRPr>
+                    </a:p>
+                  </a:txBody>
+                  <a:tcPr marL="9525" marR="9525" marT="9525" marB="0" anchor="b"/>
+                </a:tc>
+                <a:tc>
+                  <a:txBody>
+                    <a:bodyPr/>
+                    <a:lstStyle/>
+                    <a:p>
+                      <a:pPr algn="r" fontAlgn="b"/>
+                      <a:r>
+                        <a:rPr lang="he-IL" sz="1100" u="none" strike="noStrike">
+                          <a:effectLst/>
+                        </a:rPr>
+                        <a:t>0.752080858</a:t>
+                      </a:r>
+                      <a:endParaRPr lang="he-IL" sz="1100" b="0" i="0" u="none" strike="noStrike">
+                        <a:solidFill>
+                          <a:srgbClr val="000000"/>
+                        </a:solidFill>
+                        <a:effectLst/>
+                        <a:latin typeface="Arial" panose="020B0604020202020204" pitchFamily="34" charset="0"/>
+                      </a:endParaRPr>
+                    </a:p>
+                  </a:txBody>
+                  <a:tcPr marL="9525" marR="9525" marT="9525" marB="0" anchor="b"/>
+                </a:tc>
+                <a:extLst>
+                  <a:ext uri="{0D108BD9-81ED-4DB2-BD59-A6C34878D82A}">
+                    <a16:rowId xmlns:a16="http://schemas.microsoft.com/office/drawing/2014/main" val="2721258035"/>
+                  </a:ext>
+                </a:extLst>
+              </a:tr>
+              <a:tr h="180975">
+                <a:tc>
+                  <a:txBody>
+                    <a:bodyPr/>
+                    <a:lstStyle/>
+                    <a:p>
+                      <a:pPr algn="l" fontAlgn="b"/>
+                      <a:r>
+                        <a:rPr lang="en-US" sz="1100" u="none" strike="noStrike">
+                          <a:effectLst/>
+                        </a:rPr>
+                        <a:t>A1_max</a:t>
+                      </a:r>
+                      <a:endParaRPr lang="en-US" sz="1100" b="0" i="0" u="none" strike="noStrike">
+                        <a:solidFill>
+                          <a:srgbClr val="000000"/>
+                        </a:solidFill>
+                        <a:effectLst/>
+                        <a:latin typeface="Arial" panose="020B0604020202020204" pitchFamily="34" charset="0"/>
+                      </a:endParaRPr>
+                    </a:p>
+                  </a:txBody>
+                  <a:tcPr marL="9525" marR="9525" marT="9525" marB="0" anchor="b"/>
+                </a:tc>
+                <a:tc>
+                  <a:txBody>
+                    <a:bodyPr/>
+                    <a:lstStyle/>
+                    <a:p>
+                      <a:pPr algn="r" fontAlgn="b"/>
+                      <a:r>
+                        <a:rPr lang="he-IL" sz="1100" u="none" strike="noStrike">
+                          <a:effectLst/>
+                        </a:rPr>
+                        <a:t>11</a:t>
+                      </a:r>
+                      <a:endParaRPr lang="he-IL" sz="1100" b="0" i="0" u="none" strike="noStrike">
+                        <a:solidFill>
+                          <a:srgbClr val="000000"/>
+                        </a:solidFill>
+                        <a:effectLst/>
+                        <a:latin typeface="Arial" panose="020B0604020202020204" pitchFamily="34" charset="0"/>
+                      </a:endParaRPr>
+                    </a:p>
+                  </a:txBody>
+                  <a:tcPr marL="9525" marR="9525" marT="9525" marB="0" anchor="b"/>
+                </a:tc>
+                <a:tc>
+                  <a:txBody>
+                    <a:bodyPr/>
+                    <a:lstStyle/>
+                    <a:p>
+                      <a:pPr algn="r" fontAlgn="b"/>
+                      <a:r>
+                        <a:rPr lang="he-IL" sz="1100" u="none" strike="noStrike">
+                          <a:effectLst/>
+                        </a:rPr>
+                        <a:t>0.531914894</a:t>
+                      </a:r>
+                      <a:endParaRPr lang="he-IL" sz="1100" b="0" i="0" u="none" strike="noStrike">
+                        <a:solidFill>
+                          <a:srgbClr val="000000"/>
+                        </a:solidFill>
+                        <a:effectLst/>
+                        <a:latin typeface="Arial" panose="020B0604020202020204" pitchFamily="34" charset="0"/>
+                      </a:endParaRPr>
+                    </a:p>
+                  </a:txBody>
+                  <a:tcPr marL="9525" marR="9525" marT="9525" marB="0" anchor="b"/>
+                </a:tc>
+                <a:tc>
+                  <a:txBody>
+                    <a:bodyPr/>
+                    <a:lstStyle/>
+                    <a:p>
+                      <a:pPr algn="r" fontAlgn="b"/>
+                      <a:r>
+                        <a:rPr lang="he-IL" sz="1100" u="none" strike="noStrike" dirty="0">
+                          <a:effectLst/>
+                        </a:rPr>
+                        <a:t>0.066775792</a:t>
+                      </a:r>
+                      <a:endParaRPr lang="he-IL" sz="1100" b="0" i="0" u="none" strike="noStrike" dirty="0">
+                        <a:solidFill>
+                          <a:srgbClr val="000000"/>
+                        </a:solidFill>
+                        <a:effectLst/>
+                        <a:latin typeface="Arial" panose="020B0604020202020204" pitchFamily="34" charset="0"/>
+                      </a:endParaRPr>
+                    </a:p>
+                  </a:txBody>
+                  <a:tcPr marL="9525" marR="9525" marT="9525" marB="0" anchor="b"/>
+                </a:tc>
+                <a:tc>
+                  <a:txBody>
+                    <a:bodyPr/>
+                    <a:lstStyle/>
+                    <a:p>
+                      <a:pPr algn="r" fontAlgn="b"/>
+                      <a:r>
+                        <a:rPr lang="he-IL" sz="1100" u="none" strike="noStrike">
+                          <a:effectLst/>
+                        </a:rPr>
+                        <a:t>1</a:t>
+                      </a:r>
+                      <a:endParaRPr lang="he-IL" sz="1100" b="0" i="0" u="none" strike="noStrike">
+                        <a:solidFill>
+                          <a:srgbClr val="000000"/>
+                        </a:solidFill>
+                        <a:effectLst/>
+                        <a:latin typeface="Arial" panose="020B0604020202020204" pitchFamily="34" charset="0"/>
+                      </a:endParaRPr>
+                    </a:p>
+                  </a:txBody>
+                  <a:tcPr marL="9525" marR="9525" marT="9525" marB="0" anchor="b"/>
+                </a:tc>
+                <a:tc>
+                  <a:txBody>
+                    <a:bodyPr/>
+                    <a:lstStyle/>
+                    <a:p>
+                      <a:pPr algn="r" fontAlgn="b"/>
+                      <a:r>
+                        <a:rPr lang="he-IL" sz="1100" u="none" strike="noStrike">
+                          <a:effectLst/>
+                        </a:rPr>
+                        <a:t>0.476190476</a:t>
+                      </a:r>
+                      <a:endParaRPr lang="he-IL" sz="1100" b="0" i="0" u="none" strike="noStrike">
+                        <a:solidFill>
+                          <a:srgbClr val="000000"/>
+                        </a:solidFill>
+                        <a:effectLst/>
+                        <a:latin typeface="Arial" panose="020B0604020202020204" pitchFamily="34" charset="0"/>
+                      </a:endParaRPr>
+                    </a:p>
+                  </a:txBody>
+                  <a:tcPr marL="9525" marR="9525" marT="9525" marB="0" anchor="b"/>
+                </a:tc>
+                <a:tc>
+                  <a:txBody>
+                    <a:bodyPr/>
+                    <a:lstStyle/>
+                    <a:p>
+                      <a:pPr algn="r" fontAlgn="b"/>
+                      <a:r>
+                        <a:rPr lang="he-IL" sz="1100" u="none" strike="noStrike">
+                          <a:effectLst/>
+                        </a:rPr>
+                        <a:t>17.89587852</a:t>
+                      </a:r>
+                      <a:endParaRPr lang="he-IL" sz="1100" b="0" i="0" u="none" strike="noStrike">
+                        <a:solidFill>
+                          <a:srgbClr val="000000"/>
+                        </a:solidFill>
+                        <a:effectLst/>
+                        <a:latin typeface="Arial" panose="020B0604020202020204" pitchFamily="34" charset="0"/>
+                      </a:endParaRPr>
+                    </a:p>
+                  </a:txBody>
+                  <a:tcPr marL="9525" marR="9525" marT="9525" marB="0" anchor="b"/>
+                </a:tc>
+                <a:tc>
+                  <a:txBody>
+                    <a:bodyPr/>
+                    <a:lstStyle/>
+                    <a:p>
+                      <a:pPr algn="r" fontAlgn="b"/>
+                      <a:r>
+                        <a:rPr lang="he-IL" sz="1100" u="none" strike="noStrike">
+                          <a:effectLst/>
+                        </a:rPr>
+                        <a:t>0.712257057</a:t>
+                      </a:r>
+                      <a:endParaRPr lang="he-IL" sz="1100" b="0" i="0" u="none" strike="noStrike">
+                        <a:solidFill>
+                          <a:srgbClr val="000000"/>
+                        </a:solidFill>
+                        <a:effectLst/>
+                        <a:latin typeface="Arial" panose="020B0604020202020204" pitchFamily="34" charset="0"/>
+                      </a:endParaRPr>
+                    </a:p>
+                  </a:txBody>
+                  <a:tcPr marL="9525" marR="9525" marT="9525" marB="0" anchor="b"/>
+                </a:tc>
+                <a:tc>
+                  <a:txBody>
+                    <a:bodyPr/>
+                    <a:lstStyle/>
+                    <a:p>
+                      <a:pPr algn="r" fontAlgn="b"/>
+                      <a:r>
+                        <a:rPr lang="he-IL" sz="1100" u="none" strike="noStrike" dirty="0">
+                          <a:effectLst/>
+                        </a:rPr>
+                        <a:t>0.895799369</a:t>
+                      </a:r>
+                      <a:endParaRPr lang="he-IL" sz="1100" b="0" i="0" u="none" strike="noStrike" dirty="0">
+                        <a:solidFill>
+                          <a:srgbClr val="000000"/>
+                        </a:solidFill>
+                        <a:effectLst/>
+                        <a:latin typeface="Arial" panose="020B0604020202020204" pitchFamily="34" charset="0"/>
+                      </a:endParaRPr>
+                    </a:p>
+                  </a:txBody>
+                  <a:tcPr marL="9525" marR="9525" marT="9525" marB="0" anchor="b"/>
+                </a:tc>
+                <a:extLst>
+                  <a:ext uri="{0D108BD9-81ED-4DB2-BD59-A6C34878D82A}">
+                    <a16:rowId xmlns:a16="http://schemas.microsoft.com/office/drawing/2014/main" val="2580487845"/>
+                  </a:ext>
+                </a:extLst>
+              </a:tr>
+            </a:tbl>
+          </a:graphicData>
+        </a:graphic>
+      </p:graphicFrame>
+      <p:graphicFrame>
+        <p:nvGraphicFramePr>
+          <p:cNvPr id="3" name="Table 2">
+            <a:extLst>
+              <a:ext uri="{FF2B5EF4-FFF2-40B4-BE49-F238E27FC236}">
+                <a16:creationId xmlns:a16="http://schemas.microsoft.com/office/drawing/2014/main" id="{BF6FC923-C676-0208-191A-F3566D7F786B}"/>
+              </a:ext>
+            </a:extLst>
+          </p:cNvPr>
+          <p:cNvGraphicFramePr>
+            <a:graphicFrameLocks noGrp="1"/>
+          </p:cNvGraphicFramePr>
+          <p:nvPr>
+            <p:extLst>
+              <p:ext uri="{D42A27DB-BD31-4B8C-83A1-F6EECF244321}">
+                <p14:modId xmlns:p14="http://schemas.microsoft.com/office/powerpoint/2010/main" val="2186377890"/>
+              </p:ext>
+            </p:extLst>
+          </p:nvPr>
+        </p:nvGraphicFramePr>
+        <p:xfrm>
+          <a:off x="2158687" y="4243387"/>
+          <a:ext cx="7874000" cy="733425"/>
+        </p:xfrm>
+        <a:graphic>
+          <a:graphicData uri="http://schemas.openxmlformats.org/drawingml/2006/table">
+            <a:tbl>
+              <a:tblPr>
+                <a:tableStyleId>{5C22544A-7EE6-4342-B048-85BDC9FD1C3A}</a:tableStyleId>
+              </a:tblPr>
+              <a:tblGrid>
+                <a:gridCol w="862209">
+                  <a:extLst>
+                    <a:ext uri="{9D8B030D-6E8A-4147-A177-3AD203B41FA5}">
+                      <a16:colId xmlns:a16="http://schemas.microsoft.com/office/drawing/2014/main" val="1320939090"/>
+                    </a:ext>
+                  </a:extLst>
+                </a:gridCol>
+                <a:gridCol w="523031">
+                  <a:extLst>
+                    <a:ext uri="{9D8B030D-6E8A-4147-A177-3AD203B41FA5}">
+                      <a16:colId xmlns:a16="http://schemas.microsoft.com/office/drawing/2014/main" val="336562321"/>
+                    </a:ext>
+                  </a:extLst>
+                </a:gridCol>
+                <a:gridCol w="903418">
+                  <a:extLst>
+                    <a:ext uri="{9D8B030D-6E8A-4147-A177-3AD203B41FA5}">
+                      <a16:colId xmlns:a16="http://schemas.microsoft.com/office/drawing/2014/main" val="910527669"/>
+                    </a:ext>
+                  </a:extLst>
+                </a:gridCol>
+                <a:gridCol w="1166519">
+                  <a:extLst>
+                    <a:ext uri="{9D8B030D-6E8A-4147-A177-3AD203B41FA5}">
+                      <a16:colId xmlns:a16="http://schemas.microsoft.com/office/drawing/2014/main" val="2976591645"/>
+                    </a:ext>
+                  </a:extLst>
+                </a:gridCol>
+                <a:gridCol w="710055">
+                  <a:extLst>
+                    <a:ext uri="{9D8B030D-6E8A-4147-A177-3AD203B41FA5}">
+                      <a16:colId xmlns:a16="http://schemas.microsoft.com/office/drawing/2014/main" val="1102177779"/>
+                    </a:ext>
+                  </a:extLst>
+                </a:gridCol>
+                <a:gridCol w="903418">
+                  <a:extLst>
+                    <a:ext uri="{9D8B030D-6E8A-4147-A177-3AD203B41FA5}">
+                      <a16:colId xmlns:a16="http://schemas.microsoft.com/office/drawing/2014/main" val="2271837709"/>
+                    </a:ext>
+                  </a:extLst>
+                </a:gridCol>
+                <a:gridCol w="903418">
+                  <a:extLst>
+                    <a:ext uri="{9D8B030D-6E8A-4147-A177-3AD203B41FA5}">
+                      <a16:colId xmlns:a16="http://schemas.microsoft.com/office/drawing/2014/main" val="2370843522"/>
+                    </a:ext>
+                  </a:extLst>
+                </a:gridCol>
+                <a:gridCol w="950966">
+                  <a:extLst>
+                    <a:ext uri="{9D8B030D-6E8A-4147-A177-3AD203B41FA5}">
+                      <a16:colId xmlns:a16="http://schemas.microsoft.com/office/drawing/2014/main" val="1229169231"/>
+                    </a:ext>
+                  </a:extLst>
+                </a:gridCol>
+                <a:gridCol w="950966">
+                  <a:extLst>
+                    <a:ext uri="{9D8B030D-6E8A-4147-A177-3AD203B41FA5}">
+                      <a16:colId xmlns:a16="http://schemas.microsoft.com/office/drawing/2014/main" val="2007952545"/>
+                    </a:ext>
+                  </a:extLst>
+                </a:gridCol>
+              </a:tblGrid>
+              <a:tr h="190500">
+                <a:tc>
+                  <a:txBody>
+                    <a:bodyPr/>
+                    <a:lstStyle/>
+                    <a:p>
+                      <a:pPr algn="ctr" fontAlgn="b"/>
+                      <a:r>
+                        <a:rPr lang="en-US" sz="1100" u="none" strike="noStrike">
+                          <a:effectLst/>
+                        </a:rPr>
+                        <a:t>Feature</a:t>
+                      </a:r>
+                      <a:endParaRPr lang="en-US" sz="1100" b="1" i="0" u="none" strike="noStrike">
+                        <a:solidFill>
+                          <a:srgbClr val="000000"/>
+                        </a:solidFill>
+                        <a:effectLst/>
+                        <a:latin typeface="Arial" panose="020B0604020202020204" pitchFamily="34" charset="0"/>
+                      </a:endParaRPr>
+                    </a:p>
+                  </a:txBody>
+                  <a:tcPr marL="9525" marR="9525" marT="9525" marB="0" anchor="b"/>
+                </a:tc>
+                <a:tc>
+                  <a:txBody>
+                    <a:bodyPr/>
+                    <a:lstStyle/>
+                    <a:p>
+                      <a:pPr algn="ctr" fontAlgn="b"/>
+                      <a:r>
+                        <a:rPr lang="en-US" sz="1100" u="none" strike="noStrike">
+                          <a:effectLst/>
+                        </a:rPr>
+                        <a:t>Leaf id</a:t>
+                      </a:r>
+                      <a:endParaRPr lang="en-US" sz="1100" b="1" i="0" u="none" strike="noStrike">
+                        <a:solidFill>
+                          <a:srgbClr val="000000"/>
+                        </a:solidFill>
+                        <a:effectLst/>
+                        <a:latin typeface="Arial" panose="020B0604020202020204" pitchFamily="34" charset="0"/>
+                      </a:endParaRPr>
+                    </a:p>
+                  </a:txBody>
+                  <a:tcPr marL="9525" marR="9525" marT="9525" marB="0" anchor="b"/>
+                </a:tc>
+                <a:tc>
+                  <a:txBody>
+                    <a:bodyPr/>
+                    <a:lstStyle/>
+                    <a:p>
+                      <a:pPr algn="ctr" fontAlgn="b"/>
+                      <a:r>
+                        <a:rPr lang="en-US" sz="1100" u="none" strike="noStrike">
+                          <a:effectLst/>
+                        </a:rPr>
+                        <a:t>F2</a:t>
+                      </a:r>
+                      <a:endParaRPr lang="en-US" sz="1100" b="1" i="0" u="none" strike="noStrike">
+                        <a:solidFill>
+                          <a:srgbClr val="000000"/>
+                        </a:solidFill>
+                        <a:effectLst/>
+                        <a:latin typeface="Arial" panose="020B0604020202020204" pitchFamily="34" charset="0"/>
+                      </a:endParaRPr>
+                    </a:p>
+                  </a:txBody>
+                  <a:tcPr marL="9525" marR="9525" marT="9525" marB="0" anchor="b"/>
+                </a:tc>
+                <a:tc>
+                  <a:txBody>
+                    <a:bodyPr/>
+                    <a:lstStyle/>
+                    <a:p>
+                      <a:pPr algn="ctr" fontAlgn="b"/>
+                      <a:r>
+                        <a:rPr lang="en-US" sz="1100" u="none" strike="noStrike">
+                          <a:effectLst/>
+                        </a:rPr>
+                        <a:t>F2 improvement</a:t>
+                      </a:r>
+                      <a:endParaRPr lang="en-US" sz="1100" b="1" i="0" u="none" strike="noStrike">
+                        <a:solidFill>
+                          <a:srgbClr val="000000"/>
+                        </a:solidFill>
+                        <a:effectLst/>
+                        <a:latin typeface="Arial" panose="020B0604020202020204" pitchFamily="34" charset="0"/>
+                      </a:endParaRPr>
+                    </a:p>
+                  </a:txBody>
+                  <a:tcPr marL="9525" marR="9525" marT="9525" marB="0" anchor="b"/>
+                </a:tc>
+                <a:tc>
+                  <a:txBody>
+                    <a:bodyPr/>
+                    <a:lstStyle/>
+                    <a:p>
+                      <a:pPr algn="ctr" fontAlgn="b"/>
+                      <a:r>
+                        <a:rPr lang="en-US" sz="1100" u="none" strike="noStrike">
+                          <a:effectLst/>
+                        </a:rPr>
+                        <a:t>Precision</a:t>
+                      </a:r>
+                      <a:endParaRPr lang="en-US" sz="1100" b="1" i="0" u="none" strike="noStrike">
+                        <a:solidFill>
+                          <a:srgbClr val="000000"/>
+                        </a:solidFill>
+                        <a:effectLst/>
+                        <a:latin typeface="Arial" panose="020B0604020202020204" pitchFamily="34" charset="0"/>
+                      </a:endParaRPr>
+                    </a:p>
+                  </a:txBody>
+                  <a:tcPr marL="9525" marR="9525" marT="9525" marB="0" anchor="b"/>
+                </a:tc>
+                <a:tc>
+                  <a:txBody>
+                    <a:bodyPr/>
+                    <a:lstStyle/>
+                    <a:p>
+                      <a:pPr algn="ctr" fontAlgn="b"/>
+                      <a:r>
+                        <a:rPr lang="en-US" sz="1100" u="none" strike="noStrike">
+                          <a:effectLst/>
+                        </a:rPr>
+                        <a:t>Recall</a:t>
+                      </a:r>
+                      <a:endParaRPr lang="en-US" sz="1100" b="1" i="0" u="none" strike="noStrike">
+                        <a:solidFill>
+                          <a:srgbClr val="000000"/>
+                        </a:solidFill>
+                        <a:effectLst/>
+                        <a:latin typeface="Arial" panose="020B0604020202020204" pitchFamily="34" charset="0"/>
+                      </a:endParaRPr>
+                    </a:p>
+                  </a:txBody>
+                  <a:tcPr marL="9525" marR="9525" marT="9525" marB="0" anchor="b"/>
+                </a:tc>
+                <a:tc>
+                  <a:txBody>
+                    <a:bodyPr/>
+                    <a:lstStyle/>
+                    <a:p>
+                      <a:pPr algn="ctr" fontAlgn="b"/>
+                      <a:r>
+                        <a:rPr lang="en-US" sz="1100" u="none" strike="noStrike">
+                          <a:effectLst/>
+                        </a:rPr>
+                        <a:t>Size</a:t>
+                      </a:r>
+                      <a:endParaRPr lang="en-US" sz="1100" b="1" i="0" u="none" strike="noStrike">
+                        <a:solidFill>
+                          <a:srgbClr val="000000"/>
+                        </a:solidFill>
+                        <a:effectLst/>
+                        <a:latin typeface="Arial" panose="020B0604020202020204" pitchFamily="34" charset="0"/>
+                      </a:endParaRPr>
+                    </a:p>
+                  </a:txBody>
+                  <a:tcPr marL="9525" marR="9525" marT="9525" marB="0" anchor="b"/>
+                </a:tc>
+                <a:tc>
+                  <a:txBody>
+                    <a:bodyPr/>
+                    <a:lstStyle/>
+                    <a:p>
+                      <a:pPr algn="ctr" fontAlgn="b"/>
+                      <a:r>
+                        <a:rPr lang="en-US" sz="1100" u="none" strike="noStrike">
+                          <a:effectLst/>
+                        </a:rPr>
+                        <a:t>Feature Min</a:t>
+                      </a:r>
+                      <a:endParaRPr lang="en-US" sz="1100" b="1" i="0" u="none" strike="noStrike">
+                        <a:solidFill>
+                          <a:srgbClr val="000000"/>
+                        </a:solidFill>
+                        <a:effectLst/>
+                        <a:latin typeface="Arial" panose="020B0604020202020204" pitchFamily="34" charset="0"/>
+                      </a:endParaRPr>
+                    </a:p>
+                  </a:txBody>
+                  <a:tcPr marL="9525" marR="9525" marT="9525" marB="0" anchor="b"/>
+                </a:tc>
+                <a:tc>
+                  <a:txBody>
+                    <a:bodyPr/>
+                    <a:lstStyle/>
+                    <a:p>
+                      <a:pPr algn="ctr" fontAlgn="b"/>
+                      <a:r>
+                        <a:rPr lang="en-US" sz="1100" u="none" strike="noStrike">
+                          <a:effectLst/>
+                        </a:rPr>
+                        <a:t>Feature Max</a:t>
+                      </a:r>
+                      <a:endParaRPr lang="en-US" sz="1100" b="1" i="0" u="none" strike="noStrike">
+                        <a:solidFill>
+                          <a:srgbClr val="000000"/>
+                        </a:solidFill>
+                        <a:effectLst/>
+                        <a:latin typeface="Arial" panose="020B0604020202020204" pitchFamily="34" charset="0"/>
+                      </a:endParaRPr>
+                    </a:p>
+                  </a:txBody>
+                  <a:tcPr marL="9525" marR="9525" marT="9525" marB="0" anchor="b"/>
+                </a:tc>
+                <a:extLst>
+                  <a:ext uri="{0D108BD9-81ED-4DB2-BD59-A6C34878D82A}">
+                    <a16:rowId xmlns:a16="http://schemas.microsoft.com/office/drawing/2014/main" val="2650768144"/>
+                  </a:ext>
+                </a:extLst>
+              </a:tr>
+              <a:tr h="180975">
+                <a:tc>
+                  <a:txBody>
+                    <a:bodyPr/>
+                    <a:lstStyle/>
+                    <a:p>
+                      <a:pPr algn="l" fontAlgn="b"/>
+                      <a:r>
+                        <a:rPr lang="en-US" sz="1100" u="none" strike="noStrike">
+                          <a:effectLst/>
+                        </a:rPr>
+                        <a:t>A1_mean</a:t>
+                      </a:r>
+                      <a:endParaRPr lang="en-US" sz="1100" b="0" i="0" u="none" strike="noStrike">
+                        <a:solidFill>
+                          <a:srgbClr val="000000"/>
+                        </a:solidFill>
+                        <a:effectLst/>
+                        <a:latin typeface="Arial" panose="020B0604020202020204" pitchFamily="34" charset="0"/>
+                      </a:endParaRPr>
+                    </a:p>
+                  </a:txBody>
+                  <a:tcPr marL="9525" marR="9525" marT="9525" marB="0" anchor="b"/>
+                </a:tc>
+                <a:tc>
+                  <a:txBody>
+                    <a:bodyPr/>
+                    <a:lstStyle/>
+                    <a:p>
+                      <a:pPr algn="r" fontAlgn="b"/>
+                      <a:r>
+                        <a:rPr lang="he-IL" sz="1100" u="none" strike="noStrike">
+                          <a:effectLst/>
+                        </a:rPr>
+                        <a:t>12</a:t>
+                      </a:r>
+                      <a:endParaRPr lang="he-IL" sz="1100" b="0" i="0" u="none" strike="noStrike">
+                        <a:solidFill>
+                          <a:srgbClr val="000000"/>
+                        </a:solidFill>
+                        <a:effectLst/>
+                        <a:latin typeface="Arial" panose="020B0604020202020204" pitchFamily="34" charset="0"/>
+                      </a:endParaRPr>
+                    </a:p>
+                  </a:txBody>
+                  <a:tcPr marL="9525" marR="9525" marT="9525" marB="0" anchor="b"/>
+                </a:tc>
+                <a:tc>
+                  <a:txBody>
+                    <a:bodyPr/>
+                    <a:lstStyle/>
+                    <a:p>
+                      <a:pPr algn="r" fontAlgn="b"/>
+                      <a:r>
+                        <a:rPr lang="he-IL" sz="1100" u="none" strike="noStrike">
+                          <a:effectLst/>
+                        </a:rPr>
+                        <a:t>0.48</a:t>
+                      </a:r>
+                      <a:endParaRPr lang="he-IL" sz="1100" b="0" i="0" u="none" strike="noStrike">
+                        <a:solidFill>
+                          <a:srgbClr val="000000"/>
+                        </a:solidFill>
+                        <a:effectLst/>
+                        <a:latin typeface="Arial" panose="020B0604020202020204" pitchFamily="34" charset="0"/>
+                      </a:endParaRPr>
+                    </a:p>
+                  </a:txBody>
+                  <a:tcPr marL="9525" marR="9525" marT="9525" marB="0" anchor="b"/>
+                </a:tc>
+                <a:tc>
+                  <a:txBody>
+                    <a:bodyPr/>
+                    <a:lstStyle/>
+                    <a:p>
+                      <a:pPr algn="r" fontAlgn="b"/>
+                      <a:r>
+                        <a:rPr lang="he-IL" sz="1100" u="none" strike="noStrike">
+                          <a:effectLst/>
+                        </a:rPr>
+                        <a:t>0.056052405</a:t>
+                      </a:r>
+                      <a:endParaRPr lang="he-IL" sz="1100" b="0" i="0" u="none" strike="noStrike">
+                        <a:solidFill>
+                          <a:srgbClr val="000000"/>
+                        </a:solidFill>
+                        <a:effectLst/>
+                        <a:latin typeface="Arial" panose="020B0604020202020204" pitchFamily="34" charset="0"/>
+                      </a:endParaRPr>
+                    </a:p>
+                  </a:txBody>
+                  <a:tcPr marL="9525" marR="9525" marT="9525" marB="0" anchor="b"/>
+                </a:tc>
+                <a:tc>
+                  <a:txBody>
+                    <a:bodyPr/>
+                    <a:lstStyle/>
+                    <a:p>
+                      <a:pPr algn="r" fontAlgn="b"/>
+                      <a:r>
+                        <a:rPr lang="he-IL" sz="1100" u="none" strike="noStrike">
+                          <a:effectLst/>
+                        </a:rPr>
+                        <a:t>1</a:t>
+                      </a:r>
+                      <a:endParaRPr lang="he-IL" sz="1100" b="0" i="0" u="none" strike="noStrike">
+                        <a:solidFill>
+                          <a:srgbClr val="000000"/>
+                        </a:solidFill>
+                        <a:effectLst/>
+                        <a:latin typeface="Arial" panose="020B0604020202020204" pitchFamily="34" charset="0"/>
+                      </a:endParaRPr>
+                    </a:p>
+                  </a:txBody>
+                  <a:tcPr marL="9525" marR="9525" marT="9525" marB="0" anchor="b"/>
+                </a:tc>
+                <a:tc>
+                  <a:txBody>
+                    <a:bodyPr/>
+                    <a:lstStyle/>
+                    <a:p>
+                      <a:pPr algn="r" fontAlgn="b"/>
+                      <a:r>
+                        <a:rPr lang="he-IL" sz="1100" u="none" strike="noStrike">
+                          <a:effectLst/>
+                        </a:rPr>
+                        <a:t>0.424778761</a:t>
+                      </a:r>
+                      <a:endParaRPr lang="he-IL" sz="1100" b="0" i="0" u="none" strike="noStrike">
+                        <a:solidFill>
+                          <a:srgbClr val="000000"/>
+                        </a:solidFill>
+                        <a:effectLst/>
+                        <a:latin typeface="Arial" panose="020B0604020202020204" pitchFamily="34" charset="0"/>
+                      </a:endParaRPr>
+                    </a:p>
+                  </a:txBody>
+                  <a:tcPr marL="9525" marR="9525" marT="9525" marB="0" anchor="b"/>
+                </a:tc>
+                <a:tc>
+                  <a:txBody>
+                    <a:bodyPr/>
+                    <a:lstStyle/>
+                    <a:p>
+                      <a:pPr algn="r" fontAlgn="b"/>
+                      <a:r>
+                        <a:rPr lang="he-IL" sz="1100" u="none" strike="noStrike">
+                          <a:effectLst/>
+                        </a:rPr>
+                        <a:t>14.04555315</a:t>
+                      </a:r>
+                      <a:endParaRPr lang="he-IL" sz="1100" b="0" i="0" u="none" strike="noStrike">
+                        <a:solidFill>
+                          <a:srgbClr val="000000"/>
+                        </a:solidFill>
+                        <a:effectLst/>
+                        <a:latin typeface="Arial" panose="020B0604020202020204" pitchFamily="34" charset="0"/>
+                      </a:endParaRPr>
+                    </a:p>
+                  </a:txBody>
+                  <a:tcPr marL="9525" marR="9525" marT="9525" marB="0" anchor="b"/>
+                </a:tc>
+                <a:tc>
+                  <a:txBody>
+                    <a:bodyPr/>
+                    <a:lstStyle/>
+                    <a:p>
+                      <a:pPr algn="r" fontAlgn="b"/>
+                      <a:r>
+                        <a:rPr lang="he-IL" sz="1100" u="none" strike="noStrike">
+                          <a:effectLst/>
+                        </a:rPr>
+                        <a:t>0.609992176</a:t>
+                      </a:r>
+                      <a:endParaRPr lang="he-IL" sz="1100" b="0" i="0" u="none" strike="noStrike">
+                        <a:solidFill>
+                          <a:srgbClr val="000000"/>
+                        </a:solidFill>
+                        <a:effectLst/>
+                        <a:latin typeface="Arial" panose="020B0604020202020204" pitchFamily="34" charset="0"/>
+                      </a:endParaRPr>
+                    </a:p>
+                  </a:txBody>
+                  <a:tcPr marL="9525" marR="9525" marT="9525" marB="0" anchor="b"/>
+                </a:tc>
+                <a:tc>
+                  <a:txBody>
+                    <a:bodyPr/>
+                    <a:lstStyle/>
+                    <a:p>
+                      <a:pPr algn="r" fontAlgn="b"/>
+                      <a:r>
+                        <a:rPr lang="he-IL" sz="1100" u="none" strike="noStrike">
+                          <a:effectLst/>
+                        </a:rPr>
+                        <a:t>0.817405879</a:t>
+                      </a:r>
+                      <a:endParaRPr lang="he-IL" sz="1100" b="0" i="0" u="none" strike="noStrike">
+                        <a:solidFill>
+                          <a:srgbClr val="000000"/>
+                        </a:solidFill>
+                        <a:effectLst/>
+                        <a:latin typeface="Arial" panose="020B0604020202020204" pitchFamily="34" charset="0"/>
+                      </a:endParaRPr>
+                    </a:p>
+                  </a:txBody>
+                  <a:tcPr marL="9525" marR="9525" marT="9525" marB="0" anchor="b"/>
+                </a:tc>
+                <a:extLst>
+                  <a:ext uri="{0D108BD9-81ED-4DB2-BD59-A6C34878D82A}">
+                    <a16:rowId xmlns:a16="http://schemas.microsoft.com/office/drawing/2014/main" val="3792404400"/>
+                  </a:ext>
+                </a:extLst>
+              </a:tr>
+              <a:tr h="180975">
+                <a:tc>
+                  <a:txBody>
+                    <a:bodyPr/>
+                    <a:lstStyle/>
+                    <a:p>
+                      <a:pPr algn="l" fontAlgn="b"/>
+                      <a:r>
+                        <a:rPr lang="en-US" sz="1100" u="none" strike="noStrike">
+                          <a:effectLst/>
+                        </a:rPr>
+                        <a:t>A1_min</a:t>
+                      </a:r>
+                      <a:endParaRPr lang="en-US" sz="1100" b="0" i="0" u="none" strike="noStrike">
+                        <a:solidFill>
+                          <a:srgbClr val="000000"/>
+                        </a:solidFill>
+                        <a:effectLst/>
+                        <a:latin typeface="Arial" panose="020B0604020202020204" pitchFamily="34" charset="0"/>
+                      </a:endParaRPr>
+                    </a:p>
+                  </a:txBody>
+                  <a:tcPr marL="9525" marR="9525" marT="9525" marB="0" anchor="b"/>
+                </a:tc>
+                <a:tc>
+                  <a:txBody>
+                    <a:bodyPr/>
+                    <a:lstStyle/>
+                    <a:p>
+                      <a:pPr algn="r" fontAlgn="b"/>
+                      <a:r>
+                        <a:rPr lang="he-IL" sz="1100" u="none" strike="noStrike">
+                          <a:effectLst/>
+                        </a:rPr>
+                        <a:t>9</a:t>
+                      </a:r>
+                      <a:endParaRPr lang="he-IL" sz="1100" b="0" i="0" u="none" strike="noStrike">
+                        <a:solidFill>
+                          <a:srgbClr val="000000"/>
+                        </a:solidFill>
+                        <a:effectLst/>
+                        <a:latin typeface="Arial" panose="020B0604020202020204" pitchFamily="34" charset="0"/>
+                      </a:endParaRPr>
+                    </a:p>
+                  </a:txBody>
+                  <a:tcPr marL="9525" marR="9525" marT="9525" marB="0" anchor="b"/>
+                </a:tc>
+                <a:tc>
+                  <a:txBody>
+                    <a:bodyPr/>
+                    <a:lstStyle/>
+                    <a:p>
+                      <a:pPr algn="r" fontAlgn="b"/>
+                      <a:r>
+                        <a:rPr lang="he-IL" sz="1100" u="none" strike="noStrike">
+                          <a:effectLst/>
+                        </a:rPr>
+                        <a:t>0.559440559</a:t>
+                      </a:r>
+                      <a:endParaRPr lang="he-IL" sz="1100" b="0" i="0" u="none" strike="noStrike">
+                        <a:solidFill>
+                          <a:srgbClr val="000000"/>
+                        </a:solidFill>
+                        <a:effectLst/>
+                        <a:latin typeface="Arial" panose="020B0604020202020204" pitchFamily="34" charset="0"/>
+                      </a:endParaRPr>
+                    </a:p>
+                  </a:txBody>
+                  <a:tcPr marL="9525" marR="9525" marT="9525" marB="0" anchor="b"/>
+                </a:tc>
+                <a:tc>
+                  <a:txBody>
+                    <a:bodyPr/>
+                    <a:lstStyle/>
+                    <a:p>
+                      <a:pPr algn="r" fontAlgn="b"/>
+                      <a:r>
+                        <a:rPr lang="he-IL" sz="1100" u="none" strike="noStrike">
+                          <a:effectLst/>
+                        </a:rPr>
+                        <a:t>0.051775773</a:t>
+                      </a:r>
+                      <a:endParaRPr lang="he-IL" sz="1100" b="0" i="0" u="none" strike="noStrike">
+                        <a:solidFill>
+                          <a:srgbClr val="000000"/>
+                        </a:solidFill>
+                        <a:effectLst/>
+                        <a:latin typeface="Arial" panose="020B0604020202020204" pitchFamily="34" charset="0"/>
+                      </a:endParaRPr>
+                    </a:p>
+                  </a:txBody>
+                  <a:tcPr marL="9525" marR="9525" marT="9525" marB="0" anchor="b"/>
+                </a:tc>
+                <a:tc>
+                  <a:txBody>
+                    <a:bodyPr/>
+                    <a:lstStyle/>
+                    <a:p>
+                      <a:pPr algn="r" fontAlgn="b"/>
+                      <a:r>
+                        <a:rPr lang="he-IL" sz="1100" u="none" strike="noStrike">
+                          <a:effectLst/>
+                        </a:rPr>
+                        <a:t>1</a:t>
+                      </a:r>
+                      <a:endParaRPr lang="he-IL" sz="1100" b="0" i="0" u="none" strike="noStrike">
+                        <a:solidFill>
+                          <a:srgbClr val="000000"/>
+                        </a:solidFill>
+                        <a:effectLst/>
+                        <a:latin typeface="Arial" panose="020B0604020202020204" pitchFamily="34" charset="0"/>
+                      </a:endParaRPr>
+                    </a:p>
+                  </a:txBody>
+                  <a:tcPr marL="9525" marR="9525" marT="9525" marB="0" anchor="b"/>
+                </a:tc>
+                <a:tc>
+                  <a:txBody>
+                    <a:bodyPr/>
+                    <a:lstStyle/>
+                    <a:p>
+                      <a:pPr algn="r" fontAlgn="b"/>
+                      <a:r>
+                        <a:rPr lang="he-IL" sz="1100" u="none" strike="noStrike">
+                          <a:effectLst/>
+                        </a:rPr>
+                        <a:t>0.503937008</a:t>
+                      </a:r>
+                      <a:endParaRPr lang="he-IL" sz="1100" b="0" i="0" u="none" strike="noStrike">
+                        <a:solidFill>
+                          <a:srgbClr val="000000"/>
+                        </a:solidFill>
+                        <a:effectLst/>
+                        <a:latin typeface="Arial" panose="020B0604020202020204" pitchFamily="34" charset="0"/>
+                      </a:endParaRPr>
+                    </a:p>
+                  </a:txBody>
+                  <a:tcPr marL="9525" marR="9525" marT="9525" marB="0" anchor="b"/>
+                </a:tc>
+                <a:tc>
+                  <a:txBody>
+                    <a:bodyPr/>
+                    <a:lstStyle/>
+                    <a:p>
+                      <a:pPr algn="r" fontAlgn="b"/>
+                      <a:r>
+                        <a:rPr lang="he-IL" sz="1100" u="none" strike="noStrike">
+                          <a:effectLst/>
+                        </a:rPr>
+                        <a:t>14.42516269</a:t>
+                      </a:r>
+                      <a:endParaRPr lang="he-IL" sz="1100" b="0" i="0" u="none" strike="noStrike">
+                        <a:solidFill>
+                          <a:srgbClr val="000000"/>
+                        </a:solidFill>
+                        <a:effectLst/>
+                        <a:latin typeface="Arial" panose="020B0604020202020204" pitchFamily="34" charset="0"/>
+                      </a:endParaRPr>
+                    </a:p>
+                  </a:txBody>
+                  <a:tcPr marL="9525" marR="9525" marT="9525" marB="0" anchor="b"/>
+                </a:tc>
+                <a:tc>
+                  <a:txBody>
+                    <a:bodyPr/>
+                    <a:lstStyle/>
+                    <a:p>
+                      <a:pPr algn="r" fontAlgn="b"/>
+                      <a:r>
+                        <a:rPr lang="he-IL" sz="1100" u="none" strike="noStrike">
+                          <a:effectLst/>
+                        </a:rPr>
+                        <a:t>0.505282819</a:t>
+                      </a:r>
+                      <a:endParaRPr lang="he-IL" sz="1100" b="0" i="0" u="none" strike="noStrike">
+                        <a:solidFill>
+                          <a:srgbClr val="000000"/>
+                        </a:solidFill>
+                        <a:effectLst/>
+                        <a:latin typeface="Arial" panose="020B0604020202020204" pitchFamily="34" charset="0"/>
+                      </a:endParaRPr>
+                    </a:p>
+                  </a:txBody>
+                  <a:tcPr marL="9525" marR="9525" marT="9525" marB="0" anchor="b"/>
+                </a:tc>
+                <a:tc>
+                  <a:txBody>
+                    <a:bodyPr/>
+                    <a:lstStyle/>
+                    <a:p>
+                      <a:pPr algn="r" fontAlgn="b"/>
+                      <a:r>
+                        <a:rPr lang="he-IL" sz="1100" u="none" strike="noStrike">
+                          <a:effectLst/>
+                        </a:rPr>
+                        <a:t>0.772128463</a:t>
+                      </a:r>
+                      <a:endParaRPr lang="he-IL" sz="1100" b="0" i="0" u="none" strike="noStrike">
+                        <a:solidFill>
+                          <a:srgbClr val="000000"/>
+                        </a:solidFill>
+                        <a:effectLst/>
+                        <a:latin typeface="Arial" panose="020B0604020202020204" pitchFamily="34" charset="0"/>
+                      </a:endParaRPr>
+                    </a:p>
+                  </a:txBody>
+                  <a:tcPr marL="9525" marR="9525" marT="9525" marB="0" anchor="b"/>
+                </a:tc>
+                <a:extLst>
+                  <a:ext uri="{0D108BD9-81ED-4DB2-BD59-A6C34878D82A}">
+                    <a16:rowId xmlns:a16="http://schemas.microsoft.com/office/drawing/2014/main" val="902045129"/>
+                  </a:ext>
+                </a:extLst>
+              </a:tr>
+              <a:tr h="180975">
+                <a:tc>
+                  <a:txBody>
+                    <a:bodyPr/>
+                    <a:lstStyle/>
+                    <a:p>
+                      <a:pPr algn="l" fontAlgn="b"/>
+                      <a:r>
+                        <a:rPr lang="en-US" sz="1100" u="none" strike="noStrike">
+                          <a:effectLst/>
+                        </a:rPr>
+                        <a:t>Flow_max</a:t>
+                      </a:r>
+                      <a:endParaRPr lang="en-US" sz="1100" b="0" i="0" u="none" strike="noStrike">
+                        <a:solidFill>
+                          <a:srgbClr val="000000"/>
+                        </a:solidFill>
+                        <a:effectLst/>
+                        <a:latin typeface="Arial" panose="020B0604020202020204" pitchFamily="34" charset="0"/>
+                      </a:endParaRPr>
+                    </a:p>
+                  </a:txBody>
+                  <a:tcPr marL="9525" marR="9525" marT="9525" marB="0" anchor="b"/>
+                </a:tc>
+                <a:tc>
+                  <a:txBody>
+                    <a:bodyPr/>
+                    <a:lstStyle/>
+                    <a:p>
+                      <a:pPr algn="r" fontAlgn="b"/>
+                      <a:r>
+                        <a:rPr lang="he-IL" sz="1100" u="none" strike="noStrike">
+                          <a:effectLst/>
+                        </a:rPr>
+                        <a:t>15</a:t>
+                      </a:r>
+                      <a:endParaRPr lang="he-IL" sz="1100" b="0" i="0" u="none" strike="noStrike">
+                        <a:solidFill>
+                          <a:srgbClr val="000000"/>
+                        </a:solidFill>
+                        <a:effectLst/>
+                        <a:latin typeface="Arial" panose="020B0604020202020204" pitchFamily="34" charset="0"/>
+                      </a:endParaRPr>
+                    </a:p>
+                  </a:txBody>
+                  <a:tcPr marL="9525" marR="9525" marT="9525" marB="0" anchor="b"/>
+                </a:tc>
+                <a:tc>
+                  <a:txBody>
+                    <a:bodyPr/>
+                    <a:lstStyle/>
+                    <a:p>
+                      <a:pPr algn="r" fontAlgn="b"/>
+                      <a:r>
+                        <a:rPr lang="he-IL" sz="1100" u="none" strike="noStrike">
+                          <a:effectLst/>
+                        </a:rPr>
+                        <a:t>0</a:t>
+                      </a:r>
+                      <a:endParaRPr lang="he-IL" sz="1100" b="0" i="0" u="none" strike="noStrike">
+                        <a:solidFill>
+                          <a:srgbClr val="000000"/>
+                        </a:solidFill>
+                        <a:effectLst/>
+                        <a:latin typeface="Arial" panose="020B0604020202020204" pitchFamily="34" charset="0"/>
+                      </a:endParaRPr>
+                    </a:p>
+                  </a:txBody>
+                  <a:tcPr marL="9525" marR="9525" marT="9525" marB="0" anchor="b"/>
+                </a:tc>
+                <a:tc>
+                  <a:txBody>
+                    <a:bodyPr/>
+                    <a:lstStyle/>
+                    <a:p>
+                      <a:pPr algn="r" fontAlgn="b"/>
+                      <a:r>
+                        <a:rPr lang="he-IL" sz="1100" u="none" strike="noStrike">
+                          <a:effectLst/>
+                        </a:rPr>
+                        <a:t>0.047679034</a:t>
+                      </a:r>
+                      <a:endParaRPr lang="he-IL" sz="1100" b="0" i="0" u="none" strike="noStrike">
+                        <a:solidFill>
+                          <a:srgbClr val="000000"/>
+                        </a:solidFill>
+                        <a:effectLst/>
+                        <a:latin typeface="Arial" panose="020B0604020202020204" pitchFamily="34" charset="0"/>
+                      </a:endParaRPr>
+                    </a:p>
+                  </a:txBody>
+                  <a:tcPr marL="9525" marR="9525" marT="9525" marB="0" anchor="b"/>
+                </a:tc>
+                <a:tc>
+                  <a:txBody>
+                    <a:bodyPr/>
+                    <a:lstStyle/>
+                    <a:p>
+                      <a:pPr algn="r" fontAlgn="b"/>
+                      <a:r>
+                        <a:rPr lang="he-IL" sz="1100" u="none" strike="noStrike">
+                          <a:effectLst/>
+                        </a:rPr>
+                        <a:t>0</a:t>
+                      </a:r>
+                      <a:endParaRPr lang="he-IL" sz="1100" b="0" i="0" u="none" strike="noStrike">
+                        <a:solidFill>
+                          <a:srgbClr val="000000"/>
+                        </a:solidFill>
+                        <a:effectLst/>
+                        <a:latin typeface="Arial" panose="020B0604020202020204" pitchFamily="34" charset="0"/>
+                      </a:endParaRPr>
+                    </a:p>
+                  </a:txBody>
+                  <a:tcPr marL="9525" marR="9525" marT="9525" marB="0" anchor="b"/>
+                </a:tc>
+                <a:tc>
+                  <a:txBody>
+                    <a:bodyPr/>
+                    <a:lstStyle/>
+                    <a:p>
+                      <a:pPr algn="r" fontAlgn="b"/>
+                      <a:r>
+                        <a:rPr lang="he-IL" sz="1100" u="none" strike="noStrike">
+                          <a:effectLst/>
+                        </a:rPr>
+                        <a:t>0</a:t>
+                      </a:r>
+                      <a:endParaRPr lang="he-IL" sz="1100" b="0" i="0" u="none" strike="noStrike">
+                        <a:solidFill>
+                          <a:srgbClr val="000000"/>
+                        </a:solidFill>
+                        <a:effectLst/>
+                        <a:latin typeface="Arial" panose="020B0604020202020204" pitchFamily="34" charset="0"/>
+                      </a:endParaRPr>
+                    </a:p>
+                  </a:txBody>
+                  <a:tcPr marL="9525" marR="9525" marT="9525" marB="0" anchor="b"/>
+                </a:tc>
+                <a:tc>
+                  <a:txBody>
+                    <a:bodyPr/>
+                    <a:lstStyle/>
+                    <a:p>
+                      <a:pPr algn="r" fontAlgn="b"/>
+                      <a:r>
+                        <a:rPr lang="he-IL" sz="1100" u="none" strike="noStrike">
+                          <a:effectLst/>
+                        </a:rPr>
+                        <a:t>11.55097614</a:t>
+                      </a:r>
+                      <a:endParaRPr lang="he-IL" sz="1100" b="0" i="0" u="none" strike="noStrike">
+                        <a:solidFill>
+                          <a:srgbClr val="000000"/>
+                        </a:solidFill>
+                        <a:effectLst/>
+                        <a:latin typeface="Arial" panose="020B0604020202020204" pitchFamily="34" charset="0"/>
+                      </a:endParaRPr>
+                    </a:p>
+                  </a:txBody>
+                  <a:tcPr marL="9525" marR="9525" marT="9525" marB="0" anchor="b"/>
+                </a:tc>
+                <a:tc>
+                  <a:txBody>
+                    <a:bodyPr/>
+                    <a:lstStyle/>
+                    <a:p>
+                      <a:pPr algn="r" fontAlgn="b"/>
+                      <a:r>
+                        <a:rPr lang="he-IL" sz="1100" u="none" strike="noStrike">
+                          <a:effectLst/>
+                        </a:rPr>
+                        <a:t>0.674449623</a:t>
+                      </a:r>
+                      <a:endParaRPr lang="he-IL" sz="1100" b="0" i="0" u="none" strike="noStrike">
+                        <a:solidFill>
+                          <a:srgbClr val="000000"/>
+                        </a:solidFill>
+                        <a:effectLst/>
+                        <a:latin typeface="Arial" panose="020B0604020202020204" pitchFamily="34" charset="0"/>
+                      </a:endParaRPr>
+                    </a:p>
+                  </a:txBody>
+                  <a:tcPr marL="9525" marR="9525" marT="9525" marB="0" anchor="b"/>
+                </a:tc>
+                <a:tc>
+                  <a:txBody>
+                    <a:bodyPr/>
+                    <a:lstStyle/>
+                    <a:p>
+                      <a:pPr algn="r" fontAlgn="b"/>
+                      <a:r>
+                        <a:rPr lang="he-IL" sz="1100" u="none" strike="noStrike" dirty="0">
+                          <a:effectLst/>
+                        </a:rPr>
+                        <a:t>0.760386884</a:t>
+                      </a:r>
+                      <a:endParaRPr lang="he-IL" sz="1100" b="0" i="0" u="none" strike="noStrike" dirty="0">
+                        <a:solidFill>
+                          <a:srgbClr val="000000"/>
+                        </a:solidFill>
+                        <a:effectLst/>
+                        <a:latin typeface="Arial" panose="020B0604020202020204" pitchFamily="34" charset="0"/>
+                      </a:endParaRPr>
+                    </a:p>
+                  </a:txBody>
+                  <a:tcPr marL="9525" marR="9525" marT="9525" marB="0" anchor="b"/>
+                </a:tc>
+                <a:extLst>
+                  <a:ext uri="{0D108BD9-81ED-4DB2-BD59-A6C34878D82A}">
+                    <a16:rowId xmlns:a16="http://schemas.microsoft.com/office/drawing/2014/main" val="2908003236"/>
+                  </a:ext>
+                </a:extLst>
+              </a:tr>
+            </a:tbl>
+          </a:graphicData>
+        </a:graphic>
+      </p:graphicFrame>
+    </p:spTree>
+    <p:extLst>
+      <p:ext uri="{BB962C8B-B14F-4D97-AF65-F5344CB8AC3E}">
+        <p14:creationId xmlns:p14="http://schemas.microsoft.com/office/powerpoint/2010/main" val="3798265041"/>
+      </p:ext>
+    </p:extLst>
+  </p:cSld>
+  <p:clrMapOvr>
+    <a:masterClrMapping/>
+  </p:clrMapOvr>
+</p:sld>
+</file>
+
+<file path=ppt/slides/slide26.xml><?xml version="1.0" encoding="utf-8"?>
+<p:sld xmlns:a="http://schemas.openxmlformats.org/drawingml/2006/main" xmlns:r="http://schemas.openxmlformats.org/officeDocument/2006/relationships" xmlns:p="http://schemas.openxmlformats.org/presentationml/2006/main">
+  <p:cSld>
+    <p:spTree>
+      <p:nvGrpSpPr>
+        <p:cNvPr id="1" name="">
+          <a:extLst>
+            <a:ext uri="{FF2B5EF4-FFF2-40B4-BE49-F238E27FC236}">
+              <a16:creationId xmlns:a16="http://schemas.microsoft.com/office/drawing/2014/main" id="{645AD080-F07D-CD49-A3A3-C3A5CA926368}"/>
+            </a:ext>
+          </a:extLst>
+        </p:cNvPr>
+        <p:cNvGrpSpPr/>
+        <p:nvPr/>
+      </p:nvGrpSpPr>
+      <p:grpSpPr>
+        <a:xfrm>
+          <a:off x="0" y="0"/>
+          <a:ext cx="0" cy="0"/>
+          <a:chOff x="0" y="0"/>
+          <a:chExt cx="0" cy="0"/>
+        </a:xfrm>
+      </p:grpSpPr>
+      <p:sp>
+        <p:nvSpPr>
+          <p:cNvPr id="4" name="Title 3">
+            <a:extLst>
+              <a:ext uri="{FF2B5EF4-FFF2-40B4-BE49-F238E27FC236}">
+                <a16:creationId xmlns:a16="http://schemas.microsoft.com/office/drawing/2014/main" id="{96BC33B0-2142-3BD6-A585-8D8FA6910B8F}"/>
+              </a:ext>
+            </a:extLst>
+          </p:cNvPr>
+          <p:cNvSpPr>
+            <a:spLocks noGrp="1"/>
+          </p:cNvSpPr>
+          <p:nvPr>
+            <p:ph type="title"/>
+          </p:nvPr>
+        </p:nvSpPr>
+        <p:spPr/>
+        <p:txBody>
+          <a:bodyPr/>
+          <a:lstStyle/>
+          <a:p>
+            <a:pPr rtl="0"/>
+            <a:r>
+              <a:rPr lang="en-US" dirty="0" err="1"/>
+              <a:t>LightGBM</a:t>
+            </a:r>
+            <a:r>
+              <a:rPr lang="en-US" dirty="0"/>
+              <a:t> model</a:t>
+            </a:r>
+            <a:br>
+              <a:rPr lang="en-US" dirty="0"/>
+            </a:br>
+            <a:r>
+              <a:rPr lang="en-US" dirty="0"/>
+              <a:t>Top under-performing pairs of features</a:t>
+            </a:r>
+            <a:endParaRPr lang="he-IL" dirty="0"/>
+          </a:p>
+        </p:txBody>
+      </p:sp>
+      <p:sp>
+        <p:nvSpPr>
+          <p:cNvPr id="2" name="Content Placeholder 4">
+            <a:extLst>
+              <a:ext uri="{FF2B5EF4-FFF2-40B4-BE49-F238E27FC236}">
+                <a16:creationId xmlns:a16="http://schemas.microsoft.com/office/drawing/2014/main" id="{BBF611AF-4008-8B2E-F23B-8EA14A2DAB6C}"/>
+              </a:ext>
+            </a:extLst>
+          </p:cNvPr>
+          <p:cNvSpPr>
+            <a:spLocks noGrp="1"/>
+          </p:cNvSpPr>
+          <p:nvPr>
+            <p:ph sz="quarter" idx="13"/>
+          </p:nvPr>
+        </p:nvSpPr>
+        <p:spPr>
+          <a:xfrm>
+            <a:off x="913774" y="2367092"/>
+            <a:ext cx="10363826" cy="3424107"/>
+          </a:xfrm>
+        </p:spPr>
+        <p:txBody>
+          <a:bodyPr>
+            <a:normAutofit/>
+          </a:bodyPr>
+          <a:lstStyle/>
+          <a:p>
+            <a:pPr marL="0" indent="0" algn="l" rtl="0">
+              <a:buNone/>
+            </a:pPr>
+            <a:r>
+              <a:rPr lang="en-US" sz="2800" dirty="0"/>
+              <a:t>By accuracy:</a:t>
+            </a:r>
+          </a:p>
+          <a:p>
+            <a:pPr marL="0" indent="0" algn="l" rtl="0">
+              <a:buNone/>
+            </a:pPr>
+            <a:endParaRPr lang="en-US" sz="2800" dirty="0"/>
+          </a:p>
+          <a:p>
+            <a:pPr marL="0" indent="0" algn="l" rtl="0">
+              <a:buNone/>
+            </a:pPr>
+            <a:r>
+              <a:rPr lang="en-US" sz="2800" dirty="0"/>
+              <a:t>By F2:</a:t>
+            </a:r>
+            <a:endParaRPr lang="he-IL" sz="2800" dirty="0"/>
+          </a:p>
+        </p:txBody>
+      </p:sp>
+      <p:graphicFrame>
+        <p:nvGraphicFramePr>
+          <p:cNvPr id="3" name="Table 2">
+            <a:extLst>
+              <a:ext uri="{FF2B5EF4-FFF2-40B4-BE49-F238E27FC236}">
+                <a16:creationId xmlns:a16="http://schemas.microsoft.com/office/drawing/2014/main" id="{49F39D9F-6777-DD92-DC41-5A262BB2D06E}"/>
+              </a:ext>
+            </a:extLst>
+          </p:cNvPr>
+          <p:cNvGraphicFramePr>
+            <a:graphicFrameLocks noGrp="1"/>
+          </p:cNvGraphicFramePr>
+          <p:nvPr>
+            <p:extLst>
+              <p:ext uri="{D42A27DB-BD31-4B8C-83A1-F6EECF244321}">
+                <p14:modId xmlns:p14="http://schemas.microsoft.com/office/powerpoint/2010/main" val="1257488147"/>
+              </p:ext>
+            </p:extLst>
+          </p:nvPr>
+        </p:nvGraphicFramePr>
+        <p:xfrm>
+          <a:off x="914402" y="2947528"/>
+          <a:ext cx="10363198" cy="714226"/>
+        </p:xfrm>
+        <a:graphic>
+          <a:graphicData uri="http://schemas.openxmlformats.org/drawingml/2006/table">
+            <a:tbl>
+              <a:tblPr>
+                <a:tableStyleId>{5C22544A-7EE6-4342-B048-85BDC9FD1C3A}</a:tableStyleId>
+              </a:tblPr>
+              <a:tblGrid>
+                <a:gridCol w="1517163">
+                  <a:extLst>
+                    <a:ext uri="{9D8B030D-6E8A-4147-A177-3AD203B41FA5}">
+                      <a16:colId xmlns:a16="http://schemas.microsoft.com/office/drawing/2014/main" val="75131988"/>
+                    </a:ext>
+                  </a:extLst>
+                </a:gridCol>
+                <a:gridCol w="504701">
+                  <a:extLst>
+                    <a:ext uri="{9D8B030D-6E8A-4147-A177-3AD203B41FA5}">
+                      <a16:colId xmlns:a16="http://schemas.microsoft.com/office/drawing/2014/main" val="2604055914"/>
+                    </a:ext>
+                  </a:extLst>
+                </a:gridCol>
+                <a:gridCol w="871757">
+                  <a:extLst>
+                    <a:ext uri="{9D8B030D-6E8A-4147-A177-3AD203B41FA5}">
+                      <a16:colId xmlns:a16="http://schemas.microsoft.com/office/drawing/2014/main" val="1435037767"/>
+                    </a:ext>
+                  </a:extLst>
+                </a:gridCol>
+                <a:gridCol w="1125637">
+                  <a:extLst>
+                    <a:ext uri="{9D8B030D-6E8A-4147-A177-3AD203B41FA5}">
+                      <a16:colId xmlns:a16="http://schemas.microsoft.com/office/drawing/2014/main" val="406192077"/>
+                    </a:ext>
+                  </a:extLst>
+                </a:gridCol>
+                <a:gridCol w="685170">
+                  <a:extLst>
+                    <a:ext uri="{9D8B030D-6E8A-4147-A177-3AD203B41FA5}">
+                      <a16:colId xmlns:a16="http://schemas.microsoft.com/office/drawing/2014/main" val="4113929228"/>
+                    </a:ext>
+                  </a:extLst>
+                </a:gridCol>
+                <a:gridCol w="871757">
+                  <a:extLst>
+                    <a:ext uri="{9D8B030D-6E8A-4147-A177-3AD203B41FA5}">
+                      <a16:colId xmlns:a16="http://schemas.microsoft.com/office/drawing/2014/main" val="4259224871"/>
+                    </a:ext>
+                  </a:extLst>
+                </a:gridCol>
+                <a:gridCol w="871757">
+                  <a:extLst>
+                    <a:ext uri="{9D8B030D-6E8A-4147-A177-3AD203B41FA5}">
+                      <a16:colId xmlns:a16="http://schemas.microsoft.com/office/drawing/2014/main" val="3481492377"/>
+                    </a:ext>
+                  </a:extLst>
+                </a:gridCol>
+                <a:gridCol w="966579">
+                  <a:extLst>
+                    <a:ext uri="{9D8B030D-6E8A-4147-A177-3AD203B41FA5}">
+                      <a16:colId xmlns:a16="http://schemas.microsoft.com/office/drawing/2014/main" val="4024434761"/>
+                    </a:ext>
+                  </a:extLst>
+                </a:gridCol>
+                <a:gridCol w="991049">
+                  <a:extLst>
+                    <a:ext uri="{9D8B030D-6E8A-4147-A177-3AD203B41FA5}">
+                      <a16:colId xmlns:a16="http://schemas.microsoft.com/office/drawing/2014/main" val="530730272"/>
+                    </a:ext>
+                  </a:extLst>
+                </a:gridCol>
+                <a:gridCol w="966579">
+                  <a:extLst>
+                    <a:ext uri="{9D8B030D-6E8A-4147-A177-3AD203B41FA5}">
+                      <a16:colId xmlns:a16="http://schemas.microsoft.com/office/drawing/2014/main" val="838628728"/>
+                    </a:ext>
+                  </a:extLst>
+                </a:gridCol>
+                <a:gridCol w="991049">
+                  <a:extLst>
+                    <a:ext uri="{9D8B030D-6E8A-4147-A177-3AD203B41FA5}">
+                      <a16:colId xmlns:a16="http://schemas.microsoft.com/office/drawing/2014/main" val="287416216"/>
+                    </a:ext>
+                  </a:extLst>
+                </a:gridCol>
+              </a:tblGrid>
+              <a:tr h="183745">
+                <a:tc>
+                  <a:txBody>
+                    <a:bodyPr/>
+                    <a:lstStyle/>
+                    <a:p>
+                      <a:pPr algn="ctr" fontAlgn="b"/>
+                      <a:r>
+                        <a:rPr lang="en-US" sz="1100" u="none" strike="noStrike">
+                          <a:effectLst/>
+                        </a:rPr>
+                        <a:t>Feature</a:t>
+                      </a:r>
+                      <a:endParaRPr lang="en-US" sz="1100" b="1" i="0" u="none" strike="noStrike">
+                        <a:solidFill>
+                          <a:srgbClr val="000000"/>
+                        </a:solidFill>
+                        <a:effectLst/>
+                        <a:latin typeface="Arial" panose="020B0604020202020204" pitchFamily="34" charset="0"/>
+                      </a:endParaRPr>
+                    </a:p>
+                  </a:txBody>
+                  <a:tcPr marL="9187" marR="9187" marT="9187" marB="0" anchor="b"/>
+                </a:tc>
+                <a:tc>
+                  <a:txBody>
+                    <a:bodyPr/>
+                    <a:lstStyle/>
+                    <a:p>
+                      <a:pPr algn="ctr" fontAlgn="b"/>
+                      <a:r>
+                        <a:rPr lang="en-US" sz="1100" u="none" strike="noStrike">
+                          <a:effectLst/>
+                        </a:rPr>
+                        <a:t>Leaf id</a:t>
+                      </a:r>
+                      <a:endParaRPr lang="en-US" sz="1100" b="1" i="0" u="none" strike="noStrike">
+                        <a:solidFill>
+                          <a:srgbClr val="000000"/>
+                        </a:solidFill>
+                        <a:effectLst/>
+                        <a:latin typeface="Arial" panose="020B0604020202020204" pitchFamily="34" charset="0"/>
+                      </a:endParaRPr>
+                    </a:p>
+                  </a:txBody>
+                  <a:tcPr marL="9187" marR="9187" marT="9187" marB="0" anchor="b"/>
+                </a:tc>
+                <a:tc>
+                  <a:txBody>
+                    <a:bodyPr/>
+                    <a:lstStyle/>
+                    <a:p>
+                      <a:pPr algn="ctr" fontAlgn="b"/>
+                      <a:r>
+                        <a:rPr lang="en-US" sz="1100" u="none" strike="noStrike">
+                          <a:effectLst/>
+                        </a:rPr>
+                        <a:t>F2</a:t>
+                      </a:r>
+                      <a:endParaRPr lang="en-US" sz="1100" b="1" i="0" u="none" strike="noStrike">
+                        <a:solidFill>
+                          <a:srgbClr val="000000"/>
+                        </a:solidFill>
+                        <a:effectLst/>
+                        <a:latin typeface="Arial" panose="020B0604020202020204" pitchFamily="34" charset="0"/>
+                      </a:endParaRPr>
+                    </a:p>
+                  </a:txBody>
+                  <a:tcPr marL="9187" marR="9187" marT="9187" marB="0" anchor="b"/>
+                </a:tc>
+                <a:tc>
+                  <a:txBody>
+                    <a:bodyPr/>
+                    <a:lstStyle/>
+                    <a:p>
+                      <a:pPr algn="ctr" fontAlgn="b"/>
+                      <a:r>
+                        <a:rPr lang="en-US" sz="1100" u="none" strike="noStrike">
+                          <a:effectLst/>
+                        </a:rPr>
+                        <a:t>F2 improvement</a:t>
+                      </a:r>
+                      <a:endParaRPr lang="en-US" sz="1100" b="1" i="0" u="none" strike="noStrike">
+                        <a:solidFill>
+                          <a:srgbClr val="000000"/>
+                        </a:solidFill>
+                        <a:effectLst/>
+                        <a:latin typeface="Arial" panose="020B0604020202020204" pitchFamily="34" charset="0"/>
+                      </a:endParaRPr>
+                    </a:p>
+                  </a:txBody>
+                  <a:tcPr marL="9187" marR="9187" marT="9187" marB="0" anchor="b"/>
+                </a:tc>
+                <a:tc>
+                  <a:txBody>
+                    <a:bodyPr/>
+                    <a:lstStyle/>
+                    <a:p>
+                      <a:pPr algn="ctr" fontAlgn="b"/>
+                      <a:r>
+                        <a:rPr lang="en-US" sz="1100" u="none" strike="noStrike">
+                          <a:effectLst/>
+                        </a:rPr>
+                        <a:t>Precision</a:t>
+                      </a:r>
+                      <a:endParaRPr lang="en-US" sz="1100" b="1" i="0" u="none" strike="noStrike">
+                        <a:solidFill>
+                          <a:srgbClr val="000000"/>
+                        </a:solidFill>
+                        <a:effectLst/>
+                        <a:latin typeface="Arial" panose="020B0604020202020204" pitchFamily="34" charset="0"/>
+                      </a:endParaRPr>
+                    </a:p>
+                  </a:txBody>
+                  <a:tcPr marL="9187" marR="9187" marT="9187" marB="0" anchor="b"/>
+                </a:tc>
+                <a:tc>
+                  <a:txBody>
+                    <a:bodyPr/>
+                    <a:lstStyle/>
+                    <a:p>
+                      <a:pPr algn="ctr" fontAlgn="b"/>
+                      <a:r>
+                        <a:rPr lang="en-US" sz="1100" u="none" strike="noStrike">
+                          <a:effectLst/>
+                        </a:rPr>
+                        <a:t>Recall</a:t>
+                      </a:r>
+                      <a:endParaRPr lang="en-US" sz="1100" b="1" i="0" u="none" strike="noStrike">
+                        <a:solidFill>
+                          <a:srgbClr val="000000"/>
+                        </a:solidFill>
+                        <a:effectLst/>
+                        <a:latin typeface="Arial" panose="020B0604020202020204" pitchFamily="34" charset="0"/>
+                      </a:endParaRPr>
+                    </a:p>
+                  </a:txBody>
+                  <a:tcPr marL="9187" marR="9187" marT="9187" marB="0" anchor="b"/>
+                </a:tc>
+                <a:tc>
+                  <a:txBody>
+                    <a:bodyPr/>
+                    <a:lstStyle/>
+                    <a:p>
+                      <a:pPr algn="ctr" fontAlgn="b"/>
+                      <a:r>
+                        <a:rPr lang="en-US" sz="1100" u="none" strike="noStrike">
+                          <a:effectLst/>
+                        </a:rPr>
+                        <a:t>Size</a:t>
+                      </a:r>
+                      <a:endParaRPr lang="en-US" sz="1100" b="1" i="0" u="none" strike="noStrike">
+                        <a:solidFill>
+                          <a:srgbClr val="000000"/>
+                        </a:solidFill>
+                        <a:effectLst/>
+                        <a:latin typeface="Arial" panose="020B0604020202020204" pitchFamily="34" charset="0"/>
+                      </a:endParaRPr>
+                    </a:p>
+                  </a:txBody>
+                  <a:tcPr marL="9187" marR="9187" marT="9187" marB="0" anchor="b"/>
+                </a:tc>
+                <a:tc>
+                  <a:txBody>
+                    <a:bodyPr/>
+                    <a:lstStyle/>
+                    <a:p>
+                      <a:pPr algn="ctr" fontAlgn="b"/>
+                      <a:r>
+                        <a:rPr lang="en-US" sz="1100" u="none" strike="noStrike">
+                          <a:effectLst/>
+                        </a:rPr>
+                        <a:t>Feature 1 Min</a:t>
+                      </a:r>
+                      <a:endParaRPr lang="en-US" sz="1100" b="1" i="0" u="none" strike="noStrike">
+                        <a:solidFill>
+                          <a:srgbClr val="000000"/>
+                        </a:solidFill>
+                        <a:effectLst/>
+                        <a:latin typeface="Arial" panose="020B0604020202020204" pitchFamily="34" charset="0"/>
+                      </a:endParaRPr>
+                    </a:p>
+                  </a:txBody>
+                  <a:tcPr marL="9187" marR="9187" marT="9187" marB="0" anchor="b"/>
+                </a:tc>
+                <a:tc>
+                  <a:txBody>
+                    <a:bodyPr/>
+                    <a:lstStyle/>
+                    <a:p>
+                      <a:pPr algn="ctr" fontAlgn="b"/>
+                      <a:r>
+                        <a:rPr lang="en-US" sz="1100" u="none" strike="noStrike">
+                          <a:effectLst/>
+                        </a:rPr>
+                        <a:t>Feature 1 Max</a:t>
+                      </a:r>
+                      <a:endParaRPr lang="en-US" sz="1100" b="1" i="0" u="none" strike="noStrike">
+                        <a:solidFill>
+                          <a:srgbClr val="000000"/>
+                        </a:solidFill>
+                        <a:effectLst/>
+                        <a:latin typeface="Arial" panose="020B0604020202020204" pitchFamily="34" charset="0"/>
+                      </a:endParaRPr>
+                    </a:p>
+                  </a:txBody>
+                  <a:tcPr marL="9187" marR="9187" marT="9187" marB="0" anchor="b"/>
+                </a:tc>
+                <a:tc>
+                  <a:txBody>
+                    <a:bodyPr/>
+                    <a:lstStyle/>
+                    <a:p>
+                      <a:pPr algn="ctr" fontAlgn="b"/>
+                      <a:r>
+                        <a:rPr lang="en-US" sz="1100" u="none" strike="noStrike">
+                          <a:effectLst/>
+                        </a:rPr>
+                        <a:t>Feature 2 Min</a:t>
+                      </a:r>
+                      <a:endParaRPr lang="en-US" sz="1100" b="1" i="0" u="none" strike="noStrike">
+                        <a:solidFill>
+                          <a:srgbClr val="000000"/>
+                        </a:solidFill>
+                        <a:effectLst/>
+                        <a:latin typeface="Arial" panose="020B0604020202020204" pitchFamily="34" charset="0"/>
+                      </a:endParaRPr>
+                    </a:p>
+                  </a:txBody>
+                  <a:tcPr marL="9187" marR="9187" marT="9187" marB="0" anchor="b"/>
+                </a:tc>
+                <a:tc>
+                  <a:txBody>
+                    <a:bodyPr/>
+                    <a:lstStyle/>
+                    <a:p>
+                      <a:pPr algn="ctr" fontAlgn="b"/>
+                      <a:r>
+                        <a:rPr lang="en-US" sz="1100" u="none" strike="noStrike">
+                          <a:effectLst/>
+                        </a:rPr>
+                        <a:t>Feature 2 Max</a:t>
+                      </a:r>
+                      <a:endParaRPr lang="en-US" sz="1100" b="1" i="0" u="none" strike="noStrike">
+                        <a:solidFill>
+                          <a:srgbClr val="000000"/>
+                        </a:solidFill>
+                        <a:effectLst/>
+                        <a:latin typeface="Arial" panose="020B0604020202020204" pitchFamily="34" charset="0"/>
+                      </a:endParaRPr>
+                    </a:p>
+                  </a:txBody>
+                  <a:tcPr marL="9187" marR="9187" marT="9187" marB="0" anchor="b"/>
+                </a:tc>
+                <a:extLst>
+                  <a:ext uri="{0D108BD9-81ED-4DB2-BD59-A6C34878D82A}">
+                    <a16:rowId xmlns:a16="http://schemas.microsoft.com/office/drawing/2014/main" val="4037882470"/>
+                  </a:ext>
+                </a:extLst>
+              </a:tr>
+              <a:tr h="174557">
+                <a:tc>
+                  <a:txBody>
+                    <a:bodyPr/>
+                    <a:lstStyle/>
+                    <a:p>
+                      <a:pPr algn="l" fontAlgn="b"/>
+                      <a:r>
+                        <a:rPr lang="en-US" sz="1100" u="none" strike="noStrike">
+                          <a:effectLst/>
+                        </a:rPr>
+                        <a:t>A2_min-Flow_min</a:t>
+                      </a:r>
+                      <a:endParaRPr lang="en-US" sz="1100" b="0" i="0" u="none" strike="noStrike">
+                        <a:solidFill>
+                          <a:srgbClr val="000000"/>
+                        </a:solidFill>
+                        <a:effectLst/>
+                        <a:latin typeface="Arial" panose="020B0604020202020204" pitchFamily="34" charset="0"/>
+                      </a:endParaRPr>
+                    </a:p>
+                  </a:txBody>
+                  <a:tcPr marL="9187" marR="9187" marT="9187" marB="0" anchor="b"/>
+                </a:tc>
+                <a:tc>
+                  <a:txBody>
+                    <a:bodyPr/>
+                    <a:lstStyle/>
+                    <a:p>
+                      <a:pPr algn="r" fontAlgn="b"/>
+                      <a:r>
+                        <a:rPr lang="he-IL" sz="1100" u="none" strike="noStrike">
+                          <a:effectLst/>
+                        </a:rPr>
+                        <a:t>8</a:t>
+                      </a:r>
+                      <a:endParaRPr lang="he-IL" sz="1100" b="0" i="0" u="none" strike="noStrike">
+                        <a:solidFill>
+                          <a:srgbClr val="000000"/>
+                        </a:solidFill>
+                        <a:effectLst/>
+                        <a:latin typeface="Arial" panose="020B0604020202020204" pitchFamily="34" charset="0"/>
+                      </a:endParaRPr>
+                    </a:p>
+                  </a:txBody>
+                  <a:tcPr marL="9187" marR="9187" marT="9187" marB="0" anchor="b"/>
+                </a:tc>
+                <a:tc>
+                  <a:txBody>
+                    <a:bodyPr/>
+                    <a:lstStyle/>
+                    <a:p>
+                      <a:pPr algn="r" fontAlgn="b"/>
+                      <a:r>
+                        <a:rPr lang="he-IL" sz="1100" u="none" strike="noStrike">
+                          <a:effectLst/>
+                        </a:rPr>
+                        <a:t>0</a:t>
+                      </a:r>
+                      <a:endParaRPr lang="he-IL" sz="1100" b="0" i="0" u="none" strike="noStrike">
+                        <a:solidFill>
+                          <a:srgbClr val="000000"/>
+                        </a:solidFill>
+                        <a:effectLst/>
+                        <a:latin typeface="Arial" panose="020B0604020202020204" pitchFamily="34" charset="0"/>
+                      </a:endParaRPr>
+                    </a:p>
+                  </a:txBody>
+                  <a:tcPr marL="9187" marR="9187" marT="9187" marB="0" anchor="b"/>
+                </a:tc>
+                <a:tc>
+                  <a:txBody>
+                    <a:bodyPr/>
+                    <a:lstStyle/>
+                    <a:p>
+                      <a:pPr algn="r" fontAlgn="b"/>
+                      <a:r>
+                        <a:rPr lang="he-IL" sz="1100" u="none" strike="noStrike">
+                          <a:effectLst/>
+                        </a:rPr>
+                        <a:t>0.134154319</a:t>
+                      </a:r>
+                      <a:endParaRPr lang="he-IL" sz="1100" b="0" i="0" u="none" strike="noStrike">
+                        <a:solidFill>
+                          <a:srgbClr val="000000"/>
+                        </a:solidFill>
+                        <a:effectLst/>
+                        <a:latin typeface="Arial" panose="020B0604020202020204" pitchFamily="34" charset="0"/>
+                      </a:endParaRPr>
+                    </a:p>
+                  </a:txBody>
+                  <a:tcPr marL="9187" marR="9187" marT="9187" marB="0" anchor="b"/>
+                </a:tc>
+                <a:tc>
+                  <a:txBody>
+                    <a:bodyPr/>
+                    <a:lstStyle/>
+                    <a:p>
+                      <a:pPr algn="r" fontAlgn="b"/>
+                      <a:r>
+                        <a:rPr lang="he-IL" sz="1100" u="none" strike="noStrike">
+                          <a:effectLst/>
+                        </a:rPr>
+                        <a:t>0</a:t>
+                      </a:r>
+                      <a:endParaRPr lang="he-IL" sz="1100" b="0" i="0" u="none" strike="noStrike">
+                        <a:solidFill>
+                          <a:srgbClr val="000000"/>
+                        </a:solidFill>
+                        <a:effectLst/>
+                        <a:latin typeface="Arial" panose="020B0604020202020204" pitchFamily="34" charset="0"/>
+                      </a:endParaRPr>
+                    </a:p>
+                  </a:txBody>
+                  <a:tcPr marL="9187" marR="9187" marT="9187" marB="0" anchor="b"/>
+                </a:tc>
+                <a:tc>
+                  <a:txBody>
+                    <a:bodyPr/>
+                    <a:lstStyle/>
+                    <a:p>
+                      <a:pPr algn="r" fontAlgn="b"/>
+                      <a:r>
+                        <a:rPr lang="he-IL" sz="1100" u="none" strike="noStrike">
+                          <a:effectLst/>
+                        </a:rPr>
+                        <a:t>0</a:t>
+                      </a:r>
+                      <a:endParaRPr lang="he-IL" sz="1100" b="0" i="0" u="none" strike="noStrike">
+                        <a:solidFill>
+                          <a:srgbClr val="000000"/>
+                        </a:solidFill>
+                        <a:effectLst/>
+                        <a:latin typeface="Arial" panose="020B0604020202020204" pitchFamily="34" charset="0"/>
+                      </a:endParaRPr>
+                    </a:p>
+                  </a:txBody>
+                  <a:tcPr marL="9187" marR="9187" marT="9187" marB="0" anchor="b"/>
+                </a:tc>
+                <a:tc>
+                  <a:txBody>
+                    <a:bodyPr/>
+                    <a:lstStyle/>
+                    <a:p>
+                      <a:pPr algn="r" fontAlgn="b"/>
+                      <a:r>
+                        <a:rPr lang="he-IL" sz="1100" u="none" strike="noStrike">
+                          <a:effectLst/>
+                        </a:rPr>
+                        <a:t>19.30585683</a:t>
+                      </a:r>
+                      <a:endParaRPr lang="he-IL" sz="1100" b="0" i="0" u="none" strike="noStrike">
+                        <a:solidFill>
+                          <a:srgbClr val="000000"/>
+                        </a:solidFill>
+                        <a:effectLst/>
+                        <a:latin typeface="Arial" panose="020B0604020202020204" pitchFamily="34" charset="0"/>
+                      </a:endParaRPr>
+                    </a:p>
+                  </a:txBody>
+                  <a:tcPr marL="9187" marR="9187" marT="9187" marB="0" anchor="b"/>
+                </a:tc>
+                <a:tc>
+                  <a:txBody>
+                    <a:bodyPr/>
+                    <a:lstStyle/>
+                    <a:p>
+                      <a:pPr algn="r" fontAlgn="b"/>
+                      <a:r>
+                        <a:rPr lang="he-IL" sz="1100" u="none" strike="noStrike">
+                          <a:effectLst/>
+                        </a:rPr>
+                        <a:t>-1.094181836</a:t>
+                      </a:r>
+                      <a:endParaRPr lang="he-IL" sz="1100" b="0" i="0" u="none" strike="noStrike">
+                        <a:solidFill>
+                          <a:srgbClr val="000000"/>
+                        </a:solidFill>
+                        <a:effectLst/>
+                        <a:latin typeface="Arial" panose="020B0604020202020204" pitchFamily="34" charset="0"/>
+                      </a:endParaRPr>
+                    </a:p>
+                  </a:txBody>
+                  <a:tcPr marL="9187" marR="9187" marT="9187" marB="0" anchor="b"/>
+                </a:tc>
+                <a:tc>
+                  <a:txBody>
+                    <a:bodyPr/>
+                    <a:lstStyle/>
+                    <a:p>
+                      <a:pPr algn="r" fontAlgn="b"/>
+                      <a:r>
+                        <a:rPr lang="he-IL" sz="1100" u="none" strike="noStrike">
+                          <a:effectLst/>
+                        </a:rPr>
+                        <a:t>0.118916146</a:t>
+                      </a:r>
+                      <a:endParaRPr lang="he-IL" sz="1100" b="0" i="0" u="none" strike="noStrike">
+                        <a:solidFill>
+                          <a:srgbClr val="000000"/>
+                        </a:solidFill>
+                        <a:effectLst/>
+                        <a:latin typeface="Arial" panose="020B0604020202020204" pitchFamily="34" charset="0"/>
+                      </a:endParaRPr>
+                    </a:p>
+                  </a:txBody>
+                  <a:tcPr marL="9187" marR="9187" marT="9187" marB="0" anchor="b"/>
+                </a:tc>
+                <a:tc>
+                  <a:txBody>
+                    <a:bodyPr/>
+                    <a:lstStyle/>
+                    <a:p>
+                      <a:pPr algn="r" fontAlgn="b"/>
+                      <a:r>
+                        <a:rPr lang="he-IL" sz="1100" u="none" strike="noStrike">
+                          <a:effectLst/>
+                        </a:rPr>
+                        <a:t>0.218962058</a:t>
+                      </a:r>
+                      <a:endParaRPr lang="he-IL" sz="1100" b="0" i="0" u="none" strike="noStrike">
+                        <a:solidFill>
+                          <a:srgbClr val="000000"/>
+                        </a:solidFill>
+                        <a:effectLst/>
+                        <a:latin typeface="Arial" panose="020B0604020202020204" pitchFamily="34" charset="0"/>
+                      </a:endParaRPr>
+                    </a:p>
+                  </a:txBody>
+                  <a:tcPr marL="9187" marR="9187" marT="9187" marB="0" anchor="b"/>
+                </a:tc>
+                <a:tc>
+                  <a:txBody>
+                    <a:bodyPr/>
+                    <a:lstStyle/>
+                    <a:p>
+                      <a:pPr algn="r" fontAlgn="b"/>
+                      <a:r>
+                        <a:rPr lang="he-IL" sz="1100" u="none" strike="noStrike">
+                          <a:effectLst/>
+                        </a:rPr>
+                        <a:t>0.734922409</a:t>
+                      </a:r>
+                      <a:endParaRPr lang="he-IL" sz="1100" b="0" i="0" u="none" strike="noStrike">
+                        <a:solidFill>
+                          <a:srgbClr val="000000"/>
+                        </a:solidFill>
+                        <a:effectLst/>
+                        <a:latin typeface="Arial" panose="020B0604020202020204" pitchFamily="34" charset="0"/>
+                      </a:endParaRPr>
+                    </a:p>
+                  </a:txBody>
+                  <a:tcPr marL="9187" marR="9187" marT="9187" marB="0" anchor="b"/>
+                </a:tc>
+                <a:extLst>
+                  <a:ext uri="{0D108BD9-81ED-4DB2-BD59-A6C34878D82A}">
+                    <a16:rowId xmlns:a16="http://schemas.microsoft.com/office/drawing/2014/main" val="1591409636"/>
+                  </a:ext>
+                </a:extLst>
+              </a:tr>
+              <a:tr h="174557">
+                <a:tc>
+                  <a:txBody>
+                    <a:bodyPr/>
+                    <a:lstStyle/>
+                    <a:p>
+                      <a:pPr algn="l" fontAlgn="b"/>
+                      <a:r>
+                        <a:rPr lang="en-US" sz="1100" u="none" strike="noStrike">
+                          <a:effectLst/>
+                        </a:rPr>
+                        <a:t>Ther_min-Flow_mean</a:t>
+                      </a:r>
+                      <a:endParaRPr lang="en-US" sz="1100" b="0" i="0" u="none" strike="noStrike">
+                        <a:solidFill>
+                          <a:srgbClr val="000000"/>
+                        </a:solidFill>
+                        <a:effectLst/>
+                        <a:latin typeface="Arial" panose="020B0604020202020204" pitchFamily="34" charset="0"/>
+                      </a:endParaRPr>
+                    </a:p>
+                  </a:txBody>
+                  <a:tcPr marL="9187" marR="9187" marT="9187" marB="0" anchor="b"/>
+                </a:tc>
+                <a:tc>
+                  <a:txBody>
+                    <a:bodyPr/>
+                    <a:lstStyle/>
+                    <a:p>
+                      <a:pPr algn="r" fontAlgn="b"/>
+                      <a:r>
+                        <a:rPr lang="he-IL" sz="1100" u="none" strike="noStrike">
+                          <a:effectLst/>
+                        </a:rPr>
+                        <a:t>5</a:t>
+                      </a:r>
+                      <a:endParaRPr lang="he-IL" sz="1100" b="0" i="0" u="none" strike="noStrike">
+                        <a:solidFill>
+                          <a:srgbClr val="000000"/>
+                        </a:solidFill>
+                        <a:effectLst/>
+                        <a:latin typeface="Arial" panose="020B0604020202020204" pitchFamily="34" charset="0"/>
+                      </a:endParaRPr>
+                    </a:p>
+                  </a:txBody>
+                  <a:tcPr marL="9187" marR="9187" marT="9187" marB="0" anchor="b"/>
+                </a:tc>
+                <a:tc>
+                  <a:txBody>
+                    <a:bodyPr/>
+                    <a:lstStyle/>
+                    <a:p>
+                      <a:pPr algn="r" fontAlgn="b"/>
+                      <a:r>
+                        <a:rPr lang="he-IL" sz="1100" u="none" strike="noStrike">
+                          <a:effectLst/>
+                        </a:rPr>
+                        <a:t>0.086372361</a:t>
+                      </a:r>
+                      <a:endParaRPr lang="he-IL" sz="1100" b="0" i="0" u="none" strike="noStrike">
+                        <a:solidFill>
+                          <a:srgbClr val="000000"/>
+                        </a:solidFill>
+                        <a:effectLst/>
+                        <a:latin typeface="Arial" panose="020B0604020202020204" pitchFamily="34" charset="0"/>
+                      </a:endParaRPr>
+                    </a:p>
+                  </a:txBody>
+                  <a:tcPr marL="9187" marR="9187" marT="9187" marB="0" anchor="b"/>
+                </a:tc>
+                <a:tc>
+                  <a:txBody>
+                    <a:bodyPr/>
+                    <a:lstStyle/>
+                    <a:p>
+                      <a:pPr algn="r" fontAlgn="b"/>
+                      <a:r>
+                        <a:rPr lang="he-IL" sz="1100" u="none" strike="noStrike">
+                          <a:effectLst/>
+                        </a:rPr>
+                        <a:t>0.119862232</a:t>
+                      </a:r>
+                      <a:endParaRPr lang="he-IL" sz="1100" b="0" i="0" u="none" strike="noStrike">
+                        <a:solidFill>
+                          <a:srgbClr val="000000"/>
+                        </a:solidFill>
+                        <a:effectLst/>
+                        <a:latin typeface="Arial" panose="020B0604020202020204" pitchFamily="34" charset="0"/>
+                      </a:endParaRPr>
+                    </a:p>
+                  </a:txBody>
+                  <a:tcPr marL="9187" marR="9187" marT="9187" marB="0" anchor="b"/>
+                </a:tc>
+                <a:tc>
+                  <a:txBody>
+                    <a:bodyPr/>
+                    <a:lstStyle/>
+                    <a:p>
+                      <a:pPr algn="r" fontAlgn="b"/>
+                      <a:r>
+                        <a:rPr lang="he-IL" sz="1100" u="none" strike="noStrike">
+                          <a:effectLst/>
+                        </a:rPr>
+                        <a:t>1</a:t>
+                      </a:r>
+                      <a:endParaRPr lang="he-IL" sz="1100" b="0" i="0" u="none" strike="noStrike">
+                        <a:solidFill>
+                          <a:srgbClr val="000000"/>
+                        </a:solidFill>
+                        <a:effectLst/>
+                        <a:latin typeface="Arial" panose="020B0604020202020204" pitchFamily="34" charset="0"/>
+                      </a:endParaRPr>
+                    </a:p>
+                  </a:txBody>
+                  <a:tcPr marL="9187" marR="9187" marT="9187" marB="0" anchor="b"/>
+                </a:tc>
+                <a:tc>
+                  <a:txBody>
+                    <a:bodyPr/>
+                    <a:lstStyle/>
+                    <a:p>
+                      <a:pPr algn="r" fontAlgn="b"/>
+                      <a:r>
+                        <a:rPr lang="he-IL" sz="1100" u="none" strike="noStrike">
+                          <a:effectLst/>
+                        </a:rPr>
+                        <a:t>0.0703125</a:t>
+                      </a:r>
+                      <a:endParaRPr lang="he-IL" sz="1100" b="0" i="0" u="none" strike="noStrike">
+                        <a:solidFill>
+                          <a:srgbClr val="000000"/>
+                        </a:solidFill>
+                        <a:effectLst/>
+                        <a:latin typeface="Arial" panose="020B0604020202020204" pitchFamily="34" charset="0"/>
+                      </a:endParaRPr>
+                    </a:p>
+                  </a:txBody>
+                  <a:tcPr marL="9187" marR="9187" marT="9187" marB="0" anchor="b"/>
+                </a:tc>
+                <a:tc>
+                  <a:txBody>
+                    <a:bodyPr/>
+                    <a:lstStyle/>
+                    <a:p>
+                      <a:pPr algn="r" fontAlgn="b"/>
+                      <a:r>
+                        <a:rPr lang="he-IL" sz="1100" u="none" strike="noStrike">
+                          <a:effectLst/>
+                        </a:rPr>
+                        <a:t>18.65509761</a:t>
+                      </a:r>
+                      <a:endParaRPr lang="he-IL" sz="1100" b="0" i="0" u="none" strike="noStrike">
+                        <a:solidFill>
+                          <a:srgbClr val="000000"/>
+                        </a:solidFill>
+                        <a:effectLst/>
+                        <a:latin typeface="Arial" panose="020B0604020202020204" pitchFamily="34" charset="0"/>
+                      </a:endParaRPr>
+                    </a:p>
+                  </a:txBody>
+                  <a:tcPr marL="9187" marR="9187" marT="9187" marB="0" anchor="b"/>
+                </a:tc>
+                <a:tc>
+                  <a:txBody>
+                    <a:bodyPr/>
+                    <a:lstStyle/>
+                    <a:p>
+                      <a:pPr algn="r" fontAlgn="b"/>
+                      <a:r>
+                        <a:rPr lang="he-IL" sz="1100" u="none" strike="noStrike">
+                          <a:effectLst/>
+                        </a:rPr>
+                        <a:t>-1.913559854</a:t>
+                      </a:r>
+                      <a:endParaRPr lang="he-IL" sz="1100" b="0" i="0" u="none" strike="noStrike">
+                        <a:solidFill>
+                          <a:srgbClr val="000000"/>
+                        </a:solidFill>
+                        <a:effectLst/>
+                        <a:latin typeface="Arial" panose="020B0604020202020204" pitchFamily="34" charset="0"/>
+                      </a:endParaRPr>
+                    </a:p>
+                  </a:txBody>
+                  <a:tcPr marL="9187" marR="9187" marT="9187" marB="0" anchor="b"/>
+                </a:tc>
+                <a:tc>
+                  <a:txBody>
+                    <a:bodyPr/>
+                    <a:lstStyle/>
+                    <a:p>
+                      <a:pPr algn="l" fontAlgn="b"/>
+                      <a:r>
+                        <a:rPr lang="en-US" sz="1100" u="none" strike="noStrike">
+                          <a:effectLst/>
+                        </a:rPr>
+                        <a:t>inf</a:t>
+                      </a:r>
+                      <a:endParaRPr lang="en-US" sz="1100" b="0" i="0" u="none" strike="noStrike">
+                        <a:solidFill>
+                          <a:srgbClr val="000000"/>
+                        </a:solidFill>
+                        <a:effectLst/>
+                        <a:latin typeface="Arial" panose="020B0604020202020204" pitchFamily="34" charset="0"/>
+                      </a:endParaRPr>
+                    </a:p>
+                  </a:txBody>
+                  <a:tcPr marL="9187" marR="9187" marT="9187" marB="0" anchor="b"/>
+                </a:tc>
+                <a:tc>
+                  <a:txBody>
+                    <a:bodyPr/>
+                    <a:lstStyle/>
+                    <a:p>
+                      <a:pPr algn="r" fontAlgn="b"/>
+                      <a:r>
+                        <a:rPr lang="he-IL" sz="1100" u="none" strike="noStrike">
+                          <a:effectLst/>
+                        </a:rPr>
+                        <a:t>0.355449021</a:t>
+                      </a:r>
+                      <a:endParaRPr lang="he-IL" sz="1100" b="0" i="0" u="none" strike="noStrike">
+                        <a:solidFill>
+                          <a:srgbClr val="000000"/>
+                        </a:solidFill>
+                        <a:effectLst/>
+                        <a:latin typeface="Arial" panose="020B0604020202020204" pitchFamily="34" charset="0"/>
+                      </a:endParaRPr>
+                    </a:p>
+                  </a:txBody>
+                  <a:tcPr marL="9187" marR="9187" marT="9187" marB="0" anchor="b"/>
+                </a:tc>
+                <a:tc>
+                  <a:txBody>
+                    <a:bodyPr/>
+                    <a:lstStyle/>
+                    <a:p>
+                      <a:pPr algn="r" fontAlgn="b"/>
+                      <a:r>
+                        <a:rPr lang="he-IL" sz="1100" u="none" strike="noStrike">
+                          <a:effectLst/>
+                        </a:rPr>
+                        <a:t>0.752080858</a:t>
+                      </a:r>
+                      <a:endParaRPr lang="he-IL" sz="1100" b="0" i="0" u="none" strike="noStrike">
+                        <a:solidFill>
+                          <a:srgbClr val="000000"/>
+                        </a:solidFill>
+                        <a:effectLst/>
+                        <a:latin typeface="Arial" panose="020B0604020202020204" pitchFamily="34" charset="0"/>
+                      </a:endParaRPr>
+                    </a:p>
+                  </a:txBody>
+                  <a:tcPr marL="9187" marR="9187" marT="9187" marB="0" anchor="b"/>
+                </a:tc>
+                <a:extLst>
+                  <a:ext uri="{0D108BD9-81ED-4DB2-BD59-A6C34878D82A}">
+                    <a16:rowId xmlns:a16="http://schemas.microsoft.com/office/drawing/2014/main" val="3112477601"/>
+                  </a:ext>
+                </a:extLst>
+              </a:tr>
+              <a:tr h="174557">
+                <a:tc>
+                  <a:txBody>
+                    <a:bodyPr/>
+                    <a:lstStyle/>
+                    <a:p>
+                      <a:pPr algn="l" fontAlgn="b"/>
+                      <a:r>
+                        <a:rPr lang="en-US" sz="1100" u="none" strike="noStrike">
+                          <a:effectLst/>
+                        </a:rPr>
+                        <a:t>A2_min-Flow_mean</a:t>
+                      </a:r>
+                      <a:endParaRPr lang="en-US" sz="1100" b="0" i="0" u="none" strike="noStrike">
+                        <a:solidFill>
+                          <a:srgbClr val="000000"/>
+                        </a:solidFill>
+                        <a:effectLst/>
+                        <a:latin typeface="Arial" panose="020B0604020202020204" pitchFamily="34" charset="0"/>
+                      </a:endParaRPr>
+                    </a:p>
+                  </a:txBody>
+                  <a:tcPr marL="9187" marR="9187" marT="9187" marB="0" anchor="b"/>
+                </a:tc>
+                <a:tc>
+                  <a:txBody>
+                    <a:bodyPr/>
+                    <a:lstStyle/>
+                    <a:p>
+                      <a:pPr algn="r" fontAlgn="b"/>
+                      <a:r>
+                        <a:rPr lang="he-IL" sz="1100" u="none" strike="noStrike">
+                          <a:effectLst/>
+                        </a:rPr>
+                        <a:t>9</a:t>
+                      </a:r>
+                      <a:endParaRPr lang="he-IL" sz="1100" b="0" i="0" u="none" strike="noStrike">
+                        <a:solidFill>
+                          <a:srgbClr val="000000"/>
+                        </a:solidFill>
+                        <a:effectLst/>
+                        <a:latin typeface="Arial" panose="020B0604020202020204" pitchFamily="34" charset="0"/>
+                      </a:endParaRPr>
+                    </a:p>
+                  </a:txBody>
+                  <a:tcPr marL="9187" marR="9187" marT="9187" marB="0" anchor="b"/>
+                </a:tc>
+                <a:tc>
+                  <a:txBody>
+                    <a:bodyPr/>
+                    <a:lstStyle/>
+                    <a:p>
+                      <a:pPr algn="r" fontAlgn="b"/>
+                      <a:r>
+                        <a:rPr lang="he-IL" sz="1100" u="none" strike="noStrike">
+                          <a:effectLst/>
+                        </a:rPr>
+                        <a:t>0.050301811</a:t>
+                      </a:r>
+                      <a:endParaRPr lang="he-IL" sz="1100" b="0" i="0" u="none" strike="noStrike">
+                        <a:solidFill>
+                          <a:srgbClr val="000000"/>
+                        </a:solidFill>
+                        <a:effectLst/>
+                        <a:latin typeface="Arial" panose="020B0604020202020204" pitchFamily="34" charset="0"/>
+                      </a:endParaRPr>
+                    </a:p>
+                  </a:txBody>
+                  <a:tcPr marL="9187" marR="9187" marT="9187" marB="0" anchor="b"/>
+                </a:tc>
+                <a:tc>
+                  <a:txBody>
+                    <a:bodyPr/>
+                    <a:lstStyle/>
+                    <a:p>
+                      <a:pPr algn="r" fontAlgn="b"/>
+                      <a:r>
+                        <a:rPr lang="he-IL" sz="1100" u="none" strike="noStrike">
+                          <a:effectLst/>
+                        </a:rPr>
+                        <a:t>0.118831397</a:t>
+                      </a:r>
+                      <a:endParaRPr lang="he-IL" sz="1100" b="0" i="0" u="none" strike="noStrike">
+                        <a:solidFill>
+                          <a:srgbClr val="000000"/>
+                        </a:solidFill>
+                        <a:effectLst/>
+                        <a:latin typeface="Arial" panose="020B0604020202020204" pitchFamily="34" charset="0"/>
+                      </a:endParaRPr>
+                    </a:p>
+                  </a:txBody>
+                  <a:tcPr marL="9187" marR="9187" marT="9187" marB="0" anchor="b"/>
+                </a:tc>
+                <a:tc>
+                  <a:txBody>
+                    <a:bodyPr/>
+                    <a:lstStyle/>
+                    <a:p>
+                      <a:pPr algn="r" fontAlgn="b"/>
+                      <a:r>
+                        <a:rPr lang="he-IL" sz="1100" u="none" strike="noStrike">
+                          <a:effectLst/>
+                        </a:rPr>
+                        <a:t>1</a:t>
+                      </a:r>
+                      <a:endParaRPr lang="he-IL" sz="1100" b="0" i="0" u="none" strike="noStrike">
+                        <a:solidFill>
+                          <a:srgbClr val="000000"/>
+                        </a:solidFill>
+                        <a:effectLst/>
+                        <a:latin typeface="Arial" panose="020B0604020202020204" pitchFamily="34" charset="0"/>
+                      </a:endParaRPr>
+                    </a:p>
+                  </a:txBody>
+                  <a:tcPr marL="9187" marR="9187" marT="9187" marB="0" anchor="b"/>
+                </a:tc>
+                <a:tc>
+                  <a:txBody>
+                    <a:bodyPr/>
+                    <a:lstStyle/>
+                    <a:p>
+                      <a:pPr algn="r" fontAlgn="b"/>
+                      <a:r>
+                        <a:rPr lang="he-IL" sz="1100" u="none" strike="noStrike">
+                          <a:effectLst/>
+                        </a:rPr>
+                        <a:t>0.040650407</a:t>
+                      </a:r>
+                      <a:endParaRPr lang="he-IL" sz="1100" b="0" i="0" u="none" strike="noStrike">
+                        <a:solidFill>
+                          <a:srgbClr val="000000"/>
+                        </a:solidFill>
+                        <a:effectLst/>
+                        <a:latin typeface="Arial" panose="020B0604020202020204" pitchFamily="34" charset="0"/>
+                      </a:endParaRPr>
+                    </a:p>
+                  </a:txBody>
+                  <a:tcPr marL="9187" marR="9187" marT="9187" marB="0" anchor="b"/>
+                </a:tc>
+                <a:tc>
+                  <a:txBody>
+                    <a:bodyPr/>
+                    <a:lstStyle/>
+                    <a:p>
+                      <a:pPr algn="r" fontAlgn="b"/>
+                      <a:r>
+                        <a:rPr lang="he-IL" sz="1100" u="none" strike="noStrike">
+                          <a:effectLst/>
+                        </a:rPr>
+                        <a:t>18.92624729</a:t>
+                      </a:r>
+                      <a:endParaRPr lang="he-IL" sz="1100" b="0" i="0" u="none" strike="noStrike">
+                        <a:solidFill>
+                          <a:srgbClr val="000000"/>
+                        </a:solidFill>
+                        <a:effectLst/>
+                        <a:latin typeface="Arial" panose="020B0604020202020204" pitchFamily="34" charset="0"/>
+                      </a:endParaRPr>
+                    </a:p>
+                  </a:txBody>
+                  <a:tcPr marL="9187" marR="9187" marT="9187" marB="0" anchor="b"/>
+                </a:tc>
+                <a:tc>
+                  <a:txBody>
+                    <a:bodyPr/>
+                    <a:lstStyle/>
+                    <a:p>
+                      <a:pPr algn="r" fontAlgn="b"/>
+                      <a:r>
+                        <a:rPr lang="he-IL" sz="1100" u="none" strike="noStrike">
+                          <a:effectLst/>
+                        </a:rPr>
+                        <a:t>-1.094181836</a:t>
+                      </a:r>
+                      <a:endParaRPr lang="he-IL" sz="1100" b="0" i="0" u="none" strike="noStrike">
+                        <a:solidFill>
+                          <a:srgbClr val="000000"/>
+                        </a:solidFill>
+                        <a:effectLst/>
+                        <a:latin typeface="Arial" panose="020B0604020202020204" pitchFamily="34" charset="0"/>
+                      </a:endParaRPr>
+                    </a:p>
+                  </a:txBody>
+                  <a:tcPr marL="9187" marR="9187" marT="9187" marB="0" anchor="b"/>
+                </a:tc>
+                <a:tc>
+                  <a:txBody>
+                    <a:bodyPr/>
+                    <a:lstStyle/>
+                    <a:p>
+                      <a:pPr algn="l" fontAlgn="b"/>
+                      <a:r>
+                        <a:rPr lang="en-US" sz="1100" u="none" strike="noStrike">
+                          <a:effectLst/>
+                        </a:rPr>
+                        <a:t>inf</a:t>
+                      </a:r>
+                      <a:endParaRPr lang="en-US" sz="1100" b="0" i="0" u="none" strike="noStrike">
+                        <a:solidFill>
+                          <a:srgbClr val="000000"/>
+                        </a:solidFill>
+                        <a:effectLst/>
+                        <a:latin typeface="Arial" panose="020B0604020202020204" pitchFamily="34" charset="0"/>
+                      </a:endParaRPr>
+                    </a:p>
+                  </a:txBody>
+                  <a:tcPr marL="9187" marR="9187" marT="9187" marB="0" anchor="b"/>
+                </a:tc>
+                <a:tc>
+                  <a:txBody>
+                    <a:bodyPr/>
+                    <a:lstStyle/>
+                    <a:p>
+                      <a:pPr algn="r" fontAlgn="b"/>
+                      <a:r>
+                        <a:rPr lang="he-IL" sz="1100" u="none" strike="noStrike">
+                          <a:effectLst/>
+                        </a:rPr>
+                        <a:t>0.355449021</a:t>
+                      </a:r>
+                      <a:endParaRPr lang="he-IL" sz="1100" b="0" i="0" u="none" strike="noStrike">
+                        <a:solidFill>
+                          <a:srgbClr val="000000"/>
+                        </a:solidFill>
+                        <a:effectLst/>
+                        <a:latin typeface="Arial" panose="020B0604020202020204" pitchFamily="34" charset="0"/>
+                      </a:endParaRPr>
+                    </a:p>
+                  </a:txBody>
+                  <a:tcPr marL="9187" marR="9187" marT="9187" marB="0" anchor="b"/>
+                </a:tc>
+                <a:tc>
+                  <a:txBody>
+                    <a:bodyPr/>
+                    <a:lstStyle/>
+                    <a:p>
+                      <a:pPr algn="r" fontAlgn="b"/>
+                      <a:r>
+                        <a:rPr lang="he-IL" sz="1100" u="none" strike="noStrike" dirty="0">
+                          <a:effectLst/>
+                        </a:rPr>
+                        <a:t>0.752080858</a:t>
+                      </a:r>
+                      <a:endParaRPr lang="he-IL" sz="1100" b="0" i="0" u="none" strike="noStrike" dirty="0">
+                        <a:solidFill>
+                          <a:srgbClr val="000000"/>
+                        </a:solidFill>
+                        <a:effectLst/>
+                        <a:latin typeface="Arial" panose="020B0604020202020204" pitchFamily="34" charset="0"/>
+                      </a:endParaRPr>
+                    </a:p>
+                  </a:txBody>
+                  <a:tcPr marL="9187" marR="9187" marT="9187" marB="0" anchor="b"/>
+                </a:tc>
+                <a:extLst>
+                  <a:ext uri="{0D108BD9-81ED-4DB2-BD59-A6C34878D82A}">
+                    <a16:rowId xmlns:a16="http://schemas.microsoft.com/office/drawing/2014/main" val="4001317971"/>
+                  </a:ext>
+                </a:extLst>
+              </a:tr>
+            </a:tbl>
+          </a:graphicData>
+        </a:graphic>
+      </p:graphicFrame>
+      <p:graphicFrame>
+        <p:nvGraphicFramePr>
+          <p:cNvPr id="5" name="Table 4">
+            <a:extLst>
+              <a:ext uri="{FF2B5EF4-FFF2-40B4-BE49-F238E27FC236}">
+                <a16:creationId xmlns:a16="http://schemas.microsoft.com/office/drawing/2014/main" id="{47D425F7-3253-F85D-B314-7347E3A1C4BB}"/>
+              </a:ext>
+            </a:extLst>
+          </p:cNvPr>
+          <p:cNvGraphicFramePr>
+            <a:graphicFrameLocks noGrp="1"/>
+          </p:cNvGraphicFramePr>
+          <p:nvPr>
+            <p:extLst>
+              <p:ext uri="{D42A27DB-BD31-4B8C-83A1-F6EECF244321}">
+                <p14:modId xmlns:p14="http://schemas.microsoft.com/office/powerpoint/2010/main" val="28980106"/>
+              </p:ext>
+            </p:extLst>
+          </p:nvPr>
+        </p:nvGraphicFramePr>
+        <p:xfrm>
+          <a:off x="913774" y="4181030"/>
+          <a:ext cx="10363201" cy="712740"/>
+        </p:xfrm>
+        <a:graphic>
+          <a:graphicData uri="http://schemas.openxmlformats.org/drawingml/2006/table">
+            <a:tbl>
+              <a:tblPr>
+                <a:tableStyleId>{5C22544A-7EE6-4342-B048-85BDC9FD1C3A}</a:tableStyleId>
+              </a:tblPr>
+              <a:tblGrid>
+                <a:gridCol w="1579385">
+                  <a:extLst>
+                    <a:ext uri="{9D8B030D-6E8A-4147-A177-3AD203B41FA5}">
+                      <a16:colId xmlns:a16="http://schemas.microsoft.com/office/drawing/2014/main" val="2085981271"/>
+                    </a:ext>
+                  </a:extLst>
+                </a:gridCol>
+                <a:gridCol w="501151">
+                  <a:extLst>
+                    <a:ext uri="{9D8B030D-6E8A-4147-A177-3AD203B41FA5}">
+                      <a16:colId xmlns:a16="http://schemas.microsoft.com/office/drawing/2014/main" val="879990362"/>
+                    </a:ext>
+                  </a:extLst>
+                </a:gridCol>
+                <a:gridCol w="865625">
+                  <a:extLst>
+                    <a:ext uri="{9D8B030D-6E8A-4147-A177-3AD203B41FA5}">
+                      <a16:colId xmlns:a16="http://schemas.microsoft.com/office/drawing/2014/main" val="3275787206"/>
+                    </a:ext>
+                  </a:extLst>
+                </a:gridCol>
+                <a:gridCol w="1117719">
+                  <a:extLst>
+                    <a:ext uri="{9D8B030D-6E8A-4147-A177-3AD203B41FA5}">
+                      <a16:colId xmlns:a16="http://schemas.microsoft.com/office/drawing/2014/main" val="3318499662"/>
+                    </a:ext>
+                  </a:extLst>
+                </a:gridCol>
+                <a:gridCol w="680351">
+                  <a:extLst>
+                    <a:ext uri="{9D8B030D-6E8A-4147-A177-3AD203B41FA5}">
+                      <a16:colId xmlns:a16="http://schemas.microsoft.com/office/drawing/2014/main" val="814933535"/>
+                    </a:ext>
+                  </a:extLst>
+                </a:gridCol>
+                <a:gridCol w="865625">
+                  <a:extLst>
+                    <a:ext uri="{9D8B030D-6E8A-4147-A177-3AD203B41FA5}">
+                      <a16:colId xmlns:a16="http://schemas.microsoft.com/office/drawing/2014/main" val="2089028842"/>
+                    </a:ext>
+                  </a:extLst>
+                </a:gridCol>
+                <a:gridCol w="865625">
+                  <a:extLst>
+                    <a:ext uri="{9D8B030D-6E8A-4147-A177-3AD203B41FA5}">
+                      <a16:colId xmlns:a16="http://schemas.microsoft.com/office/drawing/2014/main" val="1382159602"/>
+                    </a:ext>
+                  </a:extLst>
+                </a:gridCol>
+                <a:gridCol w="959781">
+                  <a:extLst>
+                    <a:ext uri="{9D8B030D-6E8A-4147-A177-3AD203B41FA5}">
+                      <a16:colId xmlns:a16="http://schemas.microsoft.com/office/drawing/2014/main" val="4249612255"/>
+                    </a:ext>
+                  </a:extLst>
+                </a:gridCol>
+                <a:gridCol w="984079">
+                  <a:extLst>
+                    <a:ext uri="{9D8B030D-6E8A-4147-A177-3AD203B41FA5}">
+                      <a16:colId xmlns:a16="http://schemas.microsoft.com/office/drawing/2014/main" val="2753661137"/>
+                    </a:ext>
+                  </a:extLst>
+                </a:gridCol>
+                <a:gridCol w="959781">
+                  <a:extLst>
+                    <a:ext uri="{9D8B030D-6E8A-4147-A177-3AD203B41FA5}">
+                      <a16:colId xmlns:a16="http://schemas.microsoft.com/office/drawing/2014/main" val="1657951328"/>
+                    </a:ext>
+                  </a:extLst>
+                </a:gridCol>
+                <a:gridCol w="984079">
+                  <a:extLst>
+                    <a:ext uri="{9D8B030D-6E8A-4147-A177-3AD203B41FA5}">
+                      <a16:colId xmlns:a16="http://schemas.microsoft.com/office/drawing/2014/main" val="1924654912"/>
+                    </a:ext>
+                  </a:extLst>
+                </a:gridCol>
+              </a:tblGrid>
+              <a:tr h="182451">
+                <a:tc>
+                  <a:txBody>
+                    <a:bodyPr/>
+                    <a:lstStyle/>
+                    <a:p>
+                      <a:pPr algn="ctr" fontAlgn="b"/>
+                      <a:r>
+                        <a:rPr lang="en-US" sz="1100" u="none" strike="noStrike">
+                          <a:effectLst/>
+                        </a:rPr>
+                        <a:t>Feature</a:t>
+                      </a:r>
+                      <a:endParaRPr lang="en-US" sz="1100" b="1" i="0" u="none" strike="noStrike">
+                        <a:solidFill>
+                          <a:srgbClr val="000000"/>
+                        </a:solidFill>
+                        <a:effectLst/>
+                        <a:latin typeface="Arial" panose="020B0604020202020204" pitchFamily="34" charset="0"/>
+                      </a:endParaRPr>
+                    </a:p>
+                  </a:txBody>
+                  <a:tcPr marL="9123" marR="9123" marT="9123" marB="0" anchor="b"/>
+                </a:tc>
+                <a:tc>
+                  <a:txBody>
+                    <a:bodyPr/>
+                    <a:lstStyle/>
+                    <a:p>
+                      <a:pPr algn="ctr" fontAlgn="b"/>
+                      <a:r>
+                        <a:rPr lang="en-US" sz="1100" u="none" strike="noStrike">
+                          <a:effectLst/>
+                        </a:rPr>
+                        <a:t>Leaf id</a:t>
+                      </a:r>
+                      <a:endParaRPr lang="en-US" sz="1100" b="1" i="0" u="none" strike="noStrike">
+                        <a:solidFill>
+                          <a:srgbClr val="000000"/>
+                        </a:solidFill>
+                        <a:effectLst/>
+                        <a:latin typeface="Arial" panose="020B0604020202020204" pitchFamily="34" charset="0"/>
+                      </a:endParaRPr>
+                    </a:p>
+                  </a:txBody>
+                  <a:tcPr marL="9123" marR="9123" marT="9123" marB="0" anchor="b"/>
+                </a:tc>
+                <a:tc>
+                  <a:txBody>
+                    <a:bodyPr/>
+                    <a:lstStyle/>
+                    <a:p>
+                      <a:pPr algn="ctr" fontAlgn="b"/>
+                      <a:r>
+                        <a:rPr lang="en-US" sz="1100" u="none" strike="noStrike">
+                          <a:effectLst/>
+                        </a:rPr>
+                        <a:t>F2</a:t>
+                      </a:r>
+                      <a:endParaRPr lang="en-US" sz="1100" b="1" i="0" u="none" strike="noStrike">
+                        <a:solidFill>
+                          <a:srgbClr val="000000"/>
+                        </a:solidFill>
+                        <a:effectLst/>
+                        <a:latin typeface="Arial" panose="020B0604020202020204" pitchFamily="34" charset="0"/>
+                      </a:endParaRPr>
+                    </a:p>
+                  </a:txBody>
+                  <a:tcPr marL="9123" marR="9123" marT="9123" marB="0" anchor="b"/>
+                </a:tc>
+                <a:tc>
+                  <a:txBody>
+                    <a:bodyPr/>
+                    <a:lstStyle/>
+                    <a:p>
+                      <a:pPr algn="ctr" fontAlgn="b"/>
+                      <a:r>
+                        <a:rPr lang="en-US" sz="1100" u="none" strike="noStrike">
+                          <a:effectLst/>
+                        </a:rPr>
+                        <a:t>F2 improvement</a:t>
+                      </a:r>
+                      <a:endParaRPr lang="en-US" sz="1100" b="1" i="0" u="none" strike="noStrike">
+                        <a:solidFill>
+                          <a:srgbClr val="000000"/>
+                        </a:solidFill>
+                        <a:effectLst/>
+                        <a:latin typeface="Arial" panose="020B0604020202020204" pitchFamily="34" charset="0"/>
+                      </a:endParaRPr>
+                    </a:p>
+                  </a:txBody>
+                  <a:tcPr marL="9123" marR="9123" marT="9123" marB="0" anchor="b"/>
+                </a:tc>
+                <a:tc>
+                  <a:txBody>
+                    <a:bodyPr/>
+                    <a:lstStyle/>
+                    <a:p>
+                      <a:pPr algn="ctr" fontAlgn="b"/>
+                      <a:r>
+                        <a:rPr lang="en-US" sz="1100" u="none" strike="noStrike">
+                          <a:effectLst/>
+                        </a:rPr>
+                        <a:t>Precision</a:t>
+                      </a:r>
+                      <a:endParaRPr lang="en-US" sz="1100" b="1" i="0" u="none" strike="noStrike">
+                        <a:solidFill>
+                          <a:srgbClr val="000000"/>
+                        </a:solidFill>
+                        <a:effectLst/>
+                        <a:latin typeface="Arial" panose="020B0604020202020204" pitchFamily="34" charset="0"/>
+                      </a:endParaRPr>
+                    </a:p>
+                  </a:txBody>
+                  <a:tcPr marL="9123" marR="9123" marT="9123" marB="0" anchor="b"/>
+                </a:tc>
+                <a:tc>
+                  <a:txBody>
+                    <a:bodyPr/>
+                    <a:lstStyle/>
+                    <a:p>
+                      <a:pPr algn="ctr" fontAlgn="b"/>
+                      <a:r>
+                        <a:rPr lang="en-US" sz="1100" u="none" strike="noStrike">
+                          <a:effectLst/>
+                        </a:rPr>
+                        <a:t>Recall</a:t>
+                      </a:r>
+                      <a:endParaRPr lang="en-US" sz="1100" b="1" i="0" u="none" strike="noStrike">
+                        <a:solidFill>
+                          <a:srgbClr val="000000"/>
+                        </a:solidFill>
+                        <a:effectLst/>
+                        <a:latin typeface="Arial" panose="020B0604020202020204" pitchFamily="34" charset="0"/>
+                      </a:endParaRPr>
+                    </a:p>
+                  </a:txBody>
+                  <a:tcPr marL="9123" marR="9123" marT="9123" marB="0" anchor="b"/>
+                </a:tc>
+                <a:tc>
+                  <a:txBody>
+                    <a:bodyPr/>
+                    <a:lstStyle/>
+                    <a:p>
+                      <a:pPr algn="ctr" fontAlgn="b"/>
+                      <a:r>
+                        <a:rPr lang="en-US" sz="1100" u="none" strike="noStrike">
+                          <a:effectLst/>
+                        </a:rPr>
+                        <a:t>Size</a:t>
+                      </a:r>
+                      <a:endParaRPr lang="en-US" sz="1100" b="1" i="0" u="none" strike="noStrike">
+                        <a:solidFill>
+                          <a:srgbClr val="000000"/>
+                        </a:solidFill>
+                        <a:effectLst/>
+                        <a:latin typeface="Arial" panose="020B0604020202020204" pitchFamily="34" charset="0"/>
+                      </a:endParaRPr>
+                    </a:p>
+                  </a:txBody>
+                  <a:tcPr marL="9123" marR="9123" marT="9123" marB="0" anchor="b"/>
+                </a:tc>
+                <a:tc>
+                  <a:txBody>
+                    <a:bodyPr/>
+                    <a:lstStyle/>
+                    <a:p>
+                      <a:pPr algn="ctr" fontAlgn="b"/>
+                      <a:r>
+                        <a:rPr lang="en-US" sz="1100" u="none" strike="noStrike">
+                          <a:effectLst/>
+                        </a:rPr>
+                        <a:t>Feature 1 Min</a:t>
+                      </a:r>
+                      <a:endParaRPr lang="en-US" sz="1100" b="1" i="0" u="none" strike="noStrike">
+                        <a:solidFill>
+                          <a:srgbClr val="000000"/>
+                        </a:solidFill>
+                        <a:effectLst/>
+                        <a:latin typeface="Arial" panose="020B0604020202020204" pitchFamily="34" charset="0"/>
+                      </a:endParaRPr>
+                    </a:p>
+                  </a:txBody>
+                  <a:tcPr marL="9123" marR="9123" marT="9123" marB="0" anchor="b"/>
+                </a:tc>
+                <a:tc>
+                  <a:txBody>
+                    <a:bodyPr/>
+                    <a:lstStyle/>
+                    <a:p>
+                      <a:pPr algn="ctr" fontAlgn="b"/>
+                      <a:r>
+                        <a:rPr lang="en-US" sz="1100" u="none" strike="noStrike">
+                          <a:effectLst/>
+                        </a:rPr>
+                        <a:t>Feature 1 Max</a:t>
+                      </a:r>
+                      <a:endParaRPr lang="en-US" sz="1100" b="1" i="0" u="none" strike="noStrike">
+                        <a:solidFill>
+                          <a:srgbClr val="000000"/>
+                        </a:solidFill>
+                        <a:effectLst/>
+                        <a:latin typeface="Arial" panose="020B0604020202020204" pitchFamily="34" charset="0"/>
+                      </a:endParaRPr>
+                    </a:p>
+                  </a:txBody>
+                  <a:tcPr marL="9123" marR="9123" marT="9123" marB="0" anchor="b"/>
+                </a:tc>
+                <a:tc>
+                  <a:txBody>
+                    <a:bodyPr/>
+                    <a:lstStyle/>
+                    <a:p>
+                      <a:pPr algn="ctr" fontAlgn="b"/>
+                      <a:r>
+                        <a:rPr lang="en-US" sz="1100" u="none" strike="noStrike">
+                          <a:effectLst/>
+                        </a:rPr>
+                        <a:t>Feature 2 Min</a:t>
+                      </a:r>
+                      <a:endParaRPr lang="en-US" sz="1100" b="1" i="0" u="none" strike="noStrike">
+                        <a:solidFill>
+                          <a:srgbClr val="000000"/>
+                        </a:solidFill>
+                        <a:effectLst/>
+                        <a:latin typeface="Arial" panose="020B0604020202020204" pitchFamily="34" charset="0"/>
+                      </a:endParaRPr>
+                    </a:p>
+                  </a:txBody>
+                  <a:tcPr marL="9123" marR="9123" marT="9123" marB="0" anchor="b"/>
+                </a:tc>
+                <a:tc>
+                  <a:txBody>
+                    <a:bodyPr/>
+                    <a:lstStyle/>
+                    <a:p>
+                      <a:pPr algn="ctr" fontAlgn="b"/>
+                      <a:r>
+                        <a:rPr lang="en-US" sz="1100" u="none" strike="noStrike">
+                          <a:effectLst/>
+                        </a:rPr>
+                        <a:t>Feature 2 Max</a:t>
+                      </a:r>
+                      <a:endParaRPr lang="en-US" sz="1100" b="1" i="0" u="none" strike="noStrike">
+                        <a:solidFill>
+                          <a:srgbClr val="000000"/>
+                        </a:solidFill>
+                        <a:effectLst/>
+                        <a:latin typeface="Arial" panose="020B0604020202020204" pitchFamily="34" charset="0"/>
+                      </a:endParaRPr>
+                    </a:p>
+                  </a:txBody>
+                  <a:tcPr marL="9123" marR="9123" marT="9123" marB="0" anchor="b"/>
+                </a:tc>
+                <a:extLst>
+                  <a:ext uri="{0D108BD9-81ED-4DB2-BD59-A6C34878D82A}">
+                    <a16:rowId xmlns:a16="http://schemas.microsoft.com/office/drawing/2014/main" val="2716078682"/>
+                  </a:ext>
+                </a:extLst>
+              </a:tr>
+              <a:tr h="173328">
+                <a:tc>
+                  <a:txBody>
+                    <a:bodyPr/>
+                    <a:lstStyle/>
+                    <a:p>
+                      <a:pPr algn="l" fontAlgn="b"/>
+                      <a:r>
+                        <a:rPr lang="en-US" sz="1100" u="none" strike="noStrike">
+                          <a:effectLst/>
+                        </a:rPr>
+                        <a:t>A2_mean-Temp_max</a:t>
+                      </a:r>
+                      <a:endParaRPr lang="en-US" sz="1100" b="0" i="0" u="none" strike="noStrike">
+                        <a:solidFill>
+                          <a:srgbClr val="000000"/>
+                        </a:solidFill>
+                        <a:effectLst/>
+                        <a:latin typeface="Arial" panose="020B0604020202020204" pitchFamily="34" charset="0"/>
+                      </a:endParaRPr>
+                    </a:p>
+                  </a:txBody>
+                  <a:tcPr marL="9123" marR="9123" marT="9123" marB="0" anchor="b"/>
+                </a:tc>
+                <a:tc>
+                  <a:txBody>
+                    <a:bodyPr/>
+                    <a:lstStyle/>
+                    <a:p>
+                      <a:pPr algn="r" fontAlgn="b"/>
+                      <a:r>
+                        <a:rPr lang="he-IL" sz="1100" u="none" strike="noStrike">
+                          <a:effectLst/>
+                        </a:rPr>
+                        <a:t>12</a:t>
+                      </a:r>
+                      <a:endParaRPr lang="he-IL" sz="1100" b="0" i="0" u="none" strike="noStrike">
+                        <a:solidFill>
+                          <a:srgbClr val="000000"/>
+                        </a:solidFill>
+                        <a:effectLst/>
+                        <a:latin typeface="Arial" panose="020B0604020202020204" pitchFamily="34" charset="0"/>
+                      </a:endParaRPr>
+                    </a:p>
+                  </a:txBody>
+                  <a:tcPr marL="9123" marR="9123" marT="9123" marB="0" anchor="b"/>
+                </a:tc>
+                <a:tc>
+                  <a:txBody>
+                    <a:bodyPr/>
+                    <a:lstStyle/>
+                    <a:p>
+                      <a:pPr algn="r" fontAlgn="b"/>
+                      <a:r>
+                        <a:rPr lang="he-IL" sz="1100" u="none" strike="noStrike">
+                          <a:effectLst/>
+                        </a:rPr>
+                        <a:t>0.435139573</a:t>
+                      </a:r>
+                      <a:endParaRPr lang="he-IL" sz="1100" b="0" i="0" u="none" strike="noStrike">
+                        <a:solidFill>
+                          <a:srgbClr val="000000"/>
+                        </a:solidFill>
+                        <a:effectLst/>
+                        <a:latin typeface="Arial" panose="020B0604020202020204" pitchFamily="34" charset="0"/>
+                      </a:endParaRPr>
+                    </a:p>
+                  </a:txBody>
+                  <a:tcPr marL="9123" marR="9123" marT="9123" marB="0" anchor="b"/>
+                </a:tc>
+                <a:tc>
+                  <a:txBody>
+                    <a:bodyPr/>
+                    <a:lstStyle/>
+                    <a:p>
+                      <a:pPr algn="r" fontAlgn="b"/>
+                      <a:r>
+                        <a:rPr lang="he-IL" sz="1100" u="none" strike="noStrike">
+                          <a:effectLst/>
+                        </a:rPr>
+                        <a:t>0.078905549</a:t>
+                      </a:r>
+                      <a:endParaRPr lang="he-IL" sz="1100" b="0" i="0" u="none" strike="noStrike">
+                        <a:solidFill>
+                          <a:srgbClr val="000000"/>
+                        </a:solidFill>
+                        <a:effectLst/>
+                        <a:latin typeface="Arial" panose="020B0604020202020204" pitchFamily="34" charset="0"/>
+                      </a:endParaRPr>
+                    </a:p>
+                  </a:txBody>
+                  <a:tcPr marL="9123" marR="9123" marT="9123" marB="0" anchor="b"/>
+                </a:tc>
+                <a:tc>
+                  <a:txBody>
+                    <a:bodyPr/>
+                    <a:lstStyle/>
+                    <a:p>
+                      <a:pPr algn="r" fontAlgn="b"/>
+                      <a:r>
+                        <a:rPr lang="he-IL" sz="1100" u="none" strike="noStrike">
+                          <a:effectLst/>
+                        </a:rPr>
+                        <a:t>1</a:t>
+                      </a:r>
+                      <a:endParaRPr lang="he-IL" sz="1100" b="0" i="0" u="none" strike="noStrike">
+                        <a:solidFill>
+                          <a:srgbClr val="000000"/>
+                        </a:solidFill>
+                        <a:effectLst/>
+                        <a:latin typeface="Arial" panose="020B0604020202020204" pitchFamily="34" charset="0"/>
+                      </a:endParaRPr>
+                    </a:p>
+                  </a:txBody>
+                  <a:tcPr marL="9123" marR="9123" marT="9123" marB="0" anchor="b"/>
+                </a:tc>
+                <a:tc>
+                  <a:txBody>
+                    <a:bodyPr/>
+                    <a:lstStyle/>
+                    <a:p>
+                      <a:pPr algn="r" fontAlgn="b"/>
+                      <a:r>
+                        <a:rPr lang="he-IL" sz="1100" u="none" strike="noStrike">
+                          <a:effectLst/>
+                        </a:rPr>
+                        <a:t>0.381294964</a:t>
+                      </a:r>
+                      <a:endParaRPr lang="he-IL" sz="1100" b="0" i="0" u="none" strike="noStrike">
+                        <a:solidFill>
+                          <a:srgbClr val="000000"/>
+                        </a:solidFill>
+                        <a:effectLst/>
+                        <a:latin typeface="Arial" panose="020B0604020202020204" pitchFamily="34" charset="0"/>
+                      </a:endParaRPr>
+                    </a:p>
+                  </a:txBody>
+                  <a:tcPr marL="9123" marR="9123" marT="9123" marB="0" anchor="b"/>
+                </a:tc>
+                <a:tc>
+                  <a:txBody>
+                    <a:bodyPr/>
+                    <a:lstStyle/>
+                    <a:p>
+                      <a:pPr algn="r" fontAlgn="b"/>
+                      <a:r>
+                        <a:rPr lang="he-IL" sz="1100" u="none" strike="noStrike">
+                          <a:effectLst/>
+                        </a:rPr>
+                        <a:t>19.57700651</a:t>
+                      </a:r>
+                      <a:endParaRPr lang="he-IL" sz="1100" b="0" i="0" u="none" strike="noStrike">
+                        <a:solidFill>
+                          <a:srgbClr val="000000"/>
+                        </a:solidFill>
+                        <a:effectLst/>
+                        <a:latin typeface="Arial" panose="020B0604020202020204" pitchFamily="34" charset="0"/>
+                      </a:endParaRPr>
+                    </a:p>
+                  </a:txBody>
+                  <a:tcPr marL="9123" marR="9123" marT="9123" marB="0" anchor="b"/>
+                </a:tc>
+                <a:tc>
+                  <a:txBody>
+                    <a:bodyPr/>
+                    <a:lstStyle/>
+                    <a:p>
+                      <a:pPr algn="r" fontAlgn="b"/>
+                      <a:r>
+                        <a:rPr lang="he-IL" sz="1100" u="none" strike="noStrike">
+                          <a:effectLst/>
+                        </a:rPr>
+                        <a:t>-0.936725825</a:t>
+                      </a:r>
+                      <a:endParaRPr lang="he-IL" sz="1100" b="0" i="0" u="none" strike="noStrike">
+                        <a:solidFill>
+                          <a:srgbClr val="000000"/>
+                        </a:solidFill>
+                        <a:effectLst/>
+                        <a:latin typeface="Arial" panose="020B0604020202020204" pitchFamily="34" charset="0"/>
+                      </a:endParaRPr>
+                    </a:p>
+                  </a:txBody>
+                  <a:tcPr marL="9123" marR="9123" marT="9123" marB="0" anchor="b"/>
+                </a:tc>
+                <a:tc>
+                  <a:txBody>
+                    <a:bodyPr/>
+                    <a:lstStyle/>
+                    <a:p>
+                      <a:pPr algn="r" fontAlgn="b"/>
+                      <a:r>
+                        <a:rPr lang="he-IL" sz="1100" u="none" strike="noStrike">
+                          <a:effectLst/>
+                        </a:rPr>
+                        <a:t>0.206062786</a:t>
+                      </a:r>
+                      <a:endParaRPr lang="he-IL" sz="1100" b="0" i="0" u="none" strike="noStrike">
+                        <a:solidFill>
+                          <a:srgbClr val="000000"/>
+                        </a:solidFill>
+                        <a:effectLst/>
+                        <a:latin typeface="Arial" panose="020B0604020202020204" pitchFamily="34" charset="0"/>
+                      </a:endParaRPr>
+                    </a:p>
+                  </a:txBody>
+                  <a:tcPr marL="9123" marR="9123" marT="9123" marB="0" anchor="b"/>
+                </a:tc>
+                <a:tc>
+                  <a:txBody>
+                    <a:bodyPr/>
+                    <a:lstStyle/>
+                    <a:p>
+                      <a:pPr algn="r" fontAlgn="b"/>
+                      <a:r>
+                        <a:rPr lang="he-IL" sz="1100" u="none" strike="noStrike">
+                          <a:effectLst/>
+                        </a:rPr>
+                        <a:t>-1.507191718</a:t>
+                      </a:r>
+                      <a:endParaRPr lang="he-IL" sz="1100" b="0" i="0" u="none" strike="noStrike">
+                        <a:solidFill>
+                          <a:srgbClr val="000000"/>
+                        </a:solidFill>
+                        <a:effectLst/>
+                        <a:latin typeface="Arial" panose="020B0604020202020204" pitchFamily="34" charset="0"/>
+                      </a:endParaRPr>
+                    </a:p>
+                  </a:txBody>
+                  <a:tcPr marL="9123" marR="9123" marT="9123" marB="0" anchor="b"/>
+                </a:tc>
+                <a:tc>
+                  <a:txBody>
+                    <a:bodyPr/>
+                    <a:lstStyle/>
+                    <a:p>
+                      <a:pPr algn="r" fontAlgn="b"/>
+                      <a:r>
+                        <a:rPr lang="he-IL" sz="1100" u="none" strike="noStrike">
+                          <a:effectLst/>
+                        </a:rPr>
+                        <a:t>-1.051625073</a:t>
+                      </a:r>
+                      <a:endParaRPr lang="he-IL" sz="1100" b="0" i="0" u="none" strike="noStrike">
+                        <a:solidFill>
+                          <a:srgbClr val="000000"/>
+                        </a:solidFill>
+                        <a:effectLst/>
+                        <a:latin typeface="Arial" panose="020B0604020202020204" pitchFamily="34" charset="0"/>
+                      </a:endParaRPr>
+                    </a:p>
+                  </a:txBody>
+                  <a:tcPr marL="9123" marR="9123" marT="9123" marB="0" anchor="b"/>
+                </a:tc>
+                <a:extLst>
+                  <a:ext uri="{0D108BD9-81ED-4DB2-BD59-A6C34878D82A}">
+                    <a16:rowId xmlns:a16="http://schemas.microsoft.com/office/drawing/2014/main" val="2343684883"/>
+                  </a:ext>
+                </a:extLst>
+              </a:tr>
+              <a:tr h="173328">
+                <a:tc>
+                  <a:txBody>
+                    <a:bodyPr/>
+                    <a:lstStyle/>
+                    <a:p>
+                      <a:pPr algn="l" fontAlgn="b"/>
+                      <a:r>
+                        <a:rPr lang="en-US" sz="1100" u="none" strike="noStrike">
+                          <a:effectLst/>
+                        </a:rPr>
+                        <a:t>A1_mean-Cur_mean</a:t>
+                      </a:r>
+                      <a:endParaRPr lang="en-US" sz="1100" b="0" i="0" u="none" strike="noStrike">
+                        <a:solidFill>
+                          <a:srgbClr val="000000"/>
+                        </a:solidFill>
+                        <a:effectLst/>
+                        <a:latin typeface="Arial" panose="020B0604020202020204" pitchFamily="34" charset="0"/>
+                      </a:endParaRPr>
+                    </a:p>
+                  </a:txBody>
+                  <a:tcPr marL="9123" marR="9123" marT="9123" marB="0" anchor="b"/>
+                </a:tc>
+                <a:tc>
+                  <a:txBody>
+                    <a:bodyPr/>
+                    <a:lstStyle/>
+                    <a:p>
+                      <a:pPr algn="r" fontAlgn="b"/>
+                      <a:r>
+                        <a:rPr lang="he-IL" sz="1100" u="none" strike="noStrike">
+                          <a:effectLst/>
+                        </a:rPr>
+                        <a:t>10</a:t>
+                      </a:r>
+                      <a:endParaRPr lang="he-IL" sz="1100" b="0" i="0" u="none" strike="noStrike">
+                        <a:solidFill>
+                          <a:srgbClr val="000000"/>
+                        </a:solidFill>
+                        <a:effectLst/>
+                        <a:latin typeface="Arial" panose="020B0604020202020204" pitchFamily="34" charset="0"/>
+                      </a:endParaRPr>
+                    </a:p>
+                  </a:txBody>
+                  <a:tcPr marL="9123" marR="9123" marT="9123" marB="0" anchor="b"/>
+                </a:tc>
+                <a:tc>
+                  <a:txBody>
+                    <a:bodyPr/>
+                    <a:lstStyle/>
+                    <a:p>
+                      <a:pPr algn="r" fontAlgn="b"/>
+                      <a:r>
+                        <a:rPr lang="he-IL" sz="1100" u="none" strike="noStrike">
+                          <a:effectLst/>
+                        </a:rPr>
+                        <a:t>0.49689441</a:t>
+                      </a:r>
+                      <a:endParaRPr lang="he-IL" sz="1100" b="0" i="0" u="none" strike="noStrike">
+                        <a:solidFill>
+                          <a:srgbClr val="000000"/>
+                        </a:solidFill>
+                        <a:effectLst/>
+                        <a:latin typeface="Arial" panose="020B0604020202020204" pitchFamily="34" charset="0"/>
+                      </a:endParaRPr>
+                    </a:p>
+                  </a:txBody>
+                  <a:tcPr marL="9123" marR="9123" marT="9123" marB="0" anchor="b"/>
+                </a:tc>
+                <a:tc>
+                  <a:txBody>
+                    <a:bodyPr/>
+                    <a:lstStyle/>
+                    <a:p>
+                      <a:pPr algn="r" fontAlgn="b"/>
+                      <a:r>
+                        <a:rPr lang="he-IL" sz="1100" u="none" strike="noStrike">
+                          <a:effectLst/>
+                        </a:rPr>
+                        <a:t>0.072045884</a:t>
+                      </a:r>
+                      <a:endParaRPr lang="he-IL" sz="1100" b="0" i="0" u="none" strike="noStrike">
+                        <a:solidFill>
+                          <a:srgbClr val="000000"/>
+                        </a:solidFill>
+                        <a:effectLst/>
+                        <a:latin typeface="Arial" panose="020B0604020202020204" pitchFamily="34" charset="0"/>
+                      </a:endParaRPr>
+                    </a:p>
+                  </a:txBody>
+                  <a:tcPr marL="9123" marR="9123" marT="9123" marB="0" anchor="b"/>
+                </a:tc>
+                <a:tc>
+                  <a:txBody>
+                    <a:bodyPr/>
+                    <a:lstStyle/>
+                    <a:p>
+                      <a:pPr algn="r" fontAlgn="b"/>
+                      <a:r>
+                        <a:rPr lang="he-IL" sz="1100" u="none" strike="noStrike">
+                          <a:effectLst/>
+                        </a:rPr>
+                        <a:t>1</a:t>
+                      </a:r>
+                      <a:endParaRPr lang="he-IL" sz="1100" b="0" i="0" u="none" strike="noStrike">
+                        <a:solidFill>
+                          <a:srgbClr val="000000"/>
+                        </a:solidFill>
+                        <a:effectLst/>
+                        <a:latin typeface="Arial" panose="020B0604020202020204" pitchFamily="34" charset="0"/>
+                      </a:endParaRPr>
+                    </a:p>
+                  </a:txBody>
+                  <a:tcPr marL="9123" marR="9123" marT="9123" marB="0" anchor="b"/>
+                </a:tc>
+                <a:tc>
+                  <a:txBody>
+                    <a:bodyPr/>
+                    <a:lstStyle/>
+                    <a:p>
+                      <a:pPr algn="r" fontAlgn="b"/>
+                      <a:r>
+                        <a:rPr lang="he-IL" sz="1100" u="none" strike="noStrike">
+                          <a:effectLst/>
+                        </a:rPr>
+                        <a:t>0.44137931</a:t>
+                      </a:r>
+                      <a:endParaRPr lang="he-IL" sz="1100" b="0" i="0" u="none" strike="noStrike">
+                        <a:solidFill>
+                          <a:srgbClr val="000000"/>
+                        </a:solidFill>
+                        <a:effectLst/>
+                        <a:latin typeface="Arial" panose="020B0604020202020204" pitchFamily="34" charset="0"/>
+                      </a:endParaRPr>
+                    </a:p>
+                  </a:txBody>
+                  <a:tcPr marL="9123" marR="9123" marT="9123" marB="0" anchor="b"/>
+                </a:tc>
+                <a:tc>
+                  <a:txBody>
+                    <a:bodyPr/>
+                    <a:lstStyle/>
+                    <a:p>
+                      <a:pPr algn="r" fontAlgn="b"/>
+                      <a:r>
+                        <a:rPr lang="he-IL" sz="1100" u="none" strike="noStrike">
+                          <a:effectLst/>
+                        </a:rPr>
+                        <a:t>17.02819957</a:t>
+                      </a:r>
+                      <a:endParaRPr lang="he-IL" sz="1100" b="0" i="0" u="none" strike="noStrike">
+                        <a:solidFill>
+                          <a:srgbClr val="000000"/>
+                        </a:solidFill>
+                        <a:effectLst/>
+                        <a:latin typeface="Arial" panose="020B0604020202020204" pitchFamily="34" charset="0"/>
+                      </a:endParaRPr>
+                    </a:p>
+                  </a:txBody>
+                  <a:tcPr marL="9123" marR="9123" marT="9123" marB="0" anchor="b"/>
+                </a:tc>
+                <a:tc>
+                  <a:txBody>
+                    <a:bodyPr/>
+                    <a:lstStyle/>
+                    <a:p>
+                      <a:pPr algn="r" fontAlgn="b"/>
+                      <a:r>
+                        <a:rPr lang="he-IL" sz="1100" u="none" strike="noStrike">
+                          <a:effectLst/>
+                        </a:rPr>
+                        <a:t>0.580596834</a:t>
+                      </a:r>
+                      <a:endParaRPr lang="he-IL" sz="1100" b="0" i="0" u="none" strike="noStrike">
+                        <a:solidFill>
+                          <a:srgbClr val="000000"/>
+                        </a:solidFill>
+                        <a:effectLst/>
+                        <a:latin typeface="Arial" panose="020B0604020202020204" pitchFamily="34" charset="0"/>
+                      </a:endParaRPr>
+                    </a:p>
+                  </a:txBody>
+                  <a:tcPr marL="9123" marR="9123" marT="9123" marB="0" anchor="b"/>
+                </a:tc>
+                <a:tc>
+                  <a:txBody>
+                    <a:bodyPr/>
+                    <a:lstStyle/>
+                    <a:p>
+                      <a:pPr algn="r" fontAlgn="b"/>
+                      <a:r>
+                        <a:rPr lang="he-IL" sz="1100" u="none" strike="noStrike">
+                          <a:effectLst/>
+                        </a:rPr>
+                        <a:t>0.942281395</a:t>
+                      </a:r>
+                      <a:endParaRPr lang="he-IL" sz="1100" b="0" i="0" u="none" strike="noStrike">
+                        <a:solidFill>
+                          <a:srgbClr val="000000"/>
+                        </a:solidFill>
+                        <a:effectLst/>
+                        <a:latin typeface="Arial" panose="020B0604020202020204" pitchFamily="34" charset="0"/>
+                      </a:endParaRPr>
+                    </a:p>
+                  </a:txBody>
+                  <a:tcPr marL="9123" marR="9123" marT="9123" marB="0" anchor="b"/>
+                </a:tc>
+                <a:tc>
+                  <a:txBody>
+                    <a:bodyPr/>
+                    <a:lstStyle/>
+                    <a:p>
+                      <a:pPr algn="r" fontAlgn="b"/>
+                      <a:r>
+                        <a:rPr lang="he-IL" sz="1100" u="none" strike="noStrike">
+                          <a:effectLst/>
+                        </a:rPr>
+                        <a:t>-0.188461393</a:t>
+                      </a:r>
+                      <a:endParaRPr lang="he-IL" sz="1100" b="0" i="0" u="none" strike="noStrike">
+                        <a:solidFill>
+                          <a:srgbClr val="000000"/>
+                        </a:solidFill>
+                        <a:effectLst/>
+                        <a:latin typeface="Arial" panose="020B0604020202020204" pitchFamily="34" charset="0"/>
+                      </a:endParaRPr>
+                    </a:p>
+                  </a:txBody>
+                  <a:tcPr marL="9123" marR="9123" marT="9123" marB="0" anchor="b"/>
+                </a:tc>
+                <a:tc>
+                  <a:txBody>
+                    <a:bodyPr/>
+                    <a:lstStyle/>
+                    <a:p>
+                      <a:pPr algn="r" fontAlgn="b"/>
+                      <a:r>
+                        <a:rPr lang="he-IL" sz="1100" u="none" strike="noStrike">
+                          <a:effectLst/>
+                        </a:rPr>
+                        <a:t>-0.022254567</a:t>
+                      </a:r>
+                      <a:endParaRPr lang="he-IL" sz="1100" b="0" i="0" u="none" strike="noStrike">
+                        <a:solidFill>
+                          <a:srgbClr val="000000"/>
+                        </a:solidFill>
+                        <a:effectLst/>
+                        <a:latin typeface="Arial" panose="020B0604020202020204" pitchFamily="34" charset="0"/>
+                      </a:endParaRPr>
+                    </a:p>
+                  </a:txBody>
+                  <a:tcPr marL="9123" marR="9123" marT="9123" marB="0" anchor="b"/>
+                </a:tc>
+                <a:extLst>
+                  <a:ext uri="{0D108BD9-81ED-4DB2-BD59-A6C34878D82A}">
+                    <a16:rowId xmlns:a16="http://schemas.microsoft.com/office/drawing/2014/main" val="2421485121"/>
+                  </a:ext>
+                </a:extLst>
+              </a:tr>
+              <a:tr h="173328">
+                <a:tc>
+                  <a:txBody>
+                    <a:bodyPr/>
+                    <a:lstStyle/>
+                    <a:p>
+                      <a:pPr algn="l" fontAlgn="b"/>
+                      <a:r>
+                        <a:rPr lang="en-US" sz="1100" u="none" strike="noStrike">
+                          <a:effectLst/>
+                        </a:rPr>
+                        <a:t>A1_max-Cur_mean</a:t>
+                      </a:r>
+                      <a:endParaRPr lang="en-US" sz="1100" b="0" i="0" u="none" strike="noStrike">
+                        <a:solidFill>
+                          <a:srgbClr val="000000"/>
+                        </a:solidFill>
+                        <a:effectLst/>
+                        <a:latin typeface="Arial" panose="020B0604020202020204" pitchFamily="34" charset="0"/>
+                      </a:endParaRPr>
+                    </a:p>
+                  </a:txBody>
+                  <a:tcPr marL="9123" marR="9123" marT="9123" marB="0" anchor="b"/>
+                </a:tc>
+                <a:tc>
+                  <a:txBody>
+                    <a:bodyPr/>
+                    <a:lstStyle/>
+                    <a:p>
+                      <a:pPr algn="r" fontAlgn="b"/>
+                      <a:r>
+                        <a:rPr lang="he-IL" sz="1100" u="none" strike="noStrike">
+                          <a:effectLst/>
+                        </a:rPr>
+                        <a:t>9</a:t>
+                      </a:r>
+                      <a:endParaRPr lang="he-IL" sz="1100" b="0" i="0" u="none" strike="noStrike">
+                        <a:solidFill>
+                          <a:srgbClr val="000000"/>
+                        </a:solidFill>
+                        <a:effectLst/>
+                        <a:latin typeface="Arial" panose="020B0604020202020204" pitchFamily="34" charset="0"/>
+                      </a:endParaRPr>
+                    </a:p>
+                  </a:txBody>
+                  <a:tcPr marL="9123" marR="9123" marT="9123" marB="0" anchor="b"/>
+                </a:tc>
+                <a:tc>
+                  <a:txBody>
+                    <a:bodyPr/>
+                    <a:lstStyle/>
+                    <a:p>
+                      <a:pPr algn="r" fontAlgn="b"/>
+                      <a:r>
+                        <a:rPr lang="he-IL" sz="1100" u="none" strike="noStrike">
+                          <a:effectLst/>
+                        </a:rPr>
+                        <a:t>0.421245421</a:t>
+                      </a:r>
+                      <a:endParaRPr lang="he-IL" sz="1100" b="0" i="0" u="none" strike="noStrike">
+                        <a:solidFill>
+                          <a:srgbClr val="000000"/>
+                        </a:solidFill>
+                        <a:effectLst/>
+                        <a:latin typeface="Arial" panose="020B0604020202020204" pitchFamily="34" charset="0"/>
+                      </a:endParaRPr>
+                    </a:p>
+                  </a:txBody>
+                  <a:tcPr marL="9123" marR="9123" marT="9123" marB="0" anchor="b"/>
+                </a:tc>
+                <a:tc>
+                  <a:txBody>
+                    <a:bodyPr/>
+                    <a:lstStyle/>
+                    <a:p>
+                      <a:pPr algn="r" fontAlgn="b"/>
+                      <a:r>
+                        <a:rPr lang="he-IL" sz="1100" u="none" strike="noStrike">
+                          <a:effectLst/>
+                        </a:rPr>
+                        <a:t>0.071682102</a:t>
+                      </a:r>
+                      <a:endParaRPr lang="he-IL" sz="1100" b="0" i="0" u="none" strike="noStrike">
+                        <a:solidFill>
+                          <a:srgbClr val="000000"/>
+                        </a:solidFill>
+                        <a:effectLst/>
+                        <a:latin typeface="Arial" panose="020B0604020202020204" pitchFamily="34" charset="0"/>
+                      </a:endParaRPr>
+                    </a:p>
+                  </a:txBody>
+                  <a:tcPr marL="9123" marR="9123" marT="9123" marB="0" anchor="b"/>
+                </a:tc>
+                <a:tc>
+                  <a:txBody>
+                    <a:bodyPr/>
+                    <a:lstStyle/>
+                    <a:p>
+                      <a:pPr algn="r" fontAlgn="b"/>
+                      <a:r>
+                        <a:rPr lang="he-IL" sz="1100" u="none" strike="noStrike">
+                          <a:effectLst/>
+                        </a:rPr>
+                        <a:t>1</a:t>
+                      </a:r>
+                      <a:endParaRPr lang="he-IL" sz="1100" b="0" i="0" u="none" strike="noStrike">
+                        <a:solidFill>
+                          <a:srgbClr val="000000"/>
+                        </a:solidFill>
+                        <a:effectLst/>
+                        <a:latin typeface="Arial" panose="020B0604020202020204" pitchFamily="34" charset="0"/>
+                      </a:endParaRPr>
+                    </a:p>
+                  </a:txBody>
+                  <a:tcPr marL="9123" marR="9123" marT="9123" marB="0" anchor="b"/>
+                </a:tc>
+                <a:tc>
+                  <a:txBody>
+                    <a:bodyPr/>
+                    <a:lstStyle/>
+                    <a:p>
+                      <a:pPr algn="r" fontAlgn="b"/>
+                      <a:r>
+                        <a:rPr lang="he-IL" sz="1100" u="none" strike="noStrike">
+                          <a:effectLst/>
+                        </a:rPr>
+                        <a:t>0.368</a:t>
+                      </a:r>
+                      <a:endParaRPr lang="he-IL" sz="1100" b="0" i="0" u="none" strike="noStrike">
+                        <a:solidFill>
+                          <a:srgbClr val="000000"/>
+                        </a:solidFill>
+                        <a:effectLst/>
+                        <a:latin typeface="Arial" panose="020B0604020202020204" pitchFamily="34" charset="0"/>
+                      </a:endParaRPr>
+                    </a:p>
+                  </a:txBody>
+                  <a:tcPr marL="9123" marR="9123" marT="9123" marB="0" anchor="b"/>
+                </a:tc>
+                <a:tc>
+                  <a:txBody>
+                    <a:bodyPr/>
+                    <a:lstStyle/>
+                    <a:p>
+                      <a:pPr algn="r" fontAlgn="b"/>
+                      <a:r>
+                        <a:rPr lang="he-IL" sz="1100" u="none" strike="noStrike">
+                          <a:effectLst/>
+                        </a:rPr>
+                        <a:t>17.13665944</a:t>
+                      </a:r>
+                      <a:endParaRPr lang="he-IL" sz="1100" b="0" i="0" u="none" strike="noStrike">
+                        <a:solidFill>
+                          <a:srgbClr val="000000"/>
+                        </a:solidFill>
+                        <a:effectLst/>
+                        <a:latin typeface="Arial" panose="020B0604020202020204" pitchFamily="34" charset="0"/>
+                      </a:endParaRPr>
+                    </a:p>
+                  </a:txBody>
+                  <a:tcPr marL="9123" marR="9123" marT="9123" marB="0" anchor="b"/>
+                </a:tc>
+                <a:tc>
+                  <a:txBody>
+                    <a:bodyPr/>
+                    <a:lstStyle/>
+                    <a:p>
+                      <a:pPr algn="r" fontAlgn="b"/>
+                      <a:r>
+                        <a:rPr lang="he-IL" sz="1100" u="none" strike="noStrike">
+                          <a:effectLst/>
+                        </a:rPr>
+                        <a:t>0.693404496</a:t>
+                      </a:r>
+                      <a:endParaRPr lang="he-IL" sz="1100" b="0" i="0" u="none" strike="noStrike">
+                        <a:solidFill>
+                          <a:srgbClr val="000000"/>
+                        </a:solidFill>
+                        <a:effectLst/>
+                        <a:latin typeface="Arial" panose="020B0604020202020204" pitchFamily="34" charset="0"/>
+                      </a:endParaRPr>
+                    </a:p>
+                  </a:txBody>
+                  <a:tcPr marL="9123" marR="9123" marT="9123" marB="0" anchor="b"/>
+                </a:tc>
+                <a:tc>
+                  <a:txBody>
+                    <a:bodyPr/>
+                    <a:lstStyle/>
+                    <a:p>
+                      <a:pPr algn="r" fontAlgn="b"/>
+                      <a:r>
+                        <a:rPr lang="he-IL" sz="1100" u="none" strike="noStrike">
+                          <a:effectLst/>
+                        </a:rPr>
+                        <a:t>0.895799369</a:t>
+                      </a:r>
+                      <a:endParaRPr lang="he-IL" sz="1100" b="0" i="0" u="none" strike="noStrike">
+                        <a:solidFill>
+                          <a:srgbClr val="000000"/>
+                        </a:solidFill>
+                        <a:effectLst/>
+                        <a:latin typeface="Arial" panose="020B0604020202020204" pitchFamily="34" charset="0"/>
+                      </a:endParaRPr>
+                    </a:p>
+                  </a:txBody>
+                  <a:tcPr marL="9123" marR="9123" marT="9123" marB="0" anchor="b"/>
+                </a:tc>
+                <a:tc>
+                  <a:txBody>
+                    <a:bodyPr/>
+                    <a:lstStyle/>
+                    <a:p>
+                      <a:pPr algn="r" fontAlgn="b"/>
+                      <a:r>
+                        <a:rPr lang="he-IL" sz="1100" u="none" strike="noStrike">
+                          <a:effectLst/>
+                        </a:rPr>
+                        <a:t>-1000</a:t>
+                      </a:r>
+                      <a:endParaRPr lang="he-IL" sz="1100" b="0" i="0" u="none" strike="noStrike">
+                        <a:solidFill>
+                          <a:srgbClr val="000000"/>
+                        </a:solidFill>
+                        <a:effectLst/>
+                        <a:latin typeface="Arial" panose="020B0604020202020204" pitchFamily="34" charset="0"/>
+                      </a:endParaRPr>
+                    </a:p>
+                  </a:txBody>
+                  <a:tcPr marL="9123" marR="9123" marT="9123" marB="0" anchor="b"/>
+                </a:tc>
+                <a:tc>
+                  <a:txBody>
+                    <a:bodyPr/>
+                    <a:lstStyle/>
+                    <a:p>
+                      <a:pPr algn="r" fontAlgn="b"/>
+                      <a:r>
+                        <a:rPr lang="he-IL" sz="1100" u="none" strike="noStrike" dirty="0">
+                          <a:effectLst/>
+                        </a:rPr>
+                        <a:t>-0.022254567</a:t>
+                      </a:r>
+                      <a:endParaRPr lang="he-IL" sz="1100" b="0" i="0" u="none" strike="noStrike" dirty="0">
+                        <a:solidFill>
+                          <a:srgbClr val="000000"/>
+                        </a:solidFill>
+                        <a:effectLst/>
+                        <a:latin typeface="Arial" panose="020B0604020202020204" pitchFamily="34" charset="0"/>
+                      </a:endParaRPr>
+                    </a:p>
+                  </a:txBody>
+                  <a:tcPr marL="9123" marR="9123" marT="9123" marB="0" anchor="b"/>
+                </a:tc>
+                <a:extLst>
+                  <a:ext uri="{0D108BD9-81ED-4DB2-BD59-A6C34878D82A}">
+                    <a16:rowId xmlns:a16="http://schemas.microsoft.com/office/drawing/2014/main" val="2714174987"/>
+                  </a:ext>
+                </a:extLst>
+              </a:tr>
+            </a:tbl>
+          </a:graphicData>
+        </a:graphic>
+      </p:graphicFrame>
+    </p:spTree>
+    <p:extLst>
+      <p:ext uri="{BB962C8B-B14F-4D97-AF65-F5344CB8AC3E}">
+        <p14:creationId xmlns:p14="http://schemas.microsoft.com/office/powerpoint/2010/main" val="3607805036"/>
+      </p:ext>
+    </p:extLst>
+  </p:cSld>
+  <p:clrMapOvr>
+    <a:masterClrMapping/>
+  </p:clrMapOvr>
+</p:sld>
+</file>
+
+<file path=ppt/slides/slide27.xml><?xml version="1.0" encoding="utf-8"?>
+<p:sld xmlns:a="http://schemas.openxmlformats.org/drawingml/2006/main" xmlns:r="http://schemas.openxmlformats.org/officeDocument/2006/relationships" xmlns:p="http://schemas.openxmlformats.org/presentationml/2006/main">
+  <p:cSld>
+    <p:spTree>
+      <p:nvGrpSpPr>
+        <p:cNvPr id="1" name="">
+          <a:extLst>
+            <a:ext uri="{FF2B5EF4-FFF2-40B4-BE49-F238E27FC236}">
+              <a16:creationId xmlns:a16="http://schemas.microsoft.com/office/drawing/2014/main" id="{86787F47-B9BA-6178-2A04-B3E9C200A692}"/>
+            </a:ext>
+          </a:extLst>
+        </p:cNvPr>
+        <p:cNvGrpSpPr/>
+        <p:nvPr/>
+      </p:nvGrpSpPr>
+      <p:grpSpPr>
+        <a:xfrm>
+          <a:off x="0" y="0"/>
+          <a:ext cx="0" cy="0"/>
+          <a:chOff x="0" y="0"/>
+          <a:chExt cx="0" cy="0"/>
+        </a:xfrm>
+      </p:grpSpPr>
+      <p:sp>
+        <p:nvSpPr>
+          <p:cNvPr id="4" name="Title 3">
+            <a:extLst>
+              <a:ext uri="{FF2B5EF4-FFF2-40B4-BE49-F238E27FC236}">
+                <a16:creationId xmlns:a16="http://schemas.microsoft.com/office/drawing/2014/main" id="{DB6CB866-8F51-B628-ED77-C525DF473B09}"/>
+              </a:ext>
+            </a:extLst>
+          </p:cNvPr>
+          <p:cNvSpPr>
+            <a:spLocks noGrp="1"/>
+          </p:cNvSpPr>
+          <p:nvPr>
+            <p:ph type="title"/>
+          </p:nvPr>
+        </p:nvSpPr>
+        <p:spPr/>
+        <p:txBody>
+          <a:bodyPr/>
+          <a:lstStyle/>
+          <a:p>
+            <a:pPr rtl="0"/>
+            <a:r>
+              <a:rPr lang="en-US" dirty="0" err="1"/>
+              <a:t>ConvAE</a:t>
+            </a:r>
+            <a:r>
+              <a:rPr lang="en-US" dirty="0"/>
+              <a:t> model</a:t>
+            </a:r>
+            <a:br>
+              <a:rPr lang="en-US" dirty="0"/>
+            </a:br>
+            <a:r>
+              <a:rPr lang="en-US" dirty="0"/>
+              <a:t>Top under-performing single features</a:t>
+            </a:r>
+            <a:endParaRPr lang="he-IL" dirty="0"/>
+          </a:p>
+        </p:txBody>
+      </p:sp>
+      <p:sp>
+        <p:nvSpPr>
+          <p:cNvPr id="2" name="Content Placeholder 4">
+            <a:extLst>
+              <a:ext uri="{FF2B5EF4-FFF2-40B4-BE49-F238E27FC236}">
+                <a16:creationId xmlns:a16="http://schemas.microsoft.com/office/drawing/2014/main" id="{C3A06EEA-0545-8C42-8831-FA5D3583E115}"/>
+              </a:ext>
+            </a:extLst>
+          </p:cNvPr>
+          <p:cNvSpPr>
+            <a:spLocks noGrp="1"/>
+          </p:cNvSpPr>
+          <p:nvPr>
+            <p:ph sz="quarter" idx="13"/>
+          </p:nvPr>
+        </p:nvSpPr>
+        <p:spPr>
+          <a:xfrm>
+            <a:off x="913774" y="2367092"/>
+            <a:ext cx="10363826" cy="3424107"/>
+          </a:xfrm>
+        </p:spPr>
+        <p:txBody>
+          <a:bodyPr>
+            <a:normAutofit/>
+          </a:bodyPr>
+          <a:lstStyle/>
+          <a:p>
+            <a:pPr marL="0" indent="0" algn="l" rtl="0">
+              <a:buNone/>
+            </a:pPr>
+            <a:r>
+              <a:rPr lang="en-US" sz="2800" dirty="0"/>
+              <a:t>By accuracy:</a:t>
+            </a:r>
+          </a:p>
+          <a:p>
+            <a:pPr marL="0" indent="0" algn="l" rtl="0">
+              <a:buNone/>
+            </a:pPr>
+            <a:endParaRPr lang="en-US" sz="2800" dirty="0"/>
+          </a:p>
+          <a:p>
+            <a:pPr marL="0" indent="0" algn="l" rtl="0">
+              <a:buNone/>
+            </a:pPr>
+            <a:r>
+              <a:rPr lang="en-US" sz="2800" dirty="0"/>
+              <a:t>By F2:</a:t>
+            </a:r>
+            <a:endParaRPr lang="he-IL" sz="2800" dirty="0"/>
+          </a:p>
+        </p:txBody>
+      </p:sp>
+      <p:graphicFrame>
+        <p:nvGraphicFramePr>
+          <p:cNvPr id="3" name="Table 2">
+            <a:extLst>
+              <a:ext uri="{FF2B5EF4-FFF2-40B4-BE49-F238E27FC236}">
+                <a16:creationId xmlns:a16="http://schemas.microsoft.com/office/drawing/2014/main" id="{041322D6-710E-4623-F341-658CB8BC8017}"/>
+              </a:ext>
+            </a:extLst>
+          </p:cNvPr>
+          <p:cNvGraphicFramePr>
+            <a:graphicFrameLocks noGrp="1"/>
+          </p:cNvGraphicFramePr>
+          <p:nvPr>
+            <p:extLst>
+              <p:ext uri="{D42A27DB-BD31-4B8C-83A1-F6EECF244321}">
+                <p14:modId xmlns:p14="http://schemas.microsoft.com/office/powerpoint/2010/main" val="3699848850"/>
+              </p:ext>
+            </p:extLst>
+          </p:nvPr>
+        </p:nvGraphicFramePr>
+        <p:xfrm>
+          <a:off x="1733236" y="2881945"/>
+          <a:ext cx="8724902" cy="733425"/>
+        </p:xfrm>
+        <a:graphic>
+          <a:graphicData uri="http://schemas.openxmlformats.org/drawingml/2006/table">
+            <a:tbl>
+              <a:tblPr>
+                <a:tableStyleId>{5C22544A-7EE6-4342-B048-85BDC9FD1C3A}</a:tableStyleId>
+              </a:tblPr>
+              <a:tblGrid>
+                <a:gridCol w="1521232">
+                  <a:extLst>
+                    <a:ext uri="{9D8B030D-6E8A-4147-A177-3AD203B41FA5}">
+                      <a16:colId xmlns:a16="http://schemas.microsoft.com/office/drawing/2014/main" val="3968182816"/>
+                    </a:ext>
+                  </a:extLst>
+                </a:gridCol>
+                <a:gridCol w="522924">
+                  <a:extLst>
+                    <a:ext uri="{9D8B030D-6E8A-4147-A177-3AD203B41FA5}">
+                      <a16:colId xmlns:a16="http://schemas.microsoft.com/office/drawing/2014/main" val="261158899"/>
+                    </a:ext>
+                  </a:extLst>
+                </a:gridCol>
+                <a:gridCol w="903232">
+                  <a:extLst>
+                    <a:ext uri="{9D8B030D-6E8A-4147-A177-3AD203B41FA5}">
+                      <a16:colId xmlns:a16="http://schemas.microsoft.com/office/drawing/2014/main" val="1764438153"/>
+                    </a:ext>
+                  </a:extLst>
+                </a:gridCol>
+                <a:gridCol w="1166278">
+                  <a:extLst>
+                    <a:ext uri="{9D8B030D-6E8A-4147-A177-3AD203B41FA5}">
+                      <a16:colId xmlns:a16="http://schemas.microsoft.com/office/drawing/2014/main" val="2958485378"/>
+                    </a:ext>
+                  </a:extLst>
+                </a:gridCol>
+                <a:gridCol w="903232">
+                  <a:extLst>
+                    <a:ext uri="{9D8B030D-6E8A-4147-A177-3AD203B41FA5}">
+                      <a16:colId xmlns:a16="http://schemas.microsoft.com/office/drawing/2014/main" val="240189524"/>
+                    </a:ext>
+                  </a:extLst>
+                </a:gridCol>
+                <a:gridCol w="903232">
+                  <a:extLst>
+                    <a:ext uri="{9D8B030D-6E8A-4147-A177-3AD203B41FA5}">
+                      <a16:colId xmlns:a16="http://schemas.microsoft.com/office/drawing/2014/main" val="1756067679"/>
+                    </a:ext>
+                  </a:extLst>
+                </a:gridCol>
+                <a:gridCol w="903232">
+                  <a:extLst>
+                    <a:ext uri="{9D8B030D-6E8A-4147-A177-3AD203B41FA5}">
+                      <a16:colId xmlns:a16="http://schemas.microsoft.com/office/drawing/2014/main" val="2426948944"/>
+                    </a:ext>
+                  </a:extLst>
+                </a:gridCol>
+                <a:gridCol w="950770">
+                  <a:extLst>
+                    <a:ext uri="{9D8B030D-6E8A-4147-A177-3AD203B41FA5}">
+                      <a16:colId xmlns:a16="http://schemas.microsoft.com/office/drawing/2014/main" val="3840057067"/>
+                    </a:ext>
+                  </a:extLst>
+                </a:gridCol>
+                <a:gridCol w="950770">
+                  <a:extLst>
+                    <a:ext uri="{9D8B030D-6E8A-4147-A177-3AD203B41FA5}">
+                      <a16:colId xmlns:a16="http://schemas.microsoft.com/office/drawing/2014/main" val="1308756603"/>
+                    </a:ext>
+                  </a:extLst>
+                </a:gridCol>
+              </a:tblGrid>
+              <a:tr h="190500">
+                <a:tc>
+                  <a:txBody>
+                    <a:bodyPr/>
+                    <a:lstStyle/>
+                    <a:p>
+                      <a:pPr algn="ctr" fontAlgn="b"/>
+                      <a:r>
+                        <a:rPr lang="en-US" sz="1100" u="none" strike="noStrike">
+                          <a:effectLst/>
+                        </a:rPr>
+                        <a:t>Feature</a:t>
+                      </a:r>
+                      <a:endParaRPr lang="en-US" sz="1100" b="1" i="0" u="none" strike="noStrike">
+                        <a:solidFill>
+                          <a:srgbClr val="000000"/>
+                        </a:solidFill>
+                        <a:effectLst/>
+                        <a:latin typeface="Arial" panose="020B0604020202020204" pitchFamily="34" charset="0"/>
+                      </a:endParaRPr>
+                    </a:p>
+                  </a:txBody>
+                  <a:tcPr marL="9525" marR="9525" marT="9525" marB="0" anchor="b"/>
+                </a:tc>
+                <a:tc>
+                  <a:txBody>
+                    <a:bodyPr/>
+                    <a:lstStyle/>
+                    <a:p>
+                      <a:pPr algn="ctr" fontAlgn="b"/>
+                      <a:r>
+                        <a:rPr lang="en-US" sz="1100" u="none" strike="noStrike">
+                          <a:effectLst/>
+                        </a:rPr>
+                        <a:t>Leaf id</a:t>
+                      </a:r>
+                      <a:endParaRPr lang="en-US" sz="1100" b="1" i="0" u="none" strike="noStrike">
+                        <a:solidFill>
+                          <a:srgbClr val="000000"/>
+                        </a:solidFill>
+                        <a:effectLst/>
+                        <a:latin typeface="Arial" panose="020B0604020202020204" pitchFamily="34" charset="0"/>
+                      </a:endParaRPr>
+                    </a:p>
+                  </a:txBody>
+                  <a:tcPr marL="9525" marR="9525" marT="9525" marB="0" anchor="b"/>
+                </a:tc>
+                <a:tc>
+                  <a:txBody>
+                    <a:bodyPr/>
+                    <a:lstStyle/>
+                    <a:p>
+                      <a:pPr algn="ctr" fontAlgn="b"/>
+                      <a:r>
+                        <a:rPr lang="en-US" sz="1100" u="none" strike="noStrike">
+                          <a:effectLst/>
+                        </a:rPr>
+                        <a:t>F2</a:t>
+                      </a:r>
+                      <a:endParaRPr lang="en-US" sz="1100" b="1" i="0" u="none" strike="noStrike">
+                        <a:solidFill>
+                          <a:srgbClr val="000000"/>
+                        </a:solidFill>
+                        <a:effectLst/>
+                        <a:latin typeface="Arial" panose="020B0604020202020204" pitchFamily="34" charset="0"/>
+                      </a:endParaRPr>
+                    </a:p>
+                  </a:txBody>
+                  <a:tcPr marL="9525" marR="9525" marT="9525" marB="0" anchor="b"/>
+                </a:tc>
+                <a:tc>
+                  <a:txBody>
+                    <a:bodyPr/>
+                    <a:lstStyle/>
+                    <a:p>
+                      <a:pPr algn="ctr" fontAlgn="b"/>
+                      <a:r>
+                        <a:rPr lang="en-US" sz="1100" u="none" strike="noStrike">
+                          <a:effectLst/>
+                        </a:rPr>
+                        <a:t>F2 improvement</a:t>
+                      </a:r>
+                      <a:endParaRPr lang="en-US" sz="1100" b="1" i="0" u="none" strike="noStrike">
+                        <a:solidFill>
+                          <a:srgbClr val="000000"/>
+                        </a:solidFill>
+                        <a:effectLst/>
+                        <a:latin typeface="Arial" panose="020B0604020202020204" pitchFamily="34" charset="0"/>
+                      </a:endParaRPr>
+                    </a:p>
+                  </a:txBody>
+                  <a:tcPr marL="9525" marR="9525" marT="9525" marB="0" anchor="b"/>
+                </a:tc>
+                <a:tc>
+                  <a:txBody>
+                    <a:bodyPr/>
+                    <a:lstStyle/>
+                    <a:p>
+                      <a:pPr algn="ctr" fontAlgn="b"/>
+                      <a:r>
+                        <a:rPr lang="en-US" sz="1100" u="none" strike="noStrike">
+                          <a:effectLst/>
+                        </a:rPr>
+                        <a:t>Precision</a:t>
+                      </a:r>
+                      <a:endParaRPr lang="en-US" sz="1100" b="1" i="0" u="none" strike="noStrike">
+                        <a:solidFill>
+                          <a:srgbClr val="000000"/>
+                        </a:solidFill>
+                        <a:effectLst/>
+                        <a:latin typeface="Arial" panose="020B0604020202020204" pitchFamily="34" charset="0"/>
+                      </a:endParaRPr>
+                    </a:p>
+                  </a:txBody>
+                  <a:tcPr marL="9525" marR="9525" marT="9525" marB="0" anchor="b"/>
+                </a:tc>
+                <a:tc>
+                  <a:txBody>
+                    <a:bodyPr/>
+                    <a:lstStyle/>
+                    <a:p>
+                      <a:pPr algn="ctr" fontAlgn="b"/>
+                      <a:r>
+                        <a:rPr lang="en-US" sz="1100" u="none" strike="noStrike">
+                          <a:effectLst/>
+                        </a:rPr>
+                        <a:t>Recall</a:t>
+                      </a:r>
+                      <a:endParaRPr lang="en-US" sz="1100" b="1" i="0" u="none" strike="noStrike">
+                        <a:solidFill>
+                          <a:srgbClr val="000000"/>
+                        </a:solidFill>
+                        <a:effectLst/>
+                        <a:latin typeface="Arial" panose="020B0604020202020204" pitchFamily="34" charset="0"/>
+                      </a:endParaRPr>
+                    </a:p>
+                  </a:txBody>
+                  <a:tcPr marL="9525" marR="9525" marT="9525" marB="0" anchor="b"/>
+                </a:tc>
+                <a:tc>
+                  <a:txBody>
+                    <a:bodyPr/>
+                    <a:lstStyle/>
+                    <a:p>
+                      <a:pPr algn="ctr" fontAlgn="b"/>
+                      <a:r>
+                        <a:rPr lang="en-US" sz="1100" u="none" strike="noStrike">
+                          <a:effectLst/>
+                        </a:rPr>
+                        <a:t>Size</a:t>
+                      </a:r>
+                      <a:endParaRPr lang="en-US" sz="1100" b="1" i="0" u="none" strike="noStrike">
+                        <a:solidFill>
+                          <a:srgbClr val="000000"/>
+                        </a:solidFill>
+                        <a:effectLst/>
+                        <a:latin typeface="Arial" panose="020B0604020202020204" pitchFamily="34" charset="0"/>
+                      </a:endParaRPr>
+                    </a:p>
+                  </a:txBody>
+                  <a:tcPr marL="9525" marR="9525" marT="9525" marB="0" anchor="b"/>
+                </a:tc>
+                <a:tc>
+                  <a:txBody>
+                    <a:bodyPr/>
+                    <a:lstStyle/>
+                    <a:p>
+                      <a:pPr algn="ctr" fontAlgn="b"/>
+                      <a:r>
+                        <a:rPr lang="en-US" sz="1100" u="none" strike="noStrike">
+                          <a:effectLst/>
+                        </a:rPr>
+                        <a:t>Feature Min</a:t>
+                      </a:r>
+                      <a:endParaRPr lang="en-US" sz="1100" b="1" i="0" u="none" strike="noStrike">
+                        <a:solidFill>
+                          <a:srgbClr val="000000"/>
+                        </a:solidFill>
+                        <a:effectLst/>
+                        <a:latin typeface="Arial" panose="020B0604020202020204" pitchFamily="34" charset="0"/>
+                      </a:endParaRPr>
+                    </a:p>
+                  </a:txBody>
+                  <a:tcPr marL="9525" marR="9525" marT="9525" marB="0" anchor="b"/>
+                </a:tc>
+                <a:tc>
+                  <a:txBody>
+                    <a:bodyPr/>
+                    <a:lstStyle/>
+                    <a:p>
+                      <a:pPr algn="ctr" fontAlgn="b"/>
+                      <a:r>
+                        <a:rPr lang="en-US" sz="1100" u="none" strike="noStrike">
+                          <a:effectLst/>
+                        </a:rPr>
+                        <a:t>Feature Max</a:t>
+                      </a:r>
+                      <a:endParaRPr lang="en-US" sz="1100" b="1" i="0" u="none" strike="noStrike">
+                        <a:solidFill>
+                          <a:srgbClr val="000000"/>
+                        </a:solidFill>
+                        <a:effectLst/>
+                        <a:latin typeface="Arial" panose="020B0604020202020204" pitchFamily="34" charset="0"/>
+                      </a:endParaRPr>
+                    </a:p>
+                  </a:txBody>
+                  <a:tcPr marL="9525" marR="9525" marT="9525" marB="0" anchor="b"/>
+                </a:tc>
+                <a:extLst>
+                  <a:ext uri="{0D108BD9-81ED-4DB2-BD59-A6C34878D82A}">
+                    <a16:rowId xmlns:a16="http://schemas.microsoft.com/office/drawing/2014/main" val="3535353087"/>
+                  </a:ext>
+                </a:extLst>
+              </a:tr>
+              <a:tr h="180975">
+                <a:tc>
+                  <a:txBody>
+                    <a:bodyPr/>
+                    <a:lstStyle/>
+                    <a:p>
+                      <a:pPr algn="l" fontAlgn="b"/>
+                      <a:r>
+                        <a:rPr lang="en-US" sz="1100" u="none" strike="noStrike">
+                          <a:effectLst/>
+                        </a:rPr>
+                        <a:t>Volume Flow RateRMS</a:t>
+                      </a:r>
+                      <a:endParaRPr lang="en-US" sz="1100" b="0" i="0" u="none" strike="noStrike">
+                        <a:solidFill>
+                          <a:srgbClr val="000000"/>
+                        </a:solidFill>
+                        <a:effectLst/>
+                        <a:latin typeface="Arial" panose="020B0604020202020204" pitchFamily="34" charset="0"/>
+                      </a:endParaRPr>
+                    </a:p>
+                  </a:txBody>
+                  <a:tcPr marL="9525" marR="9525" marT="9525" marB="0" anchor="b"/>
+                </a:tc>
+                <a:tc>
+                  <a:txBody>
+                    <a:bodyPr/>
+                    <a:lstStyle/>
+                    <a:p>
+                      <a:pPr algn="r" fontAlgn="b"/>
+                      <a:r>
+                        <a:rPr lang="he-IL" sz="1100" u="none" strike="noStrike">
+                          <a:effectLst/>
+                        </a:rPr>
+                        <a:t>4</a:t>
+                      </a:r>
+                      <a:endParaRPr lang="he-IL" sz="1100" b="0" i="0" u="none" strike="noStrike">
+                        <a:solidFill>
+                          <a:srgbClr val="000000"/>
+                        </a:solidFill>
+                        <a:effectLst/>
+                        <a:latin typeface="Arial" panose="020B0604020202020204" pitchFamily="34" charset="0"/>
+                      </a:endParaRPr>
+                    </a:p>
+                  </a:txBody>
+                  <a:tcPr marL="9525" marR="9525" marT="9525" marB="0" anchor="b"/>
+                </a:tc>
+                <a:tc>
+                  <a:txBody>
+                    <a:bodyPr/>
+                    <a:lstStyle/>
+                    <a:p>
+                      <a:pPr algn="r" fontAlgn="b"/>
+                      <a:r>
+                        <a:rPr lang="he-IL" sz="1100" u="none" strike="noStrike">
+                          <a:effectLst/>
+                        </a:rPr>
+                        <a:t>0.364727608</a:t>
+                      </a:r>
+                      <a:endParaRPr lang="he-IL" sz="1100" b="0" i="0" u="none" strike="noStrike">
+                        <a:solidFill>
+                          <a:srgbClr val="000000"/>
+                        </a:solidFill>
+                        <a:effectLst/>
+                        <a:latin typeface="Arial" panose="020B0604020202020204" pitchFamily="34" charset="0"/>
+                      </a:endParaRPr>
+                    </a:p>
+                  </a:txBody>
+                  <a:tcPr marL="9525" marR="9525" marT="9525" marB="0" anchor="b"/>
+                </a:tc>
+                <a:tc>
+                  <a:txBody>
+                    <a:bodyPr/>
+                    <a:lstStyle/>
+                    <a:p>
+                      <a:pPr algn="r" fontAlgn="b"/>
+                      <a:r>
+                        <a:rPr lang="he-IL" sz="1100" u="none" strike="noStrike">
+                          <a:effectLst/>
+                        </a:rPr>
+                        <a:t>0.090140611</a:t>
+                      </a:r>
+                      <a:endParaRPr lang="he-IL" sz="1100" b="0" i="0" u="none" strike="noStrike">
+                        <a:solidFill>
+                          <a:srgbClr val="000000"/>
+                        </a:solidFill>
+                        <a:effectLst/>
+                        <a:latin typeface="Arial" panose="020B0604020202020204" pitchFamily="34" charset="0"/>
+                      </a:endParaRPr>
+                    </a:p>
+                  </a:txBody>
+                  <a:tcPr marL="9525" marR="9525" marT="9525" marB="0" anchor="b"/>
+                </a:tc>
+                <a:tc>
+                  <a:txBody>
+                    <a:bodyPr/>
+                    <a:lstStyle/>
+                    <a:p>
+                      <a:pPr algn="r" fontAlgn="b"/>
+                      <a:r>
+                        <a:rPr lang="he-IL" sz="1100" u="none" strike="noStrike">
+                          <a:effectLst/>
+                        </a:rPr>
+                        <a:t>1</a:t>
+                      </a:r>
+                      <a:endParaRPr lang="he-IL" sz="1100" b="0" i="0" u="none" strike="noStrike">
+                        <a:solidFill>
+                          <a:srgbClr val="000000"/>
+                        </a:solidFill>
+                        <a:effectLst/>
+                        <a:latin typeface="Arial" panose="020B0604020202020204" pitchFamily="34" charset="0"/>
+                      </a:endParaRPr>
+                    </a:p>
+                  </a:txBody>
+                  <a:tcPr marL="9525" marR="9525" marT="9525" marB="0" anchor="b"/>
+                </a:tc>
+                <a:tc>
+                  <a:txBody>
+                    <a:bodyPr/>
+                    <a:lstStyle/>
+                    <a:p>
+                      <a:pPr algn="r" fontAlgn="b"/>
+                      <a:r>
+                        <a:rPr lang="he-IL" sz="1100" u="none" strike="noStrike">
+                          <a:effectLst/>
+                        </a:rPr>
+                        <a:t>0.314741036</a:t>
+                      </a:r>
+                      <a:endParaRPr lang="he-IL" sz="1100" b="0" i="0" u="none" strike="noStrike">
+                        <a:solidFill>
+                          <a:srgbClr val="000000"/>
+                        </a:solidFill>
+                        <a:effectLst/>
+                        <a:latin typeface="Arial" panose="020B0604020202020204" pitchFamily="34" charset="0"/>
+                      </a:endParaRPr>
+                    </a:p>
+                  </a:txBody>
+                  <a:tcPr marL="9525" marR="9525" marT="9525" marB="0" anchor="b"/>
+                </a:tc>
+                <a:tc>
+                  <a:txBody>
+                    <a:bodyPr/>
+                    <a:lstStyle/>
+                    <a:p>
+                      <a:pPr algn="r" fontAlgn="b"/>
+                      <a:r>
+                        <a:rPr lang="he-IL" sz="1100" u="none" strike="noStrike">
+                          <a:effectLst/>
+                        </a:rPr>
+                        <a:t>13.99108138</a:t>
+                      </a:r>
+                      <a:endParaRPr lang="he-IL" sz="1100" b="0" i="0" u="none" strike="noStrike">
+                        <a:solidFill>
+                          <a:srgbClr val="000000"/>
+                        </a:solidFill>
+                        <a:effectLst/>
+                        <a:latin typeface="Arial" panose="020B0604020202020204" pitchFamily="34" charset="0"/>
+                      </a:endParaRPr>
+                    </a:p>
+                  </a:txBody>
+                  <a:tcPr marL="9525" marR="9525" marT="9525" marB="0" anchor="b"/>
+                </a:tc>
+                <a:tc>
+                  <a:txBody>
+                    <a:bodyPr/>
+                    <a:lstStyle/>
+                    <a:p>
+                      <a:pPr algn="r" fontAlgn="b"/>
+                      <a:r>
+                        <a:rPr lang="he-IL" sz="1100" u="none" strike="noStrike">
+                          <a:effectLst/>
+                        </a:rPr>
+                        <a:t>-4.238382816</a:t>
+                      </a:r>
+                      <a:endParaRPr lang="he-IL" sz="1100" b="0" i="0" u="none" strike="noStrike">
+                        <a:solidFill>
+                          <a:srgbClr val="000000"/>
+                        </a:solidFill>
+                        <a:effectLst/>
+                        <a:latin typeface="Arial" panose="020B0604020202020204" pitchFamily="34" charset="0"/>
+                      </a:endParaRPr>
+                    </a:p>
+                  </a:txBody>
+                  <a:tcPr marL="9525" marR="9525" marT="9525" marB="0" anchor="b"/>
+                </a:tc>
+                <a:tc>
+                  <a:txBody>
+                    <a:bodyPr/>
+                    <a:lstStyle/>
+                    <a:p>
+                      <a:pPr algn="r" fontAlgn="b"/>
+                      <a:r>
+                        <a:rPr lang="he-IL" sz="1100" u="none" strike="noStrike">
+                          <a:effectLst/>
+                        </a:rPr>
+                        <a:t>-1.515254796</a:t>
+                      </a:r>
+                      <a:endParaRPr lang="he-IL" sz="1100" b="0" i="0" u="none" strike="noStrike">
+                        <a:solidFill>
+                          <a:srgbClr val="000000"/>
+                        </a:solidFill>
+                        <a:effectLst/>
+                        <a:latin typeface="Arial" panose="020B0604020202020204" pitchFamily="34" charset="0"/>
+                      </a:endParaRPr>
+                    </a:p>
+                  </a:txBody>
+                  <a:tcPr marL="9525" marR="9525" marT="9525" marB="0" anchor="b"/>
+                </a:tc>
+                <a:extLst>
+                  <a:ext uri="{0D108BD9-81ED-4DB2-BD59-A6C34878D82A}">
+                    <a16:rowId xmlns:a16="http://schemas.microsoft.com/office/drawing/2014/main" val="1493178543"/>
+                  </a:ext>
+                </a:extLst>
+              </a:tr>
+              <a:tr h="180975">
+                <a:tc>
+                  <a:txBody>
+                    <a:bodyPr/>
+                    <a:lstStyle/>
+                    <a:p>
+                      <a:pPr algn="l" fontAlgn="b"/>
+                      <a:r>
+                        <a:rPr lang="en-US" sz="1100" u="none" strike="noStrike">
+                          <a:effectLst/>
+                        </a:rPr>
+                        <a:t>Temperature</a:t>
+                      </a:r>
+                      <a:endParaRPr lang="en-US" sz="1100" b="0" i="0" u="none" strike="noStrike">
+                        <a:solidFill>
+                          <a:srgbClr val="000000"/>
+                        </a:solidFill>
+                        <a:effectLst/>
+                        <a:latin typeface="Arial" panose="020B0604020202020204" pitchFamily="34" charset="0"/>
+                      </a:endParaRPr>
+                    </a:p>
+                  </a:txBody>
+                  <a:tcPr marL="9525" marR="9525" marT="9525" marB="0" anchor="b"/>
+                </a:tc>
+                <a:tc>
+                  <a:txBody>
+                    <a:bodyPr/>
+                    <a:lstStyle/>
+                    <a:p>
+                      <a:pPr algn="r" fontAlgn="b"/>
+                      <a:r>
+                        <a:rPr lang="he-IL" sz="1100" u="none" strike="noStrike">
+                          <a:effectLst/>
+                        </a:rPr>
+                        <a:t>16</a:t>
+                      </a:r>
+                      <a:endParaRPr lang="he-IL" sz="1100" b="0" i="0" u="none" strike="noStrike">
+                        <a:solidFill>
+                          <a:srgbClr val="000000"/>
+                        </a:solidFill>
+                        <a:effectLst/>
+                        <a:latin typeface="Arial" panose="020B0604020202020204" pitchFamily="34" charset="0"/>
+                      </a:endParaRPr>
+                    </a:p>
+                  </a:txBody>
+                  <a:tcPr marL="9525" marR="9525" marT="9525" marB="0" anchor="b"/>
+                </a:tc>
+                <a:tc>
+                  <a:txBody>
+                    <a:bodyPr/>
+                    <a:lstStyle/>
+                    <a:p>
+                      <a:pPr algn="r" fontAlgn="b"/>
+                      <a:r>
+                        <a:rPr lang="he-IL" sz="1100" u="none" strike="noStrike">
+                          <a:effectLst/>
+                        </a:rPr>
+                        <a:t>0</a:t>
+                      </a:r>
+                      <a:endParaRPr lang="he-IL" sz="1100" b="0" i="0" u="none" strike="noStrike">
+                        <a:solidFill>
+                          <a:srgbClr val="000000"/>
+                        </a:solidFill>
+                        <a:effectLst/>
+                        <a:latin typeface="Arial" panose="020B0604020202020204" pitchFamily="34" charset="0"/>
+                      </a:endParaRPr>
+                    </a:p>
+                  </a:txBody>
+                  <a:tcPr marL="9525" marR="9525" marT="9525" marB="0" anchor="b"/>
+                </a:tc>
+                <a:tc>
+                  <a:txBody>
+                    <a:bodyPr/>
+                    <a:lstStyle/>
+                    <a:p>
+                      <a:pPr algn="r" fontAlgn="b"/>
+                      <a:r>
+                        <a:rPr lang="he-IL" sz="1100" u="none" strike="noStrike">
+                          <a:effectLst/>
+                        </a:rPr>
+                        <a:t>0.072819231</a:t>
+                      </a:r>
+                      <a:endParaRPr lang="he-IL" sz="1100" b="0" i="0" u="none" strike="noStrike">
+                        <a:solidFill>
+                          <a:srgbClr val="000000"/>
+                        </a:solidFill>
+                        <a:effectLst/>
+                        <a:latin typeface="Arial" panose="020B0604020202020204" pitchFamily="34" charset="0"/>
+                      </a:endParaRPr>
+                    </a:p>
+                  </a:txBody>
+                  <a:tcPr marL="9525" marR="9525" marT="9525" marB="0" anchor="b"/>
+                </a:tc>
+                <a:tc>
+                  <a:txBody>
+                    <a:bodyPr/>
+                    <a:lstStyle/>
+                    <a:p>
+                      <a:pPr algn="r" fontAlgn="b"/>
+                      <a:r>
+                        <a:rPr lang="he-IL" sz="1100" u="none" strike="noStrike">
+                          <a:effectLst/>
+                        </a:rPr>
+                        <a:t>0</a:t>
+                      </a:r>
+                      <a:endParaRPr lang="he-IL" sz="1100" b="0" i="0" u="none" strike="noStrike">
+                        <a:solidFill>
+                          <a:srgbClr val="000000"/>
+                        </a:solidFill>
+                        <a:effectLst/>
+                        <a:latin typeface="Arial" panose="020B0604020202020204" pitchFamily="34" charset="0"/>
+                      </a:endParaRPr>
+                    </a:p>
+                  </a:txBody>
+                  <a:tcPr marL="9525" marR="9525" marT="9525" marB="0" anchor="b"/>
+                </a:tc>
+                <a:tc>
+                  <a:txBody>
+                    <a:bodyPr/>
+                    <a:lstStyle/>
+                    <a:p>
+                      <a:pPr algn="r" fontAlgn="b"/>
+                      <a:r>
+                        <a:rPr lang="he-IL" sz="1100" u="none" strike="noStrike">
+                          <a:effectLst/>
+                        </a:rPr>
+                        <a:t>0</a:t>
+                      </a:r>
+                      <a:endParaRPr lang="he-IL" sz="1100" b="0" i="0" u="none" strike="noStrike">
+                        <a:solidFill>
+                          <a:srgbClr val="000000"/>
+                        </a:solidFill>
+                        <a:effectLst/>
+                        <a:latin typeface="Arial" panose="020B0604020202020204" pitchFamily="34" charset="0"/>
+                      </a:endParaRPr>
+                    </a:p>
+                  </a:txBody>
+                  <a:tcPr marL="9525" marR="9525" marT="9525" marB="0" anchor="b"/>
+                </a:tc>
+                <a:tc>
+                  <a:txBody>
+                    <a:bodyPr/>
+                    <a:lstStyle/>
+                    <a:p>
+                      <a:pPr algn="r" fontAlgn="b"/>
+                      <a:r>
+                        <a:rPr lang="he-IL" sz="1100" u="none" strike="noStrike">
+                          <a:effectLst/>
+                        </a:rPr>
+                        <a:t>13.21070234</a:t>
+                      </a:r>
+                      <a:endParaRPr lang="he-IL" sz="1100" b="0" i="0" u="none" strike="noStrike">
+                        <a:solidFill>
+                          <a:srgbClr val="000000"/>
+                        </a:solidFill>
+                        <a:effectLst/>
+                        <a:latin typeface="Arial" panose="020B0604020202020204" pitchFamily="34" charset="0"/>
+                      </a:endParaRPr>
+                    </a:p>
+                  </a:txBody>
+                  <a:tcPr marL="9525" marR="9525" marT="9525" marB="0" anchor="b"/>
+                </a:tc>
+                <a:tc>
+                  <a:txBody>
+                    <a:bodyPr/>
+                    <a:lstStyle/>
+                    <a:p>
+                      <a:pPr algn="r" fontAlgn="b"/>
+                      <a:r>
+                        <a:rPr lang="he-IL" sz="1100" u="none" strike="noStrike">
+                          <a:effectLst/>
+                        </a:rPr>
+                        <a:t>-0.759024441</a:t>
+                      </a:r>
+                      <a:endParaRPr lang="he-IL" sz="1100" b="0" i="0" u="none" strike="noStrike">
+                        <a:solidFill>
+                          <a:srgbClr val="000000"/>
+                        </a:solidFill>
+                        <a:effectLst/>
+                        <a:latin typeface="Arial" panose="020B0604020202020204" pitchFamily="34" charset="0"/>
+                      </a:endParaRPr>
+                    </a:p>
+                  </a:txBody>
+                  <a:tcPr marL="9525" marR="9525" marT="9525" marB="0" anchor="b"/>
+                </a:tc>
+                <a:tc>
+                  <a:txBody>
+                    <a:bodyPr/>
+                    <a:lstStyle/>
+                    <a:p>
+                      <a:pPr algn="r" fontAlgn="b"/>
+                      <a:r>
+                        <a:rPr lang="he-IL" sz="1100" u="none" strike="noStrike">
+                          <a:effectLst/>
+                        </a:rPr>
+                        <a:t>-0.65916568</a:t>
+                      </a:r>
+                      <a:endParaRPr lang="he-IL" sz="1100" b="0" i="0" u="none" strike="noStrike">
+                        <a:solidFill>
+                          <a:srgbClr val="000000"/>
+                        </a:solidFill>
+                        <a:effectLst/>
+                        <a:latin typeface="Arial" panose="020B0604020202020204" pitchFamily="34" charset="0"/>
+                      </a:endParaRPr>
+                    </a:p>
+                  </a:txBody>
+                  <a:tcPr marL="9525" marR="9525" marT="9525" marB="0" anchor="b"/>
+                </a:tc>
+                <a:extLst>
+                  <a:ext uri="{0D108BD9-81ED-4DB2-BD59-A6C34878D82A}">
+                    <a16:rowId xmlns:a16="http://schemas.microsoft.com/office/drawing/2014/main" val="3961225639"/>
+                  </a:ext>
+                </a:extLst>
+              </a:tr>
+              <a:tr h="180975">
+                <a:tc>
+                  <a:txBody>
+                    <a:bodyPr/>
+                    <a:lstStyle/>
+                    <a:p>
+                      <a:pPr algn="l" fontAlgn="b"/>
+                      <a:r>
+                        <a:rPr lang="en-US" sz="1100" u="none" strike="noStrike">
+                          <a:effectLst/>
+                        </a:rPr>
+                        <a:t>Accelerometer1RMS</a:t>
+                      </a:r>
+                      <a:endParaRPr lang="en-US" sz="1100" b="0" i="0" u="none" strike="noStrike">
+                        <a:solidFill>
+                          <a:srgbClr val="000000"/>
+                        </a:solidFill>
+                        <a:effectLst/>
+                        <a:latin typeface="Arial" panose="020B0604020202020204" pitchFamily="34" charset="0"/>
+                      </a:endParaRPr>
+                    </a:p>
+                  </a:txBody>
+                  <a:tcPr marL="9525" marR="9525" marT="9525" marB="0" anchor="b"/>
+                </a:tc>
+                <a:tc>
+                  <a:txBody>
+                    <a:bodyPr/>
+                    <a:lstStyle/>
+                    <a:p>
+                      <a:pPr algn="r" fontAlgn="b"/>
+                      <a:r>
+                        <a:rPr lang="he-IL" sz="1100" u="none" strike="noStrike">
+                          <a:effectLst/>
+                        </a:rPr>
+                        <a:t>19</a:t>
+                      </a:r>
+                      <a:endParaRPr lang="he-IL" sz="1100" b="0" i="0" u="none" strike="noStrike">
+                        <a:solidFill>
+                          <a:srgbClr val="000000"/>
+                        </a:solidFill>
+                        <a:effectLst/>
+                        <a:latin typeface="Arial" panose="020B0604020202020204" pitchFamily="34" charset="0"/>
+                      </a:endParaRPr>
+                    </a:p>
+                  </a:txBody>
+                  <a:tcPr marL="9525" marR="9525" marT="9525" marB="0" anchor="b"/>
+                </a:tc>
+                <a:tc>
+                  <a:txBody>
+                    <a:bodyPr/>
+                    <a:lstStyle/>
+                    <a:p>
+                      <a:pPr algn="r" fontAlgn="b"/>
+                      <a:r>
+                        <a:rPr lang="he-IL" sz="1100" u="none" strike="noStrike">
+                          <a:effectLst/>
+                        </a:rPr>
+                        <a:t>0.229257642</a:t>
+                      </a:r>
+                      <a:endParaRPr lang="he-IL" sz="1100" b="0" i="0" u="none" strike="noStrike">
+                        <a:solidFill>
+                          <a:srgbClr val="000000"/>
+                        </a:solidFill>
+                        <a:effectLst/>
+                        <a:latin typeface="Arial" panose="020B0604020202020204" pitchFamily="34" charset="0"/>
+                      </a:endParaRPr>
+                    </a:p>
+                  </a:txBody>
+                  <a:tcPr marL="9525" marR="9525" marT="9525" marB="0" anchor="b"/>
+                </a:tc>
+                <a:tc>
+                  <a:txBody>
+                    <a:bodyPr/>
+                    <a:lstStyle/>
+                    <a:p>
+                      <a:pPr algn="r" fontAlgn="b"/>
+                      <a:r>
+                        <a:rPr lang="he-IL" sz="1100" u="none" strike="noStrike">
+                          <a:effectLst/>
+                        </a:rPr>
+                        <a:t>0.049144344</a:t>
+                      </a:r>
+                      <a:endParaRPr lang="he-IL" sz="1100" b="0" i="0" u="none" strike="noStrike">
+                        <a:solidFill>
+                          <a:srgbClr val="000000"/>
+                        </a:solidFill>
+                        <a:effectLst/>
+                        <a:latin typeface="Arial" panose="020B0604020202020204" pitchFamily="34" charset="0"/>
+                      </a:endParaRPr>
+                    </a:p>
+                  </a:txBody>
+                  <a:tcPr marL="9525" marR="9525" marT="9525" marB="0" anchor="b"/>
+                </a:tc>
+                <a:tc>
+                  <a:txBody>
+                    <a:bodyPr/>
+                    <a:lstStyle/>
+                    <a:p>
+                      <a:pPr algn="r" fontAlgn="b"/>
+                      <a:r>
+                        <a:rPr lang="he-IL" sz="1100" u="none" strike="noStrike">
+                          <a:effectLst/>
+                        </a:rPr>
+                        <a:t>0.233333333</a:t>
+                      </a:r>
+                      <a:endParaRPr lang="he-IL" sz="1100" b="0" i="0" u="none" strike="noStrike">
+                        <a:solidFill>
+                          <a:srgbClr val="000000"/>
+                        </a:solidFill>
+                        <a:effectLst/>
+                        <a:latin typeface="Arial" panose="020B0604020202020204" pitchFamily="34" charset="0"/>
+                      </a:endParaRPr>
+                    </a:p>
+                  </a:txBody>
+                  <a:tcPr marL="9525" marR="9525" marT="9525" marB="0" anchor="b"/>
+                </a:tc>
+                <a:tc>
+                  <a:txBody>
+                    <a:bodyPr/>
+                    <a:lstStyle/>
+                    <a:p>
+                      <a:pPr algn="r" fontAlgn="b"/>
+                      <a:r>
+                        <a:rPr lang="he-IL" sz="1100" u="none" strike="noStrike">
+                          <a:effectLst/>
+                        </a:rPr>
+                        <a:t>0.22826087</a:t>
+                      </a:r>
+                      <a:endParaRPr lang="he-IL" sz="1100" b="0" i="0" u="none" strike="noStrike">
+                        <a:solidFill>
+                          <a:srgbClr val="000000"/>
+                        </a:solidFill>
+                        <a:effectLst/>
+                        <a:latin typeface="Arial" panose="020B0604020202020204" pitchFamily="34" charset="0"/>
+                      </a:endParaRPr>
+                    </a:p>
+                  </a:txBody>
+                  <a:tcPr marL="9525" marR="9525" marT="9525" marB="0" anchor="b"/>
+                </a:tc>
+                <a:tc>
+                  <a:txBody>
+                    <a:bodyPr/>
+                    <a:lstStyle/>
+                    <a:p>
+                      <a:pPr algn="r" fontAlgn="b"/>
+                      <a:r>
+                        <a:rPr lang="he-IL" sz="1100" u="none" strike="noStrike">
+                          <a:effectLst/>
+                        </a:rPr>
+                        <a:t>16.49944259</a:t>
+                      </a:r>
+                      <a:endParaRPr lang="he-IL" sz="1100" b="0" i="0" u="none" strike="noStrike">
+                        <a:solidFill>
+                          <a:srgbClr val="000000"/>
+                        </a:solidFill>
+                        <a:effectLst/>
+                        <a:latin typeface="Arial" panose="020B0604020202020204" pitchFamily="34" charset="0"/>
+                      </a:endParaRPr>
+                    </a:p>
+                  </a:txBody>
+                  <a:tcPr marL="9525" marR="9525" marT="9525" marB="0" anchor="b"/>
+                </a:tc>
+                <a:tc>
+                  <a:txBody>
+                    <a:bodyPr/>
+                    <a:lstStyle/>
+                    <a:p>
+                      <a:pPr algn="r" fontAlgn="b"/>
+                      <a:r>
+                        <a:rPr lang="he-IL" sz="1100" u="none" strike="noStrike">
+                          <a:effectLst/>
+                        </a:rPr>
+                        <a:t>0.275259927</a:t>
+                      </a:r>
+                      <a:endParaRPr lang="he-IL" sz="1100" b="0" i="0" u="none" strike="noStrike">
+                        <a:solidFill>
+                          <a:srgbClr val="000000"/>
+                        </a:solidFill>
+                        <a:effectLst/>
+                        <a:latin typeface="Arial" panose="020B0604020202020204" pitchFamily="34" charset="0"/>
+                      </a:endParaRPr>
+                    </a:p>
+                  </a:txBody>
+                  <a:tcPr marL="9525" marR="9525" marT="9525" marB="0" anchor="b"/>
+                </a:tc>
+                <a:tc>
+                  <a:txBody>
+                    <a:bodyPr/>
+                    <a:lstStyle/>
+                    <a:p>
+                      <a:pPr algn="r" fontAlgn="b"/>
+                      <a:r>
+                        <a:rPr lang="he-IL" sz="1100" u="none" strike="noStrike" dirty="0">
+                          <a:effectLst/>
+                        </a:rPr>
+                        <a:t>0.394063577</a:t>
+                      </a:r>
+                      <a:endParaRPr lang="he-IL" sz="1100" b="0" i="0" u="none" strike="noStrike" dirty="0">
+                        <a:solidFill>
+                          <a:srgbClr val="000000"/>
+                        </a:solidFill>
+                        <a:effectLst/>
+                        <a:latin typeface="Arial" panose="020B0604020202020204" pitchFamily="34" charset="0"/>
+                      </a:endParaRPr>
+                    </a:p>
+                  </a:txBody>
+                  <a:tcPr marL="9525" marR="9525" marT="9525" marB="0" anchor="b"/>
+                </a:tc>
+                <a:extLst>
+                  <a:ext uri="{0D108BD9-81ED-4DB2-BD59-A6C34878D82A}">
+                    <a16:rowId xmlns:a16="http://schemas.microsoft.com/office/drawing/2014/main" val="2885208074"/>
+                  </a:ext>
+                </a:extLst>
+              </a:tr>
+            </a:tbl>
+          </a:graphicData>
+        </a:graphic>
+      </p:graphicFrame>
+      <p:graphicFrame>
+        <p:nvGraphicFramePr>
+          <p:cNvPr id="5" name="Table 4">
+            <a:extLst>
+              <a:ext uri="{FF2B5EF4-FFF2-40B4-BE49-F238E27FC236}">
+                <a16:creationId xmlns:a16="http://schemas.microsoft.com/office/drawing/2014/main" id="{2534EFAA-E9B1-283F-5C6D-85A7884E3565}"/>
+              </a:ext>
+            </a:extLst>
+          </p:cNvPr>
+          <p:cNvGraphicFramePr>
+            <a:graphicFrameLocks noGrp="1"/>
+          </p:cNvGraphicFramePr>
+          <p:nvPr>
+            <p:extLst>
+              <p:ext uri="{D42A27DB-BD31-4B8C-83A1-F6EECF244321}">
+                <p14:modId xmlns:p14="http://schemas.microsoft.com/office/powerpoint/2010/main" val="3057520869"/>
+              </p:ext>
+            </p:extLst>
+          </p:nvPr>
+        </p:nvGraphicFramePr>
+        <p:xfrm>
+          <a:off x="1733236" y="4175077"/>
+          <a:ext cx="8724902" cy="733425"/>
+        </p:xfrm>
+        <a:graphic>
+          <a:graphicData uri="http://schemas.openxmlformats.org/drawingml/2006/table">
+            <a:tbl>
+              <a:tblPr>
+                <a:tableStyleId>{5C22544A-7EE6-4342-B048-85BDC9FD1C3A}</a:tableStyleId>
+              </a:tblPr>
+              <a:tblGrid>
+                <a:gridCol w="1521232">
+                  <a:extLst>
+                    <a:ext uri="{9D8B030D-6E8A-4147-A177-3AD203B41FA5}">
+                      <a16:colId xmlns:a16="http://schemas.microsoft.com/office/drawing/2014/main" val="2915198669"/>
+                    </a:ext>
+                  </a:extLst>
+                </a:gridCol>
+                <a:gridCol w="522924">
+                  <a:extLst>
+                    <a:ext uri="{9D8B030D-6E8A-4147-A177-3AD203B41FA5}">
+                      <a16:colId xmlns:a16="http://schemas.microsoft.com/office/drawing/2014/main" val="624811003"/>
+                    </a:ext>
+                  </a:extLst>
+                </a:gridCol>
+                <a:gridCol w="903232">
+                  <a:extLst>
+                    <a:ext uri="{9D8B030D-6E8A-4147-A177-3AD203B41FA5}">
+                      <a16:colId xmlns:a16="http://schemas.microsoft.com/office/drawing/2014/main" val="1605322023"/>
+                    </a:ext>
+                  </a:extLst>
+                </a:gridCol>
+                <a:gridCol w="1166278">
+                  <a:extLst>
+                    <a:ext uri="{9D8B030D-6E8A-4147-A177-3AD203B41FA5}">
+                      <a16:colId xmlns:a16="http://schemas.microsoft.com/office/drawing/2014/main" val="1855428958"/>
+                    </a:ext>
+                  </a:extLst>
+                </a:gridCol>
+                <a:gridCol w="903232">
+                  <a:extLst>
+                    <a:ext uri="{9D8B030D-6E8A-4147-A177-3AD203B41FA5}">
+                      <a16:colId xmlns:a16="http://schemas.microsoft.com/office/drawing/2014/main" val="2230952255"/>
+                    </a:ext>
+                  </a:extLst>
+                </a:gridCol>
+                <a:gridCol w="903232">
+                  <a:extLst>
+                    <a:ext uri="{9D8B030D-6E8A-4147-A177-3AD203B41FA5}">
+                      <a16:colId xmlns:a16="http://schemas.microsoft.com/office/drawing/2014/main" val="1682478926"/>
+                    </a:ext>
+                  </a:extLst>
+                </a:gridCol>
+                <a:gridCol w="903232">
+                  <a:extLst>
+                    <a:ext uri="{9D8B030D-6E8A-4147-A177-3AD203B41FA5}">
+                      <a16:colId xmlns:a16="http://schemas.microsoft.com/office/drawing/2014/main" val="1412074277"/>
+                    </a:ext>
+                  </a:extLst>
+                </a:gridCol>
+                <a:gridCol w="950770">
+                  <a:extLst>
+                    <a:ext uri="{9D8B030D-6E8A-4147-A177-3AD203B41FA5}">
+                      <a16:colId xmlns:a16="http://schemas.microsoft.com/office/drawing/2014/main" val="2896328077"/>
+                    </a:ext>
+                  </a:extLst>
+                </a:gridCol>
+                <a:gridCol w="950770">
+                  <a:extLst>
+                    <a:ext uri="{9D8B030D-6E8A-4147-A177-3AD203B41FA5}">
+                      <a16:colId xmlns:a16="http://schemas.microsoft.com/office/drawing/2014/main" val="2757714181"/>
+                    </a:ext>
+                  </a:extLst>
+                </a:gridCol>
+              </a:tblGrid>
+              <a:tr h="190500">
+                <a:tc>
+                  <a:txBody>
+                    <a:bodyPr/>
+                    <a:lstStyle/>
+                    <a:p>
+                      <a:pPr algn="ctr" fontAlgn="b"/>
+                      <a:r>
+                        <a:rPr lang="en-US" sz="1100" u="none" strike="noStrike">
+                          <a:effectLst/>
+                        </a:rPr>
+                        <a:t>Feature</a:t>
+                      </a:r>
+                      <a:endParaRPr lang="en-US" sz="1100" b="1" i="0" u="none" strike="noStrike">
+                        <a:solidFill>
+                          <a:srgbClr val="000000"/>
+                        </a:solidFill>
+                        <a:effectLst/>
+                        <a:latin typeface="Arial" panose="020B0604020202020204" pitchFamily="34" charset="0"/>
+                      </a:endParaRPr>
+                    </a:p>
+                  </a:txBody>
+                  <a:tcPr marL="9525" marR="9525" marT="9525" marB="0" anchor="b"/>
+                </a:tc>
+                <a:tc>
+                  <a:txBody>
+                    <a:bodyPr/>
+                    <a:lstStyle/>
+                    <a:p>
+                      <a:pPr algn="ctr" fontAlgn="b"/>
+                      <a:r>
+                        <a:rPr lang="en-US" sz="1100" u="none" strike="noStrike">
+                          <a:effectLst/>
+                        </a:rPr>
+                        <a:t>Leaf id</a:t>
+                      </a:r>
+                      <a:endParaRPr lang="en-US" sz="1100" b="1" i="0" u="none" strike="noStrike">
+                        <a:solidFill>
+                          <a:srgbClr val="000000"/>
+                        </a:solidFill>
+                        <a:effectLst/>
+                        <a:latin typeface="Arial" panose="020B0604020202020204" pitchFamily="34" charset="0"/>
+                      </a:endParaRPr>
+                    </a:p>
+                  </a:txBody>
+                  <a:tcPr marL="9525" marR="9525" marT="9525" marB="0" anchor="b"/>
+                </a:tc>
+                <a:tc>
+                  <a:txBody>
+                    <a:bodyPr/>
+                    <a:lstStyle/>
+                    <a:p>
+                      <a:pPr algn="ctr" fontAlgn="b"/>
+                      <a:r>
+                        <a:rPr lang="en-US" sz="1100" u="none" strike="noStrike">
+                          <a:effectLst/>
+                        </a:rPr>
+                        <a:t>F2</a:t>
+                      </a:r>
+                      <a:endParaRPr lang="en-US" sz="1100" b="1" i="0" u="none" strike="noStrike">
+                        <a:solidFill>
+                          <a:srgbClr val="000000"/>
+                        </a:solidFill>
+                        <a:effectLst/>
+                        <a:latin typeface="Arial" panose="020B0604020202020204" pitchFamily="34" charset="0"/>
+                      </a:endParaRPr>
+                    </a:p>
+                  </a:txBody>
+                  <a:tcPr marL="9525" marR="9525" marT="9525" marB="0" anchor="b"/>
+                </a:tc>
+                <a:tc>
+                  <a:txBody>
+                    <a:bodyPr/>
+                    <a:lstStyle/>
+                    <a:p>
+                      <a:pPr algn="ctr" fontAlgn="b"/>
+                      <a:r>
+                        <a:rPr lang="en-US" sz="1100" u="none" strike="noStrike">
+                          <a:effectLst/>
+                        </a:rPr>
+                        <a:t>F2 improvement</a:t>
+                      </a:r>
+                      <a:endParaRPr lang="en-US" sz="1100" b="1" i="0" u="none" strike="noStrike">
+                        <a:solidFill>
+                          <a:srgbClr val="000000"/>
+                        </a:solidFill>
+                        <a:effectLst/>
+                        <a:latin typeface="Arial" panose="020B0604020202020204" pitchFamily="34" charset="0"/>
+                      </a:endParaRPr>
+                    </a:p>
+                  </a:txBody>
+                  <a:tcPr marL="9525" marR="9525" marT="9525" marB="0" anchor="b"/>
+                </a:tc>
+                <a:tc>
+                  <a:txBody>
+                    <a:bodyPr/>
+                    <a:lstStyle/>
+                    <a:p>
+                      <a:pPr algn="ctr" fontAlgn="b"/>
+                      <a:r>
+                        <a:rPr lang="en-US" sz="1100" u="none" strike="noStrike">
+                          <a:effectLst/>
+                        </a:rPr>
+                        <a:t>Precision</a:t>
+                      </a:r>
+                      <a:endParaRPr lang="en-US" sz="1100" b="1" i="0" u="none" strike="noStrike">
+                        <a:solidFill>
+                          <a:srgbClr val="000000"/>
+                        </a:solidFill>
+                        <a:effectLst/>
+                        <a:latin typeface="Arial" panose="020B0604020202020204" pitchFamily="34" charset="0"/>
+                      </a:endParaRPr>
+                    </a:p>
+                  </a:txBody>
+                  <a:tcPr marL="9525" marR="9525" marT="9525" marB="0" anchor="b"/>
+                </a:tc>
+                <a:tc>
+                  <a:txBody>
+                    <a:bodyPr/>
+                    <a:lstStyle/>
+                    <a:p>
+                      <a:pPr algn="ctr" fontAlgn="b"/>
+                      <a:r>
+                        <a:rPr lang="en-US" sz="1100" u="none" strike="noStrike">
+                          <a:effectLst/>
+                        </a:rPr>
+                        <a:t>Recall</a:t>
+                      </a:r>
+                      <a:endParaRPr lang="en-US" sz="1100" b="1" i="0" u="none" strike="noStrike">
+                        <a:solidFill>
+                          <a:srgbClr val="000000"/>
+                        </a:solidFill>
+                        <a:effectLst/>
+                        <a:latin typeface="Arial" panose="020B0604020202020204" pitchFamily="34" charset="0"/>
+                      </a:endParaRPr>
+                    </a:p>
+                  </a:txBody>
+                  <a:tcPr marL="9525" marR="9525" marT="9525" marB="0" anchor="b"/>
+                </a:tc>
+                <a:tc>
+                  <a:txBody>
+                    <a:bodyPr/>
+                    <a:lstStyle/>
+                    <a:p>
+                      <a:pPr algn="ctr" fontAlgn="b"/>
+                      <a:r>
+                        <a:rPr lang="en-US" sz="1100" u="none" strike="noStrike">
+                          <a:effectLst/>
+                        </a:rPr>
+                        <a:t>Size</a:t>
+                      </a:r>
+                      <a:endParaRPr lang="en-US" sz="1100" b="1" i="0" u="none" strike="noStrike">
+                        <a:solidFill>
+                          <a:srgbClr val="000000"/>
+                        </a:solidFill>
+                        <a:effectLst/>
+                        <a:latin typeface="Arial" panose="020B0604020202020204" pitchFamily="34" charset="0"/>
+                      </a:endParaRPr>
+                    </a:p>
+                  </a:txBody>
+                  <a:tcPr marL="9525" marR="9525" marT="9525" marB="0" anchor="b"/>
+                </a:tc>
+                <a:tc>
+                  <a:txBody>
+                    <a:bodyPr/>
+                    <a:lstStyle/>
+                    <a:p>
+                      <a:pPr algn="ctr" fontAlgn="b"/>
+                      <a:r>
+                        <a:rPr lang="en-US" sz="1100" u="none" strike="noStrike">
+                          <a:effectLst/>
+                        </a:rPr>
+                        <a:t>Feature Min</a:t>
+                      </a:r>
+                      <a:endParaRPr lang="en-US" sz="1100" b="1" i="0" u="none" strike="noStrike">
+                        <a:solidFill>
+                          <a:srgbClr val="000000"/>
+                        </a:solidFill>
+                        <a:effectLst/>
+                        <a:latin typeface="Arial" panose="020B0604020202020204" pitchFamily="34" charset="0"/>
+                      </a:endParaRPr>
+                    </a:p>
+                  </a:txBody>
+                  <a:tcPr marL="9525" marR="9525" marT="9525" marB="0" anchor="b"/>
+                </a:tc>
+                <a:tc>
+                  <a:txBody>
+                    <a:bodyPr/>
+                    <a:lstStyle/>
+                    <a:p>
+                      <a:pPr algn="ctr" fontAlgn="b"/>
+                      <a:r>
+                        <a:rPr lang="en-US" sz="1100" u="none" strike="noStrike">
+                          <a:effectLst/>
+                        </a:rPr>
+                        <a:t>Feature Max</a:t>
+                      </a:r>
+                      <a:endParaRPr lang="en-US" sz="1100" b="1" i="0" u="none" strike="noStrike">
+                        <a:solidFill>
+                          <a:srgbClr val="000000"/>
+                        </a:solidFill>
+                        <a:effectLst/>
+                        <a:latin typeface="Arial" panose="020B0604020202020204" pitchFamily="34" charset="0"/>
+                      </a:endParaRPr>
+                    </a:p>
+                  </a:txBody>
+                  <a:tcPr marL="9525" marR="9525" marT="9525" marB="0" anchor="b"/>
+                </a:tc>
+                <a:extLst>
+                  <a:ext uri="{0D108BD9-81ED-4DB2-BD59-A6C34878D82A}">
+                    <a16:rowId xmlns:a16="http://schemas.microsoft.com/office/drawing/2014/main" val="2832464328"/>
+                  </a:ext>
+                </a:extLst>
+              </a:tr>
+              <a:tr h="180975">
+                <a:tc>
+                  <a:txBody>
+                    <a:bodyPr/>
+                    <a:lstStyle/>
+                    <a:p>
+                      <a:pPr algn="l" fontAlgn="b"/>
+                      <a:r>
+                        <a:rPr lang="en-US" sz="1100" u="none" strike="noStrike">
+                          <a:effectLst/>
+                        </a:rPr>
+                        <a:t>Volume Flow RateRMS</a:t>
+                      </a:r>
+                      <a:endParaRPr lang="en-US" sz="1100" b="0" i="0" u="none" strike="noStrike">
+                        <a:solidFill>
+                          <a:srgbClr val="000000"/>
+                        </a:solidFill>
+                        <a:effectLst/>
+                        <a:latin typeface="Arial" panose="020B0604020202020204" pitchFamily="34" charset="0"/>
+                      </a:endParaRPr>
+                    </a:p>
+                  </a:txBody>
+                  <a:tcPr marL="9525" marR="9525" marT="9525" marB="0" anchor="b"/>
+                </a:tc>
+                <a:tc>
+                  <a:txBody>
+                    <a:bodyPr/>
+                    <a:lstStyle/>
+                    <a:p>
+                      <a:pPr algn="r" fontAlgn="b"/>
+                      <a:r>
+                        <a:rPr lang="he-IL" sz="1100" u="none" strike="noStrike">
+                          <a:effectLst/>
+                        </a:rPr>
+                        <a:t>4</a:t>
+                      </a:r>
+                      <a:endParaRPr lang="he-IL" sz="1100" b="0" i="0" u="none" strike="noStrike">
+                        <a:solidFill>
+                          <a:srgbClr val="000000"/>
+                        </a:solidFill>
+                        <a:effectLst/>
+                        <a:latin typeface="Arial" panose="020B0604020202020204" pitchFamily="34" charset="0"/>
+                      </a:endParaRPr>
+                    </a:p>
+                  </a:txBody>
+                  <a:tcPr marL="9525" marR="9525" marT="9525" marB="0" anchor="b"/>
+                </a:tc>
+                <a:tc>
+                  <a:txBody>
+                    <a:bodyPr/>
+                    <a:lstStyle/>
+                    <a:p>
+                      <a:pPr algn="r" fontAlgn="b"/>
+                      <a:r>
+                        <a:rPr lang="he-IL" sz="1100" u="none" strike="noStrike">
+                          <a:effectLst/>
+                        </a:rPr>
+                        <a:t>0.364727608</a:t>
+                      </a:r>
+                      <a:endParaRPr lang="he-IL" sz="1100" b="0" i="0" u="none" strike="noStrike">
+                        <a:solidFill>
+                          <a:srgbClr val="000000"/>
+                        </a:solidFill>
+                        <a:effectLst/>
+                        <a:latin typeface="Arial" panose="020B0604020202020204" pitchFamily="34" charset="0"/>
+                      </a:endParaRPr>
+                    </a:p>
+                  </a:txBody>
+                  <a:tcPr marL="9525" marR="9525" marT="9525" marB="0" anchor="b"/>
+                </a:tc>
+                <a:tc>
+                  <a:txBody>
+                    <a:bodyPr/>
+                    <a:lstStyle/>
+                    <a:p>
+                      <a:pPr algn="r" fontAlgn="b"/>
+                      <a:r>
+                        <a:rPr lang="he-IL" sz="1100" u="none" strike="noStrike">
+                          <a:effectLst/>
+                        </a:rPr>
+                        <a:t>0.090140611</a:t>
+                      </a:r>
+                      <a:endParaRPr lang="he-IL" sz="1100" b="0" i="0" u="none" strike="noStrike">
+                        <a:solidFill>
+                          <a:srgbClr val="000000"/>
+                        </a:solidFill>
+                        <a:effectLst/>
+                        <a:latin typeface="Arial" panose="020B0604020202020204" pitchFamily="34" charset="0"/>
+                      </a:endParaRPr>
+                    </a:p>
+                  </a:txBody>
+                  <a:tcPr marL="9525" marR="9525" marT="9525" marB="0" anchor="b"/>
+                </a:tc>
+                <a:tc>
+                  <a:txBody>
+                    <a:bodyPr/>
+                    <a:lstStyle/>
+                    <a:p>
+                      <a:pPr algn="r" fontAlgn="b"/>
+                      <a:r>
+                        <a:rPr lang="he-IL" sz="1100" u="none" strike="noStrike">
+                          <a:effectLst/>
+                        </a:rPr>
+                        <a:t>1</a:t>
+                      </a:r>
+                      <a:endParaRPr lang="he-IL" sz="1100" b="0" i="0" u="none" strike="noStrike">
+                        <a:solidFill>
+                          <a:srgbClr val="000000"/>
+                        </a:solidFill>
+                        <a:effectLst/>
+                        <a:latin typeface="Arial" panose="020B0604020202020204" pitchFamily="34" charset="0"/>
+                      </a:endParaRPr>
+                    </a:p>
+                  </a:txBody>
+                  <a:tcPr marL="9525" marR="9525" marT="9525" marB="0" anchor="b"/>
+                </a:tc>
+                <a:tc>
+                  <a:txBody>
+                    <a:bodyPr/>
+                    <a:lstStyle/>
+                    <a:p>
+                      <a:pPr algn="r" fontAlgn="b"/>
+                      <a:r>
+                        <a:rPr lang="he-IL" sz="1100" u="none" strike="noStrike">
+                          <a:effectLst/>
+                        </a:rPr>
+                        <a:t>0.314741036</a:t>
+                      </a:r>
+                      <a:endParaRPr lang="he-IL" sz="1100" b="0" i="0" u="none" strike="noStrike">
+                        <a:solidFill>
+                          <a:srgbClr val="000000"/>
+                        </a:solidFill>
+                        <a:effectLst/>
+                        <a:latin typeface="Arial" panose="020B0604020202020204" pitchFamily="34" charset="0"/>
+                      </a:endParaRPr>
+                    </a:p>
+                  </a:txBody>
+                  <a:tcPr marL="9525" marR="9525" marT="9525" marB="0" anchor="b"/>
+                </a:tc>
+                <a:tc>
+                  <a:txBody>
+                    <a:bodyPr/>
+                    <a:lstStyle/>
+                    <a:p>
+                      <a:pPr algn="r" fontAlgn="b"/>
+                      <a:r>
+                        <a:rPr lang="he-IL" sz="1100" u="none" strike="noStrike">
+                          <a:effectLst/>
+                        </a:rPr>
+                        <a:t>13.99108138</a:t>
+                      </a:r>
+                      <a:endParaRPr lang="he-IL" sz="1100" b="0" i="0" u="none" strike="noStrike">
+                        <a:solidFill>
+                          <a:srgbClr val="000000"/>
+                        </a:solidFill>
+                        <a:effectLst/>
+                        <a:latin typeface="Arial" panose="020B0604020202020204" pitchFamily="34" charset="0"/>
+                      </a:endParaRPr>
+                    </a:p>
+                  </a:txBody>
+                  <a:tcPr marL="9525" marR="9525" marT="9525" marB="0" anchor="b"/>
+                </a:tc>
+                <a:tc>
+                  <a:txBody>
+                    <a:bodyPr/>
+                    <a:lstStyle/>
+                    <a:p>
+                      <a:pPr algn="r" fontAlgn="b"/>
+                      <a:r>
+                        <a:rPr lang="he-IL" sz="1100" u="none" strike="noStrike">
+                          <a:effectLst/>
+                        </a:rPr>
+                        <a:t>-4.238382816</a:t>
+                      </a:r>
+                      <a:endParaRPr lang="he-IL" sz="1100" b="0" i="0" u="none" strike="noStrike">
+                        <a:solidFill>
+                          <a:srgbClr val="000000"/>
+                        </a:solidFill>
+                        <a:effectLst/>
+                        <a:latin typeface="Arial" panose="020B0604020202020204" pitchFamily="34" charset="0"/>
+                      </a:endParaRPr>
+                    </a:p>
+                  </a:txBody>
+                  <a:tcPr marL="9525" marR="9525" marT="9525" marB="0" anchor="b"/>
+                </a:tc>
+                <a:tc>
+                  <a:txBody>
+                    <a:bodyPr/>
+                    <a:lstStyle/>
+                    <a:p>
+                      <a:pPr algn="r" fontAlgn="b"/>
+                      <a:r>
+                        <a:rPr lang="he-IL" sz="1100" u="none" strike="noStrike">
+                          <a:effectLst/>
+                        </a:rPr>
+                        <a:t>-1.515254796</a:t>
+                      </a:r>
+                      <a:endParaRPr lang="he-IL" sz="1100" b="0" i="0" u="none" strike="noStrike">
+                        <a:solidFill>
+                          <a:srgbClr val="000000"/>
+                        </a:solidFill>
+                        <a:effectLst/>
+                        <a:latin typeface="Arial" panose="020B0604020202020204" pitchFamily="34" charset="0"/>
+                      </a:endParaRPr>
+                    </a:p>
+                  </a:txBody>
+                  <a:tcPr marL="9525" marR="9525" marT="9525" marB="0" anchor="b"/>
+                </a:tc>
+                <a:extLst>
+                  <a:ext uri="{0D108BD9-81ED-4DB2-BD59-A6C34878D82A}">
+                    <a16:rowId xmlns:a16="http://schemas.microsoft.com/office/drawing/2014/main" val="2764777887"/>
+                  </a:ext>
+                </a:extLst>
+              </a:tr>
+              <a:tr h="180975">
+                <a:tc>
+                  <a:txBody>
+                    <a:bodyPr/>
+                    <a:lstStyle/>
+                    <a:p>
+                      <a:pPr algn="l" fontAlgn="b"/>
+                      <a:r>
+                        <a:rPr lang="en-US" sz="1100" u="none" strike="noStrike">
+                          <a:effectLst/>
+                        </a:rPr>
+                        <a:t>Accelerometer2RMS</a:t>
+                      </a:r>
+                      <a:endParaRPr lang="en-US" sz="1100" b="0" i="0" u="none" strike="noStrike">
+                        <a:solidFill>
+                          <a:srgbClr val="000000"/>
+                        </a:solidFill>
+                        <a:effectLst/>
+                        <a:latin typeface="Arial" panose="020B0604020202020204" pitchFamily="34" charset="0"/>
+                      </a:endParaRPr>
+                    </a:p>
+                  </a:txBody>
+                  <a:tcPr marL="9525" marR="9525" marT="9525" marB="0" anchor="b"/>
+                </a:tc>
+                <a:tc>
+                  <a:txBody>
+                    <a:bodyPr/>
+                    <a:lstStyle/>
+                    <a:p>
+                      <a:pPr algn="r" fontAlgn="b"/>
+                      <a:r>
+                        <a:rPr lang="he-IL" sz="1100" u="none" strike="noStrike">
+                          <a:effectLst/>
+                        </a:rPr>
+                        <a:t>7</a:t>
+                      </a:r>
+                      <a:endParaRPr lang="he-IL" sz="1100" b="0" i="0" u="none" strike="noStrike">
+                        <a:solidFill>
+                          <a:srgbClr val="000000"/>
+                        </a:solidFill>
+                        <a:effectLst/>
+                        <a:latin typeface="Arial" panose="020B0604020202020204" pitchFamily="34" charset="0"/>
+                      </a:endParaRPr>
+                    </a:p>
+                  </a:txBody>
+                  <a:tcPr marL="9525" marR="9525" marT="9525" marB="0" anchor="b"/>
+                </a:tc>
+                <a:tc>
+                  <a:txBody>
+                    <a:bodyPr/>
+                    <a:lstStyle/>
+                    <a:p>
+                      <a:pPr algn="r" fontAlgn="b"/>
+                      <a:r>
+                        <a:rPr lang="he-IL" sz="1100" u="none" strike="noStrike">
+                          <a:effectLst/>
+                        </a:rPr>
+                        <a:t>0.24534687</a:t>
+                      </a:r>
+                      <a:endParaRPr lang="he-IL" sz="1100" b="0" i="0" u="none" strike="noStrike">
+                        <a:solidFill>
+                          <a:srgbClr val="000000"/>
+                        </a:solidFill>
+                        <a:effectLst/>
+                        <a:latin typeface="Arial" panose="020B0604020202020204" pitchFamily="34" charset="0"/>
+                      </a:endParaRPr>
+                    </a:p>
+                  </a:txBody>
+                  <a:tcPr marL="9525" marR="9525" marT="9525" marB="0" anchor="b"/>
+                </a:tc>
+                <a:tc>
+                  <a:txBody>
+                    <a:bodyPr/>
+                    <a:lstStyle/>
+                    <a:p>
+                      <a:pPr algn="r" fontAlgn="b"/>
+                      <a:r>
+                        <a:rPr lang="he-IL" sz="1100" u="none" strike="noStrike">
+                          <a:effectLst/>
+                        </a:rPr>
+                        <a:t>0.063093241</a:t>
+                      </a:r>
+                      <a:endParaRPr lang="he-IL" sz="1100" b="0" i="0" u="none" strike="noStrike">
+                        <a:solidFill>
+                          <a:srgbClr val="000000"/>
+                        </a:solidFill>
+                        <a:effectLst/>
+                        <a:latin typeface="Arial" panose="020B0604020202020204" pitchFamily="34" charset="0"/>
+                      </a:endParaRPr>
+                    </a:p>
+                  </a:txBody>
+                  <a:tcPr marL="9525" marR="9525" marT="9525" marB="0" anchor="b"/>
+                </a:tc>
+                <a:tc>
+                  <a:txBody>
+                    <a:bodyPr/>
+                    <a:lstStyle/>
+                    <a:p>
+                      <a:pPr algn="r" fontAlgn="b"/>
+                      <a:r>
+                        <a:rPr lang="he-IL" sz="1100" u="none" strike="noStrike">
+                          <a:effectLst/>
+                        </a:rPr>
+                        <a:t>0.568627451</a:t>
+                      </a:r>
+                      <a:endParaRPr lang="he-IL" sz="1100" b="0" i="0" u="none" strike="noStrike">
+                        <a:solidFill>
+                          <a:srgbClr val="000000"/>
+                        </a:solidFill>
+                        <a:effectLst/>
+                        <a:latin typeface="Arial" panose="020B0604020202020204" pitchFamily="34" charset="0"/>
+                      </a:endParaRPr>
+                    </a:p>
+                  </a:txBody>
+                  <a:tcPr marL="9525" marR="9525" marT="9525" marB="0" anchor="b"/>
+                </a:tc>
+                <a:tc>
+                  <a:txBody>
+                    <a:bodyPr/>
+                    <a:lstStyle/>
+                    <a:p>
+                      <a:pPr algn="r" fontAlgn="b"/>
+                      <a:r>
+                        <a:rPr lang="he-IL" sz="1100" u="none" strike="noStrike">
+                          <a:effectLst/>
+                        </a:rPr>
+                        <a:t>0.214814815</a:t>
+                      </a:r>
+                      <a:endParaRPr lang="he-IL" sz="1100" b="0" i="0" u="none" strike="noStrike">
+                        <a:solidFill>
+                          <a:srgbClr val="000000"/>
+                        </a:solidFill>
+                        <a:effectLst/>
+                        <a:latin typeface="Arial" panose="020B0604020202020204" pitchFamily="34" charset="0"/>
+                      </a:endParaRPr>
+                    </a:p>
+                  </a:txBody>
+                  <a:tcPr marL="9525" marR="9525" marT="9525" marB="0" anchor="b"/>
+                </a:tc>
+                <a:tc>
+                  <a:txBody>
+                    <a:bodyPr/>
+                    <a:lstStyle/>
+                    <a:p>
+                      <a:pPr algn="r" fontAlgn="b"/>
+                      <a:r>
+                        <a:rPr lang="he-IL" sz="1100" u="none" strike="noStrike">
+                          <a:effectLst/>
+                        </a:rPr>
+                        <a:t>17.83723523</a:t>
+                      </a:r>
+                      <a:endParaRPr lang="he-IL" sz="1100" b="0" i="0" u="none" strike="noStrike">
+                        <a:solidFill>
+                          <a:srgbClr val="000000"/>
+                        </a:solidFill>
+                        <a:effectLst/>
+                        <a:latin typeface="Arial" panose="020B0604020202020204" pitchFamily="34" charset="0"/>
+                      </a:endParaRPr>
+                    </a:p>
+                  </a:txBody>
+                  <a:tcPr marL="9525" marR="9525" marT="9525" marB="0" anchor="b"/>
+                </a:tc>
+                <a:tc>
+                  <a:txBody>
+                    <a:bodyPr/>
+                    <a:lstStyle/>
+                    <a:p>
+                      <a:pPr algn="r" fontAlgn="b"/>
+                      <a:r>
+                        <a:rPr lang="he-IL" sz="1100" u="none" strike="noStrike">
+                          <a:effectLst/>
+                        </a:rPr>
+                        <a:t>-0.411027819</a:t>
+                      </a:r>
+                      <a:endParaRPr lang="he-IL" sz="1100" b="0" i="0" u="none" strike="noStrike">
+                        <a:solidFill>
+                          <a:srgbClr val="000000"/>
+                        </a:solidFill>
+                        <a:effectLst/>
+                        <a:latin typeface="Arial" panose="020B0604020202020204" pitchFamily="34" charset="0"/>
+                      </a:endParaRPr>
+                    </a:p>
+                  </a:txBody>
+                  <a:tcPr marL="9525" marR="9525" marT="9525" marB="0" anchor="b"/>
+                </a:tc>
+                <a:tc>
+                  <a:txBody>
+                    <a:bodyPr/>
+                    <a:lstStyle/>
+                    <a:p>
+                      <a:pPr algn="r" fontAlgn="b"/>
+                      <a:r>
+                        <a:rPr lang="he-IL" sz="1100" u="none" strike="noStrike">
+                          <a:effectLst/>
+                        </a:rPr>
+                        <a:t>-0.298931405</a:t>
+                      </a:r>
+                      <a:endParaRPr lang="he-IL" sz="1100" b="0" i="0" u="none" strike="noStrike">
+                        <a:solidFill>
+                          <a:srgbClr val="000000"/>
+                        </a:solidFill>
+                        <a:effectLst/>
+                        <a:latin typeface="Arial" panose="020B0604020202020204" pitchFamily="34" charset="0"/>
+                      </a:endParaRPr>
+                    </a:p>
+                  </a:txBody>
+                  <a:tcPr marL="9525" marR="9525" marT="9525" marB="0" anchor="b"/>
+                </a:tc>
+                <a:extLst>
+                  <a:ext uri="{0D108BD9-81ED-4DB2-BD59-A6C34878D82A}">
+                    <a16:rowId xmlns:a16="http://schemas.microsoft.com/office/drawing/2014/main" val="4035511320"/>
+                  </a:ext>
+                </a:extLst>
+              </a:tr>
+              <a:tr h="180975">
+                <a:tc>
+                  <a:txBody>
+                    <a:bodyPr/>
+                    <a:lstStyle/>
+                    <a:p>
+                      <a:pPr algn="l" fontAlgn="b"/>
+                      <a:r>
+                        <a:rPr lang="en-US" sz="1100" u="none" strike="noStrike">
+                          <a:effectLst/>
+                        </a:rPr>
+                        <a:t>Temperature</a:t>
+                      </a:r>
+                      <a:endParaRPr lang="en-US" sz="1100" b="0" i="0" u="none" strike="noStrike">
+                        <a:solidFill>
+                          <a:srgbClr val="000000"/>
+                        </a:solidFill>
+                        <a:effectLst/>
+                        <a:latin typeface="Arial" panose="020B0604020202020204" pitchFamily="34" charset="0"/>
+                      </a:endParaRPr>
+                    </a:p>
+                  </a:txBody>
+                  <a:tcPr marL="9525" marR="9525" marT="9525" marB="0" anchor="b"/>
+                </a:tc>
+                <a:tc>
+                  <a:txBody>
+                    <a:bodyPr/>
+                    <a:lstStyle/>
+                    <a:p>
+                      <a:pPr algn="r" fontAlgn="b"/>
+                      <a:r>
+                        <a:rPr lang="he-IL" sz="1100" u="none" strike="noStrike">
+                          <a:effectLst/>
+                        </a:rPr>
+                        <a:t>29</a:t>
+                      </a:r>
+                      <a:endParaRPr lang="he-IL" sz="1100" b="0" i="0" u="none" strike="noStrike">
+                        <a:solidFill>
+                          <a:srgbClr val="000000"/>
+                        </a:solidFill>
+                        <a:effectLst/>
+                        <a:latin typeface="Arial" panose="020B0604020202020204" pitchFamily="34" charset="0"/>
+                      </a:endParaRPr>
+                    </a:p>
+                  </a:txBody>
+                  <a:tcPr marL="9525" marR="9525" marT="9525" marB="0" anchor="b"/>
+                </a:tc>
+                <a:tc>
+                  <a:txBody>
+                    <a:bodyPr/>
+                    <a:lstStyle/>
+                    <a:p>
+                      <a:pPr algn="r" fontAlgn="b"/>
+                      <a:r>
+                        <a:rPr lang="he-IL" sz="1100" u="none" strike="noStrike">
+                          <a:effectLst/>
+                        </a:rPr>
+                        <a:t>0</a:t>
+                      </a:r>
+                      <a:endParaRPr lang="he-IL" sz="1100" b="0" i="0" u="none" strike="noStrike">
+                        <a:solidFill>
+                          <a:srgbClr val="000000"/>
+                        </a:solidFill>
+                        <a:effectLst/>
+                        <a:latin typeface="Arial" panose="020B0604020202020204" pitchFamily="34" charset="0"/>
+                      </a:endParaRPr>
+                    </a:p>
+                  </a:txBody>
+                  <a:tcPr marL="9525" marR="9525" marT="9525" marB="0" anchor="b"/>
+                </a:tc>
+                <a:tc>
+                  <a:txBody>
+                    <a:bodyPr/>
+                    <a:lstStyle/>
+                    <a:p>
+                      <a:pPr algn="r" fontAlgn="b"/>
+                      <a:r>
+                        <a:rPr lang="he-IL" sz="1100" u="none" strike="noStrike">
+                          <a:effectLst/>
+                        </a:rPr>
+                        <a:t>0.0607177</a:t>
+                      </a:r>
+                      <a:endParaRPr lang="he-IL" sz="1100" b="0" i="0" u="none" strike="noStrike">
+                        <a:solidFill>
+                          <a:srgbClr val="000000"/>
+                        </a:solidFill>
+                        <a:effectLst/>
+                        <a:latin typeface="Arial" panose="020B0604020202020204" pitchFamily="34" charset="0"/>
+                      </a:endParaRPr>
+                    </a:p>
+                  </a:txBody>
+                  <a:tcPr marL="9525" marR="9525" marT="9525" marB="0" anchor="b"/>
+                </a:tc>
+                <a:tc>
+                  <a:txBody>
+                    <a:bodyPr/>
+                    <a:lstStyle/>
+                    <a:p>
+                      <a:pPr algn="r" fontAlgn="b"/>
+                      <a:r>
+                        <a:rPr lang="he-IL" sz="1100" u="none" strike="noStrike">
+                          <a:effectLst/>
+                        </a:rPr>
+                        <a:t>0</a:t>
+                      </a:r>
+                      <a:endParaRPr lang="he-IL" sz="1100" b="0" i="0" u="none" strike="noStrike">
+                        <a:solidFill>
+                          <a:srgbClr val="000000"/>
+                        </a:solidFill>
+                        <a:effectLst/>
+                        <a:latin typeface="Arial" panose="020B0604020202020204" pitchFamily="34" charset="0"/>
+                      </a:endParaRPr>
+                    </a:p>
+                  </a:txBody>
+                  <a:tcPr marL="9525" marR="9525" marT="9525" marB="0" anchor="b"/>
+                </a:tc>
+                <a:tc>
+                  <a:txBody>
+                    <a:bodyPr/>
+                    <a:lstStyle/>
+                    <a:p>
+                      <a:pPr algn="r" fontAlgn="b"/>
+                      <a:r>
+                        <a:rPr lang="he-IL" sz="1100" u="none" strike="noStrike">
+                          <a:effectLst/>
+                        </a:rPr>
+                        <a:t>0</a:t>
+                      </a:r>
+                      <a:endParaRPr lang="he-IL" sz="1100" b="0" i="0" u="none" strike="noStrike">
+                        <a:solidFill>
+                          <a:srgbClr val="000000"/>
+                        </a:solidFill>
+                        <a:effectLst/>
+                        <a:latin typeface="Arial" panose="020B0604020202020204" pitchFamily="34" charset="0"/>
+                      </a:endParaRPr>
+                    </a:p>
+                  </a:txBody>
+                  <a:tcPr marL="9525" marR="9525" marT="9525" marB="0" anchor="b"/>
+                </a:tc>
+                <a:tc>
+                  <a:txBody>
+                    <a:bodyPr/>
+                    <a:lstStyle/>
+                    <a:p>
+                      <a:pPr algn="r" fontAlgn="b"/>
+                      <a:r>
+                        <a:rPr lang="he-IL" sz="1100" u="none" strike="noStrike">
+                          <a:effectLst/>
+                        </a:rPr>
+                        <a:t>15.10590858</a:t>
+                      </a:r>
+                      <a:endParaRPr lang="he-IL" sz="1100" b="0" i="0" u="none" strike="noStrike">
+                        <a:solidFill>
+                          <a:srgbClr val="000000"/>
+                        </a:solidFill>
+                        <a:effectLst/>
+                        <a:latin typeface="Arial" panose="020B0604020202020204" pitchFamily="34" charset="0"/>
+                      </a:endParaRPr>
+                    </a:p>
+                  </a:txBody>
+                  <a:tcPr marL="9525" marR="9525" marT="9525" marB="0" anchor="b"/>
+                </a:tc>
+                <a:tc>
+                  <a:txBody>
+                    <a:bodyPr/>
+                    <a:lstStyle/>
+                    <a:p>
+                      <a:pPr algn="r" fontAlgn="b"/>
+                      <a:r>
+                        <a:rPr lang="he-IL" sz="1100" u="none" strike="noStrike">
+                          <a:effectLst/>
+                        </a:rPr>
+                        <a:t>-0.585140437</a:t>
+                      </a:r>
+                      <a:endParaRPr lang="he-IL" sz="1100" b="0" i="0" u="none" strike="noStrike">
+                        <a:solidFill>
+                          <a:srgbClr val="000000"/>
+                        </a:solidFill>
+                        <a:effectLst/>
+                        <a:latin typeface="Arial" panose="020B0604020202020204" pitchFamily="34" charset="0"/>
+                      </a:endParaRPr>
+                    </a:p>
+                  </a:txBody>
+                  <a:tcPr marL="9525" marR="9525" marT="9525" marB="0" anchor="b"/>
+                </a:tc>
+                <a:tc>
+                  <a:txBody>
+                    <a:bodyPr/>
+                    <a:lstStyle/>
+                    <a:p>
+                      <a:pPr algn="r" fontAlgn="b"/>
+                      <a:r>
+                        <a:rPr lang="he-IL" sz="1100" u="none" strike="noStrike" dirty="0">
+                          <a:effectLst/>
+                        </a:rPr>
+                        <a:t>-0.520010054</a:t>
+                      </a:r>
+                      <a:endParaRPr lang="he-IL" sz="1100" b="0" i="0" u="none" strike="noStrike" dirty="0">
+                        <a:solidFill>
+                          <a:srgbClr val="000000"/>
+                        </a:solidFill>
+                        <a:effectLst/>
+                        <a:latin typeface="Arial" panose="020B0604020202020204" pitchFamily="34" charset="0"/>
+                      </a:endParaRPr>
+                    </a:p>
+                  </a:txBody>
+                  <a:tcPr marL="9525" marR="9525" marT="9525" marB="0" anchor="b"/>
+                </a:tc>
+                <a:extLst>
+                  <a:ext uri="{0D108BD9-81ED-4DB2-BD59-A6C34878D82A}">
+                    <a16:rowId xmlns:a16="http://schemas.microsoft.com/office/drawing/2014/main" val="1948866060"/>
+                  </a:ext>
+                </a:extLst>
+              </a:tr>
+            </a:tbl>
+          </a:graphicData>
+        </a:graphic>
+      </p:graphicFrame>
+    </p:spTree>
+    <p:extLst>
+      <p:ext uri="{BB962C8B-B14F-4D97-AF65-F5344CB8AC3E}">
+        <p14:creationId xmlns:p14="http://schemas.microsoft.com/office/powerpoint/2010/main" val="365342234"/>
+      </p:ext>
+    </p:extLst>
+  </p:cSld>
+  <p:clrMapOvr>
+    <a:masterClrMapping/>
+  </p:clrMapOvr>
+</p:sld>
+</file>
+
+<file path=ppt/slides/slide28.xml><?xml version="1.0" encoding="utf-8"?>
+<p:sld xmlns:a="http://schemas.openxmlformats.org/drawingml/2006/main" xmlns:r="http://schemas.openxmlformats.org/officeDocument/2006/relationships" xmlns:p="http://schemas.openxmlformats.org/presentationml/2006/main">
+  <p:cSld>
+    <p:spTree>
+      <p:nvGrpSpPr>
+        <p:cNvPr id="1" name="">
+          <a:extLst>
+            <a:ext uri="{FF2B5EF4-FFF2-40B4-BE49-F238E27FC236}">
+              <a16:creationId xmlns:a16="http://schemas.microsoft.com/office/drawing/2014/main" id="{9A106C02-1E48-26B5-DD51-2C78C8B2CD95}"/>
+            </a:ext>
+          </a:extLst>
+        </p:cNvPr>
+        <p:cNvGrpSpPr/>
+        <p:nvPr/>
+      </p:nvGrpSpPr>
+      <p:grpSpPr>
+        <a:xfrm>
+          <a:off x="0" y="0"/>
+          <a:ext cx="0" cy="0"/>
+          <a:chOff x="0" y="0"/>
+          <a:chExt cx="0" cy="0"/>
+        </a:xfrm>
+      </p:grpSpPr>
+      <p:sp>
+        <p:nvSpPr>
+          <p:cNvPr id="4" name="Title 3">
+            <a:extLst>
+              <a:ext uri="{FF2B5EF4-FFF2-40B4-BE49-F238E27FC236}">
+                <a16:creationId xmlns:a16="http://schemas.microsoft.com/office/drawing/2014/main" id="{844D0940-525D-DCC4-9F4B-3569125862CF}"/>
+              </a:ext>
+            </a:extLst>
+          </p:cNvPr>
+          <p:cNvSpPr>
+            <a:spLocks noGrp="1"/>
+          </p:cNvSpPr>
+          <p:nvPr>
+            <p:ph type="title"/>
+          </p:nvPr>
+        </p:nvSpPr>
+        <p:spPr/>
+        <p:txBody>
+          <a:bodyPr/>
+          <a:lstStyle/>
+          <a:p>
+            <a:pPr rtl="0"/>
+            <a:r>
+              <a:rPr lang="en-US" dirty="0" err="1"/>
+              <a:t>ConvAE</a:t>
+            </a:r>
+            <a:r>
+              <a:rPr lang="en-US" dirty="0"/>
+              <a:t> model</a:t>
+            </a:r>
+            <a:br>
+              <a:rPr lang="en-US" dirty="0"/>
+            </a:br>
+            <a:r>
+              <a:rPr lang="en-US" dirty="0"/>
+              <a:t>Top under-performing pairs of features</a:t>
+            </a:r>
+            <a:endParaRPr lang="he-IL" dirty="0"/>
+          </a:p>
+        </p:txBody>
+      </p:sp>
+      <p:sp>
+        <p:nvSpPr>
+          <p:cNvPr id="2" name="Content Placeholder 4">
+            <a:extLst>
+              <a:ext uri="{FF2B5EF4-FFF2-40B4-BE49-F238E27FC236}">
+                <a16:creationId xmlns:a16="http://schemas.microsoft.com/office/drawing/2014/main" id="{CE891D3F-78E3-8DA8-5174-CEE67B193479}"/>
+              </a:ext>
+            </a:extLst>
+          </p:cNvPr>
+          <p:cNvSpPr>
+            <a:spLocks noGrp="1"/>
+          </p:cNvSpPr>
+          <p:nvPr>
+            <p:ph sz="quarter" idx="13"/>
+          </p:nvPr>
+        </p:nvSpPr>
+        <p:spPr>
+          <a:xfrm>
+            <a:off x="913774" y="2367092"/>
+            <a:ext cx="10363826" cy="3424107"/>
+          </a:xfrm>
+        </p:spPr>
+        <p:txBody>
+          <a:bodyPr>
+            <a:normAutofit/>
+          </a:bodyPr>
+          <a:lstStyle/>
+          <a:p>
+            <a:pPr marL="0" indent="0" algn="l" rtl="0">
+              <a:buNone/>
+            </a:pPr>
+            <a:r>
+              <a:rPr lang="en-US" sz="2800" dirty="0"/>
+              <a:t>By accuracy:</a:t>
+            </a:r>
+          </a:p>
+          <a:p>
+            <a:pPr marL="0" indent="0" algn="l" rtl="0">
+              <a:buNone/>
+            </a:pPr>
+            <a:endParaRPr lang="en-US" sz="2800" dirty="0"/>
+          </a:p>
+          <a:p>
+            <a:pPr marL="0" indent="0" algn="l" rtl="0">
+              <a:buNone/>
+            </a:pPr>
+            <a:r>
+              <a:rPr lang="en-US" sz="2800" dirty="0"/>
+              <a:t>By F2:</a:t>
+            </a:r>
+            <a:endParaRPr lang="he-IL" sz="2800" dirty="0"/>
+          </a:p>
+        </p:txBody>
+      </p:sp>
+      <p:graphicFrame>
+        <p:nvGraphicFramePr>
+          <p:cNvPr id="3" name="Table 2">
+            <a:extLst>
+              <a:ext uri="{FF2B5EF4-FFF2-40B4-BE49-F238E27FC236}">
+                <a16:creationId xmlns:a16="http://schemas.microsoft.com/office/drawing/2014/main" id="{FAC1FF93-8AE2-D5BE-1FCB-D8016EC8DAD5}"/>
+              </a:ext>
+            </a:extLst>
+          </p:cNvPr>
+          <p:cNvGraphicFramePr>
+            <a:graphicFrameLocks noGrp="1"/>
+          </p:cNvGraphicFramePr>
+          <p:nvPr>
+            <p:extLst>
+              <p:ext uri="{D42A27DB-BD31-4B8C-83A1-F6EECF244321}">
+                <p14:modId xmlns:p14="http://schemas.microsoft.com/office/powerpoint/2010/main" val="2503467042"/>
+              </p:ext>
+            </p:extLst>
+          </p:nvPr>
+        </p:nvGraphicFramePr>
+        <p:xfrm>
+          <a:off x="913774" y="2892234"/>
+          <a:ext cx="10363200" cy="619538"/>
+        </p:xfrm>
+        <a:graphic>
+          <a:graphicData uri="http://schemas.openxmlformats.org/drawingml/2006/table">
+            <a:tbl>
+              <a:tblPr>
+                <a:tableStyleId>{5C22544A-7EE6-4342-B048-85BDC9FD1C3A}</a:tableStyleId>
+              </a:tblPr>
+              <a:tblGrid>
+                <a:gridCol w="2453526">
+                  <a:extLst>
+                    <a:ext uri="{9D8B030D-6E8A-4147-A177-3AD203B41FA5}">
+                      <a16:colId xmlns:a16="http://schemas.microsoft.com/office/drawing/2014/main" val="1885018364"/>
+                    </a:ext>
+                  </a:extLst>
+                </a:gridCol>
+                <a:gridCol w="441956">
+                  <a:extLst>
+                    <a:ext uri="{9D8B030D-6E8A-4147-A177-3AD203B41FA5}">
+                      <a16:colId xmlns:a16="http://schemas.microsoft.com/office/drawing/2014/main" val="2464712261"/>
+                    </a:ext>
+                  </a:extLst>
+                </a:gridCol>
+                <a:gridCol w="763379">
+                  <a:extLst>
+                    <a:ext uri="{9D8B030D-6E8A-4147-A177-3AD203B41FA5}">
+                      <a16:colId xmlns:a16="http://schemas.microsoft.com/office/drawing/2014/main" val="819918011"/>
+                    </a:ext>
+                  </a:extLst>
+                </a:gridCol>
+                <a:gridCol w="985696">
+                  <a:extLst>
+                    <a:ext uri="{9D8B030D-6E8A-4147-A177-3AD203B41FA5}">
+                      <a16:colId xmlns:a16="http://schemas.microsoft.com/office/drawing/2014/main" val="3543980047"/>
+                    </a:ext>
+                  </a:extLst>
+                </a:gridCol>
+                <a:gridCol w="763379">
+                  <a:extLst>
+                    <a:ext uri="{9D8B030D-6E8A-4147-A177-3AD203B41FA5}">
+                      <a16:colId xmlns:a16="http://schemas.microsoft.com/office/drawing/2014/main" val="24435360"/>
+                    </a:ext>
+                  </a:extLst>
+                </a:gridCol>
+                <a:gridCol w="763379">
+                  <a:extLst>
+                    <a:ext uri="{9D8B030D-6E8A-4147-A177-3AD203B41FA5}">
+                      <a16:colId xmlns:a16="http://schemas.microsoft.com/office/drawing/2014/main" val="4013523398"/>
+                    </a:ext>
+                  </a:extLst>
+                </a:gridCol>
+                <a:gridCol w="763379">
+                  <a:extLst>
+                    <a:ext uri="{9D8B030D-6E8A-4147-A177-3AD203B41FA5}">
+                      <a16:colId xmlns:a16="http://schemas.microsoft.com/office/drawing/2014/main" val="1194388231"/>
+                    </a:ext>
+                  </a:extLst>
+                </a:gridCol>
+                <a:gridCol w="846412">
+                  <a:extLst>
+                    <a:ext uri="{9D8B030D-6E8A-4147-A177-3AD203B41FA5}">
+                      <a16:colId xmlns:a16="http://schemas.microsoft.com/office/drawing/2014/main" val="474322978"/>
+                    </a:ext>
+                  </a:extLst>
+                </a:gridCol>
+                <a:gridCol w="867841">
+                  <a:extLst>
+                    <a:ext uri="{9D8B030D-6E8A-4147-A177-3AD203B41FA5}">
+                      <a16:colId xmlns:a16="http://schemas.microsoft.com/office/drawing/2014/main" val="342957599"/>
+                    </a:ext>
+                  </a:extLst>
+                </a:gridCol>
+                <a:gridCol w="846412">
+                  <a:extLst>
+                    <a:ext uri="{9D8B030D-6E8A-4147-A177-3AD203B41FA5}">
+                      <a16:colId xmlns:a16="http://schemas.microsoft.com/office/drawing/2014/main" val="2574656736"/>
+                    </a:ext>
+                  </a:extLst>
+                </a:gridCol>
+                <a:gridCol w="867841">
+                  <a:extLst>
+                    <a:ext uri="{9D8B030D-6E8A-4147-A177-3AD203B41FA5}">
+                      <a16:colId xmlns:a16="http://schemas.microsoft.com/office/drawing/2014/main" val="3438061689"/>
+                    </a:ext>
+                  </a:extLst>
+                </a:gridCol>
+              </a:tblGrid>
+              <a:tr h="160919">
+                <a:tc>
+                  <a:txBody>
+                    <a:bodyPr/>
+                    <a:lstStyle/>
+                    <a:p>
+                      <a:pPr algn="ctr" fontAlgn="b"/>
+                      <a:r>
+                        <a:rPr lang="en-US" sz="900" u="none" strike="noStrike">
+                          <a:effectLst/>
+                        </a:rPr>
+                        <a:t>Feature</a:t>
+                      </a:r>
+                      <a:endParaRPr lang="en-US" sz="900" b="1" i="0" u="none" strike="noStrike">
+                        <a:solidFill>
+                          <a:srgbClr val="000000"/>
+                        </a:solidFill>
+                        <a:effectLst/>
+                        <a:latin typeface="Arial" panose="020B0604020202020204" pitchFamily="34" charset="0"/>
+                      </a:endParaRPr>
+                    </a:p>
+                  </a:txBody>
+                  <a:tcPr marL="8046" marR="8046" marT="8046" marB="0" anchor="b"/>
+                </a:tc>
+                <a:tc>
+                  <a:txBody>
+                    <a:bodyPr/>
+                    <a:lstStyle/>
+                    <a:p>
+                      <a:pPr algn="ctr" fontAlgn="b"/>
+                      <a:r>
+                        <a:rPr lang="en-US" sz="900" u="none" strike="noStrike">
+                          <a:effectLst/>
+                        </a:rPr>
+                        <a:t>Leaf id</a:t>
+                      </a:r>
+                      <a:endParaRPr lang="en-US" sz="900" b="1" i="0" u="none" strike="noStrike">
+                        <a:solidFill>
+                          <a:srgbClr val="000000"/>
+                        </a:solidFill>
+                        <a:effectLst/>
+                        <a:latin typeface="Arial" panose="020B0604020202020204" pitchFamily="34" charset="0"/>
+                      </a:endParaRPr>
+                    </a:p>
+                  </a:txBody>
+                  <a:tcPr marL="8046" marR="8046" marT="8046" marB="0" anchor="b"/>
+                </a:tc>
+                <a:tc>
+                  <a:txBody>
+                    <a:bodyPr/>
+                    <a:lstStyle/>
+                    <a:p>
+                      <a:pPr algn="ctr" fontAlgn="b"/>
+                      <a:r>
+                        <a:rPr lang="en-US" sz="900" u="none" strike="noStrike">
+                          <a:effectLst/>
+                        </a:rPr>
+                        <a:t>F2</a:t>
+                      </a:r>
+                      <a:endParaRPr lang="en-US" sz="900" b="1" i="0" u="none" strike="noStrike">
+                        <a:solidFill>
+                          <a:srgbClr val="000000"/>
+                        </a:solidFill>
+                        <a:effectLst/>
+                        <a:latin typeface="Arial" panose="020B0604020202020204" pitchFamily="34" charset="0"/>
+                      </a:endParaRPr>
+                    </a:p>
+                  </a:txBody>
+                  <a:tcPr marL="8046" marR="8046" marT="8046" marB="0" anchor="b"/>
+                </a:tc>
+                <a:tc>
+                  <a:txBody>
+                    <a:bodyPr/>
+                    <a:lstStyle/>
+                    <a:p>
+                      <a:pPr algn="ctr" fontAlgn="b"/>
+                      <a:r>
+                        <a:rPr lang="en-US" sz="900" u="none" strike="noStrike">
+                          <a:effectLst/>
+                        </a:rPr>
+                        <a:t>F2 improvement</a:t>
+                      </a:r>
+                      <a:endParaRPr lang="en-US" sz="900" b="1" i="0" u="none" strike="noStrike">
+                        <a:solidFill>
+                          <a:srgbClr val="000000"/>
+                        </a:solidFill>
+                        <a:effectLst/>
+                        <a:latin typeface="Arial" panose="020B0604020202020204" pitchFamily="34" charset="0"/>
+                      </a:endParaRPr>
+                    </a:p>
+                  </a:txBody>
+                  <a:tcPr marL="8046" marR="8046" marT="8046" marB="0" anchor="b"/>
+                </a:tc>
+                <a:tc>
+                  <a:txBody>
+                    <a:bodyPr/>
+                    <a:lstStyle/>
+                    <a:p>
+                      <a:pPr algn="ctr" fontAlgn="b"/>
+                      <a:r>
+                        <a:rPr lang="en-US" sz="900" u="none" strike="noStrike">
+                          <a:effectLst/>
+                        </a:rPr>
+                        <a:t>Precision</a:t>
+                      </a:r>
+                      <a:endParaRPr lang="en-US" sz="900" b="1" i="0" u="none" strike="noStrike">
+                        <a:solidFill>
+                          <a:srgbClr val="000000"/>
+                        </a:solidFill>
+                        <a:effectLst/>
+                        <a:latin typeface="Arial" panose="020B0604020202020204" pitchFamily="34" charset="0"/>
+                      </a:endParaRPr>
+                    </a:p>
+                  </a:txBody>
+                  <a:tcPr marL="8046" marR="8046" marT="8046" marB="0" anchor="b"/>
+                </a:tc>
+                <a:tc>
+                  <a:txBody>
+                    <a:bodyPr/>
+                    <a:lstStyle/>
+                    <a:p>
+                      <a:pPr algn="ctr" fontAlgn="b"/>
+                      <a:r>
+                        <a:rPr lang="en-US" sz="900" u="none" strike="noStrike">
+                          <a:effectLst/>
+                        </a:rPr>
+                        <a:t>Recall</a:t>
+                      </a:r>
+                      <a:endParaRPr lang="en-US" sz="900" b="1" i="0" u="none" strike="noStrike">
+                        <a:solidFill>
+                          <a:srgbClr val="000000"/>
+                        </a:solidFill>
+                        <a:effectLst/>
+                        <a:latin typeface="Arial" panose="020B0604020202020204" pitchFamily="34" charset="0"/>
+                      </a:endParaRPr>
+                    </a:p>
+                  </a:txBody>
+                  <a:tcPr marL="8046" marR="8046" marT="8046" marB="0" anchor="b"/>
+                </a:tc>
+                <a:tc>
+                  <a:txBody>
+                    <a:bodyPr/>
+                    <a:lstStyle/>
+                    <a:p>
+                      <a:pPr algn="ctr" fontAlgn="b"/>
+                      <a:r>
+                        <a:rPr lang="en-US" sz="900" u="none" strike="noStrike">
+                          <a:effectLst/>
+                        </a:rPr>
+                        <a:t>Size</a:t>
+                      </a:r>
+                      <a:endParaRPr lang="en-US" sz="900" b="1" i="0" u="none" strike="noStrike">
+                        <a:solidFill>
+                          <a:srgbClr val="000000"/>
+                        </a:solidFill>
+                        <a:effectLst/>
+                        <a:latin typeface="Arial" panose="020B0604020202020204" pitchFamily="34" charset="0"/>
+                      </a:endParaRPr>
+                    </a:p>
+                  </a:txBody>
+                  <a:tcPr marL="8046" marR="8046" marT="8046" marB="0" anchor="b"/>
+                </a:tc>
+                <a:tc>
+                  <a:txBody>
+                    <a:bodyPr/>
+                    <a:lstStyle/>
+                    <a:p>
+                      <a:pPr algn="ctr" fontAlgn="b"/>
+                      <a:r>
+                        <a:rPr lang="en-US" sz="900" u="none" strike="noStrike">
+                          <a:effectLst/>
+                        </a:rPr>
+                        <a:t>Feature 1 Min</a:t>
+                      </a:r>
+                      <a:endParaRPr lang="en-US" sz="900" b="1" i="0" u="none" strike="noStrike">
+                        <a:solidFill>
+                          <a:srgbClr val="000000"/>
+                        </a:solidFill>
+                        <a:effectLst/>
+                        <a:latin typeface="Arial" panose="020B0604020202020204" pitchFamily="34" charset="0"/>
+                      </a:endParaRPr>
+                    </a:p>
+                  </a:txBody>
+                  <a:tcPr marL="8046" marR="8046" marT="8046" marB="0" anchor="b"/>
+                </a:tc>
+                <a:tc>
+                  <a:txBody>
+                    <a:bodyPr/>
+                    <a:lstStyle/>
+                    <a:p>
+                      <a:pPr algn="ctr" fontAlgn="b"/>
+                      <a:r>
+                        <a:rPr lang="en-US" sz="900" u="none" strike="noStrike">
+                          <a:effectLst/>
+                        </a:rPr>
+                        <a:t>Feature 1 Max</a:t>
+                      </a:r>
+                      <a:endParaRPr lang="en-US" sz="900" b="1" i="0" u="none" strike="noStrike">
+                        <a:solidFill>
+                          <a:srgbClr val="000000"/>
+                        </a:solidFill>
+                        <a:effectLst/>
+                        <a:latin typeface="Arial" panose="020B0604020202020204" pitchFamily="34" charset="0"/>
+                      </a:endParaRPr>
+                    </a:p>
+                  </a:txBody>
+                  <a:tcPr marL="8046" marR="8046" marT="8046" marB="0" anchor="b"/>
+                </a:tc>
+                <a:tc>
+                  <a:txBody>
+                    <a:bodyPr/>
+                    <a:lstStyle/>
+                    <a:p>
+                      <a:pPr algn="ctr" fontAlgn="b"/>
+                      <a:r>
+                        <a:rPr lang="en-US" sz="900" u="none" strike="noStrike">
+                          <a:effectLst/>
+                        </a:rPr>
+                        <a:t>Feature 2 Min</a:t>
+                      </a:r>
+                      <a:endParaRPr lang="en-US" sz="900" b="1" i="0" u="none" strike="noStrike">
+                        <a:solidFill>
+                          <a:srgbClr val="000000"/>
+                        </a:solidFill>
+                        <a:effectLst/>
+                        <a:latin typeface="Arial" panose="020B0604020202020204" pitchFamily="34" charset="0"/>
+                      </a:endParaRPr>
+                    </a:p>
+                  </a:txBody>
+                  <a:tcPr marL="8046" marR="8046" marT="8046" marB="0" anchor="b"/>
+                </a:tc>
+                <a:tc>
+                  <a:txBody>
+                    <a:bodyPr/>
+                    <a:lstStyle/>
+                    <a:p>
+                      <a:pPr algn="ctr" fontAlgn="b"/>
+                      <a:r>
+                        <a:rPr lang="en-US" sz="900" u="none" strike="noStrike">
+                          <a:effectLst/>
+                        </a:rPr>
+                        <a:t>Feature 2 Max</a:t>
+                      </a:r>
+                      <a:endParaRPr lang="en-US" sz="900" b="1" i="0" u="none" strike="noStrike">
+                        <a:solidFill>
+                          <a:srgbClr val="000000"/>
+                        </a:solidFill>
+                        <a:effectLst/>
+                        <a:latin typeface="Arial" panose="020B0604020202020204" pitchFamily="34" charset="0"/>
+                      </a:endParaRPr>
+                    </a:p>
+                  </a:txBody>
+                  <a:tcPr marL="8046" marR="8046" marT="8046" marB="0" anchor="b"/>
+                </a:tc>
+                <a:extLst>
+                  <a:ext uri="{0D108BD9-81ED-4DB2-BD59-A6C34878D82A}">
+                    <a16:rowId xmlns:a16="http://schemas.microsoft.com/office/drawing/2014/main" val="320947194"/>
+                  </a:ext>
+                </a:extLst>
+              </a:tr>
+              <a:tr h="152873">
+                <a:tc>
+                  <a:txBody>
+                    <a:bodyPr/>
+                    <a:lstStyle/>
+                    <a:p>
+                      <a:pPr algn="l" fontAlgn="b"/>
+                      <a:r>
+                        <a:rPr lang="en-US" sz="900" u="none" strike="noStrike">
+                          <a:effectLst/>
+                        </a:rPr>
+                        <a:t>Accelerometer1RMS-Volume Flow RateRMS</a:t>
+                      </a:r>
+                      <a:endParaRPr lang="en-US" sz="900" b="0" i="0" u="none" strike="noStrike">
+                        <a:solidFill>
+                          <a:srgbClr val="000000"/>
+                        </a:solidFill>
+                        <a:effectLst/>
+                        <a:latin typeface="Arial" panose="020B0604020202020204" pitchFamily="34" charset="0"/>
+                      </a:endParaRPr>
+                    </a:p>
+                  </a:txBody>
+                  <a:tcPr marL="8046" marR="8046" marT="8046" marB="0" anchor="b"/>
+                </a:tc>
+                <a:tc>
+                  <a:txBody>
+                    <a:bodyPr/>
+                    <a:lstStyle/>
+                    <a:p>
+                      <a:pPr algn="r" fontAlgn="b"/>
+                      <a:r>
+                        <a:rPr lang="he-IL" sz="900" u="none" strike="noStrike">
+                          <a:effectLst/>
+                        </a:rPr>
+                        <a:t>10</a:t>
+                      </a:r>
+                      <a:endParaRPr lang="he-IL" sz="900" b="0" i="0" u="none" strike="noStrike">
+                        <a:solidFill>
+                          <a:srgbClr val="000000"/>
+                        </a:solidFill>
+                        <a:effectLst/>
+                        <a:latin typeface="Arial" panose="020B0604020202020204" pitchFamily="34" charset="0"/>
+                      </a:endParaRPr>
+                    </a:p>
+                  </a:txBody>
+                  <a:tcPr marL="8046" marR="8046" marT="8046" marB="0" anchor="b"/>
+                </a:tc>
+                <a:tc>
+                  <a:txBody>
+                    <a:bodyPr/>
+                    <a:lstStyle/>
+                    <a:p>
+                      <a:pPr algn="r" fontAlgn="b"/>
+                      <a:r>
+                        <a:rPr lang="he-IL" sz="900" u="none" strike="noStrike">
+                          <a:effectLst/>
+                        </a:rPr>
+                        <a:t>0.249233129</a:t>
+                      </a:r>
+                      <a:endParaRPr lang="he-IL" sz="900" b="0" i="0" u="none" strike="noStrike">
+                        <a:solidFill>
+                          <a:srgbClr val="000000"/>
+                        </a:solidFill>
+                        <a:effectLst/>
+                        <a:latin typeface="Arial" panose="020B0604020202020204" pitchFamily="34" charset="0"/>
+                      </a:endParaRPr>
+                    </a:p>
+                  </a:txBody>
+                  <a:tcPr marL="8046" marR="8046" marT="8046" marB="0" anchor="b"/>
+                </a:tc>
+                <a:tc>
+                  <a:txBody>
+                    <a:bodyPr/>
+                    <a:lstStyle/>
+                    <a:p>
+                      <a:pPr algn="r" fontAlgn="b"/>
+                      <a:r>
+                        <a:rPr lang="he-IL" sz="900" u="none" strike="noStrike">
+                          <a:effectLst/>
+                        </a:rPr>
+                        <a:t>0.175147328</a:t>
+                      </a:r>
+                      <a:endParaRPr lang="he-IL" sz="900" b="0" i="0" u="none" strike="noStrike">
+                        <a:solidFill>
+                          <a:srgbClr val="000000"/>
+                        </a:solidFill>
+                        <a:effectLst/>
+                        <a:latin typeface="Arial" panose="020B0604020202020204" pitchFamily="34" charset="0"/>
+                      </a:endParaRPr>
+                    </a:p>
+                  </a:txBody>
+                  <a:tcPr marL="8046" marR="8046" marT="8046" marB="0" anchor="b"/>
+                </a:tc>
+                <a:tc>
+                  <a:txBody>
+                    <a:bodyPr/>
+                    <a:lstStyle/>
+                    <a:p>
+                      <a:pPr algn="r" fontAlgn="b"/>
+                      <a:r>
+                        <a:rPr lang="he-IL" sz="900" u="none" strike="noStrike">
+                          <a:effectLst/>
+                        </a:rPr>
+                        <a:t>0.706521739</a:t>
+                      </a:r>
+                      <a:endParaRPr lang="he-IL" sz="900" b="0" i="0" u="none" strike="noStrike">
+                        <a:solidFill>
+                          <a:srgbClr val="000000"/>
+                        </a:solidFill>
+                        <a:effectLst/>
+                        <a:latin typeface="Arial" panose="020B0604020202020204" pitchFamily="34" charset="0"/>
+                      </a:endParaRPr>
+                    </a:p>
+                  </a:txBody>
+                  <a:tcPr marL="8046" marR="8046" marT="8046" marB="0" anchor="b"/>
+                </a:tc>
+                <a:tc>
+                  <a:txBody>
+                    <a:bodyPr/>
+                    <a:lstStyle/>
+                    <a:p>
+                      <a:pPr algn="r" fontAlgn="b"/>
+                      <a:r>
+                        <a:rPr lang="he-IL" sz="900" u="none" strike="noStrike">
+                          <a:effectLst/>
+                        </a:rPr>
+                        <a:t>0.214521452</a:t>
+                      </a:r>
+                      <a:endParaRPr lang="he-IL" sz="900" b="0" i="0" u="none" strike="noStrike">
+                        <a:solidFill>
+                          <a:srgbClr val="000000"/>
+                        </a:solidFill>
+                        <a:effectLst/>
+                        <a:latin typeface="Arial" panose="020B0604020202020204" pitchFamily="34" charset="0"/>
+                      </a:endParaRPr>
+                    </a:p>
+                  </a:txBody>
+                  <a:tcPr marL="8046" marR="8046" marT="8046" marB="0" anchor="b"/>
+                </a:tc>
+                <a:tc>
+                  <a:txBody>
+                    <a:bodyPr/>
+                    <a:lstStyle/>
+                    <a:p>
+                      <a:pPr algn="r" fontAlgn="b"/>
+                      <a:r>
+                        <a:rPr lang="he-IL" sz="900" u="none" strike="noStrike">
+                          <a:effectLst/>
+                        </a:rPr>
+                        <a:t>18.78483835</a:t>
+                      </a:r>
+                      <a:endParaRPr lang="he-IL" sz="900" b="0" i="0" u="none" strike="noStrike">
+                        <a:solidFill>
+                          <a:srgbClr val="000000"/>
+                        </a:solidFill>
+                        <a:effectLst/>
+                        <a:latin typeface="Arial" panose="020B0604020202020204" pitchFamily="34" charset="0"/>
+                      </a:endParaRPr>
+                    </a:p>
+                  </a:txBody>
+                  <a:tcPr marL="8046" marR="8046" marT="8046" marB="0" anchor="b"/>
+                </a:tc>
+                <a:tc>
+                  <a:txBody>
+                    <a:bodyPr/>
+                    <a:lstStyle/>
+                    <a:p>
+                      <a:pPr algn="r" fontAlgn="b"/>
+                      <a:r>
+                        <a:rPr lang="he-IL" sz="900" u="none" strike="noStrike">
+                          <a:effectLst/>
+                        </a:rPr>
+                        <a:t>-0.213960193</a:t>
+                      </a:r>
+                      <a:endParaRPr lang="he-IL" sz="900" b="0" i="0" u="none" strike="noStrike">
+                        <a:solidFill>
+                          <a:srgbClr val="000000"/>
+                        </a:solidFill>
+                        <a:effectLst/>
+                        <a:latin typeface="Arial" panose="020B0604020202020204" pitchFamily="34" charset="0"/>
+                      </a:endParaRPr>
+                    </a:p>
+                  </a:txBody>
+                  <a:tcPr marL="8046" marR="8046" marT="8046" marB="0" anchor="b"/>
+                </a:tc>
+                <a:tc>
+                  <a:txBody>
+                    <a:bodyPr/>
+                    <a:lstStyle/>
+                    <a:p>
+                      <a:pPr algn="r" fontAlgn="b"/>
+                      <a:r>
+                        <a:rPr lang="he-IL" sz="900" u="none" strike="noStrike">
+                          <a:effectLst/>
+                        </a:rPr>
+                        <a:t>0.499982685</a:t>
+                      </a:r>
+                      <a:endParaRPr lang="he-IL" sz="900" b="0" i="0" u="none" strike="noStrike">
+                        <a:solidFill>
+                          <a:srgbClr val="000000"/>
+                        </a:solidFill>
+                        <a:effectLst/>
+                        <a:latin typeface="Arial" panose="020B0604020202020204" pitchFamily="34" charset="0"/>
+                      </a:endParaRPr>
+                    </a:p>
+                  </a:txBody>
+                  <a:tcPr marL="8046" marR="8046" marT="8046" marB="0" anchor="b"/>
+                </a:tc>
+                <a:tc>
+                  <a:txBody>
+                    <a:bodyPr/>
+                    <a:lstStyle/>
+                    <a:p>
+                      <a:pPr algn="r" fontAlgn="b"/>
+                      <a:r>
+                        <a:rPr lang="he-IL" sz="900" u="none" strike="noStrike">
+                          <a:effectLst/>
+                        </a:rPr>
+                        <a:t>-4.238382816</a:t>
+                      </a:r>
+                      <a:endParaRPr lang="he-IL" sz="900" b="0" i="0" u="none" strike="noStrike">
+                        <a:solidFill>
+                          <a:srgbClr val="000000"/>
+                        </a:solidFill>
+                        <a:effectLst/>
+                        <a:latin typeface="Arial" panose="020B0604020202020204" pitchFamily="34" charset="0"/>
+                      </a:endParaRPr>
+                    </a:p>
+                  </a:txBody>
+                  <a:tcPr marL="8046" marR="8046" marT="8046" marB="0" anchor="b"/>
+                </a:tc>
+                <a:tc>
+                  <a:txBody>
+                    <a:bodyPr/>
+                    <a:lstStyle/>
+                    <a:p>
+                      <a:pPr algn="r" fontAlgn="b"/>
+                      <a:r>
+                        <a:rPr lang="he-IL" sz="900" u="none" strike="noStrike">
+                          <a:effectLst/>
+                        </a:rPr>
+                        <a:t>0.46728906</a:t>
+                      </a:r>
+                      <a:endParaRPr lang="he-IL" sz="900" b="0" i="0" u="none" strike="noStrike">
+                        <a:solidFill>
+                          <a:srgbClr val="000000"/>
+                        </a:solidFill>
+                        <a:effectLst/>
+                        <a:latin typeface="Arial" panose="020B0604020202020204" pitchFamily="34" charset="0"/>
+                      </a:endParaRPr>
+                    </a:p>
+                  </a:txBody>
+                  <a:tcPr marL="8046" marR="8046" marT="8046" marB="0" anchor="b"/>
+                </a:tc>
+                <a:extLst>
+                  <a:ext uri="{0D108BD9-81ED-4DB2-BD59-A6C34878D82A}">
+                    <a16:rowId xmlns:a16="http://schemas.microsoft.com/office/drawing/2014/main" val="657777980"/>
+                  </a:ext>
+                </a:extLst>
+              </a:tr>
+              <a:tr h="152873">
+                <a:tc>
+                  <a:txBody>
+                    <a:bodyPr/>
+                    <a:lstStyle/>
+                    <a:p>
+                      <a:pPr algn="l" fontAlgn="b"/>
+                      <a:r>
+                        <a:rPr lang="en-US" sz="900" u="none" strike="noStrike">
+                          <a:effectLst/>
+                        </a:rPr>
+                        <a:t>Thermocouple-Volume Flow RateRMS</a:t>
+                      </a:r>
+                      <a:endParaRPr lang="en-US" sz="900" b="0" i="0" u="none" strike="noStrike">
+                        <a:solidFill>
+                          <a:srgbClr val="000000"/>
+                        </a:solidFill>
+                        <a:effectLst/>
+                        <a:latin typeface="Arial" panose="020B0604020202020204" pitchFamily="34" charset="0"/>
+                      </a:endParaRPr>
+                    </a:p>
+                  </a:txBody>
+                  <a:tcPr marL="8046" marR="8046" marT="8046" marB="0" anchor="b"/>
+                </a:tc>
+                <a:tc>
+                  <a:txBody>
+                    <a:bodyPr/>
+                    <a:lstStyle/>
+                    <a:p>
+                      <a:pPr algn="r" fontAlgn="b"/>
+                      <a:r>
+                        <a:rPr lang="he-IL" sz="900" u="none" strike="noStrike">
+                          <a:effectLst/>
+                        </a:rPr>
+                        <a:t>22</a:t>
+                      </a:r>
+                      <a:endParaRPr lang="he-IL" sz="900" b="0" i="0" u="none" strike="noStrike">
+                        <a:solidFill>
+                          <a:srgbClr val="000000"/>
+                        </a:solidFill>
+                        <a:effectLst/>
+                        <a:latin typeface="Arial" panose="020B0604020202020204" pitchFamily="34" charset="0"/>
+                      </a:endParaRPr>
+                    </a:p>
+                  </a:txBody>
+                  <a:tcPr marL="8046" marR="8046" marT="8046" marB="0" anchor="b"/>
+                </a:tc>
+                <a:tc>
+                  <a:txBody>
+                    <a:bodyPr/>
+                    <a:lstStyle/>
+                    <a:p>
+                      <a:pPr algn="r" fontAlgn="b"/>
+                      <a:r>
+                        <a:rPr lang="he-IL" sz="900" u="none" strike="noStrike">
+                          <a:effectLst/>
+                        </a:rPr>
+                        <a:t>0.346534653</a:t>
+                      </a:r>
+                      <a:endParaRPr lang="he-IL" sz="900" b="0" i="0" u="none" strike="noStrike">
+                        <a:solidFill>
+                          <a:srgbClr val="000000"/>
+                        </a:solidFill>
+                        <a:effectLst/>
+                        <a:latin typeface="Arial" panose="020B0604020202020204" pitchFamily="34" charset="0"/>
+                      </a:endParaRPr>
+                    </a:p>
+                  </a:txBody>
+                  <a:tcPr marL="8046" marR="8046" marT="8046" marB="0" anchor="b"/>
+                </a:tc>
+                <a:tc>
+                  <a:txBody>
+                    <a:bodyPr/>
+                    <a:lstStyle/>
+                    <a:p>
+                      <a:pPr algn="r" fontAlgn="b"/>
+                      <a:r>
+                        <a:rPr lang="he-IL" sz="900" u="none" strike="noStrike">
+                          <a:effectLst/>
+                        </a:rPr>
+                        <a:t>0.143449332</a:t>
+                      </a:r>
+                      <a:endParaRPr lang="he-IL" sz="900" b="0" i="0" u="none" strike="noStrike">
+                        <a:solidFill>
+                          <a:srgbClr val="000000"/>
+                        </a:solidFill>
+                        <a:effectLst/>
+                        <a:latin typeface="Arial" panose="020B0604020202020204" pitchFamily="34" charset="0"/>
+                      </a:endParaRPr>
+                    </a:p>
+                  </a:txBody>
+                  <a:tcPr marL="8046" marR="8046" marT="8046" marB="0" anchor="b"/>
+                </a:tc>
+                <a:tc>
+                  <a:txBody>
+                    <a:bodyPr/>
+                    <a:lstStyle/>
+                    <a:p>
+                      <a:pPr algn="r" fontAlgn="b"/>
+                      <a:r>
+                        <a:rPr lang="he-IL" sz="900" u="none" strike="noStrike">
+                          <a:effectLst/>
+                        </a:rPr>
+                        <a:t>1</a:t>
+                      </a:r>
+                      <a:endParaRPr lang="he-IL" sz="900" b="0" i="0" u="none" strike="noStrike">
+                        <a:solidFill>
+                          <a:srgbClr val="000000"/>
+                        </a:solidFill>
+                        <a:effectLst/>
+                        <a:latin typeface="Arial" panose="020B0604020202020204" pitchFamily="34" charset="0"/>
+                      </a:endParaRPr>
+                    </a:p>
+                  </a:txBody>
+                  <a:tcPr marL="8046" marR="8046" marT="8046" marB="0" anchor="b"/>
+                </a:tc>
+                <a:tc>
+                  <a:txBody>
+                    <a:bodyPr/>
+                    <a:lstStyle/>
+                    <a:p>
+                      <a:pPr algn="r" fontAlgn="b"/>
+                      <a:r>
+                        <a:rPr lang="he-IL" sz="900" u="none" strike="noStrike">
+                          <a:effectLst/>
+                        </a:rPr>
+                        <a:t>0.29787234</a:t>
+                      </a:r>
+                      <a:endParaRPr lang="he-IL" sz="900" b="0" i="0" u="none" strike="noStrike">
+                        <a:solidFill>
+                          <a:srgbClr val="000000"/>
+                        </a:solidFill>
+                        <a:effectLst/>
+                        <a:latin typeface="Arial" panose="020B0604020202020204" pitchFamily="34" charset="0"/>
+                      </a:endParaRPr>
+                    </a:p>
+                  </a:txBody>
+                  <a:tcPr marL="8046" marR="8046" marT="8046" marB="0" anchor="b"/>
+                </a:tc>
+                <a:tc>
+                  <a:txBody>
+                    <a:bodyPr/>
+                    <a:lstStyle/>
+                    <a:p>
+                      <a:pPr algn="r" fontAlgn="b"/>
+                      <a:r>
+                        <a:rPr lang="he-IL" sz="900" u="none" strike="noStrike">
+                          <a:effectLst/>
+                        </a:rPr>
+                        <a:t>18.33890747</a:t>
+                      </a:r>
+                      <a:endParaRPr lang="he-IL" sz="900" b="0" i="0" u="none" strike="noStrike">
+                        <a:solidFill>
+                          <a:srgbClr val="000000"/>
+                        </a:solidFill>
+                        <a:effectLst/>
+                        <a:latin typeface="Arial" panose="020B0604020202020204" pitchFamily="34" charset="0"/>
+                      </a:endParaRPr>
+                    </a:p>
+                  </a:txBody>
+                  <a:tcPr marL="8046" marR="8046" marT="8046" marB="0" anchor="b"/>
+                </a:tc>
+                <a:tc>
+                  <a:txBody>
+                    <a:bodyPr/>
+                    <a:lstStyle/>
+                    <a:p>
+                      <a:pPr algn="r" fontAlgn="b"/>
+                      <a:r>
+                        <a:rPr lang="he-IL" sz="900" u="none" strike="noStrike">
+                          <a:effectLst/>
+                        </a:rPr>
+                        <a:t>-1.169565737</a:t>
+                      </a:r>
+                      <a:endParaRPr lang="he-IL" sz="900" b="0" i="0" u="none" strike="noStrike">
+                        <a:solidFill>
+                          <a:srgbClr val="000000"/>
+                        </a:solidFill>
+                        <a:effectLst/>
+                        <a:latin typeface="Arial" panose="020B0604020202020204" pitchFamily="34" charset="0"/>
+                      </a:endParaRPr>
+                    </a:p>
+                  </a:txBody>
+                  <a:tcPr marL="8046" marR="8046" marT="8046" marB="0" anchor="b"/>
+                </a:tc>
+                <a:tc>
+                  <a:txBody>
+                    <a:bodyPr/>
+                    <a:lstStyle/>
+                    <a:p>
+                      <a:pPr algn="l" fontAlgn="b"/>
+                      <a:r>
+                        <a:rPr lang="en-US" sz="900" u="none" strike="noStrike">
+                          <a:effectLst/>
+                        </a:rPr>
+                        <a:t>inf</a:t>
+                      </a:r>
+                      <a:endParaRPr lang="en-US" sz="900" b="0" i="0" u="none" strike="noStrike">
+                        <a:solidFill>
+                          <a:srgbClr val="000000"/>
+                        </a:solidFill>
+                        <a:effectLst/>
+                        <a:latin typeface="Arial" panose="020B0604020202020204" pitchFamily="34" charset="0"/>
+                      </a:endParaRPr>
+                    </a:p>
+                  </a:txBody>
+                  <a:tcPr marL="8046" marR="8046" marT="8046" marB="0" anchor="b"/>
+                </a:tc>
+                <a:tc>
+                  <a:txBody>
+                    <a:bodyPr/>
+                    <a:lstStyle/>
+                    <a:p>
+                      <a:pPr algn="r" fontAlgn="b"/>
+                      <a:r>
+                        <a:rPr lang="he-IL" sz="900" u="none" strike="noStrike">
+                          <a:effectLst/>
+                        </a:rPr>
+                        <a:t>-1000</a:t>
+                      </a:r>
+                      <a:endParaRPr lang="he-IL" sz="900" b="0" i="0" u="none" strike="noStrike">
+                        <a:solidFill>
+                          <a:srgbClr val="000000"/>
+                        </a:solidFill>
+                        <a:effectLst/>
+                        <a:latin typeface="Arial" panose="020B0604020202020204" pitchFamily="34" charset="0"/>
+                      </a:endParaRPr>
+                    </a:p>
+                  </a:txBody>
+                  <a:tcPr marL="8046" marR="8046" marT="8046" marB="0" anchor="b"/>
+                </a:tc>
+                <a:tc>
+                  <a:txBody>
+                    <a:bodyPr/>
+                    <a:lstStyle/>
+                    <a:p>
+                      <a:pPr algn="r" fontAlgn="b"/>
+                      <a:r>
+                        <a:rPr lang="he-IL" sz="900" u="none" strike="noStrike">
+                          <a:effectLst/>
+                        </a:rPr>
+                        <a:t>0.479849249</a:t>
+                      </a:r>
+                      <a:endParaRPr lang="he-IL" sz="900" b="0" i="0" u="none" strike="noStrike">
+                        <a:solidFill>
+                          <a:srgbClr val="000000"/>
+                        </a:solidFill>
+                        <a:effectLst/>
+                        <a:latin typeface="Arial" panose="020B0604020202020204" pitchFamily="34" charset="0"/>
+                      </a:endParaRPr>
+                    </a:p>
+                  </a:txBody>
+                  <a:tcPr marL="8046" marR="8046" marT="8046" marB="0" anchor="b"/>
+                </a:tc>
+                <a:extLst>
+                  <a:ext uri="{0D108BD9-81ED-4DB2-BD59-A6C34878D82A}">
+                    <a16:rowId xmlns:a16="http://schemas.microsoft.com/office/drawing/2014/main" val="2444414265"/>
+                  </a:ext>
+                </a:extLst>
+              </a:tr>
+              <a:tr h="152873">
+                <a:tc>
+                  <a:txBody>
+                    <a:bodyPr/>
+                    <a:lstStyle/>
+                    <a:p>
+                      <a:pPr algn="l" fontAlgn="b"/>
+                      <a:r>
+                        <a:rPr lang="en-US" sz="900" u="none" strike="noStrike">
+                          <a:effectLst/>
+                        </a:rPr>
+                        <a:t>Temperature-Volume Flow RateRMS</a:t>
+                      </a:r>
+                      <a:endParaRPr lang="en-US" sz="900" b="0" i="0" u="none" strike="noStrike">
+                        <a:solidFill>
+                          <a:srgbClr val="000000"/>
+                        </a:solidFill>
+                        <a:effectLst/>
+                        <a:latin typeface="Arial" panose="020B0604020202020204" pitchFamily="34" charset="0"/>
+                      </a:endParaRPr>
+                    </a:p>
+                  </a:txBody>
+                  <a:tcPr marL="8046" marR="8046" marT="8046" marB="0" anchor="b"/>
+                </a:tc>
+                <a:tc>
+                  <a:txBody>
+                    <a:bodyPr/>
+                    <a:lstStyle/>
+                    <a:p>
+                      <a:pPr algn="r" fontAlgn="b"/>
+                      <a:r>
+                        <a:rPr lang="he-IL" sz="900" u="none" strike="noStrike">
+                          <a:effectLst/>
+                        </a:rPr>
+                        <a:t>6</a:t>
+                      </a:r>
+                      <a:endParaRPr lang="he-IL" sz="900" b="0" i="0" u="none" strike="noStrike">
+                        <a:solidFill>
+                          <a:srgbClr val="000000"/>
+                        </a:solidFill>
+                        <a:effectLst/>
+                        <a:latin typeface="Arial" panose="020B0604020202020204" pitchFamily="34" charset="0"/>
+                      </a:endParaRPr>
+                    </a:p>
+                  </a:txBody>
+                  <a:tcPr marL="8046" marR="8046" marT="8046" marB="0" anchor="b"/>
+                </a:tc>
+                <a:tc>
+                  <a:txBody>
+                    <a:bodyPr/>
+                    <a:lstStyle/>
+                    <a:p>
+                      <a:pPr algn="r" fontAlgn="b"/>
+                      <a:r>
+                        <a:rPr lang="he-IL" sz="900" u="none" strike="noStrike">
+                          <a:effectLst/>
+                        </a:rPr>
+                        <a:t>0.032552083</a:t>
+                      </a:r>
+                      <a:endParaRPr lang="he-IL" sz="900" b="0" i="0" u="none" strike="noStrike">
+                        <a:solidFill>
+                          <a:srgbClr val="000000"/>
+                        </a:solidFill>
+                        <a:effectLst/>
+                        <a:latin typeface="Arial" panose="020B0604020202020204" pitchFamily="34" charset="0"/>
+                      </a:endParaRPr>
+                    </a:p>
+                  </a:txBody>
+                  <a:tcPr marL="8046" marR="8046" marT="8046" marB="0" anchor="b"/>
+                </a:tc>
+                <a:tc>
+                  <a:txBody>
+                    <a:bodyPr/>
+                    <a:lstStyle/>
+                    <a:p>
+                      <a:pPr algn="r" fontAlgn="b"/>
+                      <a:r>
+                        <a:rPr lang="he-IL" sz="900" u="none" strike="noStrike">
+                          <a:effectLst/>
+                        </a:rPr>
+                        <a:t>0.138352342</a:t>
+                      </a:r>
+                      <a:endParaRPr lang="he-IL" sz="900" b="0" i="0" u="none" strike="noStrike">
+                        <a:solidFill>
+                          <a:srgbClr val="000000"/>
+                        </a:solidFill>
+                        <a:effectLst/>
+                        <a:latin typeface="Arial" panose="020B0604020202020204" pitchFamily="34" charset="0"/>
+                      </a:endParaRPr>
+                    </a:p>
+                  </a:txBody>
+                  <a:tcPr marL="8046" marR="8046" marT="8046" marB="0" anchor="b"/>
+                </a:tc>
+                <a:tc>
+                  <a:txBody>
+                    <a:bodyPr/>
+                    <a:lstStyle/>
+                    <a:p>
+                      <a:pPr algn="r" fontAlgn="b"/>
+                      <a:r>
+                        <a:rPr lang="he-IL" sz="900" u="none" strike="noStrike">
+                          <a:effectLst/>
+                        </a:rPr>
+                        <a:t>0.15625</a:t>
+                      </a:r>
+                      <a:endParaRPr lang="he-IL" sz="900" b="0" i="0" u="none" strike="noStrike">
+                        <a:solidFill>
+                          <a:srgbClr val="000000"/>
+                        </a:solidFill>
+                        <a:effectLst/>
+                        <a:latin typeface="Arial" panose="020B0604020202020204" pitchFamily="34" charset="0"/>
+                      </a:endParaRPr>
+                    </a:p>
+                  </a:txBody>
+                  <a:tcPr marL="8046" marR="8046" marT="8046" marB="0" anchor="b"/>
+                </a:tc>
+                <a:tc>
+                  <a:txBody>
+                    <a:bodyPr/>
+                    <a:lstStyle/>
+                    <a:p>
+                      <a:pPr algn="r" fontAlgn="b"/>
+                      <a:r>
+                        <a:rPr lang="he-IL" sz="900" u="none" strike="noStrike">
+                          <a:effectLst/>
+                        </a:rPr>
+                        <a:t>0.027173913</a:t>
+                      </a:r>
+                      <a:endParaRPr lang="he-IL" sz="900" b="0" i="0" u="none" strike="noStrike">
+                        <a:solidFill>
+                          <a:srgbClr val="000000"/>
+                        </a:solidFill>
+                        <a:effectLst/>
+                        <a:latin typeface="Arial" panose="020B0604020202020204" pitchFamily="34" charset="0"/>
+                      </a:endParaRPr>
+                    </a:p>
+                  </a:txBody>
+                  <a:tcPr marL="8046" marR="8046" marT="8046" marB="0" anchor="b"/>
+                </a:tc>
+                <a:tc>
+                  <a:txBody>
+                    <a:bodyPr/>
+                    <a:lstStyle/>
+                    <a:p>
+                      <a:pPr algn="r" fontAlgn="b"/>
+                      <a:r>
+                        <a:rPr lang="he-IL" sz="900" u="none" strike="noStrike">
+                          <a:effectLst/>
+                        </a:rPr>
+                        <a:t>12.1516165</a:t>
+                      </a:r>
+                      <a:endParaRPr lang="he-IL" sz="900" b="0" i="0" u="none" strike="noStrike">
+                        <a:solidFill>
+                          <a:srgbClr val="000000"/>
+                        </a:solidFill>
+                        <a:effectLst/>
+                        <a:latin typeface="Arial" panose="020B0604020202020204" pitchFamily="34" charset="0"/>
+                      </a:endParaRPr>
+                    </a:p>
+                  </a:txBody>
+                  <a:tcPr marL="8046" marR="8046" marT="8046" marB="0" anchor="b"/>
+                </a:tc>
+                <a:tc>
+                  <a:txBody>
+                    <a:bodyPr/>
+                    <a:lstStyle/>
+                    <a:p>
+                      <a:pPr algn="r" fontAlgn="b"/>
+                      <a:r>
+                        <a:rPr lang="he-IL" sz="900" u="none" strike="noStrike">
+                          <a:effectLst/>
+                        </a:rPr>
+                        <a:t>-1.266741037</a:t>
+                      </a:r>
+                      <a:endParaRPr lang="he-IL" sz="900" b="0" i="0" u="none" strike="noStrike">
+                        <a:solidFill>
+                          <a:srgbClr val="000000"/>
+                        </a:solidFill>
+                        <a:effectLst/>
+                        <a:latin typeface="Arial" panose="020B0604020202020204" pitchFamily="34" charset="0"/>
+                      </a:endParaRPr>
+                    </a:p>
+                  </a:txBody>
+                  <a:tcPr marL="8046" marR="8046" marT="8046" marB="0" anchor="b"/>
+                </a:tc>
+                <a:tc>
+                  <a:txBody>
+                    <a:bodyPr/>
+                    <a:lstStyle/>
+                    <a:p>
+                      <a:pPr algn="r" fontAlgn="b"/>
+                      <a:r>
+                        <a:rPr lang="he-IL" sz="900" u="none" strike="noStrike">
+                          <a:effectLst/>
+                        </a:rPr>
+                        <a:t>-0.61107254</a:t>
+                      </a:r>
+                      <a:endParaRPr lang="he-IL" sz="900" b="0" i="0" u="none" strike="noStrike">
+                        <a:solidFill>
+                          <a:srgbClr val="000000"/>
+                        </a:solidFill>
+                        <a:effectLst/>
+                        <a:latin typeface="Arial" panose="020B0604020202020204" pitchFamily="34" charset="0"/>
+                      </a:endParaRPr>
+                    </a:p>
+                  </a:txBody>
+                  <a:tcPr marL="8046" marR="8046" marT="8046" marB="0" anchor="b"/>
+                </a:tc>
+                <a:tc>
+                  <a:txBody>
+                    <a:bodyPr/>
+                    <a:lstStyle/>
+                    <a:p>
+                      <a:pPr algn="r" fontAlgn="b"/>
+                      <a:r>
+                        <a:rPr lang="he-IL" sz="900" u="none" strike="noStrike">
+                          <a:effectLst/>
+                        </a:rPr>
+                        <a:t>-4.238382816</a:t>
+                      </a:r>
+                      <a:endParaRPr lang="he-IL" sz="900" b="0" i="0" u="none" strike="noStrike">
+                        <a:solidFill>
+                          <a:srgbClr val="000000"/>
+                        </a:solidFill>
+                        <a:effectLst/>
+                        <a:latin typeface="Arial" panose="020B0604020202020204" pitchFamily="34" charset="0"/>
+                      </a:endParaRPr>
+                    </a:p>
+                  </a:txBody>
+                  <a:tcPr marL="8046" marR="8046" marT="8046" marB="0" anchor="b"/>
+                </a:tc>
+                <a:tc>
+                  <a:txBody>
+                    <a:bodyPr/>
+                    <a:lstStyle/>
+                    <a:p>
+                      <a:pPr algn="r" fontAlgn="b"/>
+                      <a:r>
+                        <a:rPr lang="he-IL" sz="900" u="none" strike="noStrike" dirty="0">
+                          <a:effectLst/>
+                        </a:rPr>
+                        <a:t>0.46728906</a:t>
+                      </a:r>
+                      <a:endParaRPr lang="he-IL" sz="900" b="0" i="0" u="none" strike="noStrike" dirty="0">
+                        <a:solidFill>
+                          <a:srgbClr val="000000"/>
+                        </a:solidFill>
+                        <a:effectLst/>
+                        <a:latin typeface="Arial" panose="020B0604020202020204" pitchFamily="34" charset="0"/>
+                      </a:endParaRPr>
+                    </a:p>
+                  </a:txBody>
+                  <a:tcPr marL="8046" marR="8046" marT="8046" marB="0" anchor="b"/>
+                </a:tc>
+                <a:extLst>
+                  <a:ext uri="{0D108BD9-81ED-4DB2-BD59-A6C34878D82A}">
+                    <a16:rowId xmlns:a16="http://schemas.microsoft.com/office/drawing/2014/main" val="2206648167"/>
+                  </a:ext>
+                </a:extLst>
+              </a:tr>
+            </a:tbl>
+          </a:graphicData>
+        </a:graphic>
+      </p:graphicFrame>
+      <p:graphicFrame>
+        <p:nvGraphicFramePr>
+          <p:cNvPr id="5" name="Table 4">
+            <a:extLst>
+              <a:ext uri="{FF2B5EF4-FFF2-40B4-BE49-F238E27FC236}">
+                <a16:creationId xmlns:a16="http://schemas.microsoft.com/office/drawing/2014/main" id="{D9AB0F3D-CEC1-5296-4E2C-A36FCCE169D2}"/>
+              </a:ext>
+            </a:extLst>
+          </p:cNvPr>
+          <p:cNvGraphicFramePr>
+            <a:graphicFrameLocks noGrp="1"/>
+          </p:cNvGraphicFramePr>
+          <p:nvPr>
+            <p:extLst>
+              <p:ext uri="{D42A27DB-BD31-4B8C-83A1-F6EECF244321}">
+                <p14:modId xmlns:p14="http://schemas.microsoft.com/office/powerpoint/2010/main" val="1856340978"/>
+              </p:ext>
+            </p:extLst>
+          </p:nvPr>
+        </p:nvGraphicFramePr>
+        <p:xfrm>
+          <a:off x="913774" y="4179859"/>
+          <a:ext cx="10363200" cy="619538"/>
+        </p:xfrm>
+        <a:graphic>
+          <a:graphicData uri="http://schemas.openxmlformats.org/drawingml/2006/table">
+            <a:tbl>
+              <a:tblPr>
+                <a:tableStyleId>{5C22544A-7EE6-4342-B048-85BDC9FD1C3A}</a:tableStyleId>
+              </a:tblPr>
+              <a:tblGrid>
+                <a:gridCol w="2453526">
+                  <a:extLst>
+                    <a:ext uri="{9D8B030D-6E8A-4147-A177-3AD203B41FA5}">
+                      <a16:colId xmlns:a16="http://schemas.microsoft.com/office/drawing/2014/main" val="139999778"/>
+                    </a:ext>
+                  </a:extLst>
+                </a:gridCol>
+                <a:gridCol w="441956">
+                  <a:extLst>
+                    <a:ext uri="{9D8B030D-6E8A-4147-A177-3AD203B41FA5}">
+                      <a16:colId xmlns:a16="http://schemas.microsoft.com/office/drawing/2014/main" val="3342040148"/>
+                    </a:ext>
+                  </a:extLst>
+                </a:gridCol>
+                <a:gridCol w="763379">
+                  <a:extLst>
+                    <a:ext uri="{9D8B030D-6E8A-4147-A177-3AD203B41FA5}">
+                      <a16:colId xmlns:a16="http://schemas.microsoft.com/office/drawing/2014/main" val="1031747387"/>
+                    </a:ext>
+                  </a:extLst>
+                </a:gridCol>
+                <a:gridCol w="985696">
+                  <a:extLst>
+                    <a:ext uri="{9D8B030D-6E8A-4147-A177-3AD203B41FA5}">
+                      <a16:colId xmlns:a16="http://schemas.microsoft.com/office/drawing/2014/main" val="2404067104"/>
+                    </a:ext>
+                  </a:extLst>
+                </a:gridCol>
+                <a:gridCol w="763379">
+                  <a:extLst>
+                    <a:ext uri="{9D8B030D-6E8A-4147-A177-3AD203B41FA5}">
+                      <a16:colId xmlns:a16="http://schemas.microsoft.com/office/drawing/2014/main" val="3293458586"/>
+                    </a:ext>
+                  </a:extLst>
+                </a:gridCol>
+                <a:gridCol w="763379">
+                  <a:extLst>
+                    <a:ext uri="{9D8B030D-6E8A-4147-A177-3AD203B41FA5}">
+                      <a16:colId xmlns:a16="http://schemas.microsoft.com/office/drawing/2014/main" val="1889050443"/>
+                    </a:ext>
+                  </a:extLst>
+                </a:gridCol>
+                <a:gridCol w="763379">
+                  <a:extLst>
+                    <a:ext uri="{9D8B030D-6E8A-4147-A177-3AD203B41FA5}">
+                      <a16:colId xmlns:a16="http://schemas.microsoft.com/office/drawing/2014/main" val="1763041339"/>
+                    </a:ext>
+                  </a:extLst>
+                </a:gridCol>
+                <a:gridCol w="846412">
+                  <a:extLst>
+                    <a:ext uri="{9D8B030D-6E8A-4147-A177-3AD203B41FA5}">
+                      <a16:colId xmlns:a16="http://schemas.microsoft.com/office/drawing/2014/main" val="3423208561"/>
+                    </a:ext>
+                  </a:extLst>
+                </a:gridCol>
+                <a:gridCol w="867841">
+                  <a:extLst>
+                    <a:ext uri="{9D8B030D-6E8A-4147-A177-3AD203B41FA5}">
+                      <a16:colId xmlns:a16="http://schemas.microsoft.com/office/drawing/2014/main" val="3682525087"/>
+                    </a:ext>
+                  </a:extLst>
+                </a:gridCol>
+                <a:gridCol w="846412">
+                  <a:extLst>
+                    <a:ext uri="{9D8B030D-6E8A-4147-A177-3AD203B41FA5}">
+                      <a16:colId xmlns:a16="http://schemas.microsoft.com/office/drawing/2014/main" val="1852506425"/>
+                    </a:ext>
+                  </a:extLst>
+                </a:gridCol>
+                <a:gridCol w="867841">
+                  <a:extLst>
+                    <a:ext uri="{9D8B030D-6E8A-4147-A177-3AD203B41FA5}">
+                      <a16:colId xmlns:a16="http://schemas.microsoft.com/office/drawing/2014/main" val="2760203098"/>
+                    </a:ext>
+                  </a:extLst>
+                </a:gridCol>
+              </a:tblGrid>
+              <a:tr h="160919">
+                <a:tc>
+                  <a:txBody>
+                    <a:bodyPr/>
+                    <a:lstStyle/>
+                    <a:p>
+                      <a:pPr algn="ctr" fontAlgn="b"/>
+                      <a:r>
+                        <a:rPr lang="en-US" sz="900" u="none" strike="noStrike">
+                          <a:effectLst/>
+                        </a:rPr>
+                        <a:t>Feature</a:t>
+                      </a:r>
+                      <a:endParaRPr lang="en-US" sz="900" b="1" i="0" u="none" strike="noStrike">
+                        <a:solidFill>
+                          <a:srgbClr val="000000"/>
+                        </a:solidFill>
+                        <a:effectLst/>
+                        <a:latin typeface="Arial" panose="020B0604020202020204" pitchFamily="34" charset="0"/>
+                      </a:endParaRPr>
+                    </a:p>
+                  </a:txBody>
+                  <a:tcPr marL="8046" marR="8046" marT="8046" marB="0" anchor="b"/>
+                </a:tc>
+                <a:tc>
+                  <a:txBody>
+                    <a:bodyPr/>
+                    <a:lstStyle/>
+                    <a:p>
+                      <a:pPr algn="ctr" fontAlgn="b"/>
+                      <a:r>
+                        <a:rPr lang="en-US" sz="900" u="none" strike="noStrike">
+                          <a:effectLst/>
+                        </a:rPr>
+                        <a:t>Leaf id</a:t>
+                      </a:r>
+                      <a:endParaRPr lang="en-US" sz="900" b="1" i="0" u="none" strike="noStrike">
+                        <a:solidFill>
+                          <a:srgbClr val="000000"/>
+                        </a:solidFill>
+                        <a:effectLst/>
+                        <a:latin typeface="Arial" panose="020B0604020202020204" pitchFamily="34" charset="0"/>
+                      </a:endParaRPr>
+                    </a:p>
+                  </a:txBody>
+                  <a:tcPr marL="8046" marR="8046" marT="8046" marB="0" anchor="b"/>
+                </a:tc>
+                <a:tc>
+                  <a:txBody>
+                    <a:bodyPr/>
+                    <a:lstStyle/>
+                    <a:p>
+                      <a:pPr algn="ctr" fontAlgn="b"/>
+                      <a:r>
+                        <a:rPr lang="en-US" sz="900" u="none" strike="noStrike">
+                          <a:effectLst/>
+                        </a:rPr>
+                        <a:t>F2</a:t>
+                      </a:r>
+                      <a:endParaRPr lang="en-US" sz="900" b="1" i="0" u="none" strike="noStrike">
+                        <a:solidFill>
+                          <a:srgbClr val="000000"/>
+                        </a:solidFill>
+                        <a:effectLst/>
+                        <a:latin typeface="Arial" panose="020B0604020202020204" pitchFamily="34" charset="0"/>
+                      </a:endParaRPr>
+                    </a:p>
+                  </a:txBody>
+                  <a:tcPr marL="8046" marR="8046" marT="8046" marB="0" anchor="b"/>
+                </a:tc>
+                <a:tc>
+                  <a:txBody>
+                    <a:bodyPr/>
+                    <a:lstStyle/>
+                    <a:p>
+                      <a:pPr algn="ctr" fontAlgn="b"/>
+                      <a:r>
+                        <a:rPr lang="en-US" sz="900" u="none" strike="noStrike">
+                          <a:effectLst/>
+                        </a:rPr>
+                        <a:t>F2 improvement</a:t>
+                      </a:r>
+                      <a:endParaRPr lang="en-US" sz="900" b="1" i="0" u="none" strike="noStrike">
+                        <a:solidFill>
+                          <a:srgbClr val="000000"/>
+                        </a:solidFill>
+                        <a:effectLst/>
+                        <a:latin typeface="Arial" panose="020B0604020202020204" pitchFamily="34" charset="0"/>
+                      </a:endParaRPr>
+                    </a:p>
+                  </a:txBody>
+                  <a:tcPr marL="8046" marR="8046" marT="8046" marB="0" anchor="b"/>
+                </a:tc>
+                <a:tc>
+                  <a:txBody>
+                    <a:bodyPr/>
+                    <a:lstStyle/>
+                    <a:p>
+                      <a:pPr algn="ctr" fontAlgn="b"/>
+                      <a:r>
+                        <a:rPr lang="en-US" sz="900" u="none" strike="noStrike">
+                          <a:effectLst/>
+                        </a:rPr>
+                        <a:t>Precision</a:t>
+                      </a:r>
+                      <a:endParaRPr lang="en-US" sz="900" b="1" i="0" u="none" strike="noStrike">
+                        <a:solidFill>
+                          <a:srgbClr val="000000"/>
+                        </a:solidFill>
+                        <a:effectLst/>
+                        <a:latin typeface="Arial" panose="020B0604020202020204" pitchFamily="34" charset="0"/>
+                      </a:endParaRPr>
+                    </a:p>
+                  </a:txBody>
+                  <a:tcPr marL="8046" marR="8046" marT="8046" marB="0" anchor="b"/>
+                </a:tc>
+                <a:tc>
+                  <a:txBody>
+                    <a:bodyPr/>
+                    <a:lstStyle/>
+                    <a:p>
+                      <a:pPr algn="ctr" fontAlgn="b"/>
+                      <a:r>
+                        <a:rPr lang="en-US" sz="900" u="none" strike="noStrike">
+                          <a:effectLst/>
+                        </a:rPr>
+                        <a:t>Recall</a:t>
+                      </a:r>
+                      <a:endParaRPr lang="en-US" sz="900" b="1" i="0" u="none" strike="noStrike">
+                        <a:solidFill>
+                          <a:srgbClr val="000000"/>
+                        </a:solidFill>
+                        <a:effectLst/>
+                        <a:latin typeface="Arial" panose="020B0604020202020204" pitchFamily="34" charset="0"/>
+                      </a:endParaRPr>
+                    </a:p>
+                  </a:txBody>
+                  <a:tcPr marL="8046" marR="8046" marT="8046" marB="0" anchor="b"/>
+                </a:tc>
+                <a:tc>
+                  <a:txBody>
+                    <a:bodyPr/>
+                    <a:lstStyle/>
+                    <a:p>
+                      <a:pPr algn="ctr" fontAlgn="b"/>
+                      <a:r>
+                        <a:rPr lang="en-US" sz="900" u="none" strike="noStrike">
+                          <a:effectLst/>
+                        </a:rPr>
+                        <a:t>Size</a:t>
+                      </a:r>
+                      <a:endParaRPr lang="en-US" sz="900" b="1" i="0" u="none" strike="noStrike">
+                        <a:solidFill>
+                          <a:srgbClr val="000000"/>
+                        </a:solidFill>
+                        <a:effectLst/>
+                        <a:latin typeface="Arial" panose="020B0604020202020204" pitchFamily="34" charset="0"/>
+                      </a:endParaRPr>
+                    </a:p>
+                  </a:txBody>
+                  <a:tcPr marL="8046" marR="8046" marT="8046" marB="0" anchor="b"/>
+                </a:tc>
+                <a:tc>
+                  <a:txBody>
+                    <a:bodyPr/>
+                    <a:lstStyle/>
+                    <a:p>
+                      <a:pPr algn="ctr" fontAlgn="b"/>
+                      <a:r>
+                        <a:rPr lang="en-US" sz="900" u="none" strike="noStrike">
+                          <a:effectLst/>
+                        </a:rPr>
+                        <a:t>Feature 1 Min</a:t>
+                      </a:r>
+                      <a:endParaRPr lang="en-US" sz="900" b="1" i="0" u="none" strike="noStrike">
+                        <a:solidFill>
+                          <a:srgbClr val="000000"/>
+                        </a:solidFill>
+                        <a:effectLst/>
+                        <a:latin typeface="Arial" panose="020B0604020202020204" pitchFamily="34" charset="0"/>
+                      </a:endParaRPr>
+                    </a:p>
+                  </a:txBody>
+                  <a:tcPr marL="8046" marR="8046" marT="8046" marB="0" anchor="b"/>
+                </a:tc>
+                <a:tc>
+                  <a:txBody>
+                    <a:bodyPr/>
+                    <a:lstStyle/>
+                    <a:p>
+                      <a:pPr algn="ctr" fontAlgn="b"/>
+                      <a:r>
+                        <a:rPr lang="en-US" sz="900" u="none" strike="noStrike">
+                          <a:effectLst/>
+                        </a:rPr>
+                        <a:t>Feature 1 Max</a:t>
+                      </a:r>
+                      <a:endParaRPr lang="en-US" sz="900" b="1" i="0" u="none" strike="noStrike">
+                        <a:solidFill>
+                          <a:srgbClr val="000000"/>
+                        </a:solidFill>
+                        <a:effectLst/>
+                        <a:latin typeface="Arial" panose="020B0604020202020204" pitchFamily="34" charset="0"/>
+                      </a:endParaRPr>
+                    </a:p>
+                  </a:txBody>
+                  <a:tcPr marL="8046" marR="8046" marT="8046" marB="0" anchor="b"/>
+                </a:tc>
+                <a:tc>
+                  <a:txBody>
+                    <a:bodyPr/>
+                    <a:lstStyle/>
+                    <a:p>
+                      <a:pPr algn="ctr" fontAlgn="b"/>
+                      <a:r>
+                        <a:rPr lang="en-US" sz="900" u="none" strike="noStrike">
+                          <a:effectLst/>
+                        </a:rPr>
+                        <a:t>Feature 2 Min</a:t>
+                      </a:r>
+                      <a:endParaRPr lang="en-US" sz="900" b="1" i="0" u="none" strike="noStrike">
+                        <a:solidFill>
+                          <a:srgbClr val="000000"/>
+                        </a:solidFill>
+                        <a:effectLst/>
+                        <a:latin typeface="Arial" panose="020B0604020202020204" pitchFamily="34" charset="0"/>
+                      </a:endParaRPr>
+                    </a:p>
+                  </a:txBody>
+                  <a:tcPr marL="8046" marR="8046" marT="8046" marB="0" anchor="b"/>
+                </a:tc>
+                <a:tc>
+                  <a:txBody>
+                    <a:bodyPr/>
+                    <a:lstStyle/>
+                    <a:p>
+                      <a:pPr algn="ctr" fontAlgn="b"/>
+                      <a:r>
+                        <a:rPr lang="en-US" sz="900" u="none" strike="noStrike">
+                          <a:effectLst/>
+                        </a:rPr>
+                        <a:t>Feature 2 Max</a:t>
+                      </a:r>
+                      <a:endParaRPr lang="en-US" sz="900" b="1" i="0" u="none" strike="noStrike">
+                        <a:solidFill>
+                          <a:srgbClr val="000000"/>
+                        </a:solidFill>
+                        <a:effectLst/>
+                        <a:latin typeface="Arial" panose="020B0604020202020204" pitchFamily="34" charset="0"/>
+                      </a:endParaRPr>
+                    </a:p>
+                  </a:txBody>
+                  <a:tcPr marL="8046" marR="8046" marT="8046" marB="0" anchor="b"/>
+                </a:tc>
+                <a:extLst>
+                  <a:ext uri="{0D108BD9-81ED-4DB2-BD59-A6C34878D82A}">
+                    <a16:rowId xmlns:a16="http://schemas.microsoft.com/office/drawing/2014/main" val="415398569"/>
+                  </a:ext>
+                </a:extLst>
+              </a:tr>
+              <a:tr h="152873">
+                <a:tc>
+                  <a:txBody>
+                    <a:bodyPr/>
+                    <a:lstStyle/>
+                    <a:p>
+                      <a:pPr algn="l" fontAlgn="b"/>
+                      <a:r>
+                        <a:rPr lang="en-US" sz="900" u="none" strike="noStrike">
+                          <a:effectLst/>
+                        </a:rPr>
+                        <a:t>Temperature-Volume Flow RateRMS</a:t>
+                      </a:r>
+                      <a:endParaRPr lang="en-US" sz="900" b="0" i="0" u="none" strike="noStrike">
+                        <a:solidFill>
+                          <a:srgbClr val="000000"/>
+                        </a:solidFill>
+                        <a:effectLst/>
+                        <a:latin typeface="Arial" panose="020B0604020202020204" pitchFamily="34" charset="0"/>
+                      </a:endParaRPr>
+                    </a:p>
+                  </a:txBody>
+                  <a:tcPr marL="8046" marR="8046" marT="8046" marB="0" anchor="b"/>
+                </a:tc>
+                <a:tc>
+                  <a:txBody>
+                    <a:bodyPr/>
+                    <a:lstStyle/>
+                    <a:p>
+                      <a:pPr algn="r" fontAlgn="b"/>
+                      <a:r>
+                        <a:rPr lang="he-IL" sz="900" u="none" strike="noStrike">
+                          <a:effectLst/>
+                        </a:rPr>
+                        <a:t>11</a:t>
+                      </a:r>
+                      <a:endParaRPr lang="he-IL" sz="900" b="0" i="0" u="none" strike="noStrike">
+                        <a:solidFill>
+                          <a:srgbClr val="000000"/>
+                        </a:solidFill>
+                        <a:effectLst/>
+                        <a:latin typeface="Arial" panose="020B0604020202020204" pitchFamily="34" charset="0"/>
+                      </a:endParaRPr>
+                    </a:p>
+                  </a:txBody>
+                  <a:tcPr marL="8046" marR="8046" marT="8046" marB="0" anchor="b"/>
+                </a:tc>
+                <a:tc>
+                  <a:txBody>
+                    <a:bodyPr/>
+                    <a:lstStyle/>
+                    <a:p>
+                      <a:pPr algn="r" fontAlgn="b"/>
+                      <a:r>
+                        <a:rPr lang="he-IL" sz="900" u="none" strike="noStrike">
+                          <a:effectLst/>
+                        </a:rPr>
+                        <a:t>0.234297109</a:t>
+                      </a:r>
+                      <a:endParaRPr lang="he-IL" sz="900" b="0" i="0" u="none" strike="noStrike">
+                        <a:solidFill>
+                          <a:srgbClr val="000000"/>
+                        </a:solidFill>
+                        <a:effectLst/>
+                        <a:latin typeface="Arial" panose="020B0604020202020204" pitchFamily="34" charset="0"/>
+                      </a:endParaRPr>
+                    </a:p>
+                  </a:txBody>
+                  <a:tcPr marL="8046" marR="8046" marT="8046" marB="0" anchor="b"/>
+                </a:tc>
+                <a:tc>
+                  <a:txBody>
+                    <a:bodyPr/>
+                    <a:lstStyle/>
+                    <a:p>
+                      <a:pPr algn="r" fontAlgn="b"/>
+                      <a:r>
+                        <a:rPr lang="he-IL" sz="900" u="none" strike="noStrike">
+                          <a:effectLst/>
+                        </a:rPr>
+                        <a:t>0.12596773</a:t>
+                      </a:r>
+                      <a:endParaRPr lang="he-IL" sz="900" b="0" i="0" u="none" strike="noStrike">
+                        <a:solidFill>
+                          <a:srgbClr val="000000"/>
+                        </a:solidFill>
+                        <a:effectLst/>
+                        <a:latin typeface="Arial" panose="020B0604020202020204" pitchFamily="34" charset="0"/>
+                      </a:endParaRPr>
+                    </a:p>
+                  </a:txBody>
+                  <a:tcPr marL="8046" marR="8046" marT="8046" marB="0" anchor="b"/>
+                </a:tc>
+                <a:tc>
+                  <a:txBody>
+                    <a:bodyPr/>
+                    <a:lstStyle/>
+                    <a:p>
+                      <a:pPr algn="r" fontAlgn="b"/>
+                      <a:r>
+                        <a:rPr lang="he-IL" sz="900" u="none" strike="noStrike">
+                          <a:effectLst/>
+                        </a:rPr>
+                        <a:t>1</a:t>
+                      </a:r>
+                      <a:endParaRPr lang="he-IL" sz="900" b="0" i="0" u="none" strike="noStrike">
+                        <a:solidFill>
+                          <a:srgbClr val="000000"/>
+                        </a:solidFill>
+                        <a:effectLst/>
+                        <a:latin typeface="Arial" panose="020B0604020202020204" pitchFamily="34" charset="0"/>
+                      </a:endParaRPr>
+                    </a:p>
+                  </a:txBody>
+                  <a:tcPr marL="8046" marR="8046" marT="8046" marB="0" anchor="b"/>
+                </a:tc>
+                <a:tc>
+                  <a:txBody>
+                    <a:bodyPr/>
+                    <a:lstStyle/>
+                    <a:p>
+                      <a:pPr algn="r" fontAlgn="b"/>
+                      <a:r>
+                        <a:rPr lang="he-IL" sz="900" u="none" strike="noStrike">
+                          <a:effectLst/>
+                        </a:rPr>
+                        <a:t>0.19665272</a:t>
+                      </a:r>
+                      <a:endParaRPr lang="he-IL" sz="900" b="0" i="0" u="none" strike="noStrike">
+                        <a:solidFill>
+                          <a:srgbClr val="000000"/>
+                        </a:solidFill>
+                        <a:effectLst/>
+                        <a:latin typeface="Arial" panose="020B0604020202020204" pitchFamily="34" charset="0"/>
+                      </a:endParaRPr>
+                    </a:p>
+                  </a:txBody>
+                  <a:tcPr marL="8046" marR="8046" marT="8046" marB="0" anchor="b"/>
+                </a:tc>
+                <a:tc>
+                  <a:txBody>
+                    <a:bodyPr/>
+                    <a:lstStyle/>
+                    <a:p>
+                      <a:pPr algn="r" fontAlgn="b"/>
+                      <a:r>
+                        <a:rPr lang="he-IL" sz="900" u="none" strike="noStrike">
+                          <a:effectLst/>
+                        </a:rPr>
+                        <a:t>13.32218506</a:t>
+                      </a:r>
+                      <a:endParaRPr lang="he-IL" sz="900" b="0" i="0" u="none" strike="noStrike">
+                        <a:solidFill>
+                          <a:srgbClr val="000000"/>
+                        </a:solidFill>
+                        <a:effectLst/>
+                        <a:latin typeface="Arial" panose="020B0604020202020204" pitchFamily="34" charset="0"/>
+                      </a:endParaRPr>
+                    </a:p>
+                  </a:txBody>
+                  <a:tcPr marL="8046" marR="8046" marT="8046" marB="0" anchor="b"/>
+                </a:tc>
+                <a:tc>
+                  <a:txBody>
+                    <a:bodyPr/>
+                    <a:lstStyle/>
+                    <a:p>
+                      <a:pPr algn="r" fontAlgn="b"/>
+                      <a:r>
+                        <a:rPr lang="he-IL" sz="900" u="none" strike="noStrike">
+                          <a:effectLst/>
+                        </a:rPr>
+                        <a:t>-1.238379657</a:t>
+                      </a:r>
+                      <a:endParaRPr lang="he-IL" sz="900" b="0" i="0" u="none" strike="noStrike">
+                        <a:solidFill>
+                          <a:srgbClr val="000000"/>
+                        </a:solidFill>
+                        <a:effectLst/>
+                        <a:latin typeface="Arial" panose="020B0604020202020204" pitchFamily="34" charset="0"/>
+                      </a:endParaRPr>
+                    </a:p>
+                  </a:txBody>
+                  <a:tcPr marL="8046" marR="8046" marT="8046" marB="0" anchor="b"/>
+                </a:tc>
+                <a:tc>
+                  <a:txBody>
+                    <a:bodyPr/>
+                    <a:lstStyle/>
+                    <a:p>
+                      <a:pPr algn="l" fontAlgn="b"/>
+                      <a:r>
+                        <a:rPr lang="en-US" sz="900" u="none" strike="noStrike">
+                          <a:effectLst/>
+                        </a:rPr>
+                        <a:t>inf</a:t>
+                      </a:r>
+                      <a:endParaRPr lang="en-US" sz="900" b="0" i="0" u="none" strike="noStrike">
+                        <a:solidFill>
+                          <a:srgbClr val="000000"/>
+                        </a:solidFill>
+                        <a:effectLst/>
+                        <a:latin typeface="Arial" panose="020B0604020202020204" pitchFamily="34" charset="0"/>
+                      </a:endParaRPr>
+                    </a:p>
+                  </a:txBody>
+                  <a:tcPr marL="8046" marR="8046" marT="8046" marB="0" anchor="b"/>
+                </a:tc>
+                <a:tc>
+                  <a:txBody>
+                    <a:bodyPr/>
+                    <a:lstStyle/>
+                    <a:p>
+                      <a:pPr algn="r" fontAlgn="b"/>
+                      <a:r>
+                        <a:rPr lang="he-IL" sz="900" u="none" strike="noStrike">
+                          <a:effectLst/>
+                        </a:rPr>
+                        <a:t>-4.238382816</a:t>
+                      </a:r>
+                      <a:endParaRPr lang="he-IL" sz="900" b="0" i="0" u="none" strike="noStrike">
+                        <a:solidFill>
+                          <a:srgbClr val="000000"/>
+                        </a:solidFill>
+                        <a:effectLst/>
+                        <a:latin typeface="Arial" panose="020B0604020202020204" pitchFamily="34" charset="0"/>
+                      </a:endParaRPr>
+                    </a:p>
+                  </a:txBody>
+                  <a:tcPr marL="8046" marR="8046" marT="8046" marB="0" anchor="b"/>
+                </a:tc>
+                <a:tc>
+                  <a:txBody>
+                    <a:bodyPr/>
+                    <a:lstStyle/>
+                    <a:p>
+                      <a:pPr algn="r" fontAlgn="b"/>
+                      <a:r>
+                        <a:rPr lang="he-IL" sz="900" u="none" strike="noStrike">
+                          <a:effectLst/>
+                        </a:rPr>
+                        <a:t>-1.506777167</a:t>
+                      </a:r>
+                      <a:endParaRPr lang="he-IL" sz="900" b="0" i="0" u="none" strike="noStrike">
+                        <a:solidFill>
+                          <a:srgbClr val="000000"/>
+                        </a:solidFill>
+                        <a:effectLst/>
+                        <a:latin typeface="Arial" panose="020B0604020202020204" pitchFamily="34" charset="0"/>
+                      </a:endParaRPr>
+                    </a:p>
+                  </a:txBody>
+                  <a:tcPr marL="8046" marR="8046" marT="8046" marB="0" anchor="b"/>
+                </a:tc>
+                <a:extLst>
+                  <a:ext uri="{0D108BD9-81ED-4DB2-BD59-A6C34878D82A}">
+                    <a16:rowId xmlns:a16="http://schemas.microsoft.com/office/drawing/2014/main" val="554685086"/>
+                  </a:ext>
+                </a:extLst>
+              </a:tr>
+              <a:tr h="152873">
+                <a:tc>
+                  <a:txBody>
+                    <a:bodyPr/>
+                    <a:lstStyle/>
+                    <a:p>
+                      <a:pPr algn="l" fontAlgn="b"/>
+                      <a:r>
+                        <a:rPr lang="en-US" sz="900" u="none" strike="noStrike">
+                          <a:effectLst/>
+                        </a:rPr>
+                        <a:t>Thermocouple-Volume Flow RateRMS</a:t>
+                      </a:r>
+                      <a:endParaRPr lang="en-US" sz="900" b="0" i="0" u="none" strike="noStrike">
+                        <a:solidFill>
+                          <a:srgbClr val="000000"/>
+                        </a:solidFill>
+                        <a:effectLst/>
+                        <a:latin typeface="Arial" panose="020B0604020202020204" pitchFamily="34" charset="0"/>
+                      </a:endParaRPr>
+                    </a:p>
+                  </a:txBody>
+                  <a:tcPr marL="8046" marR="8046" marT="8046" marB="0" anchor="b"/>
+                </a:tc>
+                <a:tc>
+                  <a:txBody>
+                    <a:bodyPr/>
+                    <a:lstStyle/>
+                    <a:p>
+                      <a:pPr algn="r" fontAlgn="b"/>
+                      <a:r>
+                        <a:rPr lang="he-IL" sz="900" u="none" strike="noStrike">
+                          <a:effectLst/>
+                        </a:rPr>
+                        <a:t>8</a:t>
+                      </a:r>
+                      <a:endParaRPr lang="he-IL" sz="900" b="0" i="0" u="none" strike="noStrike">
+                        <a:solidFill>
+                          <a:srgbClr val="000000"/>
+                        </a:solidFill>
+                        <a:effectLst/>
+                        <a:latin typeface="Arial" panose="020B0604020202020204" pitchFamily="34" charset="0"/>
+                      </a:endParaRPr>
+                    </a:p>
+                  </a:txBody>
+                  <a:tcPr marL="8046" marR="8046" marT="8046" marB="0" anchor="b"/>
+                </a:tc>
+                <a:tc>
+                  <a:txBody>
+                    <a:bodyPr/>
+                    <a:lstStyle/>
+                    <a:p>
+                      <a:pPr algn="r" fontAlgn="b"/>
+                      <a:r>
+                        <a:rPr lang="he-IL" sz="900" u="none" strike="noStrike">
+                          <a:effectLst/>
+                        </a:rPr>
+                        <a:t>0.350669819</a:t>
+                      </a:r>
+                      <a:endParaRPr lang="he-IL" sz="900" b="0" i="0" u="none" strike="noStrike">
+                        <a:solidFill>
+                          <a:srgbClr val="000000"/>
+                        </a:solidFill>
+                        <a:effectLst/>
+                        <a:latin typeface="Arial" panose="020B0604020202020204" pitchFamily="34" charset="0"/>
+                      </a:endParaRPr>
+                    </a:p>
+                  </a:txBody>
+                  <a:tcPr marL="8046" marR="8046" marT="8046" marB="0" anchor="b"/>
+                </a:tc>
+                <a:tc>
+                  <a:txBody>
+                    <a:bodyPr/>
+                    <a:lstStyle/>
+                    <a:p>
+                      <a:pPr algn="r" fontAlgn="b"/>
+                      <a:r>
+                        <a:rPr lang="he-IL" sz="900" u="none" strike="noStrike">
+                          <a:effectLst/>
+                        </a:rPr>
+                        <a:t>0.119735151</a:t>
+                      </a:r>
+                      <a:endParaRPr lang="he-IL" sz="900" b="0" i="0" u="none" strike="noStrike">
+                        <a:solidFill>
+                          <a:srgbClr val="000000"/>
+                        </a:solidFill>
+                        <a:effectLst/>
+                        <a:latin typeface="Arial" panose="020B0604020202020204" pitchFamily="34" charset="0"/>
+                      </a:endParaRPr>
+                    </a:p>
+                  </a:txBody>
+                  <a:tcPr marL="8046" marR="8046" marT="8046" marB="0" anchor="b"/>
+                </a:tc>
+                <a:tc>
+                  <a:txBody>
+                    <a:bodyPr/>
+                    <a:lstStyle/>
+                    <a:p>
+                      <a:pPr algn="r" fontAlgn="b"/>
+                      <a:r>
+                        <a:rPr lang="he-IL" sz="900" u="none" strike="noStrike">
+                          <a:effectLst/>
+                        </a:rPr>
+                        <a:t>1</a:t>
+                      </a:r>
+                      <a:endParaRPr lang="he-IL" sz="900" b="0" i="0" u="none" strike="noStrike">
+                        <a:solidFill>
+                          <a:srgbClr val="000000"/>
+                        </a:solidFill>
+                        <a:effectLst/>
+                        <a:latin typeface="Arial" panose="020B0604020202020204" pitchFamily="34" charset="0"/>
+                      </a:endParaRPr>
+                    </a:p>
+                  </a:txBody>
+                  <a:tcPr marL="8046" marR="8046" marT="8046" marB="0" anchor="b"/>
+                </a:tc>
+                <a:tc>
+                  <a:txBody>
+                    <a:bodyPr/>
+                    <a:lstStyle/>
+                    <a:p>
+                      <a:pPr algn="r" fontAlgn="b"/>
+                      <a:r>
+                        <a:rPr lang="he-IL" sz="900" u="none" strike="noStrike">
+                          <a:effectLst/>
+                        </a:rPr>
+                        <a:t>0.301694915</a:t>
+                      </a:r>
+                      <a:endParaRPr lang="he-IL" sz="900" b="0" i="0" u="none" strike="noStrike">
+                        <a:solidFill>
+                          <a:srgbClr val="000000"/>
+                        </a:solidFill>
+                        <a:effectLst/>
+                        <a:latin typeface="Arial" panose="020B0604020202020204" pitchFamily="34" charset="0"/>
+                      </a:endParaRPr>
+                    </a:p>
+                  </a:txBody>
+                  <a:tcPr marL="8046" marR="8046" marT="8046" marB="0" anchor="b"/>
+                </a:tc>
+                <a:tc>
+                  <a:txBody>
+                    <a:bodyPr/>
+                    <a:lstStyle/>
+                    <a:p>
+                      <a:pPr algn="r" fontAlgn="b"/>
+                      <a:r>
+                        <a:rPr lang="he-IL" sz="900" u="none" strike="noStrike">
+                          <a:effectLst/>
+                        </a:rPr>
+                        <a:t>16.44370123</a:t>
+                      </a:r>
+                      <a:endParaRPr lang="he-IL" sz="900" b="0" i="0" u="none" strike="noStrike">
+                        <a:solidFill>
+                          <a:srgbClr val="000000"/>
+                        </a:solidFill>
+                        <a:effectLst/>
+                        <a:latin typeface="Arial" panose="020B0604020202020204" pitchFamily="34" charset="0"/>
+                      </a:endParaRPr>
+                    </a:p>
+                  </a:txBody>
+                  <a:tcPr marL="8046" marR="8046" marT="8046" marB="0" anchor="b"/>
+                </a:tc>
+                <a:tc>
+                  <a:txBody>
+                    <a:bodyPr/>
+                    <a:lstStyle/>
+                    <a:p>
+                      <a:pPr algn="r" fontAlgn="b"/>
+                      <a:r>
+                        <a:rPr lang="he-IL" sz="900" u="none" strike="noStrike">
+                          <a:effectLst/>
+                        </a:rPr>
+                        <a:t>-1.169565737</a:t>
+                      </a:r>
+                      <a:endParaRPr lang="he-IL" sz="900" b="0" i="0" u="none" strike="noStrike">
+                        <a:solidFill>
+                          <a:srgbClr val="000000"/>
+                        </a:solidFill>
+                        <a:effectLst/>
+                        <a:latin typeface="Arial" panose="020B0604020202020204" pitchFamily="34" charset="0"/>
+                      </a:endParaRPr>
+                    </a:p>
+                  </a:txBody>
+                  <a:tcPr marL="8046" marR="8046" marT="8046" marB="0" anchor="b"/>
+                </a:tc>
+                <a:tc>
+                  <a:txBody>
+                    <a:bodyPr/>
+                    <a:lstStyle/>
+                    <a:p>
+                      <a:pPr algn="r" fontAlgn="b"/>
+                      <a:r>
+                        <a:rPr lang="he-IL" sz="900" u="none" strike="noStrike">
+                          <a:effectLst/>
+                        </a:rPr>
+                        <a:t>-1.083770454</a:t>
+                      </a:r>
+                      <a:endParaRPr lang="he-IL" sz="900" b="0" i="0" u="none" strike="noStrike">
+                        <a:solidFill>
+                          <a:srgbClr val="000000"/>
+                        </a:solidFill>
+                        <a:effectLst/>
+                        <a:latin typeface="Arial" panose="020B0604020202020204" pitchFamily="34" charset="0"/>
+                      </a:endParaRPr>
+                    </a:p>
+                  </a:txBody>
+                  <a:tcPr marL="8046" marR="8046" marT="8046" marB="0" anchor="b"/>
+                </a:tc>
+                <a:tc>
+                  <a:txBody>
+                    <a:bodyPr/>
+                    <a:lstStyle/>
+                    <a:p>
+                      <a:pPr algn="r" fontAlgn="b"/>
+                      <a:r>
+                        <a:rPr lang="he-IL" sz="900" u="none" strike="noStrike">
+                          <a:effectLst/>
+                        </a:rPr>
+                        <a:t>-4.238382816</a:t>
+                      </a:r>
+                      <a:endParaRPr lang="he-IL" sz="900" b="0" i="0" u="none" strike="noStrike">
+                        <a:solidFill>
+                          <a:srgbClr val="000000"/>
+                        </a:solidFill>
+                        <a:effectLst/>
+                        <a:latin typeface="Arial" panose="020B0604020202020204" pitchFamily="34" charset="0"/>
+                      </a:endParaRPr>
+                    </a:p>
+                  </a:txBody>
+                  <a:tcPr marL="8046" marR="8046" marT="8046" marB="0" anchor="b"/>
+                </a:tc>
+                <a:tc>
+                  <a:txBody>
+                    <a:bodyPr/>
+                    <a:lstStyle/>
+                    <a:p>
+                      <a:pPr algn="r" fontAlgn="b"/>
+                      <a:r>
+                        <a:rPr lang="he-IL" sz="900" u="none" strike="noStrike">
+                          <a:effectLst/>
+                        </a:rPr>
+                        <a:t>-0.072681308</a:t>
+                      </a:r>
+                      <a:endParaRPr lang="he-IL" sz="900" b="0" i="0" u="none" strike="noStrike">
+                        <a:solidFill>
+                          <a:srgbClr val="000000"/>
+                        </a:solidFill>
+                        <a:effectLst/>
+                        <a:latin typeface="Arial" panose="020B0604020202020204" pitchFamily="34" charset="0"/>
+                      </a:endParaRPr>
+                    </a:p>
+                  </a:txBody>
+                  <a:tcPr marL="8046" marR="8046" marT="8046" marB="0" anchor="b"/>
+                </a:tc>
+                <a:extLst>
+                  <a:ext uri="{0D108BD9-81ED-4DB2-BD59-A6C34878D82A}">
+                    <a16:rowId xmlns:a16="http://schemas.microsoft.com/office/drawing/2014/main" val="4150919485"/>
+                  </a:ext>
+                </a:extLst>
+              </a:tr>
+              <a:tr h="152873">
+                <a:tc>
+                  <a:txBody>
+                    <a:bodyPr/>
+                    <a:lstStyle/>
+                    <a:p>
+                      <a:pPr algn="l" fontAlgn="b"/>
+                      <a:r>
+                        <a:rPr lang="en-US" sz="900" u="none" strike="noStrike">
+                          <a:effectLst/>
+                        </a:rPr>
+                        <a:t>Accelerometer2RMS-Volume Flow RateRMS</a:t>
+                      </a:r>
+                      <a:endParaRPr lang="en-US" sz="900" b="0" i="0" u="none" strike="noStrike">
+                        <a:solidFill>
+                          <a:srgbClr val="000000"/>
+                        </a:solidFill>
+                        <a:effectLst/>
+                        <a:latin typeface="Arial" panose="020B0604020202020204" pitchFamily="34" charset="0"/>
+                      </a:endParaRPr>
+                    </a:p>
+                  </a:txBody>
+                  <a:tcPr marL="8046" marR="8046" marT="8046" marB="0" anchor="b"/>
+                </a:tc>
+                <a:tc>
+                  <a:txBody>
+                    <a:bodyPr/>
+                    <a:lstStyle/>
+                    <a:p>
+                      <a:pPr algn="r" fontAlgn="b"/>
+                      <a:r>
+                        <a:rPr lang="he-IL" sz="900" u="none" strike="noStrike">
+                          <a:effectLst/>
+                        </a:rPr>
+                        <a:t>5</a:t>
+                      </a:r>
+                      <a:endParaRPr lang="he-IL" sz="900" b="0" i="0" u="none" strike="noStrike">
+                        <a:solidFill>
+                          <a:srgbClr val="000000"/>
+                        </a:solidFill>
+                        <a:effectLst/>
+                        <a:latin typeface="Arial" panose="020B0604020202020204" pitchFamily="34" charset="0"/>
+                      </a:endParaRPr>
+                    </a:p>
+                  </a:txBody>
+                  <a:tcPr marL="8046" marR="8046" marT="8046" marB="0" anchor="b"/>
+                </a:tc>
+                <a:tc>
+                  <a:txBody>
+                    <a:bodyPr/>
+                    <a:lstStyle/>
+                    <a:p>
+                      <a:pPr algn="r" fontAlgn="b"/>
+                      <a:r>
+                        <a:rPr lang="he-IL" sz="900" u="none" strike="noStrike">
+                          <a:effectLst/>
+                        </a:rPr>
+                        <a:t>0.290456432</a:t>
+                      </a:r>
+                      <a:endParaRPr lang="he-IL" sz="900" b="0" i="0" u="none" strike="noStrike">
+                        <a:solidFill>
+                          <a:srgbClr val="000000"/>
+                        </a:solidFill>
+                        <a:effectLst/>
+                        <a:latin typeface="Arial" panose="020B0604020202020204" pitchFamily="34" charset="0"/>
+                      </a:endParaRPr>
+                    </a:p>
+                  </a:txBody>
+                  <a:tcPr marL="8046" marR="8046" marT="8046" marB="0" anchor="b"/>
+                </a:tc>
+                <a:tc>
+                  <a:txBody>
+                    <a:bodyPr/>
+                    <a:lstStyle/>
+                    <a:p>
+                      <a:pPr algn="r" fontAlgn="b"/>
+                      <a:r>
+                        <a:rPr lang="he-IL" sz="900" u="none" strike="noStrike">
+                          <a:effectLst/>
+                        </a:rPr>
+                        <a:t>0.101191498</a:t>
+                      </a:r>
+                      <a:endParaRPr lang="he-IL" sz="900" b="0" i="0" u="none" strike="noStrike">
+                        <a:solidFill>
+                          <a:srgbClr val="000000"/>
+                        </a:solidFill>
+                        <a:effectLst/>
+                        <a:latin typeface="Arial" panose="020B0604020202020204" pitchFamily="34" charset="0"/>
+                      </a:endParaRPr>
+                    </a:p>
+                  </a:txBody>
+                  <a:tcPr marL="8046" marR="8046" marT="8046" marB="0" anchor="b"/>
+                </a:tc>
+                <a:tc>
+                  <a:txBody>
+                    <a:bodyPr/>
+                    <a:lstStyle/>
+                    <a:p>
+                      <a:pPr algn="r" fontAlgn="b"/>
+                      <a:r>
+                        <a:rPr lang="he-IL" sz="900" u="none" strike="noStrike">
+                          <a:effectLst/>
+                        </a:rPr>
+                        <a:t>1</a:t>
+                      </a:r>
+                      <a:endParaRPr lang="he-IL" sz="900" b="0" i="0" u="none" strike="noStrike">
+                        <a:solidFill>
+                          <a:srgbClr val="000000"/>
+                        </a:solidFill>
+                        <a:effectLst/>
+                        <a:latin typeface="Arial" panose="020B0604020202020204" pitchFamily="34" charset="0"/>
+                      </a:endParaRPr>
+                    </a:p>
+                  </a:txBody>
+                  <a:tcPr marL="8046" marR="8046" marT="8046" marB="0" anchor="b"/>
+                </a:tc>
+                <a:tc>
+                  <a:txBody>
+                    <a:bodyPr/>
+                    <a:lstStyle/>
+                    <a:p>
+                      <a:pPr algn="r" fontAlgn="b"/>
+                      <a:r>
+                        <a:rPr lang="he-IL" sz="900" u="none" strike="noStrike">
+                          <a:effectLst/>
+                        </a:rPr>
+                        <a:t>0.246696035</a:t>
+                      </a:r>
+                      <a:endParaRPr lang="he-IL" sz="900" b="0" i="0" u="none" strike="noStrike">
+                        <a:solidFill>
+                          <a:srgbClr val="000000"/>
+                        </a:solidFill>
+                        <a:effectLst/>
+                        <a:latin typeface="Arial" panose="020B0604020202020204" pitchFamily="34" charset="0"/>
+                      </a:endParaRPr>
+                    </a:p>
+                  </a:txBody>
+                  <a:tcPr marL="8046" marR="8046" marT="8046" marB="0" anchor="b"/>
+                </a:tc>
+                <a:tc>
+                  <a:txBody>
+                    <a:bodyPr/>
+                    <a:lstStyle/>
+                    <a:p>
+                      <a:pPr algn="r" fontAlgn="b"/>
+                      <a:r>
+                        <a:rPr lang="he-IL" sz="900" u="none" strike="noStrike">
+                          <a:effectLst/>
+                        </a:rPr>
+                        <a:t>12.65328874</a:t>
+                      </a:r>
+                      <a:endParaRPr lang="he-IL" sz="900" b="0" i="0" u="none" strike="noStrike">
+                        <a:solidFill>
+                          <a:srgbClr val="000000"/>
+                        </a:solidFill>
+                        <a:effectLst/>
+                        <a:latin typeface="Arial" panose="020B0604020202020204" pitchFamily="34" charset="0"/>
+                      </a:endParaRPr>
+                    </a:p>
+                  </a:txBody>
+                  <a:tcPr marL="8046" marR="8046" marT="8046" marB="0" anchor="b"/>
+                </a:tc>
+                <a:tc>
+                  <a:txBody>
+                    <a:bodyPr/>
+                    <a:lstStyle/>
+                    <a:p>
+                      <a:pPr algn="r" fontAlgn="b"/>
+                      <a:r>
+                        <a:rPr lang="he-IL" sz="900" u="none" strike="noStrike">
+                          <a:effectLst/>
+                        </a:rPr>
+                        <a:t>-1000</a:t>
+                      </a:r>
+                      <a:endParaRPr lang="he-IL" sz="900" b="0" i="0" u="none" strike="noStrike">
+                        <a:solidFill>
+                          <a:srgbClr val="000000"/>
+                        </a:solidFill>
+                        <a:effectLst/>
+                        <a:latin typeface="Arial" panose="020B0604020202020204" pitchFamily="34" charset="0"/>
+                      </a:endParaRPr>
+                    </a:p>
+                  </a:txBody>
+                  <a:tcPr marL="8046" marR="8046" marT="8046" marB="0" anchor="b"/>
+                </a:tc>
+                <a:tc>
+                  <a:txBody>
+                    <a:bodyPr/>
+                    <a:lstStyle/>
+                    <a:p>
+                      <a:pPr algn="r" fontAlgn="b"/>
+                      <a:r>
+                        <a:rPr lang="he-IL" sz="900" u="none" strike="noStrike">
+                          <a:effectLst/>
+                        </a:rPr>
+                        <a:t>0.36477688</a:t>
+                      </a:r>
+                      <a:endParaRPr lang="he-IL" sz="900" b="0" i="0" u="none" strike="noStrike">
+                        <a:solidFill>
+                          <a:srgbClr val="000000"/>
+                        </a:solidFill>
+                        <a:effectLst/>
+                        <a:latin typeface="Arial" panose="020B0604020202020204" pitchFamily="34" charset="0"/>
+                      </a:endParaRPr>
+                    </a:p>
+                  </a:txBody>
+                  <a:tcPr marL="8046" marR="8046" marT="8046" marB="0" anchor="b"/>
+                </a:tc>
+                <a:tc>
+                  <a:txBody>
+                    <a:bodyPr/>
+                    <a:lstStyle/>
+                    <a:p>
+                      <a:pPr algn="r" fontAlgn="b"/>
+                      <a:r>
+                        <a:rPr lang="he-IL" sz="900" u="none" strike="noStrike">
+                          <a:effectLst/>
+                        </a:rPr>
+                        <a:t>-4.238382816</a:t>
+                      </a:r>
+                      <a:endParaRPr lang="he-IL" sz="900" b="0" i="0" u="none" strike="noStrike">
+                        <a:solidFill>
+                          <a:srgbClr val="000000"/>
+                        </a:solidFill>
+                        <a:effectLst/>
+                        <a:latin typeface="Arial" panose="020B0604020202020204" pitchFamily="34" charset="0"/>
+                      </a:endParaRPr>
+                    </a:p>
+                  </a:txBody>
+                  <a:tcPr marL="8046" marR="8046" marT="8046" marB="0" anchor="b"/>
+                </a:tc>
+                <a:tc>
+                  <a:txBody>
+                    <a:bodyPr/>
+                    <a:lstStyle/>
+                    <a:p>
+                      <a:pPr algn="r" fontAlgn="b"/>
+                      <a:r>
+                        <a:rPr lang="he-IL" sz="900" u="none" strike="noStrike" dirty="0">
+                          <a:effectLst/>
+                        </a:rPr>
+                        <a:t>-1.515254796</a:t>
+                      </a:r>
+                      <a:endParaRPr lang="he-IL" sz="900" b="0" i="0" u="none" strike="noStrike" dirty="0">
+                        <a:solidFill>
+                          <a:srgbClr val="000000"/>
+                        </a:solidFill>
+                        <a:effectLst/>
+                        <a:latin typeface="Arial" panose="020B0604020202020204" pitchFamily="34" charset="0"/>
+                      </a:endParaRPr>
+                    </a:p>
+                  </a:txBody>
+                  <a:tcPr marL="8046" marR="8046" marT="8046" marB="0" anchor="b"/>
+                </a:tc>
+                <a:extLst>
+                  <a:ext uri="{0D108BD9-81ED-4DB2-BD59-A6C34878D82A}">
+                    <a16:rowId xmlns:a16="http://schemas.microsoft.com/office/drawing/2014/main" val="292842204"/>
+                  </a:ext>
+                </a:extLst>
+              </a:tr>
+            </a:tbl>
+          </a:graphicData>
+        </a:graphic>
+      </p:graphicFrame>
+    </p:spTree>
+    <p:extLst>
+      <p:ext uri="{BB962C8B-B14F-4D97-AF65-F5344CB8AC3E}">
+        <p14:creationId xmlns:p14="http://schemas.microsoft.com/office/powerpoint/2010/main" val="955108418"/>
+      </p:ext>
+    </p:extLst>
+  </p:cSld>
+  <p:clrMapOvr>
+    <a:masterClrMapping/>
+  </p:clrMapOvr>
+</p:sld>
+</file>
+
+<file path=ppt/slides/slide29.xml><?xml version="1.0" encoding="utf-8"?>
 <p:sld xmlns:a="http://schemas.openxmlformats.org/drawingml/2006/main" xmlns:r="http://schemas.openxmlformats.org/officeDocument/2006/relationships" xmlns:p="http://schemas.openxmlformats.org/presentationml/2006/main">
   <p:cSld>
     <p:spTree>
@@ -9500,7 +18687,100 @@
 </p:sld>
 </file>
 
-<file path=ppt/slides/slide26.xml><?xml version="1.0" encoding="utf-8"?>
+<file path=ppt/slides/slide3.xml><?xml version="1.0" encoding="utf-8"?>
+<p:sld xmlns:a="http://schemas.openxmlformats.org/drawingml/2006/main" xmlns:r="http://schemas.openxmlformats.org/officeDocument/2006/relationships" xmlns:p="http://schemas.openxmlformats.org/presentationml/2006/main">
+  <p:cSld>
+    <p:spTree>
+      <p:nvGrpSpPr>
+        <p:cNvPr id="1" name=""/>
+        <p:cNvGrpSpPr/>
+        <p:nvPr/>
+      </p:nvGrpSpPr>
+      <p:grpSpPr>
+        <a:xfrm>
+          <a:off x="0" y="0"/>
+          <a:ext cx="0" cy="0"/>
+          <a:chOff x="0" y="0"/>
+          <a:chExt cx="0" cy="0"/>
+        </a:xfrm>
+      </p:grpSpPr>
+      <p:sp>
+        <p:nvSpPr>
+          <p:cNvPr id="4" name="Title 3">
+            <a:extLst>
+              <a:ext uri="{FF2B5EF4-FFF2-40B4-BE49-F238E27FC236}">
+                <a16:creationId xmlns:a16="http://schemas.microsoft.com/office/drawing/2014/main" id="{0164B796-02E6-2CF2-AD58-6BA0FF61E8C3}"/>
+              </a:ext>
+            </a:extLst>
+          </p:cNvPr>
+          <p:cNvSpPr>
+            <a:spLocks noGrp="1"/>
+          </p:cNvSpPr>
+          <p:nvPr>
+            <p:ph type="title"/>
+          </p:nvPr>
+        </p:nvSpPr>
+        <p:spPr/>
+        <p:txBody>
+          <a:bodyPr/>
+          <a:lstStyle/>
+          <a:p>
+            <a:pPr rtl="0"/>
+            <a:r>
+              <a:rPr lang="en-US" cap="all" dirty="0"/>
+              <a:t>From business OBJECTIVE –</a:t>
+            </a:r>
+            <a:br>
+              <a:rPr lang="en-US" cap="all" dirty="0"/>
+            </a:br>
+            <a:r>
+              <a:rPr lang="en-US" cap="all" dirty="0"/>
+              <a:t>to TECHNICAL metrics</a:t>
+            </a:r>
+            <a:endParaRPr lang="he-IL" cap="all" dirty="0"/>
+          </a:p>
+        </p:txBody>
+      </p:sp>
+      <p:sp>
+        <p:nvSpPr>
+          <p:cNvPr id="5" name="Text Placeholder 4">
+            <a:extLst>
+              <a:ext uri="{FF2B5EF4-FFF2-40B4-BE49-F238E27FC236}">
+                <a16:creationId xmlns:a16="http://schemas.microsoft.com/office/drawing/2014/main" id="{49087E06-C5E1-41C3-1F28-1C6A2EEE3E22}"/>
+              </a:ext>
+            </a:extLst>
+          </p:cNvPr>
+          <p:cNvSpPr>
+            <a:spLocks noGrp="1"/>
+          </p:cNvSpPr>
+          <p:nvPr>
+            <p:ph type="body" idx="1"/>
+          </p:nvPr>
+        </p:nvSpPr>
+        <p:spPr/>
+        <p:txBody>
+          <a:bodyPr/>
+          <a:lstStyle/>
+          <a:p>
+            <a:pPr rtl="0"/>
+            <a:endParaRPr lang="he-IL" dirty="0"/>
+          </a:p>
+        </p:txBody>
+      </p:sp>
+    </p:spTree>
+    <p:extLst>
+      <p:ext uri="{BB962C8B-B14F-4D97-AF65-F5344CB8AC3E}">
+        <p14:creationId xmlns:p14="http://schemas.microsoft.com/office/powerpoint/2010/main" val="3030595227"/>
+      </p:ext>
+    </p:extLst>
+  </p:cSld>
+  <p:clrMapOvr>
+    <a:masterClrMapping/>
+  </p:clrMapOvr>
+</p:sld>
+</file>
+
+<file path=ppt/slides/slide30.xml><?xml version="1.0" encoding="utf-8"?>
 <p:sld xmlns:a="http://schemas.openxmlformats.org/drawingml/2006/main" xmlns:r="http://schemas.openxmlformats.org/officeDocument/2006/relationships" xmlns:p="http://schemas.openxmlformats.org/presentationml/2006/main">
   <p:cSld>
     <p:spTree>
@@ -9625,12 +18905,6 @@
             <a:endParaRPr lang="en-US" dirty="0"/>
           </a:p>
           <a:p>
-            <a:pPr marL="0" indent="0" algn="l" rtl="0">
-              <a:buNone/>
-            </a:pPr>
-            <a:endParaRPr lang="he-IL" dirty="0"/>
-          </a:p>
-          <a:p>
             <a:pPr algn="l" rtl="0"/>
             <a:r>
               <a:rPr lang="en-US" dirty="0"/>
@@ -9662,7 +18936,18 @@
           <p:nvPr/>
         </p:nvPicPr>
         <p:blipFill>
-          <a:blip r:embed="rId2"/>
+          <a:blip r:embed="rId2">
+            <a:clrChange>
+              <a:clrFrom>
+                <a:srgbClr val="FFFFFF"/>
+              </a:clrFrom>
+              <a:clrTo>
+                <a:srgbClr val="FFFFFF">
+                  <a:alpha val="0"/>
+                </a:srgbClr>
+              </a:clrTo>
+            </a:clrChange>
+          </a:blip>
           <a:stretch>
             <a:fillRect/>
           </a:stretch>
@@ -9692,14 +18977,25 @@
           <p:nvPr/>
         </p:nvPicPr>
         <p:blipFill>
-          <a:blip r:embed="rId3"/>
+          <a:blip r:embed="rId3">
+            <a:clrChange>
+              <a:clrFrom>
+                <a:srgbClr val="FFFFFF"/>
+              </a:clrFrom>
+              <a:clrTo>
+                <a:srgbClr val="FFFFFF">
+                  <a:alpha val="0"/>
+                </a:srgbClr>
+              </a:clrTo>
+            </a:clrChange>
+          </a:blip>
           <a:stretch>
             <a:fillRect/>
           </a:stretch>
         </p:blipFill>
         <p:spPr>
           <a:xfrm>
-            <a:off x="1077696" y="3161746"/>
+            <a:off x="1385607" y="3320370"/>
             <a:ext cx="3469920" cy="1734960"/>
           </a:xfrm>
           <a:prstGeom prst="rect">
@@ -9721,7 +19017,7 @@
         </p:nvSpPr>
         <p:spPr>
           <a:xfrm>
-            <a:off x="1281599" y="3317915"/>
+            <a:off x="2443798" y="3172280"/>
             <a:ext cx="6094476" cy="369332"/>
           </a:xfrm>
           <a:prstGeom prst="rect">
@@ -9756,8 +19052,8 @@
         </p:nvSpPr>
         <p:spPr>
           <a:xfrm>
-            <a:off x="5593080" y="2644324"/>
-            <a:ext cx="6094476" cy="369332"/>
+            <a:off x="8660564" y="2977080"/>
+            <a:ext cx="1395549" cy="369332"/>
           </a:xfrm>
           <a:prstGeom prst="rect">
             <a:avLst/>
@@ -9790,7 +19086,7 @@
 </p:sld>
 </file>
 
-<file path=ppt/slides/slide27.xml><?xml version="1.0" encoding="utf-8"?>
+<file path=ppt/slides/slide31.xml><?xml version="1.0" encoding="utf-8"?>
 <p:sld xmlns:a="http://schemas.openxmlformats.org/drawingml/2006/main" xmlns:r="http://schemas.openxmlformats.org/officeDocument/2006/relationships" xmlns:p="http://schemas.openxmlformats.org/presentationml/2006/main">
   <p:cSld>
     <p:spTree>
@@ -9933,7 +19229,7 @@
 </p:sld>
 </file>
 
-<file path=ppt/slides/slide28.xml><?xml version="1.0" encoding="utf-8"?>
+<file path=ppt/slides/slide32.xml><?xml version="1.0" encoding="utf-8"?>
 <p:sld xmlns:a="http://schemas.openxmlformats.org/drawingml/2006/main" xmlns:r="http://schemas.openxmlformats.org/officeDocument/2006/relationships" xmlns:p="http://schemas.openxmlformats.org/presentationml/2006/main">
   <p:cSld>
     <p:bg>
@@ -10341,7 +19637,7 @@
 </p:sld>
 </file>
 
-<file path=ppt/slides/slide29.xml><?xml version="1.0" encoding="utf-8"?>
+<file path=ppt/slides/slide33.xml><?xml version="1.0" encoding="utf-8"?>
 <p:sld xmlns:a="http://schemas.openxmlformats.org/drawingml/2006/main" xmlns:r="http://schemas.openxmlformats.org/officeDocument/2006/relationships" xmlns:p="http://schemas.openxmlformats.org/presentationml/2006/main">
   <p:cSld>
     <p:spTree>
@@ -10469,100 +19765,7 @@
 </p:sld>
 </file>
 
-<file path=ppt/slides/slide3.xml><?xml version="1.0" encoding="utf-8"?>
-<p:sld xmlns:a="http://schemas.openxmlformats.org/drawingml/2006/main" xmlns:r="http://schemas.openxmlformats.org/officeDocument/2006/relationships" xmlns:p="http://schemas.openxmlformats.org/presentationml/2006/main">
-  <p:cSld>
-    <p:spTree>
-      <p:nvGrpSpPr>
-        <p:cNvPr id="1" name=""/>
-        <p:cNvGrpSpPr/>
-        <p:nvPr/>
-      </p:nvGrpSpPr>
-      <p:grpSpPr>
-        <a:xfrm>
-          <a:off x="0" y="0"/>
-          <a:ext cx="0" cy="0"/>
-          <a:chOff x="0" y="0"/>
-          <a:chExt cx="0" cy="0"/>
-        </a:xfrm>
-      </p:grpSpPr>
-      <p:sp>
-        <p:nvSpPr>
-          <p:cNvPr id="4" name="Title 3">
-            <a:extLst>
-              <a:ext uri="{FF2B5EF4-FFF2-40B4-BE49-F238E27FC236}">
-                <a16:creationId xmlns:a16="http://schemas.microsoft.com/office/drawing/2014/main" id="{0164B796-02E6-2CF2-AD58-6BA0FF61E8C3}"/>
-              </a:ext>
-            </a:extLst>
-          </p:cNvPr>
-          <p:cNvSpPr>
-            <a:spLocks noGrp="1"/>
-          </p:cNvSpPr>
-          <p:nvPr>
-            <p:ph type="title"/>
-          </p:nvPr>
-        </p:nvSpPr>
-        <p:spPr/>
-        <p:txBody>
-          <a:bodyPr/>
-          <a:lstStyle/>
-          <a:p>
-            <a:pPr rtl="0"/>
-            <a:r>
-              <a:rPr lang="en-US" cap="all" dirty="0"/>
-              <a:t>From business OBJECTIVE –</a:t>
-            </a:r>
-            <a:br>
-              <a:rPr lang="en-US" cap="all" dirty="0"/>
-            </a:br>
-            <a:r>
-              <a:rPr lang="en-US" cap="all" dirty="0"/>
-              <a:t>to TECHNICAL metrics</a:t>
-            </a:r>
-            <a:endParaRPr lang="he-IL" cap="all" dirty="0"/>
-          </a:p>
-        </p:txBody>
-      </p:sp>
-      <p:sp>
-        <p:nvSpPr>
-          <p:cNvPr id="5" name="Text Placeholder 4">
-            <a:extLst>
-              <a:ext uri="{FF2B5EF4-FFF2-40B4-BE49-F238E27FC236}">
-                <a16:creationId xmlns:a16="http://schemas.microsoft.com/office/drawing/2014/main" id="{49087E06-C5E1-41C3-1F28-1C6A2EEE3E22}"/>
-              </a:ext>
-            </a:extLst>
-          </p:cNvPr>
-          <p:cNvSpPr>
-            <a:spLocks noGrp="1"/>
-          </p:cNvSpPr>
-          <p:nvPr>
-            <p:ph type="body" idx="1"/>
-          </p:nvPr>
-        </p:nvSpPr>
-        <p:spPr/>
-        <p:txBody>
-          <a:bodyPr/>
-          <a:lstStyle/>
-          <a:p>
-            <a:pPr rtl="0"/>
-            <a:endParaRPr lang="he-IL" dirty="0"/>
-          </a:p>
-        </p:txBody>
-      </p:sp>
-    </p:spTree>
-    <p:extLst>
-      <p:ext uri="{BB962C8B-B14F-4D97-AF65-F5344CB8AC3E}">
-        <p14:creationId xmlns:p14="http://schemas.microsoft.com/office/powerpoint/2010/main" val="3030595227"/>
-      </p:ext>
-    </p:extLst>
-  </p:cSld>
-  <p:clrMapOvr>
-    <a:masterClrMapping/>
-  </p:clrMapOvr>
-</p:sld>
-</file>
-
-<file path=ppt/slides/slide30.xml><?xml version="1.0" encoding="utf-8"?>
+<file path=ppt/slides/slide34.xml><?xml version="1.0" encoding="utf-8"?>
 <p:sld xmlns:a="http://schemas.openxmlformats.org/drawingml/2006/main" xmlns:r="http://schemas.openxmlformats.org/officeDocument/2006/relationships" xmlns:p="http://schemas.openxmlformats.org/presentationml/2006/main">
   <p:cSld>
     <p:bg>
@@ -12442,7 +21645,7 @@
             </a:pPr>
             <a:r>
               <a:rPr lang="en-US" dirty="0"/>
-              <a:t>Focus on data slices which improvement with maximal overall F2 improvement</a:t>
+              <a:t>Phase 2 will focus on data slices with maximum potential F2 improvement, i.e. those which maximize overall F2 improvement.</a:t>
             </a:r>
           </a:p>
           <a:p>

--- a/docs/MLOps Final Project.pptx
+++ b/docs/MLOps Final Project.pptx
@@ -233,7 +233,7 @@
           <a:p>
             <a:fld id="{7C27A723-51FE-45AC-AC04-AE77775347B3}" type="datetimeFigureOut">
               <a:rPr lang="he-IL" smtClean="0"/>
-              <a:t>ג'/אדר א/תשפ"ד</a:t>
+              <a:t>ה'/אדר א/תשפ"ד</a:t>
             </a:fld>
             <a:endParaRPr lang="he-IL"/>
           </a:p>
@@ -1056,7 +1056,7 @@
           <a:p>
             <a:fld id="{48A87A34-81AB-432B-8DAE-1953F412C126}" type="datetimeFigureOut">
               <a:rPr lang="en-US" dirty="0"/>
-              <a:t>12-Feb-24</a:t>
+              <a:t>14-Feb-24</a:t>
             </a:fld>
             <a:endParaRPr lang="en-US" dirty="0"/>
           </a:p>
@@ -1363,7 +1363,7 @@
           <a:p>
             <a:fld id="{48A87A34-81AB-432B-8DAE-1953F412C126}" type="datetimeFigureOut">
               <a:rPr lang="en-US" dirty="0"/>
-              <a:t>12-Feb-24</a:t>
+              <a:t>14-Feb-24</a:t>
             </a:fld>
             <a:endParaRPr lang="en-US" dirty="0"/>
           </a:p>
@@ -1580,7 +1580,7 @@
           <a:p>
             <a:fld id="{48A87A34-81AB-432B-8DAE-1953F412C126}" type="datetimeFigureOut">
               <a:rPr lang="en-US" dirty="0"/>
-              <a:t>12-Feb-24</a:t>
+              <a:t>14-Feb-24</a:t>
             </a:fld>
             <a:endParaRPr lang="en-US" dirty="0"/>
           </a:p>
@@ -1866,7 +1866,7 @@
           <a:p>
             <a:fld id="{48A87A34-81AB-432B-8DAE-1953F412C126}" type="datetimeFigureOut">
               <a:rPr lang="en-US" dirty="0"/>
-              <a:t>12-Feb-24</a:t>
+              <a:t>14-Feb-24</a:t>
             </a:fld>
             <a:endParaRPr lang="en-US" dirty="0"/>
           </a:p>
@@ -2315,7 +2315,7 @@
           <a:p>
             <a:fld id="{48A87A34-81AB-432B-8DAE-1953F412C126}" type="datetimeFigureOut">
               <a:rPr lang="en-US" dirty="0"/>
-              <a:t>12-Feb-24</a:t>
+              <a:t>14-Feb-24</a:t>
             </a:fld>
             <a:endParaRPr lang="en-US" dirty="0"/>
           </a:p>
@@ -2886,7 +2886,7 @@
           <a:p>
             <a:fld id="{48A87A34-81AB-432B-8DAE-1953F412C126}" type="datetimeFigureOut">
               <a:rPr lang="en-US" dirty="0"/>
-              <a:t>12-Feb-24</a:t>
+              <a:t>14-Feb-24</a:t>
             </a:fld>
             <a:endParaRPr lang="en-US" dirty="0"/>
           </a:p>
@@ -3733,7 +3733,7 @@
           <a:p>
             <a:fld id="{48A87A34-81AB-432B-8DAE-1953F412C126}" type="datetimeFigureOut">
               <a:rPr lang="en-US" dirty="0"/>
-              <a:t>12-Feb-24</a:t>
+              <a:t>14-Feb-24</a:t>
             </a:fld>
             <a:endParaRPr lang="en-US" dirty="0"/>
           </a:p>
@@ -3933,7 +3933,7 @@
           <a:p>
             <a:fld id="{48A87A34-81AB-432B-8DAE-1953F412C126}" type="datetimeFigureOut">
               <a:rPr lang="en-US" dirty="0"/>
-              <a:t>12-Feb-24</a:t>
+              <a:t>14-Feb-24</a:t>
             </a:fld>
             <a:endParaRPr lang="en-US" dirty="0"/>
           </a:p>
@@ -4142,7 +4142,7 @@
           <a:p>
             <a:fld id="{48A87A34-81AB-432B-8DAE-1953F412C126}" type="datetimeFigureOut">
               <a:rPr lang="en-US" dirty="0"/>
-              <a:t>12-Feb-24</a:t>
+              <a:t>14-Feb-24</a:t>
             </a:fld>
             <a:endParaRPr lang="en-US" dirty="0"/>
           </a:p>
@@ -4351,7 +4351,7 @@
           <a:p>
             <a:fld id="{48A87A34-81AB-432B-8DAE-1953F412C126}" type="datetimeFigureOut">
               <a:rPr lang="en-US" dirty="0"/>
-              <a:t>12-Feb-24</a:t>
+              <a:t>14-Feb-24</a:t>
             </a:fld>
             <a:endParaRPr lang="en-US" dirty="0"/>
           </a:p>
@@ -4631,7 +4631,7 @@
           <a:p>
             <a:fld id="{48A87A34-81AB-432B-8DAE-1953F412C126}" type="datetimeFigureOut">
               <a:rPr lang="en-US" dirty="0"/>
-              <a:t>12-Feb-24</a:t>
+              <a:t>14-Feb-24</a:t>
             </a:fld>
             <a:endParaRPr lang="en-US" dirty="0"/>
           </a:p>
@@ -4893,7 +4893,7 @@
           <a:p>
             <a:fld id="{48A87A34-81AB-432B-8DAE-1953F412C126}" type="datetimeFigureOut">
               <a:rPr lang="en-US" dirty="0"/>
-              <a:t>12-Feb-24</a:t>
+              <a:t>14-Feb-24</a:t>
             </a:fld>
             <a:endParaRPr lang="en-US" dirty="0"/>
           </a:p>
@@ -5303,7 +5303,7 @@
           <a:p>
             <a:fld id="{48A87A34-81AB-432B-8DAE-1953F412C126}" type="datetimeFigureOut">
               <a:rPr lang="en-US" dirty="0"/>
-              <a:t>12-Feb-24</a:t>
+              <a:t>14-Feb-24</a:t>
             </a:fld>
             <a:endParaRPr lang="en-US" dirty="0"/>
           </a:p>
@@ -5446,7 +5446,7 @@
           <a:p>
             <a:fld id="{48A87A34-81AB-432B-8DAE-1953F412C126}" type="datetimeFigureOut">
               <a:rPr lang="en-US" dirty="0"/>
-              <a:t>12-Feb-24</a:t>
+              <a:t>14-Feb-24</a:t>
             </a:fld>
             <a:endParaRPr lang="en-US" dirty="0"/>
           </a:p>
@@ -5566,7 +5566,7 @@
           <a:p>
             <a:fld id="{48A87A34-81AB-432B-8DAE-1953F412C126}" type="datetimeFigureOut">
               <a:rPr lang="en-US" dirty="0"/>
-              <a:t>12-Feb-24</a:t>
+              <a:t>14-Feb-24</a:t>
             </a:fld>
             <a:endParaRPr lang="en-US" dirty="0"/>
           </a:p>
@@ -5840,7 +5840,7 @@
           <a:p>
             <a:fld id="{48A87A34-81AB-432B-8DAE-1953F412C126}" type="datetimeFigureOut">
               <a:rPr lang="en-US" dirty="0"/>
-              <a:t>12-Feb-24</a:t>
+              <a:t>14-Feb-24</a:t>
             </a:fld>
             <a:endParaRPr lang="en-US" dirty="0"/>
           </a:p>
@@ -6147,7 +6147,7 @@
           <a:p>
             <a:fld id="{48A87A34-81AB-432B-8DAE-1953F412C126}" type="datetimeFigureOut">
               <a:rPr lang="en-US" dirty="0"/>
-              <a:t>12-Feb-24</a:t>
+              <a:t>14-Feb-24</a:t>
             </a:fld>
             <a:endParaRPr lang="en-US" dirty="0"/>
           </a:p>
@@ -6394,7 +6394,7 @@
             <a:fld id="{48A87A34-81AB-432B-8DAE-1953F412C126}" type="datetimeFigureOut">
               <a:rPr lang="en-US" dirty="0"/>
               <a:pPr/>
-              <a:t>12-Feb-24</a:t>
+              <a:t>14-Feb-24</a:t>
             </a:fld>
             <a:endParaRPr lang="en-US" dirty="0"/>
           </a:p>
@@ -7126,7 +7126,7 @@
             </a:pPr>
             <a:r>
               <a:rPr lang="en-US" dirty="0"/>
-              <a:t>Y:	  ‘True’ = original model correctly predicted the original output</a:t>
+              <a:t>y:	  ‘True’ = original model correctly predicted the original output</a:t>
             </a:r>
           </a:p>
           <a:p>
@@ -7150,7 +7150,7 @@
             </a:pPr>
             <a:r>
               <a:rPr lang="en-US" dirty="0"/>
-              <a:t>Build the tree</a:t>
+              <a:t>Build the decision tree</a:t>
             </a:r>
           </a:p>
           <a:p>
@@ -8298,6 +8298,211 @@
           </a:p>
         </p:txBody>
       </p:sp>
+      <mc:AlternateContent xmlns:mc="http://schemas.openxmlformats.org/markup-compatibility/2006">
+        <mc:Choice xmlns:a14="http://schemas.microsoft.com/office/drawing/2010/main" Requires="a14">
+          <p:sp>
+            <p:nvSpPr>
+              <p:cNvPr id="7" name="TextBox 6">
+                <a:extLst>
+                  <a:ext uri="{FF2B5EF4-FFF2-40B4-BE49-F238E27FC236}">
+                    <a16:creationId xmlns:a16="http://schemas.microsoft.com/office/drawing/2014/main" id="{5E7ABAC6-E727-90B4-B178-B07C7AB5BA20}"/>
+                  </a:ext>
+                </a:extLst>
+              </p:cNvPr>
+              <p:cNvSpPr txBox="1"/>
+              <p:nvPr/>
+            </p:nvSpPr>
+            <p:spPr>
+              <a:xfrm>
+                <a:off x="9610759" y="2387413"/>
+                <a:ext cx="2229433" cy="475771"/>
+              </a:xfrm>
+              <a:prstGeom prst="rect">
+                <a:avLst/>
+              </a:prstGeom>
+              <a:noFill/>
+            </p:spPr>
+            <p:txBody>
+              <a:bodyPr wrap="square">
+                <a:spAutoFit/>
+              </a:bodyPr>
+              <a:lstStyle/>
+              <a:p>
+                <a:pPr/>
+                <a14:m>
+                  <m:oMathPara xmlns:m="http://schemas.openxmlformats.org/officeDocument/2006/math">
+                    <m:oMathParaPr>
+                      <m:jc m:val="centerGroup"/>
+                    </m:oMathParaPr>
+                    <m:oMath xmlns:m="http://schemas.openxmlformats.org/officeDocument/2006/math">
+                      <m:r>
+                        <a:rPr lang="en-US" sz="1200" i="1" smtClean="0">
+                          <a:latin typeface="Cambria Math" panose="02040503050406030204" pitchFamily="18" charset="0"/>
+                        </a:rPr>
+                        <m:t>𝐹</m:t>
+                      </m:r>
+                      <m:r>
+                        <a:rPr lang="en-US" sz="1200" i="1" smtClean="0">
+                          <a:latin typeface="Cambria Math" panose="02040503050406030204" pitchFamily="18" charset="0"/>
+                        </a:rPr>
+                        <m:t>2</m:t>
+                      </m:r>
+                      <m:r>
+                        <a:rPr lang="en-US" sz="1200" i="1" smtClean="0">
+                          <a:latin typeface="Cambria Math" panose="02040503050406030204" pitchFamily="18" charset="0"/>
+                        </a:rPr>
+                        <m:t>=</m:t>
+                      </m:r>
+                      <m:f>
+                        <m:fPr>
+                          <m:ctrlPr>
+                            <a:rPr lang="en-US" sz="1200" i="1" smtClean="0">
+                              <a:latin typeface="Cambria Math" panose="02040503050406030204" pitchFamily="18" charset="0"/>
+                            </a:rPr>
+                          </m:ctrlPr>
+                        </m:fPr>
+                        <m:num>
+                          <m:r>
+                            <a:rPr lang="en-US" sz="1200" i="1" smtClean="0">
+                              <a:latin typeface="Cambria Math" panose="02040503050406030204" pitchFamily="18" charset="0"/>
+                            </a:rPr>
+                            <m:t>5</m:t>
+                          </m:r>
+                          <m:r>
+                            <a:rPr lang="en-US" sz="1200" i="1" smtClean="0">
+                              <a:latin typeface="Cambria Math" panose="02040503050406030204" pitchFamily="18" charset="0"/>
+                            </a:rPr>
+                            <m:t> </m:t>
+                          </m:r>
+                          <m:r>
+                            <a:rPr lang="en-US" sz="1200" i="1" smtClean="0">
+                              <a:latin typeface="Cambria Math" panose="02040503050406030204" pitchFamily="18" charset="0"/>
+                            </a:rPr>
+                            <m:t>𝑇𝑃</m:t>
+                          </m:r>
+                        </m:num>
+                        <m:den>
+                          <m:r>
+                            <a:rPr lang="en-US" sz="1200" i="1" smtClean="0">
+                              <a:latin typeface="Cambria Math" panose="02040503050406030204" pitchFamily="18" charset="0"/>
+                            </a:rPr>
+                            <m:t>  </m:t>
+                          </m:r>
+                          <m:r>
+                            <a:rPr lang="en-US" sz="1200" i="1" smtClean="0">
+                              <a:latin typeface="Cambria Math" panose="02040503050406030204" pitchFamily="18" charset="0"/>
+                            </a:rPr>
+                            <m:t>5</m:t>
+                          </m:r>
+                          <m:r>
+                            <a:rPr lang="en-US" sz="1200" i="1" smtClean="0">
+                              <a:latin typeface="Cambria Math" panose="02040503050406030204" pitchFamily="18" charset="0"/>
+                            </a:rPr>
+                            <m:t> </m:t>
+                          </m:r>
+                          <m:r>
+                            <a:rPr lang="en-US" sz="1200" i="1" smtClean="0">
+                              <a:latin typeface="Cambria Math" panose="02040503050406030204" pitchFamily="18" charset="0"/>
+                            </a:rPr>
+                            <m:t>𝑇𝑃</m:t>
+                          </m:r>
+                          <m:r>
+                            <a:rPr lang="en-US" sz="1200" i="1" smtClean="0">
+                              <a:latin typeface="Cambria Math" panose="02040503050406030204" pitchFamily="18" charset="0"/>
+                            </a:rPr>
+                            <m:t>+(</m:t>
+                          </m:r>
+                          <m:r>
+                            <a:rPr lang="en-US" sz="1200" i="1" smtClean="0">
+                              <a:latin typeface="Cambria Math" panose="02040503050406030204" pitchFamily="18" charset="0"/>
+                            </a:rPr>
+                            <m:t>4</m:t>
+                          </m:r>
+                          <m:r>
+                            <a:rPr lang="en-US" sz="1200" i="1" smtClean="0">
+                              <a:latin typeface="Cambria Math" panose="02040503050406030204" pitchFamily="18" charset="0"/>
+                            </a:rPr>
+                            <m:t> </m:t>
+                          </m:r>
+                          <m:r>
+                            <a:rPr lang="en-US" sz="1200" i="1" smtClean="0">
+                              <a:latin typeface="Cambria Math" panose="02040503050406030204" pitchFamily="18" charset="0"/>
+                            </a:rPr>
+                            <m:t>𝐹𝑁</m:t>
+                          </m:r>
+                          <m:r>
+                            <a:rPr lang="en-US" sz="1200" i="1" smtClean="0">
+                              <a:latin typeface="Cambria Math" panose="02040503050406030204" pitchFamily="18" charset="0"/>
+                            </a:rPr>
+                            <m:t>+</m:t>
+                          </m:r>
+                          <m:r>
+                            <a:rPr lang="en-US" sz="1200" i="1" smtClean="0">
+                              <a:latin typeface="Cambria Math" panose="02040503050406030204" pitchFamily="18" charset="0"/>
+                            </a:rPr>
+                            <m:t>𝐹𝑃</m:t>
+                          </m:r>
+                          <m:r>
+                            <a:rPr lang="en-US" sz="1200" i="1" smtClean="0">
+                              <a:latin typeface="Cambria Math" panose="02040503050406030204" pitchFamily="18" charset="0"/>
+                            </a:rPr>
+                            <m:t>)  </m:t>
+                          </m:r>
+                        </m:den>
+                      </m:f>
+                    </m:oMath>
+                  </m:oMathPara>
+                </a14:m>
+                <a:endParaRPr lang="he-IL" sz="1200" dirty="0"/>
+              </a:p>
+            </p:txBody>
+          </p:sp>
+        </mc:Choice>
+        <mc:Fallback>
+          <p:sp>
+            <p:nvSpPr>
+              <p:cNvPr id="7" name="TextBox 6">
+                <a:extLst>
+                  <a:ext uri="{FF2B5EF4-FFF2-40B4-BE49-F238E27FC236}">
+                    <a16:creationId xmlns:a16="http://schemas.microsoft.com/office/drawing/2014/main" id="{5E7ABAC6-E727-90B4-B178-B07C7AB5BA20}"/>
+                  </a:ext>
+                </a:extLst>
+              </p:cNvPr>
+              <p:cNvSpPr txBox="1">
+                <a:spLocks noRot="1" noChangeAspect="1" noMove="1" noResize="1" noEditPoints="1" noAdjustHandles="1" noChangeArrowheads="1" noChangeShapeType="1" noTextEdit="1"/>
+              </p:cNvSpPr>
+              <p:nvPr/>
+            </p:nvSpPr>
+            <p:spPr>
+              <a:xfrm>
+                <a:off x="9610759" y="2387413"/>
+                <a:ext cx="2229433" cy="475771"/>
+              </a:xfrm>
+              <a:prstGeom prst="rect">
+                <a:avLst/>
+              </a:prstGeom>
+              <a:blipFill>
+                <a:blip r:embed="rId4"/>
+                <a:stretch>
+                  <a:fillRect b="-6410"/>
+                </a:stretch>
+              </a:blipFill>
+            </p:spPr>
+            <p:txBody>
+              <a:bodyPr/>
+              <a:lstStyle/>
+              <a:p>
+                <a:r>
+                  <a:rPr lang="he-IL">
+                    <a:noFill/>
+                  </a:rPr>
+                  <a:t> </a:t>
+                </a:r>
+              </a:p>
+            </p:txBody>
+          </p:sp>
+        </mc:Fallback>
+      </mc:AlternateContent>
     </p:spTree>
     <p:extLst>
       <p:ext uri="{BB962C8B-B14F-4D97-AF65-F5344CB8AC3E}">
@@ -8789,7 +8994,7 @@
 </file>
 
 <file path=ppt/slides/slide2.xml><?xml version="1.0" encoding="utf-8"?>
-<p:sld xmlns:a="http://schemas.openxmlformats.org/drawingml/2006/main" xmlns:r="http://schemas.openxmlformats.org/officeDocument/2006/relationships" xmlns:p="http://schemas.openxmlformats.org/presentationml/2006/main" show="0">
+<p:sld xmlns:a="http://schemas.openxmlformats.org/drawingml/2006/main" xmlns:r="http://schemas.openxmlformats.org/officeDocument/2006/relationships" xmlns:p="http://schemas.openxmlformats.org/presentationml/2006/main">
   <p:cSld>
     <p:spTree>
       <p:nvGrpSpPr>
@@ -22057,8 +22262,23 @@
                 <a:solidFill>
                   <a:srgbClr val="2E502E"/>
                 </a:solidFill>
+                <a:hlinkClick r:id="rId7">
+                  <a:extLst>
+                    <a:ext uri="{A12FA001-AC4F-418D-AE19-62706E023703}">
+                      <ahyp:hlinkClr xmlns:ahyp="http://schemas.microsoft.com/office/drawing/2018/hyperlinkcolor" val="tx"/>
+                    </a:ext>
+                  </a:extLst>
+                </a:hlinkClick>
               </a:rPr>
-              <a:t>“Automated extraction of data slices to test machine learning models”,</a:t>
+              <a:t>“Automated extraction of data slices to test machine learning models”</a:t>
+            </a:r>
+            <a:r>
+              <a:rPr lang="en-US" sz="2800" dirty="0">
+                <a:solidFill>
+                  <a:srgbClr val="2E502E"/>
+                </a:solidFill>
+              </a:rPr>
+              <a:t>,</a:t>
             </a:r>
           </a:p>
           <a:p>
@@ -22089,7 +22309,7 @@
           <p:nvPr/>
         </p:nvPicPr>
         <p:blipFill>
-          <a:blip r:embed="rId7">
+          <a:blip r:embed="rId8">
             <a:extLst>
               <a:ext uri="{28A0092B-C50C-407E-A947-70E740481C1C}">
                 <a14:useLocalDpi xmlns:a14="http://schemas.microsoft.com/office/drawing/2010/main" val="0"/>
